--- a/Presentazione_progetto.pptx
+++ b/Presentazione_progetto.pptx
@@ -4,9 +4,14 @@
   <p:sldMasterIdLst>
     <p:sldMasterId id="2147483672" r:id="rId1"/>
   </p:sldMasterIdLst>
+  <p:notesMasterIdLst>
+    <p:notesMasterId r:id="rId6"/>
+  </p:notesMasterIdLst>
   <p:sldIdLst>
     <p:sldId id="256" r:id="rId2"/>
     <p:sldId id="257" r:id="rId3"/>
+    <p:sldId id="258" r:id="rId4"/>
+    <p:sldId id="259" r:id="rId5"/>
   </p:sldIdLst>
   <p:sldSz cx="12192000" cy="6858000"/>
   <p:notesSz cx="6858000" cy="9144000"/>
@@ -105,7 +110,602 @@
       </a:defRPr>
     </a:lvl9pPr>
   </p:defaultTextStyle>
+  <p:extLst>
+    <p:ext uri="{EFAFB233-063F-42B5-8137-9DF3F51BA10A}">
+      <p15:sldGuideLst xmlns:p15="http://schemas.microsoft.com/office/powerpoint/2012/main"/>
+    </p:ext>
+  </p:extLst>
 </p:presentation>
+</file>
+
+<file path=ppt/notesMasters/notesMaster1.xml><?xml version="1.0" encoding="utf-8"?>
+<p:notesMaster xmlns:a="http://schemas.openxmlformats.org/drawingml/2006/main" xmlns:r="http://schemas.openxmlformats.org/officeDocument/2006/relationships" xmlns:p="http://schemas.openxmlformats.org/presentationml/2006/main">
+  <p:cSld>
+    <p:bg>
+      <p:bgRef idx="1001">
+        <a:schemeClr val="bg1"/>
+      </p:bgRef>
+    </p:bg>
+    <p:spTree>
+      <p:nvGrpSpPr>
+        <p:cNvPr id="1" name=""/>
+        <p:cNvGrpSpPr/>
+        <p:nvPr/>
+      </p:nvGrpSpPr>
+      <p:grpSpPr>
+        <a:xfrm>
+          <a:off x="0" y="0"/>
+          <a:ext cx="0" cy="0"/>
+          <a:chOff x="0" y="0"/>
+          <a:chExt cx="0" cy="0"/>
+        </a:xfrm>
+      </p:grpSpPr>
+      <p:sp>
+        <p:nvSpPr>
+          <p:cNvPr id="2" name="Segnaposto intestazione 1"/>
+          <p:cNvSpPr>
+            <a:spLocks noGrp="1"/>
+          </p:cNvSpPr>
+          <p:nvPr>
+            <p:ph type="hdr" sz="quarter"/>
+          </p:nvPr>
+        </p:nvSpPr>
+        <p:spPr>
+          <a:xfrm>
+            <a:off x="0" y="0"/>
+            <a:ext cx="2971800" cy="458788"/>
+          </a:xfrm>
+          <a:prstGeom prst="rect">
+            <a:avLst/>
+          </a:prstGeom>
+        </p:spPr>
+        <p:txBody>
+          <a:bodyPr vert="horz" lIns="91440" tIns="45720" rIns="91440" bIns="45720" rtlCol="0"/>
+          <a:lstStyle>
+            <a:lvl1pPr algn="l">
+              <a:defRPr sz="1200"/>
+            </a:lvl1pPr>
+          </a:lstStyle>
+          <a:p>
+            <a:endParaRPr lang="it-IT"/>
+          </a:p>
+        </p:txBody>
+      </p:sp>
+      <p:sp>
+        <p:nvSpPr>
+          <p:cNvPr id="3" name="Segnaposto data 2"/>
+          <p:cNvSpPr>
+            <a:spLocks noGrp="1"/>
+          </p:cNvSpPr>
+          <p:nvPr>
+            <p:ph type="dt" idx="1"/>
+          </p:nvPr>
+        </p:nvSpPr>
+        <p:spPr>
+          <a:xfrm>
+            <a:off x="3884613" y="0"/>
+            <a:ext cx="2971800" cy="458788"/>
+          </a:xfrm>
+          <a:prstGeom prst="rect">
+            <a:avLst/>
+          </a:prstGeom>
+        </p:spPr>
+        <p:txBody>
+          <a:bodyPr vert="horz" lIns="91440" tIns="45720" rIns="91440" bIns="45720" rtlCol="0"/>
+          <a:lstStyle>
+            <a:lvl1pPr algn="r">
+              <a:defRPr sz="1200"/>
+            </a:lvl1pPr>
+          </a:lstStyle>
+          <a:p>
+            <a:fld id="{5D86E91A-6C9D-48EA-9EAF-BBA9F3961CF9}" type="datetimeFigureOut">
+              <a:rPr lang="it-IT" smtClean="0"/>
+              <a:t>14/03/2022</a:t>
+            </a:fld>
+            <a:endParaRPr lang="it-IT"/>
+          </a:p>
+        </p:txBody>
+      </p:sp>
+      <p:sp>
+        <p:nvSpPr>
+          <p:cNvPr id="4" name="Segnaposto immagine diapositiva 3"/>
+          <p:cNvSpPr>
+            <a:spLocks noGrp="1" noRot="1" noChangeAspect="1"/>
+          </p:cNvSpPr>
+          <p:nvPr>
+            <p:ph type="sldImg" idx="2"/>
+          </p:nvPr>
+        </p:nvSpPr>
+        <p:spPr>
+          <a:xfrm>
+            <a:off x="685800" y="1143000"/>
+            <a:ext cx="5486400" cy="3086100"/>
+          </a:xfrm>
+          <a:prstGeom prst="rect">
+            <a:avLst/>
+          </a:prstGeom>
+          <a:noFill/>
+          <a:ln w="12700">
+            <a:solidFill>
+              <a:prstClr val="black"/>
+            </a:solidFill>
+          </a:ln>
+        </p:spPr>
+        <p:txBody>
+          <a:bodyPr vert="horz" lIns="91440" tIns="45720" rIns="91440" bIns="45720" rtlCol="0" anchor="ctr"/>
+          <a:lstStyle/>
+          <a:p>
+            <a:endParaRPr lang="it-IT"/>
+          </a:p>
+        </p:txBody>
+      </p:sp>
+      <p:sp>
+        <p:nvSpPr>
+          <p:cNvPr id="5" name="Segnaposto note 4"/>
+          <p:cNvSpPr>
+            <a:spLocks noGrp="1"/>
+          </p:cNvSpPr>
+          <p:nvPr>
+            <p:ph type="body" sz="quarter" idx="3"/>
+          </p:nvPr>
+        </p:nvSpPr>
+        <p:spPr>
+          <a:xfrm>
+            <a:off x="685800" y="4400550"/>
+            <a:ext cx="5486400" cy="3600450"/>
+          </a:xfrm>
+          <a:prstGeom prst="rect">
+            <a:avLst/>
+          </a:prstGeom>
+        </p:spPr>
+        <p:txBody>
+          <a:bodyPr vert="horz" lIns="91440" tIns="45720" rIns="91440" bIns="45720" rtlCol="0"/>
+          <a:lstStyle/>
+          <a:p>
+            <a:pPr lvl="0"/>
+            <a:r>
+              <a:rPr lang="it-IT"/>
+              <a:t>Fare clic per modificare gli stili del testo dello schema</a:t>
+            </a:r>
+          </a:p>
+          <a:p>
+            <a:pPr lvl="1"/>
+            <a:r>
+              <a:rPr lang="it-IT"/>
+              <a:t>Secondo livello</a:t>
+            </a:r>
+          </a:p>
+          <a:p>
+            <a:pPr lvl="2"/>
+            <a:r>
+              <a:rPr lang="it-IT"/>
+              <a:t>Terzo livello</a:t>
+            </a:r>
+          </a:p>
+          <a:p>
+            <a:pPr lvl="3"/>
+            <a:r>
+              <a:rPr lang="it-IT"/>
+              <a:t>Quarto livello</a:t>
+            </a:r>
+          </a:p>
+          <a:p>
+            <a:pPr lvl="4"/>
+            <a:r>
+              <a:rPr lang="it-IT"/>
+              <a:t>Quinto livello</a:t>
+            </a:r>
+          </a:p>
+        </p:txBody>
+      </p:sp>
+      <p:sp>
+        <p:nvSpPr>
+          <p:cNvPr id="6" name="Segnaposto piè di pagina 5"/>
+          <p:cNvSpPr>
+            <a:spLocks noGrp="1"/>
+          </p:cNvSpPr>
+          <p:nvPr>
+            <p:ph type="ftr" sz="quarter" idx="4"/>
+          </p:nvPr>
+        </p:nvSpPr>
+        <p:spPr>
+          <a:xfrm>
+            <a:off x="0" y="8685213"/>
+            <a:ext cx="2971800" cy="458787"/>
+          </a:xfrm>
+          <a:prstGeom prst="rect">
+            <a:avLst/>
+          </a:prstGeom>
+        </p:spPr>
+        <p:txBody>
+          <a:bodyPr vert="horz" lIns="91440" tIns="45720" rIns="91440" bIns="45720" rtlCol="0" anchor="b"/>
+          <a:lstStyle>
+            <a:lvl1pPr algn="l">
+              <a:defRPr sz="1200"/>
+            </a:lvl1pPr>
+          </a:lstStyle>
+          <a:p>
+            <a:endParaRPr lang="it-IT"/>
+          </a:p>
+        </p:txBody>
+      </p:sp>
+      <p:sp>
+        <p:nvSpPr>
+          <p:cNvPr id="7" name="Segnaposto numero diapositiva 6"/>
+          <p:cNvSpPr>
+            <a:spLocks noGrp="1"/>
+          </p:cNvSpPr>
+          <p:nvPr>
+            <p:ph type="sldNum" sz="quarter" idx="5"/>
+          </p:nvPr>
+        </p:nvSpPr>
+        <p:spPr>
+          <a:xfrm>
+            <a:off x="3884613" y="8685213"/>
+            <a:ext cx="2971800" cy="458787"/>
+          </a:xfrm>
+          <a:prstGeom prst="rect">
+            <a:avLst/>
+          </a:prstGeom>
+        </p:spPr>
+        <p:txBody>
+          <a:bodyPr vert="horz" lIns="91440" tIns="45720" rIns="91440" bIns="45720" rtlCol="0" anchor="b"/>
+          <a:lstStyle>
+            <a:lvl1pPr algn="r">
+              <a:defRPr sz="1200"/>
+            </a:lvl1pPr>
+          </a:lstStyle>
+          <a:p>
+            <a:fld id="{7B9EF5EE-42ED-4142-B01A-B637985E9B70}" type="slidenum">
+              <a:rPr lang="it-IT" smtClean="0"/>
+              <a:t>‹N›</a:t>
+            </a:fld>
+            <a:endParaRPr lang="it-IT"/>
+          </a:p>
+        </p:txBody>
+      </p:sp>
+    </p:spTree>
+    <p:extLst>
+      <p:ext uri="{BB962C8B-B14F-4D97-AF65-F5344CB8AC3E}">
+        <p14:creationId xmlns:p14="http://schemas.microsoft.com/office/powerpoint/2010/main" val="3793254147"/>
+      </p:ext>
+    </p:extLst>
+  </p:cSld>
+  <p:clrMap bg1="lt1" tx1="dk1" bg2="lt2" tx2="dk2" accent1="accent1" accent2="accent2" accent3="accent3" accent4="accent4" accent5="accent5" accent6="accent6" hlink="hlink" folHlink="folHlink"/>
+  <p:notesStyle>
+    <a:lvl1pPr marL="0" algn="l" defTabSz="914400" rtl="0" eaLnBrk="1" latinLnBrk="0" hangingPunct="1">
+      <a:defRPr sz="1200" kern="1200">
+        <a:solidFill>
+          <a:schemeClr val="tx1"/>
+        </a:solidFill>
+        <a:latin typeface="+mn-lt"/>
+        <a:ea typeface="+mn-ea"/>
+        <a:cs typeface="+mn-cs"/>
+      </a:defRPr>
+    </a:lvl1pPr>
+    <a:lvl2pPr marL="457200" algn="l" defTabSz="914400" rtl="0" eaLnBrk="1" latinLnBrk="0" hangingPunct="1">
+      <a:defRPr sz="1200" kern="1200">
+        <a:solidFill>
+          <a:schemeClr val="tx1"/>
+        </a:solidFill>
+        <a:latin typeface="+mn-lt"/>
+        <a:ea typeface="+mn-ea"/>
+        <a:cs typeface="+mn-cs"/>
+      </a:defRPr>
+    </a:lvl2pPr>
+    <a:lvl3pPr marL="914400" algn="l" defTabSz="914400" rtl="0" eaLnBrk="1" latinLnBrk="0" hangingPunct="1">
+      <a:defRPr sz="1200" kern="1200">
+        <a:solidFill>
+          <a:schemeClr val="tx1"/>
+        </a:solidFill>
+        <a:latin typeface="+mn-lt"/>
+        <a:ea typeface="+mn-ea"/>
+        <a:cs typeface="+mn-cs"/>
+      </a:defRPr>
+    </a:lvl3pPr>
+    <a:lvl4pPr marL="1371600" algn="l" defTabSz="914400" rtl="0" eaLnBrk="1" latinLnBrk="0" hangingPunct="1">
+      <a:defRPr sz="1200" kern="1200">
+        <a:solidFill>
+          <a:schemeClr val="tx1"/>
+        </a:solidFill>
+        <a:latin typeface="+mn-lt"/>
+        <a:ea typeface="+mn-ea"/>
+        <a:cs typeface="+mn-cs"/>
+      </a:defRPr>
+    </a:lvl4pPr>
+    <a:lvl5pPr marL="1828800" algn="l" defTabSz="914400" rtl="0" eaLnBrk="1" latinLnBrk="0" hangingPunct="1">
+      <a:defRPr sz="1200" kern="1200">
+        <a:solidFill>
+          <a:schemeClr val="tx1"/>
+        </a:solidFill>
+        <a:latin typeface="+mn-lt"/>
+        <a:ea typeface="+mn-ea"/>
+        <a:cs typeface="+mn-cs"/>
+      </a:defRPr>
+    </a:lvl5pPr>
+    <a:lvl6pPr marL="2286000" algn="l" defTabSz="914400" rtl="0" eaLnBrk="1" latinLnBrk="0" hangingPunct="1">
+      <a:defRPr sz="1200" kern="1200">
+        <a:solidFill>
+          <a:schemeClr val="tx1"/>
+        </a:solidFill>
+        <a:latin typeface="+mn-lt"/>
+        <a:ea typeface="+mn-ea"/>
+        <a:cs typeface="+mn-cs"/>
+      </a:defRPr>
+    </a:lvl6pPr>
+    <a:lvl7pPr marL="2743200" algn="l" defTabSz="914400" rtl="0" eaLnBrk="1" latinLnBrk="0" hangingPunct="1">
+      <a:defRPr sz="1200" kern="1200">
+        <a:solidFill>
+          <a:schemeClr val="tx1"/>
+        </a:solidFill>
+        <a:latin typeface="+mn-lt"/>
+        <a:ea typeface="+mn-ea"/>
+        <a:cs typeface="+mn-cs"/>
+      </a:defRPr>
+    </a:lvl7pPr>
+    <a:lvl8pPr marL="3200400" algn="l" defTabSz="914400" rtl="0" eaLnBrk="1" latinLnBrk="0" hangingPunct="1">
+      <a:defRPr sz="1200" kern="1200">
+        <a:solidFill>
+          <a:schemeClr val="tx1"/>
+        </a:solidFill>
+        <a:latin typeface="+mn-lt"/>
+        <a:ea typeface="+mn-ea"/>
+        <a:cs typeface="+mn-cs"/>
+      </a:defRPr>
+    </a:lvl8pPr>
+    <a:lvl9pPr marL="3657600" algn="l" defTabSz="914400" rtl="0" eaLnBrk="1" latinLnBrk="0" hangingPunct="1">
+      <a:defRPr sz="1200" kern="1200">
+        <a:solidFill>
+          <a:schemeClr val="tx1"/>
+        </a:solidFill>
+        <a:latin typeface="+mn-lt"/>
+        <a:ea typeface="+mn-ea"/>
+        <a:cs typeface="+mn-cs"/>
+      </a:defRPr>
+    </a:lvl9pPr>
+  </p:notesStyle>
+</p:notesMaster>
+</file>
+
+<file path=ppt/notesSlides/notesSlide1.xml><?xml version="1.0" encoding="utf-8"?>
+<p:notes xmlns:a="http://schemas.openxmlformats.org/drawingml/2006/main" xmlns:r="http://schemas.openxmlformats.org/officeDocument/2006/relationships" xmlns:p="http://schemas.openxmlformats.org/presentationml/2006/main">
+  <p:cSld>
+    <p:spTree>
+      <p:nvGrpSpPr>
+        <p:cNvPr id="1" name=""/>
+        <p:cNvGrpSpPr/>
+        <p:nvPr/>
+      </p:nvGrpSpPr>
+      <p:grpSpPr>
+        <a:xfrm>
+          <a:off x="0" y="0"/>
+          <a:ext cx="0" cy="0"/>
+          <a:chOff x="0" y="0"/>
+          <a:chExt cx="0" cy="0"/>
+        </a:xfrm>
+      </p:grpSpPr>
+      <p:sp>
+        <p:nvSpPr>
+          <p:cNvPr id="2" name="Segnaposto immagine diapositiva 1"/>
+          <p:cNvSpPr>
+            <a:spLocks noGrp="1" noRot="1" noChangeAspect="1"/>
+          </p:cNvSpPr>
+          <p:nvPr>
+            <p:ph type="sldImg"/>
+          </p:nvPr>
+        </p:nvSpPr>
+        <p:spPr/>
+      </p:sp>
+      <p:sp>
+        <p:nvSpPr>
+          <p:cNvPr id="3" name="Segnaposto note 2"/>
+          <p:cNvSpPr>
+            <a:spLocks noGrp="1"/>
+          </p:cNvSpPr>
+          <p:nvPr>
+            <p:ph type="body" idx="1"/>
+          </p:nvPr>
+        </p:nvSpPr>
+        <p:spPr/>
+        <p:txBody>
+          <a:bodyPr/>
+          <a:lstStyle/>
+          <a:p>
+            <a:pPr marL="0" marR="0" lvl="0" indent="0" algn="l" defTabSz="914400" rtl="0" eaLnBrk="1" fontAlgn="auto" latinLnBrk="0" hangingPunct="1">
+              <a:lnSpc>
+                <a:spcPct val="100000"/>
+              </a:lnSpc>
+              <a:spcBef>
+                <a:spcPts val="0"/>
+              </a:spcBef>
+              <a:spcAft>
+                <a:spcPts val="0"/>
+              </a:spcAft>
+              <a:buClrTx/>
+              <a:buSzTx/>
+              <a:buFontTx/>
+              <a:buNone/>
+              <a:tabLst/>
+              <a:defRPr/>
+            </a:pPr>
+            <a:r>
+              <a:rPr lang="en-US" b="1" dirty="0"/>
+              <a:t>MongoDB</a:t>
+            </a:r>
+            <a:r>
+              <a:rPr lang="en-US" dirty="0"/>
+              <a:t> is a document-oriented NoSQL database used for high volume data storage. Instead of using tables and rows as in the traditional relational databases, MongoDB makes use of collections and documents. Documents consist of key-value pairs which are the basic unit of data in MongoDB. Collections contain sets of documents and function which is the equivalent of relational database tables. MongoDB is a database which came into light around the mid-2000s.</a:t>
+            </a:r>
+            <a:endParaRPr lang="it-IT" dirty="0"/>
+          </a:p>
+          <a:p>
+            <a:endParaRPr lang="it-IT" dirty="0"/>
+          </a:p>
+        </p:txBody>
+      </p:sp>
+      <p:sp>
+        <p:nvSpPr>
+          <p:cNvPr id="4" name="Segnaposto numero diapositiva 3"/>
+          <p:cNvSpPr>
+            <a:spLocks noGrp="1"/>
+          </p:cNvSpPr>
+          <p:nvPr>
+            <p:ph type="sldNum" sz="quarter" idx="5"/>
+          </p:nvPr>
+        </p:nvSpPr>
+        <p:spPr/>
+        <p:txBody>
+          <a:bodyPr/>
+          <a:lstStyle/>
+          <a:p>
+            <a:fld id="{7B9EF5EE-42ED-4142-B01A-B637985E9B70}" type="slidenum">
+              <a:rPr lang="it-IT" smtClean="0"/>
+              <a:t>3</a:t>
+            </a:fld>
+            <a:endParaRPr lang="it-IT"/>
+          </a:p>
+        </p:txBody>
+      </p:sp>
+    </p:spTree>
+    <p:extLst>
+      <p:ext uri="{BB962C8B-B14F-4D97-AF65-F5344CB8AC3E}">
+        <p14:creationId xmlns:p14="http://schemas.microsoft.com/office/powerpoint/2010/main" val="41518323"/>
+      </p:ext>
+    </p:extLst>
+  </p:cSld>
+  <p:clrMapOvr>
+    <a:masterClrMapping/>
+  </p:clrMapOvr>
+</p:notes>
+</file>
+
+<file path=ppt/notesSlides/notesSlide2.xml><?xml version="1.0" encoding="utf-8"?>
+<p:notes xmlns:a="http://schemas.openxmlformats.org/drawingml/2006/main" xmlns:r="http://schemas.openxmlformats.org/officeDocument/2006/relationships" xmlns:p="http://schemas.openxmlformats.org/presentationml/2006/main">
+  <p:cSld>
+    <p:spTree>
+      <p:nvGrpSpPr>
+        <p:cNvPr id="1" name=""/>
+        <p:cNvGrpSpPr/>
+        <p:nvPr/>
+      </p:nvGrpSpPr>
+      <p:grpSpPr>
+        <a:xfrm>
+          <a:off x="0" y="0"/>
+          <a:ext cx="0" cy="0"/>
+          <a:chOff x="0" y="0"/>
+          <a:chExt cx="0" cy="0"/>
+        </a:xfrm>
+      </p:grpSpPr>
+      <p:sp>
+        <p:nvSpPr>
+          <p:cNvPr id="2" name="Segnaposto immagine diapositiva 1"/>
+          <p:cNvSpPr>
+            <a:spLocks noGrp="1" noRot="1" noChangeAspect="1"/>
+          </p:cNvSpPr>
+          <p:nvPr>
+            <p:ph type="sldImg"/>
+          </p:nvPr>
+        </p:nvSpPr>
+        <p:spPr/>
+      </p:sp>
+      <p:sp>
+        <p:nvSpPr>
+          <p:cNvPr id="3" name="Segnaposto note 2"/>
+          <p:cNvSpPr>
+            <a:spLocks noGrp="1"/>
+          </p:cNvSpPr>
+          <p:nvPr>
+            <p:ph type="body" idx="1"/>
+          </p:nvPr>
+        </p:nvSpPr>
+        <p:spPr/>
+        <p:txBody>
+          <a:bodyPr/>
+          <a:lstStyle/>
+          <a:p>
+            <a:pPr marL="228600" indent="-228600">
+              <a:buAutoNum type="arabicParenR"/>
+            </a:pPr>
+            <a:r>
+              <a:rPr lang="it-IT" dirty="0"/>
+              <a:t>Ogni database contiene diverse </a:t>
+            </a:r>
+            <a:r>
+              <a:rPr lang="it-IT" dirty="0" err="1"/>
+              <a:t>collections</a:t>
+            </a:r>
+            <a:r>
+              <a:rPr lang="it-IT" dirty="0"/>
+              <a:t> che a loro volta contengono dei </a:t>
+            </a:r>
+            <a:r>
+              <a:rPr lang="it-IT" dirty="0" err="1"/>
+              <a:t>documents</a:t>
+            </a:r>
+            <a:r>
+              <a:rPr lang="it-IT" dirty="0"/>
+              <a:t>. Ogni </a:t>
+            </a:r>
+            <a:r>
+              <a:rPr lang="it-IT" dirty="0" err="1"/>
+              <a:t>documents</a:t>
+            </a:r>
+            <a:r>
+              <a:rPr lang="it-IT" dirty="0"/>
+              <a:t> può essere diverso con un numero variabile di fields. Le dimensioni e il contenuto di ciascun documento possono essere diversi l'uno dall'altro. </a:t>
+            </a:r>
+          </a:p>
+          <a:p>
+            <a:pPr marL="228600" indent="-228600">
+              <a:buAutoNum type="arabicParenR"/>
+            </a:pPr>
+            <a:r>
+              <a:rPr lang="it-IT" dirty="0"/>
+              <a:t>Basta pensare alla coppia chiave valore</a:t>
+            </a:r>
+          </a:p>
+          <a:p>
+            <a:pPr marL="228600" indent="-228600">
+              <a:buAutoNum type="arabicParenR"/>
+            </a:pPr>
+            <a:endParaRPr lang="it-IT" dirty="0"/>
+          </a:p>
+        </p:txBody>
+      </p:sp>
+      <p:sp>
+        <p:nvSpPr>
+          <p:cNvPr id="4" name="Segnaposto numero diapositiva 3"/>
+          <p:cNvSpPr>
+            <a:spLocks noGrp="1"/>
+          </p:cNvSpPr>
+          <p:nvPr>
+            <p:ph type="sldNum" sz="quarter" idx="5"/>
+          </p:nvPr>
+        </p:nvSpPr>
+        <p:spPr/>
+        <p:txBody>
+          <a:bodyPr/>
+          <a:lstStyle/>
+          <a:p>
+            <a:fld id="{7B9EF5EE-42ED-4142-B01A-B637985E9B70}" type="slidenum">
+              <a:rPr lang="it-IT" smtClean="0"/>
+              <a:t>4</a:t>
+            </a:fld>
+            <a:endParaRPr lang="it-IT"/>
+          </a:p>
+        </p:txBody>
+      </p:sp>
+    </p:spTree>
+    <p:extLst>
+      <p:ext uri="{BB962C8B-B14F-4D97-AF65-F5344CB8AC3E}">
+        <p14:creationId xmlns:p14="http://schemas.microsoft.com/office/powerpoint/2010/main" val="3010035820"/>
+      </p:ext>
+    </p:extLst>
+  </p:cSld>
+  <p:clrMapOvr>
+    <a:masterClrMapping/>
+  </p:clrMapOvr>
+</p:notes>
 </file>
 
 <file path=ppt/slideLayouts/slideLayout1.xml><?xml version="1.0" encoding="utf-8"?>
@@ -830,7 +1430,7 @@
           <a:p>
             <a:fld id="{5EEC1FBE-7A50-402B-9218-00262FCB5F53}" type="datetimeFigureOut">
               <a:rPr lang="it-IT" smtClean="0"/>
-              <a:t>09/03/2022</a:t>
+              <a:t>14/03/2022</a:t>
             </a:fld>
             <a:endParaRPr lang="it-IT"/>
           </a:p>
@@ -1081,7 +1681,7 @@
           <a:p>
             <a:fld id="{5EEC1FBE-7A50-402B-9218-00262FCB5F53}" type="datetimeFigureOut">
               <a:rPr lang="it-IT" smtClean="0"/>
-              <a:t>09/03/2022</a:t>
+              <a:t>14/03/2022</a:t>
             </a:fld>
             <a:endParaRPr lang="it-IT"/>
           </a:p>
@@ -1395,7 +1995,7 @@
           <a:p>
             <a:fld id="{5EEC1FBE-7A50-402B-9218-00262FCB5F53}" type="datetimeFigureOut">
               <a:rPr lang="it-IT" smtClean="0"/>
-              <a:t>09/03/2022</a:t>
+              <a:t>14/03/2022</a:t>
             </a:fld>
             <a:endParaRPr lang="it-IT"/>
           </a:p>
@@ -1736,7 +2336,7 @@
           <a:p>
             <a:fld id="{5EEC1FBE-7A50-402B-9218-00262FCB5F53}" type="datetimeFigureOut">
               <a:rPr lang="it-IT" smtClean="0"/>
-              <a:t>09/03/2022</a:t>
+              <a:t>14/03/2022</a:t>
             </a:fld>
             <a:endParaRPr lang="it-IT"/>
           </a:p>
@@ -2050,7 +2650,7 @@
           <a:p>
             <a:fld id="{5EEC1FBE-7A50-402B-9218-00262FCB5F53}" type="datetimeFigureOut">
               <a:rPr lang="it-IT" smtClean="0"/>
-              <a:t>09/03/2022</a:t>
+              <a:t>14/03/2022</a:t>
             </a:fld>
             <a:endParaRPr lang="it-IT"/>
           </a:p>
@@ -2443,7 +3043,7 @@
           <a:p>
             <a:fld id="{5EEC1FBE-7A50-402B-9218-00262FCB5F53}" type="datetimeFigureOut">
               <a:rPr lang="it-IT" smtClean="0"/>
-              <a:t>09/03/2022</a:t>
+              <a:t>14/03/2022</a:t>
             </a:fld>
             <a:endParaRPr lang="it-IT"/>
           </a:p>
@@ -2613,7 +3213,7 @@
           <a:p>
             <a:fld id="{5EEC1FBE-7A50-402B-9218-00262FCB5F53}" type="datetimeFigureOut">
               <a:rPr lang="it-IT" smtClean="0"/>
-              <a:t>09/03/2022</a:t>
+              <a:t>14/03/2022</a:t>
             </a:fld>
             <a:endParaRPr lang="it-IT"/>
           </a:p>
@@ -2793,7 +3393,7 @@
           <a:p>
             <a:fld id="{5EEC1FBE-7A50-402B-9218-00262FCB5F53}" type="datetimeFigureOut">
               <a:rPr lang="it-IT" smtClean="0"/>
-              <a:t>09/03/2022</a:t>
+              <a:t>14/03/2022</a:t>
             </a:fld>
             <a:endParaRPr lang="it-IT"/>
           </a:p>
@@ -2969,7 +3569,7 @@
           <a:p>
             <a:fld id="{5EEC1FBE-7A50-402B-9218-00262FCB5F53}" type="datetimeFigureOut">
               <a:rPr lang="it-IT" smtClean="0"/>
-              <a:t>09/03/2022</a:t>
+              <a:t>14/03/2022</a:t>
             </a:fld>
             <a:endParaRPr lang="it-IT"/>
           </a:p>
@@ -3216,7 +3816,7 @@
           <a:p>
             <a:fld id="{5EEC1FBE-7A50-402B-9218-00262FCB5F53}" type="datetimeFigureOut">
               <a:rPr lang="it-IT" smtClean="0"/>
-              <a:t>09/03/2022</a:t>
+              <a:t>14/03/2022</a:t>
             </a:fld>
             <a:endParaRPr lang="it-IT"/>
           </a:p>
@@ -3448,7 +4048,7 @@
           <a:p>
             <a:fld id="{5EEC1FBE-7A50-402B-9218-00262FCB5F53}" type="datetimeFigureOut">
               <a:rPr lang="it-IT" smtClean="0"/>
-              <a:t>09/03/2022</a:t>
+              <a:t>14/03/2022</a:t>
             </a:fld>
             <a:endParaRPr lang="it-IT"/>
           </a:p>
@@ -3822,7 +4422,7 @@
           <a:p>
             <a:fld id="{5EEC1FBE-7A50-402B-9218-00262FCB5F53}" type="datetimeFigureOut">
               <a:rPr lang="it-IT" smtClean="0"/>
-              <a:t>09/03/2022</a:t>
+              <a:t>14/03/2022</a:t>
             </a:fld>
             <a:endParaRPr lang="it-IT"/>
           </a:p>
@@ -3945,7 +4545,7 @@
           <a:p>
             <a:fld id="{5EEC1FBE-7A50-402B-9218-00262FCB5F53}" type="datetimeFigureOut">
               <a:rPr lang="it-IT" smtClean="0"/>
-              <a:t>09/03/2022</a:t>
+              <a:t>14/03/2022</a:t>
             </a:fld>
             <a:endParaRPr lang="it-IT"/>
           </a:p>
@@ -4040,7 +4640,7 @@
           <a:p>
             <a:fld id="{5EEC1FBE-7A50-402B-9218-00262FCB5F53}" type="datetimeFigureOut">
               <a:rPr lang="it-IT" smtClean="0"/>
-              <a:t>09/03/2022</a:t>
+              <a:t>14/03/2022</a:t>
             </a:fld>
             <a:endParaRPr lang="it-IT"/>
           </a:p>
@@ -4295,7 +4895,7 @@
           <a:p>
             <a:fld id="{5EEC1FBE-7A50-402B-9218-00262FCB5F53}" type="datetimeFigureOut">
               <a:rPr lang="it-IT" smtClean="0"/>
-              <a:t>09/03/2022</a:t>
+              <a:t>14/03/2022</a:t>
             </a:fld>
             <a:endParaRPr lang="it-IT"/>
           </a:p>
@@ -4558,7 +5158,7 @@
           <a:p>
             <a:fld id="{5EEC1FBE-7A50-402B-9218-00262FCB5F53}" type="datetimeFigureOut">
               <a:rPr lang="it-IT" smtClean="0"/>
-              <a:t>09/03/2022</a:t>
+              <a:t>14/03/2022</a:t>
             </a:fld>
             <a:endParaRPr lang="it-IT"/>
           </a:p>
@@ -5301,7 +5901,7 @@
           <a:p>
             <a:fld id="{5EEC1FBE-7A50-402B-9218-00262FCB5F53}" type="datetimeFigureOut">
               <a:rPr lang="it-IT" smtClean="0"/>
-              <a:t>09/03/2022</a:t>
+              <a:t>14/03/2022</a:t>
             </a:fld>
             <a:endParaRPr lang="it-IT"/>
           </a:p>
@@ -6215,13 +6815,8 @@
           <a:p>
             <a:r>
               <a:rPr lang="it-IT" dirty="0"/>
-              <a:t>Data </a:t>
-            </a:r>
-            <a:r>
-              <a:rPr lang="it-IT"/>
-              <a:t>Modeling</a:t>
-            </a:r>
-            <a:endParaRPr lang="it-IT" dirty="0"/>
+              <a:t>Indice</a:t>
+            </a:r>
           </a:p>
         </p:txBody>
       </p:sp>
@@ -6251,6 +6846,34 @@
           <a:bodyPr/>
           <a:lstStyle/>
           <a:p>
+            <a:r>
+              <a:rPr lang="it-IT" u="sng" dirty="0"/>
+              <a:t>Cos’è </a:t>
+            </a:r>
+            <a:r>
+              <a:rPr lang="it-IT" u="sng" dirty="0" err="1"/>
+              <a:t>MongoDB</a:t>
+            </a:r>
+            <a:endParaRPr lang="it-IT" u="sng" dirty="0"/>
+          </a:p>
+          <a:p>
+            <a:r>
+              <a:rPr lang="it-IT" u="sng" dirty="0"/>
+              <a:t>Data Models</a:t>
+            </a:r>
+          </a:p>
+          <a:p>
+            <a:r>
+              <a:rPr lang="it-IT" u="sng" dirty="0" err="1"/>
+              <a:t>Replications</a:t>
+            </a:r>
+            <a:endParaRPr lang="it-IT" u="sng" dirty="0"/>
+          </a:p>
+          <a:p>
+            <a:r>
+              <a:rPr lang="it-IT" u="sng" dirty="0" err="1"/>
+              <a:t>Sharding</a:t>
+            </a:r>
             <a:endParaRPr lang="it-IT" u="sng" dirty="0"/>
           </a:p>
         </p:txBody>
@@ -6259,6 +6882,508 @@
     <p:extLst>
       <p:ext uri="{BB962C8B-B14F-4D97-AF65-F5344CB8AC3E}">
         <p14:creationId xmlns:p14="http://schemas.microsoft.com/office/powerpoint/2010/main" val="2974307821"/>
+      </p:ext>
+    </p:extLst>
+  </p:cSld>
+  <p:clrMapOvr>
+    <a:masterClrMapping/>
+  </p:clrMapOvr>
+</p:sld>
+</file>
+
+<file path=ppt/slides/slide3.xml><?xml version="1.0" encoding="utf-8"?>
+<p:sld xmlns:a="http://schemas.openxmlformats.org/drawingml/2006/main" xmlns:r="http://schemas.openxmlformats.org/officeDocument/2006/relationships" xmlns:p="http://schemas.openxmlformats.org/presentationml/2006/main">
+  <p:cSld>
+    <p:spTree>
+      <p:nvGrpSpPr>
+        <p:cNvPr id="1" name=""/>
+        <p:cNvGrpSpPr/>
+        <p:nvPr/>
+      </p:nvGrpSpPr>
+      <p:grpSpPr>
+        <a:xfrm>
+          <a:off x="0" y="0"/>
+          <a:ext cx="0" cy="0"/>
+          <a:chOff x="0" y="0"/>
+          <a:chExt cx="0" cy="0"/>
+        </a:xfrm>
+      </p:grpSpPr>
+      <p:sp>
+        <p:nvSpPr>
+          <p:cNvPr id="2" name="Titolo 1">
+            <a:extLst>
+              <a:ext uri="{FF2B5EF4-FFF2-40B4-BE49-F238E27FC236}">
+                <a16:creationId xmlns:a16="http://schemas.microsoft.com/office/drawing/2014/main" id="{BF6C4018-40B4-479D-93E4-E96B145B960B}"/>
+              </a:ext>
+            </a:extLst>
+          </p:cNvPr>
+          <p:cNvSpPr>
+            <a:spLocks noGrp="1"/>
+          </p:cNvSpPr>
+          <p:nvPr>
+            <p:ph type="title"/>
+          </p:nvPr>
+        </p:nvSpPr>
+        <p:spPr/>
+        <p:txBody>
+          <a:bodyPr/>
+          <a:lstStyle/>
+          <a:p>
+            <a:r>
+              <a:rPr lang="it-IT" dirty="0"/>
+              <a:t>Introduzione a </a:t>
+            </a:r>
+            <a:r>
+              <a:rPr lang="it-IT" dirty="0" err="1"/>
+              <a:t>MongoDB</a:t>
+            </a:r>
+            <a:endParaRPr lang="it-IT" dirty="0"/>
+          </a:p>
+        </p:txBody>
+      </p:sp>
+      <p:sp>
+        <p:nvSpPr>
+          <p:cNvPr id="9" name="CasellaDiTesto 8">
+            <a:extLst>
+              <a:ext uri="{FF2B5EF4-FFF2-40B4-BE49-F238E27FC236}">
+                <a16:creationId xmlns:a16="http://schemas.microsoft.com/office/drawing/2014/main" id="{3A5273BE-9FB3-48AA-8E7F-8508EFFF30BE}"/>
+              </a:ext>
+            </a:extLst>
+          </p:cNvPr>
+          <p:cNvSpPr txBox="1"/>
+          <p:nvPr/>
+        </p:nvSpPr>
+        <p:spPr>
+          <a:xfrm>
+            <a:off x="677334" y="1544328"/>
+            <a:ext cx="5501250" cy="646331"/>
+          </a:xfrm>
+          <a:prstGeom prst="rect">
+            <a:avLst/>
+          </a:prstGeom>
+          <a:noFill/>
+        </p:spPr>
+        <p:txBody>
+          <a:bodyPr wrap="none" rtlCol="0">
+            <a:spAutoFit/>
+          </a:bodyPr>
+          <a:lstStyle/>
+          <a:p>
+            <a:r>
+              <a:rPr lang="it-IT" dirty="0" err="1"/>
+              <a:t>MongoDB</a:t>
+            </a:r>
+            <a:r>
+              <a:rPr lang="it-IT" dirty="0"/>
+              <a:t> è un </a:t>
+            </a:r>
+            <a:r>
+              <a:rPr lang="it-IT" dirty="0" err="1"/>
+              <a:t>Document-oriented</a:t>
+            </a:r>
+            <a:r>
+              <a:rPr lang="it-IT" dirty="0"/>
+              <a:t> </a:t>
+            </a:r>
+            <a:r>
+              <a:rPr lang="it-IT" dirty="0" err="1"/>
+              <a:t>NoSQL</a:t>
+            </a:r>
+            <a:r>
+              <a:rPr lang="it-IT" dirty="0"/>
+              <a:t> database.</a:t>
+            </a:r>
+          </a:p>
+          <a:p>
+            <a:endParaRPr lang="it-IT" dirty="0"/>
+          </a:p>
+        </p:txBody>
+      </p:sp>
+      <p:pic>
+        <p:nvPicPr>
+          <p:cNvPr id="19" name="Immagine 18" descr="Immagine che contiene testo&#10;&#10;Descrizione generata automaticamente">
+            <a:extLst>
+              <a:ext uri="{FF2B5EF4-FFF2-40B4-BE49-F238E27FC236}">
+                <a16:creationId xmlns:a16="http://schemas.microsoft.com/office/drawing/2014/main" id="{39F93FF2-B7F4-42C8-868C-0E0FDEC74E69}"/>
+              </a:ext>
+            </a:extLst>
+          </p:cNvPr>
+          <p:cNvPicPr>
+            <a:picLocks noChangeAspect="1"/>
+          </p:cNvPicPr>
+          <p:nvPr/>
+        </p:nvPicPr>
+        <p:blipFill>
+          <a:blip r:embed="rId3">
+            <a:extLst>
+              <a:ext uri="{28A0092B-C50C-407E-A947-70E740481C1C}">
+                <a14:useLocalDpi xmlns:a14="http://schemas.microsoft.com/office/drawing/2010/main" val="0"/>
+              </a:ext>
+            </a:extLst>
+          </a:blip>
+          <a:stretch>
+            <a:fillRect/>
+          </a:stretch>
+        </p:blipFill>
+        <p:spPr>
+          <a:xfrm>
+            <a:off x="5744757" y="2079253"/>
+            <a:ext cx="2595716" cy="2595716"/>
+          </a:xfrm>
+          <a:prstGeom prst="rect">
+            <a:avLst/>
+          </a:prstGeom>
+        </p:spPr>
+      </p:pic>
+      <p:pic>
+        <p:nvPicPr>
+          <p:cNvPr id="21" name="Immagine 20">
+            <a:extLst>
+              <a:ext uri="{FF2B5EF4-FFF2-40B4-BE49-F238E27FC236}">
+                <a16:creationId xmlns:a16="http://schemas.microsoft.com/office/drawing/2014/main" id="{E8E69D09-0282-4A14-AB48-ABEF3A6BDC9C}"/>
+              </a:ext>
+            </a:extLst>
+          </p:cNvPr>
+          <p:cNvPicPr>
+            <a:picLocks noChangeAspect="1"/>
+          </p:cNvPicPr>
+          <p:nvPr/>
+        </p:nvPicPr>
+        <p:blipFill>
+          <a:blip r:embed="rId4">
+            <a:extLst>
+              <a:ext uri="{28A0092B-C50C-407E-A947-70E740481C1C}">
+                <a14:useLocalDpi xmlns:a14="http://schemas.microsoft.com/office/drawing/2010/main" val="0"/>
+              </a:ext>
+            </a:extLst>
+          </a:blip>
+          <a:stretch>
+            <a:fillRect/>
+          </a:stretch>
+        </p:blipFill>
+        <p:spPr>
+          <a:xfrm>
+            <a:off x="1268361" y="2445473"/>
+            <a:ext cx="1691149" cy="1691149"/>
+          </a:xfrm>
+          <a:prstGeom prst="rect">
+            <a:avLst/>
+          </a:prstGeom>
+        </p:spPr>
+      </p:pic>
+      <p:cxnSp>
+        <p:nvCxnSpPr>
+          <p:cNvPr id="23" name="Connettore 2 22">
+            <a:extLst>
+              <a:ext uri="{FF2B5EF4-FFF2-40B4-BE49-F238E27FC236}">
+                <a16:creationId xmlns:a16="http://schemas.microsoft.com/office/drawing/2014/main" id="{7B8F183A-09E5-4039-9CBC-CEF53611CEE0}"/>
+              </a:ext>
+            </a:extLst>
+          </p:cNvPr>
+          <p:cNvCxnSpPr/>
+          <p:nvPr/>
+        </p:nvCxnSpPr>
+        <p:spPr>
+          <a:xfrm>
+            <a:off x="3537491" y="3184829"/>
+            <a:ext cx="2595716" cy="0"/>
+          </a:xfrm>
+          <a:prstGeom prst="straightConnector1">
+            <a:avLst/>
+          </a:prstGeom>
+          <a:ln w="57150">
+            <a:tailEnd type="triangle"/>
+          </a:ln>
+        </p:spPr>
+        <p:style>
+          <a:lnRef idx="1">
+            <a:schemeClr val="accent2"/>
+          </a:lnRef>
+          <a:fillRef idx="0">
+            <a:schemeClr val="accent2"/>
+          </a:fillRef>
+          <a:effectRef idx="0">
+            <a:schemeClr val="accent2"/>
+          </a:effectRef>
+          <a:fontRef idx="minor">
+            <a:schemeClr val="tx1"/>
+          </a:fontRef>
+        </p:style>
+      </p:cxnSp>
+      <p:pic>
+        <p:nvPicPr>
+          <p:cNvPr id="29" name="Elemento grafico 28" descr="Segnale di divieto contorno">
+            <a:extLst>
+              <a:ext uri="{FF2B5EF4-FFF2-40B4-BE49-F238E27FC236}">
+                <a16:creationId xmlns:a16="http://schemas.microsoft.com/office/drawing/2014/main" id="{FED54B1B-D9E5-48A0-A60C-DCFE26A91CCF}"/>
+              </a:ext>
+            </a:extLst>
+          </p:cNvPr>
+          <p:cNvPicPr>
+            <a:picLocks noChangeAspect="1"/>
+          </p:cNvPicPr>
+          <p:nvPr/>
+        </p:nvPicPr>
+        <p:blipFill>
+          <a:blip r:embed="rId5">
+            <a:extLst>
+              <a:ext uri="{28A0092B-C50C-407E-A947-70E740481C1C}">
+                <a14:useLocalDpi xmlns:a14="http://schemas.microsoft.com/office/drawing/2010/main" val="0"/>
+              </a:ext>
+              <a:ext uri="{96DAC541-7B7A-43D3-8B79-37D633B846F1}">
+                <asvg:svgBlip xmlns:asvg="http://schemas.microsoft.com/office/drawing/2016/SVG/main" r:embed="rId6"/>
+              </a:ext>
+            </a:extLst>
+          </a:blip>
+          <a:stretch>
+            <a:fillRect/>
+          </a:stretch>
+        </p:blipFill>
+        <p:spPr>
+          <a:xfrm>
+            <a:off x="690381" y="1867493"/>
+            <a:ext cx="2847110" cy="2847110"/>
+          </a:xfrm>
+          <a:prstGeom prst="rect">
+            <a:avLst/>
+          </a:prstGeom>
+        </p:spPr>
+      </p:pic>
+      <p:sp>
+        <p:nvSpPr>
+          <p:cNvPr id="30" name="Parentesi graffa chiusa 29">
+            <a:extLst>
+              <a:ext uri="{FF2B5EF4-FFF2-40B4-BE49-F238E27FC236}">
+                <a16:creationId xmlns:a16="http://schemas.microsoft.com/office/drawing/2014/main" id="{407D0CC5-DF1D-4751-9857-6122275F37E6}"/>
+              </a:ext>
+            </a:extLst>
+          </p:cNvPr>
+          <p:cNvSpPr/>
+          <p:nvPr/>
+        </p:nvSpPr>
+        <p:spPr>
+          <a:xfrm rot="16200000">
+            <a:off x="6734812" y="2680867"/>
+            <a:ext cx="644769" cy="4163056"/>
+          </a:xfrm>
+          <a:prstGeom prst="rightBrace">
+            <a:avLst/>
+          </a:prstGeom>
+        </p:spPr>
+        <p:style>
+          <a:lnRef idx="1">
+            <a:schemeClr val="accent1"/>
+          </a:lnRef>
+          <a:fillRef idx="0">
+            <a:schemeClr val="accent1"/>
+          </a:fillRef>
+          <a:effectRef idx="0">
+            <a:schemeClr val="accent1"/>
+          </a:effectRef>
+          <a:fontRef idx="minor">
+            <a:schemeClr val="tx1"/>
+          </a:fontRef>
+        </p:style>
+        <p:txBody>
+          <a:bodyPr rtlCol="0" anchor="ctr"/>
+          <a:lstStyle/>
+          <a:p>
+            <a:pPr algn="ctr"/>
+            <a:endParaRPr lang="it-IT"/>
+          </a:p>
+        </p:txBody>
+      </p:sp>
+      <p:sp>
+        <p:nvSpPr>
+          <p:cNvPr id="31" name="CasellaDiTesto 30">
+            <a:extLst>
+              <a:ext uri="{FF2B5EF4-FFF2-40B4-BE49-F238E27FC236}">
+                <a16:creationId xmlns:a16="http://schemas.microsoft.com/office/drawing/2014/main" id="{62EC8ECE-C9D1-4637-8FA1-BEEA0EEE72D3}"/>
+              </a:ext>
+            </a:extLst>
+          </p:cNvPr>
+          <p:cNvSpPr txBox="1"/>
+          <p:nvPr/>
+        </p:nvSpPr>
+        <p:spPr>
+          <a:xfrm>
+            <a:off x="5165185" y="4899256"/>
+            <a:ext cx="4108817" cy="646331"/>
+          </a:xfrm>
+          <a:prstGeom prst="rect">
+            <a:avLst/>
+          </a:prstGeom>
+          <a:noFill/>
+        </p:spPr>
+        <p:txBody>
+          <a:bodyPr wrap="none" rtlCol="0">
+            <a:spAutoFit/>
+          </a:bodyPr>
+          <a:lstStyle/>
+          <a:p>
+            <a:r>
+              <a:rPr lang="it-IT" dirty="0"/>
+              <a:t>Formati da coppia chiave-valore per </a:t>
+            </a:r>
+          </a:p>
+          <a:p>
+            <a:r>
+              <a:rPr lang="it-IT" dirty="0"/>
+              <a:t>incrementare le prestazioni di ricerca</a:t>
+            </a:r>
+          </a:p>
+        </p:txBody>
+      </p:sp>
+    </p:spTree>
+    <p:extLst>
+      <p:ext uri="{BB962C8B-B14F-4D97-AF65-F5344CB8AC3E}">
+        <p14:creationId xmlns:p14="http://schemas.microsoft.com/office/powerpoint/2010/main" val="4125597397"/>
+      </p:ext>
+    </p:extLst>
+  </p:cSld>
+  <p:clrMapOvr>
+    <a:masterClrMapping/>
+  </p:clrMapOvr>
+</p:sld>
+</file>
+
+<file path=ppt/slides/slide4.xml><?xml version="1.0" encoding="utf-8"?>
+<p:sld xmlns:a="http://schemas.openxmlformats.org/drawingml/2006/main" xmlns:r="http://schemas.openxmlformats.org/officeDocument/2006/relationships" xmlns:p="http://schemas.openxmlformats.org/presentationml/2006/main">
+  <p:cSld>
+    <p:spTree>
+      <p:nvGrpSpPr>
+        <p:cNvPr id="1" name=""/>
+        <p:cNvGrpSpPr/>
+        <p:nvPr/>
+      </p:nvGrpSpPr>
+      <p:grpSpPr>
+        <a:xfrm>
+          <a:off x="0" y="0"/>
+          <a:ext cx="0" cy="0"/>
+          <a:chOff x="0" y="0"/>
+          <a:chExt cx="0" cy="0"/>
+        </a:xfrm>
+      </p:grpSpPr>
+      <p:sp>
+        <p:nvSpPr>
+          <p:cNvPr id="2" name="Titolo 1">
+            <a:extLst>
+              <a:ext uri="{FF2B5EF4-FFF2-40B4-BE49-F238E27FC236}">
+                <a16:creationId xmlns:a16="http://schemas.microsoft.com/office/drawing/2014/main" id="{4EC9AA5C-8EC2-47D0-AC90-F260725B5224}"/>
+              </a:ext>
+            </a:extLst>
+          </p:cNvPr>
+          <p:cNvSpPr>
+            <a:spLocks noGrp="1"/>
+          </p:cNvSpPr>
+          <p:nvPr>
+            <p:ph type="title"/>
+          </p:nvPr>
+        </p:nvSpPr>
+        <p:spPr>
+          <a:xfrm>
+            <a:off x="677334" y="609600"/>
+            <a:ext cx="8596668" cy="762000"/>
+          </a:xfrm>
+        </p:spPr>
+        <p:txBody>
+          <a:bodyPr/>
+          <a:lstStyle/>
+          <a:p>
+            <a:r>
+              <a:rPr lang="it-IT" dirty="0"/>
+              <a:t>Caratteristiche principali</a:t>
+            </a:r>
+          </a:p>
+        </p:txBody>
+      </p:sp>
+      <p:sp>
+        <p:nvSpPr>
+          <p:cNvPr id="3" name="Segnaposto contenuto 2">
+            <a:extLst>
+              <a:ext uri="{FF2B5EF4-FFF2-40B4-BE49-F238E27FC236}">
+                <a16:creationId xmlns:a16="http://schemas.microsoft.com/office/drawing/2014/main" id="{F647C8AD-B187-4B6F-82DA-45F9751B8FA4}"/>
+              </a:ext>
+            </a:extLst>
+          </p:cNvPr>
+          <p:cNvSpPr>
+            <a:spLocks noGrp="1"/>
+          </p:cNvSpPr>
+          <p:nvPr>
+            <p:ph idx="1"/>
+          </p:nvPr>
+        </p:nvSpPr>
+        <p:spPr>
+          <a:xfrm>
+            <a:off x="677334" y="1371601"/>
+            <a:ext cx="8596668" cy="3962400"/>
+          </a:xfrm>
+        </p:spPr>
+        <p:txBody>
+          <a:bodyPr>
+            <a:normAutofit/>
+          </a:bodyPr>
+          <a:lstStyle/>
+          <a:p>
+            <a:r>
+              <a:rPr lang="it-IT" dirty="0"/>
+              <a:t>Estremamente flessibile nella rappresentazione e gestione del dato.</a:t>
+            </a:r>
+          </a:p>
+          <a:p>
+            <a:r>
+              <a:rPr lang="it-IT" dirty="0"/>
+              <a:t>La struttura del documento è più in linea con il modo in cui gli sviluppatori costruiscono le loro classi e oggetti nei rispettivi linguaggi di programmazione.</a:t>
+            </a:r>
+          </a:p>
+          <a:p>
+            <a:r>
+              <a:rPr lang="it-IT" dirty="0"/>
+              <a:t>Non è necessario che i </a:t>
+            </a:r>
+            <a:r>
+              <a:rPr lang="it-IT" dirty="0" err="1"/>
+              <a:t>documents</a:t>
+            </a:r>
+            <a:r>
+              <a:rPr lang="it-IT" dirty="0"/>
+              <a:t> abbiano uno schema definito in anticipo. Invece, i fields possono essere creati al volo.</a:t>
+            </a:r>
+          </a:p>
+          <a:p>
+            <a:r>
+              <a:rPr lang="it-IT" dirty="0"/>
+              <a:t>Il modello di dati disponibile all'interno di </a:t>
+            </a:r>
+            <a:r>
+              <a:rPr lang="it-IT" dirty="0" err="1"/>
+              <a:t>MongoDB</a:t>
+            </a:r>
+            <a:r>
+              <a:rPr lang="it-IT" dirty="0"/>
+              <a:t> consente di rappresentare più facilmente relazioni gerarchiche, memorizzare array e altre strutture più complesse.</a:t>
+            </a:r>
+          </a:p>
+          <a:p>
+            <a:r>
+              <a:rPr lang="it-IT" dirty="0"/>
+              <a:t>Scalabilità – Gli ambienti </a:t>
+            </a:r>
+            <a:r>
+              <a:rPr lang="it-IT" dirty="0" err="1"/>
+              <a:t>MongoDB</a:t>
+            </a:r>
+            <a:r>
+              <a:rPr lang="it-IT" dirty="0"/>
+              <a:t> sono molto scalabili. Le aziende di tutto il mondo hanno definito cluster con alcuni di loro che eseguono oltre 100 nodi con circa milioni di documenti all'interno del database.</a:t>
+            </a:r>
+          </a:p>
+        </p:txBody>
+      </p:sp>
+    </p:spTree>
+    <p:extLst>
+      <p:ext uri="{BB962C8B-B14F-4D97-AF65-F5344CB8AC3E}">
+        <p14:creationId xmlns:p14="http://schemas.microsoft.com/office/powerpoint/2010/main" val="2344025804"/>
       </p:ext>
     </p:extLst>
   </p:cSld>
@@ -6523,4 +7648,299 @@
     </a:ext>
   </a:extLst>
 </a:theme>
+</file>
+
+<file path=ppt/theme/theme2.xml><?xml version="1.0" encoding="utf-8"?>
+<a:theme xmlns:a="http://schemas.openxmlformats.org/drawingml/2006/main" name="Tema di Office">
+  <a:themeElements>
+    <a:clrScheme name="Office">
+      <a:dk1>
+        <a:sysClr val="windowText" lastClr="000000"/>
+      </a:dk1>
+      <a:lt1>
+        <a:sysClr val="window" lastClr="FFFFFF"/>
+      </a:lt1>
+      <a:dk2>
+        <a:srgbClr val="44546A"/>
+      </a:dk2>
+      <a:lt2>
+        <a:srgbClr val="E7E6E6"/>
+      </a:lt2>
+      <a:accent1>
+        <a:srgbClr val="4472C4"/>
+      </a:accent1>
+      <a:accent2>
+        <a:srgbClr val="ED7D31"/>
+      </a:accent2>
+      <a:accent3>
+        <a:srgbClr val="A5A5A5"/>
+      </a:accent3>
+      <a:accent4>
+        <a:srgbClr val="FFC000"/>
+      </a:accent4>
+      <a:accent5>
+        <a:srgbClr val="5B9BD5"/>
+      </a:accent5>
+      <a:accent6>
+        <a:srgbClr val="70AD47"/>
+      </a:accent6>
+      <a:hlink>
+        <a:srgbClr val="0563C1"/>
+      </a:hlink>
+      <a:folHlink>
+        <a:srgbClr val="954F72"/>
+      </a:folHlink>
+    </a:clrScheme>
+    <a:fontScheme name="Office">
+      <a:majorFont>
+        <a:latin typeface="Calibri Light" panose="020F0302020204030204"/>
+        <a:ea typeface=""/>
+        <a:cs typeface=""/>
+        <a:font script="Jpan" typeface="游ゴシック Light"/>
+        <a:font script="Hang" typeface="맑은 고딕"/>
+        <a:font script="Hans" typeface="等线 Light"/>
+        <a:font script="Hant" typeface="新細明體"/>
+        <a:font script="Arab" typeface="Times New Roman"/>
+        <a:font script="Hebr" typeface="Times New Roman"/>
+        <a:font script="Thai" typeface="Angsana New"/>
+        <a:font script="Ethi" typeface="Nyala"/>
+        <a:font script="Beng" typeface="Vrinda"/>
+        <a:font script="Gujr" typeface="Shruti"/>
+        <a:font script="Khmr" typeface="MoolBoran"/>
+        <a:font script="Knda" typeface="Tunga"/>
+        <a:font script="Guru" typeface="Raavi"/>
+        <a:font script="Cans" typeface="Euphemia"/>
+        <a:font script="Cher" typeface="Plantagenet Cherokee"/>
+        <a:font script="Yiii" typeface="Microsoft Yi Baiti"/>
+        <a:font script="Tibt" typeface="Microsoft Himalaya"/>
+        <a:font script="Thaa" typeface="MV Boli"/>
+        <a:font script="Deva" typeface="Mangal"/>
+        <a:font script="Telu" typeface="Gautami"/>
+        <a:font script="Taml" typeface="Latha"/>
+        <a:font script="Syrc" typeface="Estrangelo Edessa"/>
+        <a:font script="Orya" typeface="Kalinga"/>
+        <a:font script="Mlym" typeface="Kartika"/>
+        <a:font script="Laoo" typeface="DokChampa"/>
+        <a:font script="Sinh" typeface="Iskoola Pota"/>
+        <a:font script="Mong" typeface="Mongolian Baiti"/>
+        <a:font script="Viet" typeface="Times New Roman"/>
+        <a:font script="Uigh" typeface="Microsoft Uighur"/>
+        <a:font script="Geor" typeface="Sylfaen"/>
+        <a:font script="Armn" typeface="Arial"/>
+        <a:font script="Bugi" typeface="Leelawadee UI"/>
+        <a:font script="Bopo" typeface="Microsoft JhengHei"/>
+        <a:font script="Java" typeface="Javanese Text"/>
+        <a:font script="Lisu" typeface="Segoe UI"/>
+        <a:font script="Mymr" typeface="Myanmar Text"/>
+        <a:font script="Nkoo" typeface="Ebrima"/>
+        <a:font script="Olck" typeface="Nirmala UI"/>
+        <a:font script="Osma" typeface="Ebrima"/>
+        <a:font script="Phag" typeface="Phagspa"/>
+        <a:font script="Syrn" typeface="Estrangelo Edessa"/>
+        <a:font script="Syrj" typeface="Estrangelo Edessa"/>
+        <a:font script="Syre" typeface="Estrangelo Edessa"/>
+        <a:font script="Sora" typeface="Nirmala UI"/>
+        <a:font script="Tale" typeface="Microsoft Tai Le"/>
+        <a:font script="Talu" typeface="Microsoft New Tai Lue"/>
+        <a:font script="Tfng" typeface="Ebrima"/>
+      </a:majorFont>
+      <a:minorFont>
+        <a:latin typeface="Calibri" panose="020F0502020204030204"/>
+        <a:ea typeface=""/>
+        <a:cs typeface=""/>
+        <a:font script="Jpan" typeface="游ゴシック"/>
+        <a:font script="Hang" typeface="맑은 고딕"/>
+        <a:font script="Hans" typeface="等线"/>
+        <a:font script="Hant" typeface="新細明體"/>
+        <a:font script="Arab" typeface="Arial"/>
+        <a:font script="Hebr" typeface="Arial"/>
+        <a:font script="Thai" typeface="Cordia New"/>
+        <a:font script="Ethi" typeface="Nyala"/>
+        <a:font script="Beng" typeface="Vrinda"/>
+        <a:font script="Gujr" typeface="Shruti"/>
+        <a:font script="Khmr" typeface="DaunPenh"/>
+        <a:font script="Knda" typeface="Tunga"/>
+        <a:font script="Guru" typeface="Raavi"/>
+        <a:font script="Cans" typeface="Euphemia"/>
+        <a:font script="Cher" typeface="Plantagenet Cherokee"/>
+        <a:font script="Yiii" typeface="Microsoft Yi Baiti"/>
+        <a:font script="Tibt" typeface="Microsoft Himalaya"/>
+        <a:font script="Thaa" typeface="MV Boli"/>
+        <a:font script="Deva" typeface="Mangal"/>
+        <a:font script="Telu" typeface="Gautami"/>
+        <a:font script="Taml" typeface="Latha"/>
+        <a:font script="Syrc" typeface="Estrangelo Edessa"/>
+        <a:font script="Orya" typeface="Kalinga"/>
+        <a:font script="Mlym" typeface="Kartika"/>
+        <a:font script="Laoo" typeface="DokChampa"/>
+        <a:font script="Sinh" typeface="Iskoola Pota"/>
+        <a:font script="Mong" typeface="Mongolian Baiti"/>
+        <a:font script="Viet" typeface="Arial"/>
+        <a:font script="Uigh" typeface="Microsoft Uighur"/>
+        <a:font script="Geor" typeface="Sylfaen"/>
+        <a:font script="Armn" typeface="Arial"/>
+        <a:font script="Bugi" typeface="Leelawadee UI"/>
+        <a:font script="Bopo" typeface="Microsoft JhengHei"/>
+        <a:font script="Java" typeface="Javanese Text"/>
+        <a:font script="Lisu" typeface="Segoe UI"/>
+        <a:font script="Mymr" typeface="Myanmar Text"/>
+        <a:font script="Nkoo" typeface="Ebrima"/>
+        <a:font script="Olck" typeface="Nirmala UI"/>
+        <a:font script="Osma" typeface="Ebrima"/>
+        <a:font script="Phag" typeface="Phagspa"/>
+        <a:font script="Syrn" typeface="Estrangelo Edessa"/>
+        <a:font script="Syrj" typeface="Estrangelo Edessa"/>
+        <a:font script="Syre" typeface="Estrangelo Edessa"/>
+        <a:font script="Sora" typeface="Nirmala UI"/>
+        <a:font script="Tale" typeface="Microsoft Tai Le"/>
+        <a:font script="Talu" typeface="Microsoft New Tai Lue"/>
+        <a:font script="Tfng" typeface="Ebrima"/>
+      </a:minorFont>
+    </a:fontScheme>
+    <a:fmtScheme name="Office">
+      <a:fillStyleLst>
+        <a:solidFill>
+          <a:schemeClr val="phClr"/>
+        </a:solidFill>
+        <a:gradFill rotWithShape="1">
+          <a:gsLst>
+            <a:gs pos="0">
+              <a:schemeClr val="phClr">
+                <a:lumMod val="110000"/>
+                <a:satMod val="105000"/>
+                <a:tint val="67000"/>
+              </a:schemeClr>
+            </a:gs>
+            <a:gs pos="50000">
+              <a:schemeClr val="phClr">
+                <a:lumMod val="105000"/>
+                <a:satMod val="103000"/>
+                <a:tint val="73000"/>
+              </a:schemeClr>
+            </a:gs>
+            <a:gs pos="100000">
+              <a:schemeClr val="phClr">
+                <a:lumMod val="105000"/>
+                <a:satMod val="109000"/>
+                <a:tint val="81000"/>
+              </a:schemeClr>
+            </a:gs>
+          </a:gsLst>
+          <a:lin ang="5400000" scaled="0"/>
+        </a:gradFill>
+        <a:gradFill rotWithShape="1">
+          <a:gsLst>
+            <a:gs pos="0">
+              <a:schemeClr val="phClr">
+                <a:satMod val="103000"/>
+                <a:lumMod val="102000"/>
+                <a:tint val="94000"/>
+              </a:schemeClr>
+            </a:gs>
+            <a:gs pos="50000">
+              <a:schemeClr val="phClr">
+                <a:satMod val="110000"/>
+                <a:lumMod val="100000"/>
+                <a:shade val="100000"/>
+              </a:schemeClr>
+            </a:gs>
+            <a:gs pos="100000">
+              <a:schemeClr val="phClr">
+                <a:lumMod val="99000"/>
+                <a:satMod val="120000"/>
+                <a:shade val="78000"/>
+              </a:schemeClr>
+            </a:gs>
+          </a:gsLst>
+          <a:lin ang="5400000" scaled="0"/>
+        </a:gradFill>
+      </a:fillStyleLst>
+      <a:lnStyleLst>
+        <a:ln w="6350" cap="flat" cmpd="sng" algn="ctr">
+          <a:solidFill>
+            <a:schemeClr val="phClr"/>
+          </a:solidFill>
+          <a:prstDash val="solid"/>
+          <a:miter lim="800000"/>
+        </a:ln>
+        <a:ln w="12700" cap="flat" cmpd="sng" algn="ctr">
+          <a:solidFill>
+            <a:schemeClr val="phClr"/>
+          </a:solidFill>
+          <a:prstDash val="solid"/>
+          <a:miter lim="800000"/>
+        </a:ln>
+        <a:ln w="19050" cap="flat" cmpd="sng" algn="ctr">
+          <a:solidFill>
+            <a:schemeClr val="phClr"/>
+          </a:solidFill>
+          <a:prstDash val="solid"/>
+          <a:miter lim="800000"/>
+        </a:ln>
+      </a:lnStyleLst>
+      <a:effectStyleLst>
+        <a:effectStyle>
+          <a:effectLst/>
+        </a:effectStyle>
+        <a:effectStyle>
+          <a:effectLst/>
+        </a:effectStyle>
+        <a:effectStyle>
+          <a:effectLst>
+            <a:outerShdw blurRad="57150" dist="19050" dir="5400000" algn="ctr" rotWithShape="0">
+              <a:srgbClr val="000000">
+                <a:alpha val="63000"/>
+              </a:srgbClr>
+            </a:outerShdw>
+          </a:effectLst>
+        </a:effectStyle>
+      </a:effectStyleLst>
+      <a:bgFillStyleLst>
+        <a:solidFill>
+          <a:schemeClr val="phClr"/>
+        </a:solidFill>
+        <a:solidFill>
+          <a:schemeClr val="phClr">
+            <a:tint val="95000"/>
+            <a:satMod val="170000"/>
+          </a:schemeClr>
+        </a:solidFill>
+        <a:gradFill rotWithShape="1">
+          <a:gsLst>
+            <a:gs pos="0">
+              <a:schemeClr val="phClr">
+                <a:tint val="93000"/>
+                <a:satMod val="150000"/>
+                <a:shade val="98000"/>
+                <a:lumMod val="102000"/>
+              </a:schemeClr>
+            </a:gs>
+            <a:gs pos="50000">
+              <a:schemeClr val="phClr">
+                <a:tint val="98000"/>
+                <a:satMod val="130000"/>
+                <a:shade val="90000"/>
+                <a:lumMod val="103000"/>
+              </a:schemeClr>
+            </a:gs>
+            <a:gs pos="100000">
+              <a:schemeClr val="phClr">
+                <a:shade val="63000"/>
+                <a:satMod val="120000"/>
+              </a:schemeClr>
+            </a:gs>
+          </a:gsLst>
+          <a:lin ang="5400000" scaled="0"/>
+        </a:gradFill>
+      </a:bgFillStyleLst>
+    </a:fmtScheme>
+  </a:themeElements>
+  <a:objectDefaults/>
+  <a:extraClrSchemeLst/>
+  <a:extLst>
+    <a:ext uri="{05A4C25C-085E-4340-85A3-A5531E510DB2}">
+      <thm15:themeFamily xmlns:thm15="http://schemas.microsoft.com/office/thememl/2012/main" name="Office Theme" id="{62F939B6-93AF-4DB8-9C6B-D6C7DFDC589F}" vid="{4A3C46E8-61CC-4603-A589-7422A47A8E4A}"/>
+    </a:ext>
+  </a:extLst>
+</a:theme>
 </file>
--- a/Presentazione_progetto.pptx
+++ b/Presentazione_progetto.pptx
@@ -5,13 +5,17 @@
     <p:sldMasterId id="2147483672" r:id="rId1"/>
   </p:sldMasterIdLst>
   <p:notesMasterIdLst>
-    <p:notesMasterId r:id="rId6"/>
+    <p:notesMasterId r:id="rId10"/>
   </p:notesMasterIdLst>
   <p:sldIdLst>
     <p:sldId id="256" r:id="rId2"/>
     <p:sldId id="257" r:id="rId3"/>
     <p:sldId id="258" r:id="rId4"/>
-    <p:sldId id="259" r:id="rId5"/>
+    <p:sldId id="260" r:id="rId5"/>
+    <p:sldId id="261" r:id="rId6"/>
+    <p:sldId id="262" r:id="rId7"/>
+    <p:sldId id="263" r:id="rId8"/>
+    <p:sldId id="259" r:id="rId9"/>
   </p:sldIdLst>
   <p:sldSz cx="12192000" cy="6858000"/>
   <p:notesSz cx="6858000" cy="9144000"/>
@@ -200,7 +204,7 @@
           <a:p>
             <a:fld id="{5D86E91A-6C9D-48EA-9EAF-BBA9F3961CF9}" type="datetimeFigureOut">
               <a:rPr lang="it-IT" smtClean="0"/>
-              <a:t>14/03/2022</a:t>
+              <a:t>15/03/2022</a:t>
             </a:fld>
             <a:endParaRPr lang="it-IT"/>
           </a:p>
@@ -539,6 +543,33 @@
             <a:endParaRPr lang="it-IT" dirty="0"/>
           </a:p>
           <a:p>
+            <a:pPr marL="0" marR="0" lvl="0" indent="0" algn="l" defTabSz="914400" rtl="0" eaLnBrk="1" fontAlgn="auto" latinLnBrk="0" hangingPunct="1">
+              <a:lnSpc>
+                <a:spcPct val="100000"/>
+              </a:lnSpc>
+              <a:spcBef>
+                <a:spcPts val="0"/>
+              </a:spcBef>
+              <a:spcAft>
+                <a:spcPts val="0"/>
+              </a:spcAft>
+              <a:buClrTx/>
+              <a:buSzTx/>
+              <a:buFontTx/>
+              <a:buNone/>
+              <a:tabLst/>
+              <a:defRPr/>
+            </a:pPr>
+            <a:r>
+              <a:rPr lang="it-IT" b="1" dirty="0"/>
+              <a:t>BSON</a:t>
+            </a:r>
+            <a:r>
+              <a:rPr lang="it-IT" dirty="0"/>
+              <a:t> è una rappresentazione binaria dei documento JSON</a:t>
+            </a:r>
+          </a:p>
+          <a:p>
             <a:endParaRPr lang="it-IT" dirty="0"/>
           </a:p>
         </p:txBody>
@@ -623,6 +654,338 @@
           <a:bodyPr/>
           <a:lstStyle/>
           <a:p>
+            <a:r>
+              <a:rPr lang="it-IT" dirty="0"/>
+              <a:t>1) La Collection contiene i documenti che a loro volta contengono i campi, che a loro volta sono coppie chiave-valore</a:t>
+            </a:r>
+          </a:p>
+        </p:txBody>
+      </p:sp>
+      <p:sp>
+        <p:nvSpPr>
+          <p:cNvPr id="4" name="Segnaposto numero diapositiva 3"/>
+          <p:cNvSpPr>
+            <a:spLocks noGrp="1"/>
+          </p:cNvSpPr>
+          <p:nvPr>
+            <p:ph type="sldNum" sz="quarter" idx="5"/>
+          </p:nvPr>
+        </p:nvSpPr>
+        <p:spPr/>
+        <p:txBody>
+          <a:bodyPr/>
+          <a:lstStyle/>
+          <a:p>
+            <a:fld id="{7B9EF5EE-42ED-4142-B01A-B637985E9B70}" type="slidenum">
+              <a:rPr lang="it-IT" smtClean="0"/>
+              <a:t>4</a:t>
+            </a:fld>
+            <a:endParaRPr lang="it-IT"/>
+          </a:p>
+        </p:txBody>
+      </p:sp>
+    </p:spTree>
+    <p:extLst>
+      <p:ext uri="{BB962C8B-B14F-4D97-AF65-F5344CB8AC3E}">
+        <p14:creationId xmlns:p14="http://schemas.microsoft.com/office/powerpoint/2010/main" val="104391915"/>
+      </p:ext>
+    </p:extLst>
+  </p:cSld>
+  <p:clrMapOvr>
+    <a:masterClrMapping/>
+  </p:clrMapOvr>
+</p:notes>
+</file>
+
+<file path=ppt/notesSlides/notesSlide3.xml><?xml version="1.0" encoding="utf-8"?>
+<p:notes xmlns:a="http://schemas.openxmlformats.org/drawingml/2006/main" xmlns:r="http://schemas.openxmlformats.org/officeDocument/2006/relationships" xmlns:p="http://schemas.openxmlformats.org/presentationml/2006/main">
+  <p:cSld>
+    <p:spTree>
+      <p:nvGrpSpPr>
+        <p:cNvPr id="1" name=""/>
+        <p:cNvGrpSpPr/>
+        <p:nvPr/>
+      </p:nvGrpSpPr>
+      <p:grpSpPr>
+        <a:xfrm>
+          <a:off x="0" y="0"/>
+          <a:ext cx="0" cy="0"/>
+          <a:chOff x="0" y="0"/>
+          <a:chExt cx="0" cy="0"/>
+        </a:xfrm>
+      </p:grpSpPr>
+      <p:sp>
+        <p:nvSpPr>
+          <p:cNvPr id="2" name="Segnaposto immagine diapositiva 1"/>
+          <p:cNvSpPr>
+            <a:spLocks noGrp="1" noRot="1" noChangeAspect="1"/>
+          </p:cNvSpPr>
+          <p:nvPr>
+            <p:ph type="sldImg"/>
+          </p:nvPr>
+        </p:nvSpPr>
+        <p:spPr/>
+      </p:sp>
+      <p:sp>
+        <p:nvSpPr>
+          <p:cNvPr id="3" name="Segnaposto note 2"/>
+          <p:cNvSpPr>
+            <a:spLocks noGrp="1"/>
+          </p:cNvSpPr>
+          <p:nvPr>
+            <p:ph type="body" idx="1"/>
+          </p:nvPr>
+        </p:nvSpPr>
+        <p:spPr/>
+        <p:txBody>
+          <a:bodyPr/>
+          <a:lstStyle/>
+          <a:p>
+            <a:r>
+              <a:rPr lang="it-IT" dirty="0"/>
+              <a:t>2) Il documento è visto come un oggetto</a:t>
+            </a:r>
+          </a:p>
+        </p:txBody>
+      </p:sp>
+      <p:sp>
+        <p:nvSpPr>
+          <p:cNvPr id="4" name="Segnaposto numero diapositiva 3"/>
+          <p:cNvSpPr>
+            <a:spLocks noGrp="1"/>
+          </p:cNvSpPr>
+          <p:nvPr>
+            <p:ph type="sldNum" sz="quarter" idx="5"/>
+          </p:nvPr>
+        </p:nvSpPr>
+        <p:spPr/>
+        <p:txBody>
+          <a:bodyPr/>
+          <a:lstStyle/>
+          <a:p>
+            <a:fld id="{7B9EF5EE-42ED-4142-B01A-B637985E9B70}" type="slidenum">
+              <a:rPr lang="it-IT" smtClean="0"/>
+              <a:t>5</a:t>
+            </a:fld>
+            <a:endParaRPr lang="it-IT"/>
+          </a:p>
+        </p:txBody>
+      </p:sp>
+    </p:spTree>
+    <p:extLst>
+      <p:ext uri="{BB962C8B-B14F-4D97-AF65-F5344CB8AC3E}">
+        <p14:creationId xmlns:p14="http://schemas.microsoft.com/office/powerpoint/2010/main" val="4056490047"/>
+      </p:ext>
+    </p:extLst>
+  </p:cSld>
+  <p:clrMapOvr>
+    <a:masterClrMapping/>
+  </p:clrMapOvr>
+</p:notes>
+</file>
+
+<file path=ppt/notesSlides/notesSlide4.xml><?xml version="1.0" encoding="utf-8"?>
+<p:notes xmlns:a="http://schemas.openxmlformats.org/drawingml/2006/main" xmlns:r="http://schemas.openxmlformats.org/officeDocument/2006/relationships" xmlns:p="http://schemas.openxmlformats.org/presentationml/2006/main">
+  <p:cSld>
+    <p:spTree>
+      <p:nvGrpSpPr>
+        <p:cNvPr id="1" name=""/>
+        <p:cNvGrpSpPr/>
+        <p:nvPr/>
+      </p:nvGrpSpPr>
+      <p:grpSpPr>
+        <a:xfrm>
+          <a:off x="0" y="0"/>
+          <a:ext cx="0" cy="0"/>
+          <a:chOff x="0" y="0"/>
+          <a:chExt cx="0" cy="0"/>
+        </a:xfrm>
+      </p:grpSpPr>
+      <p:sp>
+        <p:nvSpPr>
+          <p:cNvPr id="2" name="Segnaposto immagine diapositiva 1"/>
+          <p:cNvSpPr>
+            <a:spLocks noGrp="1" noRot="1" noChangeAspect="1"/>
+          </p:cNvSpPr>
+          <p:nvPr>
+            <p:ph type="sldImg"/>
+          </p:nvPr>
+        </p:nvSpPr>
+        <p:spPr/>
+      </p:sp>
+      <p:sp>
+        <p:nvSpPr>
+          <p:cNvPr id="3" name="Segnaposto note 2"/>
+          <p:cNvSpPr>
+            <a:spLocks noGrp="1"/>
+          </p:cNvSpPr>
+          <p:nvPr>
+            <p:ph type="body" idx="1"/>
+          </p:nvPr>
+        </p:nvSpPr>
+        <p:spPr/>
+        <p:txBody>
+          <a:bodyPr/>
+          <a:lstStyle/>
+          <a:p>
+            <a:r>
+              <a:rPr lang="it-IT" b="1" dirty="0"/>
+              <a:t>Replica set</a:t>
+            </a:r>
+            <a:r>
+              <a:rPr lang="it-IT" dirty="0"/>
+              <a:t>: è un gruppo di server </a:t>
+            </a:r>
+            <a:r>
+              <a:rPr lang="it-IT" dirty="0" err="1"/>
+              <a:t>MongoDB</a:t>
+            </a:r>
+            <a:r>
+              <a:rPr lang="it-IT" dirty="0"/>
+              <a:t> che mantengono lo stesso set di dati, fornendo ridondanza e aumentando la disponibilità dei dati. </a:t>
+            </a:r>
+          </a:p>
+          <a:p>
+            <a:r>
+              <a:rPr lang="it-IT" b="1" dirty="0"/>
+              <a:t>Scalabilità orizzontale</a:t>
+            </a:r>
+            <a:r>
+              <a:rPr lang="it-IT" dirty="0"/>
+              <a:t>: Ridimensionare orizzontalmente equivale a ridimensionare aggiungendo più macchine a un pool o risorse, ma invece di aggiungere più potenza, CPU o RAM, si ridimensiona all'infrastruttura esistente. Il ridimensionamento orizzontale ti consente di ridimensionare i tuoi dati con più risorse di quelle che puoi aggiungere utilizzando il ridimensionamento verticale.</a:t>
+            </a:r>
+          </a:p>
+          <a:p>
+            <a:r>
+              <a:rPr lang="it-IT" b="1" u="none" dirty="0">
+                <a:solidFill>
+                  <a:srgbClr val="0563C1"/>
+                </a:solidFill>
+                <a:hlinkClick r:id="rId3">
+                  <a:extLst>
+                    <a:ext uri="{A12FA001-AC4F-418D-AE19-62706E023703}">
+                      <ahyp:hlinkClr xmlns:ahyp="http://schemas.microsoft.com/office/drawing/2018/hyperlinkcolor" val="tx"/>
+                    </a:ext>
+                  </a:extLst>
+                </a:hlinkClick>
+              </a:rPr>
+              <a:t>storage </a:t>
+            </a:r>
+            <a:r>
+              <a:rPr lang="it-IT" b="1" u="none" dirty="0" err="1">
+                <a:solidFill>
+                  <a:schemeClr val="tx1"/>
+                </a:solidFill>
+                <a:hlinkClick r:id="rId3">
+                  <a:extLst>
+                    <a:ext uri="{A12FA001-AC4F-418D-AE19-62706E023703}">
+                      <ahyp:hlinkClr xmlns:ahyp="http://schemas.microsoft.com/office/drawing/2018/hyperlinkcolor" val="tx"/>
+                    </a:ext>
+                  </a:extLst>
+                </a:hlinkClick>
+              </a:rPr>
+              <a:t>engine</a:t>
+            </a:r>
+            <a:r>
+              <a:rPr lang="it-IT" b="1" u="none" dirty="0">
+                <a:solidFill>
+                  <a:schemeClr val="tx1"/>
+                </a:solidFill>
+              </a:rPr>
+              <a:t> : </a:t>
+            </a:r>
+            <a:r>
+              <a:rPr lang="it-IT" dirty="0"/>
+              <a:t>La parte di un database responsabile della gestione delle modalità di archiviazione e accesso ai dati, sia in memoria che su disco. Motori di archiviazione diversi funzionano meglio per carichi di lavoro specifici. </a:t>
+            </a:r>
+            <a:endParaRPr lang="it-IT" b="1" u="none" dirty="0">
+              <a:solidFill>
+                <a:schemeClr val="tx1"/>
+              </a:solidFill>
+            </a:endParaRPr>
+          </a:p>
+        </p:txBody>
+      </p:sp>
+      <p:sp>
+        <p:nvSpPr>
+          <p:cNvPr id="4" name="Segnaposto numero diapositiva 3"/>
+          <p:cNvSpPr>
+            <a:spLocks noGrp="1"/>
+          </p:cNvSpPr>
+          <p:nvPr>
+            <p:ph type="sldNum" sz="quarter" idx="5"/>
+          </p:nvPr>
+        </p:nvSpPr>
+        <p:spPr/>
+        <p:txBody>
+          <a:bodyPr/>
+          <a:lstStyle/>
+          <a:p>
+            <a:fld id="{7B9EF5EE-42ED-4142-B01A-B637985E9B70}" type="slidenum">
+              <a:rPr lang="it-IT" smtClean="0"/>
+              <a:t>6</a:t>
+            </a:fld>
+            <a:endParaRPr lang="it-IT"/>
+          </a:p>
+        </p:txBody>
+      </p:sp>
+    </p:spTree>
+    <p:extLst>
+      <p:ext uri="{BB962C8B-B14F-4D97-AF65-F5344CB8AC3E}">
+        <p14:creationId xmlns:p14="http://schemas.microsoft.com/office/powerpoint/2010/main" val="384873747"/>
+      </p:ext>
+    </p:extLst>
+  </p:cSld>
+  <p:clrMapOvr>
+    <a:masterClrMapping/>
+  </p:clrMapOvr>
+</p:notes>
+</file>
+
+<file path=ppt/notesSlides/notesSlide5.xml><?xml version="1.0" encoding="utf-8"?>
+<p:notes xmlns:a="http://schemas.openxmlformats.org/drawingml/2006/main" xmlns:r="http://schemas.openxmlformats.org/officeDocument/2006/relationships" xmlns:p="http://schemas.openxmlformats.org/presentationml/2006/main">
+  <p:cSld>
+    <p:spTree>
+      <p:nvGrpSpPr>
+        <p:cNvPr id="1" name=""/>
+        <p:cNvGrpSpPr/>
+        <p:nvPr/>
+      </p:nvGrpSpPr>
+      <p:grpSpPr>
+        <a:xfrm>
+          <a:off x="0" y="0"/>
+          <a:ext cx="0" cy="0"/>
+          <a:chOff x="0" y="0"/>
+          <a:chExt cx="0" cy="0"/>
+        </a:xfrm>
+      </p:grpSpPr>
+      <p:sp>
+        <p:nvSpPr>
+          <p:cNvPr id="2" name="Segnaposto immagine diapositiva 1"/>
+          <p:cNvSpPr>
+            <a:spLocks noGrp="1" noRot="1" noChangeAspect="1"/>
+          </p:cNvSpPr>
+          <p:nvPr>
+            <p:ph type="sldImg"/>
+          </p:nvPr>
+        </p:nvSpPr>
+        <p:spPr/>
+      </p:sp>
+      <p:sp>
+        <p:nvSpPr>
+          <p:cNvPr id="3" name="Segnaposto note 2"/>
+          <p:cNvSpPr>
+            <a:spLocks noGrp="1"/>
+          </p:cNvSpPr>
+          <p:nvPr>
+            <p:ph type="body" idx="1"/>
+          </p:nvPr>
+        </p:nvSpPr>
+        <p:spPr/>
+        <p:txBody>
+          <a:bodyPr/>
+          <a:lstStyle/>
+          <a:p>
             <a:pPr marL="228600" indent="-228600">
               <a:buAutoNum type="arabicParenR"/>
             </a:pPr>
@@ -689,7 +1052,7 @@
           <a:p>
             <a:fld id="{7B9EF5EE-42ED-4142-B01A-B637985E9B70}" type="slidenum">
               <a:rPr lang="it-IT" smtClean="0"/>
-              <a:t>4</a:t>
+              <a:t>8</a:t>
             </a:fld>
             <a:endParaRPr lang="it-IT"/>
           </a:p>
@@ -1430,7 +1793,7 @@
           <a:p>
             <a:fld id="{5EEC1FBE-7A50-402B-9218-00262FCB5F53}" type="datetimeFigureOut">
               <a:rPr lang="it-IT" smtClean="0"/>
-              <a:t>14/03/2022</a:t>
+              <a:t>15/03/2022</a:t>
             </a:fld>
             <a:endParaRPr lang="it-IT"/>
           </a:p>
@@ -1681,7 +2044,7 @@
           <a:p>
             <a:fld id="{5EEC1FBE-7A50-402B-9218-00262FCB5F53}" type="datetimeFigureOut">
               <a:rPr lang="it-IT" smtClean="0"/>
-              <a:t>14/03/2022</a:t>
+              <a:t>15/03/2022</a:t>
             </a:fld>
             <a:endParaRPr lang="it-IT"/>
           </a:p>
@@ -1995,7 +2358,7 @@
           <a:p>
             <a:fld id="{5EEC1FBE-7A50-402B-9218-00262FCB5F53}" type="datetimeFigureOut">
               <a:rPr lang="it-IT" smtClean="0"/>
-              <a:t>14/03/2022</a:t>
+              <a:t>15/03/2022</a:t>
             </a:fld>
             <a:endParaRPr lang="it-IT"/>
           </a:p>
@@ -2336,7 +2699,7 @@
           <a:p>
             <a:fld id="{5EEC1FBE-7A50-402B-9218-00262FCB5F53}" type="datetimeFigureOut">
               <a:rPr lang="it-IT" smtClean="0"/>
-              <a:t>14/03/2022</a:t>
+              <a:t>15/03/2022</a:t>
             </a:fld>
             <a:endParaRPr lang="it-IT"/>
           </a:p>
@@ -2650,7 +3013,7 @@
           <a:p>
             <a:fld id="{5EEC1FBE-7A50-402B-9218-00262FCB5F53}" type="datetimeFigureOut">
               <a:rPr lang="it-IT" smtClean="0"/>
-              <a:t>14/03/2022</a:t>
+              <a:t>15/03/2022</a:t>
             </a:fld>
             <a:endParaRPr lang="it-IT"/>
           </a:p>
@@ -3043,7 +3406,7 @@
           <a:p>
             <a:fld id="{5EEC1FBE-7A50-402B-9218-00262FCB5F53}" type="datetimeFigureOut">
               <a:rPr lang="it-IT" smtClean="0"/>
-              <a:t>14/03/2022</a:t>
+              <a:t>15/03/2022</a:t>
             </a:fld>
             <a:endParaRPr lang="it-IT"/>
           </a:p>
@@ -3213,7 +3576,7 @@
           <a:p>
             <a:fld id="{5EEC1FBE-7A50-402B-9218-00262FCB5F53}" type="datetimeFigureOut">
               <a:rPr lang="it-IT" smtClean="0"/>
-              <a:t>14/03/2022</a:t>
+              <a:t>15/03/2022</a:t>
             </a:fld>
             <a:endParaRPr lang="it-IT"/>
           </a:p>
@@ -3393,7 +3756,7 @@
           <a:p>
             <a:fld id="{5EEC1FBE-7A50-402B-9218-00262FCB5F53}" type="datetimeFigureOut">
               <a:rPr lang="it-IT" smtClean="0"/>
-              <a:t>14/03/2022</a:t>
+              <a:t>15/03/2022</a:t>
             </a:fld>
             <a:endParaRPr lang="it-IT"/>
           </a:p>
@@ -3569,7 +3932,7 @@
           <a:p>
             <a:fld id="{5EEC1FBE-7A50-402B-9218-00262FCB5F53}" type="datetimeFigureOut">
               <a:rPr lang="it-IT" smtClean="0"/>
-              <a:t>14/03/2022</a:t>
+              <a:t>15/03/2022</a:t>
             </a:fld>
             <a:endParaRPr lang="it-IT"/>
           </a:p>
@@ -3816,7 +4179,7 @@
           <a:p>
             <a:fld id="{5EEC1FBE-7A50-402B-9218-00262FCB5F53}" type="datetimeFigureOut">
               <a:rPr lang="it-IT" smtClean="0"/>
-              <a:t>14/03/2022</a:t>
+              <a:t>15/03/2022</a:t>
             </a:fld>
             <a:endParaRPr lang="it-IT"/>
           </a:p>
@@ -4048,7 +4411,7 @@
           <a:p>
             <a:fld id="{5EEC1FBE-7A50-402B-9218-00262FCB5F53}" type="datetimeFigureOut">
               <a:rPr lang="it-IT" smtClean="0"/>
-              <a:t>14/03/2022</a:t>
+              <a:t>15/03/2022</a:t>
             </a:fld>
             <a:endParaRPr lang="it-IT"/>
           </a:p>
@@ -4422,7 +4785,7 @@
           <a:p>
             <a:fld id="{5EEC1FBE-7A50-402B-9218-00262FCB5F53}" type="datetimeFigureOut">
               <a:rPr lang="it-IT" smtClean="0"/>
-              <a:t>14/03/2022</a:t>
+              <a:t>15/03/2022</a:t>
             </a:fld>
             <a:endParaRPr lang="it-IT"/>
           </a:p>
@@ -4545,7 +4908,7 @@
           <a:p>
             <a:fld id="{5EEC1FBE-7A50-402B-9218-00262FCB5F53}" type="datetimeFigureOut">
               <a:rPr lang="it-IT" smtClean="0"/>
-              <a:t>14/03/2022</a:t>
+              <a:t>15/03/2022</a:t>
             </a:fld>
             <a:endParaRPr lang="it-IT"/>
           </a:p>
@@ -4640,7 +5003,7 @@
           <a:p>
             <a:fld id="{5EEC1FBE-7A50-402B-9218-00262FCB5F53}" type="datetimeFigureOut">
               <a:rPr lang="it-IT" smtClean="0"/>
-              <a:t>14/03/2022</a:t>
+              <a:t>15/03/2022</a:t>
             </a:fld>
             <a:endParaRPr lang="it-IT"/>
           </a:p>
@@ -4895,7 +5258,7 @@
           <a:p>
             <a:fld id="{5EEC1FBE-7A50-402B-9218-00262FCB5F53}" type="datetimeFigureOut">
               <a:rPr lang="it-IT" smtClean="0"/>
-              <a:t>14/03/2022</a:t>
+              <a:t>15/03/2022</a:t>
             </a:fld>
             <a:endParaRPr lang="it-IT"/>
           </a:p>
@@ -5158,7 +5521,7 @@
           <a:p>
             <a:fld id="{5EEC1FBE-7A50-402B-9218-00262FCB5F53}" type="datetimeFigureOut">
               <a:rPr lang="it-IT" smtClean="0"/>
-              <a:t>14/03/2022</a:t>
+              <a:t>15/03/2022</a:t>
             </a:fld>
             <a:endParaRPr lang="it-IT"/>
           </a:p>
@@ -5901,7 +6264,7 @@
           <a:p>
             <a:fld id="{5EEC1FBE-7A50-402B-9218-00262FCB5F53}" type="datetimeFigureOut">
               <a:rPr lang="it-IT" smtClean="0"/>
-              <a:t>14/03/2022</a:t>
+              <a:t>15/03/2022</a:t>
             </a:fld>
             <a:endParaRPr lang="it-IT"/>
           </a:p>
@@ -6857,6 +7220,40 @@
             <a:endParaRPr lang="it-IT" u="sng" dirty="0"/>
           </a:p>
           <a:p>
+            <a:pPr lvl="1"/>
+            <a:r>
+              <a:rPr lang="it-IT" u="sng" dirty="0"/>
+              <a:t>Differenza della struttura del dato rispetto a RDBMS</a:t>
+            </a:r>
+          </a:p>
+          <a:p>
+            <a:pPr lvl="1"/>
+            <a:r>
+              <a:rPr lang="it-IT" u="sng" dirty="0"/>
+              <a:t>Vantaggi </a:t>
+            </a:r>
+            <a:r>
+              <a:rPr lang="it-IT" u="sng" dirty="0" err="1"/>
+              <a:t>Document</a:t>
+            </a:r>
+            <a:r>
+              <a:rPr lang="it-IT" u="sng" dirty="0"/>
+              <a:t> Database</a:t>
+            </a:r>
+          </a:p>
+          <a:p>
+            <a:pPr lvl="1"/>
+            <a:r>
+              <a:rPr lang="it-IT" u="sng" dirty="0"/>
+              <a:t>Caratteristiche principali di </a:t>
+            </a:r>
+            <a:r>
+              <a:rPr lang="it-IT" u="sng" dirty="0" err="1"/>
+              <a:t>MongoDB</a:t>
+            </a:r>
+            <a:endParaRPr lang="it-IT" u="sng" dirty="0"/>
+          </a:p>
+          <a:p>
             <a:r>
               <a:rPr lang="it-IT" u="sng" dirty="0"/>
               <a:t>Data Models</a:t>
@@ -7207,8 +7604,8 @@
         </p:nvSpPr>
         <p:spPr>
           <a:xfrm>
-            <a:off x="5165185" y="4899256"/>
-            <a:ext cx="4108817" cy="646331"/>
+            <a:off x="5029908" y="4862320"/>
+            <a:ext cx="4193777" cy="646331"/>
           </a:xfrm>
           <a:prstGeom prst="rect">
             <a:avLst/>
@@ -7229,7 +7626,46 @@
           <a:p>
             <a:r>
               <a:rPr lang="it-IT" dirty="0"/>
-              <a:t>incrementare le prestazioni di ricerca</a:t>
+              <a:t>incrementare le prestazioni di ricerca.</a:t>
+            </a:r>
+          </a:p>
+        </p:txBody>
+      </p:sp>
+      <p:sp>
+        <p:nvSpPr>
+          <p:cNvPr id="11" name="CasellaDiTesto 10">
+            <a:extLst>
+              <a:ext uri="{FF2B5EF4-FFF2-40B4-BE49-F238E27FC236}">
+                <a16:creationId xmlns:a16="http://schemas.microsoft.com/office/drawing/2014/main" id="{72EC5378-4AE5-4898-A7C3-D3F17E8915C0}"/>
+              </a:ext>
+            </a:extLst>
+          </p:cNvPr>
+          <p:cNvSpPr txBox="1"/>
+          <p:nvPr/>
+        </p:nvSpPr>
+        <p:spPr>
+          <a:xfrm>
+            <a:off x="5029908" y="5434181"/>
+            <a:ext cx="4733780" cy="646331"/>
+          </a:xfrm>
+          <a:prstGeom prst="rect">
+            <a:avLst/>
+          </a:prstGeom>
+          <a:noFill/>
+        </p:spPr>
+        <p:txBody>
+          <a:bodyPr wrap="square">
+            <a:spAutoFit/>
+          </a:bodyPr>
+          <a:lstStyle/>
+          <a:p>
+            <a:r>
+              <a:rPr lang="it-IT" dirty="0" err="1"/>
+              <a:t>MongoDB</a:t>
+            </a:r>
+            <a:r>
+              <a:rPr lang="it-IT" dirty="0"/>
+              <a:t> immagazzina i dati come documenti di tipo BSON.</a:t>
             </a:r>
           </a:p>
         </p:txBody>
@@ -7269,6 +7705,1201 @@
           <p:cNvPr id="2" name="Titolo 1">
             <a:extLst>
               <a:ext uri="{FF2B5EF4-FFF2-40B4-BE49-F238E27FC236}">
+                <a16:creationId xmlns:a16="http://schemas.microsoft.com/office/drawing/2014/main" id="{DEEE2D37-8E06-4E72-A33E-A0384AF7F666}"/>
+              </a:ext>
+            </a:extLst>
+          </p:cNvPr>
+          <p:cNvSpPr>
+            <a:spLocks noGrp="1"/>
+          </p:cNvSpPr>
+          <p:nvPr>
+            <p:ph type="title"/>
+          </p:nvPr>
+        </p:nvSpPr>
+        <p:spPr/>
+        <p:txBody>
+          <a:bodyPr/>
+          <a:lstStyle/>
+          <a:p>
+            <a:r>
+              <a:rPr lang="it-IT" dirty="0"/>
+              <a:t>Differenza con RDBMS</a:t>
+            </a:r>
+          </a:p>
+        </p:txBody>
+      </p:sp>
+      <p:graphicFrame>
+        <p:nvGraphicFramePr>
+          <p:cNvPr id="4" name="Tabella 4">
+            <a:extLst>
+              <a:ext uri="{FF2B5EF4-FFF2-40B4-BE49-F238E27FC236}">
+                <a16:creationId xmlns:a16="http://schemas.microsoft.com/office/drawing/2014/main" id="{B03B79CB-6D0C-4102-9A55-FA6140D4105F}"/>
+              </a:ext>
+            </a:extLst>
+          </p:cNvPr>
+          <p:cNvGraphicFramePr>
+            <a:graphicFrameLocks noGrp="1"/>
+          </p:cNvGraphicFramePr>
+          <p:nvPr>
+            <p:ph idx="1"/>
+            <p:extLst>
+              <p:ext uri="{D42A27DB-BD31-4B8C-83A1-F6EECF244321}">
+                <p14:modId xmlns:p14="http://schemas.microsoft.com/office/powerpoint/2010/main" val="2499120824"/>
+              </p:ext>
+            </p:extLst>
+          </p:nvPr>
+        </p:nvGraphicFramePr>
+        <p:xfrm>
+          <a:off x="302537" y="1270000"/>
+          <a:ext cx="11212129" cy="4046688"/>
+        </p:xfrm>
+        <a:graphic>
+          <a:graphicData uri="http://schemas.openxmlformats.org/drawingml/2006/table">
+            <a:tbl>
+              <a:tblPr firstRow="1" bandRow="1">
+                <a:tableStyleId>{5C22544A-7EE6-4342-B048-85BDC9FD1C3A}</a:tableStyleId>
+              </a:tblPr>
+              <a:tblGrid>
+                <a:gridCol w="1840555">
+                  <a:extLst>
+                    <a:ext uri="{9D8B030D-6E8A-4147-A177-3AD203B41FA5}">
+                      <a16:colId xmlns:a16="http://schemas.microsoft.com/office/drawing/2014/main" val="3946425782"/>
+                    </a:ext>
+                  </a:extLst>
+                </a:gridCol>
+                <a:gridCol w="1622792">
+                  <a:extLst>
+                    <a:ext uri="{9D8B030D-6E8A-4147-A177-3AD203B41FA5}">
+                      <a16:colId xmlns:a16="http://schemas.microsoft.com/office/drawing/2014/main" val="569302220"/>
+                    </a:ext>
+                  </a:extLst>
+                </a:gridCol>
+                <a:gridCol w="7748782">
+                  <a:extLst>
+                    <a:ext uri="{9D8B030D-6E8A-4147-A177-3AD203B41FA5}">
+                      <a16:colId xmlns:a16="http://schemas.microsoft.com/office/drawing/2014/main" val="823549173"/>
+                    </a:ext>
+                  </a:extLst>
+                </a:gridCol>
+              </a:tblGrid>
+              <a:tr h="645912">
+                <a:tc>
+                  <a:txBody>
+                    <a:bodyPr/>
+                    <a:lstStyle/>
+                    <a:p>
+                      <a:r>
+                        <a:rPr lang="it-IT" dirty="0"/>
+                        <a:t>RDBBMS</a:t>
+                      </a:r>
+                    </a:p>
+                  </a:txBody>
+                  <a:tcPr/>
+                </a:tc>
+                <a:tc>
+                  <a:txBody>
+                    <a:bodyPr/>
+                    <a:lstStyle/>
+                    <a:p>
+                      <a:r>
+                        <a:rPr lang="it-IT" dirty="0" err="1"/>
+                        <a:t>MongoDB</a:t>
+                      </a:r>
+                      <a:endParaRPr lang="it-IT" dirty="0"/>
+                    </a:p>
+                  </a:txBody>
+                  <a:tcPr/>
+                </a:tc>
+                <a:tc>
+                  <a:txBody>
+                    <a:bodyPr/>
+                    <a:lstStyle/>
+                    <a:p>
+                      <a:r>
+                        <a:rPr lang="it-IT" dirty="0"/>
+                        <a:t>Differenza</a:t>
+                      </a:r>
+                    </a:p>
+                  </a:txBody>
+                  <a:tcPr/>
+                </a:tc>
+                <a:extLst>
+                  <a:ext uri="{0D108BD9-81ED-4DB2-BD59-A6C34878D82A}">
+                    <a16:rowId xmlns:a16="http://schemas.microsoft.com/office/drawing/2014/main" val="1317938149"/>
+                  </a:ext>
+                </a:extLst>
+              </a:tr>
+              <a:tr h="645912">
+                <a:tc>
+                  <a:txBody>
+                    <a:bodyPr/>
+                    <a:lstStyle/>
+                    <a:p>
+                      <a:r>
+                        <a:rPr lang="it-IT" dirty="0" err="1"/>
+                        <a:t>Table</a:t>
+                      </a:r>
+                      <a:endParaRPr lang="it-IT" dirty="0"/>
+                    </a:p>
+                  </a:txBody>
+                  <a:tcPr/>
+                </a:tc>
+                <a:tc>
+                  <a:txBody>
+                    <a:bodyPr/>
+                    <a:lstStyle/>
+                    <a:p>
+                      <a:r>
+                        <a:rPr lang="it-IT" dirty="0"/>
+                        <a:t>Collection</a:t>
+                      </a:r>
+                    </a:p>
+                  </a:txBody>
+                  <a:tcPr/>
+                </a:tc>
+                <a:tc>
+                  <a:txBody>
+                    <a:bodyPr/>
+                    <a:lstStyle/>
+                    <a:p>
+                      <a:r>
+                        <a:rPr lang="it-IT" dirty="0"/>
+                        <a:t>In RDBMS, le tabelle contengono le colonne e le righe usate per registrare il dato, in </a:t>
+                      </a:r>
+                      <a:r>
+                        <a:rPr lang="it-IT" dirty="0" err="1"/>
+                        <a:t>MongoDB</a:t>
+                      </a:r>
+                      <a:r>
+                        <a:rPr lang="it-IT" dirty="0"/>
+                        <a:t>, questa struttura si chiama Collection. </a:t>
+                      </a:r>
+                    </a:p>
+                  </a:txBody>
+                  <a:tcPr/>
+                </a:tc>
+                <a:extLst>
+                  <a:ext uri="{0D108BD9-81ED-4DB2-BD59-A6C34878D82A}">
+                    <a16:rowId xmlns:a16="http://schemas.microsoft.com/office/drawing/2014/main" val="2737845455"/>
+                  </a:ext>
+                </a:extLst>
+              </a:tr>
+              <a:tr h="645912">
+                <a:tc>
+                  <a:txBody>
+                    <a:bodyPr/>
+                    <a:lstStyle/>
+                    <a:p>
+                      <a:pPr algn="l"/>
+                      <a:r>
+                        <a:rPr lang="it-IT" dirty="0" err="1"/>
+                        <a:t>Row</a:t>
+                      </a:r>
+                      <a:r>
+                        <a:rPr lang="it-IT" dirty="0"/>
+                        <a:t>/Record</a:t>
+                      </a:r>
+                    </a:p>
+                  </a:txBody>
+                  <a:tcPr/>
+                </a:tc>
+                <a:tc>
+                  <a:txBody>
+                    <a:bodyPr/>
+                    <a:lstStyle/>
+                    <a:p>
+                      <a:r>
+                        <a:rPr lang="it-IT" dirty="0" err="1"/>
+                        <a:t>Document</a:t>
+                      </a:r>
+                      <a:endParaRPr lang="it-IT" dirty="0"/>
+                    </a:p>
+                  </a:txBody>
+                  <a:tcPr/>
+                </a:tc>
+                <a:tc>
+                  <a:txBody>
+                    <a:bodyPr/>
+                    <a:lstStyle/>
+                    <a:p>
+                      <a:r>
+                        <a:rPr lang="it-IT" dirty="0"/>
+                        <a:t>In RDBMS, la </a:t>
+                      </a:r>
+                      <a:r>
+                        <a:rPr lang="it-IT" dirty="0" err="1"/>
+                        <a:t>righa</a:t>
+                      </a:r>
+                      <a:r>
+                        <a:rPr lang="it-IT" dirty="0"/>
+                        <a:t> rappresenta un singolo elemento di dati strutturato nella tabella. In </a:t>
+                      </a:r>
+                      <a:r>
+                        <a:rPr lang="it-IT" dirty="0" err="1"/>
+                        <a:t>MongoDB</a:t>
+                      </a:r>
+                      <a:r>
+                        <a:rPr lang="it-IT" dirty="0"/>
+                        <a:t>, i dati vengono archiviati nei documenti.</a:t>
+                      </a:r>
+                    </a:p>
+                  </a:txBody>
+                  <a:tcPr/>
+                </a:tc>
+                <a:extLst>
+                  <a:ext uri="{0D108BD9-81ED-4DB2-BD59-A6C34878D82A}">
+                    <a16:rowId xmlns:a16="http://schemas.microsoft.com/office/drawing/2014/main" val="1537402499"/>
+                  </a:ext>
+                </a:extLst>
+              </a:tr>
+              <a:tr h="645912">
+                <a:tc>
+                  <a:txBody>
+                    <a:bodyPr/>
+                    <a:lstStyle/>
+                    <a:p>
+                      <a:r>
+                        <a:rPr lang="it-IT" dirty="0" err="1"/>
+                        <a:t>Column</a:t>
+                      </a:r>
+                      <a:endParaRPr lang="it-IT" dirty="0"/>
+                    </a:p>
+                  </a:txBody>
+                  <a:tcPr/>
+                </a:tc>
+                <a:tc>
+                  <a:txBody>
+                    <a:bodyPr/>
+                    <a:lstStyle/>
+                    <a:p>
+                      <a:r>
+                        <a:rPr lang="it-IT" dirty="0" err="1"/>
+                        <a:t>Filed</a:t>
+                      </a:r>
+                      <a:endParaRPr lang="it-IT" dirty="0"/>
+                    </a:p>
+                  </a:txBody>
+                  <a:tcPr/>
+                </a:tc>
+                <a:tc>
+                  <a:txBody>
+                    <a:bodyPr/>
+                    <a:lstStyle/>
+                    <a:p>
+                      <a:r>
+                        <a:rPr lang="it-IT" dirty="0"/>
+                        <a:t>In RDBMS, la colonna denota un set di valori. In </a:t>
+                      </a:r>
+                      <a:r>
+                        <a:rPr lang="it-IT" dirty="0" err="1"/>
+                        <a:t>MongoDB</a:t>
+                      </a:r>
+                      <a:r>
+                        <a:rPr lang="it-IT" dirty="0"/>
+                        <a:t>, sono conosciuti come campi.</a:t>
+                      </a:r>
+                    </a:p>
+                  </a:txBody>
+                  <a:tcPr/>
+                </a:tc>
+                <a:extLst>
+                  <a:ext uri="{0D108BD9-81ED-4DB2-BD59-A6C34878D82A}">
+                    <a16:rowId xmlns:a16="http://schemas.microsoft.com/office/drawing/2014/main" val="3542496028"/>
+                  </a:ext>
+                </a:extLst>
+              </a:tr>
+              <a:tr h="645912">
+                <a:tc>
+                  <a:txBody>
+                    <a:bodyPr/>
+                    <a:lstStyle/>
+                    <a:p>
+                      <a:r>
+                        <a:rPr lang="it-IT" dirty="0"/>
+                        <a:t>Joins</a:t>
+                      </a:r>
+                    </a:p>
+                  </a:txBody>
+                  <a:tcPr/>
+                </a:tc>
+                <a:tc>
+                  <a:txBody>
+                    <a:bodyPr/>
+                    <a:lstStyle/>
+                    <a:p>
+                      <a:r>
+                        <a:rPr lang="it-IT" dirty="0"/>
+                        <a:t>Embedded </a:t>
+                      </a:r>
+                      <a:r>
+                        <a:rPr lang="it-IT" dirty="0" err="1"/>
+                        <a:t>documents</a:t>
+                      </a:r>
+                      <a:endParaRPr lang="it-IT" dirty="0"/>
+                    </a:p>
+                  </a:txBody>
+                  <a:tcPr/>
+                </a:tc>
+                <a:tc>
+                  <a:txBody>
+                    <a:bodyPr/>
+                    <a:lstStyle/>
+                    <a:p>
+                      <a:r>
+                        <a:rPr lang="it-IT" dirty="0"/>
+                        <a:t>In RDBMS, i dati a volte sono distribuiti su varie tabelle e per mostrare una vista completa di tutti i dati, a volte viene formato un join tra tabelle per ottenere i dati. In </a:t>
+                      </a:r>
+                      <a:r>
+                        <a:rPr lang="it-IT" dirty="0" err="1"/>
+                        <a:t>MongoDB</a:t>
+                      </a:r>
+                      <a:r>
+                        <a:rPr lang="it-IT" dirty="0"/>
+                        <a:t>, i dati vengono normalmente archiviati in un’unica raccolta, ma separati utilizzando documenti incorporati. Quindi non esiste il concetto di join in </a:t>
+                      </a:r>
+                      <a:r>
+                        <a:rPr lang="it-IT" dirty="0" err="1"/>
+                        <a:t>MongoDB</a:t>
+                      </a:r>
+                      <a:endParaRPr lang="it-IT" dirty="0"/>
+                    </a:p>
+                  </a:txBody>
+                  <a:tcPr/>
+                </a:tc>
+                <a:extLst>
+                  <a:ext uri="{0D108BD9-81ED-4DB2-BD59-A6C34878D82A}">
+                    <a16:rowId xmlns:a16="http://schemas.microsoft.com/office/drawing/2014/main" val="3462587373"/>
+                  </a:ext>
+                </a:extLst>
+              </a:tr>
+            </a:tbl>
+          </a:graphicData>
+        </a:graphic>
+      </p:graphicFrame>
+    </p:spTree>
+    <p:extLst>
+      <p:ext uri="{BB962C8B-B14F-4D97-AF65-F5344CB8AC3E}">
+        <p14:creationId xmlns:p14="http://schemas.microsoft.com/office/powerpoint/2010/main" val="3183540222"/>
+      </p:ext>
+    </p:extLst>
+  </p:cSld>
+  <p:clrMapOvr>
+    <a:masterClrMapping/>
+  </p:clrMapOvr>
+</p:sld>
+</file>
+
+<file path=ppt/slides/slide5.xml><?xml version="1.0" encoding="utf-8"?>
+<p:sld xmlns:a="http://schemas.openxmlformats.org/drawingml/2006/main" xmlns:r="http://schemas.openxmlformats.org/officeDocument/2006/relationships" xmlns:p="http://schemas.openxmlformats.org/presentationml/2006/main">
+  <p:cSld>
+    <p:spTree>
+      <p:nvGrpSpPr>
+        <p:cNvPr id="1" name=""/>
+        <p:cNvGrpSpPr/>
+        <p:nvPr/>
+      </p:nvGrpSpPr>
+      <p:grpSpPr>
+        <a:xfrm>
+          <a:off x="0" y="0"/>
+          <a:ext cx="0" cy="0"/>
+          <a:chOff x="0" y="0"/>
+          <a:chExt cx="0" cy="0"/>
+        </a:xfrm>
+      </p:grpSpPr>
+      <p:sp>
+        <p:nvSpPr>
+          <p:cNvPr id="2" name="Titolo 1">
+            <a:extLst>
+              <a:ext uri="{FF2B5EF4-FFF2-40B4-BE49-F238E27FC236}">
+                <a16:creationId xmlns:a16="http://schemas.microsoft.com/office/drawing/2014/main" id="{EA7127D0-0D6F-44E0-8CA6-20CE58F7CA29}"/>
+              </a:ext>
+            </a:extLst>
+          </p:cNvPr>
+          <p:cNvSpPr>
+            <a:spLocks noGrp="1"/>
+          </p:cNvSpPr>
+          <p:nvPr>
+            <p:ph type="title"/>
+          </p:nvPr>
+        </p:nvSpPr>
+        <p:spPr>
+          <a:xfrm>
+            <a:off x="436703" y="312821"/>
+            <a:ext cx="8596668" cy="807954"/>
+          </a:xfrm>
+        </p:spPr>
+        <p:txBody>
+          <a:bodyPr>
+            <a:normAutofit/>
+          </a:bodyPr>
+          <a:lstStyle/>
+          <a:p>
+            <a:r>
+              <a:rPr lang="it-IT" dirty="0"/>
+              <a:t>Vantaggi </a:t>
+            </a:r>
+            <a:r>
+              <a:rPr lang="it-IT" dirty="0" err="1"/>
+              <a:t>Document</a:t>
+            </a:r>
+            <a:r>
+              <a:rPr lang="it-IT" dirty="0"/>
+              <a:t> </a:t>
+            </a:r>
+            <a:r>
+              <a:rPr lang="it-IT" dirty="0" err="1"/>
+              <a:t>DataBase</a:t>
+            </a:r>
+            <a:endParaRPr lang="it-IT" dirty="0"/>
+          </a:p>
+        </p:txBody>
+      </p:sp>
+      <p:pic>
+        <p:nvPicPr>
+          <p:cNvPr id="5" name="Segnaposto contenuto 4">
+            <a:extLst>
+              <a:ext uri="{FF2B5EF4-FFF2-40B4-BE49-F238E27FC236}">
+                <a16:creationId xmlns:a16="http://schemas.microsoft.com/office/drawing/2014/main" id="{73F4FCAF-D629-4D78-B3B7-ACB51CFC1E06}"/>
+              </a:ext>
+            </a:extLst>
+          </p:cNvPr>
+          <p:cNvPicPr>
+            <a:picLocks noGrp="1" noChangeAspect="1"/>
+          </p:cNvPicPr>
+          <p:nvPr>
+            <p:ph idx="1"/>
+          </p:nvPr>
+        </p:nvPicPr>
+        <p:blipFill>
+          <a:blip r:embed="rId3">
+            <a:extLst>
+              <a:ext uri="{28A0092B-C50C-407E-A947-70E740481C1C}">
+                <a14:useLocalDpi xmlns:a14="http://schemas.microsoft.com/office/drawing/2010/main" val="0"/>
+              </a:ext>
+              <a:ext uri="{96DAC541-7B7A-43D3-8B79-37D633B846F1}">
+                <asvg:svgBlip xmlns:asvg="http://schemas.microsoft.com/office/drawing/2016/SVG/main" r:embed="rId4"/>
+              </a:ext>
+            </a:extLst>
+          </a:blip>
+          <a:stretch>
+            <a:fillRect/>
+          </a:stretch>
+        </p:blipFill>
+        <p:spPr>
+          <a:xfrm>
+            <a:off x="491456" y="1120775"/>
+            <a:ext cx="5429250" cy="1619250"/>
+          </a:xfrm>
+        </p:spPr>
+      </p:pic>
+      <p:sp>
+        <p:nvSpPr>
+          <p:cNvPr id="6" name="Segnaposto contenuto 2">
+            <a:extLst>
+              <a:ext uri="{FF2B5EF4-FFF2-40B4-BE49-F238E27FC236}">
+                <a16:creationId xmlns:a16="http://schemas.microsoft.com/office/drawing/2014/main" id="{2133E7B9-47F7-4451-91FB-77DEB1E48BA2}"/>
+              </a:ext>
+            </a:extLst>
+          </p:cNvPr>
+          <p:cNvSpPr txBox="1">
+            <a:spLocks/>
+          </p:cNvSpPr>
+          <p:nvPr/>
+        </p:nvSpPr>
+        <p:spPr>
+          <a:xfrm>
+            <a:off x="436703" y="2899110"/>
+            <a:ext cx="8596668" cy="3646069"/>
+          </a:xfrm>
+          <a:prstGeom prst="rect">
+            <a:avLst/>
+          </a:prstGeom>
+        </p:spPr>
+        <p:txBody>
+          <a:bodyPr vert="horz" lIns="91440" tIns="45720" rIns="91440" bIns="45720" rtlCol="0">
+            <a:normAutofit/>
+          </a:bodyPr>
+          <a:lstStyle>
+            <a:lvl1pPr marL="342900" indent="-342900" algn="l" defTabSz="457200" rtl="0" eaLnBrk="1" latinLnBrk="0" hangingPunct="1">
+              <a:spcBef>
+                <a:spcPts val="1000"/>
+              </a:spcBef>
+              <a:spcAft>
+                <a:spcPts val="0"/>
+              </a:spcAft>
+              <a:buClr>
+                <a:schemeClr val="accent1"/>
+              </a:buClr>
+              <a:buSzPct val="80000"/>
+              <a:buFont typeface="Wingdings 3" charset="2"/>
+              <a:buChar char=""/>
+              <a:defRPr sz="1800" kern="1200">
+                <a:solidFill>
+                  <a:schemeClr val="tx1">
+                    <a:lumMod val="75000"/>
+                    <a:lumOff val="25000"/>
+                  </a:schemeClr>
+                </a:solidFill>
+                <a:latin typeface="+mn-lt"/>
+                <a:ea typeface="+mn-ea"/>
+                <a:cs typeface="+mn-cs"/>
+              </a:defRPr>
+            </a:lvl1pPr>
+            <a:lvl2pPr marL="742950" indent="-285750" algn="l" defTabSz="457200" rtl="0" eaLnBrk="1" latinLnBrk="0" hangingPunct="1">
+              <a:spcBef>
+                <a:spcPts val="1000"/>
+              </a:spcBef>
+              <a:spcAft>
+                <a:spcPts val="0"/>
+              </a:spcAft>
+              <a:buClr>
+                <a:schemeClr val="accent1"/>
+              </a:buClr>
+              <a:buSzPct val="80000"/>
+              <a:buFont typeface="Wingdings 3" charset="2"/>
+              <a:buChar char=""/>
+              <a:defRPr sz="1600" kern="1200">
+                <a:solidFill>
+                  <a:schemeClr val="tx1">
+                    <a:lumMod val="75000"/>
+                    <a:lumOff val="25000"/>
+                  </a:schemeClr>
+                </a:solidFill>
+                <a:latin typeface="+mn-lt"/>
+                <a:ea typeface="+mn-ea"/>
+                <a:cs typeface="+mn-cs"/>
+              </a:defRPr>
+            </a:lvl2pPr>
+            <a:lvl3pPr marL="1143000" indent="-228600" algn="l" defTabSz="457200" rtl="0" eaLnBrk="1" latinLnBrk="0" hangingPunct="1">
+              <a:spcBef>
+                <a:spcPts val="1000"/>
+              </a:spcBef>
+              <a:spcAft>
+                <a:spcPts val="0"/>
+              </a:spcAft>
+              <a:buClr>
+                <a:schemeClr val="accent1"/>
+              </a:buClr>
+              <a:buSzPct val="80000"/>
+              <a:buFont typeface="Wingdings 3" charset="2"/>
+              <a:buChar char=""/>
+              <a:defRPr sz="1400" kern="1200">
+                <a:solidFill>
+                  <a:schemeClr val="tx1">
+                    <a:lumMod val="75000"/>
+                    <a:lumOff val="25000"/>
+                  </a:schemeClr>
+                </a:solidFill>
+                <a:latin typeface="+mn-lt"/>
+                <a:ea typeface="+mn-ea"/>
+                <a:cs typeface="+mn-cs"/>
+              </a:defRPr>
+            </a:lvl3pPr>
+            <a:lvl4pPr marL="1600200" indent="-228600" algn="l" defTabSz="457200" rtl="0" eaLnBrk="1" latinLnBrk="0" hangingPunct="1">
+              <a:spcBef>
+                <a:spcPts val="1000"/>
+              </a:spcBef>
+              <a:spcAft>
+                <a:spcPts val="0"/>
+              </a:spcAft>
+              <a:buClr>
+                <a:schemeClr val="accent1"/>
+              </a:buClr>
+              <a:buSzPct val="80000"/>
+              <a:buFont typeface="Wingdings 3" charset="2"/>
+              <a:buChar char=""/>
+              <a:defRPr sz="1200" kern="1200">
+                <a:solidFill>
+                  <a:schemeClr val="tx1">
+                    <a:lumMod val="75000"/>
+                    <a:lumOff val="25000"/>
+                  </a:schemeClr>
+                </a:solidFill>
+                <a:latin typeface="+mn-lt"/>
+                <a:ea typeface="+mn-ea"/>
+                <a:cs typeface="+mn-cs"/>
+              </a:defRPr>
+            </a:lvl4pPr>
+            <a:lvl5pPr marL="2057400" indent="-228600" algn="l" defTabSz="457200" rtl="0" eaLnBrk="1" latinLnBrk="0" hangingPunct="1">
+              <a:spcBef>
+                <a:spcPts val="1000"/>
+              </a:spcBef>
+              <a:spcAft>
+                <a:spcPts val="0"/>
+              </a:spcAft>
+              <a:buClr>
+                <a:schemeClr val="accent1"/>
+              </a:buClr>
+              <a:buSzPct val="80000"/>
+              <a:buFont typeface="Wingdings 3" charset="2"/>
+              <a:buChar char=""/>
+              <a:defRPr sz="1200" kern="1200">
+                <a:solidFill>
+                  <a:schemeClr val="tx1">
+                    <a:lumMod val="75000"/>
+                    <a:lumOff val="25000"/>
+                  </a:schemeClr>
+                </a:solidFill>
+                <a:latin typeface="+mn-lt"/>
+                <a:ea typeface="+mn-ea"/>
+                <a:cs typeface="+mn-cs"/>
+              </a:defRPr>
+            </a:lvl5pPr>
+            <a:lvl6pPr marL="2514600" indent="-228600" algn="l" defTabSz="457200" rtl="0" eaLnBrk="1" latinLnBrk="0" hangingPunct="1">
+              <a:spcBef>
+                <a:spcPts val="1000"/>
+              </a:spcBef>
+              <a:spcAft>
+                <a:spcPts val="0"/>
+              </a:spcAft>
+              <a:buClr>
+                <a:schemeClr val="accent1"/>
+              </a:buClr>
+              <a:buSzPct val="80000"/>
+              <a:buFont typeface="Wingdings 3" charset="2"/>
+              <a:buChar char=""/>
+              <a:defRPr sz="1200" kern="1200">
+                <a:solidFill>
+                  <a:schemeClr val="tx1">
+                    <a:lumMod val="75000"/>
+                    <a:lumOff val="25000"/>
+                  </a:schemeClr>
+                </a:solidFill>
+                <a:latin typeface="+mn-lt"/>
+                <a:ea typeface="+mn-ea"/>
+                <a:cs typeface="+mn-cs"/>
+              </a:defRPr>
+            </a:lvl6pPr>
+            <a:lvl7pPr marL="2971800" indent="-228600" algn="l" defTabSz="457200" rtl="0" eaLnBrk="1" latinLnBrk="0" hangingPunct="1">
+              <a:spcBef>
+                <a:spcPts val="1000"/>
+              </a:spcBef>
+              <a:spcAft>
+                <a:spcPts val="0"/>
+              </a:spcAft>
+              <a:buClr>
+                <a:schemeClr val="accent1"/>
+              </a:buClr>
+              <a:buSzPct val="80000"/>
+              <a:buFont typeface="Wingdings 3" charset="2"/>
+              <a:buChar char=""/>
+              <a:defRPr sz="1200" kern="1200">
+                <a:solidFill>
+                  <a:schemeClr val="tx1">
+                    <a:lumMod val="75000"/>
+                    <a:lumOff val="25000"/>
+                  </a:schemeClr>
+                </a:solidFill>
+                <a:latin typeface="+mn-lt"/>
+                <a:ea typeface="+mn-ea"/>
+                <a:cs typeface="+mn-cs"/>
+              </a:defRPr>
+            </a:lvl7pPr>
+            <a:lvl8pPr marL="3429000" indent="-228600" algn="l" defTabSz="457200" rtl="0" eaLnBrk="1" latinLnBrk="0" hangingPunct="1">
+              <a:spcBef>
+                <a:spcPts val="1000"/>
+              </a:spcBef>
+              <a:spcAft>
+                <a:spcPts val="0"/>
+              </a:spcAft>
+              <a:buClr>
+                <a:schemeClr val="accent1"/>
+              </a:buClr>
+              <a:buSzPct val="80000"/>
+              <a:buFont typeface="Wingdings 3" charset="2"/>
+              <a:buChar char=""/>
+              <a:defRPr sz="1200" kern="1200">
+                <a:solidFill>
+                  <a:schemeClr val="tx1">
+                    <a:lumMod val="75000"/>
+                    <a:lumOff val="25000"/>
+                  </a:schemeClr>
+                </a:solidFill>
+                <a:latin typeface="+mn-lt"/>
+                <a:ea typeface="+mn-ea"/>
+                <a:cs typeface="+mn-cs"/>
+              </a:defRPr>
+            </a:lvl8pPr>
+            <a:lvl9pPr marL="3886200" indent="-228600" algn="l" defTabSz="457200" rtl="0" eaLnBrk="1" latinLnBrk="0" hangingPunct="1">
+              <a:spcBef>
+                <a:spcPts val="1000"/>
+              </a:spcBef>
+              <a:spcAft>
+                <a:spcPts val="0"/>
+              </a:spcAft>
+              <a:buClr>
+                <a:schemeClr val="accent1"/>
+              </a:buClr>
+              <a:buSzPct val="80000"/>
+              <a:buFont typeface="Wingdings 3" charset="2"/>
+              <a:buChar char=""/>
+              <a:defRPr sz="1200" kern="1200">
+                <a:solidFill>
+                  <a:schemeClr val="tx1">
+                    <a:lumMod val="75000"/>
+                    <a:lumOff val="25000"/>
+                  </a:schemeClr>
+                </a:solidFill>
+                <a:latin typeface="+mn-lt"/>
+                <a:ea typeface="+mn-ea"/>
+                <a:cs typeface="+mn-cs"/>
+              </a:defRPr>
+            </a:lvl9pPr>
+          </a:lstStyle>
+          <a:p>
+            <a:r>
+              <a:rPr lang="it-IT" dirty="0"/>
+              <a:t>Estremamente flessibile nella rappresentazione e gestione del dato.</a:t>
+            </a:r>
+          </a:p>
+          <a:p>
+            <a:r>
+              <a:rPr lang="it-IT" dirty="0"/>
+              <a:t>La struttura del documento è più in linea con il modo in cui gli sviluppatori costruiscono le loro classi e oggetti nei rispettivi linguaggi di programmazione.</a:t>
+            </a:r>
+          </a:p>
+          <a:p>
+            <a:r>
+              <a:rPr lang="it-IT" dirty="0"/>
+              <a:t>Non è necessario che i </a:t>
+            </a:r>
+            <a:r>
+              <a:rPr lang="it-IT" dirty="0" err="1"/>
+              <a:t>documents</a:t>
+            </a:r>
+            <a:r>
+              <a:rPr lang="it-IT" dirty="0"/>
+              <a:t> abbiano uno schema definito in anticipo. Infatti, i fields possono essere creati al volo.</a:t>
+            </a:r>
+          </a:p>
+          <a:p>
+            <a:r>
+              <a:rPr lang="it-IT" dirty="0"/>
+              <a:t>Il modello di dati disponibile all'interno di </a:t>
+            </a:r>
+            <a:r>
+              <a:rPr lang="it-IT" dirty="0" err="1"/>
+              <a:t>MongoDB</a:t>
+            </a:r>
+            <a:r>
+              <a:rPr lang="it-IT" dirty="0"/>
+              <a:t> consente di rappresentare più facilmente relazioni gerarchiche, memorizzare array e altre strutture più complesse.</a:t>
+            </a:r>
+          </a:p>
+        </p:txBody>
+      </p:sp>
+    </p:spTree>
+    <p:extLst>
+      <p:ext uri="{BB962C8B-B14F-4D97-AF65-F5344CB8AC3E}">
+        <p14:creationId xmlns:p14="http://schemas.microsoft.com/office/powerpoint/2010/main" val="3854799690"/>
+      </p:ext>
+    </p:extLst>
+  </p:cSld>
+  <p:clrMapOvr>
+    <a:masterClrMapping/>
+  </p:clrMapOvr>
+</p:sld>
+</file>
+
+<file path=ppt/slides/slide6.xml><?xml version="1.0" encoding="utf-8"?>
+<p:sld xmlns:a="http://schemas.openxmlformats.org/drawingml/2006/main" xmlns:r="http://schemas.openxmlformats.org/officeDocument/2006/relationships" xmlns:p="http://schemas.openxmlformats.org/presentationml/2006/main">
+  <p:cSld>
+    <p:spTree>
+      <p:nvGrpSpPr>
+        <p:cNvPr id="1" name=""/>
+        <p:cNvGrpSpPr/>
+        <p:nvPr/>
+      </p:nvGrpSpPr>
+      <p:grpSpPr>
+        <a:xfrm>
+          <a:off x="0" y="0"/>
+          <a:ext cx="0" cy="0"/>
+          <a:chOff x="0" y="0"/>
+          <a:chExt cx="0" cy="0"/>
+        </a:xfrm>
+      </p:grpSpPr>
+      <p:sp>
+        <p:nvSpPr>
+          <p:cNvPr id="2" name="Titolo 1">
+            <a:extLst>
+              <a:ext uri="{FF2B5EF4-FFF2-40B4-BE49-F238E27FC236}">
+                <a16:creationId xmlns:a16="http://schemas.microsoft.com/office/drawing/2014/main" id="{C2043950-A15A-4ABF-AF3C-DA57B25F75F4}"/>
+              </a:ext>
+            </a:extLst>
+          </p:cNvPr>
+          <p:cNvSpPr>
+            <a:spLocks noGrp="1"/>
+          </p:cNvSpPr>
+          <p:nvPr>
+            <p:ph type="title"/>
+          </p:nvPr>
+        </p:nvSpPr>
+        <p:spPr>
+          <a:xfrm>
+            <a:off x="577515" y="132348"/>
+            <a:ext cx="8596668" cy="665747"/>
+          </a:xfrm>
+        </p:spPr>
+        <p:txBody>
+          <a:bodyPr/>
+          <a:lstStyle/>
+          <a:p>
+            <a:r>
+              <a:rPr lang="it-IT" dirty="0"/>
+              <a:t>Caratteristiche principali di </a:t>
+            </a:r>
+            <a:r>
+              <a:rPr lang="it-IT" dirty="0" err="1"/>
+              <a:t>MongoDB</a:t>
+            </a:r>
+            <a:endParaRPr lang="it-IT" dirty="0"/>
+          </a:p>
+        </p:txBody>
+      </p:sp>
+      <p:sp>
+        <p:nvSpPr>
+          <p:cNvPr id="3" name="Segnaposto contenuto 2">
+            <a:extLst>
+              <a:ext uri="{FF2B5EF4-FFF2-40B4-BE49-F238E27FC236}">
+                <a16:creationId xmlns:a16="http://schemas.microsoft.com/office/drawing/2014/main" id="{EE31C18A-A597-414F-8E94-7FF51BB96553}"/>
+              </a:ext>
+            </a:extLst>
+          </p:cNvPr>
+          <p:cNvSpPr>
+            <a:spLocks noGrp="1"/>
+          </p:cNvSpPr>
+          <p:nvPr>
+            <p:ph idx="1"/>
+          </p:nvPr>
+        </p:nvSpPr>
+        <p:spPr>
+          <a:xfrm>
+            <a:off x="577515" y="998621"/>
+            <a:ext cx="9276347" cy="5727031"/>
+          </a:xfrm>
+        </p:spPr>
+        <p:txBody>
+          <a:bodyPr>
+            <a:normAutofit lnSpcReduction="10000"/>
+          </a:bodyPr>
+          <a:lstStyle/>
+          <a:p>
+            <a:r>
+              <a:rPr lang="it-IT" dirty="0"/>
+              <a:t>Elevate prestazioni: </a:t>
+            </a:r>
+            <a:r>
+              <a:rPr lang="it-IT" dirty="0" err="1"/>
+              <a:t>MongoDB</a:t>
+            </a:r>
+            <a:r>
+              <a:rPr lang="it-IT" dirty="0"/>
+              <a:t> </a:t>
+            </a:r>
+            <a:r>
+              <a:rPr lang="it-IT" dirty="0" err="1"/>
+              <a:t>fornische</a:t>
+            </a:r>
+            <a:r>
+              <a:rPr lang="it-IT" dirty="0"/>
+              <a:t> la persistenza dei dati ad alte prestazioni. In particolare:</a:t>
+            </a:r>
+          </a:p>
+          <a:p>
+            <a:pPr lvl="1"/>
+            <a:r>
+              <a:rPr lang="it-IT" dirty="0"/>
+              <a:t>Il supporto per i dati embedded riduce l’</a:t>
+            </a:r>
+            <a:r>
+              <a:rPr lang="it-IT" dirty="0" err="1"/>
+              <a:t>attivatà</a:t>
+            </a:r>
+            <a:r>
+              <a:rPr lang="it-IT" dirty="0"/>
+              <a:t> I/O sul sistema di database.</a:t>
+            </a:r>
+          </a:p>
+          <a:p>
+            <a:pPr lvl="1"/>
+            <a:r>
+              <a:rPr lang="it-IT" dirty="0"/>
+              <a:t>Gli indici supportano query più veloci e possono includere chiavi da embedded </a:t>
+            </a:r>
+            <a:r>
+              <a:rPr lang="it-IT" dirty="0" err="1"/>
+              <a:t>documents</a:t>
+            </a:r>
+            <a:r>
+              <a:rPr lang="it-IT" dirty="0"/>
+              <a:t> e arrays.</a:t>
+            </a:r>
+          </a:p>
+          <a:p>
+            <a:r>
+              <a:rPr lang="it-IT" dirty="0"/>
+              <a:t>Linguaggio di Query avanzato per supportare le operazioni di lettura e scrittura:</a:t>
+            </a:r>
+          </a:p>
+          <a:p>
+            <a:pPr lvl="1"/>
+            <a:r>
+              <a:rPr lang="it-IT" dirty="0"/>
+              <a:t>Aggregazione dei dati.</a:t>
+            </a:r>
+          </a:p>
+          <a:p>
+            <a:pPr lvl="1"/>
+            <a:r>
+              <a:rPr lang="it-IT" dirty="0"/>
+              <a:t>Ricerca di testo e Queries Geospaziali.</a:t>
+            </a:r>
+          </a:p>
+          <a:p>
+            <a:r>
+              <a:rPr lang="it-IT" dirty="0"/>
+              <a:t>Elevata </a:t>
+            </a:r>
+            <a:r>
+              <a:rPr lang="it-IT" dirty="0" err="1"/>
+              <a:t>Availability</a:t>
+            </a:r>
+            <a:r>
+              <a:rPr lang="it-IT" dirty="0"/>
+              <a:t>: ho funzione replica set che </a:t>
+            </a:r>
+            <a:r>
+              <a:rPr lang="it-IT" dirty="0" err="1"/>
+              <a:t>fornische</a:t>
+            </a:r>
+            <a:r>
+              <a:rPr lang="it-IT" dirty="0"/>
+              <a:t>:</a:t>
+            </a:r>
+          </a:p>
+          <a:p>
+            <a:pPr lvl="1"/>
+            <a:r>
+              <a:rPr lang="it-IT" dirty="0" err="1"/>
+              <a:t>Automatic</a:t>
+            </a:r>
+            <a:r>
+              <a:rPr lang="it-IT" dirty="0"/>
+              <a:t> </a:t>
+            </a:r>
+            <a:r>
+              <a:rPr lang="it-IT" dirty="0" err="1"/>
+              <a:t>failover</a:t>
+            </a:r>
+            <a:r>
+              <a:rPr lang="it-IT" dirty="0"/>
+              <a:t>.</a:t>
+            </a:r>
+          </a:p>
+          <a:p>
+            <a:pPr lvl="1"/>
+            <a:r>
+              <a:rPr lang="it-IT" dirty="0"/>
+              <a:t>Data </a:t>
+            </a:r>
+            <a:r>
+              <a:rPr lang="it-IT" dirty="0" err="1"/>
+              <a:t>redundancy</a:t>
+            </a:r>
+            <a:r>
+              <a:rPr lang="it-IT" dirty="0"/>
+              <a:t>.</a:t>
+            </a:r>
+          </a:p>
+          <a:p>
+            <a:r>
+              <a:rPr lang="it-IT" dirty="0"/>
+              <a:t>Scalabilità orizzontale: è una della parti principale della sue funzionalità.</a:t>
+            </a:r>
+          </a:p>
+          <a:p>
+            <a:pPr lvl="1"/>
+            <a:r>
+              <a:rPr lang="en-US" dirty="0" err="1"/>
+              <a:t>Sharding</a:t>
+            </a:r>
+            <a:r>
+              <a:rPr lang="en-US" dirty="0"/>
+              <a:t> distributes data across a cluster of machines</a:t>
+            </a:r>
+            <a:r>
+              <a:rPr lang="it-IT" dirty="0"/>
+              <a:t>.</a:t>
+            </a:r>
+          </a:p>
+          <a:p>
+            <a:r>
+              <a:rPr lang="it-IT" dirty="0"/>
+              <a:t>Supporto per Multiple Storage </a:t>
+            </a:r>
+            <a:r>
+              <a:rPr lang="it-IT" dirty="0" err="1"/>
+              <a:t>Engines</a:t>
+            </a:r>
+            <a:r>
+              <a:rPr lang="it-IT" dirty="0"/>
+              <a:t>:</a:t>
+            </a:r>
+          </a:p>
+          <a:p>
+            <a:pPr lvl="1"/>
+            <a:r>
+              <a:rPr lang="it-IT" dirty="0" err="1"/>
+              <a:t>WiredTiger</a:t>
+            </a:r>
+            <a:r>
+              <a:rPr lang="it-IT" dirty="0"/>
+              <a:t> Storage Engine.</a:t>
+            </a:r>
+          </a:p>
+          <a:p>
+            <a:pPr lvl="1"/>
+            <a:r>
+              <a:rPr lang="it-IT" dirty="0"/>
+              <a:t>In-Memory Storage Engine.</a:t>
+            </a:r>
+          </a:p>
+          <a:p>
+            <a:endParaRPr lang="it-IT" dirty="0"/>
+          </a:p>
+        </p:txBody>
+      </p:sp>
+    </p:spTree>
+    <p:extLst>
+      <p:ext uri="{BB962C8B-B14F-4D97-AF65-F5344CB8AC3E}">
+        <p14:creationId xmlns:p14="http://schemas.microsoft.com/office/powerpoint/2010/main" val="550609295"/>
+      </p:ext>
+    </p:extLst>
+  </p:cSld>
+  <p:clrMapOvr>
+    <a:masterClrMapping/>
+  </p:clrMapOvr>
+</p:sld>
+</file>
+
+<file path=ppt/slides/slide7.xml><?xml version="1.0" encoding="utf-8"?>
+<p:sld xmlns:a="http://schemas.openxmlformats.org/drawingml/2006/main" xmlns:r="http://schemas.openxmlformats.org/officeDocument/2006/relationships" xmlns:p="http://schemas.openxmlformats.org/presentationml/2006/main">
+  <p:cSld>
+    <p:spTree>
+      <p:nvGrpSpPr>
+        <p:cNvPr id="1" name=""/>
+        <p:cNvGrpSpPr/>
+        <p:nvPr/>
+      </p:nvGrpSpPr>
+      <p:grpSpPr>
+        <a:xfrm>
+          <a:off x="0" y="0"/>
+          <a:ext cx="0" cy="0"/>
+          <a:chOff x="0" y="0"/>
+          <a:chExt cx="0" cy="0"/>
+        </a:xfrm>
+      </p:grpSpPr>
+      <p:sp>
+        <p:nvSpPr>
+          <p:cNvPr id="2" name="Titolo 1">
+            <a:extLst>
+              <a:ext uri="{FF2B5EF4-FFF2-40B4-BE49-F238E27FC236}">
+                <a16:creationId xmlns:a16="http://schemas.microsoft.com/office/drawing/2014/main" id="{DE09E4BC-2C0C-4798-855E-68B380D6C46B}"/>
+              </a:ext>
+            </a:extLst>
+          </p:cNvPr>
+          <p:cNvSpPr>
+            <a:spLocks noGrp="1"/>
+          </p:cNvSpPr>
+          <p:nvPr>
+            <p:ph type="title"/>
+          </p:nvPr>
+        </p:nvSpPr>
+        <p:spPr/>
+        <p:txBody>
+          <a:bodyPr/>
+          <a:lstStyle/>
+          <a:p>
+            <a:r>
+              <a:rPr lang="it-IT" dirty="0"/>
+              <a:t>Architettura distribuita </a:t>
+            </a:r>
+            <a:r>
+              <a:rPr lang="it-IT" dirty="0" err="1"/>
+              <a:t>MongoDB</a:t>
+            </a:r>
+            <a:r>
+              <a:rPr lang="it-IT" dirty="0"/>
+              <a:t>: </a:t>
+            </a:r>
+            <a:r>
+              <a:rPr lang="it-IT" dirty="0" err="1"/>
+              <a:t>Sharding</a:t>
+            </a:r>
+            <a:endParaRPr lang="it-IT" dirty="0"/>
+          </a:p>
+        </p:txBody>
+      </p:sp>
+      <p:sp>
+        <p:nvSpPr>
+          <p:cNvPr id="3" name="Segnaposto contenuto 2">
+            <a:extLst>
+              <a:ext uri="{FF2B5EF4-FFF2-40B4-BE49-F238E27FC236}">
+                <a16:creationId xmlns:a16="http://schemas.microsoft.com/office/drawing/2014/main" id="{5003E044-0272-41A9-8DB5-E499E02E7575}"/>
+              </a:ext>
+            </a:extLst>
+          </p:cNvPr>
+          <p:cNvSpPr>
+            <a:spLocks noGrp="1"/>
+          </p:cNvSpPr>
+          <p:nvPr>
+            <p:ph idx="1"/>
+          </p:nvPr>
+        </p:nvSpPr>
+        <p:spPr/>
+        <p:txBody>
+          <a:bodyPr/>
+          <a:lstStyle/>
+          <a:p>
+            <a:endParaRPr lang="it-IT" dirty="0"/>
+          </a:p>
+        </p:txBody>
+      </p:sp>
+    </p:spTree>
+    <p:extLst>
+      <p:ext uri="{BB962C8B-B14F-4D97-AF65-F5344CB8AC3E}">
+        <p14:creationId xmlns:p14="http://schemas.microsoft.com/office/powerpoint/2010/main" val="1959518528"/>
+      </p:ext>
+    </p:extLst>
+  </p:cSld>
+  <p:clrMapOvr>
+    <a:masterClrMapping/>
+  </p:clrMapOvr>
+</p:sld>
+</file>
+
+<file path=ppt/slides/slide8.xml><?xml version="1.0" encoding="utf-8"?>
+<p:sld xmlns:a="http://schemas.openxmlformats.org/drawingml/2006/main" xmlns:r="http://schemas.openxmlformats.org/officeDocument/2006/relationships" xmlns:p="http://schemas.openxmlformats.org/presentationml/2006/main">
+  <p:cSld>
+    <p:spTree>
+      <p:nvGrpSpPr>
+        <p:cNvPr id="1" name=""/>
+        <p:cNvGrpSpPr/>
+        <p:nvPr/>
+      </p:nvGrpSpPr>
+      <p:grpSpPr>
+        <a:xfrm>
+          <a:off x="0" y="0"/>
+          <a:ext cx="0" cy="0"/>
+          <a:chOff x="0" y="0"/>
+          <a:chExt cx="0" cy="0"/>
+        </a:xfrm>
+      </p:grpSpPr>
+      <p:sp>
+        <p:nvSpPr>
+          <p:cNvPr id="2" name="Titolo 1">
+            <a:extLst>
+              <a:ext uri="{FF2B5EF4-FFF2-40B4-BE49-F238E27FC236}">
                 <a16:creationId xmlns:a16="http://schemas.microsoft.com/office/drawing/2014/main" id="{4EC9AA5C-8EC2-47D0-AC90-F260725B5224}"/>
               </a:ext>
             </a:extLst>
@@ -7315,7 +8946,7 @@
         </p:nvSpPr>
         <p:spPr>
           <a:xfrm>
-            <a:off x="677334" y="1371601"/>
+            <a:off x="677334" y="1600201"/>
             <a:ext cx="8596668" cy="3962400"/>
           </a:xfrm>
         </p:spPr>
@@ -7347,7 +8978,7 @@
             </a:r>
             <a:r>
               <a:rPr lang="it-IT" dirty="0"/>
-              <a:t> abbiano uno schema definito in anticipo. Invece, i fields possono essere creati al volo.</a:t>
+              <a:t> abbiano uno schema definito in anticipo. Infatti, i fields possono essere creati al volo.</a:t>
             </a:r>
           </a:p>
           <a:p>

--- a/Presentazione_progetto.pptx
+++ b/Presentazione_progetto.pptx
@@ -5,7 +5,7 @@
     <p:sldMasterId id="2147483672" r:id="rId1"/>
   </p:sldMasterIdLst>
   <p:notesMasterIdLst>
-    <p:notesMasterId r:id="rId10"/>
+    <p:notesMasterId r:id="rId17"/>
   </p:notesMasterIdLst>
   <p:sldIdLst>
     <p:sldId id="256" r:id="rId2"/>
@@ -15,7 +15,14 @@
     <p:sldId id="261" r:id="rId6"/>
     <p:sldId id="262" r:id="rId7"/>
     <p:sldId id="263" r:id="rId8"/>
-    <p:sldId id="259" r:id="rId9"/>
+    <p:sldId id="264" r:id="rId9"/>
+    <p:sldId id="265" r:id="rId10"/>
+    <p:sldId id="266" r:id="rId11"/>
+    <p:sldId id="267" r:id="rId12"/>
+    <p:sldId id="268" r:id="rId13"/>
+    <p:sldId id="269" r:id="rId14"/>
+    <p:sldId id="270" r:id="rId15"/>
+    <p:sldId id="259" r:id="rId16"/>
   </p:sldIdLst>
   <p:sldSz cx="12192000" cy="6858000"/>
   <p:notesSz cx="6858000" cy="9144000"/>
@@ -204,7 +211,7 @@
           <a:p>
             <a:fld id="{5D86E91A-6C9D-48EA-9EAF-BBA9F3961CF9}" type="datetimeFigureOut">
               <a:rPr lang="it-IT" smtClean="0"/>
-              <a:t>15/03/2022</a:t>
+              <a:t>16/03/2022</a:t>
             </a:fld>
             <a:endParaRPr lang="it-IT"/>
           </a:p>
@@ -986,6 +993,442 @@
           <a:bodyPr/>
           <a:lstStyle/>
           <a:p>
+            <a:pPr marL="0" marR="0" lvl="0" indent="0" algn="l" defTabSz="914400" rtl="0" eaLnBrk="1" fontAlgn="auto" latinLnBrk="0" hangingPunct="1">
+              <a:lnSpc>
+                <a:spcPct val="100000"/>
+              </a:lnSpc>
+              <a:spcBef>
+                <a:spcPts val="0"/>
+              </a:spcBef>
+              <a:spcAft>
+                <a:spcPts val="0"/>
+              </a:spcAft>
+              <a:buClrTx/>
+              <a:buSzTx/>
+              <a:buFontTx/>
+              <a:buNone/>
+              <a:tabLst/>
+              <a:defRPr/>
+            </a:pPr>
+            <a:r>
+              <a:rPr lang="it-IT" dirty="0"/>
+              <a:t>È inoltre possibile mantenere copie aggiuntive per scopi dedicati, come il ripristino di emergenza, la creazione di report o il backup. </a:t>
+            </a:r>
+          </a:p>
+          <a:p>
+            <a:pPr marL="0" marR="0" lvl="0" indent="0" algn="l" defTabSz="914400" rtl="0" eaLnBrk="1" fontAlgn="auto" latinLnBrk="0" hangingPunct="1">
+              <a:lnSpc>
+                <a:spcPct val="100000"/>
+              </a:lnSpc>
+              <a:spcBef>
+                <a:spcPts val="0"/>
+              </a:spcBef>
+              <a:spcAft>
+                <a:spcPts val="0"/>
+              </a:spcAft>
+              <a:buClrTx/>
+              <a:buSzTx/>
+              <a:buFontTx/>
+              <a:buNone/>
+              <a:tabLst/>
+              <a:defRPr/>
+            </a:pPr>
+            <a:r>
+              <a:rPr lang="it-IT" b="1" dirty="0"/>
+              <a:t>Un set di repliche = </a:t>
+            </a:r>
+            <a:r>
+              <a:rPr lang="it-IT" dirty="0"/>
+              <a:t>gruppo di istanze </a:t>
+            </a:r>
+            <a:r>
+              <a:rPr lang="it-IT" dirty="0" err="1"/>
+              <a:t>mongod</a:t>
+            </a:r>
+            <a:r>
+              <a:rPr lang="it-IT" dirty="0"/>
+              <a:t> che mantengono lo stesso set di dati. Un set di repliche contiene diversi nodi portanti dati e facoltativamente un nodo arbitro. Dei nodi portanti dati, uno e un solo membro è considerato il nodo primario, mentre gli altri nodi sono considerati nodi secondari.</a:t>
+            </a:r>
+          </a:p>
+          <a:p>
+            <a:pPr marL="0" marR="0" lvl="0" indent="0" algn="l" defTabSz="914400" rtl="0" eaLnBrk="1" fontAlgn="auto" latinLnBrk="0" hangingPunct="1">
+              <a:lnSpc>
+                <a:spcPct val="100000"/>
+              </a:lnSpc>
+              <a:spcBef>
+                <a:spcPts val="0"/>
+              </a:spcBef>
+              <a:spcAft>
+                <a:spcPts val="0"/>
+              </a:spcAft>
+              <a:buClrTx/>
+              <a:buSzTx/>
+              <a:buFontTx/>
+              <a:buNone/>
+              <a:tabLst/>
+              <a:defRPr/>
+            </a:pPr>
+            <a:r>
+              <a:rPr lang="it-IT" b="1" dirty="0" err="1"/>
+              <a:t>Mongod</a:t>
+            </a:r>
+            <a:r>
+              <a:rPr lang="it-IT" dirty="0"/>
+              <a:t> =  processo </a:t>
+            </a:r>
+            <a:r>
+              <a:rPr lang="it-IT" dirty="0" err="1"/>
+              <a:t>deamon</a:t>
+            </a:r>
+            <a:r>
+              <a:rPr lang="it-IT" dirty="0"/>
+              <a:t>  principale per il sistema </a:t>
+            </a:r>
+            <a:r>
+              <a:rPr lang="it-IT" dirty="0" err="1"/>
+              <a:t>MongoDB</a:t>
+            </a:r>
+            <a:r>
+              <a:rPr lang="it-IT" dirty="0"/>
+              <a:t>. Gestisce le richieste di dati, gestisce l'accesso ai dati ed esegue operazioni di gestione in background. </a:t>
+            </a:r>
+          </a:p>
+          <a:p>
+            <a:endParaRPr lang="it-IT" dirty="0"/>
+          </a:p>
+        </p:txBody>
+      </p:sp>
+      <p:sp>
+        <p:nvSpPr>
+          <p:cNvPr id="4" name="Segnaposto numero diapositiva 3"/>
+          <p:cNvSpPr>
+            <a:spLocks noGrp="1"/>
+          </p:cNvSpPr>
+          <p:nvPr>
+            <p:ph type="sldNum" sz="quarter" idx="5"/>
+          </p:nvPr>
+        </p:nvSpPr>
+        <p:spPr/>
+        <p:txBody>
+          <a:bodyPr/>
+          <a:lstStyle/>
+          <a:p>
+            <a:fld id="{7B9EF5EE-42ED-4142-B01A-B637985E9B70}" type="slidenum">
+              <a:rPr lang="it-IT" smtClean="0"/>
+              <a:t>8</a:t>
+            </a:fld>
+            <a:endParaRPr lang="it-IT"/>
+          </a:p>
+        </p:txBody>
+      </p:sp>
+    </p:spTree>
+    <p:extLst>
+      <p:ext uri="{BB962C8B-B14F-4D97-AF65-F5344CB8AC3E}">
+        <p14:creationId xmlns:p14="http://schemas.microsoft.com/office/powerpoint/2010/main" val="3616458286"/>
+      </p:ext>
+    </p:extLst>
+  </p:cSld>
+  <p:clrMapOvr>
+    <a:masterClrMapping/>
+  </p:clrMapOvr>
+</p:notes>
+</file>
+
+<file path=ppt/notesSlides/notesSlide6.xml><?xml version="1.0" encoding="utf-8"?>
+<p:notes xmlns:a="http://schemas.openxmlformats.org/drawingml/2006/main" xmlns:r="http://schemas.openxmlformats.org/officeDocument/2006/relationships" xmlns:p="http://schemas.openxmlformats.org/presentationml/2006/main">
+  <p:cSld>
+    <p:spTree>
+      <p:nvGrpSpPr>
+        <p:cNvPr id="1" name=""/>
+        <p:cNvGrpSpPr/>
+        <p:nvPr/>
+      </p:nvGrpSpPr>
+      <p:grpSpPr>
+        <a:xfrm>
+          <a:off x="0" y="0"/>
+          <a:ext cx="0" cy="0"/>
+          <a:chOff x="0" y="0"/>
+          <a:chExt cx="0" cy="0"/>
+        </a:xfrm>
+      </p:grpSpPr>
+      <p:sp>
+        <p:nvSpPr>
+          <p:cNvPr id="2" name="Segnaposto immagine diapositiva 1"/>
+          <p:cNvSpPr>
+            <a:spLocks noGrp="1" noRot="1" noChangeAspect="1"/>
+          </p:cNvSpPr>
+          <p:nvPr>
+            <p:ph type="sldImg"/>
+          </p:nvPr>
+        </p:nvSpPr>
+        <p:spPr/>
+      </p:sp>
+      <p:sp>
+        <p:nvSpPr>
+          <p:cNvPr id="3" name="Segnaposto note 2"/>
+          <p:cNvSpPr>
+            <a:spLocks noGrp="1"/>
+          </p:cNvSpPr>
+          <p:nvPr>
+            <p:ph type="body" idx="1"/>
+          </p:nvPr>
+        </p:nvSpPr>
+        <p:spPr/>
+        <p:txBody>
+          <a:bodyPr/>
+          <a:lstStyle/>
+          <a:p>
+            <a:r>
+              <a:rPr lang="it-IT" sz="1200" b="1" dirty="0" err="1"/>
+              <a:t>secondaryDelaySecs</a:t>
+            </a:r>
+            <a:r>
+              <a:rPr lang="it-IT" sz="1200" b="1" dirty="0"/>
+              <a:t>: </a:t>
+            </a:r>
+            <a:r>
+              <a:rPr lang="it-IT" dirty="0"/>
+              <a:t>l numero di secondi "dietro" l'elemento primario in cui questo membro del set di repliche deve essere "ritardo". Utilizzare questa opzione per creare membri ritardati. I membri ritardati conservano una copia dei dati che riflette lo stato dei dati in un determinato momento del passato.</a:t>
+            </a:r>
+          </a:p>
+          <a:p>
+            <a:r>
+              <a:rPr lang="it-IT" sz="1200" b="1" dirty="0" err="1"/>
+              <a:t>chainingAllowed</a:t>
+            </a:r>
+            <a:r>
+              <a:rPr lang="it-IT" sz="1200" dirty="0"/>
+              <a:t>: </a:t>
+            </a:r>
+            <a:r>
+              <a:rPr lang="en-US" dirty="0"/>
+              <a:t>replica set </a:t>
+            </a:r>
+            <a:r>
+              <a:rPr lang="en-US" dirty="0">
+                <a:hlinkClick r:id="rId3"/>
+              </a:rPr>
+              <a:t>secondary</a:t>
+            </a:r>
+            <a:r>
+              <a:rPr lang="en-US" dirty="0"/>
+              <a:t> members can replicate data from other secondary members.</a:t>
+            </a:r>
+          </a:p>
+          <a:p>
+            <a:r>
+              <a:rPr lang="it-IT" sz="1200" b="1" dirty="0" err="1"/>
+              <a:t>heartbeatTimeoutSecs</a:t>
+            </a:r>
+            <a:r>
+              <a:rPr lang="it-IT" sz="1200" dirty="0"/>
+              <a:t>: </a:t>
+            </a:r>
+            <a:r>
+              <a:rPr lang="en-US" dirty="0"/>
+              <a:t>Number of seconds that the replica set members wait for a successful heartbeat from each other. If a member does not respond in time, other members mark the delinquent member as inaccessible.</a:t>
+            </a:r>
+          </a:p>
+          <a:p>
+            <a:r>
+              <a:rPr lang="it-IT" sz="1200" b="1" dirty="0" err="1"/>
+              <a:t>catchUpTimeoutMillis</a:t>
+            </a:r>
+            <a:r>
+              <a:rPr lang="it-IT" sz="1200" dirty="0" err="1"/>
+              <a:t>:</a:t>
+            </a:r>
+            <a:r>
+              <a:rPr lang="it-IT" dirty="0" err="1"/>
+              <a:t>Tempo</a:t>
+            </a:r>
+            <a:r>
+              <a:rPr lang="it-IT" dirty="0"/>
+              <a:t> di attesa per un neo-eletto </a:t>
+            </a:r>
+            <a:r>
+              <a:rPr lang="it-IT" dirty="0" err="1"/>
+              <a:t>primary</a:t>
+            </a:r>
+            <a:r>
+              <a:rPr lang="it-IT" dirty="0"/>
+              <a:t> </a:t>
+            </a:r>
+            <a:r>
+              <a:rPr lang="it-IT" dirty="0" err="1"/>
+              <a:t>node</a:t>
+            </a:r>
+            <a:r>
+              <a:rPr lang="it-IT" dirty="0"/>
+              <a:t> per sincronizzarsi con gli altri membri che hanno scritture più recenti.</a:t>
+            </a:r>
+          </a:p>
+        </p:txBody>
+      </p:sp>
+      <p:sp>
+        <p:nvSpPr>
+          <p:cNvPr id="4" name="Segnaposto numero diapositiva 3"/>
+          <p:cNvSpPr>
+            <a:spLocks noGrp="1"/>
+          </p:cNvSpPr>
+          <p:nvPr>
+            <p:ph type="sldNum" sz="quarter" idx="5"/>
+          </p:nvPr>
+        </p:nvSpPr>
+        <p:spPr/>
+        <p:txBody>
+          <a:bodyPr/>
+          <a:lstStyle/>
+          <a:p>
+            <a:fld id="{7B9EF5EE-42ED-4142-B01A-B637985E9B70}" type="slidenum">
+              <a:rPr lang="it-IT" smtClean="0"/>
+              <a:t>10</a:t>
+            </a:fld>
+            <a:endParaRPr lang="it-IT"/>
+          </a:p>
+        </p:txBody>
+      </p:sp>
+    </p:spTree>
+    <p:extLst>
+      <p:ext uri="{BB962C8B-B14F-4D97-AF65-F5344CB8AC3E}">
+        <p14:creationId xmlns:p14="http://schemas.microsoft.com/office/powerpoint/2010/main" val="4089409589"/>
+      </p:ext>
+    </p:extLst>
+  </p:cSld>
+  <p:clrMapOvr>
+    <a:masterClrMapping/>
+  </p:clrMapOvr>
+</p:notes>
+</file>
+
+<file path=ppt/notesSlides/notesSlide7.xml><?xml version="1.0" encoding="utf-8"?>
+<p:notes xmlns:a="http://schemas.openxmlformats.org/drawingml/2006/main" xmlns:r="http://schemas.openxmlformats.org/officeDocument/2006/relationships" xmlns:p="http://schemas.openxmlformats.org/presentationml/2006/main">
+  <p:cSld>
+    <p:spTree>
+      <p:nvGrpSpPr>
+        <p:cNvPr id="1" name=""/>
+        <p:cNvGrpSpPr/>
+        <p:nvPr/>
+      </p:nvGrpSpPr>
+      <p:grpSpPr>
+        <a:xfrm>
+          <a:off x="0" y="0"/>
+          <a:ext cx="0" cy="0"/>
+          <a:chOff x="0" y="0"/>
+          <a:chExt cx="0" cy="0"/>
+        </a:xfrm>
+      </p:grpSpPr>
+      <p:sp>
+        <p:nvSpPr>
+          <p:cNvPr id="2" name="Segnaposto immagine diapositiva 1"/>
+          <p:cNvSpPr>
+            <a:spLocks noGrp="1" noRot="1" noChangeAspect="1"/>
+          </p:cNvSpPr>
+          <p:nvPr>
+            <p:ph type="sldImg"/>
+          </p:nvPr>
+        </p:nvSpPr>
+        <p:spPr/>
+      </p:sp>
+      <p:sp>
+        <p:nvSpPr>
+          <p:cNvPr id="3" name="Segnaposto note 2"/>
+          <p:cNvSpPr>
+            <a:spLocks noGrp="1"/>
+          </p:cNvSpPr>
+          <p:nvPr>
+            <p:ph type="body" idx="1"/>
+          </p:nvPr>
+        </p:nvSpPr>
+        <p:spPr/>
+        <p:txBody>
+          <a:bodyPr/>
+          <a:lstStyle/>
+          <a:p>
+            <a:endParaRPr lang="it-IT" dirty="0"/>
+          </a:p>
+        </p:txBody>
+      </p:sp>
+      <p:sp>
+        <p:nvSpPr>
+          <p:cNvPr id="4" name="Segnaposto numero diapositiva 3"/>
+          <p:cNvSpPr>
+            <a:spLocks noGrp="1"/>
+          </p:cNvSpPr>
+          <p:nvPr>
+            <p:ph type="sldNum" sz="quarter" idx="5"/>
+          </p:nvPr>
+        </p:nvSpPr>
+        <p:spPr/>
+        <p:txBody>
+          <a:bodyPr/>
+          <a:lstStyle/>
+          <a:p>
+            <a:fld id="{7B9EF5EE-42ED-4142-B01A-B637985E9B70}" type="slidenum">
+              <a:rPr lang="it-IT" smtClean="0"/>
+              <a:t>11</a:t>
+            </a:fld>
+            <a:endParaRPr lang="it-IT"/>
+          </a:p>
+        </p:txBody>
+      </p:sp>
+    </p:spTree>
+    <p:extLst>
+      <p:ext uri="{BB962C8B-B14F-4D97-AF65-F5344CB8AC3E}">
+        <p14:creationId xmlns:p14="http://schemas.microsoft.com/office/powerpoint/2010/main" val="3336313248"/>
+      </p:ext>
+    </p:extLst>
+  </p:cSld>
+  <p:clrMapOvr>
+    <a:masterClrMapping/>
+  </p:clrMapOvr>
+</p:notes>
+</file>
+
+<file path=ppt/notesSlides/notesSlide8.xml><?xml version="1.0" encoding="utf-8"?>
+<p:notes xmlns:a="http://schemas.openxmlformats.org/drawingml/2006/main" xmlns:r="http://schemas.openxmlformats.org/officeDocument/2006/relationships" xmlns:p="http://schemas.openxmlformats.org/presentationml/2006/main">
+  <p:cSld>
+    <p:spTree>
+      <p:nvGrpSpPr>
+        <p:cNvPr id="1" name=""/>
+        <p:cNvGrpSpPr/>
+        <p:nvPr/>
+      </p:nvGrpSpPr>
+      <p:grpSpPr>
+        <a:xfrm>
+          <a:off x="0" y="0"/>
+          <a:ext cx="0" cy="0"/>
+          <a:chOff x="0" y="0"/>
+          <a:chExt cx="0" cy="0"/>
+        </a:xfrm>
+      </p:grpSpPr>
+      <p:sp>
+        <p:nvSpPr>
+          <p:cNvPr id="2" name="Segnaposto immagine diapositiva 1"/>
+          <p:cNvSpPr>
+            <a:spLocks noGrp="1" noRot="1" noChangeAspect="1"/>
+          </p:cNvSpPr>
+          <p:nvPr>
+            <p:ph type="sldImg"/>
+          </p:nvPr>
+        </p:nvSpPr>
+        <p:spPr/>
+      </p:sp>
+      <p:sp>
+        <p:nvSpPr>
+          <p:cNvPr id="3" name="Segnaposto note 2"/>
+          <p:cNvSpPr>
+            <a:spLocks noGrp="1"/>
+          </p:cNvSpPr>
+          <p:nvPr>
+            <p:ph type="body" idx="1"/>
+          </p:nvPr>
+        </p:nvSpPr>
+        <p:spPr/>
+        <p:txBody>
+          <a:bodyPr/>
+          <a:lstStyle/>
+          <a:p>
             <a:pPr marL="228600" indent="-228600">
               <a:buAutoNum type="arabicParenR"/>
             </a:pPr>
@@ -1052,7 +1495,7 @@
           <a:p>
             <a:fld id="{7B9EF5EE-42ED-4142-B01A-B637985E9B70}" type="slidenum">
               <a:rPr lang="it-IT" smtClean="0"/>
-              <a:t>8</a:t>
+              <a:t>15</a:t>
             </a:fld>
             <a:endParaRPr lang="it-IT"/>
           </a:p>
@@ -1793,7 +2236,7 @@
           <a:p>
             <a:fld id="{5EEC1FBE-7A50-402B-9218-00262FCB5F53}" type="datetimeFigureOut">
               <a:rPr lang="it-IT" smtClean="0"/>
-              <a:t>15/03/2022</a:t>
+              <a:t>16/03/2022</a:t>
             </a:fld>
             <a:endParaRPr lang="it-IT"/>
           </a:p>
@@ -2044,7 +2487,7 @@
           <a:p>
             <a:fld id="{5EEC1FBE-7A50-402B-9218-00262FCB5F53}" type="datetimeFigureOut">
               <a:rPr lang="it-IT" smtClean="0"/>
-              <a:t>15/03/2022</a:t>
+              <a:t>16/03/2022</a:t>
             </a:fld>
             <a:endParaRPr lang="it-IT"/>
           </a:p>
@@ -2358,7 +2801,7 @@
           <a:p>
             <a:fld id="{5EEC1FBE-7A50-402B-9218-00262FCB5F53}" type="datetimeFigureOut">
               <a:rPr lang="it-IT" smtClean="0"/>
-              <a:t>15/03/2022</a:t>
+              <a:t>16/03/2022</a:t>
             </a:fld>
             <a:endParaRPr lang="it-IT"/>
           </a:p>
@@ -2699,7 +3142,7 @@
           <a:p>
             <a:fld id="{5EEC1FBE-7A50-402B-9218-00262FCB5F53}" type="datetimeFigureOut">
               <a:rPr lang="it-IT" smtClean="0"/>
-              <a:t>15/03/2022</a:t>
+              <a:t>16/03/2022</a:t>
             </a:fld>
             <a:endParaRPr lang="it-IT"/>
           </a:p>
@@ -3013,7 +3456,7 @@
           <a:p>
             <a:fld id="{5EEC1FBE-7A50-402B-9218-00262FCB5F53}" type="datetimeFigureOut">
               <a:rPr lang="it-IT" smtClean="0"/>
-              <a:t>15/03/2022</a:t>
+              <a:t>16/03/2022</a:t>
             </a:fld>
             <a:endParaRPr lang="it-IT"/>
           </a:p>
@@ -3406,7 +3849,7 @@
           <a:p>
             <a:fld id="{5EEC1FBE-7A50-402B-9218-00262FCB5F53}" type="datetimeFigureOut">
               <a:rPr lang="it-IT" smtClean="0"/>
-              <a:t>15/03/2022</a:t>
+              <a:t>16/03/2022</a:t>
             </a:fld>
             <a:endParaRPr lang="it-IT"/>
           </a:p>
@@ -3576,7 +4019,7 @@
           <a:p>
             <a:fld id="{5EEC1FBE-7A50-402B-9218-00262FCB5F53}" type="datetimeFigureOut">
               <a:rPr lang="it-IT" smtClean="0"/>
-              <a:t>15/03/2022</a:t>
+              <a:t>16/03/2022</a:t>
             </a:fld>
             <a:endParaRPr lang="it-IT"/>
           </a:p>
@@ -3756,7 +4199,7 @@
           <a:p>
             <a:fld id="{5EEC1FBE-7A50-402B-9218-00262FCB5F53}" type="datetimeFigureOut">
               <a:rPr lang="it-IT" smtClean="0"/>
-              <a:t>15/03/2022</a:t>
+              <a:t>16/03/2022</a:t>
             </a:fld>
             <a:endParaRPr lang="it-IT"/>
           </a:p>
@@ -3932,7 +4375,7 @@
           <a:p>
             <a:fld id="{5EEC1FBE-7A50-402B-9218-00262FCB5F53}" type="datetimeFigureOut">
               <a:rPr lang="it-IT" smtClean="0"/>
-              <a:t>15/03/2022</a:t>
+              <a:t>16/03/2022</a:t>
             </a:fld>
             <a:endParaRPr lang="it-IT"/>
           </a:p>
@@ -4179,7 +4622,7 @@
           <a:p>
             <a:fld id="{5EEC1FBE-7A50-402B-9218-00262FCB5F53}" type="datetimeFigureOut">
               <a:rPr lang="it-IT" smtClean="0"/>
-              <a:t>15/03/2022</a:t>
+              <a:t>16/03/2022</a:t>
             </a:fld>
             <a:endParaRPr lang="it-IT"/>
           </a:p>
@@ -4411,7 +4854,7 @@
           <a:p>
             <a:fld id="{5EEC1FBE-7A50-402B-9218-00262FCB5F53}" type="datetimeFigureOut">
               <a:rPr lang="it-IT" smtClean="0"/>
-              <a:t>15/03/2022</a:t>
+              <a:t>16/03/2022</a:t>
             </a:fld>
             <a:endParaRPr lang="it-IT"/>
           </a:p>
@@ -4785,7 +5228,7 @@
           <a:p>
             <a:fld id="{5EEC1FBE-7A50-402B-9218-00262FCB5F53}" type="datetimeFigureOut">
               <a:rPr lang="it-IT" smtClean="0"/>
-              <a:t>15/03/2022</a:t>
+              <a:t>16/03/2022</a:t>
             </a:fld>
             <a:endParaRPr lang="it-IT"/>
           </a:p>
@@ -4908,7 +5351,7 @@
           <a:p>
             <a:fld id="{5EEC1FBE-7A50-402B-9218-00262FCB5F53}" type="datetimeFigureOut">
               <a:rPr lang="it-IT" smtClean="0"/>
-              <a:t>15/03/2022</a:t>
+              <a:t>16/03/2022</a:t>
             </a:fld>
             <a:endParaRPr lang="it-IT"/>
           </a:p>
@@ -5003,7 +5446,7 @@
           <a:p>
             <a:fld id="{5EEC1FBE-7A50-402B-9218-00262FCB5F53}" type="datetimeFigureOut">
               <a:rPr lang="it-IT" smtClean="0"/>
-              <a:t>15/03/2022</a:t>
+              <a:t>16/03/2022</a:t>
             </a:fld>
             <a:endParaRPr lang="it-IT"/>
           </a:p>
@@ -5258,7 +5701,7 @@
           <a:p>
             <a:fld id="{5EEC1FBE-7A50-402B-9218-00262FCB5F53}" type="datetimeFigureOut">
               <a:rPr lang="it-IT" smtClean="0"/>
-              <a:t>15/03/2022</a:t>
+              <a:t>16/03/2022</a:t>
             </a:fld>
             <a:endParaRPr lang="it-IT"/>
           </a:p>
@@ -5521,7 +5964,7 @@
           <a:p>
             <a:fld id="{5EEC1FBE-7A50-402B-9218-00262FCB5F53}" type="datetimeFigureOut">
               <a:rPr lang="it-IT" smtClean="0"/>
-              <a:t>15/03/2022</a:t>
+              <a:t>16/03/2022</a:t>
             </a:fld>
             <a:endParaRPr lang="it-IT"/>
           </a:p>
@@ -6264,7 +6707,7 @@
           <a:p>
             <a:fld id="{5EEC1FBE-7A50-402B-9218-00262FCB5F53}" type="datetimeFigureOut">
               <a:rPr lang="it-IT" smtClean="0"/>
-              <a:t>15/03/2022</a:t>
+              <a:t>16/03/2022</a:t>
             </a:fld>
             <a:endParaRPr lang="it-IT"/>
           </a:p>
@@ -7133,6 +7576,1684 @@
 </p:sld>
 </file>
 
+<file path=ppt/slides/slide10.xml><?xml version="1.0" encoding="utf-8"?>
+<p:sld xmlns:a="http://schemas.openxmlformats.org/drawingml/2006/main" xmlns:r="http://schemas.openxmlformats.org/officeDocument/2006/relationships" xmlns:p="http://schemas.openxmlformats.org/presentationml/2006/main">
+  <p:cSld>
+    <p:spTree>
+      <p:nvGrpSpPr>
+        <p:cNvPr id="1" name=""/>
+        <p:cNvGrpSpPr/>
+        <p:nvPr/>
+      </p:nvGrpSpPr>
+      <p:grpSpPr>
+        <a:xfrm>
+          <a:off x="0" y="0"/>
+          <a:ext cx="0" cy="0"/>
+          <a:chOff x="0" y="0"/>
+          <a:chExt cx="0" cy="0"/>
+        </a:xfrm>
+      </p:grpSpPr>
+      <p:sp>
+        <p:nvSpPr>
+          <p:cNvPr id="2" name="Titolo 1">
+            <a:extLst>
+              <a:ext uri="{FF2B5EF4-FFF2-40B4-BE49-F238E27FC236}">
+                <a16:creationId xmlns:a16="http://schemas.microsoft.com/office/drawing/2014/main" id="{306E3E34-60AA-447B-AAF0-4A11CEF3540E}"/>
+              </a:ext>
+            </a:extLst>
+          </p:cNvPr>
+          <p:cNvSpPr>
+            <a:spLocks noGrp="1"/>
+          </p:cNvSpPr>
+          <p:nvPr>
+            <p:ph type="title"/>
+          </p:nvPr>
+        </p:nvSpPr>
+        <p:spPr>
+          <a:xfrm>
+            <a:off x="677334" y="609600"/>
+            <a:ext cx="8596668" cy="737937"/>
+          </a:xfrm>
+        </p:spPr>
+        <p:txBody>
+          <a:bodyPr/>
+          <a:lstStyle/>
+          <a:p>
+            <a:r>
+              <a:rPr lang="it-IT" dirty="0"/>
+              <a:t>Configurazione processo di elezione</a:t>
+            </a:r>
+          </a:p>
+        </p:txBody>
+      </p:sp>
+      <p:sp>
+        <p:nvSpPr>
+          <p:cNvPr id="4" name="CasellaDiTesto 3">
+            <a:extLst>
+              <a:ext uri="{FF2B5EF4-FFF2-40B4-BE49-F238E27FC236}">
+                <a16:creationId xmlns:a16="http://schemas.microsoft.com/office/drawing/2014/main" id="{0D9BDB9C-602C-438B-90EE-DFCBBDEDC5BF}"/>
+              </a:ext>
+            </a:extLst>
+          </p:cNvPr>
+          <p:cNvSpPr txBox="1"/>
+          <p:nvPr/>
+        </p:nvSpPr>
+        <p:spPr>
+          <a:xfrm>
+            <a:off x="5812263" y="1191127"/>
+            <a:ext cx="4764446" cy="5016758"/>
+          </a:xfrm>
+          <a:prstGeom prst="rect">
+            <a:avLst/>
+          </a:prstGeom>
+          <a:noFill/>
+        </p:spPr>
+        <p:txBody>
+          <a:bodyPr wrap="none" rtlCol="0">
+            <a:spAutoFit/>
+          </a:bodyPr>
+          <a:lstStyle/>
+          <a:p>
+            <a:r>
+              <a:rPr lang="it-IT" sz="2000" dirty="0"/>
+              <a:t> …</a:t>
+            </a:r>
+          </a:p>
+          <a:p>
+            <a:r>
+              <a:rPr lang="it-IT" sz="2000" dirty="0"/>
+              <a:t>  settings: </a:t>
+            </a:r>
+            <a:r>
+              <a:rPr lang="it-IT" sz="2000" dirty="0">
+                <a:solidFill>
+                  <a:schemeClr val="accent2"/>
+                </a:solidFill>
+              </a:rPr>
+              <a:t>{// settaggio per intero</a:t>
+            </a:r>
+          </a:p>
+          <a:p>
+            <a:r>
+              <a:rPr lang="it-IT" sz="2000" dirty="0">
+                <a:solidFill>
+                  <a:schemeClr val="accent2"/>
+                </a:solidFill>
+              </a:rPr>
+              <a:t>  replica set</a:t>
+            </a:r>
+          </a:p>
+          <a:p>
+            <a:r>
+              <a:rPr lang="it-IT" sz="2000" dirty="0"/>
+              <a:t>    </a:t>
+            </a:r>
+            <a:r>
+              <a:rPr lang="it-IT" sz="2000" dirty="0" err="1"/>
+              <a:t>chainingAllowed</a:t>
+            </a:r>
+            <a:r>
+              <a:rPr lang="it-IT" sz="2000" dirty="0"/>
+              <a:t> : &lt;</a:t>
+            </a:r>
+            <a:r>
+              <a:rPr lang="it-IT" sz="2000" dirty="0" err="1"/>
+              <a:t>boolean</a:t>
+            </a:r>
+            <a:r>
+              <a:rPr lang="it-IT" sz="2000" dirty="0"/>
+              <a:t>&gt;,</a:t>
+            </a:r>
+          </a:p>
+          <a:p>
+            <a:r>
+              <a:rPr lang="it-IT" sz="2000" dirty="0"/>
+              <a:t>    </a:t>
+            </a:r>
+            <a:r>
+              <a:rPr lang="it-IT" sz="2000" dirty="0" err="1"/>
+              <a:t>heartbeatIntervalMillis</a:t>
+            </a:r>
+            <a:r>
+              <a:rPr lang="it-IT" sz="2000" dirty="0"/>
+              <a:t> : &lt;</a:t>
+            </a:r>
+            <a:r>
+              <a:rPr lang="it-IT" sz="2000" dirty="0" err="1"/>
+              <a:t>int</a:t>
+            </a:r>
+            <a:r>
+              <a:rPr lang="it-IT" sz="2000" dirty="0"/>
+              <a:t>&gt;,</a:t>
+            </a:r>
+          </a:p>
+          <a:p>
+            <a:r>
+              <a:rPr lang="it-IT" sz="2000" dirty="0"/>
+              <a:t>    </a:t>
+            </a:r>
+            <a:r>
+              <a:rPr lang="it-IT" sz="2000" dirty="0" err="1"/>
+              <a:t>heartbeatTimeoutSecs</a:t>
+            </a:r>
+            <a:r>
+              <a:rPr lang="it-IT" sz="2000" dirty="0"/>
+              <a:t>: &lt;</a:t>
+            </a:r>
+            <a:r>
+              <a:rPr lang="it-IT" sz="2000" dirty="0" err="1"/>
+              <a:t>int</a:t>
+            </a:r>
+            <a:r>
+              <a:rPr lang="it-IT" sz="2000" dirty="0"/>
+              <a:t>&gt;,</a:t>
+            </a:r>
+          </a:p>
+          <a:p>
+            <a:r>
+              <a:rPr lang="it-IT" sz="2000" dirty="0"/>
+              <a:t>    </a:t>
+            </a:r>
+            <a:r>
+              <a:rPr lang="it-IT" sz="2000" dirty="0">
+                <a:solidFill>
+                  <a:schemeClr val="accent2"/>
+                </a:solidFill>
+              </a:rPr>
+              <a:t>// quanti secondi posso aspettare </a:t>
+            </a:r>
+          </a:p>
+          <a:p>
+            <a:r>
+              <a:rPr lang="it-IT" sz="2000" dirty="0">
+                <a:solidFill>
+                  <a:schemeClr val="accent2"/>
+                </a:solidFill>
+              </a:rPr>
+              <a:t>    per avere un messaggio </a:t>
+            </a:r>
+            <a:r>
+              <a:rPr lang="it-IT" sz="2000" dirty="0" err="1">
+                <a:solidFill>
+                  <a:schemeClr val="accent2"/>
+                </a:solidFill>
+              </a:rPr>
+              <a:t>heartbeat</a:t>
+            </a:r>
+            <a:r>
+              <a:rPr lang="it-IT" sz="2000" dirty="0">
+                <a:solidFill>
+                  <a:schemeClr val="accent2"/>
+                </a:solidFill>
+              </a:rPr>
+              <a:t> di </a:t>
+            </a:r>
+          </a:p>
+          <a:p>
+            <a:r>
+              <a:rPr lang="it-IT" sz="2000" dirty="0">
+                <a:solidFill>
+                  <a:schemeClr val="accent2"/>
+                </a:solidFill>
+              </a:rPr>
+              <a:t>    successo, default=10s</a:t>
+            </a:r>
+          </a:p>
+          <a:p>
+            <a:r>
+              <a:rPr lang="it-IT" sz="2000" dirty="0"/>
+              <a:t>    </a:t>
+            </a:r>
+            <a:r>
+              <a:rPr lang="it-IT" sz="2000" dirty="0" err="1"/>
+              <a:t>electionTimeoutMillis</a:t>
+            </a:r>
+            <a:r>
+              <a:rPr lang="it-IT" sz="2000" dirty="0"/>
+              <a:t> : &lt;</a:t>
+            </a:r>
+            <a:r>
+              <a:rPr lang="it-IT" sz="2000" dirty="0" err="1"/>
+              <a:t>int</a:t>
+            </a:r>
+            <a:r>
+              <a:rPr lang="it-IT" sz="2000" dirty="0"/>
+              <a:t>&gt;, </a:t>
+            </a:r>
+          </a:p>
+          <a:p>
+            <a:r>
+              <a:rPr lang="it-IT" sz="2000" dirty="0"/>
+              <a:t>    </a:t>
+            </a:r>
+            <a:r>
+              <a:rPr lang="it-IT" sz="2000" dirty="0">
+                <a:solidFill>
+                  <a:schemeClr val="accent2"/>
+                </a:solidFill>
+              </a:rPr>
+              <a:t>//identifica quando il </a:t>
+            </a:r>
+            <a:r>
+              <a:rPr lang="it-IT" sz="2000" dirty="0" err="1">
+                <a:solidFill>
+                  <a:schemeClr val="accent2"/>
+                </a:solidFill>
+              </a:rPr>
+              <a:t>primary</a:t>
+            </a:r>
+            <a:r>
+              <a:rPr lang="it-IT" sz="2000" dirty="0">
+                <a:solidFill>
+                  <a:schemeClr val="accent2"/>
+                </a:solidFill>
+              </a:rPr>
+              <a:t> </a:t>
+            </a:r>
+            <a:r>
+              <a:rPr lang="it-IT" sz="2000" dirty="0" err="1">
+                <a:solidFill>
+                  <a:schemeClr val="accent2"/>
+                </a:solidFill>
+              </a:rPr>
+              <a:t>node</a:t>
+            </a:r>
+            <a:r>
+              <a:rPr lang="it-IT" sz="2000" dirty="0">
+                <a:solidFill>
+                  <a:schemeClr val="accent2"/>
+                </a:solidFill>
+              </a:rPr>
+              <a:t> </a:t>
+            </a:r>
+          </a:p>
+          <a:p>
+            <a:r>
+              <a:rPr lang="it-IT" sz="2000" dirty="0">
+                <a:solidFill>
+                  <a:schemeClr val="accent2"/>
+                </a:solidFill>
+              </a:rPr>
+              <a:t>    è irraggiungibile</a:t>
+            </a:r>
+          </a:p>
+          <a:p>
+            <a:r>
+              <a:rPr lang="it-IT" sz="2000" dirty="0"/>
+              <a:t>    </a:t>
+            </a:r>
+            <a:r>
+              <a:rPr lang="it-IT" sz="2000" dirty="0" err="1"/>
+              <a:t>catchUpTimeoutMillis</a:t>
+            </a:r>
+            <a:r>
+              <a:rPr lang="it-IT" sz="2000" dirty="0"/>
+              <a:t> : &lt;</a:t>
+            </a:r>
+            <a:r>
+              <a:rPr lang="it-IT" sz="2000" dirty="0" err="1"/>
+              <a:t>int</a:t>
+            </a:r>
+            <a:r>
+              <a:rPr lang="it-IT" sz="2000" dirty="0"/>
+              <a:t>&gt;,</a:t>
+            </a:r>
+          </a:p>
+          <a:p>
+            <a:r>
+              <a:rPr lang="it-IT" sz="2000" dirty="0"/>
+              <a:t>    </a:t>
+            </a:r>
+            <a:r>
+              <a:rPr lang="it-IT" sz="2000" dirty="0" err="1"/>
+              <a:t>replicaSetId</a:t>
+            </a:r>
+            <a:r>
+              <a:rPr lang="it-IT" sz="2000" dirty="0"/>
+              <a:t>: &lt;</a:t>
+            </a:r>
+            <a:r>
+              <a:rPr lang="it-IT" sz="2000" dirty="0" err="1"/>
+              <a:t>ObjectId</a:t>
+            </a:r>
+            <a:r>
+              <a:rPr lang="it-IT" sz="2000" dirty="0"/>
+              <a:t>&gt;</a:t>
+            </a:r>
+          </a:p>
+          <a:p>
+            <a:r>
+              <a:rPr lang="it-IT" sz="2000" dirty="0"/>
+              <a:t>  }</a:t>
+            </a:r>
+          </a:p>
+          <a:p>
+            <a:r>
+              <a:rPr lang="it-IT" sz="2000" dirty="0"/>
+              <a:t>…</a:t>
+            </a:r>
+          </a:p>
+        </p:txBody>
+      </p:sp>
+      <p:sp>
+        <p:nvSpPr>
+          <p:cNvPr id="5" name="CasellaDiTesto 4">
+            <a:extLst>
+              <a:ext uri="{FF2B5EF4-FFF2-40B4-BE49-F238E27FC236}">
+                <a16:creationId xmlns:a16="http://schemas.microsoft.com/office/drawing/2014/main" id="{D7CF947C-2DE5-44F5-BFBA-033183D7C32E}"/>
+              </a:ext>
+            </a:extLst>
+          </p:cNvPr>
+          <p:cNvSpPr txBox="1"/>
+          <p:nvPr/>
+        </p:nvSpPr>
+        <p:spPr>
+          <a:xfrm>
+            <a:off x="245447" y="1191127"/>
+            <a:ext cx="4807816" cy="5909310"/>
+          </a:xfrm>
+          <a:prstGeom prst="rect">
+            <a:avLst/>
+          </a:prstGeom>
+          <a:noFill/>
+        </p:spPr>
+        <p:txBody>
+          <a:bodyPr wrap="square" rtlCol="0">
+            <a:spAutoFit/>
+          </a:bodyPr>
+          <a:lstStyle/>
+          <a:p>
+            <a:r>
+              <a:rPr lang="it-IT" sz="2000" dirty="0"/>
+              <a:t>…</a:t>
+            </a:r>
+          </a:p>
+          <a:p>
+            <a:r>
+              <a:rPr lang="it-IT" sz="2000" dirty="0" err="1"/>
+              <a:t>members</a:t>
+            </a:r>
+            <a:r>
+              <a:rPr lang="it-IT" sz="2000" dirty="0"/>
+              <a:t>: [ </a:t>
+            </a:r>
+            <a:r>
+              <a:rPr lang="it-IT" sz="2000" dirty="0">
+                <a:solidFill>
+                  <a:schemeClr val="accent2"/>
+                </a:solidFill>
+              </a:rPr>
+              <a:t>//array per ogni membro</a:t>
+            </a:r>
+          </a:p>
+          <a:p>
+            <a:r>
+              <a:rPr lang="it-IT" sz="2000" dirty="0"/>
+              <a:t>    {</a:t>
+            </a:r>
+          </a:p>
+          <a:p>
+            <a:r>
+              <a:rPr lang="it-IT" sz="2000" dirty="0"/>
+              <a:t>      _id: &lt;</a:t>
+            </a:r>
+            <a:r>
+              <a:rPr lang="it-IT" sz="2000" dirty="0" err="1"/>
+              <a:t>int</a:t>
+            </a:r>
+            <a:r>
+              <a:rPr lang="it-IT" sz="2000" dirty="0"/>
+              <a:t>&gt;, </a:t>
+            </a:r>
+            <a:r>
+              <a:rPr lang="it-IT" sz="2000" dirty="0">
+                <a:solidFill>
+                  <a:schemeClr val="accent2"/>
+                </a:solidFill>
+              </a:rPr>
+              <a:t>//Identifica membro</a:t>
+            </a:r>
+          </a:p>
+          <a:p>
+            <a:r>
+              <a:rPr lang="it-IT" sz="2000" dirty="0"/>
+              <a:t>      </a:t>
+            </a:r>
+            <a:r>
+              <a:rPr lang="it-IT" sz="2000" dirty="0" err="1"/>
+              <a:t>host</a:t>
+            </a:r>
+            <a:r>
+              <a:rPr lang="it-IT" sz="2000" dirty="0"/>
+              <a:t>: &lt;</a:t>
+            </a:r>
+            <a:r>
+              <a:rPr lang="it-IT" sz="2000" dirty="0" err="1"/>
+              <a:t>string</a:t>
+            </a:r>
+            <a:r>
+              <a:rPr lang="it-IT" sz="2000" dirty="0"/>
+              <a:t>&gt;, </a:t>
+            </a:r>
+            <a:r>
+              <a:rPr lang="it-IT" sz="2000" dirty="0">
+                <a:solidFill>
+                  <a:schemeClr val="accent2"/>
+                </a:solidFill>
+              </a:rPr>
+              <a:t>// nome </a:t>
+            </a:r>
+            <a:r>
+              <a:rPr lang="it-IT" sz="2000" dirty="0" err="1">
+                <a:solidFill>
+                  <a:schemeClr val="accent2"/>
+                </a:solidFill>
+              </a:rPr>
+              <a:t>host</a:t>
+            </a:r>
+            <a:r>
+              <a:rPr lang="it-IT" sz="2000" dirty="0">
+                <a:solidFill>
+                  <a:schemeClr val="accent2"/>
+                </a:solidFill>
+              </a:rPr>
+              <a:t> e porta</a:t>
+            </a:r>
+          </a:p>
+          <a:p>
+            <a:r>
+              <a:rPr lang="it-IT" sz="2000" dirty="0"/>
+              <a:t>      </a:t>
+            </a:r>
+            <a:r>
+              <a:rPr lang="it-IT" sz="2000" dirty="0" err="1"/>
+              <a:t>arbiterOnly</a:t>
+            </a:r>
+            <a:r>
+              <a:rPr lang="it-IT" sz="2000" dirty="0"/>
+              <a:t>: &lt;</a:t>
+            </a:r>
+            <a:r>
+              <a:rPr lang="it-IT" sz="2000" dirty="0" err="1"/>
+              <a:t>boolean</a:t>
+            </a:r>
+            <a:r>
+              <a:rPr lang="it-IT" sz="2000" dirty="0"/>
+              <a:t>&gt;,</a:t>
+            </a:r>
+          </a:p>
+          <a:p>
+            <a:r>
+              <a:rPr lang="it-IT" sz="2000" dirty="0"/>
+              <a:t>      </a:t>
+            </a:r>
+            <a:r>
+              <a:rPr lang="it-IT" sz="2000" dirty="0" err="1"/>
+              <a:t>buildIndexes</a:t>
+            </a:r>
+            <a:r>
+              <a:rPr lang="it-IT" sz="2000" dirty="0"/>
+              <a:t>: &lt;</a:t>
+            </a:r>
+            <a:r>
+              <a:rPr lang="it-IT" sz="2000" dirty="0" err="1"/>
+              <a:t>boolean</a:t>
+            </a:r>
+            <a:r>
+              <a:rPr lang="it-IT" sz="2000" dirty="0"/>
+              <a:t>&gt;,</a:t>
+            </a:r>
+          </a:p>
+          <a:p>
+            <a:r>
+              <a:rPr lang="it-IT" sz="2000" dirty="0"/>
+              <a:t>      </a:t>
+            </a:r>
+            <a:r>
+              <a:rPr lang="it-IT" sz="2000" dirty="0" err="1"/>
+              <a:t>hidden</a:t>
+            </a:r>
+            <a:r>
+              <a:rPr lang="it-IT" sz="2000" dirty="0"/>
+              <a:t>: &lt;</a:t>
+            </a:r>
+            <a:r>
+              <a:rPr lang="it-IT" sz="2000" dirty="0" err="1"/>
+              <a:t>boolean</a:t>
+            </a:r>
+            <a:r>
+              <a:rPr lang="it-IT" sz="2000" dirty="0"/>
+              <a:t>&gt;,</a:t>
+            </a:r>
+          </a:p>
+          <a:p>
+            <a:r>
+              <a:rPr lang="it-IT" sz="2000" dirty="0"/>
+              <a:t>      </a:t>
+            </a:r>
+            <a:r>
+              <a:rPr lang="it-IT" sz="2000" dirty="0" err="1"/>
+              <a:t>priority</a:t>
+            </a:r>
+            <a:r>
+              <a:rPr lang="it-IT" sz="2000" dirty="0"/>
+              <a:t>: &lt;</a:t>
+            </a:r>
+            <a:r>
+              <a:rPr lang="it-IT" sz="2000" dirty="0" err="1"/>
+              <a:t>number</a:t>
+            </a:r>
+            <a:r>
+              <a:rPr lang="it-IT" sz="2000" dirty="0"/>
+              <a:t>&gt; </a:t>
+            </a:r>
+            <a:r>
+              <a:rPr lang="it-IT" sz="2000" dirty="0">
+                <a:solidFill>
+                  <a:schemeClr val="accent2"/>
+                </a:solidFill>
+              </a:rPr>
+              <a:t>// Un numero 	che indica l'idoneità relativa di un 	membro a diventare primario.(0-	1000)</a:t>
+            </a:r>
+          </a:p>
+          <a:p>
+            <a:r>
+              <a:rPr lang="it-IT" sz="2000" dirty="0"/>
+              <a:t>      tags: &lt;</a:t>
+            </a:r>
+            <a:r>
+              <a:rPr lang="it-IT" sz="2000" dirty="0" err="1"/>
+              <a:t>document</a:t>
+            </a:r>
+            <a:r>
+              <a:rPr lang="it-IT" sz="2000" dirty="0"/>
+              <a:t>&gt;,</a:t>
+            </a:r>
+          </a:p>
+          <a:p>
+            <a:r>
+              <a:rPr lang="it-IT" sz="2000" dirty="0"/>
+              <a:t>      </a:t>
+            </a:r>
+            <a:r>
+              <a:rPr lang="it-IT" sz="2000" dirty="0" err="1"/>
+              <a:t>secondaryDelaySecs</a:t>
+            </a:r>
+            <a:r>
+              <a:rPr lang="it-IT" sz="2000" dirty="0"/>
+              <a:t>: &lt;</a:t>
+            </a:r>
+            <a:r>
+              <a:rPr lang="it-IT" sz="2000" dirty="0" err="1"/>
+              <a:t>int</a:t>
+            </a:r>
+            <a:r>
+              <a:rPr lang="it-IT" sz="2000" dirty="0"/>
+              <a:t>&gt;,</a:t>
+            </a:r>
+          </a:p>
+          <a:p>
+            <a:r>
+              <a:rPr lang="it-IT" sz="2000" dirty="0"/>
+              <a:t>      </a:t>
+            </a:r>
+            <a:r>
+              <a:rPr lang="it-IT" sz="2000" dirty="0" err="1"/>
+              <a:t>votes</a:t>
+            </a:r>
+            <a:r>
+              <a:rPr lang="it-IT" sz="2000" dirty="0"/>
+              <a:t>: &lt;</a:t>
+            </a:r>
+            <a:r>
+              <a:rPr lang="it-IT" sz="2000" dirty="0" err="1"/>
+              <a:t>number</a:t>
+            </a:r>
+            <a:r>
+              <a:rPr lang="it-IT" sz="2000" dirty="0">
+                <a:solidFill>
+                  <a:schemeClr val="accent2"/>
+                </a:solidFill>
+              </a:rPr>
+              <a:t>&gt;// Il numero di voti 	che un server esprimerà in 	un'elezione (0-1) </a:t>
+            </a:r>
+            <a:r>
+              <a:rPr lang="it-IT" sz="2000" dirty="0"/>
+              <a:t>},</a:t>
+            </a:r>
+          </a:p>
+          <a:p>
+            <a:r>
+              <a:rPr lang="it-IT" sz="2000" dirty="0"/>
+              <a:t>    ...</a:t>
+            </a:r>
+          </a:p>
+          <a:p>
+            <a:endParaRPr lang="it-IT" dirty="0"/>
+          </a:p>
+        </p:txBody>
+      </p:sp>
+    </p:spTree>
+    <p:extLst>
+      <p:ext uri="{BB962C8B-B14F-4D97-AF65-F5344CB8AC3E}">
+        <p14:creationId xmlns:p14="http://schemas.microsoft.com/office/powerpoint/2010/main" val="2529083846"/>
+      </p:ext>
+    </p:extLst>
+  </p:cSld>
+  <p:clrMapOvr>
+    <a:masterClrMapping/>
+  </p:clrMapOvr>
+</p:sld>
+</file>
+
+<file path=ppt/slides/slide11.xml><?xml version="1.0" encoding="utf-8"?>
+<p:sld xmlns:a="http://schemas.openxmlformats.org/drawingml/2006/main" xmlns:r="http://schemas.openxmlformats.org/officeDocument/2006/relationships" xmlns:p="http://schemas.openxmlformats.org/presentationml/2006/main">
+  <p:cSld>
+    <p:spTree>
+      <p:nvGrpSpPr>
+        <p:cNvPr id="1" name=""/>
+        <p:cNvGrpSpPr/>
+        <p:nvPr/>
+      </p:nvGrpSpPr>
+      <p:grpSpPr>
+        <a:xfrm>
+          <a:off x="0" y="0"/>
+          <a:ext cx="0" cy="0"/>
+          <a:chOff x="0" y="0"/>
+          <a:chExt cx="0" cy="0"/>
+        </a:xfrm>
+      </p:grpSpPr>
+      <p:sp>
+        <p:nvSpPr>
+          <p:cNvPr id="2" name="Titolo 1">
+            <a:extLst>
+              <a:ext uri="{FF2B5EF4-FFF2-40B4-BE49-F238E27FC236}">
+                <a16:creationId xmlns:a16="http://schemas.microsoft.com/office/drawing/2014/main" id="{F244B3B0-61DC-4CFD-A0B4-267EB08F29D1}"/>
+              </a:ext>
+            </a:extLst>
+          </p:cNvPr>
+          <p:cNvSpPr>
+            <a:spLocks noGrp="1"/>
+          </p:cNvSpPr>
+          <p:nvPr>
+            <p:ph type="title"/>
+          </p:nvPr>
+        </p:nvSpPr>
+        <p:spPr>
+          <a:xfrm>
+            <a:off x="532955" y="204787"/>
+            <a:ext cx="8596668" cy="809625"/>
+          </a:xfrm>
+        </p:spPr>
+        <p:txBody>
+          <a:bodyPr/>
+          <a:lstStyle/>
+          <a:p>
+            <a:r>
+              <a:rPr lang="it-IT" dirty="0"/>
+              <a:t>Struttura replica set</a:t>
+            </a:r>
+          </a:p>
+        </p:txBody>
+      </p:sp>
+      <p:pic>
+        <p:nvPicPr>
+          <p:cNvPr id="5" name="Elemento grafico 4">
+            <a:extLst>
+              <a:ext uri="{FF2B5EF4-FFF2-40B4-BE49-F238E27FC236}">
+                <a16:creationId xmlns:a16="http://schemas.microsoft.com/office/drawing/2014/main" id="{E3A37F38-44E8-4A84-923B-B7EB3B8CD4FC}"/>
+              </a:ext>
+            </a:extLst>
+          </p:cNvPr>
+          <p:cNvPicPr>
+            <a:picLocks noChangeAspect="1"/>
+          </p:cNvPicPr>
+          <p:nvPr/>
+        </p:nvPicPr>
+        <p:blipFill>
+          <a:blip r:embed="rId3">
+            <a:extLst>
+              <a:ext uri="{28A0092B-C50C-407E-A947-70E740481C1C}">
+                <a14:useLocalDpi xmlns:a14="http://schemas.microsoft.com/office/drawing/2010/main" val="0"/>
+              </a:ext>
+              <a:ext uri="{96DAC541-7B7A-43D3-8B79-37D633B846F1}">
+                <asvg:svgBlip xmlns:asvg="http://schemas.microsoft.com/office/drawing/2016/SVG/main" r:embed="rId4"/>
+              </a:ext>
+            </a:extLst>
+          </a:blip>
+          <a:stretch>
+            <a:fillRect/>
+          </a:stretch>
+        </p:blipFill>
+        <p:spPr>
+          <a:xfrm>
+            <a:off x="2000808" y="1167063"/>
+            <a:ext cx="5905500" cy="5117432"/>
+          </a:xfrm>
+          <a:prstGeom prst="rect">
+            <a:avLst/>
+          </a:prstGeom>
+        </p:spPr>
+      </p:pic>
+      <p:sp>
+        <p:nvSpPr>
+          <p:cNvPr id="6" name="CasellaDiTesto 5">
+            <a:extLst>
+              <a:ext uri="{FF2B5EF4-FFF2-40B4-BE49-F238E27FC236}">
+                <a16:creationId xmlns:a16="http://schemas.microsoft.com/office/drawing/2014/main" id="{84AA12C0-871F-4DBC-B65F-FEA76EDD7BDF}"/>
+              </a:ext>
+            </a:extLst>
+          </p:cNvPr>
+          <p:cNvSpPr txBox="1"/>
+          <p:nvPr/>
+        </p:nvSpPr>
+        <p:spPr>
+          <a:xfrm>
+            <a:off x="7267552" y="1662208"/>
+            <a:ext cx="2455525" cy="923330"/>
+          </a:xfrm>
+          <a:prstGeom prst="rect">
+            <a:avLst/>
+          </a:prstGeom>
+          <a:noFill/>
+        </p:spPr>
+        <p:txBody>
+          <a:bodyPr wrap="square" rtlCol="0">
+            <a:spAutoFit/>
+          </a:bodyPr>
+          <a:lstStyle/>
+          <a:p>
+            <a:r>
+              <a:rPr lang="en-US" dirty="0"/>
+              <a:t>Salva tutti </a:t>
+            </a:r>
+            <a:r>
+              <a:rPr lang="en-US" dirty="0" err="1"/>
+              <a:t>i</a:t>
+            </a:r>
+            <a:r>
+              <a:rPr lang="en-US" dirty="0"/>
+              <a:t> </a:t>
+            </a:r>
+            <a:r>
+              <a:rPr lang="en-US" dirty="0" err="1"/>
+              <a:t>cambimenti</a:t>
+            </a:r>
+            <a:r>
+              <a:rPr lang="en-US" dirty="0"/>
+              <a:t> </a:t>
+            </a:r>
+            <a:r>
+              <a:rPr lang="en-US" dirty="0" err="1"/>
+              <a:t>nel</a:t>
+            </a:r>
+            <a:r>
+              <a:rPr lang="en-US" dirty="0"/>
+              <a:t> </a:t>
+            </a:r>
+            <a:r>
+              <a:rPr lang="en-US" dirty="0" err="1"/>
+              <a:t>suo</a:t>
+            </a:r>
+            <a:r>
+              <a:rPr lang="en-US" dirty="0"/>
+              <a:t> file di log </a:t>
+            </a:r>
+            <a:r>
+              <a:rPr lang="en-US" dirty="0" err="1"/>
+              <a:t>detto</a:t>
+            </a:r>
+            <a:r>
+              <a:rPr lang="en-US" dirty="0"/>
+              <a:t> </a:t>
+            </a:r>
+            <a:r>
+              <a:rPr lang="en-US" dirty="0" err="1">
+                <a:solidFill>
+                  <a:schemeClr val="accent2"/>
+                </a:solidFill>
+              </a:rPr>
+              <a:t>oplog</a:t>
+            </a:r>
+            <a:endParaRPr lang="it-IT" dirty="0">
+              <a:solidFill>
+                <a:schemeClr val="accent2"/>
+              </a:solidFill>
+            </a:endParaRPr>
+          </a:p>
+        </p:txBody>
+      </p:sp>
+      <p:sp>
+        <p:nvSpPr>
+          <p:cNvPr id="9" name="Figura a mano libera: forma 8">
+            <a:extLst>
+              <a:ext uri="{FF2B5EF4-FFF2-40B4-BE49-F238E27FC236}">
+                <a16:creationId xmlns:a16="http://schemas.microsoft.com/office/drawing/2014/main" id="{F2EBC905-DEC7-40F5-968B-B9EB51DEBCCF}"/>
+              </a:ext>
+            </a:extLst>
+          </p:cNvPr>
+          <p:cNvSpPr/>
+          <p:nvPr/>
+        </p:nvSpPr>
+        <p:spPr>
+          <a:xfrm>
+            <a:off x="5883442" y="2598821"/>
+            <a:ext cx="1624263" cy="1126958"/>
+          </a:xfrm>
+          <a:custGeom>
+            <a:avLst/>
+            <a:gdLst>
+              <a:gd name="connsiteX0" fmla="*/ 0 w 1624263"/>
+              <a:gd name="connsiteY0" fmla="*/ 1010653 h 1010653"/>
+              <a:gd name="connsiteX1" fmla="*/ 1070811 w 1624263"/>
+              <a:gd name="connsiteY1" fmla="*/ 697832 h 1010653"/>
+              <a:gd name="connsiteX2" fmla="*/ 1624263 w 1624263"/>
+              <a:gd name="connsiteY2" fmla="*/ 0 h 1010653"/>
+            </a:gdLst>
+            <a:ahLst/>
+            <a:cxnLst>
+              <a:cxn ang="0">
+                <a:pos x="connsiteX0" y="connsiteY0"/>
+              </a:cxn>
+              <a:cxn ang="0">
+                <a:pos x="connsiteX1" y="connsiteY1"/>
+              </a:cxn>
+              <a:cxn ang="0">
+                <a:pos x="connsiteX2" y="connsiteY2"/>
+              </a:cxn>
+            </a:cxnLst>
+            <a:rect l="l" t="t" r="r" b="b"/>
+            <a:pathLst>
+              <a:path w="1624263" h="1010653">
+                <a:moveTo>
+                  <a:pt x="0" y="1010653"/>
+                </a:moveTo>
+                <a:cubicBezTo>
+                  <a:pt x="400050" y="938463"/>
+                  <a:pt x="800101" y="866274"/>
+                  <a:pt x="1070811" y="697832"/>
+                </a:cubicBezTo>
+                <a:cubicBezTo>
+                  <a:pt x="1341521" y="529390"/>
+                  <a:pt x="1482892" y="264695"/>
+                  <a:pt x="1624263" y="0"/>
+                </a:cubicBezTo>
+              </a:path>
+            </a:pathLst>
+          </a:custGeom>
+          <a:noFill/>
+          <a:ln>
+            <a:headEnd type="none" w="med" len="med"/>
+            <a:tailEnd type="arrow" w="med" len="med"/>
+          </a:ln>
+        </p:spPr>
+        <p:style>
+          <a:lnRef idx="2">
+            <a:schemeClr val="accent1">
+              <a:shade val="50000"/>
+            </a:schemeClr>
+          </a:lnRef>
+          <a:fillRef idx="1">
+            <a:schemeClr val="accent1"/>
+          </a:fillRef>
+          <a:effectRef idx="0">
+            <a:schemeClr val="accent1"/>
+          </a:effectRef>
+          <a:fontRef idx="minor">
+            <a:schemeClr val="lt1"/>
+          </a:fontRef>
+        </p:style>
+        <p:txBody>
+          <a:bodyPr rtlCol="0" anchor="ctr"/>
+          <a:lstStyle/>
+          <a:p>
+            <a:pPr algn="ctr"/>
+            <a:endParaRPr lang="it-IT"/>
+          </a:p>
+        </p:txBody>
+      </p:sp>
+      <p:sp>
+        <p:nvSpPr>
+          <p:cNvPr id="10" name="CasellaDiTesto 9">
+            <a:extLst>
+              <a:ext uri="{FF2B5EF4-FFF2-40B4-BE49-F238E27FC236}">
+                <a16:creationId xmlns:a16="http://schemas.microsoft.com/office/drawing/2014/main" id="{3433BF1C-FBF6-4B1E-BC35-163DBF2F4A17}"/>
+              </a:ext>
+            </a:extLst>
+          </p:cNvPr>
+          <p:cNvSpPr txBox="1"/>
+          <p:nvPr/>
+        </p:nvSpPr>
+        <p:spPr>
+          <a:xfrm>
+            <a:off x="373882" y="2452591"/>
+            <a:ext cx="2198213" cy="1754326"/>
+          </a:xfrm>
+          <a:prstGeom prst="rect">
+            <a:avLst/>
+          </a:prstGeom>
+          <a:noFill/>
+        </p:spPr>
+        <p:txBody>
+          <a:bodyPr wrap="square" rtlCol="0">
+            <a:spAutoFit/>
+          </a:bodyPr>
+          <a:lstStyle/>
+          <a:p>
+            <a:r>
+              <a:rPr lang="it-IT" dirty="0"/>
+              <a:t>Copiano </a:t>
+            </a:r>
+            <a:r>
+              <a:rPr lang="it-IT" dirty="0" err="1"/>
+              <a:t>oplog</a:t>
+            </a:r>
+            <a:r>
+              <a:rPr lang="it-IT" dirty="0"/>
+              <a:t> dal primario ed effettuano i cambiamenti. La </a:t>
+            </a:r>
+            <a:r>
+              <a:rPr lang="it-IT" dirty="0" err="1"/>
+              <a:t>relica</a:t>
+            </a:r>
+            <a:r>
+              <a:rPr lang="it-IT" dirty="0"/>
+              <a:t> </a:t>
+            </a:r>
+            <a:r>
+              <a:rPr lang="it-IT" dirty="0" err="1"/>
+              <a:t>avviena</a:t>
+            </a:r>
+            <a:r>
+              <a:rPr lang="it-IT" dirty="0"/>
+              <a:t> in maniera asincrona</a:t>
+            </a:r>
+          </a:p>
+        </p:txBody>
+      </p:sp>
+      <p:sp>
+        <p:nvSpPr>
+          <p:cNvPr id="12" name="Figura a mano libera: forma 11">
+            <a:extLst>
+              <a:ext uri="{FF2B5EF4-FFF2-40B4-BE49-F238E27FC236}">
+                <a16:creationId xmlns:a16="http://schemas.microsoft.com/office/drawing/2014/main" id="{FE31D480-2EFF-4B3D-B75F-317352BF15D9}"/>
+              </a:ext>
+            </a:extLst>
+          </p:cNvPr>
+          <p:cNvSpPr/>
+          <p:nvPr/>
+        </p:nvSpPr>
+        <p:spPr>
+          <a:xfrm>
+            <a:off x="945169" y="4283242"/>
+            <a:ext cx="1256610" cy="1455821"/>
+          </a:xfrm>
+          <a:custGeom>
+            <a:avLst/>
+            <a:gdLst>
+              <a:gd name="connsiteX0" fmla="*/ 1256610 w 1256610"/>
+              <a:gd name="connsiteY0" fmla="*/ 1455821 h 1455821"/>
+              <a:gd name="connsiteX1" fmla="*/ 77515 w 1256610"/>
+              <a:gd name="connsiteY1" fmla="*/ 1118937 h 1455821"/>
+              <a:gd name="connsiteX2" fmla="*/ 209863 w 1256610"/>
+              <a:gd name="connsiteY2" fmla="*/ 0 h 1455821"/>
+            </a:gdLst>
+            <a:ahLst/>
+            <a:cxnLst>
+              <a:cxn ang="0">
+                <a:pos x="connsiteX0" y="connsiteY0"/>
+              </a:cxn>
+              <a:cxn ang="0">
+                <a:pos x="connsiteX1" y="connsiteY1"/>
+              </a:cxn>
+              <a:cxn ang="0">
+                <a:pos x="connsiteX2" y="connsiteY2"/>
+              </a:cxn>
+            </a:cxnLst>
+            <a:rect l="l" t="t" r="r" b="b"/>
+            <a:pathLst>
+              <a:path w="1256610" h="1455821">
+                <a:moveTo>
+                  <a:pt x="1256610" y="1455821"/>
+                </a:moveTo>
+                <a:cubicBezTo>
+                  <a:pt x="754291" y="1408697"/>
+                  <a:pt x="251973" y="1361574"/>
+                  <a:pt x="77515" y="1118937"/>
+                </a:cubicBezTo>
+                <a:cubicBezTo>
+                  <a:pt x="-96943" y="876300"/>
+                  <a:pt x="56460" y="438150"/>
+                  <a:pt x="209863" y="0"/>
+                </a:cubicBezTo>
+              </a:path>
+            </a:pathLst>
+          </a:custGeom>
+          <a:noFill/>
+          <a:ln>
+            <a:headEnd type="none" w="med" len="med"/>
+            <a:tailEnd type="arrow" w="med" len="med"/>
+          </a:ln>
+        </p:spPr>
+        <p:style>
+          <a:lnRef idx="2">
+            <a:schemeClr val="accent1">
+              <a:shade val="50000"/>
+            </a:schemeClr>
+          </a:lnRef>
+          <a:fillRef idx="1">
+            <a:schemeClr val="accent1"/>
+          </a:fillRef>
+          <a:effectRef idx="0">
+            <a:schemeClr val="accent1"/>
+          </a:effectRef>
+          <a:fontRef idx="minor">
+            <a:schemeClr val="lt1"/>
+          </a:fontRef>
+        </p:style>
+        <p:txBody>
+          <a:bodyPr rtlCol="0" anchor="ctr"/>
+          <a:lstStyle/>
+          <a:p>
+            <a:pPr algn="ctr"/>
+            <a:endParaRPr lang="it-IT"/>
+          </a:p>
+        </p:txBody>
+      </p:sp>
+    </p:spTree>
+    <p:extLst>
+      <p:ext uri="{BB962C8B-B14F-4D97-AF65-F5344CB8AC3E}">
+        <p14:creationId xmlns:p14="http://schemas.microsoft.com/office/powerpoint/2010/main" val="849608979"/>
+      </p:ext>
+    </p:extLst>
+  </p:cSld>
+  <p:clrMapOvr>
+    <a:masterClrMapping/>
+  </p:clrMapOvr>
+</p:sld>
+</file>
+
+<file path=ppt/slides/slide12.xml><?xml version="1.0" encoding="utf-8"?>
+<p:sld xmlns:a="http://schemas.openxmlformats.org/drawingml/2006/main" xmlns:r="http://schemas.openxmlformats.org/officeDocument/2006/relationships" xmlns:p="http://schemas.openxmlformats.org/presentationml/2006/main">
+  <p:cSld>
+    <p:spTree>
+      <p:nvGrpSpPr>
+        <p:cNvPr id="1" name=""/>
+        <p:cNvGrpSpPr/>
+        <p:nvPr/>
+      </p:nvGrpSpPr>
+      <p:grpSpPr>
+        <a:xfrm>
+          <a:off x="0" y="0"/>
+          <a:ext cx="0" cy="0"/>
+          <a:chOff x="0" y="0"/>
+          <a:chExt cx="0" cy="0"/>
+        </a:xfrm>
+      </p:grpSpPr>
+      <p:sp>
+        <p:nvSpPr>
+          <p:cNvPr id="2" name="Titolo 1">
+            <a:extLst>
+              <a:ext uri="{FF2B5EF4-FFF2-40B4-BE49-F238E27FC236}">
+                <a16:creationId xmlns:a16="http://schemas.microsoft.com/office/drawing/2014/main" id="{09345BFD-B712-4330-BDB3-5CC029C1FFCB}"/>
+              </a:ext>
+            </a:extLst>
+          </p:cNvPr>
+          <p:cNvSpPr>
+            <a:spLocks noGrp="1"/>
+          </p:cNvSpPr>
+          <p:nvPr>
+            <p:ph type="title"/>
+          </p:nvPr>
+        </p:nvSpPr>
+        <p:spPr/>
+        <p:txBody>
+          <a:bodyPr/>
+          <a:lstStyle/>
+          <a:p>
+            <a:r>
+              <a:rPr lang="it-IT" dirty="0" err="1"/>
+              <a:t>Heartbeat</a:t>
+            </a:r>
+            <a:r>
+              <a:rPr lang="it-IT" dirty="0"/>
+              <a:t> </a:t>
+            </a:r>
+            <a:r>
+              <a:rPr lang="it-IT" dirty="0" err="1"/>
+              <a:t>protocol</a:t>
+            </a:r>
+            <a:endParaRPr lang="it-IT" dirty="0"/>
+          </a:p>
+        </p:txBody>
+      </p:sp>
+      <p:pic>
+        <p:nvPicPr>
+          <p:cNvPr id="5" name="Elemento grafico 4">
+            <a:extLst>
+              <a:ext uri="{FF2B5EF4-FFF2-40B4-BE49-F238E27FC236}">
+                <a16:creationId xmlns:a16="http://schemas.microsoft.com/office/drawing/2014/main" id="{246A548C-5A2B-40F7-965A-213530075FEA}"/>
+              </a:ext>
+            </a:extLst>
+          </p:cNvPr>
+          <p:cNvPicPr>
+            <a:picLocks noChangeAspect="1"/>
+          </p:cNvPicPr>
+          <p:nvPr/>
+        </p:nvPicPr>
+        <p:blipFill>
+          <a:blip r:embed="rId2">
+            <a:extLst>
+              <a:ext uri="{28A0092B-C50C-407E-A947-70E740481C1C}">
+                <a14:useLocalDpi xmlns:a14="http://schemas.microsoft.com/office/drawing/2010/main" val="0"/>
+              </a:ext>
+              <a:ext uri="{96DAC541-7B7A-43D3-8B79-37D633B846F1}">
+                <asvg:svgBlip xmlns:asvg="http://schemas.microsoft.com/office/drawing/2016/SVG/main" r:embed="rId3"/>
+              </a:ext>
+            </a:extLst>
+          </a:blip>
+          <a:stretch>
+            <a:fillRect/>
+          </a:stretch>
+        </p:blipFill>
+        <p:spPr>
+          <a:xfrm>
+            <a:off x="1127960" y="3429000"/>
+            <a:ext cx="7048500" cy="2819400"/>
+          </a:xfrm>
+          <a:prstGeom prst="rect">
+            <a:avLst/>
+          </a:prstGeom>
+        </p:spPr>
+      </p:pic>
+      <p:sp>
+        <p:nvSpPr>
+          <p:cNvPr id="6" name="Segnaposto contenuto 2">
+            <a:extLst>
+              <a:ext uri="{FF2B5EF4-FFF2-40B4-BE49-F238E27FC236}">
+                <a16:creationId xmlns:a16="http://schemas.microsoft.com/office/drawing/2014/main" id="{28E3148F-0742-4EDB-A480-790871A466A2}"/>
+              </a:ext>
+            </a:extLst>
+          </p:cNvPr>
+          <p:cNvSpPr>
+            <a:spLocks noGrp="1"/>
+          </p:cNvSpPr>
+          <p:nvPr>
+            <p:ph idx="1"/>
+          </p:nvPr>
+        </p:nvSpPr>
+        <p:spPr>
+          <a:xfrm>
+            <a:off x="353876" y="1487488"/>
+            <a:ext cx="8596668" cy="1592596"/>
+          </a:xfrm>
+        </p:spPr>
+        <p:txBody>
+          <a:bodyPr>
+            <a:noAutofit/>
+          </a:bodyPr>
+          <a:lstStyle/>
+          <a:p>
+            <a:r>
+              <a:rPr lang="it-IT" sz="2000" dirty="0"/>
+              <a:t>I membri di un replica set comunicano frequentemente attraverso messaggi di </a:t>
+            </a:r>
+            <a:r>
+              <a:rPr lang="it-IT" sz="2000" dirty="0" err="1"/>
+              <a:t>ping</a:t>
+            </a:r>
+            <a:r>
+              <a:rPr lang="it-IT" sz="2000" dirty="0"/>
+              <a:t> chiamati </a:t>
+            </a:r>
+            <a:r>
+              <a:rPr lang="it-IT" sz="2000" dirty="0" err="1">
+                <a:solidFill>
+                  <a:schemeClr val="accent2"/>
+                </a:solidFill>
+              </a:rPr>
+              <a:t>heartbeat</a:t>
+            </a:r>
+            <a:r>
+              <a:rPr lang="it-IT" sz="2000" dirty="0">
+                <a:solidFill>
+                  <a:schemeClr val="accent2"/>
+                </a:solidFill>
+              </a:rPr>
+              <a:t> </a:t>
+            </a:r>
+            <a:r>
+              <a:rPr lang="it-IT" sz="2000" dirty="0" err="1">
+                <a:solidFill>
+                  <a:schemeClr val="accent2"/>
+                </a:solidFill>
+              </a:rPr>
+              <a:t>message</a:t>
+            </a:r>
+            <a:r>
+              <a:rPr lang="it-IT" sz="2000" dirty="0">
+                <a:solidFill>
+                  <a:schemeClr val="tx1"/>
+                </a:solidFill>
+              </a:rPr>
+              <a:t>.</a:t>
+            </a:r>
+            <a:r>
+              <a:rPr lang="it-IT" sz="2000" dirty="0">
+                <a:solidFill>
+                  <a:schemeClr val="accent2"/>
+                </a:solidFill>
+              </a:rPr>
+              <a:t> </a:t>
+            </a:r>
+            <a:r>
+              <a:rPr lang="it-IT" sz="2000" dirty="0"/>
+              <a:t>Se un nodo non esegue il </a:t>
+            </a:r>
+            <a:r>
+              <a:rPr lang="it-IT" sz="2000" dirty="0" err="1"/>
+              <a:t>ping</a:t>
+            </a:r>
+            <a:r>
+              <a:rPr lang="it-IT" sz="2000" dirty="0"/>
+              <a:t> entro 10s (default), gli altri nodi nel set di repliche lo contrassegnano come inaccessibile. Questa funzionalità è fondamentale per capire se il nodo primario è </a:t>
+            </a:r>
+            <a:r>
+              <a:rPr lang="it-IT" sz="2000" dirty="0" err="1"/>
+              <a:t>irragiungibile</a:t>
+            </a:r>
+            <a:r>
+              <a:rPr lang="it-IT" sz="2000" dirty="0"/>
+              <a:t>, allora avrò una nuova elezione. </a:t>
+            </a:r>
+            <a:endParaRPr lang="it-IT" sz="2000" dirty="0">
+              <a:solidFill>
+                <a:schemeClr val="accent2"/>
+              </a:solidFill>
+            </a:endParaRPr>
+          </a:p>
+        </p:txBody>
+      </p:sp>
+    </p:spTree>
+    <p:extLst>
+      <p:ext uri="{BB962C8B-B14F-4D97-AF65-F5344CB8AC3E}">
+        <p14:creationId xmlns:p14="http://schemas.microsoft.com/office/powerpoint/2010/main" val="742333452"/>
+      </p:ext>
+    </p:extLst>
+  </p:cSld>
+  <p:clrMapOvr>
+    <a:masterClrMapping/>
+  </p:clrMapOvr>
+</p:sld>
+</file>
+
+<file path=ppt/slides/slide13.xml><?xml version="1.0" encoding="utf-8"?>
+<p:sld xmlns:a="http://schemas.openxmlformats.org/drawingml/2006/main" xmlns:r="http://schemas.openxmlformats.org/officeDocument/2006/relationships" xmlns:p="http://schemas.openxmlformats.org/presentationml/2006/main">
+  <p:cSld>
+    <p:spTree>
+      <p:nvGrpSpPr>
+        <p:cNvPr id="1" name=""/>
+        <p:cNvGrpSpPr/>
+        <p:nvPr/>
+      </p:nvGrpSpPr>
+      <p:grpSpPr>
+        <a:xfrm>
+          <a:off x="0" y="0"/>
+          <a:ext cx="0" cy="0"/>
+          <a:chOff x="0" y="0"/>
+          <a:chExt cx="0" cy="0"/>
+        </a:xfrm>
+      </p:grpSpPr>
+      <p:sp>
+        <p:nvSpPr>
+          <p:cNvPr id="2" name="Titolo 1">
+            <a:extLst>
+              <a:ext uri="{FF2B5EF4-FFF2-40B4-BE49-F238E27FC236}">
+                <a16:creationId xmlns:a16="http://schemas.microsoft.com/office/drawing/2014/main" id="{5288044F-3D2D-4AB2-8F19-5F406FB84B15}"/>
+              </a:ext>
+            </a:extLst>
+          </p:cNvPr>
+          <p:cNvSpPr>
+            <a:spLocks noGrp="1"/>
+          </p:cNvSpPr>
+          <p:nvPr>
+            <p:ph type="title"/>
+          </p:nvPr>
+        </p:nvSpPr>
+        <p:spPr/>
+        <p:txBody>
+          <a:bodyPr/>
+          <a:lstStyle/>
+          <a:p>
+            <a:r>
+              <a:rPr lang="it-IT" dirty="0"/>
+              <a:t>Arbitri</a:t>
+            </a:r>
+          </a:p>
+        </p:txBody>
+      </p:sp>
+      <p:sp>
+        <p:nvSpPr>
+          <p:cNvPr id="3" name="Segnaposto contenuto 2">
+            <a:extLst>
+              <a:ext uri="{FF2B5EF4-FFF2-40B4-BE49-F238E27FC236}">
+                <a16:creationId xmlns:a16="http://schemas.microsoft.com/office/drawing/2014/main" id="{83EB69F4-E59A-4DB0-8E9C-3622D58F31FF}"/>
+              </a:ext>
+            </a:extLst>
+          </p:cNvPr>
+          <p:cNvSpPr>
+            <a:spLocks noGrp="1"/>
+          </p:cNvSpPr>
+          <p:nvPr>
+            <p:ph idx="1"/>
+          </p:nvPr>
+        </p:nvSpPr>
+        <p:spPr>
+          <a:xfrm>
+            <a:off x="593113" y="1334170"/>
+            <a:ext cx="8596668" cy="2148304"/>
+          </a:xfrm>
+        </p:spPr>
+        <p:txBody>
+          <a:bodyPr/>
+          <a:lstStyle/>
+          <a:p>
+            <a:r>
+              <a:rPr lang="it-IT" dirty="0"/>
+              <a:t>Questa tipologia di nodi vengono creati quando non si ha la possibilità fisica di allocare un altra istanza di </a:t>
+            </a:r>
+            <a:r>
+              <a:rPr lang="it-IT" dirty="0" err="1"/>
+              <a:t>mongod</a:t>
+            </a:r>
+            <a:r>
+              <a:rPr lang="it-IT" dirty="0"/>
+              <a:t> che contenga una replica dei dati. Gli arbitri, infatti, sono nodi che non contengono dati e che perciò non possono essere eletti primari. Nonostante ciò, posso partecipare all’elezione del primario con voto pari a 1. L’idea di inserire un arbitro è per mantenere un numero di voti dispari durante l’elezione del primario evitando un pareggio.</a:t>
+            </a:r>
+          </a:p>
+        </p:txBody>
+      </p:sp>
+      <p:pic>
+        <p:nvPicPr>
+          <p:cNvPr id="5" name="Elemento grafico 4">
+            <a:extLst>
+              <a:ext uri="{FF2B5EF4-FFF2-40B4-BE49-F238E27FC236}">
+                <a16:creationId xmlns:a16="http://schemas.microsoft.com/office/drawing/2014/main" id="{E752A82D-2A51-46B1-9375-3E55A381D4BA}"/>
+              </a:ext>
+            </a:extLst>
+          </p:cNvPr>
+          <p:cNvPicPr>
+            <a:picLocks noChangeAspect="1"/>
+          </p:cNvPicPr>
+          <p:nvPr/>
+        </p:nvPicPr>
+        <p:blipFill>
+          <a:blip r:embed="rId2">
+            <a:extLst>
+              <a:ext uri="{28A0092B-C50C-407E-A947-70E740481C1C}">
+                <a14:useLocalDpi xmlns:a14="http://schemas.microsoft.com/office/drawing/2010/main" val="0"/>
+              </a:ext>
+              <a:ext uri="{96DAC541-7B7A-43D3-8B79-37D633B846F1}">
+                <asvg:svgBlip xmlns:asvg="http://schemas.microsoft.com/office/drawing/2016/SVG/main" r:embed="rId3"/>
+              </a:ext>
+            </a:extLst>
+          </a:blip>
+          <a:stretch>
+            <a:fillRect/>
+          </a:stretch>
+        </p:blipFill>
+        <p:spPr>
+          <a:xfrm>
+            <a:off x="1451418" y="3429000"/>
+            <a:ext cx="7048500" cy="2667000"/>
+          </a:xfrm>
+          <a:prstGeom prst="rect">
+            <a:avLst/>
+          </a:prstGeom>
+        </p:spPr>
+      </p:pic>
+    </p:spTree>
+    <p:extLst>
+      <p:ext uri="{BB962C8B-B14F-4D97-AF65-F5344CB8AC3E}">
+        <p14:creationId xmlns:p14="http://schemas.microsoft.com/office/powerpoint/2010/main" val="1552268980"/>
+      </p:ext>
+    </p:extLst>
+  </p:cSld>
+  <p:clrMapOvr>
+    <a:masterClrMapping/>
+  </p:clrMapOvr>
+</p:sld>
+</file>
+
+<file path=ppt/slides/slide14.xml><?xml version="1.0" encoding="utf-8"?>
+<p:sld xmlns:a="http://schemas.openxmlformats.org/drawingml/2006/main" xmlns:r="http://schemas.openxmlformats.org/officeDocument/2006/relationships" xmlns:p="http://schemas.openxmlformats.org/presentationml/2006/main">
+  <p:cSld>
+    <p:spTree>
+      <p:nvGrpSpPr>
+        <p:cNvPr id="1" name=""/>
+        <p:cNvGrpSpPr/>
+        <p:nvPr/>
+      </p:nvGrpSpPr>
+      <p:grpSpPr>
+        <a:xfrm>
+          <a:off x="0" y="0"/>
+          <a:ext cx="0" cy="0"/>
+          <a:chOff x="0" y="0"/>
+          <a:chExt cx="0" cy="0"/>
+        </a:xfrm>
+      </p:grpSpPr>
+      <p:sp>
+        <p:nvSpPr>
+          <p:cNvPr id="2" name="Titolo 1">
+            <a:extLst>
+              <a:ext uri="{FF2B5EF4-FFF2-40B4-BE49-F238E27FC236}">
+                <a16:creationId xmlns:a16="http://schemas.microsoft.com/office/drawing/2014/main" id="{66C4FCBD-52C8-47AD-8601-E027FE8F274A}"/>
+              </a:ext>
+            </a:extLst>
+          </p:cNvPr>
+          <p:cNvSpPr>
+            <a:spLocks noGrp="1"/>
+          </p:cNvSpPr>
+          <p:nvPr>
+            <p:ph type="title"/>
+          </p:nvPr>
+        </p:nvSpPr>
+        <p:spPr/>
+        <p:txBody>
+          <a:bodyPr/>
+          <a:lstStyle/>
+          <a:p>
+            <a:r>
+              <a:rPr lang="it-IT"/>
+              <a:t>Replication Lag</a:t>
+            </a:r>
+          </a:p>
+        </p:txBody>
+      </p:sp>
+      <p:sp>
+        <p:nvSpPr>
+          <p:cNvPr id="3" name="Segnaposto contenuto 2">
+            <a:extLst>
+              <a:ext uri="{FF2B5EF4-FFF2-40B4-BE49-F238E27FC236}">
+                <a16:creationId xmlns:a16="http://schemas.microsoft.com/office/drawing/2014/main" id="{9A82F802-1553-4021-AC1B-82416F4BC753}"/>
+              </a:ext>
+            </a:extLst>
+          </p:cNvPr>
+          <p:cNvSpPr>
+            <a:spLocks noGrp="1"/>
+          </p:cNvSpPr>
+          <p:nvPr>
+            <p:ph idx="1"/>
+          </p:nvPr>
+        </p:nvSpPr>
+        <p:spPr/>
+        <p:txBody>
+          <a:bodyPr/>
+          <a:lstStyle/>
+          <a:p>
+            <a:endParaRPr lang="it-IT"/>
+          </a:p>
+        </p:txBody>
+      </p:sp>
+    </p:spTree>
+    <p:extLst>
+      <p:ext uri="{BB962C8B-B14F-4D97-AF65-F5344CB8AC3E}">
+        <p14:creationId xmlns:p14="http://schemas.microsoft.com/office/powerpoint/2010/main" val="295965617"/>
+      </p:ext>
+    </p:extLst>
+  </p:cSld>
+  <p:clrMapOvr>
+    <a:masterClrMapping/>
+  </p:clrMapOvr>
+</p:sld>
+</file>
+
+<file path=ppt/slides/slide15.xml><?xml version="1.0" encoding="utf-8"?>
+<p:sld xmlns:a="http://schemas.openxmlformats.org/drawingml/2006/main" xmlns:r="http://schemas.openxmlformats.org/officeDocument/2006/relationships" xmlns:p="http://schemas.openxmlformats.org/presentationml/2006/main">
+  <p:cSld>
+    <p:spTree>
+      <p:nvGrpSpPr>
+        <p:cNvPr id="1" name=""/>
+        <p:cNvGrpSpPr/>
+        <p:nvPr/>
+      </p:nvGrpSpPr>
+      <p:grpSpPr>
+        <a:xfrm>
+          <a:off x="0" y="0"/>
+          <a:ext cx="0" cy="0"/>
+          <a:chOff x="0" y="0"/>
+          <a:chExt cx="0" cy="0"/>
+        </a:xfrm>
+      </p:grpSpPr>
+      <p:sp>
+        <p:nvSpPr>
+          <p:cNvPr id="2" name="Titolo 1">
+            <a:extLst>
+              <a:ext uri="{FF2B5EF4-FFF2-40B4-BE49-F238E27FC236}">
+                <a16:creationId xmlns:a16="http://schemas.microsoft.com/office/drawing/2014/main" id="{4EC9AA5C-8EC2-47D0-AC90-F260725B5224}"/>
+              </a:ext>
+            </a:extLst>
+          </p:cNvPr>
+          <p:cNvSpPr>
+            <a:spLocks noGrp="1"/>
+          </p:cNvSpPr>
+          <p:nvPr>
+            <p:ph type="title"/>
+          </p:nvPr>
+        </p:nvSpPr>
+        <p:spPr>
+          <a:xfrm>
+            <a:off x="677334" y="609600"/>
+            <a:ext cx="8596668" cy="762000"/>
+          </a:xfrm>
+        </p:spPr>
+        <p:txBody>
+          <a:bodyPr/>
+          <a:lstStyle/>
+          <a:p>
+            <a:r>
+              <a:rPr lang="it-IT" dirty="0"/>
+              <a:t>Caratteristiche principali</a:t>
+            </a:r>
+          </a:p>
+        </p:txBody>
+      </p:sp>
+      <p:sp>
+        <p:nvSpPr>
+          <p:cNvPr id="3" name="Segnaposto contenuto 2">
+            <a:extLst>
+              <a:ext uri="{FF2B5EF4-FFF2-40B4-BE49-F238E27FC236}">
+                <a16:creationId xmlns:a16="http://schemas.microsoft.com/office/drawing/2014/main" id="{F647C8AD-B187-4B6F-82DA-45F9751B8FA4}"/>
+              </a:ext>
+            </a:extLst>
+          </p:cNvPr>
+          <p:cNvSpPr>
+            <a:spLocks noGrp="1"/>
+          </p:cNvSpPr>
+          <p:nvPr>
+            <p:ph idx="1"/>
+          </p:nvPr>
+        </p:nvSpPr>
+        <p:spPr>
+          <a:xfrm>
+            <a:off x="677334" y="1600201"/>
+            <a:ext cx="8596668" cy="3962400"/>
+          </a:xfrm>
+        </p:spPr>
+        <p:txBody>
+          <a:bodyPr>
+            <a:normAutofit/>
+          </a:bodyPr>
+          <a:lstStyle/>
+          <a:p>
+            <a:r>
+              <a:rPr lang="it-IT" dirty="0"/>
+              <a:t>Estremamente flessibile nella rappresentazione e gestione del dato.</a:t>
+            </a:r>
+          </a:p>
+          <a:p>
+            <a:r>
+              <a:rPr lang="it-IT" dirty="0"/>
+              <a:t>La struttura del documento è più in linea con il modo in cui gli sviluppatori costruiscono le loro classi e oggetti nei rispettivi linguaggi di programmazione.</a:t>
+            </a:r>
+          </a:p>
+          <a:p>
+            <a:r>
+              <a:rPr lang="it-IT" dirty="0"/>
+              <a:t>Non è necessario che i </a:t>
+            </a:r>
+            <a:r>
+              <a:rPr lang="it-IT" dirty="0" err="1"/>
+              <a:t>documents</a:t>
+            </a:r>
+            <a:r>
+              <a:rPr lang="it-IT" dirty="0"/>
+              <a:t> abbiano uno schema definito in anticipo. Infatti, i fields possono essere creati al volo.</a:t>
+            </a:r>
+          </a:p>
+          <a:p>
+            <a:r>
+              <a:rPr lang="it-IT" dirty="0"/>
+              <a:t>Il modello di dati disponibile all'interno di </a:t>
+            </a:r>
+            <a:r>
+              <a:rPr lang="it-IT" dirty="0" err="1"/>
+              <a:t>MongoDB</a:t>
+            </a:r>
+            <a:r>
+              <a:rPr lang="it-IT" dirty="0"/>
+              <a:t> consente di rappresentare più facilmente relazioni gerarchiche, memorizzare array e altre strutture più complesse.</a:t>
+            </a:r>
+          </a:p>
+          <a:p>
+            <a:r>
+              <a:rPr lang="it-IT" dirty="0"/>
+              <a:t>Scalabilità – Gli ambienti </a:t>
+            </a:r>
+            <a:r>
+              <a:rPr lang="it-IT" dirty="0" err="1"/>
+              <a:t>MongoDB</a:t>
+            </a:r>
+            <a:r>
+              <a:rPr lang="it-IT" dirty="0"/>
+              <a:t> sono molto scalabili. Le aziende di tutto il mondo hanno definito cluster con alcuni di loro che eseguono oltre 100 nodi con circa milioni di documenti all'interno del database.</a:t>
+            </a:r>
+          </a:p>
+        </p:txBody>
+      </p:sp>
+    </p:spTree>
+    <p:extLst>
+      <p:ext uri="{BB962C8B-B14F-4D97-AF65-F5344CB8AC3E}">
+        <p14:creationId xmlns:p14="http://schemas.microsoft.com/office/powerpoint/2010/main" val="2344025804"/>
+      </p:ext>
+    </p:extLst>
+  </p:cSld>
+  <p:clrMapOvr>
+    <a:masterClrMapping/>
+  </p:clrMapOvr>
+</p:sld>
+</file>
+
 <file path=ppt/slides/slide2.xml><?xml version="1.0" encoding="utf-8"?>
 <p:sld xmlns:a="http://schemas.openxmlformats.org/drawingml/2006/main" xmlns:r="http://schemas.openxmlformats.org/officeDocument/2006/relationships" xmlns:p="http://schemas.openxmlformats.org/presentationml/2006/main">
   <p:cSld>
@@ -8900,7 +11021,7 @@
           <p:cNvPr id="2" name="Titolo 1">
             <a:extLst>
               <a:ext uri="{FF2B5EF4-FFF2-40B4-BE49-F238E27FC236}">
-                <a16:creationId xmlns:a16="http://schemas.microsoft.com/office/drawing/2014/main" id="{4EC9AA5C-8EC2-47D0-AC90-F260725B5224}"/>
+                <a16:creationId xmlns:a16="http://schemas.microsoft.com/office/drawing/2014/main" id="{3D50023E-F3FC-459D-8DD9-7F6E87F4BED5}"/>
               </a:ext>
             </a:extLst>
           </p:cNvPr>
@@ -8914,7 +11035,7 @@
         <p:spPr>
           <a:xfrm>
             <a:off x="677334" y="609600"/>
-            <a:ext cx="8596668" cy="762000"/>
+            <a:ext cx="8596668" cy="725905"/>
           </a:xfrm>
         </p:spPr>
         <p:txBody>
@@ -8923,7 +11044,7 @@
           <a:p>
             <a:r>
               <a:rPr lang="it-IT" dirty="0"/>
-              <a:t>Caratteristiche principali</a:t>
+              <a:t>Replication</a:t>
             </a:r>
           </a:p>
         </p:txBody>
@@ -8933,7 +11054,7 @@
           <p:cNvPr id="3" name="Segnaposto contenuto 2">
             <a:extLst>
               <a:ext uri="{FF2B5EF4-FFF2-40B4-BE49-F238E27FC236}">
-                <a16:creationId xmlns:a16="http://schemas.microsoft.com/office/drawing/2014/main" id="{F647C8AD-B187-4B6F-82DA-45F9751B8FA4}"/>
+                <a16:creationId xmlns:a16="http://schemas.microsoft.com/office/drawing/2014/main" id="{37820A38-C9C9-4A99-80D6-447D8B02A018}"/>
               </a:ext>
             </a:extLst>
           </p:cNvPr>
@@ -8946,8 +11067,8 @@
         </p:nvSpPr>
         <p:spPr>
           <a:xfrm>
-            <a:off x="677334" y="1600201"/>
-            <a:ext cx="8596668" cy="3962400"/>
+            <a:off x="520923" y="1335506"/>
+            <a:ext cx="9212624" cy="6136106"/>
           </a:xfrm>
         </p:spPr>
         <p:txBody>
@@ -8957,56 +11078,79 @@
           <a:lstStyle/>
           <a:p>
             <a:r>
-              <a:rPr lang="it-IT" dirty="0"/>
-              <a:t>Estremamente flessibile nella rappresentazione e gestione del dato.</a:t>
-            </a:r>
-          </a:p>
-          <a:p>
-            <a:r>
-              <a:rPr lang="it-IT" dirty="0"/>
-              <a:t>La struttura del documento è più in linea con il modo in cui gli sviluppatori costruiscono le loro classi e oggetti nei rispettivi linguaggi di programmazione.</a:t>
-            </a:r>
-          </a:p>
-          <a:p>
-            <a:r>
-              <a:rPr lang="it-IT" dirty="0"/>
-              <a:t>Non è necessario che i </a:t>
-            </a:r>
-            <a:r>
-              <a:rPr lang="it-IT" dirty="0" err="1"/>
-              <a:t>documents</a:t>
-            </a:r>
-            <a:r>
-              <a:rPr lang="it-IT" dirty="0"/>
-              <a:t> abbiano uno schema definito in anticipo. Infatti, i fields possono essere creati al volo.</a:t>
-            </a:r>
-          </a:p>
-          <a:p>
-            <a:r>
-              <a:rPr lang="it-IT" dirty="0"/>
-              <a:t>Il modello di dati disponibile all'interno di </a:t>
-            </a:r>
-            <a:r>
-              <a:rPr lang="it-IT" dirty="0" err="1"/>
+              <a:rPr lang="it-IT" sz="2000" dirty="0"/>
+              <a:t>Scopi principali della replicazione:</a:t>
+            </a:r>
+          </a:p>
+          <a:p>
+            <a:pPr lvl="1"/>
+            <a:r>
+              <a:rPr lang="it-IT" sz="2000" dirty="0"/>
+              <a:t>Fornisce ridondanza dei dati, così ho un livello di tolleranza agli errori contro la perdita di un singolo server (</a:t>
+            </a:r>
+            <a:r>
+              <a:rPr lang="it-IT" sz="2000" dirty="0" err="1"/>
+              <a:t>Availability</a:t>
+            </a:r>
+            <a:r>
+              <a:rPr lang="it-IT" sz="2000" dirty="0"/>
+              <a:t>).</a:t>
+            </a:r>
+          </a:p>
+          <a:p>
+            <a:pPr lvl="1"/>
+            <a:r>
+              <a:rPr lang="it-IT" sz="2000" dirty="0"/>
+              <a:t>Maggiore capacità di lettura, infatti i client possono inviare operazioni di lettura a server diversi.</a:t>
+            </a:r>
+          </a:p>
+          <a:p>
+            <a:pPr lvl="1"/>
+            <a:r>
+              <a:rPr lang="it-IT" sz="2000" dirty="0"/>
+              <a:t>Maggiore disponibilità per applicazioni distribuite.</a:t>
+            </a:r>
+          </a:p>
+          <a:p>
+            <a:pPr lvl="1"/>
+            <a:r>
+              <a:rPr lang="it-IT" sz="2000" dirty="0"/>
+              <a:t>Scopi dedicati come il backup</a:t>
+            </a:r>
+          </a:p>
+          <a:p>
+            <a:r>
+              <a:rPr lang="it-IT" sz="2000" dirty="0"/>
+              <a:t>Come funzione in </a:t>
+            </a:r>
+            <a:r>
+              <a:rPr lang="it-IT" sz="2000" dirty="0" err="1"/>
               <a:t>MongoDB</a:t>
             </a:r>
             <a:r>
-              <a:rPr lang="it-IT" dirty="0"/>
-              <a:t> consente di rappresentare più facilmente relazioni gerarchiche, memorizzare array e altre strutture più complesse.</a:t>
-            </a:r>
-          </a:p>
-          <a:p>
-            <a:r>
-              <a:rPr lang="it-IT" dirty="0"/>
-              <a:t>Scalabilità – Gli ambienti </a:t>
-            </a:r>
-            <a:r>
-              <a:rPr lang="it-IT" dirty="0" err="1"/>
-              <a:t>MongoDB</a:t>
-            </a:r>
-            <a:r>
-              <a:rPr lang="it-IT" dirty="0"/>
-              <a:t> sono molto scalabili. Le aziende di tutto il mondo hanno definito cluster con alcuni di loro che eseguono oltre 100 nodi con circa milioni di documenti all'interno del database.</a:t>
+              <a:rPr lang="it-IT" sz="2000" dirty="0"/>
+              <a:t>:</a:t>
+            </a:r>
+          </a:p>
+          <a:p>
+            <a:pPr lvl="1"/>
+            <a:r>
+              <a:rPr lang="it-IT" sz="2000" dirty="0"/>
+              <a:t>Ho un replica set che mantiene lo stesso set di dati.</a:t>
+            </a:r>
+          </a:p>
+          <a:p>
+            <a:pPr lvl="1"/>
+            <a:r>
+              <a:rPr lang="it-IT" sz="2000" dirty="0"/>
+              <a:t>Un replica set ha diversi nodi portanti e un nodo arbitro facoltativo.</a:t>
+            </a:r>
+          </a:p>
+          <a:p>
+            <a:pPr lvl="1"/>
+            <a:r>
+              <a:rPr lang="it-IT" sz="2000" dirty="0"/>
+              <a:t>Dei nodi portanti uno solo è considerato primario, mentre gli altri nodi sono considerati secondari.</a:t>
             </a:r>
           </a:p>
         </p:txBody>
@@ -9014,7 +11158,454 @@
     </p:spTree>
     <p:extLst>
       <p:ext uri="{BB962C8B-B14F-4D97-AF65-F5344CB8AC3E}">
-        <p14:creationId xmlns:p14="http://schemas.microsoft.com/office/powerpoint/2010/main" val="2344025804"/>
+        <p14:creationId xmlns:p14="http://schemas.microsoft.com/office/powerpoint/2010/main" val="3419229553"/>
+      </p:ext>
+    </p:extLst>
+  </p:cSld>
+  <p:clrMapOvr>
+    <a:masterClrMapping/>
+  </p:clrMapOvr>
+</p:sld>
+</file>
+
+<file path=ppt/slides/slide9.xml><?xml version="1.0" encoding="utf-8"?>
+<p:sld xmlns:a="http://schemas.openxmlformats.org/drawingml/2006/main" xmlns:r="http://schemas.openxmlformats.org/officeDocument/2006/relationships" xmlns:p="http://schemas.openxmlformats.org/presentationml/2006/main">
+  <p:cSld>
+    <p:spTree>
+      <p:nvGrpSpPr>
+        <p:cNvPr id="1" name=""/>
+        <p:cNvGrpSpPr/>
+        <p:nvPr/>
+      </p:nvGrpSpPr>
+      <p:grpSpPr>
+        <a:xfrm>
+          <a:off x="0" y="0"/>
+          <a:ext cx="0" cy="0"/>
+          <a:chOff x="0" y="0"/>
+          <a:chExt cx="0" cy="0"/>
+        </a:xfrm>
+      </p:grpSpPr>
+      <p:sp>
+        <p:nvSpPr>
+          <p:cNvPr id="2" name="Titolo 1">
+            <a:extLst>
+              <a:ext uri="{FF2B5EF4-FFF2-40B4-BE49-F238E27FC236}">
+                <a16:creationId xmlns:a16="http://schemas.microsoft.com/office/drawing/2014/main" id="{C34BB43E-7C0E-4277-AB2D-6D41651B4CF5}"/>
+              </a:ext>
+            </a:extLst>
+          </p:cNvPr>
+          <p:cNvSpPr>
+            <a:spLocks noGrp="1"/>
+          </p:cNvSpPr>
+          <p:nvPr>
+            <p:ph type="title"/>
+          </p:nvPr>
+        </p:nvSpPr>
+        <p:spPr>
+          <a:xfrm>
+            <a:off x="581081" y="164432"/>
+            <a:ext cx="8596668" cy="617621"/>
+          </a:xfrm>
+        </p:spPr>
+        <p:txBody>
+          <a:bodyPr>
+            <a:normAutofit fontScale="90000"/>
+          </a:bodyPr>
+          <a:lstStyle/>
+          <a:p>
+            <a:r>
+              <a:rPr lang="it-IT" dirty="0"/>
+              <a:t>Nodi primari e Nodi secondari</a:t>
+            </a:r>
+          </a:p>
+        </p:txBody>
+      </p:sp>
+      <p:sp>
+        <p:nvSpPr>
+          <p:cNvPr id="3" name="Segnaposto contenuto 2">
+            <a:extLst>
+              <a:ext uri="{FF2B5EF4-FFF2-40B4-BE49-F238E27FC236}">
+                <a16:creationId xmlns:a16="http://schemas.microsoft.com/office/drawing/2014/main" id="{3F921689-5397-4128-9266-7EE889DB9C07}"/>
+              </a:ext>
+            </a:extLst>
+          </p:cNvPr>
+          <p:cNvSpPr>
+            <a:spLocks noGrp="1"/>
+          </p:cNvSpPr>
+          <p:nvPr>
+            <p:ph idx="1"/>
+          </p:nvPr>
+        </p:nvSpPr>
+        <p:spPr>
+          <a:xfrm>
+            <a:off x="581081" y="955048"/>
+            <a:ext cx="8596668" cy="1660358"/>
+          </a:xfrm>
+        </p:spPr>
+        <p:txBody>
+          <a:bodyPr>
+            <a:noAutofit/>
+          </a:bodyPr>
+          <a:lstStyle/>
+          <a:p>
+            <a:r>
+              <a:rPr lang="it-IT" sz="2000" dirty="0"/>
+              <a:t>Il Nodo primario riceve tutte le operazioni di scrittura. Di default anche quelle di lettura, ma quest’ultime posso essere dirette anche ai nodi secondari.</a:t>
+            </a:r>
+          </a:p>
+          <a:p>
+            <a:r>
+              <a:rPr lang="it-IT" sz="2000" dirty="0"/>
+              <a:t>Un Nodo di un replica set diventa il nodo primario attraverso un processo di elezioni.</a:t>
+            </a:r>
+          </a:p>
+        </p:txBody>
+      </p:sp>
+      <p:sp>
+        <p:nvSpPr>
+          <p:cNvPr id="6" name="CasellaDiTesto 5">
+            <a:extLst>
+              <a:ext uri="{FF2B5EF4-FFF2-40B4-BE49-F238E27FC236}">
+                <a16:creationId xmlns:a16="http://schemas.microsoft.com/office/drawing/2014/main" id="{1436BC69-C58B-40DB-975B-B9949D7085B5}"/>
+              </a:ext>
+            </a:extLst>
+          </p:cNvPr>
+          <p:cNvSpPr txBox="1"/>
+          <p:nvPr/>
+        </p:nvSpPr>
+        <p:spPr>
+          <a:xfrm>
+            <a:off x="581081" y="2967335"/>
+            <a:ext cx="5514919" cy="461665"/>
+          </a:xfrm>
+          <a:prstGeom prst="rect">
+            <a:avLst/>
+          </a:prstGeom>
+          <a:noFill/>
+        </p:spPr>
+        <p:txBody>
+          <a:bodyPr wrap="square" rtlCol="0">
+            <a:spAutoFit/>
+          </a:bodyPr>
+          <a:lstStyle/>
+          <a:p>
+            <a:r>
+              <a:rPr lang="it-IT" sz="2400" dirty="0"/>
+              <a:t>Replica sete </a:t>
+            </a:r>
+            <a:r>
+              <a:rPr lang="it-IT" sz="2400" dirty="0" err="1"/>
+              <a:t>Elections</a:t>
+            </a:r>
+            <a:r>
+              <a:rPr lang="it-IT" sz="2400" dirty="0"/>
+              <a:t>:</a:t>
+            </a:r>
+          </a:p>
+        </p:txBody>
+      </p:sp>
+      <p:sp>
+        <p:nvSpPr>
+          <p:cNvPr id="8" name="Segnaposto contenuto 2">
+            <a:extLst>
+              <a:ext uri="{FF2B5EF4-FFF2-40B4-BE49-F238E27FC236}">
+                <a16:creationId xmlns:a16="http://schemas.microsoft.com/office/drawing/2014/main" id="{1289CDAC-1B35-4F01-BCE6-D1B3DBD5F38D}"/>
+              </a:ext>
+            </a:extLst>
+          </p:cNvPr>
+          <p:cNvSpPr txBox="1">
+            <a:spLocks/>
+          </p:cNvSpPr>
+          <p:nvPr/>
+        </p:nvSpPr>
+        <p:spPr>
+          <a:xfrm>
+            <a:off x="581081" y="3951019"/>
+            <a:ext cx="8596668" cy="3681662"/>
+          </a:xfrm>
+          <a:prstGeom prst="rect">
+            <a:avLst/>
+          </a:prstGeom>
+        </p:spPr>
+        <p:txBody>
+          <a:bodyPr vert="horz" lIns="91440" tIns="45720" rIns="91440" bIns="45720" rtlCol="0">
+            <a:normAutofit/>
+          </a:bodyPr>
+          <a:lstStyle>
+            <a:lvl1pPr marL="342900" indent="-342900" algn="l" defTabSz="457200" rtl="0" eaLnBrk="1" latinLnBrk="0" hangingPunct="1">
+              <a:spcBef>
+                <a:spcPts val="1000"/>
+              </a:spcBef>
+              <a:spcAft>
+                <a:spcPts val="0"/>
+              </a:spcAft>
+              <a:buClr>
+                <a:schemeClr val="accent1"/>
+              </a:buClr>
+              <a:buSzPct val="80000"/>
+              <a:buFont typeface="Wingdings 3" charset="2"/>
+              <a:buChar char=""/>
+              <a:defRPr sz="1800" kern="1200">
+                <a:solidFill>
+                  <a:schemeClr val="tx1">
+                    <a:lumMod val="75000"/>
+                    <a:lumOff val="25000"/>
+                  </a:schemeClr>
+                </a:solidFill>
+                <a:latin typeface="+mn-lt"/>
+                <a:ea typeface="+mn-ea"/>
+                <a:cs typeface="+mn-cs"/>
+              </a:defRPr>
+            </a:lvl1pPr>
+            <a:lvl2pPr marL="742950" indent="-285750" algn="l" defTabSz="457200" rtl="0" eaLnBrk="1" latinLnBrk="0" hangingPunct="1">
+              <a:spcBef>
+                <a:spcPts val="1000"/>
+              </a:spcBef>
+              <a:spcAft>
+                <a:spcPts val="0"/>
+              </a:spcAft>
+              <a:buClr>
+                <a:schemeClr val="accent1"/>
+              </a:buClr>
+              <a:buSzPct val="80000"/>
+              <a:buFont typeface="Wingdings 3" charset="2"/>
+              <a:buChar char=""/>
+              <a:defRPr sz="1600" kern="1200">
+                <a:solidFill>
+                  <a:schemeClr val="tx1">
+                    <a:lumMod val="75000"/>
+                    <a:lumOff val="25000"/>
+                  </a:schemeClr>
+                </a:solidFill>
+                <a:latin typeface="+mn-lt"/>
+                <a:ea typeface="+mn-ea"/>
+                <a:cs typeface="+mn-cs"/>
+              </a:defRPr>
+            </a:lvl2pPr>
+            <a:lvl3pPr marL="1143000" indent="-228600" algn="l" defTabSz="457200" rtl="0" eaLnBrk="1" latinLnBrk="0" hangingPunct="1">
+              <a:spcBef>
+                <a:spcPts val="1000"/>
+              </a:spcBef>
+              <a:spcAft>
+                <a:spcPts val="0"/>
+              </a:spcAft>
+              <a:buClr>
+                <a:schemeClr val="accent1"/>
+              </a:buClr>
+              <a:buSzPct val="80000"/>
+              <a:buFont typeface="Wingdings 3" charset="2"/>
+              <a:buChar char=""/>
+              <a:defRPr sz="1400" kern="1200">
+                <a:solidFill>
+                  <a:schemeClr val="tx1">
+                    <a:lumMod val="75000"/>
+                    <a:lumOff val="25000"/>
+                  </a:schemeClr>
+                </a:solidFill>
+                <a:latin typeface="+mn-lt"/>
+                <a:ea typeface="+mn-ea"/>
+                <a:cs typeface="+mn-cs"/>
+              </a:defRPr>
+            </a:lvl3pPr>
+            <a:lvl4pPr marL="1600200" indent="-228600" algn="l" defTabSz="457200" rtl="0" eaLnBrk="1" latinLnBrk="0" hangingPunct="1">
+              <a:spcBef>
+                <a:spcPts val="1000"/>
+              </a:spcBef>
+              <a:spcAft>
+                <a:spcPts val="0"/>
+              </a:spcAft>
+              <a:buClr>
+                <a:schemeClr val="accent1"/>
+              </a:buClr>
+              <a:buSzPct val="80000"/>
+              <a:buFont typeface="Wingdings 3" charset="2"/>
+              <a:buChar char=""/>
+              <a:defRPr sz="1200" kern="1200">
+                <a:solidFill>
+                  <a:schemeClr val="tx1">
+                    <a:lumMod val="75000"/>
+                    <a:lumOff val="25000"/>
+                  </a:schemeClr>
+                </a:solidFill>
+                <a:latin typeface="+mn-lt"/>
+                <a:ea typeface="+mn-ea"/>
+                <a:cs typeface="+mn-cs"/>
+              </a:defRPr>
+            </a:lvl4pPr>
+            <a:lvl5pPr marL="2057400" indent="-228600" algn="l" defTabSz="457200" rtl="0" eaLnBrk="1" latinLnBrk="0" hangingPunct="1">
+              <a:spcBef>
+                <a:spcPts val="1000"/>
+              </a:spcBef>
+              <a:spcAft>
+                <a:spcPts val="0"/>
+              </a:spcAft>
+              <a:buClr>
+                <a:schemeClr val="accent1"/>
+              </a:buClr>
+              <a:buSzPct val="80000"/>
+              <a:buFont typeface="Wingdings 3" charset="2"/>
+              <a:buChar char=""/>
+              <a:defRPr sz="1200" kern="1200">
+                <a:solidFill>
+                  <a:schemeClr val="tx1">
+                    <a:lumMod val="75000"/>
+                    <a:lumOff val="25000"/>
+                  </a:schemeClr>
+                </a:solidFill>
+                <a:latin typeface="+mn-lt"/>
+                <a:ea typeface="+mn-ea"/>
+                <a:cs typeface="+mn-cs"/>
+              </a:defRPr>
+            </a:lvl5pPr>
+            <a:lvl6pPr marL="2514600" indent="-228600" algn="l" defTabSz="457200" rtl="0" eaLnBrk="1" latinLnBrk="0" hangingPunct="1">
+              <a:spcBef>
+                <a:spcPts val="1000"/>
+              </a:spcBef>
+              <a:spcAft>
+                <a:spcPts val="0"/>
+              </a:spcAft>
+              <a:buClr>
+                <a:schemeClr val="accent1"/>
+              </a:buClr>
+              <a:buSzPct val="80000"/>
+              <a:buFont typeface="Wingdings 3" charset="2"/>
+              <a:buChar char=""/>
+              <a:defRPr sz="1200" kern="1200">
+                <a:solidFill>
+                  <a:schemeClr val="tx1">
+                    <a:lumMod val="75000"/>
+                    <a:lumOff val="25000"/>
+                  </a:schemeClr>
+                </a:solidFill>
+                <a:latin typeface="+mn-lt"/>
+                <a:ea typeface="+mn-ea"/>
+                <a:cs typeface="+mn-cs"/>
+              </a:defRPr>
+            </a:lvl6pPr>
+            <a:lvl7pPr marL="2971800" indent="-228600" algn="l" defTabSz="457200" rtl="0" eaLnBrk="1" latinLnBrk="0" hangingPunct="1">
+              <a:spcBef>
+                <a:spcPts val="1000"/>
+              </a:spcBef>
+              <a:spcAft>
+                <a:spcPts val="0"/>
+              </a:spcAft>
+              <a:buClr>
+                <a:schemeClr val="accent1"/>
+              </a:buClr>
+              <a:buSzPct val="80000"/>
+              <a:buFont typeface="Wingdings 3" charset="2"/>
+              <a:buChar char=""/>
+              <a:defRPr sz="1200" kern="1200">
+                <a:solidFill>
+                  <a:schemeClr val="tx1">
+                    <a:lumMod val="75000"/>
+                    <a:lumOff val="25000"/>
+                  </a:schemeClr>
+                </a:solidFill>
+                <a:latin typeface="+mn-lt"/>
+                <a:ea typeface="+mn-ea"/>
+                <a:cs typeface="+mn-cs"/>
+              </a:defRPr>
+            </a:lvl7pPr>
+            <a:lvl8pPr marL="3429000" indent="-228600" algn="l" defTabSz="457200" rtl="0" eaLnBrk="1" latinLnBrk="0" hangingPunct="1">
+              <a:spcBef>
+                <a:spcPts val="1000"/>
+              </a:spcBef>
+              <a:spcAft>
+                <a:spcPts val="0"/>
+              </a:spcAft>
+              <a:buClr>
+                <a:schemeClr val="accent1"/>
+              </a:buClr>
+              <a:buSzPct val="80000"/>
+              <a:buFont typeface="Wingdings 3" charset="2"/>
+              <a:buChar char=""/>
+              <a:defRPr sz="1200" kern="1200">
+                <a:solidFill>
+                  <a:schemeClr val="tx1">
+                    <a:lumMod val="75000"/>
+                    <a:lumOff val="25000"/>
+                  </a:schemeClr>
+                </a:solidFill>
+                <a:latin typeface="+mn-lt"/>
+                <a:ea typeface="+mn-ea"/>
+                <a:cs typeface="+mn-cs"/>
+              </a:defRPr>
+            </a:lvl8pPr>
+            <a:lvl9pPr marL="3886200" indent="-228600" algn="l" defTabSz="457200" rtl="0" eaLnBrk="1" latinLnBrk="0" hangingPunct="1">
+              <a:spcBef>
+                <a:spcPts val="1000"/>
+              </a:spcBef>
+              <a:spcAft>
+                <a:spcPts val="0"/>
+              </a:spcAft>
+              <a:buClr>
+                <a:schemeClr val="accent1"/>
+              </a:buClr>
+              <a:buSzPct val="80000"/>
+              <a:buFont typeface="Wingdings 3" charset="2"/>
+              <a:buChar char=""/>
+              <a:defRPr sz="1200" kern="1200">
+                <a:solidFill>
+                  <a:schemeClr val="tx1">
+                    <a:lumMod val="75000"/>
+                    <a:lumOff val="25000"/>
+                  </a:schemeClr>
+                </a:solidFill>
+                <a:latin typeface="+mn-lt"/>
+                <a:ea typeface="+mn-ea"/>
+                <a:cs typeface="+mn-cs"/>
+              </a:defRPr>
+            </a:lvl9pPr>
+          </a:lstStyle>
+          <a:p>
+            <a:r>
+              <a:rPr lang="it-IT" sz="2000" dirty="0"/>
+              <a:t>Posso avere un’elezione nei seguenti casi:</a:t>
+            </a:r>
+          </a:p>
+          <a:p>
+            <a:pPr lvl="1"/>
+            <a:r>
+              <a:rPr lang="it-IT" sz="2000" dirty="0"/>
+              <a:t>Aggiungendo un nuovo nodo al set di repliche.</a:t>
+            </a:r>
+          </a:p>
+          <a:p>
+            <a:pPr lvl="1"/>
+            <a:r>
+              <a:rPr lang="it-IT" sz="2000" dirty="0"/>
+              <a:t>Inizializzare un set di repliche.</a:t>
+            </a:r>
+          </a:p>
+          <a:p>
+            <a:pPr lvl="1"/>
+            <a:r>
+              <a:rPr lang="it-IT" sz="2000" dirty="0"/>
+              <a:t> Eseguire la manutenzione del set di repliche.</a:t>
+            </a:r>
+          </a:p>
+          <a:p>
+            <a:pPr lvl="1"/>
+            <a:r>
+              <a:rPr lang="it-IT" sz="2000" dirty="0"/>
+              <a:t> I nodi secondari perdono la connettività al primario per più del </a:t>
+            </a:r>
+            <a:r>
+              <a:rPr lang="it-IT" sz="2000" dirty="0" err="1"/>
+              <a:t>timeout</a:t>
+            </a:r>
+            <a:r>
+              <a:rPr lang="it-IT" sz="2000" dirty="0"/>
+              <a:t> configurato (10 secondi per default). </a:t>
+            </a:r>
+          </a:p>
+        </p:txBody>
+      </p:sp>
+    </p:spTree>
+    <p:extLst>
+      <p:ext uri="{BB962C8B-B14F-4D97-AF65-F5344CB8AC3E}">
+        <p14:creationId xmlns:p14="http://schemas.microsoft.com/office/powerpoint/2010/main" val="1275923587"/>
       </p:ext>
     </p:extLst>
   </p:cSld>

--- a/Presentazione_progetto.pptx
+++ b/Presentazione_progetto.pptx
@@ -5,7 +5,7 @@
     <p:sldMasterId id="2147483672" r:id="rId1"/>
   </p:sldMasterIdLst>
   <p:notesMasterIdLst>
-    <p:notesMasterId r:id="rId17"/>
+    <p:notesMasterId r:id="rId19"/>
   </p:notesMasterIdLst>
   <p:sldIdLst>
     <p:sldId id="256" r:id="rId2"/>
@@ -22,7 +22,9 @@
     <p:sldId id="268" r:id="rId13"/>
     <p:sldId id="269" r:id="rId14"/>
     <p:sldId id="270" r:id="rId15"/>
-    <p:sldId id="259" r:id="rId16"/>
+    <p:sldId id="271" r:id="rId16"/>
+    <p:sldId id="272" r:id="rId17"/>
+    <p:sldId id="259" r:id="rId18"/>
   </p:sldIdLst>
   <p:sldSz cx="12192000" cy="6858000"/>
   <p:notesSz cx="6858000" cy="9144000"/>
@@ -617,6 +619,135 @@
 </p:notes>
 </file>
 
+<file path=ppt/notesSlides/notesSlide10.xml><?xml version="1.0" encoding="utf-8"?>
+<p:notes xmlns:a="http://schemas.openxmlformats.org/drawingml/2006/main" xmlns:r="http://schemas.openxmlformats.org/officeDocument/2006/relationships" xmlns:p="http://schemas.openxmlformats.org/presentationml/2006/main">
+  <p:cSld>
+    <p:spTree>
+      <p:nvGrpSpPr>
+        <p:cNvPr id="1" name=""/>
+        <p:cNvGrpSpPr/>
+        <p:nvPr/>
+      </p:nvGrpSpPr>
+      <p:grpSpPr>
+        <a:xfrm>
+          <a:off x="0" y="0"/>
+          <a:ext cx="0" cy="0"/>
+          <a:chOff x="0" y="0"/>
+          <a:chExt cx="0" cy="0"/>
+        </a:xfrm>
+      </p:grpSpPr>
+      <p:sp>
+        <p:nvSpPr>
+          <p:cNvPr id="2" name="Segnaposto immagine diapositiva 1"/>
+          <p:cNvSpPr>
+            <a:spLocks noGrp="1" noRot="1" noChangeAspect="1"/>
+          </p:cNvSpPr>
+          <p:nvPr>
+            <p:ph type="sldImg"/>
+          </p:nvPr>
+        </p:nvSpPr>
+        <p:spPr/>
+      </p:sp>
+      <p:sp>
+        <p:nvSpPr>
+          <p:cNvPr id="3" name="Segnaposto note 2"/>
+          <p:cNvSpPr>
+            <a:spLocks noGrp="1"/>
+          </p:cNvSpPr>
+          <p:nvPr>
+            <p:ph type="body" idx="1"/>
+          </p:nvPr>
+        </p:nvSpPr>
+        <p:spPr/>
+        <p:txBody>
+          <a:bodyPr/>
+          <a:lstStyle/>
+          <a:p>
+            <a:pPr marL="228600" indent="-228600">
+              <a:buAutoNum type="arabicParenR"/>
+            </a:pPr>
+            <a:r>
+              <a:rPr lang="it-IT" dirty="0"/>
+              <a:t>Ogni database contiene diverse </a:t>
+            </a:r>
+            <a:r>
+              <a:rPr lang="it-IT" dirty="0" err="1"/>
+              <a:t>collections</a:t>
+            </a:r>
+            <a:r>
+              <a:rPr lang="it-IT" dirty="0"/>
+              <a:t> che a loro volta contengono dei </a:t>
+            </a:r>
+            <a:r>
+              <a:rPr lang="it-IT" dirty="0" err="1"/>
+              <a:t>documents</a:t>
+            </a:r>
+            <a:r>
+              <a:rPr lang="it-IT" dirty="0"/>
+              <a:t>. Ogni </a:t>
+            </a:r>
+            <a:r>
+              <a:rPr lang="it-IT" dirty="0" err="1"/>
+              <a:t>documents</a:t>
+            </a:r>
+            <a:r>
+              <a:rPr lang="it-IT" dirty="0"/>
+              <a:t> può essere diverso con un numero variabile di fields. Le dimensioni e il contenuto di ciascun documento possono essere diversi l'uno dall'altro. </a:t>
+            </a:r>
+          </a:p>
+          <a:p>
+            <a:pPr marL="228600" indent="-228600">
+              <a:buAutoNum type="arabicParenR"/>
+            </a:pPr>
+            <a:r>
+              <a:rPr lang="it-IT" dirty="0"/>
+              <a:t>Basta pensare alla coppia chiave valore</a:t>
+            </a:r>
+          </a:p>
+          <a:p>
+            <a:pPr marL="228600" indent="-228600">
+              <a:buAutoNum type="arabicParenR"/>
+            </a:pPr>
+            <a:endParaRPr lang="it-IT" dirty="0"/>
+          </a:p>
+        </p:txBody>
+      </p:sp>
+      <p:sp>
+        <p:nvSpPr>
+          <p:cNvPr id="4" name="Segnaposto numero diapositiva 3"/>
+          <p:cNvSpPr>
+            <a:spLocks noGrp="1"/>
+          </p:cNvSpPr>
+          <p:nvPr>
+            <p:ph type="sldNum" sz="quarter" idx="5"/>
+          </p:nvPr>
+        </p:nvSpPr>
+        <p:spPr/>
+        <p:txBody>
+          <a:bodyPr/>
+          <a:lstStyle/>
+          <a:p>
+            <a:fld id="{7B9EF5EE-42ED-4142-B01A-B637985E9B70}" type="slidenum">
+              <a:rPr lang="it-IT" smtClean="0"/>
+              <a:t>17</a:t>
+            </a:fld>
+            <a:endParaRPr lang="it-IT"/>
+          </a:p>
+        </p:txBody>
+      </p:sp>
+    </p:spTree>
+    <p:extLst>
+      <p:ext uri="{BB962C8B-B14F-4D97-AF65-F5344CB8AC3E}">
+        <p14:creationId xmlns:p14="http://schemas.microsoft.com/office/powerpoint/2010/main" val="3010035820"/>
+      </p:ext>
+    </p:extLst>
+  </p:cSld>
+  <p:clrMapOvr>
+    <a:masterClrMapping/>
+  </p:clrMapOvr>
+</p:notes>
+</file>
+
 <file path=ppt/notesSlides/notesSlide2.xml><?xml version="1.0" encoding="utf-8"?>
 <p:notes xmlns:a="http://schemas.openxmlformats.org/drawingml/2006/main" xmlns:r="http://schemas.openxmlformats.org/officeDocument/2006/relationships" xmlns:p="http://schemas.openxmlformats.org/presentationml/2006/main">
   <p:cSld>
@@ -1429,52 +1560,44 @@
           <a:bodyPr/>
           <a:lstStyle/>
           <a:p>
-            <a:pPr marL="228600" indent="-228600">
-              <a:buAutoNum type="arabicParenR"/>
-            </a:pPr>
+            <a:r>
+              <a:rPr lang="it-IT" b="1" dirty="0"/>
+              <a:t>Replication Lag</a:t>
+            </a:r>
             <a:r>
               <a:rPr lang="it-IT" dirty="0"/>
-              <a:t>Ogni database contiene diverse </a:t>
+              <a:t>: Lunghezza di tempo tra l’ultima operazione nel </a:t>
             </a:r>
             <a:r>
               <a:rPr lang="it-IT" dirty="0" err="1"/>
-              <a:t>collections</a:t>
+              <a:t>oplog</a:t>
             </a:r>
             <a:r>
               <a:rPr lang="it-IT" dirty="0"/>
-              <a:t> che a loro volta contengono dei </a:t>
+              <a:t> del </a:t>
             </a:r>
             <a:r>
               <a:rPr lang="it-IT" dirty="0" err="1"/>
-              <a:t>documents</a:t>
+              <a:t>primary</a:t>
             </a:r>
             <a:r>
               <a:rPr lang="it-IT" dirty="0"/>
-              <a:t>. Ogni </a:t>
+              <a:t> e l’ultima operazione applicata ad un </a:t>
             </a:r>
             <a:r>
               <a:rPr lang="it-IT" dirty="0" err="1"/>
-              <a:t>documents</a:t>
+              <a:t>secondary</a:t>
             </a:r>
             <a:r>
               <a:rPr lang="it-IT" dirty="0"/>
-              <a:t> può essere diverso con un numero variabile di fields. Le dimensioni e il contenuto di ciascun documento possono essere diversi l'uno dall'altro. </a:t>
-            </a:r>
-          </a:p>
-          <a:p>
-            <a:pPr marL="228600" indent="-228600">
-              <a:buAutoNum type="arabicParenR"/>
-            </a:pPr>
+              <a:t> particolare. In generale lo voglio più piccolo possibile.</a:t>
+            </a:r>
+          </a:p>
+          <a:p>
             <a:r>
               <a:rPr lang="it-IT" dirty="0"/>
-              <a:t>Basta pensare alla coppia chiave valore</a:t>
-            </a:r>
-          </a:p>
-          <a:p>
-            <a:pPr marL="228600" indent="-228600">
-              <a:buAutoNum type="arabicParenR"/>
-            </a:pPr>
-            <a:endParaRPr lang="it-IT" dirty="0"/>
+              <a:t>Limitando il numero di biglietti emessi al secondo, il meccanismo di controllo del flusso tenta di mantenere il ritardo al di sotto dell'obiettivo.</a:t>
+            </a:r>
           </a:p>
         </p:txBody>
       </p:sp>
@@ -1495,7 +1618,7 @@
           <a:p>
             <a:fld id="{7B9EF5EE-42ED-4142-B01A-B637985E9B70}" type="slidenum">
               <a:rPr lang="it-IT" smtClean="0"/>
-              <a:t>15</a:t>
+              <a:t>14</a:t>
             </a:fld>
             <a:endParaRPr lang="it-IT"/>
           </a:p>
@@ -1504,7 +1627,91 @@
     </p:spTree>
     <p:extLst>
       <p:ext uri="{BB962C8B-B14F-4D97-AF65-F5344CB8AC3E}">
-        <p14:creationId xmlns:p14="http://schemas.microsoft.com/office/powerpoint/2010/main" val="3010035820"/>
+        <p14:creationId xmlns:p14="http://schemas.microsoft.com/office/powerpoint/2010/main" val="1347493567"/>
+      </p:ext>
+    </p:extLst>
+  </p:cSld>
+  <p:clrMapOvr>
+    <a:masterClrMapping/>
+  </p:clrMapOvr>
+</p:notes>
+</file>
+
+<file path=ppt/notesSlides/notesSlide9.xml><?xml version="1.0" encoding="utf-8"?>
+<p:notes xmlns:a="http://schemas.openxmlformats.org/drawingml/2006/main" xmlns:r="http://schemas.openxmlformats.org/officeDocument/2006/relationships" xmlns:p="http://schemas.openxmlformats.org/presentationml/2006/main">
+  <p:cSld>
+    <p:spTree>
+      <p:nvGrpSpPr>
+        <p:cNvPr id="1" name=""/>
+        <p:cNvGrpSpPr/>
+        <p:nvPr/>
+      </p:nvGrpSpPr>
+      <p:grpSpPr>
+        <a:xfrm>
+          <a:off x="0" y="0"/>
+          <a:ext cx="0" cy="0"/>
+          <a:chOff x="0" y="0"/>
+          <a:chExt cx="0" cy="0"/>
+        </a:xfrm>
+      </p:grpSpPr>
+      <p:sp>
+        <p:nvSpPr>
+          <p:cNvPr id="2" name="Segnaposto immagine diapositiva 1"/>
+          <p:cNvSpPr>
+            <a:spLocks noGrp="1" noRot="1" noChangeAspect="1"/>
+          </p:cNvSpPr>
+          <p:nvPr>
+            <p:ph type="sldImg"/>
+          </p:nvPr>
+        </p:nvSpPr>
+        <p:spPr/>
+      </p:sp>
+      <p:sp>
+        <p:nvSpPr>
+          <p:cNvPr id="3" name="Segnaposto note 2"/>
+          <p:cNvSpPr>
+            <a:spLocks noGrp="1"/>
+          </p:cNvSpPr>
+          <p:nvPr>
+            <p:ph type="body" idx="1"/>
+          </p:nvPr>
+        </p:nvSpPr>
+        <p:spPr/>
+        <p:txBody>
+          <a:bodyPr/>
+          <a:lstStyle/>
+          <a:p>
+            <a:endParaRPr lang="it-IT" dirty="0"/>
+          </a:p>
+        </p:txBody>
+      </p:sp>
+      <p:sp>
+        <p:nvSpPr>
+          <p:cNvPr id="4" name="Segnaposto numero diapositiva 3"/>
+          <p:cNvSpPr>
+            <a:spLocks noGrp="1"/>
+          </p:cNvSpPr>
+          <p:nvPr>
+            <p:ph type="sldNum" sz="quarter" idx="5"/>
+          </p:nvPr>
+        </p:nvSpPr>
+        <p:spPr/>
+        <p:txBody>
+          <a:bodyPr/>
+          <a:lstStyle/>
+          <a:p>
+            <a:fld id="{7B9EF5EE-42ED-4142-B01A-B637985E9B70}" type="slidenum">
+              <a:rPr lang="it-IT" smtClean="0"/>
+              <a:t>16</a:t>
+            </a:fld>
+            <a:endParaRPr lang="it-IT"/>
+          </a:p>
+        </p:txBody>
+      </p:sp>
+    </p:spTree>
+    <p:extLst>
+      <p:ext uri="{BB962C8B-B14F-4D97-AF65-F5344CB8AC3E}">
+        <p14:creationId xmlns:p14="http://schemas.microsoft.com/office/powerpoint/2010/main" val="2389835601"/>
       </p:ext>
     </p:extLst>
   </p:cSld>
@@ -8349,8 +8556,8 @@
         </p:nvSpPr>
         <p:spPr>
           <a:xfrm>
-            <a:off x="7267552" y="1662208"/>
-            <a:ext cx="2455525" cy="923330"/>
+            <a:off x="7266585" y="1432170"/>
+            <a:ext cx="2455525" cy="1200329"/>
           </a:xfrm>
           <a:prstGeom prst="rect">
             <a:avLst/>
@@ -8414,6 +8621,14 @@
                 </a:solidFill>
               </a:rPr>
               <a:t>oplog</a:t>
+            </a:r>
+            <a:r>
+              <a:rPr lang="en-US" dirty="0">
+                <a:solidFill>
+                  <a:schemeClr val="accent2"/>
+                </a:solidFill>
+              </a:rPr>
+              <a:t>.</a:t>
             </a:r>
             <a:endParaRPr lang="it-IT" dirty="0">
               <a:solidFill>
@@ -8566,7 +8781,7 @@
             </a:r>
             <a:r>
               <a:rPr lang="it-IT" dirty="0"/>
-              <a:t> in maniera asincrona</a:t>
+              <a:t> in maniera asincrona.</a:t>
             </a:r>
           </a:p>
         </p:txBody>
@@ -8625,6 +8840,130 @@
                   <a:pt x="-96943" y="876300"/>
                   <a:pt x="56460" y="438150"/>
                   <a:pt x="209863" y="0"/>
+                </a:cubicBezTo>
+              </a:path>
+            </a:pathLst>
+          </a:custGeom>
+          <a:noFill/>
+          <a:ln>
+            <a:headEnd type="none" w="med" len="med"/>
+            <a:tailEnd type="arrow" w="med" len="med"/>
+          </a:ln>
+        </p:spPr>
+        <p:style>
+          <a:lnRef idx="2">
+            <a:schemeClr val="accent1">
+              <a:shade val="50000"/>
+            </a:schemeClr>
+          </a:lnRef>
+          <a:fillRef idx="1">
+            <a:schemeClr val="accent1"/>
+          </a:fillRef>
+          <a:effectRef idx="0">
+            <a:schemeClr val="accent1"/>
+          </a:effectRef>
+          <a:fontRef idx="minor">
+            <a:schemeClr val="lt1"/>
+          </a:fontRef>
+        </p:style>
+        <p:txBody>
+          <a:bodyPr rtlCol="0" anchor="ctr"/>
+          <a:lstStyle/>
+          <a:p>
+            <a:pPr algn="ctr"/>
+            <a:endParaRPr lang="it-IT"/>
+          </a:p>
+        </p:txBody>
+      </p:sp>
+      <p:sp>
+        <p:nvSpPr>
+          <p:cNvPr id="3" name="CasellaDiTesto 2">
+            <a:extLst>
+              <a:ext uri="{FF2B5EF4-FFF2-40B4-BE49-F238E27FC236}">
+                <a16:creationId xmlns:a16="http://schemas.microsoft.com/office/drawing/2014/main" id="{F9CE405B-9C91-42C0-839A-21AAF8461B07}"/>
+              </a:ext>
+            </a:extLst>
+          </p:cNvPr>
+          <p:cNvSpPr txBox="1"/>
+          <p:nvPr/>
+        </p:nvSpPr>
+        <p:spPr>
+          <a:xfrm>
+            <a:off x="7906308" y="3162300"/>
+            <a:ext cx="2455525" cy="1200329"/>
+          </a:xfrm>
+          <a:prstGeom prst="rect">
+            <a:avLst/>
+          </a:prstGeom>
+          <a:noFill/>
+        </p:spPr>
+        <p:txBody>
+          <a:bodyPr wrap="square" rtlCol="0">
+            <a:spAutoFit/>
+          </a:bodyPr>
+          <a:lstStyle/>
+          <a:p>
+            <a:r>
+              <a:rPr lang="it-IT" dirty="0"/>
+              <a:t>Il replica set continua a funzionare anche se qualche membro fallisce. </a:t>
+            </a:r>
+          </a:p>
+        </p:txBody>
+      </p:sp>
+      <p:sp>
+        <p:nvSpPr>
+          <p:cNvPr id="4" name="Figura a mano libera: forma 3">
+            <a:extLst>
+              <a:ext uri="{FF2B5EF4-FFF2-40B4-BE49-F238E27FC236}">
+                <a16:creationId xmlns:a16="http://schemas.microsoft.com/office/drawing/2014/main" id="{06511D58-20C9-411E-B283-DBEE50C7BBB8}"/>
+              </a:ext>
+            </a:extLst>
+          </p:cNvPr>
+          <p:cNvSpPr/>
+          <p:nvPr/>
+        </p:nvSpPr>
+        <p:spPr>
+          <a:xfrm>
+            <a:off x="7700211" y="4295274"/>
+            <a:ext cx="1588275" cy="1528010"/>
+          </a:xfrm>
+          <a:custGeom>
+            <a:avLst/>
+            <a:gdLst>
+              <a:gd name="connsiteX0" fmla="*/ 0 w 1588275"/>
+              <a:gd name="connsiteY0" fmla="*/ 1528010 h 1528010"/>
+              <a:gd name="connsiteX1" fmla="*/ 1455821 w 1588275"/>
+              <a:gd name="connsiteY1" fmla="*/ 1143000 h 1528010"/>
+              <a:gd name="connsiteX2" fmla="*/ 1431757 w 1588275"/>
+              <a:gd name="connsiteY2" fmla="*/ 0 h 1528010"/>
+            </a:gdLst>
+            <a:ahLst/>
+            <a:cxnLst>
+              <a:cxn ang="0">
+                <a:pos x="connsiteX0" y="connsiteY0"/>
+              </a:cxn>
+              <a:cxn ang="0">
+                <a:pos x="connsiteX1" y="connsiteY1"/>
+              </a:cxn>
+              <a:cxn ang="0">
+                <a:pos x="connsiteX2" y="connsiteY2"/>
+              </a:cxn>
+            </a:cxnLst>
+            <a:rect l="l" t="t" r="r" b="b"/>
+            <a:pathLst>
+              <a:path w="1588275" h="1528010">
+                <a:moveTo>
+                  <a:pt x="0" y="1528010"/>
+                </a:moveTo>
+                <a:cubicBezTo>
+                  <a:pt x="608597" y="1462839"/>
+                  <a:pt x="1217195" y="1397668"/>
+                  <a:pt x="1455821" y="1143000"/>
+                </a:cubicBezTo>
+                <a:cubicBezTo>
+                  <a:pt x="1694447" y="888332"/>
+                  <a:pt x="1563102" y="444166"/>
+                  <a:pt x="1431757" y="0"/>
                 </a:cubicBezTo>
               </a:path>
             </a:pathLst>
@@ -9058,14 +9397,21 @@
             <p:ph type="title"/>
           </p:nvPr>
         </p:nvSpPr>
-        <p:spPr/>
-        <p:txBody>
-          <a:bodyPr/>
+        <p:spPr>
+          <a:xfrm>
+            <a:off x="677334" y="609600"/>
+            <a:ext cx="8596668" cy="639691"/>
+          </a:xfrm>
+        </p:spPr>
+        <p:txBody>
+          <a:bodyPr>
+            <a:normAutofit fontScale="90000"/>
+          </a:bodyPr>
           <a:lstStyle/>
           <a:p>
             <a:r>
-              <a:rPr lang="it-IT"/>
-              <a:t>Replication Lag</a:t>
+              <a:rPr lang="it-IT" dirty="0"/>
+              <a:t>Replication Lag and Flow Control</a:t>
             </a:r>
           </a:p>
         </p:txBody>
@@ -9086,11 +9432,260 @@
             <p:ph idx="1"/>
           </p:nvPr>
         </p:nvSpPr>
-        <p:spPr/>
+        <p:spPr>
+          <a:xfrm>
+            <a:off x="677334" y="1624263"/>
+            <a:ext cx="8596668" cy="4102769"/>
+          </a:xfrm>
+        </p:spPr>
         <p:txBody>
           <a:bodyPr/>
           <a:lstStyle/>
           <a:p>
+            <a:r>
+              <a:rPr lang="it-IT" dirty="0"/>
+              <a:t>Il ritardo di replica si riferisce alla quantità di tempo necessaria per copiare (ovvero replicare) un'operazione di scrittura sul primario in un secondario. Potrebbe essere accettabile un breve periodo di ritardo, ma emergono problemi significativi con l'aumento del ritardo di replica, inclusa la creazione di pressioni sulla cache sul primario. </a:t>
+            </a:r>
+          </a:p>
+        </p:txBody>
+      </p:sp>
+      <p:cxnSp>
+        <p:nvCxnSpPr>
+          <p:cNvPr id="5" name="Connettore 2 4">
+            <a:extLst>
+              <a:ext uri="{FF2B5EF4-FFF2-40B4-BE49-F238E27FC236}">
+                <a16:creationId xmlns:a16="http://schemas.microsoft.com/office/drawing/2014/main" id="{C21D408B-60D4-4614-9654-53D9D28A2FB0}"/>
+              </a:ext>
+            </a:extLst>
+          </p:cNvPr>
+          <p:cNvCxnSpPr>
+            <a:cxnSpLocks/>
+          </p:cNvCxnSpPr>
+          <p:nvPr/>
+        </p:nvCxnSpPr>
+        <p:spPr>
+          <a:xfrm>
+            <a:off x="3308684" y="3164305"/>
+            <a:ext cx="0" cy="1034716"/>
+          </a:xfrm>
+          <a:prstGeom prst="straightConnector1">
+            <a:avLst/>
+          </a:prstGeom>
+          <a:ln w="57150">
+            <a:tailEnd type="triangle"/>
+          </a:ln>
+        </p:spPr>
+        <p:style>
+          <a:lnRef idx="1">
+            <a:schemeClr val="accent1"/>
+          </a:lnRef>
+          <a:fillRef idx="0">
+            <a:schemeClr val="accent1"/>
+          </a:fillRef>
+          <a:effectRef idx="0">
+            <a:schemeClr val="accent1"/>
+          </a:effectRef>
+          <a:fontRef idx="minor">
+            <a:schemeClr val="tx1"/>
+          </a:fontRef>
+        </p:style>
+      </p:cxnSp>
+      <p:sp>
+        <p:nvSpPr>
+          <p:cNvPr id="6" name="CasellaDiTesto 5">
+            <a:extLst>
+              <a:ext uri="{FF2B5EF4-FFF2-40B4-BE49-F238E27FC236}">
+                <a16:creationId xmlns:a16="http://schemas.microsoft.com/office/drawing/2014/main" id="{137AA4CE-665B-4786-A0AC-0902FA8CBF80}"/>
+              </a:ext>
+            </a:extLst>
+          </p:cNvPr>
+          <p:cNvSpPr txBox="1"/>
+          <p:nvPr/>
+        </p:nvSpPr>
+        <p:spPr>
+          <a:xfrm>
+            <a:off x="914795" y="4186989"/>
+            <a:ext cx="8121746" cy="923330"/>
+          </a:xfrm>
+          <a:prstGeom prst="rect">
+            <a:avLst/>
+          </a:prstGeom>
+          <a:noFill/>
+        </p:spPr>
+        <p:txBody>
+          <a:bodyPr wrap="square" rtlCol="0">
+            <a:spAutoFit/>
+          </a:bodyPr>
+          <a:lstStyle/>
+          <a:p>
+            <a:r>
+              <a:rPr lang="it-IT" b="1" dirty="0"/>
+              <a:t>Flow Control </a:t>
+            </a:r>
+            <a:r>
+              <a:rPr lang="it-IT" dirty="0"/>
+              <a:t>è la soluzione utilizzata da </a:t>
+            </a:r>
+            <a:r>
+              <a:rPr lang="it-IT" dirty="0" err="1"/>
+              <a:t>MongoDB</a:t>
+            </a:r>
+            <a:r>
+              <a:rPr lang="it-IT" dirty="0"/>
+              <a:t>: gli amministratori possono limitare la velocità con cui il </a:t>
+            </a:r>
+            <a:r>
+              <a:rPr lang="it-IT" dirty="0" err="1"/>
+              <a:t>primary</a:t>
+            </a:r>
+            <a:r>
+              <a:rPr lang="it-IT" dirty="0"/>
+              <a:t> applica le sue scritture grazie ad un valore massimo configurabile </a:t>
+            </a:r>
+            <a:r>
+              <a:rPr lang="it-IT" dirty="0" err="1"/>
+              <a:t>flowControlTargetLagSeconds</a:t>
+            </a:r>
+            <a:endParaRPr lang="it-IT" dirty="0"/>
+          </a:p>
+        </p:txBody>
+      </p:sp>
+      <p:sp>
+        <p:nvSpPr>
+          <p:cNvPr id="7" name="CasellaDiTesto 6">
+            <a:extLst>
+              <a:ext uri="{FF2B5EF4-FFF2-40B4-BE49-F238E27FC236}">
+                <a16:creationId xmlns:a16="http://schemas.microsoft.com/office/drawing/2014/main" id="{461F8179-3C1E-4E67-A958-8490C18FBEAD}"/>
+              </a:ext>
+            </a:extLst>
+          </p:cNvPr>
+          <p:cNvSpPr txBox="1"/>
+          <p:nvPr/>
+        </p:nvSpPr>
+        <p:spPr>
+          <a:xfrm>
+            <a:off x="859519" y="5634055"/>
+            <a:ext cx="8414483" cy="646331"/>
+          </a:xfrm>
+          <a:prstGeom prst="rect">
+            <a:avLst/>
+          </a:prstGeom>
+          <a:noFill/>
+        </p:spPr>
+        <p:txBody>
+          <a:bodyPr wrap="none" rtlCol="0">
+            <a:spAutoFit/>
+          </a:bodyPr>
+          <a:lstStyle/>
+          <a:p>
+            <a:r>
+              <a:rPr lang="it-IT" dirty="0"/>
+              <a:t>le scritture sul database primario devono ottenere un ticket prima di accettare</a:t>
+            </a:r>
+          </a:p>
+          <a:p>
+            <a:r>
+              <a:rPr lang="it-IT" dirty="0"/>
+              <a:t>i blocchi per applicare le scritture</a:t>
+            </a:r>
+          </a:p>
+        </p:txBody>
+      </p:sp>
+      <p:sp>
+        <p:nvSpPr>
+          <p:cNvPr id="9" name="Figura a mano libera: forma 8">
+            <a:extLst>
+              <a:ext uri="{FF2B5EF4-FFF2-40B4-BE49-F238E27FC236}">
+                <a16:creationId xmlns:a16="http://schemas.microsoft.com/office/drawing/2014/main" id="{313B05EE-9C38-4468-8167-CA2D1746A25D}"/>
+              </a:ext>
+            </a:extLst>
+          </p:cNvPr>
+          <p:cNvSpPr/>
+          <p:nvPr/>
+        </p:nvSpPr>
+        <p:spPr>
+          <a:xfrm>
+            <a:off x="8867274" y="4572000"/>
+            <a:ext cx="709681" cy="1155032"/>
+          </a:xfrm>
+          <a:custGeom>
+            <a:avLst/>
+            <a:gdLst>
+              <a:gd name="connsiteX0" fmla="*/ 0 w 709681"/>
+              <a:gd name="connsiteY0" fmla="*/ 0 h 1155032"/>
+              <a:gd name="connsiteX1" fmla="*/ 493294 w 709681"/>
+              <a:gd name="connsiteY1" fmla="*/ 228600 h 1155032"/>
+              <a:gd name="connsiteX2" fmla="*/ 697831 w 709681"/>
+              <a:gd name="connsiteY2" fmla="*/ 818147 h 1155032"/>
+              <a:gd name="connsiteX3" fmla="*/ 168442 w 709681"/>
+              <a:gd name="connsiteY3" fmla="*/ 1155032 h 1155032"/>
+            </a:gdLst>
+            <a:ahLst/>
+            <a:cxnLst>
+              <a:cxn ang="0">
+                <a:pos x="connsiteX0" y="connsiteY0"/>
+              </a:cxn>
+              <a:cxn ang="0">
+                <a:pos x="connsiteX1" y="connsiteY1"/>
+              </a:cxn>
+              <a:cxn ang="0">
+                <a:pos x="connsiteX2" y="connsiteY2"/>
+              </a:cxn>
+              <a:cxn ang="0">
+                <a:pos x="connsiteX3" y="connsiteY3"/>
+              </a:cxn>
+            </a:cxnLst>
+            <a:rect l="l" t="t" r="r" b="b"/>
+            <a:pathLst>
+              <a:path w="709681" h="1155032">
+                <a:moveTo>
+                  <a:pt x="0" y="0"/>
+                </a:moveTo>
+                <a:cubicBezTo>
+                  <a:pt x="188494" y="46121"/>
+                  <a:pt x="376989" y="92242"/>
+                  <a:pt x="493294" y="228600"/>
+                </a:cubicBezTo>
+                <a:cubicBezTo>
+                  <a:pt x="609599" y="364958"/>
+                  <a:pt x="751973" y="663742"/>
+                  <a:pt x="697831" y="818147"/>
+                </a:cubicBezTo>
+                <a:cubicBezTo>
+                  <a:pt x="643689" y="972552"/>
+                  <a:pt x="406065" y="1063792"/>
+                  <a:pt x="168442" y="1155032"/>
+                </a:cubicBezTo>
+              </a:path>
+            </a:pathLst>
+          </a:custGeom>
+          <a:noFill/>
+          <a:ln>
+            <a:headEnd type="none" w="med" len="med"/>
+            <a:tailEnd type="arrow" w="med" len="med"/>
+          </a:ln>
+        </p:spPr>
+        <p:style>
+          <a:lnRef idx="2">
+            <a:schemeClr val="accent1">
+              <a:shade val="50000"/>
+            </a:schemeClr>
+          </a:lnRef>
+          <a:fillRef idx="1">
+            <a:schemeClr val="accent1"/>
+          </a:fillRef>
+          <a:effectRef idx="0">
+            <a:schemeClr val="accent1"/>
+          </a:effectRef>
+          <a:fontRef idx="minor">
+            <a:schemeClr val="lt1"/>
+          </a:fontRef>
+        </p:style>
+        <p:txBody>
+          <a:bodyPr rtlCol="0" anchor="ctr"/>
+          <a:lstStyle/>
+          <a:p>
+            <a:pPr algn="ctr"/>
             <a:endParaRPr lang="it-IT"/>
           </a:p>
         </p:txBody>
@@ -9109,6 +9704,203 @@
 </file>
 
 <file path=ppt/slides/slide15.xml><?xml version="1.0" encoding="utf-8"?>
+<p:sld xmlns:a="http://schemas.openxmlformats.org/drawingml/2006/main" xmlns:r="http://schemas.openxmlformats.org/officeDocument/2006/relationships" xmlns:p="http://schemas.openxmlformats.org/presentationml/2006/main">
+  <p:cSld>
+    <p:spTree>
+      <p:nvGrpSpPr>
+        <p:cNvPr id="1" name=""/>
+        <p:cNvGrpSpPr/>
+        <p:nvPr/>
+      </p:nvGrpSpPr>
+      <p:grpSpPr>
+        <a:xfrm>
+          <a:off x="0" y="0"/>
+          <a:ext cx="0" cy="0"/>
+          <a:chOff x="0" y="0"/>
+          <a:chExt cx="0" cy="0"/>
+        </a:xfrm>
+      </p:grpSpPr>
+      <p:sp>
+        <p:nvSpPr>
+          <p:cNvPr id="2" name="Titolo 1">
+            <a:extLst>
+              <a:ext uri="{FF2B5EF4-FFF2-40B4-BE49-F238E27FC236}">
+                <a16:creationId xmlns:a16="http://schemas.microsoft.com/office/drawing/2014/main" id="{E7CB2FBD-C7AE-491C-8D44-14F9D3F6A8F6}"/>
+              </a:ext>
+            </a:extLst>
+          </p:cNvPr>
+          <p:cNvSpPr>
+            <a:spLocks noGrp="1"/>
+          </p:cNvSpPr>
+          <p:nvPr>
+            <p:ph type="title"/>
+          </p:nvPr>
+        </p:nvSpPr>
+        <p:spPr>
+          <a:xfrm>
+            <a:off x="593113" y="140368"/>
+            <a:ext cx="8596668" cy="701843"/>
+          </a:xfrm>
+        </p:spPr>
+        <p:txBody>
+          <a:bodyPr/>
+          <a:lstStyle/>
+          <a:p>
+            <a:r>
+              <a:rPr lang="it-IT" dirty="0"/>
+              <a:t>Operazioni di lettura</a:t>
+            </a:r>
+          </a:p>
+        </p:txBody>
+      </p:sp>
+      <p:pic>
+        <p:nvPicPr>
+          <p:cNvPr id="5" name="Segnaposto contenuto 4">
+            <a:extLst>
+              <a:ext uri="{FF2B5EF4-FFF2-40B4-BE49-F238E27FC236}">
+                <a16:creationId xmlns:a16="http://schemas.microsoft.com/office/drawing/2014/main" id="{9DA2F48E-5985-4E02-AA12-CD8200A36BDE}"/>
+              </a:ext>
+            </a:extLst>
+          </p:cNvPr>
+          <p:cNvPicPr>
+            <a:picLocks noGrp="1" noChangeAspect="1"/>
+          </p:cNvPicPr>
+          <p:nvPr>
+            <p:ph idx="1"/>
+          </p:nvPr>
+        </p:nvPicPr>
+        <p:blipFill>
+          <a:blip r:embed="rId2">
+            <a:extLst>
+              <a:ext uri="{28A0092B-C50C-407E-A947-70E740481C1C}">
+                <a14:useLocalDpi xmlns:a14="http://schemas.microsoft.com/office/drawing/2010/main" val="0"/>
+              </a:ext>
+              <a:ext uri="{96DAC541-7B7A-43D3-8B79-37D633B846F1}">
+                <asvg:svgBlip xmlns:asvg="http://schemas.microsoft.com/office/drawing/2016/SVG/main" r:embed="rId3"/>
+              </a:ext>
+            </a:extLst>
+          </a:blip>
+          <a:stretch>
+            <a:fillRect/>
+          </a:stretch>
+        </p:blipFill>
+        <p:spPr>
+          <a:xfrm>
+            <a:off x="1292004" y="955842"/>
+            <a:ext cx="7304664" cy="6105954"/>
+          </a:xfrm>
+        </p:spPr>
+      </p:pic>
+    </p:spTree>
+    <p:extLst>
+      <p:ext uri="{BB962C8B-B14F-4D97-AF65-F5344CB8AC3E}">
+        <p14:creationId xmlns:p14="http://schemas.microsoft.com/office/powerpoint/2010/main" val="1658417976"/>
+      </p:ext>
+    </p:extLst>
+  </p:cSld>
+  <p:clrMapOvr>
+    <a:masterClrMapping/>
+  </p:clrMapOvr>
+</p:sld>
+</file>
+
+<file path=ppt/slides/slide16.xml><?xml version="1.0" encoding="utf-8"?>
+<p:sld xmlns:a="http://schemas.openxmlformats.org/drawingml/2006/main" xmlns:r="http://schemas.openxmlformats.org/officeDocument/2006/relationships" xmlns:p="http://schemas.openxmlformats.org/presentationml/2006/main">
+  <p:cSld>
+    <p:spTree>
+      <p:nvGrpSpPr>
+        <p:cNvPr id="1" name=""/>
+        <p:cNvGrpSpPr/>
+        <p:nvPr/>
+      </p:nvGrpSpPr>
+      <p:grpSpPr>
+        <a:xfrm>
+          <a:off x="0" y="0"/>
+          <a:ext cx="0" cy="0"/>
+          <a:chOff x="0" y="0"/>
+          <a:chExt cx="0" cy="0"/>
+        </a:xfrm>
+      </p:grpSpPr>
+      <p:sp>
+        <p:nvSpPr>
+          <p:cNvPr id="2" name="Titolo 1">
+            <a:extLst>
+              <a:ext uri="{FF2B5EF4-FFF2-40B4-BE49-F238E27FC236}">
+                <a16:creationId xmlns:a16="http://schemas.microsoft.com/office/drawing/2014/main" id="{5FB4AAAA-6FB8-4A9B-ADB3-F62DA1187C0F}"/>
+              </a:ext>
+            </a:extLst>
+          </p:cNvPr>
+          <p:cNvSpPr>
+            <a:spLocks noGrp="1"/>
+          </p:cNvSpPr>
+          <p:nvPr>
+            <p:ph type="title"/>
+          </p:nvPr>
+        </p:nvSpPr>
+        <p:spPr/>
+        <p:txBody>
+          <a:bodyPr/>
+          <a:lstStyle/>
+          <a:p>
+            <a:r>
+              <a:rPr lang="it-IT" dirty="0"/>
+              <a:t>Preferenza di lettura</a:t>
+            </a:r>
+          </a:p>
+        </p:txBody>
+      </p:sp>
+      <p:pic>
+        <p:nvPicPr>
+          <p:cNvPr id="5" name="Segnaposto contenuto 4">
+            <a:extLst>
+              <a:ext uri="{FF2B5EF4-FFF2-40B4-BE49-F238E27FC236}">
+                <a16:creationId xmlns:a16="http://schemas.microsoft.com/office/drawing/2014/main" id="{1D2D04AC-476A-468E-A8D5-EC55B4002293}"/>
+              </a:ext>
+            </a:extLst>
+          </p:cNvPr>
+          <p:cNvPicPr>
+            <a:picLocks noGrp="1" noChangeAspect="1"/>
+          </p:cNvPicPr>
+          <p:nvPr>
+            <p:ph idx="1"/>
+          </p:nvPr>
+        </p:nvPicPr>
+        <p:blipFill>
+          <a:blip r:embed="rId3">
+            <a:extLst>
+              <a:ext uri="{28A0092B-C50C-407E-A947-70E740481C1C}">
+                <a14:useLocalDpi xmlns:a14="http://schemas.microsoft.com/office/drawing/2010/main" val="0"/>
+              </a:ext>
+              <a:ext uri="{96DAC541-7B7A-43D3-8B79-37D633B846F1}">
+                <asvg:svgBlip xmlns:asvg="http://schemas.microsoft.com/office/drawing/2016/SVG/main" r:embed="rId4"/>
+              </a:ext>
+            </a:extLst>
+          </a:blip>
+          <a:stretch>
+            <a:fillRect/>
+          </a:stretch>
+        </p:blipFill>
+        <p:spPr>
+          <a:xfrm>
+            <a:off x="838811" y="1597880"/>
+            <a:ext cx="8220968" cy="4932581"/>
+          </a:xfrm>
+        </p:spPr>
+      </p:pic>
+    </p:spTree>
+    <p:extLst>
+      <p:ext uri="{BB962C8B-B14F-4D97-AF65-F5344CB8AC3E}">
+        <p14:creationId xmlns:p14="http://schemas.microsoft.com/office/powerpoint/2010/main" val="2571657235"/>
+      </p:ext>
+    </p:extLst>
+  </p:cSld>
+  <p:clrMapOvr>
+    <a:masterClrMapping/>
+  </p:clrMapOvr>
+</p:sld>
+</file>
+
+<file path=ppt/slides/slide17.xml><?xml version="1.0" encoding="utf-8"?>
 <p:sld xmlns:a="http://schemas.openxmlformats.org/drawingml/2006/main" xmlns:r="http://schemas.openxmlformats.org/officeDocument/2006/relationships" xmlns:p="http://schemas.openxmlformats.org/presentationml/2006/main">
   <p:cSld>
     <p:spTree>

--- a/Presentazione_progetto.pptx
+++ b/Presentazione_progetto.pptx
@@ -5,7 +5,7 @@
     <p:sldMasterId id="2147483672" r:id="rId1"/>
   </p:sldMasterIdLst>
   <p:notesMasterIdLst>
-    <p:notesMasterId r:id="rId19"/>
+    <p:notesMasterId r:id="rId20"/>
   </p:notesMasterIdLst>
   <p:sldIdLst>
     <p:sldId id="256" r:id="rId2"/>
@@ -14,17 +14,18 @@
     <p:sldId id="260" r:id="rId5"/>
     <p:sldId id="261" r:id="rId6"/>
     <p:sldId id="262" r:id="rId7"/>
-    <p:sldId id="263" r:id="rId8"/>
-    <p:sldId id="264" r:id="rId9"/>
-    <p:sldId id="265" r:id="rId10"/>
-    <p:sldId id="266" r:id="rId11"/>
-    <p:sldId id="267" r:id="rId12"/>
-    <p:sldId id="268" r:id="rId13"/>
-    <p:sldId id="269" r:id="rId14"/>
-    <p:sldId id="270" r:id="rId15"/>
-    <p:sldId id="271" r:id="rId16"/>
-    <p:sldId id="272" r:id="rId17"/>
-    <p:sldId id="259" r:id="rId18"/>
+    <p:sldId id="264" r:id="rId8"/>
+    <p:sldId id="265" r:id="rId9"/>
+    <p:sldId id="266" r:id="rId10"/>
+    <p:sldId id="267" r:id="rId11"/>
+    <p:sldId id="268" r:id="rId12"/>
+    <p:sldId id="269" r:id="rId13"/>
+    <p:sldId id="270" r:id="rId14"/>
+    <p:sldId id="271" r:id="rId15"/>
+    <p:sldId id="272" r:id="rId16"/>
+    <p:sldId id="273" r:id="rId17"/>
+    <p:sldId id="274" r:id="rId18"/>
+    <p:sldId id="263" r:id="rId19"/>
   </p:sldIdLst>
   <p:sldSz cx="12192000" cy="6858000"/>
   <p:notesSz cx="6858000" cy="9144000"/>
@@ -213,7 +214,7 @@
           <a:p>
             <a:fld id="{5D86E91A-6C9D-48EA-9EAF-BBA9F3961CF9}" type="datetimeFigureOut">
               <a:rPr lang="it-IT" smtClean="0"/>
-              <a:t>16/03/2022</a:t>
+              <a:t>18/03/2022</a:t>
             </a:fld>
             <a:endParaRPr lang="it-IT"/>
           </a:p>
@@ -663,50 +664,65 @@
           <a:bodyPr/>
           <a:lstStyle/>
           <a:p>
-            <a:pPr marL="228600" indent="-228600">
-              <a:buAutoNum type="arabicParenR"/>
+            <a:pPr marL="0" marR="0" lvl="0" indent="0" algn="l" defTabSz="914400" rtl="0" eaLnBrk="1" fontAlgn="auto" latinLnBrk="0" hangingPunct="1">
+              <a:lnSpc>
+                <a:spcPct val="100000"/>
+              </a:lnSpc>
+              <a:spcBef>
+                <a:spcPts val="0"/>
+              </a:spcBef>
+              <a:spcAft>
+                <a:spcPts val="0"/>
+              </a:spcAft>
+              <a:buClrTx/>
+              <a:buSzTx/>
+              <a:buFontTx/>
+              <a:buNone/>
+              <a:tabLst/>
+              <a:defRPr/>
             </a:pPr>
             <a:r>
+              <a:rPr lang="it-IT" b="1" dirty="0"/>
+              <a:t>on-disk journal</a:t>
+            </a:r>
+            <a:r>
               <a:rPr lang="it-IT" dirty="0"/>
-              <a:t>Ogni database contiene diverse </a:t>
+              <a:t>: Per garantire la durabilità in caso di errore, </a:t>
             </a:r>
             <a:r>
               <a:rPr lang="it-IT" dirty="0" err="1"/>
-              <a:t>collections</a:t>
+              <a:t>MongoDB</a:t>
             </a:r>
             <a:r>
               <a:rPr lang="it-IT" dirty="0"/>
-              <a:t> che a loro volta contengono dei </a:t>
+              <a:t> utilizza la registrazione in anticipo della scrittura sui file journal su disco. Cioè </a:t>
             </a:r>
             <a:r>
               <a:rPr lang="it-IT" dirty="0" err="1"/>
-              <a:t>documents</a:t>
+              <a:t>write-ahead</a:t>
             </a:r>
             <a:r>
               <a:rPr lang="it-IT" dirty="0"/>
-              <a:t>. Ogni </a:t>
-            </a:r>
-            <a:r>
-              <a:rPr lang="it-IT" dirty="0" err="1"/>
-              <a:t>documents</a:t>
-            </a:r>
-            <a:r>
-              <a:rPr lang="it-IT" dirty="0"/>
-              <a:t> può essere diverso con un numero variabile di fields. Le dimensioni e il contenuto di ciascun documento possono essere diversi l'uno dall'altro. </a:t>
-            </a:r>
-          </a:p>
-          <a:p>
-            <a:pPr marL="228600" indent="-228600">
-              <a:buAutoNum type="arabicParenR"/>
-            </a:pPr>
-            <a:r>
-              <a:rPr lang="it-IT" dirty="0"/>
-              <a:t>Basta pensare alla coppia chiave valore</a:t>
-            </a:r>
-          </a:p>
-          <a:p>
-            <a:pPr marL="228600" indent="-228600">
-              <a:buAutoNum type="arabicParenR"/>
+              <a:t> log(WAL) registro di Log, operazioni scritte prima di essere eseguite.</a:t>
+            </a:r>
+          </a:p>
+          <a:p>
+            <a:pPr marL="0" marR="0" lvl="0" indent="0" algn="l" defTabSz="914400" rtl="0" eaLnBrk="1" fontAlgn="auto" latinLnBrk="0" hangingPunct="1">
+              <a:lnSpc>
+                <a:spcPct val="100000"/>
+              </a:lnSpc>
+              <a:spcBef>
+                <a:spcPts val="0"/>
+              </a:spcBef>
+              <a:spcAft>
+                <a:spcPts val="0"/>
+              </a:spcAft>
+              <a:buClrTx/>
+              <a:buSzTx/>
+              <a:buFontTx/>
+              <a:buNone/>
+              <a:tabLst/>
+              <a:defRPr/>
             </a:pPr>
             <a:endParaRPr lang="it-IT" dirty="0"/>
           </a:p>
@@ -738,7 +754,7 @@
     </p:spTree>
     <p:extLst>
       <p:ext uri="{BB962C8B-B14F-4D97-AF65-F5344CB8AC3E}">
-        <p14:creationId xmlns:p14="http://schemas.microsoft.com/office/powerpoint/2010/main" val="3010035820"/>
+        <p14:creationId xmlns:p14="http://schemas.microsoft.com/office/powerpoint/2010/main" val="1108071276"/>
       </p:ext>
     </p:extLst>
   </p:cSld>
@@ -1246,7 +1262,7 @@
           <a:p>
             <a:fld id="{7B9EF5EE-42ED-4142-B01A-B637985E9B70}" type="slidenum">
               <a:rPr lang="it-IT" smtClean="0"/>
-              <a:t>8</a:t>
+              <a:t>7</a:t>
             </a:fld>
             <a:endParaRPr lang="it-IT"/>
           </a:p>
@@ -1413,7 +1429,7 @@
           <a:p>
             <a:fld id="{7B9EF5EE-42ED-4142-B01A-B637985E9B70}" type="slidenum">
               <a:rPr lang="it-IT" smtClean="0"/>
-              <a:t>10</a:t>
+              <a:t>9</a:t>
             </a:fld>
             <a:endParaRPr lang="it-IT"/>
           </a:p>
@@ -1476,7 +1492,18 @@
           <a:bodyPr/>
           <a:lstStyle/>
           <a:p>
-            <a:endParaRPr lang="it-IT" dirty="0"/>
+            <a:r>
+              <a:rPr lang="it-IT" dirty="0"/>
+              <a:t>In maniera asincrona nel senso che una lettura del </a:t>
+            </a:r>
+            <a:r>
+              <a:rPr lang="it-IT" dirty="0" err="1"/>
+              <a:t>secondary</a:t>
+            </a:r>
+            <a:r>
+              <a:rPr lang="it-IT" dirty="0"/>
+              <a:t> potrebbe restituire i dati in maniera non aggiornata.</a:t>
+            </a:r>
           </a:p>
         </p:txBody>
       </p:sp>
@@ -1497,7 +1524,7 @@
           <a:p>
             <a:fld id="{7B9EF5EE-42ED-4142-B01A-B637985E9B70}" type="slidenum">
               <a:rPr lang="it-IT" smtClean="0"/>
-              <a:t>11</a:t>
+              <a:t>10</a:t>
             </a:fld>
             <a:endParaRPr lang="it-IT"/>
           </a:p>
@@ -1618,7 +1645,7 @@
           <a:p>
             <a:fld id="{7B9EF5EE-42ED-4142-B01A-B637985E9B70}" type="slidenum">
               <a:rPr lang="it-IT" smtClean="0"/>
-              <a:t>14</a:t>
+              <a:t>13</a:t>
             </a:fld>
             <a:endParaRPr lang="it-IT"/>
           </a:p>
@@ -1702,7 +1729,7 @@
           <a:p>
             <a:fld id="{7B9EF5EE-42ED-4142-B01A-B637985E9B70}" type="slidenum">
               <a:rPr lang="it-IT" smtClean="0"/>
-              <a:t>16</a:t>
+              <a:t>15</a:t>
             </a:fld>
             <a:endParaRPr lang="it-IT"/>
           </a:p>
@@ -2443,7 +2470,7 @@
           <a:p>
             <a:fld id="{5EEC1FBE-7A50-402B-9218-00262FCB5F53}" type="datetimeFigureOut">
               <a:rPr lang="it-IT" smtClean="0"/>
-              <a:t>16/03/2022</a:t>
+              <a:t>18/03/2022</a:t>
             </a:fld>
             <a:endParaRPr lang="it-IT"/>
           </a:p>
@@ -2694,7 +2721,7 @@
           <a:p>
             <a:fld id="{5EEC1FBE-7A50-402B-9218-00262FCB5F53}" type="datetimeFigureOut">
               <a:rPr lang="it-IT" smtClean="0"/>
-              <a:t>16/03/2022</a:t>
+              <a:t>18/03/2022</a:t>
             </a:fld>
             <a:endParaRPr lang="it-IT"/>
           </a:p>
@@ -3008,7 +3035,7 @@
           <a:p>
             <a:fld id="{5EEC1FBE-7A50-402B-9218-00262FCB5F53}" type="datetimeFigureOut">
               <a:rPr lang="it-IT" smtClean="0"/>
-              <a:t>16/03/2022</a:t>
+              <a:t>18/03/2022</a:t>
             </a:fld>
             <a:endParaRPr lang="it-IT"/>
           </a:p>
@@ -3349,7 +3376,7 @@
           <a:p>
             <a:fld id="{5EEC1FBE-7A50-402B-9218-00262FCB5F53}" type="datetimeFigureOut">
               <a:rPr lang="it-IT" smtClean="0"/>
-              <a:t>16/03/2022</a:t>
+              <a:t>18/03/2022</a:t>
             </a:fld>
             <a:endParaRPr lang="it-IT"/>
           </a:p>
@@ -3663,7 +3690,7 @@
           <a:p>
             <a:fld id="{5EEC1FBE-7A50-402B-9218-00262FCB5F53}" type="datetimeFigureOut">
               <a:rPr lang="it-IT" smtClean="0"/>
-              <a:t>16/03/2022</a:t>
+              <a:t>18/03/2022</a:t>
             </a:fld>
             <a:endParaRPr lang="it-IT"/>
           </a:p>
@@ -4056,7 +4083,7 @@
           <a:p>
             <a:fld id="{5EEC1FBE-7A50-402B-9218-00262FCB5F53}" type="datetimeFigureOut">
               <a:rPr lang="it-IT" smtClean="0"/>
-              <a:t>16/03/2022</a:t>
+              <a:t>18/03/2022</a:t>
             </a:fld>
             <a:endParaRPr lang="it-IT"/>
           </a:p>
@@ -4226,7 +4253,7 @@
           <a:p>
             <a:fld id="{5EEC1FBE-7A50-402B-9218-00262FCB5F53}" type="datetimeFigureOut">
               <a:rPr lang="it-IT" smtClean="0"/>
-              <a:t>16/03/2022</a:t>
+              <a:t>18/03/2022</a:t>
             </a:fld>
             <a:endParaRPr lang="it-IT"/>
           </a:p>
@@ -4406,7 +4433,7 @@
           <a:p>
             <a:fld id="{5EEC1FBE-7A50-402B-9218-00262FCB5F53}" type="datetimeFigureOut">
               <a:rPr lang="it-IT" smtClean="0"/>
-              <a:t>16/03/2022</a:t>
+              <a:t>18/03/2022</a:t>
             </a:fld>
             <a:endParaRPr lang="it-IT"/>
           </a:p>
@@ -4582,7 +4609,7 @@
           <a:p>
             <a:fld id="{5EEC1FBE-7A50-402B-9218-00262FCB5F53}" type="datetimeFigureOut">
               <a:rPr lang="it-IT" smtClean="0"/>
-              <a:t>16/03/2022</a:t>
+              <a:t>18/03/2022</a:t>
             </a:fld>
             <a:endParaRPr lang="it-IT"/>
           </a:p>
@@ -4829,7 +4856,7 @@
           <a:p>
             <a:fld id="{5EEC1FBE-7A50-402B-9218-00262FCB5F53}" type="datetimeFigureOut">
               <a:rPr lang="it-IT" smtClean="0"/>
-              <a:t>16/03/2022</a:t>
+              <a:t>18/03/2022</a:t>
             </a:fld>
             <a:endParaRPr lang="it-IT"/>
           </a:p>
@@ -5061,7 +5088,7 @@
           <a:p>
             <a:fld id="{5EEC1FBE-7A50-402B-9218-00262FCB5F53}" type="datetimeFigureOut">
               <a:rPr lang="it-IT" smtClean="0"/>
-              <a:t>16/03/2022</a:t>
+              <a:t>18/03/2022</a:t>
             </a:fld>
             <a:endParaRPr lang="it-IT"/>
           </a:p>
@@ -5435,7 +5462,7 @@
           <a:p>
             <a:fld id="{5EEC1FBE-7A50-402B-9218-00262FCB5F53}" type="datetimeFigureOut">
               <a:rPr lang="it-IT" smtClean="0"/>
-              <a:t>16/03/2022</a:t>
+              <a:t>18/03/2022</a:t>
             </a:fld>
             <a:endParaRPr lang="it-IT"/>
           </a:p>
@@ -5558,7 +5585,7 @@
           <a:p>
             <a:fld id="{5EEC1FBE-7A50-402B-9218-00262FCB5F53}" type="datetimeFigureOut">
               <a:rPr lang="it-IT" smtClean="0"/>
-              <a:t>16/03/2022</a:t>
+              <a:t>18/03/2022</a:t>
             </a:fld>
             <a:endParaRPr lang="it-IT"/>
           </a:p>
@@ -5653,7 +5680,7 @@
           <a:p>
             <a:fld id="{5EEC1FBE-7A50-402B-9218-00262FCB5F53}" type="datetimeFigureOut">
               <a:rPr lang="it-IT" smtClean="0"/>
-              <a:t>16/03/2022</a:t>
+              <a:t>18/03/2022</a:t>
             </a:fld>
             <a:endParaRPr lang="it-IT"/>
           </a:p>
@@ -5908,7 +5935,7 @@
           <a:p>
             <a:fld id="{5EEC1FBE-7A50-402B-9218-00262FCB5F53}" type="datetimeFigureOut">
               <a:rPr lang="it-IT" smtClean="0"/>
-              <a:t>16/03/2022</a:t>
+              <a:t>18/03/2022</a:t>
             </a:fld>
             <a:endParaRPr lang="it-IT"/>
           </a:p>
@@ -6171,7 +6198,7 @@
           <a:p>
             <a:fld id="{5EEC1FBE-7A50-402B-9218-00262FCB5F53}" type="datetimeFigureOut">
               <a:rPr lang="it-IT" smtClean="0"/>
-              <a:t>16/03/2022</a:t>
+              <a:t>18/03/2022</a:t>
             </a:fld>
             <a:endParaRPr lang="it-IT"/>
           </a:p>
@@ -6914,7 +6941,7 @@
           <a:p>
             <a:fld id="{5EEC1FBE-7A50-402B-9218-00262FCB5F53}" type="datetimeFigureOut">
               <a:rPr lang="it-IT" smtClean="0"/>
-              <a:t>16/03/2022</a:t>
+              <a:t>18/03/2022</a:t>
             </a:fld>
             <a:endParaRPr lang="it-IT"/>
           </a:p>
@@ -7805,676 +7832,6 @@
           <p:cNvPr id="2" name="Titolo 1">
             <a:extLst>
               <a:ext uri="{FF2B5EF4-FFF2-40B4-BE49-F238E27FC236}">
-                <a16:creationId xmlns:a16="http://schemas.microsoft.com/office/drawing/2014/main" id="{306E3E34-60AA-447B-AAF0-4A11CEF3540E}"/>
-              </a:ext>
-            </a:extLst>
-          </p:cNvPr>
-          <p:cNvSpPr>
-            <a:spLocks noGrp="1"/>
-          </p:cNvSpPr>
-          <p:nvPr>
-            <p:ph type="title"/>
-          </p:nvPr>
-        </p:nvSpPr>
-        <p:spPr>
-          <a:xfrm>
-            <a:off x="677334" y="609600"/>
-            <a:ext cx="8596668" cy="737937"/>
-          </a:xfrm>
-        </p:spPr>
-        <p:txBody>
-          <a:bodyPr/>
-          <a:lstStyle/>
-          <a:p>
-            <a:r>
-              <a:rPr lang="it-IT" dirty="0"/>
-              <a:t>Configurazione processo di elezione</a:t>
-            </a:r>
-          </a:p>
-        </p:txBody>
-      </p:sp>
-      <p:sp>
-        <p:nvSpPr>
-          <p:cNvPr id="4" name="CasellaDiTesto 3">
-            <a:extLst>
-              <a:ext uri="{FF2B5EF4-FFF2-40B4-BE49-F238E27FC236}">
-                <a16:creationId xmlns:a16="http://schemas.microsoft.com/office/drawing/2014/main" id="{0D9BDB9C-602C-438B-90EE-DFCBBDEDC5BF}"/>
-              </a:ext>
-            </a:extLst>
-          </p:cNvPr>
-          <p:cNvSpPr txBox="1"/>
-          <p:nvPr/>
-        </p:nvSpPr>
-        <p:spPr>
-          <a:xfrm>
-            <a:off x="5812263" y="1191127"/>
-            <a:ext cx="4764446" cy="5016758"/>
-          </a:xfrm>
-          <a:prstGeom prst="rect">
-            <a:avLst/>
-          </a:prstGeom>
-          <a:noFill/>
-        </p:spPr>
-        <p:txBody>
-          <a:bodyPr wrap="none" rtlCol="0">
-            <a:spAutoFit/>
-          </a:bodyPr>
-          <a:lstStyle/>
-          <a:p>
-            <a:r>
-              <a:rPr lang="it-IT" sz="2000" dirty="0"/>
-              <a:t> …</a:t>
-            </a:r>
-          </a:p>
-          <a:p>
-            <a:r>
-              <a:rPr lang="it-IT" sz="2000" dirty="0"/>
-              <a:t>  settings: </a:t>
-            </a:r>
-            <a:r>
-              <a:rPr lang="it-IT" sz="2000" dirty="0">
-                <a:solidFill>
-                  <a:schemeClr val="accent2"/>
-                </a:solidFill>
-              </a:rPr>
-              <a:t>{// settaggio per intero</a:t>
-            </a:r>
-          </a:p>
-          <a:p>
-            <a:r>
-              <a:rPr lang="it-IT" sz="2000" dirty="0">
-                <a:solidFill>
-                  <a:schemeClr val="accent2"/>
-                </a:solidFill>
-              </a:rPr>
-              <a:t>  replica set</a:t>
-            </a:r>
-          </a:p>
-          <a:p>
-            <a:r>
-              <a:rPr lang="it-IT" sz="2000" dirty="0"/>
-              <a:t>    </a:t>
-            </a:r>
-            <a:r>
-              <a:rPr lang="it-IT" sz="2000" dirty="0" err="1"/>
-              <a:t>chainingAllowed</a:t>
-            </a:r>
-            <a:r>
-              <a:rPr lang="it-IT" sz="2000" dirty="0"/>
-              <a:t> : &lt;</a:t>
-            </a:r>
-            <a:r>
-              <a:rPr lang="it-IT" sz="2000" dirty="0" err="1"/>
-              <a:t>boolean</a:t>
-            </a:r>
-            <a:r>
-              <a:rPr lang="it-IT" sz="2000" dirty="0"/>
-              <a:t>&gt;,</a:t>
-            </a:r>
-          </a:p>
-          <a:p>
-            <a:r>
-              <a:rPr lang="it-IT" sz="2000" dirty="0"/>
-              <a:t>    </a:t>
-            </a:r>
-            <a:r>
-              <a:rPr lang="it-IT" sz="2000" dirty="0" err="1"/>
-              <a:t>heartbeatIntervalMillis</a:t>
-            </a:r>
-            <a:r>
-              <a:rPr lang="it-IT" sz="2000" dirty="0"/>
-              <a:t> : &lt;</a:t>
-            </a:r>
-            <a:r>
-              <a:rPr lang="it-IT" sz="2000" dirty="0" err="1"/>
-              <a:t>int</a:t>
-            </a:r>
-            <a:r>
-              <a:rPr lang="it-IT" sz="2000" dirty="0"/>
-              <a:t>&gt;,</a:t>
-            </a:r>
-          </a:p>
-          <a:p>
-            <a:r>
-              <a:rPr lang="it-IT" sz="2000" dirty="0"/>
-              <a:t>    </a:t>
-            </a:r>
-            <a:r>
-              <a:rPr lang="it-IT" sz="2000" dirty="0" err="1"/>
-              <a:t>heartbeatTimeoutSecs</a:t>
-            </a:r>
-            <a:r>
-              <a:rPr lang="it-IT" sz="2000" dirty="0"/>
-              <a:t>: &lt;</a:t>
-            </a:r>
-            <a:r>
-              <a:rPr lang="it-IT" sz="2000" dirty="0" err="1"/>
-              <a:t>int</a:t>
-            </a:r>
-            <a:r>
-              <a:rPr lang="it-IT" sz="2000" dirty="0"/>
-              <a:t>&gt;,</a:t>
-            </a:r>
-          </a:p>
-          <a:p>
-            <a:r>
-              <a:rPr lang="it-IT" sz="2000" dirty="0"/>
-              <a:t>    </a:t>
-            </a:r>
-            <a:r>
-              <a:rPr lang="it-IT" sz="2000" dirty="0">
-                <a:solidFill>
-                  <a:schemeClr val="accent2"/>
-                </a:solidFill>
-              </a:rPr>
-              <a:t>// quanti secondi posso aspettare </a:t>
-            </a:r>
-          </a:p>
-          <a:p>
-            <a:r>
-              <a:rPr lang="it-IT" sz="2000" dirty="0">
-                <a:solidFill>
-                  <a:schemeClr val="accent2"/>
-                </a:solidFill>
-              </a:rPr>
-              <a:t>    per avere un messaggio </a:t>
-            </a:r>
-            <a:r>
-              <a:rPr lang="it-IT" sz="2000" dirty="0" err="1">
-                <a:solidFill>
-                  <a:schemeClr val="accent2"/>
-                </a:solidFill>
-              </a:rPr>
-              <a:t>heartbeat</a:t>
-            </a:r>
-            <a:r>
-              <a:rPr lang="it-IT" sz="2000" dirty="0">
-                <a:solidFill>
-                  <a:schemeClr val="accent2"/>
-                </a:solidFill>
-              </a:rPr>
-              <a:t> di </a:t>
-            </a:r>
-          </a:p>
-          <a:p>
-            <a:r>
-              <a:rPr lang="it-IT" sz="2000" dirty="0">
-                <a:solidFill>
-                  <a:schemeClr val="accent2"/>
-                </a:solidFill>
-              </a:rPr>
-              <a:t>    successo, default=10s</a:t>
-            </a:r>
-          </a:p>
-          <a:p>
-            <a:r>
-              <a:rPr lang="it-IT" sz="2000" dirty="0"/>
-              <a:t>    </a:t>
-            </a:r>
-            <a:r>
-              <a:rPr lang="it-IT" sz="2000" dirty="0" err="1"/>
-              <a:t>electionTimeoutMillis</a:t>
-            </a:r>
-            <a:r>
-              <a:rPr lang="it-IT" sz="2000" dirty="0"/>
-              <a:t> : &lt;</a:t>
-            </a:r>
-            <a:r>
-              <a:rPr lang="it-IT" sz="2000" dirty="0" err="1"/>
-              <a:t>int</a:t>
-            </a:r>
-            <a:r>
-              <a:rPr lang="it-IT" sz="2000" dirty="0"/>
-              <a:t>&gt;, </a:t>
-            </a:r>
-          </a:p>
-          <a:p>
-            <a:r>
-              <a:rPr lang="it-IT" sz="2000" dirty="0"/>
-              <a:t>    </a:t>
-            </a:r>
-            <a:r>
-              <a:rPr lang="it-IT" sz="2000" dirty="0">
-                <a:solidFill>
-                  <a:schemeClr val="accent2"/>
-                </a:solidFill>
-              </a:rPr>
-              <a:t>//identifica quando il </a:t>
-            </a:r>
-            <a:r>
-              <a:rPr lang="it-IT" sz="2000" dirty="0" err="1">
-                <a:solidFill>
-                  <a:schemeClr val="accent2"/>
-                </a:solidFill>
-              </a:rPr>
-              <a:t>primary</a:t>
-            </a:r>
-            <a:r>
-              <a:rPr lang="it-IT" sz="2000" dirty="0">
-                <a:solidFill>
-                  <a:schemeClr val="accent2"/>
-                </a:solidFill>
-              </a:rPr>
-              <a:t> </a:t>
-            </a:r>
-            <a:r>
-              <a:rPr lang="it-IT" sz="2000" dirty="0" err="1">
-                <a:solidFill>
-                  <a:schemeClr val="accent2"/>
-                </a:solidFill>
-              </a:rPr>
-              <a:t>node</a:t>
-            </a:r>
-            <a:r>
-              <a:rPr lang="it-IT" sz="2000" dirty="0">
-                <a:solidFill>
-                  <a:schemeClr val="accent2"/>
-                </a:solidFill>
-              </a:rPr>
-              <a:t> </a:t>
-            </a:r>
-          </a:p>
-          <a:p>
-            <a:r>
-              <a:rPr lang="it-IT" sz="2000" dirty="0">
-                <a:solidFill>
-                  <a:schemeClr val="accent2"/>
-                </a:solidFill>
-              </a:rPr>
-              <a:t>    è irraggiungibile</a:t>
-            </a:r>
-          </a:p>
-          <a:p>
-            <a:r>
-              <a:rPr lang="it-IT" sz="2000" dirty="0"/>
-              <a:t>    </a:t>
-            </a:r>
-            <a:r>
-              <a:rPr lang="it-IT" sz="2000" dirty="0" err="1"/>
-              <a:t>catchUpTimeoutMillis</a:t>
-            </a:r>
-            <a:r>
-              <a:rPr lang="it-IT" sz="2000" dirty="0"/>
-              <a:t> : &lt;</a:t>
-            </a:r>
-            <a:r>
-              <a:rPr lang="it-IT" sz="2000" dirty="0" err="1"/>
-              <a:t>int</a:t>
-            </a:r>
-            <a:r>
-              <a:rPr lang="it-IT" sz="2000" dirty="0"/>
-              <a:t>&gt;,</a:t>
-            </a:r>
-          </a:p>
-          <a:p>
-            <a:r>
-              <a:rPr lang="it-IT" sz="2000" dirty="0"/>
-              <a:t>    </a:t>
-            </a:r>
-            <a:r>
-              <a:rPr lang="it-IT" sz="2000" dirty="0" err="1"/>
-              <a:t>replicaSetId</a:t>
-            </a:r>
-            <a:r>
-              <a:rPr lang="it-IT" sz="2000" dirty="0"/>
-              <a:t>: &lt;</a:t>
-            </a:r>
-            <a:r>
-              <a:rPr lang="it-IT" sz="2000" dirty="0" err="1"/>
-              <a:t>ObjectId</a:t>
-            </a:r>
-            <a:r>
-              <a:rPr lang="it-IT" sz="2000" dirty="0"/>
-              <a:t>&gt;</a:t>
-            </a:r>
-          </a:p>
-          <a:p>
-            <a:r>
-              <a:rPr lang="it-IT" sz="2000" dirty="0"/>
-              <a:t>  }</a:t>
-            </a:r>
-          </a:p>
-          <a:p>
-            <a:r>
-              <a:rPr lang="it-IT" sz="2000" dirty="0"/>
-              <a:t>…</a:t>
-            </a:r>
-          </a:p>
-        </p:txBody>
-      </p:sp>
-      <p:sp>
-        <p:nvSpPr>
-          <p:cNvPr id="5" name="CasellaDiTesto 4">
-            <a:extLst>
-              <a:ext uri="{FF2B5EF4-FFF2-40B4-BE49-F238E27FC236}">
-                <a16:creationId xmlns:a16="http://schemas.microsoft.com/office/drawing/2014/main" id="{D7CF947C-2DE5-44F5-BFBA-033183D7C32E}"/>
-              </a:ext>
-            </a:extLst>
-          </p:cNvPr>
-          <p:cNvSpPr txBox="1"/>
-          <p:nvPr/>
-        </p:nvSpPr>
-        <p:spPr>
-          <a:xfrm>
-            <a:off x="245447" y="1191127"/>
-            <a:ext cx="4807816" cy="5909310"/>
-          </a:xfrm>
-          <a:prstGeom prst="rect">
-            <a:avLst/>
-          </a:prstGeom>
-          <a:noFill/>
-        </p:spPr>
-        <p:txBody>
-          <a:bodyPr wrap="square" rtlCol="0">
-            <a:spAutoFit/>
-          </a:bodyPr>
-          <a:lstStyle/>
-          <a:p>
-            <a:r>
-              <a:rPr lang="it-IT" sz="2000" dirty="0"/>
-              <a:t>…</a:t>
-            </a:r>
-          </a:p>
-          <a:p>
-            <a:r>
-              <a:rPr lang="it-IT" sz="2000" dirty="0" err="1"/>
-              <a:t>members</a:t>
-            </a:r>
-            <a:r>
-              <a:rPr lang="it-IT" sz="2000" dirty="0"/>
-              <a:t>: [ </a:t>
-            </a:r>
-            <a:r>
-              <a:rPr lang="it-IT" sz="2000" dirty="0">
-                <a:solidFill>
-                  <a:schemeClr val="accent2"/>
-                </a:solidFill>
-              </a:rPr>
-              <a:t>//array per ogni membro</a:t>
-            </a:r>
-          </a:p>
-          <a:p>
-            <a:r>
-              <a:rPr lang="it-IT" sz="2000" dirty="0"/>
-              <a:t>    {</a:t>
-            </a:r>
-          </a:p>
-          <a:p>
-            <a:r>
-              <a:rPr lang="it-IT" sz="2000" dirty="0"/>
-              <a:t>      _id: &lt;</a:t>
-            </a:r>
-            <a:r>
-              <a:rPr lang="it-IT" sz="2000" dirty="0" err="1"/>
-              <a:t>int</a:t>
-            </a:r>
-            <a:r>
-              <a:rPr lang="it-IT" sz="2000" dirty="0"/>
-              <a:t>&gt;, </a:t>
-            </a:r>
-            <a:r>
-              <a:rPr lang="it-IT" sz="2000" dirty="0">
-                <a:solidFill>
-                  <a:schemeClr val="accent2"/>
-                </a:solidFill>
-              </a:rPr>
-              <a:t>//Identifica membro</a:t>
-            </a:r>
-          </a:p>
-          <a:p>
-            <a:r>
-              <a:rPr lang="it-IT" sz="2000" dirty="0"/>
-              <a:t>      </a:t>
-            </a:r>
-            <a:r>
-              <a:rPr lang="it-IT" sz="2000" dirty="0" err="1"/>
-              <a:t>host</a:t>
-            </a:r>
-            <a:r>
-              <a:rPr lang="it-IT" sz="2000" dirty="0"/>
-              <a:t>: &lt;</a:t>
-            </a:r>
-            <a:r>
-              <a:rPr lang="it-IT" sz="2000" dirty="0" err="1"/>
-              <a:t>string</a:t>
-            </a:r>
-            <a:r>
-              <a:rPr lang="it-IT" sz="2000" dirty="0"/>
-              <a:t>&gt;, </a:t>
-            </a:r>
-            <a:r>
-              <a:rPr lang="it-IT" sz="2000" dirty="0">
-                <a:solidFill>
-                  <a:schemeClr val="accent2"/>
-                </a:solidFill>
-              </a:rPr>
-              <a:t>// nome </a:t>
-            </a:r>
-            <a:r>
-              <a:rPr lang="it-IT" sz="2000" dirty="0" err="1">
-                <a:solidFill>
-                  <a:schemeClr val="accent2"/>
-                </a:solidFill>
-              </a:rPr>
-              <a:t>host</a:t>
-            </a:r>
-            <a:r>
-              <a:rPr lang="it-IT" sz="2000" dirty="0">
-                <a:solidFill>
-                  <a:schemeClr val="accent2"/>
-                </a:solidFill>
-              </a:rPr>
-              <a:t> e porta</a:t>
-            </a:r>
-          </a:p>
-          <a:p>
-            <a:r>
-              <a:rPr lang="it-IT" sz="2000" dirty="0"/>
-              <a:t>      </a:t>
-            </a:r>
-            <a:r>
-              <a:rPr lang="it-IT" sz="2000" dirty="0" err="1"/>
-              <a:t>arbiterOnly</a:t>
-            </a:r>
-            <a:r>
-              <a:rPr lang="it-IT" sz="2000" dirty="0"/>
-              <a:t>: &lt;</a:t>
-            </a:r>
-            <a:r>
-              <a:rPr lang="it-IT" sz="2000" dirty="0" err="1"/>
-              <a:t>boolean</a:t>
-            </a:r>
-            <a:r>
-              <a:rPr lang="it-IT" sz="2000" dirty="0"/>
-              <a:t>&gt;,</a:t>
-            </a:r>
-          </a:p>
-          <a:p>
-            <a:r>
-              <a:rPr lang="it-IT" sz="2000" dirty="0"/>
-              <a:t>      </a:t>
-            </a:r>
-            <a:r>
-              <a:rPr lang="it-IT" sz="2000" dirty="0" err="1"/>
-              <a:t>buildIndexes</a:t>
-            </a:r>
-            <a:r>
-              <a:rPr lang="it-IT" sz="2000" dirty="0"/>
-              <a:t>: &lt;</a:t>
-            </a:r>
-            <a:r>
-              <a:rPr lang="it-IT" sz="2000" dirty="0" err="1"/>
-              <a:t>boolean</a:t>
-            </a:r>
-            <a:r>
-              <a:rPr lang="it-IT" sz="2000" dirty="0"/>
-              <a:t>&gt;,</a:t>
-            </a:r>
-          </a:p>
-          <a:p>
-            <a:r>
-              <a:rPr lang="it-IT" sz="2000" dirty="0"/>
-              <a:t>      </a:t>
-            </a:r>
-            <a:r>
-              <a:rPr lang="it-IT" sz="2000" dirty="0" err="1"/>
-              <a:t>hidden</a:t>
-            </a:r>
-            <a:r>
-              <a:rPr lang="it-IT" sz="2000" dirty="0"/>
-              <a:t>: &lt;</a:t>
-            </a:r>
-            <a:r>
-              <a:rPr lang="it-IT" sz="2000" dirty="0" err="1"/>
-              <a:t>boolean</a:t>
-            </a:r>
-            <a:r>
-              <a:rPr lang="it-IT" sz="2000" dirty="0"/>
-              <a:t>&gt;,</a:t>
-            </a:r>
-          </a:p>
-          <a:p>
-            <a:r>
-              <a:rPr lang="it-IT" sz="2000" dirty="0"/>
-              <a:t>      </a:t>
-            </a:r>
-            <a:r>
-              <a:rPr lang="it-IT" sz="2000" dirty="0" err="1"/>
-              <a:t>priority</a:t>
-            </a:r>
-            <a:r>
-              <a:rPr lang="it-IT" sz="2000" dirty="0"/>
-              <a:t>: &lt;</a:t>
-            </a:r>
-            <a:r>
-              <a:rPr lang="it-IT" sz="2000" dirty="0" err="1"/>
-              <a:t>number</a:t>
-            </a:r>
-            <a:r>
-              <a:rPr lang="it-IT" sz="2000" dirty="0"/>
-              <a:t>&gt; </a:t>
-            </a:r>
-            <a:r>
-              <a:rPr lang="it-IT" sz="2000" dirty="0">
-                <a:solidFill>
-                  <a:schemeClr val="accent2"/>
-                </a:solidFill>
-              </a:rPr>
-              <a:t>// Un numero 	che indica l'idoneità relativa di un 	membro a diventare primario.(0-	1000)</a:t>
-            </a:r>
-          </a:p>
-          <a:p>
-            <a:r>
-              <a:rPr lang="it-IT" sz="2000" dirty="0"/>
-              <a:t>      tags: &lt;</a:t>
-            </a:r>
-            <a:r>
-              <a:rPr lang="it-IT" sz="2000" dirty="0" err="1"/>
-              <a:t>document</a:t>
-            </a:r>
-            <a:r>
-              <a:rPr lang="it-IT" sz="2000" dirty="0"/>
-              <a:t>&gt;,</a:t>
-            </a:r>
-          </a:p>
-          <a:p>
-            <a:r>
-              <a:rPr lang="it-IT" sz="2000" dirty="0"/>
-              <a:t>      </a:t>
-            </a:r>
-            <a:r>
-              <a:rPr lang="it-IT" sz="2000" dirty="0" err="1"/>
-              <a:t>secondaryDelaySecs</a:t>
-            </a:r>
-            <a:r>
-              <a:rPr lang="it-IT" sz="2000" dirty="0"/>
-              <a:t>: &lt;</a:t>
-            </a:r>
-            <a:r>
-              <a:rPr lang="it-IT" sz="2000" dirty="0" err="1"/>
-              <a:t>int</a:t>
-            </a:r>
-            <a:r>
-              <a:rPr lang="it-IT" sz="2000" dirty="0"/>
-              <a:t>&gt;,</a:t>
-            </a:r>
-          </a:p>
-          <a:p>
-            <a:r>
-              <a:rPr lang="it-IT" sz="2000" dirty="0"/>
-              <a:t>      </a:t>
-            </a:r>
-            <a:r>
-              <a:rPr lang="it-IT" sz="2000" dirty="0" err="1"/>
-              <a:t>votes</a:t>
-            </a:r>
-            <a:r>
-              <a:rPr lang="it-IT" sz="2000" dirty="0"/>
-              <a:t>: &lt;</a:t>
-            </a:r>
-            <a:r>
-              <a:rPr lang="it-IT" sz="2000" dirty="0" err="1"/>
-              <a:t>number</a:t>
-            </a:r>
-            <a:r>
-              <a:rPr lang="it-IT" sz="2000" dirty="0">
-                <a:solidFill>
-                  <a:schemeClr val="accent2"/>
-                </a:solidFill>
-              </a:rPr>
-              <a:t>&gt;// Il numero di voti 	che un server esprimerà in 	un'elezione (0-1) </a:t>
-            </a:r>
-            <a:r>
-              <a:rPr lang="it-IT" sz="2000" dirty="0"/>
-              <a:t>},</a:t>
-            </a:r>
-          </a:p>
-          <a:p>
-            <a:r>
-              <a:rPr lang="it-IT" sz="2000" dirty="0"/>
-              <a:t>    ...</a:t>
-            </a:r>
-          </a:p>
-          <a:p>
-            <a:endParaRPr lang="it-IT" dirty="0"/>
-          </a:p>
-        </p:txBody>
-      </p:sp>
-    </p:spTree>
-    <p:extLst>
-      <p:ext uri="{BB962C8B-B14F-4D97-AF65-F5344CB8AC3E}">
-        <p14:creationId xmlns:p14="http://schemas.microsoft.com/office/powerpoint/2010/main" val="2529083846"/>
-      </p:ext>
-    </p:extLst>
-  </p:cSld>
-  <p:clrMapOvr>
-    <a:masterClrMapping/>
-  </p:clrMapOvr>
-</p:sld>
-</file>
-
-<file path=ppt/slides/slide11.xml><?xml version="1.0" encoding="utf-8"?>
-<p:sld xmlns:a="http://schemas.openxmlformats.org/drawingml/2006/main" xmlns:r="http://schemas.openxmlformats.org/officeDocument/2006/relationships" xmlns:p="http://schemas.openxmlformats.org/presentationml/2006/main">
-  <p:cSld>
-    <p:spTree>
-      <p:nvGrpSpPr>
-        <p:cNvPr id="1" name=""/>
-        <p:cNvGrpSpPr/>
-        <p:nvPr/>
-      </p:nvGrpSpPr>
-      <p:grpSpPr>
-        <a:xfrm>
-          <a:off x="0" y="0"/>
-          <a:ext cx="0" cy="0"/>
-          <a:chOff x="0" y="0"/>
-          <a:chExt cx="0" cy="0"/>
-        </a:xfrm>
-      </p:grpSpPr>
-      <p:sp>
-        <p:nvSpPr>
-          <p:cNvPr id="2" name="Titolo 1">
-            <a:extLst>
-              <a:ext uri="{FF2B5EF4-FFF2-40B4-BE49-F238E27FC236}">
                 <a16:creationId xmlns:a16="http://schemas.microsoft.com/office/drawing/2014/main" id="{F244B3B0-61DC-4CFD-A0B4-267EB08F29D1}"/>
               </a:ext>
             </a:extLst>
@@ -8765,23 +8122,7 @@
             </a:r>
             <a:r>
               <a:rPr lang="it-IT" dirty="0"/>
-              <a:t> dal primario ed effettuano i cambiamenti. La </a:t>
-            </a:r>
-            <a:r>
-              <a:rPr lang="it-IT" dirty="0" err="1"/>
-              <a:t>relica</a:t>
-            </a:r>
-            <a:r>
-              <a:rPr lang="it-IT" dirty="0"/>
-              <a:t> </a:t>
-            </a:r>
-            <a:r>
-              <a:rPr lang="it-IT" dirty="0" err="1"/>
-              <a:t>avviena</a:t>
-            </a:r>
-            <a:r>
-              <a:rPr lang="it-IT" dirty="0"/>
-              <a:t> in maniera asincrona.</a:t>
+              <a:t> dal primario ed effettuano i cambiamenti. La replica avviene in maniera asincrona.</a:t>
             </a:r>
           </a:p>
         </p:txBody>
@@ -9012,7 +8353,7 @@
 </p:sld>
 </file>
 
-<file path=ppt/slides/slide12.xml><?xml version="1.0" encoding="utf-8"?>
+<file path=ppt/slides/slide11.xml><?xml version="1.0" encoding="utf-8"?>
 <p:sld xmlns:a="http://schemas.openxmlformats.org/drawingml/2006/main" xmlns:r="http://schemas.openxmlformats.org/officeDocument/2006/relationships" xmlns:p="http://schemas.openxmlformats.org/presentationml/2006/main">
   <p:cSld>
     <p:spTree>
@@ -9226,7 +8567,7 @@
 </p:sld>
 </file>
 
-<file path=ppt/slides/slide13.xml><?xml version="1.0" encoding="utf-8"?>
+<file path=ppt/slides/slide12.xml><?xml version="1.0" encoding="utf-8"?>
 <p:sld xmlns:a="http://schemas.openxmlformats.org/drawingml/2006/main" xmlns:r="http://schemas.openxmlformats.org/officeDocument/2006/relationships" xmlns:p="http://schemas.openxmlformats.org/presentationml/2006/main">
   <p:cSld>
     <p:spTree>
@@ -9364,7 +8705,7 @@
 </p:sld>
 </file>
 
-<file path=ppt/slides/slide14.xml><?xml version="1.0" encoding="utf-8"?>
+<file path=ppt/slides/slide13.xml><?xml version="1.0" encoding="utf-8"?>
 <p:sld xmlns:a="http://schemas.openxmlformats.org/drawingml/2006/main" xmlns:r="http://schemas.openxmlformats.org/officeDocument/2006/relationships" xmlns:p="http://schemas.openxmlformats.org/presentationml/2006/main">
   <p:cSld>
     <p:spTree>
@@ -9703,7 +9044,7 @@
 </p:sld>
 </file>
 
-<file path=ppt/slides/slide15.xml><?xml version="1.0" encoding="utf-8"?>
+<file path=ppt/slides/slide14.xml><?xml version="1.0" encoding="utf-8"?>
 <p:sld xmlns:a="http://schemas.openxmlformats.org/drawingml/2006/main" xmlns:r="http://schemas.openxmlformats.org/officeDocument/2006/relationships" xmlns:p="http://schemas.openxmlformats.org/presentationml/2006/main">
   <p:cSld>
     <p:spTree>
@@ -9804,7 +9145,7 @@
 </p:sld>
 </file>
 
-<file path=ppt/slides/slide16.xml><?xml version="1.0" encoding="utf-8"?>
+<file path=ppt/slides/slide15.xml><?xml version="1.0" encoding="utf-8"?>
 <p:sld xmlns:a="http://schemas.openxmlformats.org/drawingml/2006/main" xmlns:r="http://schemas.openxmlformats.org/officeDocument/2006/relationships" xmlns:p="http://schemas.openxmlformats.org/presentationml/2006/main">
   <p:cSld>
     <p:spTree>
@@ -9900,6 +9241,297 @@
 </p:sld>
 </file>
 
+<file path=ppt/slides/slide16.xml><?xml version="1.0" encoding="utf-8"?>
+<p:sld xmlns:a="http://schemas.openxmlformats.org/drawingml/2006/main" xmlns:r="http://schemas.openxmlformats.org/officeDocument/2006/relationships" xmlns:p="http://schemas.openxmlformats.org/presentationml/2006/main">
+  <p:cSld>
+    <p:spTree>
+      <p:nvGrpSpPr>
+        <p:cNvPr id="1" name=""/>
+        <p:cNvGrpSpPr/>
+        <p:nvPr/>
+      </p:nvGrpSpPr>
+      <p:grpSpPr>
+        <a:xfrm>
+          <a:off x="0" y="0"/>
+          <a:ext cx="0" cy="0"/>
+          <a:chOff x="0" y="0"/>
+          <a:chExt cx="0" cy="0"/>
+        </a:xfrm>
+      </p:grpSpPr>
+      <p:graphicFrame>
+        <p:nvGraphicFramePr>
+          <p:cNvPr id="5" name="Tabella 5">
+            <a:extLst>
+              <a:ext uri="{FF2B5EF4-FFF2-40B4-BE49-F238E27FC236}">
+                <a16:creationId xmlns:a16="http://schemas.microsoft.com/office/drawing/2014/main" id="{A7AD5D19-47E1-43A3-BAA1-192BDA0EBBB1}"/>
+              </a:ext>
+            </a:extLst>
+          </p:cNvPr>
+          <p:cNvGraphicFramePr>
+            <a:graphicFrameLocks noGrp="1"/>
+          </p:cNvGraphicFramePr>
+          <p:nvPr>
+            <p:extLst>
+              <p:ext uri="{D42A27DB-BD31-4B8C-83A1-F6EECF244321}">
+                <p14:modId xmlns:p14="http://schemas.microsoft.com/office/powerpoint/2010/main" val="3778607298"/>
+              </p:ext>
+            </p:extLst>
+          </p:nvPr>
+        </p:nvGraphicFramePr>
+        <p:xfrm>
+          <a:off x="641683" y="719665"/>
+          <a:ext cx="8875296" cy="5246109"/>
+        </p:xfrm>
+        <a:graphic>
+          <a:graphicData uri="http://schemas.openxmlformats.org/drawingml/2006/table">
+            <a:tbl>
+              <a:tblPr firstRow="1" bandRow="1">
+                <a:tableStyleId>{5C22544A-7EE6-4342-B048-85BDC9FD1C3A}</a:tableStyleId>
+              </a:tblPr>
+              <a:tblGrid>
+                <a:gridCol w="4437648">
+                  <a:extLst>
+                    <a:ext uri="{9D8B030D-6E8A-4147-A177-3AD203B41FA5}">
+                      <a16:colId xmlns:a16="http://schemas.microsoft.com/office/drawing/2014/main" val="4064643162"/>
+                    </a:ext>
+                  </a:extLst>
+                </a:gridCol>
+                <a:gridCol w="4437648">
+                  <a:extLst>
+                    <a:ext uri="{9D8B030D-6E8A-4147-A177-3AD203B41FA5}">
+                      <a16:colId xmlns:a16="http://schemas.microsoft.com/office/drawing/2014/main" val="1290418245"/>
+                    </a:ext>
+                  </a:extLst>
+                </a:gridCol>
+              </a:tblGrid>
+              <a:tr h="834303">
+                <a:tc>
+                  <a:txBody>
+                    <a:bodyPr/>
+                    <a:lstStyle/>
+                    <a:p>
+                      <a:r>
+                        <a:rPr lang="it-IT" dirty="0"/>
+                        <a:t>Parametro</a:t>
+                      </a:r>
+                    </a:p>
+                  </a:txBody>
+                  <a:tcPr/>
+                </a:tc>
+                <a:tc>
+                  <a:txBody>
+                    <a:bodyPr/>
+                    <a:lstStyle/>
+                    <a:p>
+                      <a:r>
+                        <a:rPr lang="it-IT" dirty="0"/>
+                        <a:t>Descrizione</a:t>
+                      </a:r>
+                    </a:p>
+                  </a:txBody>
+                  <a:tcPr/>
+                </a:tc>
+                <a:extLst>
+                  <a:ext uri="{0D108BD9-81ED-4DB2-BD59-A6C34878D82A}">
+                    <a16:rowId xmlns:a16="http://schemas.microsoft.com/office/drawing/2014/main" val="3403489867"/>
+                  </a:ext>
+                </a:extLst>
+              </a:tr>
+              <a:tr h="866903">
+                <a:tc>
+                  <a:txBody>
+                    <a:bodyPr/>
+                    <a:lstStyle/>
+                    <a:p>
+                      <a:r>
+                        <a:rPr lang="it-IT" dirty="0" err="1"/>
+                        <a:t>PrimaryPreferred</a:t>
+                      </a:r>
+                      <a:endParaRPr lang="it-IT" dirty="0"/>
+                    </a:p>
+                  </a:txBody>
+                  <a:tcPr/>
+                </a:tc>
+                <a:tc>
+                  <a:txBody>
+                    <a:bodyPr/>
+                    <a:lstStyle/>
+                    <a:p>
+                      <a:r>
+                        <a:rPr lang="it-IT" dirty="0"/>
+                        <a:t>Nella maggior parte delle situazioni legge dal primario, ma non è raggiungibile legge al secondo.</a:t>
+                      </a:r>
+                    </a:p>
+                  </a:txBody>
+                  <a:tcPr/>
+                </a:tc>
+                <a:extLst>
+                  <a:ext uri="{0D108BD9-81ED-4DB2-BD59-A6C34878D82A}">
+                    <a16:rowId xmlns:a16="http://schemas.microsoft.com/office/drawing/2014/main" val="1840548417"/>
+                  </a:ext>
+                </a:extLst>
+              </a:tr>
+              <a:tr h="834303">
+                <a:tc>
+                  <a:txBody>
+                    <a:bodyPr/>
+                    <a:lstStyle/>
+                    <a:p>
+                      <a:r>
+                        <a:rPr lang="it-IT" dirty="0" err="1"/>
+                        <a:t>Secondary</a:t>
+                      </a:r>
+                      <a:endParaRPr lang="it-IT" dirty="0"/>
+                    </a:p>
+                  </a:txBody>
+                  <a:tcPr/>
+                </a:tc>
+                <a:tc>
+                  <a:txBody>
+                    <a:bodyPr/>
+                    <a:lstStyle/>
+                    <a:p>
+                      <a:r>
+                        <a:rPr lang="it-IT" dirty="0"/>
+                        <a:t>Tutte le operazioni di lettura vanno ai membri secondari del replica set.</a:t>
+                      </a:r>
+                    </a:p>
+                  </a:txBody>
+                  <a:tcPr/>
+                </a:tc>
+                <a:extLst>
+                  <a:ext uri="{0D108BD9-81ED-4DB2-BD59-A6C34878D82A}">
+                    <a16:rowId xmlns:a16="http://schemas.microsoft.com/office/drawing/2014/main" val="1700543559"/>
+                  </a:ext>
+                </a:extLst>
+              </a:tr>
+              <a:tr h="866903">
+                <a:tc>
+                  <a:txBody>
+                    <a:bodyPr/>
+                    <a:lstStyle/>
+                    <a:p>
+                      <a:r>
+                        <a:rPr lang="it-IT" dirty="0" err="1"/>
+                        <a:t>SecondaryPreferred</a:t>
+                      </a:r>
+                      <a:endParaRPr lang="it-IT" dirty="0"/>
+                    </a:p>
+                  </a:txBody>
+                  <a:tcPr/>
+                </a:tc>
+                <a:tc>
+                  <a:txBody>
+                    <a:bodyPr/>
+                    <a:lstStyle/>
+                    <a:p>
+                      <a:r>
+                        <a:rPr lang="it-IT" dirty="0"/>
+                        <a:t>Nella maggior parte delle situazioni legge dai membri secondari, ma se non sono raggiungibili legge dal primario.</a:t>
+                      </a:r>
+                    </a:p>
+                  </a:txBody>
+                  <a:tcPr/>
+                </a:tc>
+                <a:extLst>
+                  <a:ext uri="{0D108BD9-81ED-4DB2-BD59-A6C34878D82A}">
+                    <a16:rowId xmlns:a16="http://schemas.microsoft.com/office/drawing/2014/main" val="3480365757"/>
+                  </a:ext>
+                </a:extLst>
+              </a:tr>
+              <a:tr h="866903">
+                <a:tc>
+                  <a:txBody>
+                    <a:bodyPr/>
+                    <a:lstStyle/>
+                    <a:p>
+                      <a:r>
+                        <a:rPr lang="it-IT" dirty="0" err="1"/>
+                        <a:t>Nearest</a:t>
+                      </a:r>
+                      <a:endParaRPr lang="it-IT" dirty="0"/>
+                    </a:p>
+                  </a:txBody>
+                  <a:tcPr/>
+                </a:tc>
+                <a:tc>
+                  <a:txBody>
+                    <a:bodyPr/>
+                    <a:lstStyle/>
+                    <a:p>
+                      <a:r>
+                        <a:rPr lang="it-IT" dirty="0"/>
+                        <a:t>L’operazione di lettura viene assegnata ad un membro del replica set in base ad un specifico </a:t>
+                      </a:r>
+                      <a:r>
+                        <a:rPr lang="it-IT" dirty="0" err="1"/>
+                        <a:t>threshold</a:t>
+                      </a:r>
+                      <a:r>
+                        <a:rPr lang="it-IT" dirty="0"/>
+                        <a:t> di latenza.</a:t>
+                      </a:r>
+                    </a:p>
+                  </a:txBody>
+                  <a:tcPr/>
+                </a:tc>
+                <a:extLst>
+                  <a:ext uri="{0D108BD9-81ED-4DB2-BD59-A6C34878D82A}">
+                    <a16:rowId xmlns:a16="http://schemas.microsoft.com/office/drawing/2014/main" val="2752792633"/>
+                  </a:ext>
+                </a:extLst>
+              </a:tr>
+              <a:tr h="834303">
+                <a:tc>
+                  <a:txBody>
+                    <a:bodyPr/>
+                    <a:lstStyle/>
+                    <a:p>
+                      <a:r>
+                        <a:rPr lang="it-IT" dirty="0" err="1"/>
+                        <a:t>Primary</a:t>
+                      </a:r>
+                      <a:endParaRPr lang="it-IT" dirty="0"/>
+                    </a:p>
+                  </a:txBody>
+                  <a:tcPr/>
+                </a:tc>
+                <a:tc>
+                  <a:txBody>
+                    <a:bodyPr/>
+                    <a:lstStyle/>
+                    <a:p>
+                      <a:r>
+                        <a:rPr lang="it-IT" dirty="0"/>
+                        <a:t>Default mode. Tutte le operazioni di lettura vanno al primario.</a:t>
+                      </a:r>
+                    </a:p>
+                  </a:txBody>
+                  <a:tcPr/>
+                </a:tc>
+                <a:extLst>
+                  <a:ext uri="{0D108BD9-81ED-4DB2-BD59-A6C34878D82A}">
+                    <a16:rowId xmlns:a16="http://schemas.microsoft.com/office/drawing/2014/main" val="3735603622"/>
+                  </a:ext>
+                </a:extLst>
+              </a:tr>
+            </a:tbl>
+          </a:graphicData>
+        </a:graphic>
+      </p:graphicFrame>
+    </p:spTree>
+    <p:extLst>
+      <p:ext uri="{BB962C8B-B14F-4D97-AF65-F5344CB8AC3E}">
+        <p14:creationId xmlns:p14="http://schemas.microsoft.com/office/powerpoint/2010/main" val="1184498167"/>
+      </p:ext>
+    </p:extLst>
+  </p:cSld>
+  <p:clrMapOvr>
+    <a:masterClrMapping/>
+  </p:clrMapOvr>
+</p:sld>
+</file>
+
 <file path=ppt/slides/slide17.xml><?xml version="1.0" encoding="utf-8"?>
 <p:sld xmlns:a="http://schemas.openxmlformats.org/drawingml/2006/main" xmlns:r="http://schemas.openxmlformats.org/officeDocument/2006/relationships" xmlns:p="http://schemas.openxmlformats.org/presentationml/2006/main">
   <p:cSld>
@@ -9922,7 +9554,7 @@
           <p:cNvPr id="2" name="Titolo 1">
             <a:extLst>
               <a:ext uri="{FF2B5EF4-FFF2-40B4-BE49-F238E27FC236}">
-                <a16:creationId xmlns:a16="http://schemas.microsoft.com/office/drawing/2014/main" id="{4EC9AA5C-8EC2-47D0-AC90-F260725B5224}"/>
+                <a16:creationId xmlns:a16="http://schemas.microsoft.com/office/drawing/2014/main" id="{0A8D62DF-EDB2-4A17-9E5D-5D8E4DF83D48}"/>
               </a:ext>
             </a:extLst>
           </p:cNvPr>
@@ -9933,19 +9565,14 @@
             <p:ph type="title"/>
           </p:nvPr>
         </p:nvSpPr>
-        <p:spPr>
-          <a:xfrm>
-            <a:off x="677334" y="609600"/>
-            <a:ext cx="8596668" cy="762000"/>
-          </a:xfrm>
-        </p:spPr>
+        <p:spPr/>
         <p:txBody>
           <a:bodyPr/>
           <a:lstStyle/>
           <a:p>
             <a:r>
               <a:rPr lang="it-IT" dirty="0"/>
-              <a:t>Caratteristiche principali</a:t>
+              <a:t>Operazioni di scrittura</a:t>
             </a:r>
           </a:p>
         </p:txBody>
@@ -9955,7 +9582,7 @@
           <p:cNvPr id="3" name="Segnaposto contenuto 2">
             <a:extLst>
               <a:ext uri="{FF2B5EF4-FFF2-40B4-BE49-F238E27FC236}">
-                <a16:creationId xmlns:a16="http://schemas.microsoft.com/office/drawing/2014/main" id="{F647C8AD-B187-4B6F-82DA-45F9751B8FA4}"/>
+                <a16:creationId xmlns:a16="http://schemas.microsoft.com/office/drawing/2014/main" id="{252E30D6-5BA6-4FB3-9031-AB2564CB3953}"/>
               </a:ext>
             </a:extLst>
           </p:cNvPr>
@@ -9968,8 +9595,8 @@
         </p:nvSpPr>
         <p:spPr>
           <a:xfrm>
-            <a:off x="677334" y="1600201"/>
-            <a:ext cx="8596668" cy="3962400"/>
+            <a:off x="677334" y="1488613"/>
+            <a:ext cx="8596668" cy="4659524"/>
           </a:xfrm>
         </p:spPr>
         <p:txBody>
@@ -9980,33 +9607,7 @@
           <a:p>
             <a:r>
               <a:rPr lang="it-IT" dirty="0"/>
-              <a:t>Estremamente flessibile nella rappresentazione e gestione del dato.</a:t>
-            </a:r>
-          </a:p>
-          <a:p>
-            <a:r>
-              <a:rPr lang="it-IT" dirty="0"/>
-              <a:t>La struttura del documento è più in linea con il modo in cui gli sviluppatori costruiscono le loro classi e oggetti nei rispettivi linguaggi di programmazione.</a:t>
-            </a:r>
-          </a:p>
-          <a:p>
-            <a:r>
-              <a:rPr lang="it-IT" dirty="0"/>
-              <a:t>Non è necessario che i </a:t>
-            </a:r>
-            <a:r>
-              <a:rPr lang="it-IT" dirty="0" err="1"/>
-              <a:t>documents</a:t>
-            </a:r>
-            <a:r>
-              <a:rPr lang="it-IT" dirty="0"/>
-              <a:t> abbiano uno schema definito in anticipo. Infatti, i fields possono essere creati al volo.</a:t>
-            </a:r>
-          </a:p>
-          <a:p>
-            <a:r>
-              <a:rPr lang="it-IT" dirty="0"/>
-              <a:t>Il modello di dati disponibile all'interno di </a:t>
+              <a:t>Il problema di scrittura descrive il livello di riconoscimento richiesto da </a:t>
             </a:r>
             <a:r>
               <a:rPr lang="it-IT" dirty="0" err="1"/>
@@ -10014,29 +9615,371 @@
             </a:r>
             <a:r>
               <a:rPr lang="it-IT" dirty="0"/>
-              <a:t> consente di rappresentare più facilmente relazioni gerarchiche, memorizzare array e altre strutture più complesse.</a:t>
-            </a:r>
-          </a:p>
-          <a:p>
+              <a:t> per le operazioni di scrittura su un </a:t>
+            </a:r>
+            <a:r>
+              <a:rPr lang="it-IT" dirty="0" err="1"/>
+              <a:t>mongod</a:t>
+            </a:r>
             <a:r>
               <a:rPr lang="it-IT" dirty="0"/>
-              <a:t>Scalabilità – Gli ambienti </a:t>
+              <a:t> autonomo o su set di repliche o su cluster partizionati. Nei cluster partizionati, le istanze </a:t>
             </a:r>
             <a:r>
               <a:rPr lang="it-IT" dirty="0" err="1"/>
-              <a:t>MongoDB</a:t>
+              <a:t>mongos</a:t>
             </a:r>
             <a:r>
               <a:rPr lang="it-IT" dirty="0"/>
-              <a:t> sono molto scalabili. Le aziende di tutto il mondo hanno definito cluster con alcuni di loro che eseguono oltre 100 nodi con circa milioni di documenti all'interno del database.</a:t>
-            </a:r>
+              <a:t> trasmetteranno il problema di scrittura agli </a:t>
+            </a:r>
+            <a:r>
+              <a:rPr lang="it-IT" dirty="0" err="1"/>
+              <a:t>shard</a:t>
+            </a:r>
+            <a:r>
+              <a:rPr lang="it-IT" dirty="0"/>
+              <a:t>.</a:t>
+            </a:r>
+          </a:p>
+          <a:p>
+            <a:endParaRPr lang="it-IT" dirty="0"/>
+          </a:p>
+          <a:p>
+            <a:pPr marL="0" indent="0">
+              <a:buNone/>
+            </a:pPr>
+            <a:r>
+              <a:rPr lang="en-US" dirty="0"/>
+              <a:t>{ w: &lt;value&gt;, j: &lt;</a:t>
+            </a:r>
+            <a:r>
+              <a:rPr lang="en-US" dirty="0" err="1"/>
+              <a:t>boolean</a:t>
+            </a:r>
+            <a:r>
+              <a:rPr lang="en-US" dirty="0"/>
+              <a:t>&gt;, </a:t>
+            </a:r>
+            <a:r>
+              <a:rPr lang="en-US" dirty="0" err="1"/>
+              <a:t>wtimeout</a:t>
+            </a:r>
+            <a:r>
+              <a:rPr lang="en-US" dirty="0"/>
+              <a:t>: &lt;number&gt; } </a:t>
+            </a:r>
+            <a:r>
+              <a:rPr lang="en-US" dirty="0">
+                <a:solidFill>
+                  <a:srgbClr val="92D050"/>
+                </a:solidFill>
+              </a:rPr>
+              <a:t>// </a:t>
+            </a:r>
+            <a:r>
+              <a:rPr lang="en-US" dirty="0" err="1">
+                <a:solidFill>
+                  <a:srgbClr val="92D050"/>
+                </a:solidFill>
+              </a:rPr>
+              <a:t>configurazione</a:t>
+            </a:r>
+            <a:r>
+              <a:rPr lang="en-US" dirty="0">
+                <a:solidFill>
+                  <a:srgbClr val="92D050"/>
+                </a:solidFill>
+              </a:rPr>
+              <a:t> per client </a:t>
+            </a:r>
+            <a:endParaRPr lang="it-IT" dirty="0"/>
+          </a:p>
+          <a:p>
+            <a:r>
+              <a:rPr lang="it-IT" dirty="0"/>
+              <a:t>W:l'operazione di scrittura si è propagata a un numero specificato di istanze </a:t>
+            </a:r>
+            <a:r>
+              <a:rPr lang="it-IT" dirty="0" err="1"/>
+              <a:t>mongod</a:t>
+            </a:r>
+            <a:r>
+              <a:rPr lang="it-IT" dirty="0"/>
+              <a:t>. </a:t>
+            </a:r>
+          </a:p>
+          <a:p>
+            <a:r>
+              <a:rPr lang="it-IT" dirty="0"/>
+              <a:t>J:per richiedere il riconoscimento che l'operazione di scrittura sia scritta sul on-disk journal.</a:t>
+            </a:r>
+          </a:p>
+          <a:p>
+            <a:r>
+              <a:rPr lang="it-IT" dirty="0" err="1"/>
+              <a:t>Wtimeout:specificare</a:t>
+            </a:r>
+            <a:r>
+              <a:rPr lang="it-IT" dirty="0"/>
+              <a:t> un limite di tempo per impedire il blocco indefinito delle operazioni di scrittura. Dopo un tempo limite ho errore di scrittura.</a:t>
+            </a:r>
+          </a:p>
+          <a:p>
+            <a:endParaRPr lang="it-IT" dirty="0"/>
+          </a:p>
+          <a:p>
+            <a:pPr marL="0" marR="0" lvl="0" indent="0" algn="l" defTabSz="914400" rtl="0" eaLnBrk="0" fontAlgn="base" latinLnBrk="0" hangingPunct="0">
+              <a:lnSpc>
+                <a:spcPct val="100000"/>
+              </a:lnSpc>
+              <a:spcBef>
+                <a:spcPct val="0"/>
+              </a:spcBef>
+              <a:spcAft>
+                <a:spcPct val="0"/>
+              </a:spcAft>
+              <a:buClrTx/>
+              <a:buSzTx/>
+              <a:buFontTx/>
+              <a:buChar char="•"/>
+              <a:tabLst/>
+            </a:pPr>
+            <a:endParaRPr kumimoji="0" lang="it-IT" altLang="it-IT" sz="1800" b="0" i="0" u="none" strike="noStrike" cap="none" normalizeH="0" baseline="0" dirty="0">
+              <a:ln>
+                <a:noFill/>
+              </a:ln>
+              <a:solidFill>
+                <a:schemeClr val="tx1"/>
+              </a:solidFill>
+              <a:effectLst/>
+              <a:latin typeface="Arial" panose="020B0604020202020204" pitchFamily="34" charset="0"/>
+            </a:endParaRPr>
+          </a:p>
+          <a:p>
+            <a:endParaRPr lang="it-IT" dirty="0"/>
+          </a:p>
+        </p:txBody>
+      </p:sp>
+      <p:sp>
+        <p:nvSpPr>
+          <p:cNvPr id="5" name="Rectangle 1">
+            <a:extLst>
+              <a:ext uri="{FF2B5EF4-FFF2-40B4-BE49-F238E27FC236}">
+                <a16:creationId xmlns:a16="http://schemas.microsoft.com/office/drawing/2014/main" id="{F135CDE7-1705-44F2-9634-580429C224DD}"/>
+              </a:ext>
+            </a:extLst>
+          </p:cNvPr>
+          <p:cNvSpPr>
+            <a:spLocks noChangeArrowheads="1"/>
+          </p:cNvSpPr>
+          <p:nvPr/>
+        </p:nvSpPr>
+        <p:spPr bwMode="auto">
+          <a:xfrm>
+            <a:off x="0" y="-323165"/>
+            <a:ext cx="184731" cy="646331"/>
+          </a:xfrm>
+          <a:prstGeom prst="rect">
+            <a:avLst/>
+          </a:prstGeom>
+          <a:noFill/>
+          <a:ln>
+            <a:noFill/>
+          </a:ln>
+          <a:effectLst/>
+          <a:extLst>
+            <a:ext uri="{909E8E84-426E-40DD-AFC4-6F175D3DCCD1}">
+              <a14:hiddenFill xmlns:a14="http://schemas.microsoft.com/office/drawing/2010/main">
+                <a:solidFill>
+                  <a:schemeClr val="accent1"/>
+                </a:solidFill>
+              </a14:hiddenFill>
+            </a:ext>
+            <a:ext uri="{91240B29-F687-4F45-9708-019B960494DF}">
+              <a14:hiddenLine xmlns:a14="http://schemas.microsoft.com/office/drawing/2010/main" w="9525">
+                <a:solidFill>
+                  <a:schemeClr val="tx1"/>
+                </a:solidFill>
+                <a:miter lim="800000"/>
+                <a:headEnd/>
+                <a:tailEnd/>
+              </a14:hiddenLine>
+            </a:ext>
+            <a:ext uri="{AF507438-7753-43E0-B8FC-AC1667EBCBE1}">
+              <a14:hiddenEffects xmlns:a14="http://schemas.microsoft.com/office/drawing/2010/main">
+                <a:effectLst>
+                  <a:outerShdw dist="35921" dir="2700000" algn="ctr" rotWithShape="0">
+                    <a:schemeClr val="bg2"/>
+                  </a:outerShdw>
+                </a:effectLst>
+              </a14:hiddenEffects>
+            </a:ext>
+          </a:extLst>
+        </p:spPr>
+        <p:txBody>
+          <a:bodyPr vert="horz" wrap="none" lIns="91440" tIns="45720" rIns="91440" bIns="45720" numCol="1" anchor="ctr" anchorCtr="0" compatLnSpc="1">
+            <a:prstTxWarp prst="textNoShape">
+              <a:avLst/>
+            </a:prstTxWarp>
+            <a:spAutoFit/>
+          </a:bodyPr>
+          <a:lstStyle/>
+          <a:p>
+            <a:pPr marL="0" marR="0" lvl="0" indent="0" algn="l" defTabSz="914400" rtl="0" eaLnBrk="0" fontAlgn="base" latinLnBrk="0" hangingPunct="0">
+              <a:lnSpc>
+                <a:spcPct val="100000"/>
+              </a:lnSpc>
+              <a:spcBef>
+                <a:spcPct val="0"/>
+              </a:spcBef>
+              <a:spcAft>
+                <a:spcPct val="0"/>
+              </a:spcAft>
+              <a:buClrTx/>
+              <a:buSzTx/>
+              <a:buFontTx/>
+              <a:buNone/>
+              <a:tabLst/>
+            </a:pPr>
+            <a:endParaRPr kumimoji="0" lang="it-IT" altLang="it-IT" sz="1800" b="0" i="0" u="none" strike="noStrike" cap="none" normalizeH="0" baseline="0" dirty="0">
+              <a:ln>
+                <a:noFill/>
+              </a:ln>
+              <a:solidFill>
+                <a:schemeClr val="tx1"/>
+              </a:solidFill>
+              <a:effectLst/>
+              <a:latin typeface="Arial" panose="020B0604020202020204" pitchFamily="34" charset="0"/>
+            </a:endParaRPr>
+          </a:p>
+          <a:p>
+            <a:pPr marL="0" marR="0" lvl="0" indent="0" algn="l" defTabSz="914400" rtl="0" eaLnBrk="0" fontAlgn="base" latinLnBrk="0" hangingPunct="0">
+              <a:lnSpc>
+                <a:spcPct val="100000"/>
+              </a:lnSpc>
+              <a:spcBef>
+                <a:spcPct val="0"/>
+              </a:spcBef>
+              <a:spcAft>
+                <a:spcPct val="0"/>
+              </a:spcAft>
+              <a:buClrTx/>
+              <a:buSzTx/>
+              <a:buFontTx/>
+              <a:buNone/>
+              <a:tabLst/>
+            </a:pPr>
+            <a:endParaRPr kumimoji="0" lang="it-IT" altLang="it-IT" sz="1800" b="0" i="0" u="none" strike="noStrike" cap="none" normalizeH="0" baseline="0" dirty="0">
+              <a:ln>
+                <a:noFill/>
+              </a:ln>
+              <a:solidFill>
+                <a:schemeClr val="tx1"/>
+              </a:solidFill>
+              <a:effectLst/>
+              <a:latin typeface="Arial" panose="020B0604020202020204" pitchFamily="34" charset="0"/>
+            </a:endParaRPr>
           </a:p>
         </p:txBody>
       </p:sp>
     </p:spTree>
     <p:extLst>
       <p:ext uri="{BB962C8B-B14F-4D97-AF65-F5344CB8AC3E}">
-        <p14:creationId xmlns:p14="http://schemas.microsoft.com/office/powerpoint/2010/main" val="2344025804"/>
+        <p14:creationId xmlns:p14="http://schemas.microsoft.com/office/powerpoint/2010/main" val="2501003964"/>
+      </p:ext>
+    </p:extLst>
+  </p:cSld>
+  <p:clrMapOvr>
+    <a:masterClrMapping/>
+  </p:clrMapOvr>
+</p:sld>
+</file>
+
+<file path=ppt/slides/slide18.xml><?xml version="1.0" encoding="utf-8"?>
+<p:sld xmlns:a="http://schemas.openxmlformats.org/drawingml/2006/main" xmlns:r="http://schemas.openxmlformats.org/officeDocument/2006/relationships" xmlns:p="http://schemas.openxmlformats.org/presentationml/2006/main">
+  <p:cSld>
+    <p:spTree>
+      <p:nvGrpSpPr>
+        <p:cNvPr id="1" name=""/>
+        <p:cNvGrpSpPr/>
+        <p:nvPr/>
+      </p:nvGrpSpPr>
+      <p:grpSpPr>
+        <a:xfrm>
+          <a:off x="0" y="0"/>
+          <a:ext cx="0" cy="0"/>
+          <a:chOff x="0" y="0"/>
+          <a:chExt cx="0" cy="0"/>
+        </a:xfrm>
+      </p:grpSpPr>
+      <p:sp>
+        <p:nvSpPr>
+          <p:cNvPr id="2" name="Titolo 1">
+            <a:extLst>
+              <a:ext uri="{FF2B5EF4-FFF2-40B4-BE49-F238E27FC236}">
+                <a16:creationId xmlns:a16="http://schemas.microsoft.com/office/drawing/2014/main" id="{DE09E4BC-2C0C-4798-855E-68B380D6C46B}"/>
+              </a:ext>
+            </a:extLst>
+          </p:cNvPr>
+          <p:cNvSpPr>
+            <a:spLocks noGrp="1"/>
+          </p:cNvSpPr>
+          <p:nvPr>
+            <p:ph type="title"/>
+          </p:nvPr>
+        </p:nvSpPr>
+        <p:spPr>
+          <a:xfrm>
+            <a:off x="677334" y="609600"/>
+            <a:ext cx="8596668" cy="689811"/>
+          </a:xfrm>
+        </p:spPr>
+        <p:txBody>
+          <a:bodyPr/>
+          <a:lstStyle/>
+          <a:p>
+            <a:r>
+              <a:rPr lang="it-IT" dirty="0" err="1"/>
+              <a:t>MongoDB</a:t>
+            </a:r>
+            <a:r>
+              <a:rPr lang="it-IT"/>
+              <a:t> Sharding</a:t>
+            </a:r>
+            <a:endParaRPr lang="it-IT" dirty="0"/>
+          </a:p>
+        </p:txBody>
+      </p:sp>
+      <p:sp>
+        <p:nvSpPr>
+          <p:cNvPr id="3" name="Segnaposto contenuto 2">
+            <a:extLst>
+              <a:ext uri="{FF2B5EF4-FFF2-40B4-BE49-F238E27FC236}">
+                <a16:creationId xmlns:a16="http://schemas.microsoft.com/office/drawing/2014/main" id="{5003E044-0272-41A9-8DB5-E499E02E7575}"/>
+              </a:ext>
+            </a:extLst>
+          </p:cNvPr>
+          <p:cNvSpPr>
+            <a:spLocks noGrp="1"/>
+          </p:cNvSpPr>
+          <p:nvPr>
+            <p:ph idx="1"/>
+          </p:nvPr>
+        </p:nvSpPr>
+        <p:spPr/>
+        <p:txBody>
+          <a:bodyPr/>
+          <a:lstStyle/>
+          <a:p>
+            <a:endParaRPr lang="it-IT" dirty="0"/>
+          </a:p>
+        </p:txBody>
+      </p:sp>
+    </p:spTree>
+    <p:extLst>
+      <p:ext uri="{BB962C8B-B14F-4D97-AF65-F5344CB8AC3E}">
+        <p14:creationId xmlns:p14="http://schemas.microsoft.com/office/powerpoint/2010/main" val="1959518528"/>
       </p:ext>
     </p:extLst>
   </p:cSld>
@@ -11717,7 +11660,7 @@
           <p:cNvPr id="2" name="Titolo 1">
             <a:extLst>
               <a:ext uri="{FF2B5EF4-FFF2-40B4-BE49-F238E27FC236}">
-                <a16:creationId xmlns:a16="http://schemas.microsoft.com/office/drawing/2014/main" id="{DE09E4BC-2C0C-4798-855E-68B380D6C46B}"/>
+                <a16:creationId xmlns:a16="http://schemas.microsoft.com/office/drawing/2014/main" id="{3D50023E-F3FC-459D-8DD9-7F6E87F4BED5}"/>
               </a:ext>
             </a:extLst>
           </p:cNvPr>
@@ -11728,28 +11671,20 @@
             <p:ph type="title"/>
           </p:nvPr>
         </p:nvSpPr>
-        <p:spPr/>
+        <p:spPr>
+          <a:xfrm>
+            <a:off x="677334" y="609600"/>
+            <a:ext cx="8596668" cy="725905"/>
+          </a:xfrm>
+        </p:spPr>
         <p:txBody>
           <a:bodyPr/>
           <a:lstStyle/>
           <a:p>
             <a:r>
               <a:rPr lang="it-IT" dirty="0"/>
-              <a:t>Architettura distribuita </a:t>
-            </a:r>
-            <a:r>
-              <a:rPr lang="it-IT" dirty="0" err="1"/>
-              <a:t>MongoDB</a:t>
-            </a:r>
-            <a:r>
-              <a:rPr lang="it-IT" dirty="0"/>
-              <a:t>: </a:t>
-            </a:r>
-            <a:r>
-              <a:rPr lang="it-IT" dirty="0" err="1"/>
-              <a:t>Sharding</a:t>
-            </a:r>
-            <a:endParaRPr lang="it-IT" dirty="0"/>
+              <a:t>Replication</a:t>
+            </a:r>
           </a:p>
         </p:txBody>
       </p:sp>
@@ -11758,7 +11693,7 @@
           <p:cNvPr id="3" name="Segnaposto contenuto 2">
             <a:extLst>
               <a:ext uri="{FF2B5EF4-FFF2-40B4-BE49-F238E27FC236}">
-                <a16:creationId xmlns:a16="http://schemas.microsoft.com/office/drawing/2014/main" id="{5003E044-0272-41A9-8DB5-E499E02E7575}"/>
+                <a16:creationId xmlns:a16="http://schemas.microsoft.com/office/drawing/2014/main" id="{37820A38-C9C9-4A99-80D6-447D8B02A018}"/>
               </a:ext>
             </a:extLst>
           </p:cNvPr>
@@ -11769,19 +11704,100 @@
             <p:ph idx="1"/>
           </p:nvPr>
         </p:nvSpPr>
-        <p:spPr/>
-        <p:txBody>
-          <a:bodyPr/>
+        <p:spPr>
+          <a:xfrm>
+            <a:off x="520923" y="1335506"/>
+            <a:ext cx="9212624" cy="6136106"/>
+          </a:xfrm>
+        </p:spPr>
+        <p:txBody>
+          <a:bodyPr>
+            <a:normAutofit/>
+          </a:bodyPr>
           <a:lstStyle/>
           <a:p>
-            <a:endParaRPr lang="it-IT" dirty="0"/>
+            <a:r>
+              <a:rPr lang="it-IT" sz="2000" dirty="0"/>
+              <a:t>Scopi principali della replicazione:</a:t>
+            </a:r>
+          </a:p>
+          <a:p>
+            <a:pPr lvl="1"/>
+            <a:r>
+              <a:rPr lang="it-IT" sz="2000" dirty="0"/>
+              <a:t>Fornisce ridondanza dei dati, così ho un livello di tolleranza agli errori contro la perdita di un singolo server (</a:t>
+            </a:r>
+            <a:r>
+              <a:rPr lang="it-IT" sz="2000" dirty="0" err="1"/>
+              <a:t>Availability</a:t>
+            </a:r>
+            <a:r>
+              <a:rPr lang="it-IT" sz="2000" dirty="0"/>
+              <a:t>).</a:t>
+            </a:r>
+          </a:p>
+          <a:p>
+            <a:pPr lvl="1"/>
+            <a:r>
+              <a:rPr lang="it-IT" sz="2000" dirty="0"/>
+              <a:t>Maggiore capacità di lettura, infatti i client possono inviare operazioni di lettura a server diversi.</a:t>
+            </a:r>
+          </a:p>
+          <a:p>
+            <a:pPr lvl="1"/>
+            <a:r>
+              <a:rPr lang="it-IT" sz="2000" dirty="0"/>
+              <a:t>Maggiore disponibilità per applicazioni distribuite.</a:t>
+            </a:r>
+          </a:p>
+          <a:p>
+            <a:pPr lvl="1"/>
+            <a:r>
+              <a:rPr lang="it-IT" sz="2000" dirty="0"/>
+              <a:t>Scopi dedicati come il backup</a:t>
+            </a:r>
+          </a:p>
+          <a:p>
+            <a:r>
+              <a:rPr lang="it-IT" sz="2000" dirty="0"/>
+              <a:t>Come funzione in </a:t>
+            </a:r>
+            <a:r>
+              <a:rPr lang="it-IT" sz="2000" dirty="0" err="1"/>
+              <a:t>MongoDB</a:t>
+            </a:r>
+            <a:r>
+              <a:rPr lang="it-IT" sz="2000" dirty="0"/>
+              <a:t>:</a:t>
+            </a:r>
+          </a:p>
+          <a:p>
+            <a:pPr lvl="1"/>
+            <a:r>
+              <a:rPr lang="it-IT" sz="2000" dirty="0"/>
+              <a:t>Ho un replica set che mantiene lo stesso set di dati.</a:t>
+            </a:r>
+          </a:p>
+          <a:p>
+            <a:pPr lvl="1"/>
+            <a:r>
+              <a:rPr lang="it-IT" sz="2000" dirty="0"/>
+              <a:t>Un replica set ha diversi nodi portanti e un nodo arbitro facoltativo.</a:t>
+            </a:r>
+          </a:p>
+          <a:p>
+            <a:pPr lvl="1"/>
+            <a:r>
+              <a:rPr lang="it-IT" sz="2000" dirty="0"/>
+              <a:t>Dei nodi portanti uno solo è considerato primario, mentre gli altri nodi sono considerati secondari.</a:t>
+            </a:r>
           </a:p>
         </p:txBody>
       </p:sp>
     </p:spTree>
     <p:extLst>
       <p:ext uri="{BB962C8B-B14F-4D97-AF65-F5344CB8AC3E}">
-        <p14:creationId xmlns:p14="http://schemas.microsoft.com/office/powerpoint/2010/main" val="1959518528"/>
+        <p14:creationId xmlns:p14="http://schemas.microsoft.com/office/powerpoint/2010/main" val="3419229553"/>
       </p:ext>
     </p:extLst>
   </p:cSld>
@@ -11813,7 +11829,7 @@
           <p:cNvPr id="2" name="Titolo 1">
             <a:extLst>
               <a:ext uri="{FF2B5EF4-FFF2-40B4-BE49-F238E27FC236}">
-                <a16:creationId xmlns:a16="http://schemas.microsoft.com/office/drawing/2014/main" id="{3D50023E-F3FC-459D-8DD9-7F6E87F4BED5}"/>
+                <a16:creationId xmlns:a16="http://schemas.microsoft.com/office/drawing/2014/main" id="{C34BB43E-7C0E-4277-AB2D-6D41651B4CF5}"/>
               </a:ext>
             </a:extLst>
           </p:cNvPr>
@@ -11826,17 +11842,19 @@
         </p:nvSpPr>
         <p:spPr>
           <a:xfrm>
-            <a:off x="677334" y="609600"/>
-            <a:ext cx="8596668" cy="725905"/>
+            <a:off x="581081" y="164432"/>
+            <a:ext cx="8596668" cy="617621"/>
           </a:xfrm>
         </p:spPr>
         <p:txBody>
-          <a:bodyPr/>
+          <a:bodyPr>
+            <a:normAutofit fontScale="90000"/>
+          </a:bodyPr>
           <a:lstStyle/>
           <a:p>
             <a:r>
               <a:rPr lang="it-IT" dirty="0"/>
-              <a:t>Replication</a:t>
+              <a:t>Nodi primari e Nodi secondari</a:t>
             </a:r>
           </a:p>
         </p:txBody>
@@ -11846,7 +11864,7 @@
           <p:cNvPr id="3" name="Segnaposto contenuto 2">
             <a:extLst>
               <a:ext uri="{FF2B5EF4-FFF2-40B4-BE49-F238E27FC236}">
-                <a16:creationId xmlns:a16="http://schemas.microsoft.com/office/drawing/2014/main" id="{37820A38-C9C9-4A99-80D6-447D8B02A018}"/>
+                <a16:creationId xmlns:a16="http://schemas.microsoft.com/office/drawing/2014/main" id="{3F921689-5397-4128-9266-7EE889DB9C07}"/>
               </a:ext>
             </a:extLst>
           </p:cNvPr>
@@ -11859,90 +11877,366 @@
         </p:nvSpPr>
         <p:spPr>
           <a:xfrm>
-            <a:off x="520923" y="1335506"/>
-            <a:ext cx="9212624" cy="6136106"/>
+            <a:off x="581081" y="955048"/>
+            <a:ext cx="8596668" cy="1660358"/>
           </a:xfrm>
         </p:spPr>
         <p:txBody>
           <a:bodyPr>
+            <a:noAutofit/>
+          </a:bodyPr>
+          <a:lstStyle/>
+          <a:p>
+            <a:r>
+              <a:rPr lang="it-IT" sz="2000" dirty="0"/>
+              <a:t>Il Nodo primario riceve tutte le operazioni di scrittura. Di default anche quelle di lettura, ma quest’ultime posso essere dirette anche ai nodi secondari.</a:t>
+            </a:r>
+          </a:p>
+          <a:p>
+            <a:r>
+              <a:rPr lang="it-IT" sz="2000" dirty="0"/>
+              <a:t>Un Nodo di un replica set diventa il nodo primario attraverso un processo di elezioni.</a:t>
+            </a:r>
+          </a:p>
+        </p:txBody>
+      </p:sp>
+      <p:sp>
+        <p:nvSpPr>
+          <p:cNvPr id="6" name="CasellaDiTesto 5">
+            <a:extLst>
+              <a:ext uri="{FF2B5EF4-FFF2-40B4-BE49-F238E27FC236}">
+                <a16:creationId xmlns:a16="http://schemas.microsoft.com/office/drawing/2014/main" id="{1436BC69-C58B-40DB-975B-B9949D7085B5}"/>
+              </a:ext>
+            </a:extLst>
+          </p:cNvPr>
+          <p:cNvSpPr txBox="1"/>
+          <p:nvPr/>
+        </p:nvSpPr>
+        <p:spPr>
+          <a:xfrm>
+            <a:off x="581081" y="2967335"/>
+            <a:ext cx="5514919" cy="461665"/>
+          </a:xfrm>
+          <a:prstGeom prst="rect">
+            <a:avLst/>
+          </a:prstGeom>
+          <a:noFill/>
+        </p:spPr>
+        <p:txBody>
+          <a:bodyPr wrap="square" rtlCol="0">
+            <a:spAutoFit/>
+          </a:bodyPr>
+          <a:lstStyle/>
+          <a:p>
+            <a:r>
+              <a:rPr lang="it-IT" sz="2400" dirty="0"/>
+              <a:t>Replica sete </a:t>
+            </a:r>
+            <a:r>
+              <a:rPr lang="it-IT" sz="2400" dirty="0" err="1"/>
+              <a:t>Elections</a:t>
+            </a:r>
+            <a:r>
+              <a:rPr lang="it-IT" sz="2400" dirty="0"/>
+              <a:t>:</a:t>
+            </a:r>
+          </a:p>
+        </p:txBody>
+      </p:sp>
+      <p:sp>
+        <p:nvSpPr>
+          <p:cNvPr id="8" name="Segnaposto contenuto 2">
+            <a:extLst>
+              <a:ext uri="{FF2B5EF4-FFF2-40B4-BE49-F238E27FC236}">
+                <a16:creationId xmlns:a16="http://schemas.microsoft.com/office/drawing/2014/main" id="{1289CDAC-1B35-4F01-BCE6-D1B3DBD5F38D}"/>
+              </a:ext>
+            </a:extLst>
+          </p:cNvPr>
+          <p:cNvSpPr txBox="1">
+            <a:spLocks/>
+          </p:cNvSpPr>
+          <p:nvPr/>
+        </p:nvSpPr>
+        <p:spPr>
+          <a:xfrm>
+            <a:off x="581081" y="3951019"/>
+            <a:ext cx="8596668" cy="3681662"/>
+          </a:xfrm>
+          <a:prstGeom prst="rect">
+            <a:avLst/>
+          </a:prstGeom>
+        </p:spPr>
+        <p:txBody>
+          <a:bodyPr vert="horz" lIns="91440" tIns="45720" rIns="91440" bIns="45720" rtlCol="0">
             <a:normAutofit/>
           </a:bodyPr>
-          <a:lstStyle/>
+          <a:lstStyle>
+            <a:lvl1pPr marL="342900" indent="-342900" algn="l" defTabSz="457200" rtl="0" eaLnBrk="1" latinLnBrk="0" hangingPunct="1">
+              <a:spcBef>
+                <a:spcPts val="1000"/>
+              </a:spcBef>
+              <a:spcAft>
+                <a:spcPts val="0"/>
+              </a:spcAft>
+              <a:buClr>
+                <a:schemeClr val="accent1"/>
+              </a:buClr>
+              <a:buSzPct val="80000"/>
+              <a:buFont typeface="Wingdings 3" charset="2"/>
+              <a:buChar char=""/>
+              <a:defRPr sz="1800" kern="1200">
+                <a:solidFill>
+                  <a:schemeClr val="tx1">
+                    <a:lumMod val="75000"/>
+                    <a:lumOff val="25000"/>
+                  </a:schemeClr>
+                </a:solidFill>
+                <a:latin typeface="+mn-lt"/>
+                <a:ea typeface="+mn-ea"/>
+                <a:cs typeface="+mn-cs"/>
+              </a:defRPr>
+            </a:lvl1pPr>
+            <a:lvl2pPr marL="742950" indent="-285750" algn="l" defTabSz="457200" rtl="0" eaLnBrk="1" latinLnBrk="0" hangingPunct="1">
+              <a:spcBef>
+                <a:spcPts val="1000"/>
+              </a:spcBef>
+              <a:spcAft>
+                <a:spcPts val="0"/>
+              </a:spcAft>
+              <a:buClr>
+                <a:schemeClr val="accent1"/>
+              </a:buClr>
+              <a:buSzPct val="80000"/>
+              <a:buFont typeface="Wingdings 3" charset="2"/>
+              <a:buChar char=""/>
+              <a:defRPr sz="1600" kern="1200">
+                <a:solidFill>
+                  <a:schemeClr val="tx1">
+                    <a:lumMod val="75000"/>
+                    <a:lumOff val="25000"/>
+                  </a:schemeClr>
+                </a:solidFill>
+                <a:latin typeface="+mn-lt"/>
+                <a:ea typeface="+mn-ea"/>
+                <a:cs typeface="+mn-cs"/>
+              </a:defRPr>
+            </a:lvl2pPr>
+            <a:lvl3pPr marL="1143000" indent="-228600" algn="l" defTabSz="457200" rtl="0" eaLnBrk="1" latinLnBrk="0" hangingPunct="1">
+              <a:spcBef>
+                <a:spcPts val="1000"/>
+              </a:spcBef>
+              <a:spcAft>
+                <a:spcPts val="0"/>
+              </a:spcAft>
+              <a:buClr>
+                <a:schemeClr val="accent1"/>
+              </a:buClr>
+              <a:buSzPct val="80000"/>
+              <a:buFont typeface="Wingdings 3" charset="2"/>
+              <a:buChar char=""/>
+              <a:defRPr sz="1400" kern="1200">
+                <a:solidFill>
+                  <a:schemeClr val="tx1">
+                    <a:lumMod val="75000"/>
+                    <a:lumOff val="25000"/>
+                  </a:schemeClr>
+                </a:solidFill>
+                <a:latin typeface="+mn-lt"/>
+                <a:ea typeface="+mn-ea"/>
+                <a:cs typeface="+mn-cs"/>
+              </a:defRPr>
+            </a:lvl3pPr>
+            <a:lvl4pPr marL="1600200" indent="-228600" algn="l" defTabSz="457200" rtl="0" eaLnBrk="1" latinLnBrk="0" hangingPunct="1">
+              <a:spcBef>
+                <a:spcPts val="1000"/>
+              </a:spcBef>
+              <a:spcAft>
+                <a:spcPts val="0"/>
+              </a:spcAft>
+              <a:buClr>
+                <a:schemeClr val="accent1"/>
+              </a:buClr>
+              <a:buSzPct val="80000"/>
+              <a:buFont typeface="Wingdings 3" charset="2"/>
+              <a:buChar char=""/>
+              <a:defRPr sz="1200" kern="1200">
+                <a:solidFill>
+                  <a:schemeClr val="tx1">
+                    <a:lumMod val="75000"/>
+                    <a:lumOff val="25000"/>
+                  </a:schemeClr>
+                </a:solidFill>
+                <a:latin typeface="+mn-lt"/>
+                <a:ea typeface="+mn-ea"/>
+                <a:cs typeface="+mn-cs"/>
+              </a:defRPr>
+            </a:lvl4pPr>
+            <a:lvl5pPr marL="2057400" indent="-228600" algn="l" defTabSz="457200" rtl="0" eaLnBrk="1" latinLnBrk="0" hangingPunct="1">
+              <a:spcBef>
+                <a:spcPts val="1000"/>
+              </a:spcBef>
+              <a:spcAft>
+                <a:spcPts val="0"/>
+              </a:spcAft>
+              <a:buClr>
+                <a:schemeClr val="accent1"/>
+              </a:buClr>
+              <a:buSzPct val="80000"/>
+              <a:buFont typeface="Wingdings 3" charset="2"/>
+              <a:buChar char=""/>
+              <a:defRPr sz="1200" kern="1200">
+                <a:solidFill>
+                  <a:schemeClr val="tx1">
+                    <a:lumMod val="75000"/>
+                    <a:lumOff val="25000"/>
+                  </a:schemeClr>
+                </a:solidFill>
+                <a:latin typeface="+mn-lt"/>
+                <a:ea typeface="+mn-ea"/>
+                <a:cs typeface="+mn-cs"/>
+              </a:defRPr>
+            </a:lvl5pPr>
+            <a:lvl6pPr marL="2514600" indent="-228600" algn="l" defTabSz="457200" rtl="0" eaLnBrk="1" latinLnBrk="0" hangingPunct="1">
+              <a:spcBef>
+                <a:spcPts val="1000"/>
+              </a:spcBef>
+              <a:spcAft>
+                <a:spcPts val="0"/>
+              </a:spcAft>
+              <a:buClr>
+                <a:schemeClr val="accent1"/>
+              </a:buClr>
+              <a:buSzPct val="80000"/>
+              <a:buFont typeface="Wingdings 3" charset="2"/>
+              <a:buChar char=""/>
+              <a:defRPr sz="1200" kern="1200">
+                <a:solidFill>
+                  <a:schemeClr val="tx1">
+                    <a:lumMod val="75000"/>
+                    <a:lumOff val="25000"/>
+                  </a:schemeClr>
+                </a:solidFill>
+                <a:latin typeface="+mn-lt"/>
+                <a:ea typeface="+mn-ea"/>
+                <a:cs typeface="+mn-cs"/>
+              </a:defRPr>
+            </a:lvl6pPr>
+            <a:lvl7pPr marL="2971800" indent="-228600" algn="l" defTabSz="457200" rtl="0" eaLnBrk="1" latinLnBrk="0" hangingPunct="1">
+              <a:spcBef>
+                <a:spcPts val="1000"/>
+              </a:spcBef>
+              <a:spcAft>
+                <a:spcPts val="0"/>
+              </a:spcAft>
+              <a:buClr>
+                <a:schemeClr val="accent1"/>
+              </a:buClr>
+              <a:buSzPct val="80000"/>
+              <a:buFont typeface="Wingdings 3" charset="2"/>
+              <a:buChar char=""/>
+              <a:defRPr sz="1200" kern="1200">
+                <a:solidFill>
+                  <a:schemeClr val="tx1">
+                    <a:lumMod val="75000"/>
+                    <a:lumOff val="25000"/>
+                  </a:schemeClr>
+                </a:solidFill>
+                <a:latin typeface="+mn-lt"/>
+                <a:ea typeface="+mn-ea"/>
+                <a:cs typeface="+mn-cs"/>
+              </a:defRPr>
+            </a:lvl7pPr>
+            <a:lvl8pPr marL="3429000" indent="-228600" algn="l" defTabSz="457200" rtl="0" eaLnBrk="1" latinLnBrk="0" hangingPunct="1">
+              <a:spcBef>
+                <a:spcPts val="1000"/>
+              </a:spcBef>
+              <a:spcAft>
+                <a:spcPts val="0"/>
+              </a:spcAft>
+              <a:buClr>
+                <a:schemeClr val="accent1"/>
+              </a:buClr>
+              <a:buSzPct val="80000"/>
+              <a:buFont typeface="Wingdings 3" charset="2"/>
+              <a:buChar char=""/>
+              <a:defRPr sz="1200" kern="1200">
+                <a:solidFill>
+                  <a:schemeClr val="tx1">
+                    <a:lumMod val="75000"/>
+                    <a:lumOff val="25000"/>
+                  </a:schemeClr>
+                </a:solidFill>
+                <a:latin typeface="+mn-lt"/>
+                <a:ea typeface="+mn-ea"/>
+                <a:cs typeface="+mn-cs"/>
+              </a:defRPr>
+            </a:lvl8pPr>
+            <a:lvl9pPr marL="3886200" indent="-228600" algn="l" defTabSz="457200" rtl="0" eaLnBrk="1" latinLnBrk="0" hangingPunct="1">
+              <a:spcBef>
+                <a:spcPts val="1000"/>
+              </a:spcBef>
+              <a:spcAft>
+                <a:spcPts val="0"/>
+              </a:spcAft>
+              <a:buClr>
+                <a:schemeClr val="accent1"/>
+              </a:buClr>
+              <a:buSzPct val="80000"/>
+              <a:buFont typeface="Wingdings 3" charset="2"/>
+              <a:buChar char=""/>
+              <a:defRPr sz="1200" kern="1200">
+                <a:solidFill>
+                  <a:schemeClr val="tx1">
+                    <a:lumMod val="75000"/>
+                    <a:lumOff val="25000"/>
+                  </a:schemeClr>
+                </a:solidFill>
+                <a:latin typeface="+mn-lt"/>
+                <a:ea typeface="+mn-ea"/>
+                <a:cs typeface="+mn-cs"/>
+              </a:defRPr>
+            </a:lvl9pPr>
+          </a:lstStyle>
           <a:p>
             <a:r>
               <a:rPr lang="it-IT" sz="2000" dirty="0"/>
-              <a:t>Scopi principali della replicazione:</a:t>
+              <a:t>Posso avere un’elezione nei seguenti casi:</a:t>
             </a:r>
           </a:p>
           <a:p>
             <a:pPr lvl="1"/>
             <a:r>
               <a:rPr lang="it-IT" sz="2000" dirty="0"/>
-              <a:t>Fornisce ridondanza dei dati, così ho un livello di tolleranza agli errori contro la perdita di un singolo server (</a:t>
+              <a:t>Aggiungendo un nuovo nodo al set di repliche.</a:t>
+            </a:r>
+          </a:p>
+          <a:p>
+            <a:pPr lvl="1"/>
+            <a:r>
+              <a:rPr lang="it-IT" sz="2000" dirty="0"/>
+              <a:t>Inizializzare un set di repliche.</a:t>
+            </a:r>
+          </a:p>
+          <a:p>
+            <a:pPr lvl="1"/>
+            <a:r>
+              <a:rPr lang="it-IT" sz="2000" dirty="0"/>
+              <a:t> Eseguire la manutenzione del set di repliche.</a:t>
+            </a:r>
+          </a:p>
+          <a:p>
+            <a:pPr lvl="1"/>
+            <a:r>
+              <a:rPr lang="it-IT" sz="2000" dirty="0"/>
+              <a:t> I nodi secondari perdono la connettività al primario per più del </a:t>
             </a:r>
             <a:r>
               <a:rPr lang="it-IT" sz="2000" dirty="0" err="1"/>
-              <a:t>Availability</a:t>
+              <a:t>timeout</a:t>
             </a:r>
             <a:r>
               <a:rPr lang="it-IT" sz="2000" dirty="0"/>
-              <a:t>).</a:t>
-            </a:r>
-          </a:p>
-          <a:p>
-            <a:pPr lvl="1"/>
-            <a:r>
-              <a:rPr lang="it-IT" sz="2000" dirty="0"/>
-              <a:t>Maggiore capacità di lettura, infatti i client possono inviare operazioni di lettura a server diversi.</a:t>
-            </a:r>
-          </a:p>
-          <a:p>
-            <a:pPr lvl="1"/>
-            <a:r>
-              <a:rPr lang="it-IT" sz="2000" dirty="0"/>
-              <a:t>Maggiore disponibilità per applicazioni distribuite.</a:t>
-            </a:r>
-          </a:p>
-          <a:p>
-            <a:pPr lvl="1"/>
-            <a:r>
-              <a:rPr lang="it-IT" sz="2000" dirty="0"/>
-              <a:t>Scopi dedicati come il backup</a:t>
-            </a:r>
-          </a:p>
-          <a:p>
-            <a:r>
-              <a:rPr lang="it-IT" sz="2000" dirty="0"/>
-              <a:t>Come funzione in </a:t>
-            </a:r>
-            <a:r>
-              <a:rPr lang="it-IT" sz="2000" dirty="0" err="1"/>
-              <a:t>MongoDB</a:t>
-            </a:r>
-            <a:r>
-              <a:rPr lang="it-IT" sz="2000" dirty="0"/>
-              <a:t>:</a:t>
-            </a:r>
-          </a:p>
-          <a:p>
-            <a:pPr lvl="1"/>
-            <a:r>
-              <a:rPr lang="it-IT" sz="2000" dirty="0"/>
-              <a:t>Ho un replica set che mantiene lo stesso set di dati.</a:t>
-            </a:r>
-          </a:p>
-          <a:p>
-            <a:pPr lvl="1"/>
-            <a:r>
-              <a:rPr lang="it-IT" sz="2000" dirty="0"/>
-              <a:t>Un replica set ha diversi nodi portanti e un nodo arbitro facoltativo.</a:t>
-            </a:r>
-          </a:p>
-          <a:p>
-            <a:pPr lvl="1"/>
-            <a:r>
-              <a:rPr lang="it-IT" sz="2000" dirty="0"/>
-              <a:t>Dei nodi portanti uno solo è considerato primario, mentre gli altri nodi sono considerati secondari.</a:t>
+              <a:t> configurato (10 secondi per default). </a:t>
             </a:r>
           </a:p>
         </p:txBody>
@@ -11950,7 +12244,7 @@
     </p:spTree>
     <p:extLst>
       <p:ext uri="{BB962C8B-B14F-4D97-AF65-F5344CB8AC3E}">
-        <p14:creationId xmlns:p14="http://schemas.microsoft.com/office/powerpoint/2010/main" val="3419229553"/>
+        <p14:creationId xmlns:p14="http://schemas.microsoft.com/office/powerpoint/2010/main" val="1275923587"/>
       </p:ext>
     </p:extLst>
   </p:cSld>
@@ -11982,7 +12276,7 @@
           <p:cNvPr id="2" name="Titolo 1">
             <a:extLst>
               <a:ext uri="{FF2B5EF4-FFF2-40B4-BE49-F238E27FC236}">
-                <a16:creationId xmlns:a16="http://schemas.microsoft.com/office/drawing/2014/main" id="{C34BB43E-7C0E-4277-AB2D-6D41651B4CF5}"/>
+                <a16:creationId xmlns:a16="http://schemas.microsoft.com/office/drawing/2014/main" id="{306E3E34-60AA-447B-AAF0-4A11CEF3540E}"/>
               </a:ext>
             </a:extLst>
           </p:cNvPr>
@@ -11995,70 +12289,27 @@
         </p:nvSpPr>
         <p:spPr>
           <a:xfrm>
-            <a:off x="581081" y="164432"/>
-            <a:ext cx="8596668" cy="617621"/>
+            <a:off x="677334" y="609600"/>
+            <a:ext cx="8596668" cy="737937"/>
           </a:xfrm>
         </p:spPr>
         <p:txBody>
-          <a:bodyPr>
-            <a:normAutofit fontScale="90000"/>
-          </a:bodyPr>
+          <a:bodyPr/>
           <a:lstStyle/>
           <a:p>
             <a:r>
               <a:rPr lang="it-IT" dirty="0"/>
-              <a:t>Nodi primari e Nodi secondari</a:t>
-            </a:r>
-          </a:p>
-        </p:txBody>
-      </p:sp>
-      <p:sp>
-        <p:nvSpPr>
-          <p:cNvPr id="3" name="Segnaposto contenuto 2">
+              <a:t>Configurazione processo di elezione</a:t>
+            </a:r>
+          </a:p>
+        </p:txBody>
+      </p:sp>
+      <p:sp>
+        <p:nvSpPr>
+          <p:cNvPr id="4" name="CasellaDiTesto 3">
             <a:extLst>
               <a:ext uri="{FF2B5EF4-FFF2-40B4-BE49-F238E27FC236}">
-                <a16:creationId xmlns:a16="http://schemas.microsoft.com/office/drawing/2014/main" id="{3F921689-5397-4128-9266-7EE889DB9C07}"/>
-              </a:ext>
-            </a:extLst>
-          </p:cNvPr>
-          <p:cNvSpPr>
-            <a:spLocks noGrp="1"/>
-          </p:cNvSpPr>
-          <p:nvPr>
-            <p:ph idx="1"/>
-          </p:nvPr>
-        </p:nvSpPr>
-        <p:spPr>
-          <a:xfrm>
-            <a:off x="581081" y="955048"/>
-            <a:ext cx="8596668" cy="1660358"/>
-          </a:xfrm>
-        </p:spPr>
-        <p:txBody>
-          <a:bodyPr>
-            <a:noAutofit/>
-          </a:bodyPr>
-          <a:lstStyle/>
-          <a:p>
-            <a:r>
-              <a:rPr lang="it-IT" sz="2000" dirty="0"/>
-              <a:t>Il Nodo primario riceve tutte le operazioni di scrittura. Di default anche quelle di lettura, ma quest’ultime posso essere dirette anche ai nodi secondari.</a:t>
-            </a:r>
-          </a:p>
-          <a:p>
-            <a:r>
-              <a:rPr lang="it-IT" sz="2000" dirty="0"/>
-              <a:t>Un Nodo di un replica set diventa il nodo primario attraverso un processo di elezioni.</a:t>
-            </a:r>
-          </a:p>
-        </p:txBody>
-      </p:sp>
-      <p:sp>
-        <p:nvSpPr>
-          <p:cNvPr id="6" name="CasellaDiTesto 5">
-            <a:extLst>
-              <a:ext uri="{FF2B5EF4-FFF2-40B4-BE49-F238E27FC236}">
-                <a16:creationId xmlns:a16="http://schemas.microsoft.com/office/drawing/2014/main" id="{1436BC69-C58B-40DB-975B-B9949D7085B5}"/>
+                <a16:creationId xmlns:a16="http://schemas.microsoft.com/office/drawing/2014/main" id="{0D9BDB9C-602C-438B-90EE-DFCBBDEDC5BF}"/>
               </a:ext>
             </a:extLst>
           </p:cNvPr>
@@ -12067,8 +12318,8 @@
         </p:nvSpPr>
         <p:spPr>
           <a:xfrm>
-            <a:off x="581081" y="2967335"/>
-            <a:ext cx="5514919" cy="461665"/>
+            <a:off x="5812263" y="1191127"/>
+            <a:ext cx="4764446" cy="5016758"/>
           </a:xfrm>
           <a:prstGeom prst="rect">
             <a:avLst/>
@@ -12076,328 +12327,594 @@
           <a:noFill/>
         </p:spPr>
         <p:txBody>
+          <a:bodyPr wrap="none" rtlCol="0">
+            <a:spAutoFit/>
+          </a:bodyPr>
+          <a:lstStyle/>
+          <a:p>
+            <a:r>
+              <a:rPr lang="it-IT" sz="2000" dirty="0"/>
+              <a:t> …</a:t>
+            </a:r>
+          </a:p>
+          <a:p>
+            <a:r>
+              <a:rPr lang="it-IT" sz="2000" dirty="0"/>
+              <a:t>  settings: </a:t>
+            </a:r>
+            <a:r>
+              <a:rPr lang="it-IT" sz="2000" dirty="0">
+                <a:solidFill>
+                  <a:schemeClr val="accent2"/>
+                </a:solidFill>
+              </a:rPr>
+              <a:t>{// settaggio per intero</a:t>
+            </a:r>
+          </a:p>
+          <a:p>
+            <a:r>
+              <a:rPr lang="it-IT" sz="2000" dirty="0">
+                <a:solidFill>
+                  <a:schemeClr val="accent2"/>
+                </a:solidFill>
+              </a:rPr>
+              <a:t>  replica set</a:t>
+            </a:r>
+          </a:p>
+          <a:p>
+            <a:r>
+              <a:rPr lang="it-IT" sz="2000" dirty="0"/>
+              <a:t>    </a:t>
+            </a:r>
+            <a:r>
+              <a:rPr lang="it-IT" sz="2000" dirty="0" err="1"/>
+              <a:t>chainingAllowed</a:t>
+            </a:r>
+            <a:r>
+              <a:rPr lang="it-IT" sz="2000" dirty="0"/>
+              <a:t> : &lt;</a:t>
+            </a:r>
+            <a:r>
+              <a:rPr lang="it-IT" sz="2000" dirty="0" err="1"/>
+              <a:t>boolean</a:t>
+            </a:r>
+            <a:r>
+              <a:rPr lang="it-IT" sz="2000" dirty="0"/>
+              <a:t>&gt;,</a:t>
+            </a:r>
+          </a:p>
+          <a:p>
+            <a:r>
+              <a:rPr lang="it-IT" sz="2000" dirty="0"/>
+              <a:t>    </a:t>
+            </a:r>
+            <a:r>
+              <a:rPr lang="it-IT" sz="2000" dirty="0" err="1"/>
+              <a:t>heartbeatIntervalMillis</a:t>
+            </a:r>
+            <a:r>
+              <a:rPr lang="it-IT" sz="2000" dirty="0"/>
+              <a:t> : &lt;</a:t>
+            </a:r>
+            <a:r>
+              <a:rPr lang="it-IT" sz="2000" dirty="0" err="1"/>
+              <a:t>int</a:t>
+            </a:r>
+            <a:r>
+              <a:rPr lang="it-IT" sz="2000" dirty="0"/>
+              <a:t>&gt;,</a:t>
+            </a:r>
+          </a:p>
+          <a:p>
+            <a:r>
+              <a:rPr lang="it-IT" sz="2000" dirty="0"/>
+              <a:t>    </a:t>
+            </a:r>
+            <a:r>
+              <a:rPr lang="it-IT" sz="2000" dirty="0" err="1"/>
+              <a:t>heartbeatTimeoutSecs</a:t>
+            </a:r>
+            <a:r>
+              <a:rPr lang="it-IT" sz="2000" dirty="0"/>
+              <a:t>: &lt;</a:t>
+            </a:r>
+            <a:r>
+              <a:rPr lang="it-IT" sz="2000" dirty="0" err="1"/>
+              <a:t>int</a:t>
+            </a:r>
+            <a:r>
+              <a:rPr lang="it-IT" sz="2000" dirty="0"/>
+              <a:t>&gt;,</a:t>
+            </a:r>
+          </a:p>
+          <a:p>
+            <a:r>
+              <a:rPr lang="it-IT" sz="2000" dirty="0"/>
+              <a:t>    </a:t>
+            </a:r>
+            <a:r>
+              <a:rPr lang="it-IT" sz="2000" dirty="0">
+                <a:solidFill>
+                  <a:schemeClr val="accent2"/>
+                </a:solidFill>
+              </a:rPr>
+              <a:t>// quanti secondi posso aspettare </a:t>
+            </a:r>
+          </a:p>
+          <a:p>
+            <a:r>
+              <a:rPr lang="it-IT" sz="2000" dirty="0">
+                <a:solidFill>
+                  <a:schemeClr val="accent2"/>
+                </a:solidFill>
+              </a:rPr>
+              <a:t>    per avere un messaggio </a:t>
+            </a:r>
+            <a:r>
+              <a:rPr lang="it-IT" sz="2000" dirty="0" err="1">
+                <a:solidFill>
+                  <a:schemeClr val="accent2"/>
+                </a:solidFill>
+              </a:rPr>
+              <a:t>heartbeat</a:t>
+            </a:r>
+            <a:r>
+              <a:rPr lang="it-IT" sz="2000" dirty="0">
+                <a:solidFill>
+                  <a:schemeClr val="accent2"/>
+                </a:solidFill>
+              </a:rPr>
+              <a:t> di </a:t>
+            </a:r>
+          </a:p>
+          <a:p>
+            <a:r>
+              <a:rPr lang="it-IT" sz="2000" dirty="0">
+                <a:solidFill>
+                  <a:schemeClr val="accent2"/>
+                </a:solidFill>
+              </a:rPr>
+              <a:t>    successo, default=10s</a:t>
+            </a:r>
+          </a:p>
+          <a:p>
+            <a:r>
+              <a:rPr lang="it-IT" sz="2000" dirty="0"/>
+              <a:t>    </a:t>
+            </a:r>
+            <a:r>
+              <a:rPr lang="it-IT" sz="2000" dirty="0" err="1"/>
+              <a:t>electionTimeoutMillis</a:t>
+            </a:r>
+            <a:r>
+              <a:rPr lang="it-IT" sz="2000" dirty="0"/>
+              <a:t> : &lt;</a:t>
+            </a:r>
+            <a:r>
+              <a:rPr lang="it-IT" sz="2000" dirty="0" err="1"/>
+              <a:t>int</a:t>
+            </a:r>
+            <a:r>
+              <a:rPr lang="it-IT" sz="2000" dirty="0"/>
+              <a:t>&gt;, </a:t>
+            </a:r>
+          </a:p>
+          <a:p>
+            <a:r>
+              <a:rPr lang="it-IT" sz="2000" dirty="0"/>
+              <a:t>    </a:t>
+            </a:r>
+            <a:r>
+              <a:rPr lang="it-IT" sz="2000" dirty="0">
+                <a:solidFill>
+                  <a:schemeClr val="accent2"/>
+                </a:solidFill>
+              </a:rPr>
+              <a:t>//identifica quando il </a:t>
+            </a:r>
+            <a:r>
+              <a:rPr lang="it-IT" sz="2000" dirty="0" err="1">
+                <a:solidFill>
+                  <a:schemeClr val="accent2"/>
+                </a:solidFill>
+              </a:rPr>
+              <a:t>primary</a:t>
+            </a:r>
+            <a:r>
+              <a:rPr lang="it-IT" sz="2000" dirty="0">
+                <a:solidFill>
+                  <a:schemeClr val="accent2"/>
+                </a:solidFill>
+              </a:rPr>
+              <a:t> </a:t>
+            </a:r>
+            <a:r>
+              <a:rPr lang="it-IT" sz="2000" dirty="0" err="1">
+                <a:solidFill>
+                  <a:schemeClr val="accent2"/>
+                </a:solidFill>
+              </a:rPr>
+              <a:t>node</a:t>
+            </a:r>
+            <a:r>
+              <a:rPr lang="it-IT" sz="2000" dirty="0">
+                <a:solidFill>
+                  <a:schemeClr val="accent2"/>
+                </a:solidFill>
+              </a:rPr>
+              <a:t> </a:t>
+            </a:r>
+          </a:p>
+          <a:p>
+            <a:r>
+              <a:rPr lang="it-IT" sz="2000" dirty="0">
+                <a:solidFill>
+                  <a:schemeClr val="accent2"/>
+                </a:solidFill>
+              </a:rPr>
+              <a:t>    è irraggiungibile</a:t>
+            </a:r>
+          </a:p>
+          <a:p>
+            <a:r>
+              <a:rPr lang="it-IT" sz="2000" dirty="0"/>
+              <a:t>    </a:t>
+            </a:r>
+            <a:r>
+              <a:rPr lang="it-IT" sz="2000" dirty="0" err="1"/>
+              <a:t>catchUpTimeoutMillis</a:t>
+            </a:r>
+            <a:r>
+              <a:rPr lang="it-IT" sz="2000" dirty="0"/>
+              <a:t> : &lt;</a:t>
+            </a:r>
+            <a:r>
+              <a:rPr lang="it-IT" sz="2000" dirty="0" err="1"/>
+              <a:t>int</a:t>
+            </a:r>
+            <a:r>
+              <a:rPr lang="it-IT" sz="2000" dirty="0"/>
+              <a:t>&gt;,</a:t>
+            </a:r>
+          </a:p>
+          <a:p>
+            <a:r>
+              <a:rPr lang="it-IT" sz="2000" dirty="0"/>
+              <a:t>    </a:t>
+            </a:r>
+            <a:r>
+              <a:rPr lang="it-IT" sz="2000" dirty="0" err="1"/>
+              <a:t>replicaSetId</a:t>
+            </a:r>
+            <a:r>
+              <a:rPr lang="it-IT" sz="2000" dirty="0"/>
+              <a:t>: &lt;</a:t>
+            </a:r>
+            <a:r>
+              <a:rPr lang="it-IT" sz="2000" dirty="0" err="1"/>
+              <a:t>ObjectId</a:t>
+            </a:r>
+            <a:r>
+              <a:rPr lang="it-IT" sz="2000" dirty="0"/>
+              <a:t>&gt;</a:t>
+            </a:r>
+          </a:p>
+          <a:p>
+            <a:r>
+              <a:rPr lang="it-IT" sz="2000" dirty="0"/>
+              <a:t>  }</a:t>
+            </a:r>
+          </a:p>
+          <a:p>
+            <a:r>
+              <a:rPr lang="it-IT" sz="2000" dirty="0"/>
+              <a:t>…</a:t>
+            </a:r>
+          </a:p>
+        </p:txBody>
+      </p:sp>
+      <p:sp>
+        <p:nvSpPr>
+          <p:cNvPr id="5" name="CasellaDiTesto 4">
+            <a:extLst>
+              <a:ext uri="{FF2B5EF4-FFF2-40B4-BE49-F238E27FC236}">
+                <a16:creationId xmlns:a16="http://schemas.microsoft.com/office/drawing/2014/main" id="{D7CF947C-2DE5-44F5-BFBA-033183D7C32E}"/>
+              </a:ext>
+            </a:extLst>
+          </p:cNvPr>
+          <p:cNvSpPr txBox="1"/>
+          <p:nvPr/>
+        </p:nvSpPr>
+        <p:spPr>
+          <a:xfrm>
+            <a:off x="245447" y="1191127"/>
+            <a:ext cx="4807816" cy="5909310"/>
+          </a:xfrm>
+          <a:prstGeom prst="rect">
+            <a:avLst/>
+          </a:prstGeom>
+          <a:noFill/>
+        </p:spPr>
+        <p:txBody>
           <a:bodyPr wrap="square" rtlCol="0">
             <a:spAutoFit/>
           </a:bodyPr>
           <a:lstStyle/>
           <a:p>
             <a:r>
-              <a:rPr lang="it-IT" sz="2400" dirty="0"/>
-              <a:t>Replica sete </a:t>
-            </a:r>
-            <a:r>
-              <a:rPr lang="it-IT" sz="2400" dirty="0" err="1"/>
-              <a:t>Elections</a:t>
-            </a:r>
-            <a:r>
-              <a:rPr lang="it-IT" sz="2400" dirty="0"/>
-              <a:t>:</a:t>
-            </a:r>
-          </a:p>
-        </p:txBody>
-      </p:sp>
-      <p:sp>
-        <p:nvSpPr>
-          <p:cNvPr id="8" name="Segnaposto contenuto 2">
-            <a:extLst>
-              <a:ext uri="{FF2B5EF4-FFF2-40B4-BE49-F238E27FC236}">
-                <a16:creationId xmlns:a16="http://schemas.microsoft.com/office/drawing/2014/main" id="{1289CDAC-1B35-4F01-BCE6-D1B3DBD5F38D}"/>
-              </a:ext>
-            </a:extLst>
-          </p:cNvPr>
-          <p:cNvSpPr txBox="1">
-            <a:spLocks/>
-          </p:cNvSpPr>
-          <p:nvPr/>
-        </p:nvSpPr>
-        <p:spPr>
-          <a:xfrm>
-            <a:off x="581081" y="3951019"/>
-            <a:ext cx="8596668" cy="3681662"/>
-          </a:xfrm>
-          <a:prstGeom prst="rect">
-            <a:avLst/>
-          </a:prstGeom>
-        </p:spPr>
-        <p:txBody>
-          <a:bodyPr vert="horz" lIns="91440" tIns="45720" rIns="91440" bIns="45720" rtlCol="0">
-            <a:normAutofit/>
-          </a:bodyPr>
-          <a:lstStyle>
-            <a:lvl1pPr marL="342900" indent="-342900" algn="l" defTabSz="457200" rtl="0" eaLnBrk="1" latinLnBrk="0" hangingPunct="1">
-              <a:spcBef>
-                <a:spcPts val="1000"/>
-              </a:spcBef>
-              <a:spcAft>
-                <a:spcPts val="0"/>
-              </a:spcAft>
-              <a:buClr>
-                <a:schemeClr val="accent1"/>
-              </a:buClr>
-              <a:buSzPct val="80000"/>
-              <a:buFont typeface="Wingdings 3" charset="2"/>
-              <a:buChar char=""/>
-              <a:defRPr sz="1800" kern="1200">
-                <a:solidFill>
-                  <a:schemeClr val="tx1">
-                    <a:lumMod val="75000"/>
-                    <a:lumOff val="25000"/>
-                  </a:schemeClr>
-                </a:solidFill>
-                <a:latin typeface="+mn-lt"/>
-                <a:ea typeface="+mn-ea"/>
-                <a:cs typeface="+mn-cs"/>
-              </a:defRPr>
-            </a:lvl1pPr>
-            <a:lvl2pPr marL="742950" indent="-285750" algn="l" defTabSz="457200" rtl="0" eaLnBrk="1" latinLnBrk="0" hangingPunct="1">
-              <a:spcBef>
-                <a:spcPts val="1000"/>
-              </a:spcBef>
-              <a:spcAft>
-                <a:spcPts val="0"/>
-              </a:spcAft>
-              <a:buClr>
-                <a:schemeClr val="accent1"/>
-              </a:buClr>
-              <a:buSzPct val="80000"/>
-              <a:buFont typeface="Wingdings 3" charset="2"/>
-              <a:buChar char=""/>
-              <a:defRPr sz="1600" kern="1200">
-                <a:solidFill>
-                  <a:schemeClr val="tx1">
-                    <a:lumMod val="75000"/>
-                    <a:lumOff val="25000"/>
-                  </a:schemeClr>
-                </a:solidFill>
-                <a:latin typeface="+mn-lt"/>
-                <a:ea typeface="+mn-ea"/>
-                <a:cs typeface="+mn-cs"/>
-              </a:defRPr>
-            </a:lvl2pPr>
-            <a:lvl3pPr marL="1143000" indent="-228600" algn="l" defTabSz="457200" rtl="0" eaLnBrk="1" latinLnBrk="0" hangingPunct="1">
-              <a:spcBef>
-                <a:spcPts val="1000"/>
-              </a:spcBef>
-              <a:spcAft>
-                <a:spcPts val="0"/>
-              </a:spcAft>
-              <a:buClr>
-                <a:schemeClr val="accent1"/>
-              </a:buClr>
-              <a:buSzPct val="80000"/>
-              <a:buFont typeface="Wingdings 3" charset="2"/>
-              <a:buChar char=""/>
-              <a:defRPr sz="1400" kern="1200">
-                <a:solidFill>
-                  <a:schemeClr val="tx1">
-                    <a:lumMod val="75000"/>
-                    <a:lumOff val="25000"/>
-                  </a:schemeClr>
-                </a:solidFill>
-                <a:latin typeface="+mn-lt"/>
-                <a:ea typeface="+mn-ea"/>
-                <a:cs typeface="+mn-cs"/>
-              </a:defRPr>
-            </a:lvl3pPr>
-            <a:lvl4pPr marL="1600200" indent="-228600" algn="l" defTabSz="457200" rtl="0" eaLnBrk="1" latinLnBrk="0" hangingPunct="1">
-              <a:spcBef>
-                <a:spcPts val="1000"/>
-              </a:spcBef>
-              <a:spcAft>
-                <a:spcPts val="0"/>
-              </a:spcAft>
-              <a:buClr>
-                <a:schemeClr val="accent1"/>
-              </a:buClr>
-              <a:buSzPct val="80000"/>
-              <a:buFont typeface="Wingdings 3" charset="2"/>
-              <a:buChar char=""/>
-              <a:defRPr sz="1200" kern="1200">
-                <a:solidFill>
-                  <a:schemeClr val="tx1">
-                    <a:lumMod val="75000"/>
-                    <a:lumOff val="25000"/>
-                  </a:schemeClr>
-                </a:solidFill>
-                <a:latin typeface="+mn-lt"/>
-                <a:ea typeface="+mn-ea"/>
-                <a:cs typeface="+mn-cs"/>
-              </a:defRPr>
-            </a:lvl4pPr>
-            <a:lvl5pPr marL="2057400" indent="-228600" algn="l" defTabSz="457200" rtl="0" eaLnBrk="1" latinLnBrk="0" hangingPunct="1">
-              <a:spcBef>
-                <a:spcPts val="1000"/>
-              </a:spcBef>
-              <a:spcAft>
-                <a:spcPts val="0"/>
-              </a:spcAft>
-              <a:buClr>
-                <a:schemeClr val="accent1"/>
-              </a:buClr>
-              <a:buSzPct val="80000"/>
-              <a:buFont typeface="Wingdings 3" charset="2"/>
-              <a:buChar char=""/>
-              <a:defRPr sz="1200" kern="1200">
-                <a:solidFill>
-                  <a:schemeClr val="tx1">
-                    <a:lumMod val="75000"/>
-                    <a:lumOff val="25000"/>
-                  </a:schemeClr>
-                </a:solidFill>
-                <a:latin typeface="+mn-lt"/>
-                <a:ea typeface="+mn-ea"/>
-                <a:cs typeface="+mn-cs"/>
-              </a:defRPr>
-            </a:lvl5pPr>
-            <a:lvl6pPr marL="2514600" indent="-228600" algn="l" defTabSz="457200" rtl="0" eaLnBrk="1" latinLnBrk="0" hangingPunct="1">
-              <a:spcBef>
-                <a:spcPts val="1000"/>
-              </a:spcBef>
-              <a:spcAft>
-                <a:spcPts val="0"/>
-              </a:spcAft>
-              <a:buClr>
-                <a:schemeClr val="accent1"/>
-              </a:buClr>
-              <a:buSzPct val="80000"/>
-              <a:buFont typeface="Wingdings 3" charset="2"/>
-              <a:buChar char=""/>
-              <a:defRPr sz="1200" kern="1200">
-                <a:solidFill>
-                  <a:schemeClr val="tx1">
-                    <a:lumMod val="75000"/>
-                    <a:lumOff val="25000"/>
-                  </a:schemeClr>
-                </a:solidFill>
-                <a:latin typeface="+mn-lt"/>
-                <a:ea typeface="+mn-ea"/>
-                <a:cs typeface="+mn-cs"/>
-              </a:defRPr>
-            </a:lvl6pPr>
-            <a:lvl7pPr marL="2971800" indent="-228600" algn="l" defTabSz="457200" rtl="0" eaLnBrk="1" latinLnBrk="0" hangingPunct="1">
-              <a:spcBef>
-                <a:spcPts val="1000"/>
-              </a:spcBef>
-              <a:spcAft>
-                <a:spcPts val="0"/>
-              </a:spcAft>
-              <a:buClr>
-                <a:schemeClr val="accent1"/>
-              </a:buClr>
-              <a:buSzPct val="80000"/>
-              <a:buFont typeface="Wingdings 3" charset="2"/>
-              <a:buChar char=""/>
-              <a:defRPr sz="1200" kern="1200">
-                <a:solidFill>
-                  <a:schemeClr val="tx1">
-                    <a:lumMod val="75000"/>
-                    <a:lumOff val="25000"/>
-                  </a:schemeClr>
-                </a:solidFill>
-                <a:latin typeface="+mn-lt"/>
-                <a:ea typeface="+mn-ea"/>
-                <a:cs typeface="+mn-cs"/>
-              </a:defRPr>
-            </a:lvl7pPr>
-            <a:lvl8pPr marL="3429000" indent="-228600" algn="l" defTabSz="457200" rtl="0" eaLnBrk="1" latinLnBrk="0" hangingPunct="1">
-              <a:spcBef>
-                <a:spcPts val="1000"/>
-              </a:spcBef>
-              <a:spcAft>
-                <a:spcPts val="0"/>
-              </a:spcAft>
-              <a:buClr>
-                <a:schemeClr val="accent1"/>
-              </a:buClr>
-              <a:buSzPct val="80000"/>
-              <a:buFont typeface="Wingdings 3" charset="2"/>
-              <a:buChar char=""/>
-              <a:defRPr sz="1200" kern="1200">
-                <a:solidFill>
-                  <a:schemeClr val="tx1">
-                    <a:lumMod val="75000"/>
-                    <a:lumOff val="25000"/>
-                  </a:schemeClr>
-                </a:solidFill>
-                <a:latin typeface="+mn-lt"/>
-                <a:ea typeface="+mn-ea"/>
-                <a:cs typeface="+mn-cs"/>
-              </a:defRPr>
-            </a:lvl8pPr>
-            <a:lvl9pPr marL="3886200" indent="-228600" algn="l" defTabSz="457200" rtl="0" eaLnBrk="1" latinLnBrk="0" hangingPunct="1">
-              <a:spcBef>
-                <a:spcPts val="1000"/>
-              </a:spcBef>
-              <a:spcAft>
-                <a:spcPts val="0"/>
-              </a:spcAft>
-              <a:buClr>
-                <a:schemeClr val="accent1"/>
-              </a:buClr>
-              <a:buSzPct val="80000"/>
-              <a:buFont typeface="Wingdings 3" charset="2"/>
-              <a:buChar char=""/>
-              <a:defRPr sz="1200" kern="1200">
-                <a:solidFill>
-                  <a:schemeClr val="tx1">
-                    <a:lumMod val="75000"/>
-                    <a:lumOff val="25000"/>
-                  </a:schemeClr>
-                </a:solidFill>
-                <a:latin typeface="+mn-lt"/>
-                <a:ea typeface="+mn-ea"/>
-                <a:cs typeface="+mn-cs"/>
-              </a:defRPr>
-            </a:lvl9pPr>
-          </a:lstStyle>
-          <a:p>
-            <a:r>
               <a:rPr lang="it-IT" sz="2000" dirty="0"/>
-              <a:t>Posso avere un’elezione nei seguenti casi:</a:t>
-            </a:r>
-          </a:p>
-          <a:p>
-            <a:pPr lvl="1"/>
+              <a:t>…</a:t>
+            </a:r>
+          </a:p>
+          <a:p>
+            <a:r>
+              <a:rPr lang="it-IT" sz="2000" dirty="0" err="1"/>
+              <a:t>members</a:t>
+            </a:r>
             <a:r>
               <a:rPr lang="it-IT" sz="2000" dirty="0"/>
-              <a:t>Aggiungendo un nuovo nodo al set di repliche.</a:t>
-            </a:r>
-          </a:p>
-          <a:p>
-            <a:pPr lvl="1"/>
+              <a:t>: [ </a:t>
+            </a:r>
+            <a:r>
+              <a:rPr lang="it-IT" sz="2000" dirty="0">
+                <a:solidFill>
+                  <a:schemeClr val="accent2"/>
+                </a:solidFill>
+              </a:rPr>
+              <a:t>//array per ogni membro</a:t>
+            </a:r>
+          </a:p>
+          <a:p>
             <a:r>
               <a:rPr lang="it-IT" sz="2000" dirty="0"/>
-              <a:t>Inizializzare un set di repliche.</a:t>
-            </a:r>
-          </a:p>
-          <a:p>
-            <a:pPr lvl="1"/>
+              <a:t>    {</a:t>
+            </a:r>
+          </a:p>
+          <a:p>
             <a:r>
               <a:rPr lang="it-IT" sz="2000" dirty="0"/>
-              <a:t> Eseguire la manutenzione del set di repliche.</a:t>
-            </a:r>
-          </a:p>
-          <a:p>
-            <a:pPr lvl="1"/>
+              <a:t>      _id: &lt;</a:t>
+            </a:r>
+            <a:r>
+              <a:rPr lang="it-IT" sz="2000" dirty="0" err="1"/>
+              <a:t>int</a:t>
+            </a:r>
             <a:r>
               <a:rPr lang="it-IT" sz="2000" dirty="0"/>
-              <a:t> I nodi secondari perdono la connettività al primario per più del </a:t>
+              <a:t>&gt;, </a:t>
+            </a:r>
+            <a:r>
+              <a:rPr lang="it-IT" sz="2000" dirty="0">
+                <a:solidFill>
+                  <a:schemeClr val="accent2"/>
+                </a:solidFill>
+              </a:rPr>
+              <a:t>//Identifica membro</a:t>
+            </a:r>
+          </a:p>
+          <a:p>
+            <a:r>
+              <a:rPr lang="it-IT" sz="2000" dirty="0"/>
+              <a:t>      </a:t>
             </a:r>
             <a:r>
               <a:rPr lang="it-IT" sz="2000" dirty="0" err="1"/>
-              <a:t>timeout</a:t>
+              <a:t>host</a:t>
             </a:r>
             <a:r>
               <a:rPr lang="it-IT" sz="2000" dirty="0"/>
-              <a:t> configurato (10 secondi per default). </a:t>
-            </a:r>
+              <a:t>: &lt;</a:t>
+            </a:r>
+            <a:r>
+              <a:rPr lang="it-IT" sz="2000" dirty="0" err="1"/>
+              <a:t>string</a:t>
+            </a:r>
+            <a:r>
+              <a:rPr lang="it-IT" sz="2000" dirty="0"/>
+              <a:t>&gt;, </a:t>
+            </a:r>
+            <a:r>
+              <a:rPr lang="it-IT" sz="2000" dirty="0">
+                <a:solidFill>
+                  <a:schemeClr val="accent2"/>
+                </a:solidFill>
+              </a:rPr>
+              <a:t>// nome </a:t>
+            </a:r>
+            <a:r>
+              <a:rPr lang="it-IT" sz="2000" dirty="0" err="1">
+                <a:solidFill>
+                  <a:schemeClr val="accent2"/>
+                </a:solidFill>
+              </a:rPr>
+              <a:t>host</a:t>
+            </a:r>
+            <a:r>
+              <a:rPr lang="it-IT" sz="2000" dirty="0">
+                <a:solidFill>
+                  <a:schemeClr val="accent2"/>
+                </a:solidFill>
+              </a:rPr>
+              <a:t> e porta</a:t>
+            </a:r>
+          </a:p>
+          <a:p>
+            <a:r>
+              <a:rPr lang="it-IT" sz="2000" dirty="0"/>
+              <a:t>      </a:t>
+            </a:r>
+            <a:r>
+              <a:rPr lang="it-IT" sz="2000" dirty="0" err="1"/>
+              <a:t>arbiterOnly</a:t>
+            </a:r>
+            <a:r>
+              <a:rPr lang="it-IT" sz="2000" dirty="0"/>
+              <a:t>: &lt;</a:t>
+            </a:r>
+            <a:r>
+              <a:rPr lang="it-IT" sz="2000" dirty="0" err="1"/>
+              <a:t>boolean</a:t>
+            </a:r>
+            <a:r>
+              <a:rPr lang="it-IT" sz="2000" dirty="0"/>
+              <a:t>&gt;,</a:t>
+            </a:r>
+          </a:p>
+          <a:p>
+            <a:r>
+              <a:rPr lang="it-IT" sz="2000" dirty="0"/>
+              <a:t>      </a:t>
+            </a:r>
+            <a:r>
+              <a:rPr lang="it-IT" sz="2000" dirty="0" err="1"/>
+              <a:t>buildIndexes</a:t>
+            </a:r>
+            <a:r>
+              <a:rPr lang="it-IT" sz="2000" dirty="0"/>
+              <a:t>: &lt;</a:t>
+            </a:r>
+            <a:r>
+              <a:rPr lang="it-IT" sz="2000" dirty="0" err="1"/>
+              <a:t>boolean</a:t>
+            </a:r>
+            <a:r>
+              <a:rPr lang="it-IT" sz="2000" dirty="0"/>
+              <a:t>&gt;,</a:t>
+            </a:r>
+          </a:p>
+          <a:p>
+            <a:r>
+              <a:rPr lang="it-IT" sz="2000" dirty="0"/>
+              <a:t>      </a:t>
+            </a:r>
+            <a:r>
+              <a:rPr lang="it-IT" sz="2000" dirty="0" err="1"/>
+              <a:t>hidden</a:t>
+            </a:r>
+            <a:r>
+              <a:rPr lang="it-IT" sz="2000" dirty="0"/>
+              <a:t>: &lt;</a:t>
+            </a:r>
+            <a:r>
+              <a:rPr lang="it-IT" sz="2000" dirty="0" err="1"/>
+              <a:t>boolean</a:t>
+            </a:r>
+            <a:r>
+              <a:rPr lang="it-IT" sz="2000" dirty="0"/>
+              <a:t>&gt;,</a:t>
+            </a:r>
+          </a:p>
+          <a:p>
+            <a:r>
+              <a:rPr lang="it-IT" sz="2000" dirty="0"/>
+              <a:t>      </a:t>
+            </a:r>
+            <a:r>
+              <a:rPr lang="it-IT" sz="2000" dirty="0" err="1"/>
+              <a:t>priority</a:t>
+            </a:r>
+            <a:r>
+              <a:rPr lang="it-IT" sz="2000" dirty="0"/>
+              <a:t>: &lt;</a:t>
+            </a:r>
+            <a:r>
+              <a:rPr lang="it-IT" sz="2000" dirty="0" err="1"/>
+              <a:t>number</a:t>
+            </a:r>
+            <a:r>
+              <a:rPr lang="it-IT" sz="2000" dirty="0"/>
+              <a:t>&gt; </a:t>
+            </a:r>
+            <a:r>
+              <a:rPr lang="it-IT" sz="2000" dirty="0">
+                <a:solidFill>
+                  <a:schemeClr val="accent2"/>
+                </a:solidFill>
+              </a:rPr>
+              <a:t>// Un numero 	che indica l'idoneità relativa di un 	membro a diventare primario.(0-	1000)</a:t>
+            </a:r>
+          </a:p>
+          <a:p>
+            <a:r>
+              <a:rPr lang="it-IT" sz="2000" dirty="0"/>
+              <a:t>      tags: &lt;</a:t>
+            </a:r>
+            <a:r>
+              <a:rPr lang="it-IT" sz="2000" dirty="0" err="1"/>
+              <a:t>document</a:t>
+            </a:r>
+            <a:r>
+              <a:rPr lang="it-IT" sz="2000" dirty="0"/>
+              <a:t>&gt;,</a:t>
+            </a:r>
+          </a:p>
+          <a:p>
+            <a:r>
+              <a:rPr lang="it-IT" sz="2000" dirty="0"/>
+              <a:t>      </a:t>
+            </a:r>
+            <a:r>
+              <a:rPr lang="it-IT" sz="2000" dirty="0" err="1"/>
+              <a:t>secondaryDelaySecs</a:t>
+            </a:r>
+            <a:r>
+              <a:rPr lang="it-IT" sz="2000" dirty="0"/>
+              <a:t>: &lt;</a:t>
+            </a:r>
+            <a:r>
+              <a:rPr lang="it-IT" sz="2000" dirty="0" err="1"/>
+              <a:t>int</a:t>
+            </a:r>
+            <a:r>
+              <a:rPr lang="it-IT" sz="2000" dirty="0"/>
+              <a:t>&gt;,</a:t>
+            </a:r>
+          </a:p>
+          <a:p>
+            <a:r>
+              <a:rPr lang="it-IT" sz="2000" dirty="0"/>
+              <a:t>      </a:t>
+            </a:r>
+            <a:r>
+              <a:rPr lang="it-IT" sz="2000" dirty="0" err="1"/>
+              <a:t>votes</a:t>
+            </a:r>
+            <a:r>
+              <a:rPr lang="it-IT" sz="2000" dirty="0"/>
+              <a:t>: &lt;</a:t>
+            </a:r>
+            <a:r>
+              <a:rPr lang="it-IT" sz="2000" dirty="0" err="1"/>
+              <a:t>number</a:t>
+            </a:r>
+            <a:r>
+              <a:rPr lang="it-IT" sz="2000" dirty="0">
+                <a:solidFill>
+                  <a:schemeClr val="accent2"/>
+                </a:solidFill>
+              </a:rPr>
+              <a:t>&gt;// Il numero di voti 	che un server esprimerà in 	un'elezione (0-1) </a:t>
+            </a:r>
+            <a:r>
+              <a:rPr lang="it-IT" sz="2000" dirty="0"/>
+              <a:t>},</a:t>
+            </a:r>
+          </a:p>
+          <a:p>
+            <a:r>
+              <a:rPr lang="it-IT" sz="2000" dirty="0"/>
+              <a:t>    ...</a:t>
+            </a:r>
+          </a:p>
+          <a:p>
+            <a:endParaRPr lang="it-IT" dirty="0"/>
           </a:p>
         </p:txBody>
       </p:sp>
     </p:spTree>
     <p:extLst>
       <p:ext uri="{BB962C8B-B14F-4D97-AF65-F5344CB8AC3E}">
-        <p14:creationId xmlns:p14="http://schemas.microsoft.com/office/powerpoint/2010/main" val="1275923587"/>
+        <p14:creationId xmlns:p14="http://schemas.microsoft.com/office/powerpoint/2010/main" val="2529083846"/>
       </p:ext>
     </p:extLst>
   </p:cSld>

--- a/Presentazione_progetto.pptx
+++ b/Presentazione_progetto.pptx
@@ -5,7 +5,7 @@
     <p:sldMasterId id="2147483672" r:id="rId1"/>
   </p:sldMasterIdLst>
   <p:notesMasterIdLst>
-    <p:notesMasterId r:id="rId20"/>
+    <p:notesMasterId r:id="rId22"/>
   </p:notesMasterIdLst>
   <p:sldIdLst>
     <p:sldId id="256" r:id="rId2"/>
@@ -26,6 +26,8 @@
     <p:sldId id="273" r:id="rId17"/>
     <p:sldId id="274" r:id="rId18"/>
     <p:sldId id="263" r:id="rId19"/>
+    <p:sldId id="275" r:id="rId20"/>
+    <p:sldId id="276" r:id="rId21"/>
   </p:sldIdLst>
   <p:sldSz cx="12192000" cy="6858000"/>
   <p:notesSz cx="6858000" cy="9144000"/>
@@ -214,7 +216,7 @@
           <a:p>
             <a:fld id="{5D86E91A-6C9D-48EA-9EAF-BBA9F3961CF9}" type="datetimeFigureOut">
               <a:rPr lang="it-IT" smtClean="0"/>
-              <a:t>18/03/2022</a:t>
+              <a:t>19/03/2022</a:t>
             </a:fld>
             <a:endParaRPr lang="it-IT"/>
           </a:p>
@@ -755,6 +757,97 @@
     <p:extLst>
       <p:ext uri="{BB962C8B-B14F-4D97-AF65-F5344CB8AC3E}">
         <p14:creationId xmlns:p14="http://schemas.microsoft.com/office/powerpoint/2010/main" val="1108071276"/>
+      </p:ext>
+    </p:extLst>
+  </p:cSld>
+  <p:clrMapOvr>
+    <a:masterClrMapping/>
+  </p:clrMapOvr>
+</p:notes>
+</file>
+
+<file path=ppt/notesSlides/notesSlide11.xml><?xml version="1.0" encoding="utf-8"?>
+<p:notes xmlns:a="http://schemas.openxmlformats.org/drawingml/2006/main" xmlns:r="http://schemas.openxmlformats.org/officeDocument/2006/relationships" xmlns:p="http://schemas.openxmlformats.org/presentationml/2006/main">
+  <p:cSld>
+    <p:spTree>
+      <p:nvGrpSpPr>
+        <p:cNvPr id="1" name=""/>
+        <p:cNvGrpSpPr/>
+        <p:nvPr/>
+      </p:nvGrpSpPr>
+      <p:grpSpPr>
+        <a:xfrm>
+          <a:off x="0" y="0"/>
+          <a:ext cx="0" cy="0"/>
+          <a:chOff x="0" y="0"/>
+          <a:chExt cx="0" cy="0"/>
+        </a:xfrm>
+      </p:grpSpPr>
+      <p:sp>
+        <p:nvSpPr>
+          <p:cNvPr id="2" name="Segnaposto immagine diapositiva 1"/>
+          <p:cNvSpPr>
+            <a:spLocks noGrp="1" noRot="1" noChangeAspect="1"/>
+          </p:cNvSpPr>
+          <p:nvPr>
+            <p:ph type="sldImg"/>
+          </p:nvPr>
+        </p:nvSpPr>
+        <p:spPr/>
+      </p:sp>
+      <p:sp>
+        <p:nvSpPr>
+          <p:cNvPr id="3" name="Segnaposto note 2"/>
+          <p:cNvSpPr>
+            <a:spLocks noGrp="1"/>
+          </p:cNvSpPr>
+          <p:nvPr>
+            <p:ph type="body" idx="1"/>
+          </p:nvPr>
+        </p:nvSpPr>
+        <p:spPr/>
+        <p:txBody>
+          <a:bodyPr/>
+          <a:lstStyle/>
+          <a:p>
+            <a:r>
+              <a:rPr lang="it-IT" b="1" dirty="0" err="1"/>
+              <a:t>Sharding</a:t>
+            </a:r>
+            <a:r>
+              <a:rPr lang="it-IT" dirty="0"/>
+              <a:t>: metodo per distribuire i dati attraverso macchine multiple.</a:t>
+            </a:r>
+          </a:p>
+        </p:txBody>
+      </p:sp>
+      <p:sp>
+        <p:nvSpPr>
+          <p:cNvPr id="4" name="Segnaposto numero diapositiva 3"/>
+          <p:cNvSpPr>
+            <a:spLocks noGrp="1"/>
+          </p:cNvSpPr>
+          <p:nvPr>
+            <p:ph type="sldNum" sz="quarter" idx="5"/>
+          </p:nvPr>
+        </p:nvSpPr>
+        <p:spPr/>
+        <p:txBody>
+          <a:bodyPr/>
+          <a:lstStyle/>
+          <a:p>
+            <a:fld id="{7B9EF5EE-42ED-4142-B01A-B637985E9B70}" type="slidenum">
+              <a:rPr lang="it-IT" smtClean="0"/>
+              <a:t>18</a:t>
+            </a:fld>
+            <a:endParaRPr lang="it-IT"/>
+          </a:p>
+        </p:txBody>
+      </p:sp>
+    </p:spTree>
+    <p:extLst>
+      <p:ext uri="{BB962C8B-B14F-4D97-AF65-F5344CB8AC3E}">
+        <p14:creationId xmlns:p14="http://schemas.microsoft.com/office/powerpoint/2010/main" val="2423137204"/>
       </p:ext>
     </p:extLst>
   </p:cSld>
@@ -2470,7 +2563,7 @@
           <a:p>
             <a:fld id="{5EEC1FBE-7A50-402B-9218-00262FCB5F53}" type="datetimeFigureOut">
               <a:rPr lang="it-IT" smtClean="0"/>
-              <a:t>18/03/2022</a:t>
+              <a:t>19/03/2022</a:t>
             </a:fld>
             <a:endParaRPr lang="it-IT"/>
           </a:p>
@@ -2721,7 +2814,7 @@
           <a:p>
             <a:fld id="{5EEC1FBE-7A50-402B-9218-00262FCB5F53}" type="datetimeFigureOut">
               <a:rPr lang="it-IT" smtClean="0"/>
-              <a:t>18/03/2022</a:t>
+              <a:t>19/03/2022</a:t>
             </a:fld>
             <a:endParaRPr lang="it-IT"/>
           </a:p>
@@ -3035,7 +3128,7 @@
           <a:p>
             <a:fld id="{5EEC1FBE-7A50-402B-9218-00262FCB5F53}" type="datetimeFigureOut">
               <a:rPr lang="it-IT" smtClean="0"/>
-              <a:t>18/03/2022</a:t>
+              <a:t>19/03/2022</a:t>
             </a:fld>
             <a:endParaRPr lang="it-IT"/>
           </a:p>
@@ -3376,7 +3469,7 @@
           <a:p>
             <a:fld id="{5EEC1FBE-7A50-402B-9218-00262FCB5F53}" type="datetimeFigureOut">
               <a:rPr lang="it-IT" smtClean="0"/>
-              <a:t>18/03/2022</a:t>
+              <a:t>19/03/2022</a:t>
             </a:fld>
             <a:endParaRPr lang="it-IT"/>
           </a:p>
@@ -3690,7 +3783,7 @@
           <a:p>
             <a:fld id="{5EEC1FBE-7A50-402B-9218-00262FCB5F53}" type="datetimeFigureOut">
               <a:rPr lang="it-IT" smtClean="0"/>
-              <a:t>18/03/2022</a:t>
+              <a:t>19/03/2022</a:t>
             </a:fld>
             <a:endParaRPr lang="it-IT"/>
           </a:p>
@@ -4083,7 +4176,7 @@
           <a:p>
             <a:fld id="{5EEC1FBE-7A50-402B-9218-00262FCB5F53}" type="datetimeFigureOut">
               <a:rPr lang="it-IT" smtClean="0"/>
-              <a:t>18/03/2022</a:t>
+              <a:t>19/03/2022</a:t>
             </a:fld>
             <a:endParaRPr lang="it-IT"/>
           </a:p>
@@ -4253,7 +4346,7 @@
           <a:p>
             <a:fld id="{5EEC1FBE-7A50-402B-9218-00262FCB5F53}" type="datetimeFigureOut">
               <a:rPr lang="it-IT" smtClean="0"/>
-              <a:t>18/03/2022</a:t>
+              <a:t>19/03/2022</a:t>
             </a:fld>
             <a:endParaRPr lang="it-IT"/>
           </a:p>
@@ -4433,7 +4526,7 @@
           <a:p>
             <a:fld id="{5EEC1FBE-7A50-402B-9218-00262FCB5F53}" type="datetimeFigureOut">
               <a:rPr lang="it-IT" smtClean="0"/>
-              <a:t>18/03/2022</a:t>
+              <a:t>19/03/2022</a:t>
             </a:fld>
             <a:endParaRPr lang="it-IT"/>
           </a:p>
@@ -4609,7 +4702,7 @@
           <a:p>
             <a:fld id="{5EEC1FBE-7A50-402B-9218-00262FCB5F53}" type="datetimeFigureOut">
               <a:rPr lang="it-IT" smtClean="0"/>
-              <a:t>18/03/2022</a:t>
+              <a:t>19/03/2022</a:t>
             </a:fld>
             <a:endParaRPr lang="it-IT"/>
           </a:p>
@@ -4856,7 +4949,7 @@
           <a:p>
             <a:fld id="{5EEC1FBE-7A50-402B-9218-00262FCB5F53}" type="datetimeFigureOut">
               <a:rPr lang="it-IT" smtClean="0"/>
-              <a:t>18/03/2022</a:t>
+              <a:t>19/03/2022</a:t>
             </a:fld>
             <a:endParaRPr lang="it-IT"/>
           </a:p>
@@ -5088,7 +5181,7 @@
           <a:p>
             <a:fld id="{5EEC1FBE-7A50-402B-9218-00262FCB5F53}" type="datetimeFigureOut">
               <a:rPr lang="it-IT" smtClean="0"/>
-              <a:t>18/03/2022</a:t>
+              <a:t>19/03/2022</a:t>
             </a:fld>
             <a:endParaRPr lang="it-IT"/>
           </a:p>
@@ -5462,7 +5555,7 @@
           <a:p>
             <a:fld id="{5EEC1FBE-7A50-402B-9218-00262FCB5F53}" type="datetimeFigureOut">
               <a:rPr lang="it-IT" smtClean="0"/>
-              <a:t>18/03/2022</a:t>
+              <a:t>19/03/2022</a:t>
             </a:fld>
             <a:endParaRPr lang="it-IT"/>
           </a:p>
@@ -5585,7 +5678,7 @@
           <a:p>
             <a:fld id="{5EEC1FBE-7A50-402B-9218-00262FCB5F53}" type="datetimeFigureOut">
               <a:rPr lang="it-IT" smtClean="0"/>
-              <a:t>18/03/2022</a:t>
+              <a:t>19/03/2022</a:t>
             </a:fld>
             <a:endParaRPr lang="it-IT"/>
           </a:p>
@@ -5680,7 +5773,7 @@
           <a:p>
             <a:fld id="{5EEC1FBE-7A50-402B-9218-00262FCB5F53}" type="datetimeFigureOut">
               <a:rPr lang="it-IT" smtClean="0"/>
-              <a:t>18/03/2022</a:t>
+              <a:t>19/03/2022</a:t>
             </a:fld>
             <a:endParaRPr lang="it-IT"/>
           </a:p>
@@ -5935,7 +6028,7 @@
           <a:p>
             <a:fld id="{5EEC1FBE-7A50-402B-9218-00262FCB5F53}" type="datetimeFigureOut">
               <a:rPr lang="it-IT" smtClean="0"/>
-              <a:t>18/03/2022</a:t>
+              <a:t>19/03/2022</a:t>
             </a:fld>
             <a:endParaRPr lang="it-IT"/>
           </a:p>
@@ -6198,7 +6291,7 @@
           <a:p>
             <a:fld id="{5EEC1FBE-7A50-402B-9218-00262FCB5F53}" type="datetimeFigureOut">
               <a:rPr lang="it-IT" smtClean="0"/>
-              <a:t>18/03/2022</a:t>
+              <a:t>19/03/2022</a:t>
             </a:fld>
             <a:endParaRPr lang="it-IT"/>
           </a:p>
@@ -6941,7 +7034,7 @@
           <a:p>
             <a:fld id="{5EEC1FBE-7A50-402B-9218-00262FCB5F53}" type="datetimeFigureOut">
               <a:rPr lang="it-IT" smtClean="0"/>
-              <a:t>18/03/2022</a:t>
+              <a:t>19/03/2022</a:t>
             </a:fld>
             <a:endParaRPr lang="it-IT"/>
           </a:p>
@@ -9967,12 +10060,123 @@
             <p:ph idx="1"/>
           </p:nvPr>
         </p:nvSpPr>
-        <p:spPr/>
+        <p:spPr>
+          <a:xfrm>
+            <a:off x="677334" y="2160589"/>
+            <a:ext cx="8596668" cy="3037053"/>
+          </a:xfrm>
+        </p:spPr>
         <p:txBody>
           <a:bodyPr/>
           <a:lstStyle/>
           <a:p>
-            <a:endParaRPr lang="it-IT" dirty="0"/>
+            <a:r>
+              <a:rPr lang="it-IT" dirty="0" err="1"/>
+              <a:t>MongoDB</a:t>
+            </a:r>
+            <a:r>
+              <a:rPr lang="it-IT" dirty="0"/>
+              <a:t> supporta lo scaling orizzontale attraverso lo </a:t>
+            </a:r>
+            <a:r>
+              <a:rPr lang="it-IT" dirty="0" err="1"/>
+              <a:t>sharding</a:t>
+            </a:r>
+            <a:r>
+              <a:rPr lang="it-IT" dirty="0"/>
+              <a:t>.</a:t>
+            </a:r>
+          </a:p>
+          <a:p>
+            <a:r>
+              <a:rPr lang="it-IT" dirty="0"/>
+              <a:t>Componenti del </a:t>
+            </a:r>
+            <a:r>
+              <a:rPr lang="it-IT" dirty="0" err="1"/>
+              <a:t>Sharded</a:t>
+            </a:r>
+            <a:r>
+              <a:rPr lang="it-IT" dirty="0"/>
+              <a:t> Cluster di </a:t>
+            </a:r>
+            <a:r>
+              <a:rPr lang="it-IT" dirty="0" err="1"/>
+              <a:t>MongoDB</a:t>
+            </a:r>
+            <a:r>
+              <a:rPr lang="it-IT" dirty="0"/>
+              <a:t>:</a:t>
+            </a:r>
+          </a:p>
+          <a:p>
+            <a:pPr lvl="1"/>
+            <a:r>
+              <a:rPr lang="it-IT" dirty="0" err="1">
+                <a:solidFill>
+                  <a:schemeClr val="accent2"/>
+                </a:solidFill>
+              </a:rPr>
+              <a:t>Shard</a:t>
+            </a:r>
+            <a:r>
+              <a:rPr lang="it-IT" dirty="0"/>
+              <a:t>: Contiene un subset dei dati e insieme tutti i </a:t>
+            </a:r>
+            <a:r>
+              <a:rPr lang="it-IT" dirty="0" err="1"/>
+              <a:t>shard</a:t>
+            </a:r>
+            <a:r>
+              <a:rPr lang="it-IT" dirty="0"/>
+              <a:t> formano l’intero data set de dati del </a:t>
+            </a:r>
+            <a:r>
+              <a:rPr lang="it-IT" dirty="0" err="1"/>
+              <a:t>clustrer</a:t>
+            </a:r>
+            <a:r>
+              <a:rPr lang="it-IT" dirty="0"/>
+              <a:t>. Può essere strutturato come un replica set.</a:t>
+            </a:r>
+          </a:p>
+          <a:p>
+            <a:pPr lvl="1"/>
+            <a:r>
+              <a:rPr lang="it-IT" dirty="0" err="1">
+                <a:solidFill>
+                  <a:schemeClr val="accent2"/>
+                </a:solidFill>
+              </a:rPr>
+              <a:t>Mongos</a:t>
+            </a:r>
+            <a:r>
+              <a:rPr lang="it-IT" dirty="0"/>
+              <a:t>: fa da query router, provvedere all’interfaccia tra l’app client e lo </a:t>
+            </a:r>
+            <a:r>
+              <a:rPr lang="it-IT" dirty="0" err="1"/>
+              <a:t>Sharded</a:t>
+            </a:r>
+            <a:r>
+              <a:rPr lang="it-IT" dirty="0"/>
+              <a:t> Cluster.</a:t>
+            </a:r>
+          </a:p>
+          <a:p>
+            <a:pPr lvl="1"/>
+            <a:r>
+              <a:rPr lang="it-IT" dirty="0" err="1">
+                <a:solidFill>
+                  <a:schemeClr val="accent2"/>
+                </a:solidFill>
+              </a:rPr>
+              <a:t>Config</a:t>
+            </a:r>
+            <a:r>
+              <a:rPr lang="it-IT" dirty="0"/>
+              <a:t> Servers: immagazzina i metadata e le impostazioni di configurazione del cluster. I metadati riflettono lo stato e l’organizzazione di tutti i dati nel cluster. </a:t>
+            </a:r>
           </a:p>
         </p:txBody>
       </p:sp>
@@ -9980,6 +10184,75 @@
     <p:extLst>
       <p:ext uri="{BB962C8B-B14F-4D97-AF65-F5344CB8AC3E}">
         <p14:creationId xmlns:p14="http://schemas.microsoft.com/office/powerpoint/2010/main" val="1959518528"/>
+      </p:ext>
+    </p:extLst>
+  </p:cSld>
+  <p:clrMapOvr>
+    <a:masterClrMapping/>
+  </p:clrMapOvr>
+</p:sld>
+</file>
+
+<file path=ppt/slides/slide19.xml><?xml version="1.0" encoding="utf-8"?>
+<p:sld xmlns:a="http://schemas.openxmlformats.org/drawingml/2006/main" xmlns:r="http://schemas.openxmlformats.org/officeDocument/2006/relationships" xmlns:p="http://schemas.openxmlformats.org/presentationml/2006/main">
+  <p:cSld>
+    <p:spTree>
+      <p:nvGrpSpPr>
+        <p:cNvPr id="1" name=""/>
+        <p:cNvGrpSpPr/>
+        <p:nvPr/>
+      </p:nvGrpSpPr>
+      <p:grpSpPr>
+        <a:xfrm>
+          <a:off x="0" y="0"/>
+          <a:ext cx="0" cy="0"/>
+          <a:chOff x="0" y="0"/>
+          <a:chExt cx="0" cy="0"/>
+        </a:xfrm>
+      </p:grpSpPr>
+      <p:pic>
+        <p:nvPicPr>
+          <p:cNvPr id="5" name="Elemento grafico 4">
+            <a:extLst>
+              <a:ext uri="{FF2B5EF4-FFF2-40B4-BE49-F238E27FC236}">
+                <a16:creationId xmlns:a16="http://schemas.microsoft.com/office/drawing/2014/main" id="{08B218CF-2E6A-4233-88AB-D25F9F90775E}"/>
+              </a:ext>
+            </a:extLst>
+          </p:cNvPr>
+          <p:cNvPicPr>
+            <a:picLocks noChangeAspect="1"/>
+          </p:cNvPicPr>
+          <p:nvPr/>
+        </p:nvPicPr>
+        <p:blipFill>
+          <a:blip r:embed="rId2">
+            <a:extLst>
+              <a:ext uri="{28A0092B-C50C-407E-A947-70E740481C1C}">
+                <a14:useLocalDpi xmlns:a14="http://schemas.microsoft.com/office/drawing/2010/main" val="0"/>
+              </a:ext>
+              <a:ext uri="{96DAC541-7B7A-43D3-8B79-37D633B846F1}">
+                <asvg:svgBlip xmlns:asvg="http://schemas.microsoft.com/office/drawing/2016/SVG/main" r:embed="rId3"/>
+              </a:ext>
+            </a:extLst>
+          </a:blip>
+          <a:stretch>
+            <a:fillRect/>
+          </a:stretch>
+        </p:blipFill>
+        <p:spPr>
+          <a:xfrm>
+            <a:off x="472238" y="238626"/>
+            <a:ext cx="8467225" cy="6008998"/>
+          </a:xfrm>
+          <a:prstGeom prst="rect">
+            <a:avLst/>
+          </a:prstGeom>
+        </p:spPr>
+      </p:pic>
+    </p:spTree>
+    <p:extLst>
+      <p:ext uri="{BB962C8B-B14F-4D97-AF65-F5344CB8AC3E}">
+        <p14:creationId xmlns:p14="http://schemas.microsoft.com/office/powerpoint/2010/main" val="2316479846"/>
       </p:ext>
     </p:extLst>
   </p:cSld>
@@ -10135,6 +10408,168 @@
     <p:extLst>
       <p:ext uri="{BB962C8B-B14F-4D97-AF65-F5344CB8AC3E}">
         <p14:creationId xmlns:p14="http://schemas.microsoft.com/office/powerpoint/2010/main" val="2974307821"/>
+      </p:ext>
+    </p:extLst>
+  </p:cSld>
+  <p:clrMapOvr>
+    <a:masterClrMapping/>
+  </p:clrMapOvr>
+</p:sld>
+</file>
+
+<file path=ppt/slides/slide20.xml><?xml version="1.0" encoding="utf-8"?>
+<p:sld xmlns:a="http://schemas.openxmlformats.org/drawingml/2006/main" xmlns:r="http://schemas.openxmlformats.org/officeDocument/2006/relationships" xmlns:p="http://schemas.openxmlformats.org/presentationml/2006/main">
+  <p:cSld>
+    <p:spTree>
+      <p:nvGrpSpPr>
+        <p:cNvPr id="1" name=""/>
+        <p:cNvGrpSpPr/>
+        <p:nvPr/>
+      </p:nvGrpSpPr>
+      <p:grpSpPr>
+        <a:xfrm>
+          <a:off x="0" y="0"/>
+          <a:ext cx="0" cy="0"/>
+          <a:chOff x="0" y="0"/>
+          <a:chExt cx="0" cy="0"/>
+        </a:xfrm>
+      </p:grpSpPr>
+      <p:sp>
+        <p:nvSpPr>
+          <p:cNvPr id="2" name="Titolo 1">
+            <a:extLst>
+              <a:ext uri="{FF2B5EF4-FFF2-40B4-BE49-F238E27FC236}">
+                <a16:creationId xmlns:a16="http://schemas.microsoft.com/office/drawing/2014/main" id="{194ACF36-30C2-4968-ADB5-018347F7FAB7}"/>
+              </a:ext>
+            </a:extLst>
+          </p:cNvPr>
+          <p:cNvSpPr>
+            <a:spLocks noGrp="1"/>
+          </p:cNvSpPr>
+          <p:nvPr>
+            <p:ph type="title"/>
+          </p:nvPr>
+        </p:nvSpPr>
+        <p:spPr/>
+        <p:txBody>
+          <a:bodyPr/>
+          <a:lstStyle/>
+          <a:p>
+            <a:r>
+              <a:rPr lang="it-IT" dirty="0" err="1"/>
+              <a:t>Shard</a:t>
+            </a:r>
+            <a:r>
+              <a:rPr lang="it-IT" dirty="0"/>
+              <a:t> keys:</a:t>
+            </a:r>
+          </a:p>
+        </p:txBody>
+      </p:sp>
+      <p:sp>
+        <p:nvSpPr>
+          <p:cNvPr id="3" name="Segnaposto contenuto 2">
+            <a:extLst>
+              <a:ext uri="{FF2B5EF4-FFF2-40B4-BE49-F238E27FC236}">
+                <a16:creationId xmlns:a16="http://schemas.microsoft.com/office/drawing/2014/main" id="{E92172EA-4017-44F0-B322-5FD95B1BC964}"/>
+              </a:ext>
+            </a:extLst>
+          </p:cNvPr>
+          <p:cNvSpPr>
+            <a:spLocks noGrp="1"/>
+          </p:cNvSpPr>
+          <p:nvPr>
+            <p:ph idx="1"/>
+          </p:nvPr>
+        </p:nvSpPr>
+        <p:spPr>
+          <a:xfrm>
+            <a:off x="677334" y="1264906"/>
+            <a:ext cx="8596668" cy="1320800"/>
+          </a:xfrm>
+        </p:spPr>
+        <p:txBody>
+          <a:bodyPr>
+            <a:normAutofit fontScale="92500" lnSpcReduction="20000"/>
+          </a:bodyPr>
+          <a:lstStyle/>
+          <a:p>
+            <a:r>
+              <a:rPr lang="it-IT" dirty="0" err="1"/>
+              <a:t>MongoDB</a:t>
+            </a:r>
+            <a:r>
+              <a:rPr lang="it-IT" dirty="0"/>
+              <a:t> organizza i dati a livello di Collection e le distribuisce tra gli </a:t>
+            </a:r>
+            <a:r>
+              <a:rPr lang="it-IT" dirty="0" err="1"/>
+              <a:t>shard</a:t>
+            </a:r>
+            <a:r>
+              <a:rPr lang="it-IT" dirty="0"/>
+              <a:t> nel cluster.</a:t>
+            </a:r>
+          </a:p>
+          <a:p>
+            <a:r>
+              <a:rPr lang="it-IT" dirty="0"/>
+              <a:t>Usa gli </a:t>
+            </a:r>
+            <a:r>
+              <a:rPr lang="it-IT" dirty="0" err="1"/>
+              <a:t>shard</a:t>
+            </a:r>
+            <a:r>
+              <a:rPr lang="it-IT" dirty="0"/>
+              <a:t> key per distribuire le collezioni di documenti. Queste key consistono in un o più campi nei documenti coperti da un indice composto che determina la distribuzione della collezione di documenti lungo il cluster</a:t>
+            </a:r>
+          </a:p>
+        </p:txBody>
+      </p:sp>
+      <p:pic>
+        <p:nvPicPr>
+          <p:cNvPr id="5" name="Elemento grafico 4">
+            <a:extLst>
+              <a:ext uri="{FF2B5EF4-FFF2-40B4-BE49-F238E27FC236}">
+                <a16:creationId xmlns:a16="http://schemas.microsoft.com/office/drawing/2014/main" id="{ED665132-C692-4E34-B9E8-F3760B388987}"/>
+              </a:ext>
+            </a:extLst>
+          </p:cNvPr>
+          <p:cNvPicPr>
+            <a:picLocks noChangeAspect="1"/>
+          </p:cNvPicPr>
+          <p:nvPr/>
+        </p:nvPicPr>
+        <p:blipFill>
+          <a:blip r:embed="rId2">
+            <a:extLst>
+              <a:ext uri="{28A0092B-C50C-407E-A947-70E740481C1C}">
+                <a14:useLocalDpi xmlns:a14="http://schemas.microsoft.com/office/drawing/2010/main" val="0"/>
+              </a:ext>
+              <a:ext uri="{96DAC541-7B7A-43D3-8B79-37D633B846F1}">
+                <asvg:svgBlip xmlns:asvg="http://schemas.microsoft.com/office/drawing/2016/SVG/main" r:embed="rId3"/>
+              </a:ext>
+            </a:extLst>
+          </a:blip>
+          <a:stretch>
+            <a:fillRect/>
+          </a:stretch>
+        </p:blipFill>
+        <p:spPr>
+          <a:xfrm>
+            <a:off x="832253" y="2815809"/>
+            <a:ext cx="7722200" cy="2381250"/>
+          </a:xfrm>
+          <a:prstGeom prst="rect">
+            <a:avLst/>
+          </a:prstGeom>
+        </p:spPr>
+      </p:pic>
+    </p:spTree>
+    <p:extLst>
+      <p:ext uri="{BB962C8B-B14F-4D97-AF65-F5344CB8AC3E}">
+        <p14:creationId xmlns:p14="http://schemas.microsoft.com/office/powerpoint/2010/main" val="2843099999"/>
       </p:ext>
     </p:extLst>
   </p:cSld>

--- a/Presentazione_progetto.pptx
+++ b/Presentazione_progetto.pptx
@@ -5,29 +5,34 @@
     <p:sldMasterId id="2147483672" r:id="rId1"/>
   </p:sldMasterIdLst>
   <p:notesMasterIdLst>
-    <p:notesMasterId r:id="rId22"/>
+    <p:notesMasterId r:id="rId27"/>
   </p:notesMasterIdLst>
   <p:sldIdLst>
     <p:sldId id="256" r:id="rId2"/>
-    <p:sldId id="257" r:id="rId3"/>
-    <p:sldId id="258" r:id="rId4"/>
-    <p:sldId id="260" r:id="rId5"/>
-    <p:sldId id="261" r:id="rId6"/>
-    <p:sldId id="262" r:id="rId7"/>
-    <p:sldId id="264" r:id="rId8"/>
-    <p:sldId id="265" r:id="rId9"/>
-    <p:sldId id="266" r:id="rId10"/>
-    <p:sldId id="267" r:id="rId11"/>
-    <p:sldId id="268" r:id="rId12"/>
-    <p:sldId id="269" r:id="rId13"/>
-    <p:sldId id="270" r:id="rId14"/>
-    <p:sldId id="271" r:id="rId15"/>
-    <p:sldId id="272" r:id="rId16"/>
-    <p:sldId id="273" r:id="rId17"/>
-    <p:sldId id="274" r:id="rId18"/>
-    <p:sldId id="263" r:id="rId19"/>
-    <p:sldId id="275" r:id="rId20"/>
-    <p:sldId id="276" r:id="rId21"/>
+    <p:sldId id="277" r:id="rId3"/>
+    <p:sldId id="257" r:id="rId4"/>
+    <p:sldId id="258" r:id="rId5"/>
+    <p:sldId id="260" r:id="rId6"/>
+    <p:sldId id="261" r:id="rId7"/>
+    <p:sldId id="262" r:id="rId8"/>
+    <p:sldId id="280" r:id="rId9"/>
+    <p:sldId id="264" r:id="rId10"/>
+    <p:sldId id="265" r:id="rId11"/>
+    <p:sldId id="266" r:id="rId12"/>
+    <p:sldId id="267" r:id="rId13"/>
+    <p:sldId id="268" r:id="rId14"/>
+    <p:sldId id="269" r:id="rId15"/>
+    <p:sldId id="270" r:id="rId16"/>
+    <p:sldId id="271" r:id="rId17"/>
+    <p:sldId id="272" r:id="rId18"/>
+    <p:sldId id="273" r:id="rId19"/>
+    <p:sldId id="274" r:id="rId20"/>
+    <p:sldId id="278" r:id="rId21"/>
+    <p:sldId id="263" r:id="rId22"/>
+    <p:sldId id="275" r:id="rId23"/>
+    <p:sldId id="276" r:id="rId24"/>
+    <p:sldId id="279" r:id="rId25"/>
+    <p:sldId id="281" r:id="rId26"/>
   </p:sldIdLst>
   <p:sldSz cx="12192000" cy="6858000"/>
   <p:notesSz cx="6858000" cy="9144000"/>
@@ -216,7 +221,7 @@
           <a:p>
             <a:fld id="{5D86E91A-6C9D-48EA-9EAF-BBA9F3961CF9}" type="datetimeFigureOut">
               <a:rPr lang="it-IT" smtClean="0"/>
-              <a:t>19/03/2022</a:t>
+              <a:t>05/04/2022</a:t>
             </a:fld>
             <a:endParaRPr lang="it-IT"/>
           </a:p>
@@ -603,7 +608,7 @@
           <a:p>
             <a:fld id="{7B9EF5EE-42ED-4142-B01A-B637985E9B70}" type="slidenum">
               <a:rPr lang="it-IT" smtClean="0"/>
-              <a:t>3</a:t>
+              <a:t>4</a:t>
             </a:fld>
             <a:endParaRPr lang="it-IT"/>
           </a:p>
@@ -666,66 +671,6 @@
           <a:bodyPr/>
           <a:lstStyle/>
           <a:p>
-            <a:pPr marL="0" marR="0" lvl="0" indent="0" algn="l" defTabSz="914400" rtl="0" eaLnBrk="1" fontAlgn="auto" latinLnBrk="0" hangingPunct="1">
-              <a:lnSpc>
-                <a:spcPct val="100000"/>
-              </a:lnSpc>
-              <a:spcBef>
-                <a:spcPts val="0"/>
-              </a:spcBef>
-              <a:spcAft>
-                <a:spcPts val="0"/>
-              </a:spcAft>
-              <a:buClrTx/>
-              <a:buSzTx/>
-              <a:buFontTx/>
-              <a:buNone/>
-              <a:tabLst/>
-              <a:defRPr/>
-            </a:pPr>
-            <a:r>
-              <a:rPr lang="it-IT" b="1" dirty="0"/>
-              <a:t>on-disk journal</a:t>
-            </a:r>
-            <a:r>
-              <a:rPr lang="it-IT" dirty="0"/>
-              <a:t>: Per garantire la durabilità in caso di errore, </a:t>
-            </a:r>
-            <a:r>
-              <a:rPr lang="it-IT" dirty="0" err="1"/>
-              <a:t>MongoDB</a:t>
-            </a:r>
-            <a:r>
-              <a:rPr lang="it-IT" dirty="0"/>
-              <a:t> utilizza la registrazione in anticipo della scrittura sui file journal su disco. Cioè </a:t>
-            </a:r>
-            <a:r>
-              <a:rPr lang="it-IT" dirty="0" err="1"/>
-              <a:t>write-ahead</a:t>
-            </a:r>
-            <a:r>
-              <a:rPr lang="it-IT" dirty="0"/>
-              <a:t> log(WAL) registro di Log, operazioni scritte prima di essere eseguite.</a:t>
-            </a:r>
-          </a:p>
-          <a:p>
-            <a:pPr marL="0" marR="0" lvl="0" indent="0" algn="l" defTabSz="914400" rtl="0" eaLnBrk="1" fontAlgn="auto" latinLnBrk="0" hangingPunct="1">
-              <a:lnSpc>
-                <a:spcPct val="100000"/>
-              </a:lnSpc>
-              <a:spcBef>
-                <a:spcPts val="0"/>
-              </a:spcBef>
-              <a:spcAft>
-                <a:spcPts val="0"/>
-              </a:spcAft>
-              <a:buClrTx/>
-              <a:buSzTx/>
-              <a:buFontTx/>
-              <a:buNone/>
-              <a:tabLst/>
-              <a:defRPr/>
-            </a:pPr>
             <a:endParaRPr lang="it-IT" dirty="0"/>
           </a:p>
         </p:txBody>
@@ -756,7 +701,7 @@
     </p:spTree>
     <p:extLst>
       <p:ext uri="{BB962C8B-B14F-4D97-AF65-F5344CB8AC3E}">
-        <p14:creationId xmlns:p14="http://schemas.microsoft.com/office/powerpoint/2010/main" val="1108071276"/>
+        <p14:creationId xmlns:p14="http://schemas.microsoft.com/office/powerpoint/2010/main" val="2389835601"/>
       </p:ext>
     </p:extLst>
   </p:cSld>
@@ -810,6 +755,150 @@
           <a:bodyPr/>
           <a:lstStyle/>
           <a:p>
+            <a:pPr marL="0" marR="0" lvl="0" indent="0" algn="l" defTabSz="914400" rtl="0" eaLnBrk="1" fontAlgn="auto" latinLnBrk="0" hangingPunct="1">
+              <a:lnSpc>
+                <a:spcPct val="100000"/>
+              </a:lnSpc>
+              <a:spcBef>
+                <a:spcPts val="0"/>
+              </a:spcBef>
+              <a:spcAft>
+                <a:spcPts val="0"/>
+              </a:spcAft>
+              <a:buClrTx/>
+              <a:buSzTx/>
+              <a:buFontTx/>
+              <a:buNone/>
+              <a:tabLst/>
+              <a:defRPr/>
+            </a:pPr>
+            <a:r>
+              <a:rPr lang="it-IT" b="1" dirty="0"/>
+              <a:t>on-disk journal</a:t>
+            </a:r>
+            <a:r>
+              <a:rPr lang="it-IT" dirty="0"/>
+              <a:t>: Per garantire la durabilità in caso di errore, </a:t>
+            </a:r>
+            <a:r>
+              <a:rPr lang="it-IT" dirty="0" err="1"/>
+              <a:t>MongoDB</a:t>
+            </a:r>
+            <a:r>
+              <a:rPr lang="it-IT" dirty="0"/>
+              <a:t> utilizza la registrazione in anticipo della scrittura sui file journal su disco. Cioè </a:t>
+            </a:r>
+            <a:r>
+              <a:rPr lang="it-IT" dirty="0" err="1"/>
+              <a:t>write-ahead</a:t>
+            </a:r>
+            <a:r>
+              <a:rPr lang="it-IT" dirty="0"/>
+              <a:t> log(WAL) registro di Log, operazioni scritte prima di essere eseguite.</a:t>
+            </a:r>
+          </a:p>
+          <a:p>
+            <a:pPr marL="0" marR="0" lvl="0" indent="0" algn="l" defTabSz="914400" rtl="0" eaLnBrk="1" fontAlgn="auto" latinLnBrk="0" hangingPunct="1">
+              <a:lnSpc>
+                <a:spcPct val="100000"/>
+              </a:lnSpc>
+              <a:spcBef>
+                <a:spcPts val="0"/>
+              </a:spcBef>
+              <a:spcAft>
+                <a:spcPts val="0"/>
+              </a:spcAft>
+              <a:buClrTx/>
+              <a:buSzTx/>
+              <a:buFontTx/>
+              <a:buNone/>
+              <a:tabLst/>
+              <a:defRPr/>
+            </a:pPr>
+            <a:endParaRPr lang="it-IT" dirty="0"/>
+          </a:p>
+        </p:txBody>
+      </p:sp>
+      <p:sp>
+        <p:nvSpPr>
+          <p:cNvPr id="4" name="Segnaposto numero diapositiva 3"/>
+          <p:cNvSpPr>
+            <a:spLocks noGrp="1"/>
+          </p:cNvSpPr>
+          <p:nvPr>
+            <p:ph type="sldNum" sz="quarter" idx="5"/>
+          </p:nvPr>
+        </p:nvSpPr>
+        <p:spPr/>
+        <p:txBody>
+          <a:bodyPr/>
+          <a:lstStyle/>
+          <a:p>
+            <a:fld id="{7B9EF5EE-42ED-4142-B01A-B637985E9B70}" type="slidenum">
+              <a:rPr lang="it-IT" smtClean="0"/>
+              <a:t>19</a:t>
+            </a:fld>
+            <a:endParaRPr lang="it-IT"/>
+          </a:p>
+        </p:txBody>
+      </p:sp>
+    </p:spTree>
+    <p:extLst>
+      <p:ext uri="{BB962C8B-B14F-4D97-AF65-F5344CB8AC3E}">
+        <p14:creationId xmlns:p14="http://schemas.microsoft.com/office/powerpoint/2010/main" val="1108071276"/>
+      </p:ext>
+    </p:extLst>
+  </p:cSld>
+  <p:clrMapOvr>
+    <a:masterClrMapping/>
+  </p:clrMapOvr>
+</p:notes>
+</file>
+
+<file path=ppt/notesSlides/notesSlide12.xml><?xml version="1.0" encoding="utf-8"?>
+<p:notes xmlns:a="http://schemas.openxmlformats.org/drawingml/2006/main" xmlns:r="http://schemas.openxmlformats.org/officeDocument/2006/relationships" xmlns:p="http://schemas.openxmlformats.org/presentationml/2006/main">
+  <p:cSld>
+    <p:spTree>
+      <p:nvGrpSpPr>
+        <p:cNvPr id="1" name=""/>
+        <p:cNvGrpSpPr/>
+        <p:nvPr/>
+      </p:nvGrpSpPr>
+      <p:grpSpPr>
+        <a:xfrm>
+          <a:off x="0" y="0"/>
+          <a:ext cx="0" cy="0"/>
+          <a:chOff x="0" y="0"/>
+          <a:chExt cx="0" cy="0"/>
+        </a:xfrm>
+      </p:grpSpPr>
+      <p:sp>
+        <p:nvSpPr>
+          <p:cNvPr id="2" name="Segnaposto immagine diapositiva 1"/>
+          <p:cNvSpPr>
+            <a:spLocks noGrp="1" noRot="1" noChangeAspect="1"/>
+          </p:cNvSpPr>
+          <p:nvPr>
+            <p:ph type="sldImg"/>
+          </p:nvPr>
+        </p:nvSpPr>
+        <p:spPr/>
+      </p:sp>
+      <p:sp>
+        <p:nvSpPr>
+          <p:cNvPr id="3" name="Segnaposto note 2"/>
+          <p:cNvSpPr>
+            <a:spLocks noGrp="1"/>
+          </p:cNvSpPr>
+          <p:nvPr>
+            <p:ph type="body" idx="1"/>
+          </p:nvPr>
+        </p:nvSpPr>
+        <p:spPr/>
+        <p:txBody>
+          <a:bodyPr/>
+          <a:lstStyle/>
+          <a:p>
             <a:r>
               <a:rPr lang="it-IT" b="1" dirty="0" err="1"/>
               <a:t>Sharding</a:t>
@@ -838,7 +927,7 @@
           <a:p>
             <a:fld id="{7B9EF5EE-42ED-4142-B01A-B637985E9B70}" type="slidenum">
               <a:rPr lang="it-IT" smtClean="0"/>
-              <a:t>18</a:t>
+              <a:t>21</a:t>
             </a:fld>
             <a:endParaRPr lang="it-IT"/>
           </a:p>
@@ -848,6 +937,90 @@
     <p:extLst>
       <p:ext uri="{BB962C8B-B14F-4D97-AF65-F5344CB8AC3E}">
         <p14:creationId xmlns:p14="http://schemas.microsoft.com/office/powerpoint/2010/main" val="2423137204"/>
+      </p:ext>
+    </p:extLst>
+  </p:cSld>
+  <p:clrMapOvr>
+    <a:masterClrMapping/>
+  </p:clrMapOvr>
+</p:notes>
+</file>
+
+<file path=ppt/notesSlides/notesSlide13.xml><?xml version="1.0" encoding="utf-8"?>
+<p:notes xmlns:a="http://schemas.openxmlformats.org/drawingml/2006/main" xmlns:r="http://schemas.openxmlformats.org/officeDocument/2006/relationships" xmlns:p="http://schemas.openxmlformats.org/presentationml/2006/main">
+  <p:cSld>
+    <p:spTree>
+      <p:nvGrpSpPr>
+        <p:cNvPr id="1" name=""/>
+        <p:cNvGrpSpPr/>
+        <p:nvPr/>
+      </p:nvGrpSpPr>
+      <p:grpSpPr>
+        <a:xfrm>
+          <a:off x="0" y="0"/>
+          <a:ext cx="0" cy="0"/>
+          <a:chOff x="0" y="0"/>
+          <a:chExt cx="0" cy="0"/>
+        </a:xfrm>
+      </p:grpSpPr>
+      <p:sp>
+        <p:nvSpPr>
+          <p:cNvPr id="2" name="Segnaposto immagine diapositiva 1"/>
+          <p:cNvSpPr>
+            <a:spLocks noGrp="1" noRot="1" noChangeAspect="1"/>
+          </p:cNvSpPr>
+          <p:nvPr>
+            <p:ph type="sldImg"/>
+          </p:nvPr>
+        </p:nvSpPr>
+        <p:spPr/>
+      </p:sp>
+      <p:sp>
+        <p:nvSpPr>
+          <p:cNvPr id="3" name="Segnaposto note 2"/>
+          <p:cNvSpPr>
+            <a:spLocks noGrp="1"/>
+          </p:cNvSpPr>
+          <p:nvPr>
+            <p:ph type="body" idx="1"/>
+          </p:nvPr>
+        </p:nvSpPr>
+        <p:spPr/>
+        <p:txBody>
+          <a:bodyPr/>
+          <a:lstStyle/>
+          <a:p>
+            <a:endParaRPr lang="it-IT" dirty="0"/>
+          </a:p>
+        </p:txBody>
+      </p:sp>
+      <p:sp>
+        <p:nvSpPr>
+          <p:cNvPr id="4" name="Segnaposto numero diapositiva 3"/>
+          <p:cNvSpPr>
+            <a:spLocks noGrp="1"/>
+          </p:cNvSpPr>
+          <p:nvPr>
+            <p:ph type="sldNum" sz="quarter" idx="5"/>
+          </p:nvPr>
+        </p:nvSpPr>
+        <p:spPr/>
+        <p:txBody>
+          <a:bodyPr/>
+          <a:lstStyle/>
+          <a:p>
+            <a:fld id="{7B9EF5EE-42ED-4142-B01A-B637985E9B70}" type="slidenum">
+              <a:rPr lang="it-IT" smtClean="0"/>
+              <a:t>24</a:t>
+            </a:fld>
+            <a:endParaRPr lang="it-IT"/>
+          </a:p>
+        </p:txBody>
+      </p:sp>
+    </p:spTree>
+    <p:extLst>
+      <p:ext uri="{BB962C8B-B14F-4D97-AF65-F5344CB8AC3E}">
+        <p14:creationId xmlns:p14="http://schemas.microsoft.com/office/powerpoint/2010/main" val="1062532552"/>
       </p:ext>
     </p:extLst>
   </p:cSld>
@@ -925,7 +1098,7 @@
           <a:p>
             <a:fld id="{7B9EF5EE-42ED-4142-B01A-B637985E9B70}" type="slidenum">
               <a:rPr lang="it-IT" smtClean="0"/>
-              <a:t>4</a:t>
+              <a:t>5</a:t>
             </a:fld>
             <a:endParaRPr lang="it-IT"/>
           </a:p>
@@ -1012,7 +1185,7 @@
           <a:p>
             <a:fld id="{7B9EF5EE-42ED-4142-B01A-B637985E9B70}" type="slidenum">
               <a:rPr lang="it-IT" smtClean="0"/>
-              <a:t>5</a:t>
+              <a:t>6</a:t>
             </a:fld>
             <a:endParaRPr lang="it-IT"/>
           </a:p>
@@ -1170,7 +1343,7 @@
           <a:p>
             <a:fld id="{7B9EF5EE-42ED-4142-B01A-B637985E9B70}" type="slidenum">
               <a:rPr lang="it-IT" smtClean="0"/>
-              <a:t>6</a:t>
+              <a:t>7</a:t>
             </a:fld>
             <a:endParaRPr lang="it-IT"/>
           </a:p>
@@ -1233,107 +1406,6 @@
           <a:bodyPr/>
           <a:lstStyle/>
           <a:p>
-            <a:pPr marL="0" marR="0" lvl="0" indent="0" algn="l" defTabSz="914400" rtl="0" eaLnBrk="1" fontAlgn="auto" latinLnBrk="0" hangingPunct="1">
-              <a:lnSpc>
-                <a:spcPct val="100000"/>
-              </a:lnSpc>
-              <a:spcBef>
-                <a:spcPts val="0"/>
-              </a:spcBef>
-              <a:spcAft>
-                <a:spcPts val="0"/>
-              </a:spcAft>
-              <a:buClrTx/>
-              <a:buSzTx/>
-              <a:buFontTx/>
-              <a:buNone/>
-              <a:tabLst/>
-              <a:defRPr/>
-            </a:pPr>
-            <a:r>
-              <a:rPr lang="it-IT" dirty="0"/>
-              <a:t>È inoltre possibile mantenere copie aggiuntive per scopi dedicati, come il ripristino di emergenza, la creazione di report o il backup. </a:t>
-            </a:r>
-          </a:p>
-          <a:p>
-            <a:pPr marL="0" marR="0" lvl="0" indent="0" algn="l" defTabSz="914400" rtl="0" eaLnBrk="1" fontAlgn="auto" latinLnBrk="0" hangingPunct="1">
-              <a:lnSpc>
-                <a:spcPct val="100000"/>
-              </a:lnSpc>
-              <a:spcBef>
-                <a:spcPts val="0"/>
-              </a:spcBef>
-              <a:spcAft>
-                <a:spcPts val="0"/>
-              </a:spcAft>
-              <a:buClrTx/>
-              <a:buSzTx/>
-              <a:buFontTx/>
-              <a:buNone/>
-              <a:tabLst/>
-              <a:defRPr/>
-            </a:pPr>
-            <a:r>
-              <a:rPr lang="it-IT" b="1" dirty="0"/>
-              <a:t>Un set di repliche = </a:t>
-            </a:r>
-            <a:r>
-              <a:rPr lang="it-IT" dirty="0"/>
-              <a:t>gruppo di istanze </a:t>
-            </a:r>
-            <a:r>
-              <a:rPr lang="it-IT" dirty="0" err="1"/>
-              <a:t>mongod</a:t>
-            </a:r>
-            <a:r>
-              <a:rPr lang="it-IT" dirty="0"/>
-              <a:t> che mantengono lo stesso set di dati. Un set di repliche contiene diversi nodi portanti dati e facoltativamente un nodo arbitro. Dei nodi portanti dati, uno e un solo membro è considerato il nodo primario, mentre gli altri nodi sono considerati nodi secondari.</a:t>
-            </a:r>
-          </a:p>
-          <a:p>
-            <a:pPr marL="0" marR="0" lvl="0" indent="0" algn="l" defTabSz="914400" rtl="0" eaLnBrk="1" fontAlgn="auto" latinLnBrk="0" hangingPunct="1">
-              <a:lnSpc>
-                <a:spcPct val="100000"/>
-              </a:lnSpc>
-              <a:spcBef>
-                <a:spcPts val="0"/>
-              </a:spcBef>
-              <a:spcAft>
-                <a:spcPts val="0"/>
-              </a:spcAft>
-              <a:buClrTx/>
-              <a:buSzTx/>
-              <a:buFontTx/>
-              <a:buNone/>
-              <a:tabLst/>
-              <a:defRPr/>
-            </a:pPr>
-            <a:r>
-              <a:rPr lang="it-IT" b="1" dirty="0" err="1"/>
-              <a:t>Mongod</a:t>
-            </a:r>
-            <a:r>
-              <a:rPr lang="it-IT" dirty="0"/>
-              <a:t> =  processo </a:t>
-            </a:r>
-            <a:r>
-              <a:rPr lang="it-IT" dirty="0" err="1"/>
-              <a:t>deamon</a:t>
-            </a:r>
-            <a:r>
-              <a:rPr lang="it-IT" dirty="0"/>
-              <a:t>  principale per il sistema </a:t>
-            </a:r>
-            <a:r>
-              <a:rPr lang="it-IT" dirty="0" err="1"/>
-              <a:t>MongoDB</a:t>
-            </a:r>
-            <a:r>
-              <a:rPr lang="it-IT" dirty="0"/>
-              <a:t>. Gestisce le richieste di dati, gestisce l'accesso ai dati ed esegue operazioni di gestione in background. </a:t>
-            </a:r>
-          </a:p>
-          <a:p>
             <a:endParaRPr lang="it-IT" dirty="0"/>
           </a:p>
         </p:txBody>
@@ -1355,7 +1427,7 @@
           <a:p>
             <a:fld id="{7B9EF5EE-42ED-4142-B01A-B637985E9B70}" type="slidenum">
               <a:rPr lang="it-IT" smtClean="0"/>
-              <a:t>7</a:t>
+              <a:t>8</a:t>
             </a:fld>
             <a:endParaRPr lang="it-IT"/>
           </a:p>
@@ -1364,7 +1436,7 @@
     </p:spTree>
     <p:extLst>
       <p:ext uri="{BB962C8B-B14F-4D97-AF65-F5344CB8AC3E}">
-        <p14:creationId xmlns:p14="http://schemas.microsoft.com/office/powerpoint/2010/main" val="3616458286"/>
+        <p14:creationId xmlns:p14="http://schemas.microsoft.com/office/powerpoint/2010/main" val="4235651785"/>
       </p:ext>
     </p:extLst>
   </p:cSld>
@@ -1418,90 +1490,108 @@
           <a:bodyPr/>
           <a:lstStyle/>
           <a:p>
-            <a:r>
-              <a:rPr lang="it-IT" sz="1200" b="1" dirty="0" err="1"/>
-              <a:t>secondaryDelaySecs</a:t>
-            </a:r>
-            <a:r>
-              <a:rPr lang="it-IT" sz="1200" b="1" dirty="0"/>
-              <a:t>: </a:t>
-            </a:r>
+            <a:pPr marL="0" marR="0" lvl="0" indent="0" algn="l" defTabSz="914400" rtl="0" eaLnBrk="1" fontAlgn="auto" latinLnBrk="0" hangingPunct="1">
+              <a:lnSpc>
+                <a:spcPct val="100000"/>
+              </a:lnSpc>
+              <a:spcBef>
+                <a:spcPts val="0"/>
+              </a:spcBef>
+              <a:spcAft>
+                <a:spcPts val="0"/>
+              </a:spcAft>
+              <a:buClrTx/>
+              <a:buSzTx/>
+              <a:buFontTx/>
+              <a:buNone/>
+              <a:tabLst/>
+              <a:defRPr/>
+            </a:pPr>
             <a:r>
               <a:rPr lang="it-IT" dirty="0"/>
-              <a:t>l numero di secondi "dietro" l'elemento primario in cui questo membro del set di repliche deve essere "ritardo". Utilizzare questa opzione per creare membri ritardati. I membri ritardati conservano una copia dei dati che riflette lo stato dei dati in un determinato momento del passato.</a:t>
-            </a:r>
-          </a:p>
-          <a:p>
-            <a:r>
-              <a:rPr lang="it-IT" sz="1200" b="1" dirty="0" err="1"/>
-              <a:t>chainingAllowed</a:t>
-            </a:r>
-            <a:r>
-              <a:rPr lang="it-IT" sz="1200" dirty="0"/>
-              <a:t>: </a:t>
-            </a:r>
-            <a:r>
-              <a:rPr lang="en-US" dirty="0"/>
-              <a:t>replica set </a:t>
-            </a:r>
-            <a:r>
-              <a:rPr lang="en-US" dirty="0">
-                <a:hlinkClick r:id="rId3"/>
-              </a:rPr>
-              <a:t>secondary</a:t>
-            </a:r>
-            <a:r>
-              <a:rPr lang="en-US" dirty="0"/>
-              <a:t> members can replicate data from other secondary members.</a:t>
-            </a:r>
-          </a:p>
-          <a:p>
-            <a:r>
-              <a:rPr lang="it-IT" sz="1200" b="1" dirty="0" err="1"/>
-              <a:t>heartbeatTimeoutSecs</a:t>
-            </a:r>
-            <a:r>
-              <a:rPr lang="it-IT" sz="1200" dirty="0"/>
-              <a:t>: </a:t>
-            </a:r>
-            <a:r>
-              <a:rPr lang="en-US" dirty="0"/>
-              <a:t>Number of seconds that the replica set members wait for a successful heartbeat from each other. If a member does not respond in time, other members mark the delinquent member as inaccessible.</a:t>
-            </a:r>
-          </a:p>
-          <a:p>
-            <a:r>
-              <a:rPr lang="it-IT" sz="1200" b="1" dirty="0" err="1"/>
-              <a:t>catchUpTimeoutMillis</a:t>
-            </a:r>
-            <a:r>
-              <a:rPr lang="it-IT" sz="1200" dirty="0" err="1"/>
-              <a:t>:</a:t>
+              <a:t>È inoltre possibile mantenere copie aggiuntive per scopi dedicati, come il ripristino di emergenza, la creazione di report o il backup. </a:t>
+            </a:r>
+          </a:p>
+          <a:p>
+            <a:pPr marL="0" marR="0" lvl="0" indent="0" algn="l" defTabSz="914400" rtl="0" eaLnBrk="1" fontAlgn="auto" latinLnBrk="0" hangingPunct="1">
+              <a:lnSpc>
+                <a:spcPct val="100000"/>
+              </a:lnSpc>
+              <a:spcBef>
+                <a:spcPts val="0"/>
+              </a:spcBef>
+              <a:spcAft>
+                <a:spcPts val="0"/>
+              </a:spcAft>
+              <a:buClrTx/>
+              <a:buSzTx/>
+              <a:buFontTx/>
+              <a:buNone/>
+              <a:tabLst/>
+              <a:defRPr/>
+            </a:pPr>
+            <a:r>
+              <a:rPr lang="it-IT" b="1" dirty="0"/>
+              <a:t>Un set di repliche = </a:t>
+            </a:r>
+            <a:r>
+              <a:rPr lang="it-IT" dirty="0"/>
+              <a:t>gruppo di istanze </a:t>
             </a:r>
             <a:r>
               <a:rPr lang="it-IT" dirty="0" err="1"/>
-              <a:t>Tempo</a:t>
+              <a:t>mongod</a:t>
             </a:r>
             <a:r>
               <a:rPr lang="it-IT" dirty="0"/>
-              <a:t> di attesa per un neo-eletto </a:t>
+              <a:t> che mantengono lo stesso set di dati. Un set di repliche contiene diversi nodi portanti dati e facoltativamente un nodo arbitro. Dei nodi portanti dati, uno e un solo membro è considerato il nodo primario, mentre gli altri nodi sono considerati nodi secondari.</a:t>
+            </a:r>
+          </a:p>
+          <a:p>
+            <a:pPr marL="0" marR="0" lvl="0" indent="0" algn="l" defTabSz="914400" rtl="0" eaLnBrk="1" fontAlgn="auto" latinLnBrk="0" hangingPunct="1">
+              <a:lnSpc>
+                <a:spcPct val="100000"/>
+              </a:lnSpc>
+              <a:spcBef>
+                <a:spcPts val="0"/>
+              </a:spcBef>
+              <a:spcAft>
+                <a:spcPts val="0"/>
+              </a:spcAft>
+              <a:buClrTx/>
+              <a:buSzTx/>
+              <a:buFontTx/>
+              <a:buNone/>
+              <a:tabLst/>
+              <a:defRPr/>
+            </a:pPr>
+            <a:r>
+              <a:rPr lang="it-IT" b="1" dirty="0" err="1"/>
+              <a:t>Mongod</a:t>
+            </a:r>
+            <a:r>
+              <a:rPr lang="it-IT" dirty="0"/>
+              <a:t> =  processo </a:t>
             </a:r>
             <a:r>
               <a:rPr lang="it-IT" dirty="0" err="1"/>
-              <a:t>primary</a:t>
+              <a:t>deamon</a:t>
             </a:r>
             <a:r>
               <a:rPr lang="it-IT" dirty="0"/>
-              <a:t> </a:t>
+              <a:t>  principale per il sistema </a:t>
             </a:r>
             <a:r>
               <a:rPr lang="it-IT" dirty="0" err="1"/>
-              <a:t>node</a:t>
+              <a:t>MongoDB</a:t>
             </a:r>
             <a:r>
               <a:rPr lang="it-IT" dirty="0"/>
-              <a:t> per sincronizzarsi con gli altri membri che hanno scritture più recenti.</a:t>
-            </a:r>
+              <a:t>. Gestisce le richieste di dati, gestisce l'accesso ai dati ed esegue operazioni di gestione in background. </a:t>
+            </a:r>
+          </a:p>
+          <a:p>
+            <a:endParaRPr lang="it-IT" dirty="0"/>
           </a:p>
         </p:txBody>
       </p:sp>
@@ -1531,7 +1621,7 @@
     </p:spTree>
     <p:extLst>
       <p:ext uri="{BB962C8B-B14F-4D97-AF65-F5344CB8AC3E}">
-        <p14:creationId xmlns:p14="http://schemas.microsoft.com/office/powerpoint/2010/main" val="4089409589"/>
+        <p14:creationId xmlns:p14="http://schemas.microsoft.com/office/powerpoint/2010/main" val="3616458286"/>
       </p:ext>
     </p:extLst>
   </p:cSld>
@@ -1586,16 +1676,88 @@
           <a:lstStyle/>
           <a:p>
             <a:r>
+              <a:rPr lang="it-IT" sz="1200" b="1" dirty="0" err="1"/>
+              <a:t>secondaryDelaySecs</a:t>
+            </a:r>
+            <a:r>
+              <a:rPr lang="it-IT" sz="1200" b="1" dirty="0"/>
+              <a:t>: </a:t>
+            </a:r>
+            <a:r>
               <a:rPr lang="it-IT" dirty="0"/>
-              <a:t>In maniera asincrona nel senso che una lettura del </a:t>
+              <a:t>l numero di secondi "dietro" l'elemento primario in cui questo membro del set di repliche deve essere "ritardo". Utilizzare questa opzione per creare membri ritardati. I membri ritardati conservano una copia dei dati che riflette lo stato dei dati in un determinato momento del passato.</a:t>
+            </a:r>
+          </a:p>
+          <a:p>
+            <a:r>
+              <a:rPr lang="it-IT" sz="1200" b="1" dirty="0" err="1"/>
+              <a:t>chainingAllowed</a:t>
+            </a:r>
+            <a:r>
+              <a:rPr lang="it-IT" sz="1200" dirty="0"/>
+              <a:t>: </a:t>
+            </a:r>
+            <a:r>
+              <a:rPr lang="en-US" dirty="0"/>
+              <a:t>replica set </a:t>
+            </a:r>
+            <a:r>
+              <a:rPr lang="en-US" dirty="0">
+                <a:hlinkClick r:id="rId3"/>
+              </a:rPr>
+              <a:t>secondary</a:t>
+            </a:r>
+            <a:r>
+              <a:rPr lang="en-US" dirty="0"/>
+              <a:t> members can replicate data from other secondary members.</a:t>
+            </a:r>
+          </a:p>
+          <a:p>
+            <a:r>
+              <a:rPr lang="it-IT" sz="1200" b="1" dirty="0" err="1"/>
+              <a:t>heartbeatTimeoutSecs</a:t>
+            </a:r>
+            <a:r>
+              <a:rPr lang="it-IT" sz="1200" dirty="0"/>
+              <a:t>: </a:t>
+            </a:r>
+            <a:r>
+              <a:rPr lang="en-US" dirty="0"/>
+              <a:t>Number of seconds that the replica set members wait for a successful heartbeat from each other. If a member does not respond in time, other members mark the delinquent member as inaccessible.</a:t>
+            </a:r>
+          </a:p>
+          <a:p>
+            <a:r>
+              <a:rPr lang="it-IT" sz="1200" b="1" dirty="0" err="1"/>
+              <a:t>catchUpTimeoutMillis</a:t>
+            </a:r>
+            <a:r>
+              <a:rPr lang="it-IT" sz="1200" dirty="0" err="1"/>
+              <a:t>:</a:t>
             </a:r>
             <a:r>
               <a:rPr lang="it-IT" dirty="0" err="1"/>
-              <a:t>secondary</a:t>
+              <a:t>Tempo</a:t>
             </a:r>
             <a:r>
               <a:rPr lang="it-IT" dirty="0"/>
-              <a:t> potrebbe restituire i dati in maniera non aggiornata.</a:t>
+              <a:t> di attesa per un neo-eletto </a:t>
+            </a:r>
+            <a:r>
+              <a:rPr lang="it-IT" dirty="0" err="1"/>
+              <a:t>primary</a:t>
+            </a:r>
+            <a:r>
+              <a:rPr lang="it-IT" dirty="0"/>
+              <a:t> </a:t>
+            </a:r>
+            <a:r>
+              <a:rPr lang="it-IT" dirty="0" err="1"/>
+              <a:t>node</a:t>
+            </a:r>
+            <a:r>
+              <a:rPr lang="it-IT" dirty="0"/>
+              <a:t> per sincronizzarsi con gli altri membri che hanno scritture più recenti.</a:t>
             </a:r>
           </a:p>
         </p:txBody>
@@ -1617,7 +1779,7 @@
           <a:p>
             <a:fld id="{7B9EF5EE-42ED-4142-B01A-B637985E9B70}" type="slidenum">
               <a:rPr lang="it-IT" smtClean="0"/>
-              <a:t>10</a:t>
+              <a:t>11</a:t>
             </a:fld>
             <a:endParaRPr lang="it-IT"/>
           </a:p>
@@ -1626,7 +1788,7 @@
     </p:spTree>
     <p:extLst>
       <p:ext uri="{BB962C8B-B14F-4D97-AF65-F5344CB8AC3E}">
-        <p14:creationId xmlns:p14="http://schemas.microsoft.com/office/powerpoint/2010/main" val="3336313248"/>
+        <p14:creationId xmlns:p14="http://schemas.microsoft.com/office/powerpoint/2010/main" val="4089409589"/>
       </p:ext>
     </p:extLst>
   </p:cSld>
@@ -1681,28 +1843,8 @@
           <a:lstStyle/>
           <a:p>
             <a:r>
-              <a:rPr lang="it-IT" b="1" dirty="0"/>
-              <a:t>Replication Lag</a:t>
-            </a:r>
-            <a:r>
               <a:rPr lang="it-IT" dirty="0"/>
-              <a:t>: Lunghezza di tempo tra l’ultima operazione nel </a:t>
-            </a:r>
-            <a:r>
-              <a:rPr lang="it-IT" dirty="0" err="1"/>
-              <a:t>oplog</a:t>
-            </a:r>
-            <a:r>
-              <a:rPr lang="it-IT" dirty="0"/>
-              <a:t> del </a:t>
-            </a:r>
-            <a:r>
-              <a:rPr lang="it-IT" dirty="0" err="1"/>
-              <a:t>primary</a:t>
-            </a:r>
-            <a:r>
-              <a:rPr lang="it-IT" dirty="0"/>
-              <a:t> e l’ultima operazione applicata ad un </a:t>
+              <a:t>In maniera asincrona nel senso che una lettura del </a:t>
             </a:r>
             <a:r>
               <a:rPr lang="it-IT" dirty="0" err="1"/>
@@ -1710,13 +1852,7 @@
             </a:r>
             <a:r>
               <a:rPr lang="it-IT" dirty="0"/>
-              <a:t> particolare. In generale lo voglio più piccolo possibile.</a:t>
-            </a:r>
-          </a:p>
-          <a:p>
-            <a:r>
-              <a:rPr lang="it-IT" dirty="0"/>
-              <a:t>Limitando il numero di biglietti emessi al secondo, il meccanismo di controllo del flusso tenta di mantenere il ritardo al di sotto dell'obiettivo.</a:t>
+              <a:t> potrebbe restituire i dati in maniera non aggiornata.</a:t>
             </a:r>
           </a:p>
         </p:txBody>
@@ -1738,7 +1874,7 @@
           <a:p>
             <a:fld id="{7B9EF5EE-42ED-4142-B01A-B637985E9B70}" type="slidenum">
               <a:rPr lang="it-IT" smtClean="0"/>
-              <a:t>13</a:t>
+              <a:t>12</a:t>
             </a:fld>
             <a:endParaRPr lang="it-IT"/>
           </a:p>
@@ -1747,7 +1883,7 @@
     </p:spTree>
     <p:extLst>
       <p:ext uri="{BB962C8B-B14F-4D97-AF65-F5344CB8AC3E}">
-        <p14:creationId xmlns:p14="http://schemas.microsoft.com/office/powerpoint/2010/main" val="1347493567"/>
+        <p14:creationId xmlns:p14="http://schemas.microsoft.com/office/powerpoint/2010/main" val="3336313248"/>
       </p:ext>
     </p:extLst>
   </p:cSld>
@@ -1801,7 +1937,44 @@
           <a:bodyPr/>
           <a:lstStyle/>
           <a:p>
-            <a:endParaRPr lang="it-IT" dirty="0"/>
+            <a:r>
+              <a:rPr lang="it-IT" b="1" dirty="0"/>
+              <a:t>Replication Lag</a:t>
+            </a:r>
+            <a:r>
+              <a:rPr lang="it-IT" dirty="0"/>
+              <a:t>: Lunghezza di tempo tra l’ultima operazione nel </a:t>
+            </a:r>
+            <a:r>
+              <a:rPr lang="it-IT" dirty="0" err="1"/>
+              <a:t>oplog</a:t>
+            </a:r>
+            <a:r>
+              <a:rPr lang="it-IT" dirty="0"/>
+              <a:t> del </a:t>
+            </a:r>
+            <a:r>
+              <a:rPr lang="it-IT" dirty="0" err="1"/>
+              <a:t>primary</a:t>
+            </a:r>
+            <a:r>
+              <a:rPr lang="it-IT" dirty="0"/>
+              <a:t> e l’ultima operazione applicata ad un </a:t>
+            </a:r>
+            <a:r>
+              <a:rPr lang="it-IT" dirty="0" err="1"/>
+              <a:t>secondary</a:t>
+            </a:r>
+            <a:r>
+              <a:rPr lang="it-IT" dirty="0"/>
+              <a:t> particolare. In generale lo voglio più piccolo possibile.</a:t>
+            </a:r>
+          </a:p>
+          <a:p>
+            <a:r>
+              <a:rPr lang="it-IT" dirty="0"/>
+              <a:t>Limitando il numero di biglietti emessi al secondo, il meccanismo di controllo del flusso tenta di mantenere il ritardo al di sotto dell'obiettivo.</a:t>
+            </a:r>
           </a:p>
         </p:txBody>
       </p:sp>
@@ -1831,7 +2004,7 @@
     </p:spTree>
     <p:extLst>
       <p:ext uri="{BB962C8B-B14F-4D97-AF65-F5344CB8AC3E}">
-        <p14:creationId xmlns:p14="http://schemas.microsoft.com/office/powerpoint/2010/main" val="2389835601"/>
+        <p14:creationId xmlns:p14="http://schemas.microsoft.com/office/powerpoint/2010/main" val="1347493567"/>
       </p:ext>
     </p:extLst>
   </p:cSld>
@@ -2563,7 +2736,7 @@
           <a:p>
             <a:fld id="{5EEC1FBE-7A50-402B-9218-00262FCB5F53}" type="datetimeFigureOut">
               <a:rPr lang="it-IT" smtClean="0"/>
-              <a:t>19/03/2022</a:t>
+              <a:t>05/04/2022</a:t>
             </a:fld>
             <a:endParaRPr lang="it-IT"/>
           </a:p>
@@ -2814,7 +2987,7 @@
           <a:p>
             <a:fld id="{5EEC1FBE-7A50-402B-9218-00262FCB5F53}" type="datetimeFigureOut">
               <a:rPr lang="it-IT" smtClean="0"/>
-              <a:t>19/03/2022</a:t>
+              <a:t>05/04/2022</a:t>
             </a:fld>
             <a:endParaRPr lang="it-IT"/>
           </a:p>
@@ -3128,7 +3301,7 @@
           <a:p>
             <a:fld id="{5EEC1FBE-7A50-402B-9218-00262FCB5F53}" type="datetimeFigureOut">
               <a:rPr lang="it-IT" smtClean="0"/>
-              <a:t>19/03/2022</a:t>
+              <a:t>05/04/2022</a:t>
             </a:fld>
             <a:endParaRPr lang="it-IT"/>
           </a:p>
@@ -3469,7 +3642,7 @@
           <a:p>
             <a:fld id="{5EEC1FBE-7A50-402B-9218-00262FCB5F53}" type="datetimeFigureOut">
               <a:rPr lang="it-IT" smtClean="0"/>
-              <a:t>19/03/2022</a:t>
+              <a:t>05/04/2022</a:t>
             </a:fld>
             <a:endParaRPr lang="it-IT"/>
           </a:p>
@@ -3783,7 +3956,7 @@
           <a:p>
             <a:fld id="{5EEC1FBE-7A50-402B-9218-00262FCB5F53}" type="datetimeFigureOut">
               <a:rPr lang="it-IT" smtClean="0"/>
-              <a:t>19/03/2022</a:t>
+              <a:t>05/04/2022</a:t>
             </a:fld>
             <a:endParaRPr lang="it-IT"/>
           </a:p>
@@ -4176,7 +4349,7 @@
           <a:p>
             <a:fld id="{5EEC1FBE-7A50-402B-9218-00262FCB5F53}" type="datetimeFigureOut">
               <a:rPr lang="it-IT" smtClean="0"/>
-              <a:t>19/03/2022</a:t>
+              <a:t>05/04/2022</a:t>
             </a:fld>
             <a:endParaRPr lang="it-IT"/>
           </a:p>
@@ -4346,7 +4519,7 @@
           <a:p>
             <a:fld id="{5EEC1FBE-7A50-402B-9218-00262FCB5F53}" type="datetimeFigureOut">
               <a:rPr lang="it-IT" smtClean="0"/>
-              <a:t>19/03/2022</a:t>
+              <a:t>05/04/2022</a:t>
             </a:fld>
             <a:endParaRPr lang="it-IT"/>
           </a:p>
@@ -4526,7 +4699,7 @@
           <a:p>
             <a:fld id="{5EEC1FBE-7A50-402B-9218-00262FCB5F53}" type="datetimeFigureOut">
               <a:rPr lang="it-IT" smtClean="0"/>
-              <a:t>19/03/2022</a:t>
+              <a:t>05/04/2022</a:t>
             </a:fld>
             <a:endParaRPr lang="it-IT"/>
           </a:p>
@@ -4702,7 +4875,7 @@
           <a:p>
             <a:fld id="{5EEC1FBE-7A50-402B-9218-00262FCB5F53}" type="datetimeFigureOut">
               <a:rPr lang="it-IT" smtClean="0"/>
-              <a:t>19/03/2022</a:t>
+              <a:t>05/04/2022</a:t>
             </a:fld>
             <a:endParaRPr lang="it-IT"/>
           </a:p>
@@ -4949,7 +5122,7 @@
           <a:p>
             <a:fld id="{5EEC1FBE-7A50-402B-9218-00262FCB5F53}" type="datetimeFigureOut">
               <a:rPr lang="it-IT" smtClean="0"/>
-              <a:t>19/03/2022</a:t>
+              <a:t>05/04/2022</a:t>
             </a:fld>
             <a:endParaRPr lang="it-IT"/>
           </a:p>
@@ -5181,7 +5354,7 @@
           <a:p>
             <a:fld id="{5EEC1FBE-7A50-402B-9218-00262FCB5F53}" type="datetimeFigureOut">
               <a:rPr lang="it-IT" smtClean="0"/>
-              <a:t>19/03/2022</a:t>
+              <a:t>05/04/2022</a:t>
             </a:fld>
             <a:endParaRPr lang="it-IT"/>
           </a:p>
@@ -5555,7 +5728,7 @@
           <a:p>
             <a:fld id="{5EEC1FBE-7A50-402B-9218-00262FCB5F53}" type="datetimeFigureOut">
               <a:rPr lang="it-IT" smtClean="0"/>
-              <a:t>19/03/2022</a:t>
+              <a:t>05/04/2022</a:t>
             </a:fld>
             <a:endParaRPr lang="it-IT"/>
           </a:p>
@@ -5678,7 +5851,7 @@
           <a:p>
             <a:fld id="{5EEC1FBE-7A50-402B-9218-00262FCB5F53}" type="datetimeFigureOut">
               <a:rPr lang="it-IT" smtClean="0"/>
-              <a:t>19/03/2022</a:t>
+              <a:t>05/04/2022</a:t>
             </a:fld>
             <a:endParaRPr lang="it-IT"/>
           </a:p>
@@ -5773,7 +5946,7 @@
           <a:p>
             <a:fld id="{5EEC1FBE-7A50-402B-9218-00262FCB5F53}" type="datetimeFigureOut">
               <a:rPr lang="it-IT" smtClean="0"/>
-              <a:t>19/03/2022</a:t>
+              <a:t>05/04/2022</a:t>
             </a:fld>
             <a:endParaRPr lang="it-IT"/>
           </a:p>
@@ -6028,7 +6201,7 @@
           <a:p>
             <a:fld id="{5EEC1FBE-7A50-402B-9218-00262FCB5F53}" type="datetimeFigureOut">
               <a:rPr lang="it-IT" smtClean="0"/>
-              <a:t>19/03/2022</a:t>
+              <a:t>05/04/2022</a:t>
             </a:fld>
             <a:endParaRPr lang="it-IT"/>
           </a:p>
@@ -6291,7 +6464,7 @@
           <a:p>
             <a:fld id="{5EEC1FBE-7A50-402B-9218-00262FCB5F53}" type="datetimeFigureOut">
               <a:rPr lang="it-IT" smtClean="0"/>
-              <a:t>19/03/2022</a:t>
+              <a:t>05/04/2022</a:t>
             </a:fld>
             <a:endParaRPr lang="it-IT"/>
           </a:p>
@@ -7034,7 +7207,7 @@
           <a:p>
             <a:fld id="{5EEC1FBE-7A50-402B-9218-00262FCB5F53}" type="datetimeFigureOut">
               <a:rPr lang="it-IT" smtClean="0"/>
-              <a:t>19/03/2022</a:t>
+              <a:t>05/04/2022</a:t>
             </a:fld>
             <a:endParaRPr lang="it-IT"/>
           </a:p>
@@ -7925,6 +8098,1123 @@
           <p:cNvPr id="2" name="Titolo 1">
             <a:extLst>
               <a:ext uri="{FF2B5EF4-FFF2-40B4-BE49-F238E27FC236}">
+                <a16:creationId xmlns:a16="http://schemas.microsoft.com/office/drawing/2014/main" id="{C34BB43E-7C0E-4277-AB2D-6D41651B4CF5}"/>
+              </a:ext>
+            </a:extLst>
+          </p:cNvPr>
+          <p:cNvSpPr>
+            <a:spLocks noGrp="1"/>
+          </p:cNvSpPr>
+          <p:nvPr>
+            <p:ph type="title"/>
+          </p:nvPr>
+        </p:nvSpPr>
+        <p:spPr>
+          <a:xfrm>
+            <a:off x="581081" y="164432"/>
+            <a:ext cx="8596668" cy="617621"/>
+          </a:xfrm>
+        </p:spPr>
+        <p:txBody>
+          <a:bodyPr>
+            <a:normAutofit fontScale="90000"/>
+          </a:bodyPr>
+          <a:lstStyle/>
+          <a:p>
+            <a:r>
+              <a:rPr lang="it-IT" dirty="0"/>
+              <a:t>Nodi primari e Nodi secondari</a:t>
+            </a:r>
+          </a:p>
+        </p:txBody>
+      </p:sp>
+      <p:sp>
+        <p:nvSpPr>
+          <p:cNvPr id="3" name="Segnaposto contenuto 2">
+            <a:extLst>
+              <a:ext uri="{FF2B5EF4-FFF2-40B4-BE49-F238E27FC236}">
+                <a16:creationId xmlns:a16="http://schemas.microsoft.com/office/drawing/2014/main" id="{3F921689-5397-4128-9266-7EE889DB9C07}"/>
+              </a:ext>
+            </a:extLst>
+          </p:cNvPr>
+          <p:cNvSpPr>
+            <a:spLocks noGrp="1"/>
+          </p:cNvSpPr>
+          <p:nvPr>
+            <p:ph idx="1"/>
+          </p:nvPr>
+        </p:nvSpPr>
+        <p:spPr>
+          <a:xfrm>
+            <a:off x="581081" y="955048"/>
+            <a:ext cx="8596668" cy="1660358"/>
+          </a:xfrm>
+        </p:spPr>
+        <p:txBody>
+          <a:bodyPr>
+            <a:noAutofit/>
+          </a:bodyPr>
+          <a:lstStyle/>
+          <a:p>
+            <a:r>
+              <a:rPr lang="it-IT" sz="2000" dirty="0"/>
+              <a:t>Il Nodo primario riceve tutte le operazioni di scrittura. Di default anche quelle di lettura, ma quest’ultime posso essere dirette anche ai nodi secondari.</a:t>
+            </a:r>
+          </a:p>
+          <a:p>
+            <a:r>
+              <a:rPr lang="it-IT" sz="2000" dirty="0"/>
+              <a:t>Un Nodo di un replica set diventa il nodo primario attraverso un processo di elezioni.</a:t>
+            </a:r>
+          </a:p>
+        </p:txBody>
+      </p:sp>
+      <p:sp>
+        <p:nvSpPr>
+          <p:cNvPr id="6" name="CasellaDiTesto 5">
+            <a:extLst>
+              <a:ext uri="{FF2B5EF4-FFF2-40B4-BE49-F238E27FC236}">
+                <a16:creationId xmlns:a16="http://schemas.microsoft.com/office/drawing/2014/main" id="{1436BC69-C58B-40DB-975B-B9949D7085B5}"/>
+              </a:ext>
+            </a:extLst>
+          </p:cNvPr>
+          <p:cNvSpPr txBox="1"/>
+          <p:nvPr/>
+        </p:nvSpPr>
+        <p:spPr>
+          <a:xfrm>
+            <a:off x="581081" y="2967335"/>
+            <a:ext cx="5514919" cy="461665"/>
+          </a:xfrm>
+          <a:prstGeom prst="rect">
+            <a:avLst/>
+          </a:prstGeom>
+          <a:noFill/>
+        </p:spPr>
+        <p:txBody>
+          <a:bodyPr wrap="square" rtlCol="0">
+            <a:spAutoFit/>
+          </a:bodyPr>
+          <a:lstStyle/>
+          <a:p>
+            <a:r>
+              <a:rPr lang="it-IT" sz="2400" dirty="0"/>
+              <a:t>Replica sete </a:t>
+            </a:r>
+            <a:r>
+              <a:rPr lang="it-IT" sz="2400" dirty="0" err="1"/>
+              <a:t>Elections</a:t>
+            </a:r>
+            <a:r>
+              <a:rPr lang="it-IT" sz="2400" dirty="0"/>
+              <a:t>:</a:t>
+            </a:r>
+          </a:p>
+        </p:txBody>
+      </p:sp>
+      <p:sp>
+        <p:nvSpPr>
+          <p:cNvPr id="8" name="Segnaposto contenuto 2">
+            <a:extLst>
+              <a:ext uri="{FF2B5EF4-FFF2-40B4-BE49-F238E27FC236}">
+                <a16:creationId xmlns:a16="http://schemas.microsoft.com/office/drawing/2014/main" id="{1289CDAC-1B35-4F01-BCE6-D1B3DBD5F38D}"/>
+              </a:ext>
+            </a:extLst>
+          </p:cNvPr>
+          <p:cNvSpPr txBox="1">
+            <a:spLocks/>
+          </p:cNvSpPr>
+          <p:nvPr/>
+        </p:nvSpPr>
+        <p:spPr>
+          <a:xfrm>
+            <a:off x="581081" y="3951019"/>
+            <a:ext cx="8596668" cy="3681662"/>
+          </a:xfrm>
+          <a:prstGeom prst="rect">
+            <a:avLst/>
+          </a:prstGeom>
+        </p:spPr>
+        <p:txBody>
+          <a:bodyPr vert="horz" lIns="91440" tIns="45720" rIns="91440" bIns="45720" rtlCol="0">
+            <a:normAutofit/>
+          </a:bodyPr>
+          <a:lstStyle>
+            <a:lvl1pPr marL="342900" indent="-342900" algn="l" defTabSz="457200" rtl="0" eaLnBrk="1" latinLnBrk="0" hangingPunct="1">
+              <a:spcBef>
+                <a:spcPts val="1000"/>
+              </a:spcBef>
+              <a:spcAft>
+                <a:spcPts val="0"/>
+              </a:spcAft>
+              <a:buClr>
+                <a:schemeClr val="accent1"/>
+              </a:buClr>
+              <a:buSzPct val="80000"/>
+              <a:buFont typeface="Wingdings 3" charset="2"/>
+              <a:buChar char=""/>
+              <a:defRPr sz="1800" kern="1200">
+                <a:solidFill>
+                  <a:schemeClr val="tx1">
+                    <a:lumMod val="75000"/>
+                    <a:lumOff val="25000"/>
+                  </a:schemeClr>
+                </a:solidFill>
+                <a:latin typeface="+mn-lt"/>
+                <a:ea typeface="+mn-ea"/>
+                <a:cs typeface="+mn-cs"/>
+              </a:defRPr>
+            </a:lvl1pPr>
+            <a:lvl2pPr marL="742950" indent="-285750" algn="l" defTabSz="457200" rtl="0" eaLnBrk="1" latinLnBrk="0" hangingPunct="1">
+              <a:spcBef>
+                <a:spcPts val="1000"/>
+              </a:spcBef>
+              <a:spcAft>
+                <a:spcPts val="0"/>
+              </a:spcAft>
+              <a:buClr>
+                <a:schemeClr val="accent1"/>
+              </a:buClr>
+              <a:buSzPct val="80000"/>
+              <a:buFont typeface="Wingdings 3" charset="2"/>
+              <a:buChar char=""/>
+              <a:defRPr sz="1600" kern="1200">
+                <a:solidFill>
+                  <a:schemeClr val="tx1">
+                    <a:lumMod val="75000"/>
+                    <a:lumOff val="25000"/>
+                  </a:schemeClr>
+                </a:solidFill>
+                <a:latin typeface="+mn-lt"/>
+                <a:ea typeface="+mn-ea"/>
+                <a:cs typeface="+mn-cs"/>
+              </a:defRPr>
+            </a:lvl2pPr>
+            <a:lvl3pPr marL="1143000" indent="-228600" algn="l" defTabSz="457200" rtl="0" eaLnBrk="1" latinLnBrk="0" hangingPunct="1">
+              <a:spcBef>
+                <a:spcPts val="1000"/>
+              </a:spcBef>
+              <a:spcAft>
+                <a:spcPts val="0"/>
+              </a:spcAft>
+              <a:buClr>
+                <a:schemeClr val="accent1"/>
+              </a:buClr>
+              <a:buSzPct val="80000"/>
+              <a:buFont typeface="Wingdings 3" charset="2"/>
+              <a:buChar char=""/>
+              <a:defRPr sz="1400" kern="1200">
+                <a:solidFill>
+                  <a:schemeClr val="tx1">
+                    <a:lumMod val="75000"/>
+                    <a:lumOff val="25000"/>
+                  </a:schemeClr>
+                </a:solidFill>
+                <a:latin typeface="+mn-lt"/>
+                <a:ea typeface="+mn-ea"/>
+                <a:cs typeface="+mn-cs"/>
+              </a:defRPr>
+            </a:lvl3pPr>
+            <a:lvl4pPr marL="1600200" indent="-228600" algn="l" defTabSz="457200" rtl="0" eaLnBrk="1" latinLnBrk="0" hangingPunct="1">
+              <a:spcBef>
+                <a:spcPts val="1000"/>
+              </a:spcBef>
+              <a:spcAft>
+                <a:spcPts val="0"/>
+              </a:spcAft>
+              <a:buClr>
+                <a:schemeClr val="accent1"/>
+              </a:buClr>
+              <a:buSzPct val="80000"/>
+              <a:buFont typeface="Wingdings 3" charset="2"/>
+              <a:buChar char=""/>
+              <a:defRPr sz="1200" kern="1200">
+                <a:solidFill>
+                  <a:schemeClr val="tx1">
+                    <a:lumMod val="75000"/>
+                    <a:lumOff val="25000"/>
+                  </a:schemeClr>
+                </a:solidFill>
+                <a:latin typeface="+mn-lt"/>
+                <a:ea typeface="+mn-ea"/>
+                <a:cs typeface="+mn-cs"/>
+              </a:defRPr>
+            </a:lvl4pPr>
+            <a:lvl5pPr marL="2057400" indent="-228600" algn="l" defTabSz="457200" rtl="0" eaLnBrk="1" latinLnBrk="0" hangingPunct="1">
+              <a:spcBef>
+                <a:spcPts val="1000"/>
+              </a:spcBef>
+              <a:spcAft>
+                <a:spcPts val="0"/>
+              </a:spcAft>
+              <a:buClr>
+                <a:schemeClr val="accent1"/>
+              </a:buClr>
+              <a:buSzPct val="80000"/>
+              <a:buFont typeface="Wingdings 3" charset="2"/>
+              <a:buChar char=""/>
+              <a:defRPr sz="1200" kern="1200">
+                <a:solidFill>
+                  <a:schemeClr val="tx1">
+                    <a:lumMod val="75000"/>
+                    <a:lumOff val="25000"/>
+                  </a:schemeClr>
+                </a:solidFill>
+                <a:latin typeface="+mn-lt"/>
+                <a:ea typeface="+mn-ea"/>
+                <a:cs typeface="+mn-cs"/>
+              </a:defRPr>
+            </a:lvl5pPr>
+            <a:lvl6pPr marL="2514600" indent="-228600" algn="l" defTabSz="457200" rtl="0" eaLnBrk="1" latinLnBrk="0" hangingPunct="1">
+              <a:spcBef>
+                <a:spcPts val="1000"/>
+              </a:spcBef>
+              <a:spcAft>
+                <a:spcPts val="0"/>
+              </a:spcAft>
+              <a:buClr>
+                <a:schemeClr val="accent1"/>
+              </a:buClr>
+              <a:buSzPct val="80000"/>
+              <a:buFont typeface="Wingdings 3" charset="2"/>
+              <a:buChar char=""/>
+              <a:defRPr sz="1200" kern="1200">
+                <a:solidFill>
+                  <a:schemeClr val="tx1">
+                    <a:lumMod val="75000"/>
+                    <a:lumOff val="25000"/>
+                  </a:schemeClr>
+                </a:solidFill>
+                <a:latin typeface="+mn-lt"/>
+                <a:ea typeface="+mn-ea"/>
+                <a:cs typeface="+mn-cs"/>
+              </a:defRPr>
+            </a:lvl6pPr>
+            <a:lvl7pPr marL="2971800" indent="-228600" algn="l" defTabSz="457200" rtl="0" eaLnBrk="1" latinLnBrk="0" hangingPunct="1">
+              <a:spcBef>
+                <a:spcPts val="1000"/>
+              </a:spcBef>
+              <a:spcAft>
+                <a:spcPts val="0"/>
+              </a:spcAft>
+              <a:buClr>
+                <a:schemeClr val="accent1"/>
+              </a:buClr>
+              <a:buSzPct val="80000"/>
+              <a:buFont typeface="Wingdings 3" charset="2"/>
+              <a:buChar char=""/>
+              <a:defRPr sz="1200" kern="1200">
+                <a:solidFill>
+                  <a:schemeClr val="tx1">
+                    <a:lumMod val="75000"/>
+                    <a:lumOff val="25000"/>
+                  </a:schemeClr>
+                </a:solidFill>
+                <a:latin typeface="+mn-lt"/>
+                <a:ea typeface="+mn-ea"/>
+                <a:cs typeface="+mn-cs"/>
+              </a:defRPr>
+            </a:lvl7pPr>
+            <a:lvl8pPr marL="3429000" indent="-228600" algn="l" defTabSz="457200" rtl="0" eaLnBrk="1" latinLnBrk="0" hangingPunct="1">
+              <a:spcBef>
+                <a:spcPts val="1000"/>
+              </a:spcBef>
+              <a:spcAft>
+                <a:spcPts val="0"/>
+              </a:spcAft>
+              <a:buClr>
+                <a:schemeClr val="accent1"/>
+              </a:buClr>
+              <a:buSzPct val="80000"/>
+              <a:buFont typeface="Wingdings 3" charset="2"/>
+              <a:buChar char=""/>
+              <a:defRPr sz="1200" kern="1200">
+                <a:solidFill>
+                  <a:schemeClr val="tx1">
+                    <a:lumMod val="75000"/>
+                    <a:lumOff val="25000"/>
+                  </a:schemeClr>
+                </a:solidFill>
+                <a:latin typeface="+mn-lt"/>
+                <a:ea typeface="+mn-ea"/>
+                <a:cs typeface="+mn-cs"/>
+              </a:defRPr>
+            </a:lvl8pPr>
+            <a:lvl9pPr marL="3886200" indent="-228600" algn="l" defTabSz="457200" rtl="0" eaLnBrk="1" latinLnBrk="0" hangingPunct="1">
+              <a:spcBef>
+                <a:spcPts val="1000"/>
+              </a:spcBef>
+              <a:spcAft>
+                <a:spcPts val="0"/>
+              </a:spcAft>
+              <a:buClr>
+                <a:schemeClr val="accent1"/>
+              </a:buClr>
+              <a:buSzPct val="80000"/>
+              <a:buFont typeface="Wingdings 3" charset="2"/>
+              <a:buChar char=""/>
+              <a:defRPr sz="1200" kern="1200">
+                <a:solidFill>
+                  <a:schemeClr val="tx1">
+                    <a:lumMod val="75000"/>
+                    <a:lumOff val="25000"/>
+                  </a:schemeClr>
+                </a:solidFill>
+                <a:latin typeface="+mn-lt"/>
+                <a:ea typeface="+mn-ea"/>
+                <a:cs typeface="+mn-cs"/>
+              </a:defRPr>
+            </a:lvl9pPr>
+          </a:lstStyle>
+          <a:p>
+            <a:r>
+              <a:rPr lang="it-IT" sz="2000" dirty="0"/>
+              <a:t>Posso avere un’elezione nei seguenti casi:</a:t>
+            </a:r>
+          </a:p>
+          <a:p>
+            <a:pPr lvl="1"/>
+            <a:r>
+              <a:rPr lang="it-IT" sz="2000" dirty="0"/>
+              <a:t>Aggiungendo un nuovo nodo al set di repliche.</a:t>
+            </a:r>
+          </a:p>
+          <a:p>
+            <a:pPr lvl="1"/>
+            <a:r>
+              <a:rPr lang="it-IT" sz="2000" dirty="0"/>
+              <a:t>Inizializzare un set di repliche.</a:t>
+            </a:r>
+          </a:p>
+          <a:p>
+            <a:pPr lvl="1"/>
+            <a:r>
+              <a:rPr lang="it-IT" sz="2000" dirty="0"/>
+              <a:t> Eseguire la manutenzione del set di repliche.</a:t>
+            </a:r>
+          </a:p>
+          <a:p>
+            <a:pPr lvl="1"/>
+            <a:r>
+              <a:rPr lang="it-IT" sz="2000" dirty="0"/>
+              <a:t> I nodi secondari perdono la connettività al primario per più del </a:t>
+            </a:r>
+            <a:r>
+              <a:rPr lang="it-IT" sz="2000" dirty="0" err="1"/>
+              <a:t>timeout</a:t>
+            </a:r>
+            <a:r>
+              <a:rPr lang="it-IT" sz="2000" dirty="0"/>
+              <a:t> configurato (10 secondi per default). </a:t>
+            </a:r>
+          </a:p>
+        </p:txBody>
+      </p:sp>
+    </p:spTree>
+    <p:extLst>
+      <p:ext uri="{BB962C8B-B14F-4D97-AF65-F5344CB8AC3E}">
+        <p14:creationId xmlns:p14="http://schemas.microsoft.com/office/powerpoint/2010/main" val="1275923587"/>
+      </p:ext>
+    </p:extLst>
+  </p:cSld>
+  <p:clrMapOvr>
+    <a:masterClrMapping/>
+  </p:clrMapOvr>
+</p:sld>
+</file>
+
+<file path=ppt/slides/slide11.xml><?xml version="1.0" encoding="utf-8"?>
+<p:sld xmlns:a="http://schemas.openxmlformats.org/drawingml/2006/main" xmlns:r="http://schemas.openxmlformats.org/officeDocument/2006/relationships" xmlns:p="http://schemas.openxmlformats.org/presentationml/2006/main">
+  <p:cSld>
+    <p:spTree>
+      <p:nvGrpSpPr>
+        <p:cNvPr id="1" name=""/>
+        <p:cNvGrpSpPr/>
+        <p:nvPr/>
+      </p:nvGrpSpPr>
+      <p:grpSpPr>
+        <a:xfrm>
+          <a:off x="0" y="0"/>
+          <a:ext cx="0" cy="0"/>
+          <a:chOff x="0" y="0"/>
+          <a:chExt cx="0" cy="0"/>
+        </a:xfrm>
+      </p:grpSpPr>
+      <p:sp>
+        <p:nvSpPr>
+          <p:cNvPr id="2" name="Titolo 1">
+            <a:extLst>
+              <a:ext uri="{FF2B5EF4-FFF2-40B4-BE49-F238E27FC236}">
+                <a16:creationId xmlns:a16="http://schemas.microsoft.com/office/drawing/2014/main" id="{306E3E34-60AA-447B-AAF0-4A11CEF3540E}"/>
+              </a:ext>
+            </a:extLst>
+          </p:cNvPr>
+          <p:cNvSpPr>
+            <a:spLocks noGrp="1"/>
+          </p:cNvSpPr>
+          <p:nvPr>
+            <p:ph type="title"/>
+          </p:nvPr>
+        </p:nvSpPr>
+        <p:spPr>
+          <a:xfrm>
+            <a:off x="677334" y="609600"/>
+            <a:ext cx="8596668" cy="737937"/>
+          </a:xfrm>
+        </p:spPr>
+        <p:txBody>
+          <a:bodyPr/>
+          <a:lstStyle/>
+          <a:p>
+            <a:r>
+              <a:rPr lang="it-IT" dirty="0"/>
+              <a:t>Configurazione processo di elezione</a:t>
+            </a:r>
+          </a:p>
+        </p:txBody>
+      </p:sp>
+      <p:sp>
+        <p:nvSpPr>
+          <p:cNvPr id="4" name="CasellaDiTesto 3">
+            <a:extLst>
+              <a:ext uri="{FF2B5EF4-FFF2-40B4-BE49-F238E27FC236}">
+                <a16:creationId xmlns:a16="http://schemas.microsoft.com/office/drawing/2014/main" id="{0D9BDB9C-602C-438B-90EE-DFCBBDEDC5BF}"/>
+              </a:ext>
+            </a:extLst>
+          </p:cNvPr>
+          <p:cNvSpPr txBox="1"/>
+          <p:nvPr/>
+        </p:nvSpPr>
+        <p:spPr>
+          <a:xfrm>
+            <a:off x="5812263" y="1191127"/>
+            <a:ext cx="4764446" cy="5016758"/>
+          </a:xfrm>
+          <a:prstGeom prst="rect">
+            <a:avLst/>
+          </a:prstGeom>
+          <a:noFill/>
+        </p:spPr>
+        <p:txBody>
+          <a:bodyPr wrap="none" rtlCol="0">
+            <a:spAutoFit/>
+          </a:bodyPr>
+          <a:lstStyle/>
+          <a:p>
+            <a:r>
+              <a:rPr lang="it-IT" sz="2000" dirty="0"/>
+              <a:t> …</a:t>
+            </a:r>
+          </a:p>
+          <a:p>
+            <a:r>
+              <a:rPr lang="it-IT" sz="2000" dirty="0"/>
+              <a:t>  settings: </a:t>
+            </a:r>
+            <a:r>
+              <a:rPr lang="it-IT" sz="2000" dirty="0">
+                <a:solidFill>
+                  <a:schemeClr val="accent2"/>
+                </a:solidFill>
+              </a:rPr>
+              <a:t>{// settaggio per intero</a:t>
+            </a:r>
+          </a:p>
+          <a:p>
+            <a:r>
+              <a:rPr lang="it-IT" sz="2000" dirty="0">
+                <a:solidFill>
+                  <a:schemeClr val="accent2"/>
+                </a:solidFill>
+              </a:rPr>
+              <a:t>  replica set</a:t>
+            </a:r>
+          </a:p>
+          <a:p>
+            <a:r>
+              <a:rPr lang="it-IT" sz="2000" dirty="0"/>
+              <a:t>    </a:t>
+            </a:r>
+            <a:r>
+              <a:rPr lang="it-IT" sz="2000" dirty="0" err="1"/>
+              <a:t>chainingAllowed</a:t>
+            </a:r>
+            <a:r>
+              <a:rPr lang="it-IT" sz="2000" dirty="0"/>
+              <a:t> : &lt;</a:t>
+            </a:r>
+            <a:r>
+              <a:rPr lang="it-IT" sz="2000" dirty="0" err="1"/>
+              <a:t>boolean</a:t>
+            </a:r>
+            <a:r>
+              <a:rPr lang="it-IT" sz="2000" dirty="0"/>
+              <a:t>&gt;,</a:t>
+            </a:r>
+          </a:p>
+          <a:p>
+            <a:r>
+              <a:rPr lang="it-IT" sz="2000" dirty="0"/>
+              <a:t>    </a:t>
+            </a:r>
+            <a:r>
+              <a:rPr lang="it-IT" sz="2000" dirty="0" err="1"/>
+              <a:t>heartbeatIntervalMillis</a:t>
+            </a:r>
+            <a:r>
+              <a:rPr lang="it-IT" sz="2000" dirty="0"/>
+              <a:t> : &lt;</a:t>
+            </a:r>
+            <a:r>
+              <a:rPr lang="it-IT" sz="2000" dirty="0" err="1"/>
+              <a:t>int</a:t>
+            </a:r>
+            <a:r>
+              <a:rPr lang="it-IT" sz="2000" dirty="0"/>
+              <a:t>&gt;,</a:t>
+            </a:r>
+          </a:p>
+          <a:p>
+            <a:r>
+              <a:rPr lang="it-IT" sz="2000" dirty="0"/>
+              <a:t>    </a:t>
+            </a:r>
+            <a:r>
+              <a:rPr lang="it-IT" sz="2000" dirty="0" err="1"/>
+              <a:t>heartbeatTimeoutSecs</a:t>
+            </a:r>
+            <a:r>
+              <a:rPr lang="it-IT" sz="2000" dirty="0"/>
+              <a:t>: &lt;</a:t>
+            </a:r>
+            <a:r>
+              <a:rPr lang="it-IT" sz="2000" dirty="0" err="1"/>
+              <a:t>int</a:t>
+            </a:r>
+            <a:r>
+              <a:rPr lang="it-IT" sz="2000" dirty="0"/>
+              <a:t>&gt;,</a:t>
+            </a:r>
+          </a:p>
+          <a:p>
+            <a:r>
+              <a:rPr lang="it-IT" sz="2000" dirty="0"/>
+              <a:t>    </a:t>
+            </a:r>
+            <a:r>
+              <a:rPr lang="it-IT" sz="2000" dirty="0">
+                <a:solidFill>
+                  <a:schemeClr val="accent2"/>
+                </a:solidFill>
+              </a:rPr>
+              <a:t>// quanti secondi posso aspettare </a:t>
+            </a:r>
+          </a:p>
+          <a:p>
+            <a:r>
+              <a:rPr lang="it-IT" sz="2000" dirty="0">
+                <a:solidFill>
+                  <a:schemeClr val="accent2"/>
+                </a:solidFill>
+              </a:rPr>
+              <a:t>    per avere un messaggio </a:t>
+            </a:r>
+            <a:r>
+              <a:rPr lang="it-IT" sz="2000" dirty="0" err="1">
+                <a:solidFill>
+                  <a:schemeClr val="accent2"/>
+                </a:solidFill>
+              </a:rPr>
+              <a:t>heartbeat</a:t>
+            </a:r>
+            <a:r>
+              <a:rPr lang="it-IT" sz="2000" dirty="0">
+                <a:solidFill>
+                  <a:schemeClr val="accent2"/>
+                </a:solidFill>
+              </a:rPr>
+              <a:t> di </a:t>
+            </a:r>
+          </a:p>
+          <a:p>
+            <a:r>
+              <a:rPr lang="it-IT" sz="2000" dirty="0">
+                <a:solidFill>
+                  <a:schemeClr val="accent2"/>
+                </a:solidFill>
+              </a:rPr>
+              <a:t>    successo, default=10s</a:t>
+            </a:r>
+          </a:p>
+          <a:p>
+            <a:r>
+              <a:rPr lang="it-IT" sz="2000" dirty="0"/>
+              <a:t>    </a:t>
+            </a:r>
+            <a:r>
+              <a:rPr lang="it-IT" sz="2000" dirty="0" err="1"/>
+              <a:t>electionTimeoutMillis</a:t>
+            </a:r>
+            <a:r>
+              <a:rPr lang="it-IT" sz="2000" dirty="0"/>
+              <a:t> : &lt;</a:t>
+            </a:r>
+            <a:r>
+              <a:rPr lang="it-IT" sz="2000" dirty="0" err="1"/>
+              <a:t>int</a:t>
+            </a:r>
+            <a:r>
+              <a:rPr lang="it-IT" sz="2000" dirty="0"/>
+              <a:t>&gt;, </a:t>
+            </a:r>
+          </a:p>
+          <a:p>
+            <a:r>
+              <a:rPr lang="it-IT" sz="2000" dirty="0"/>
+              <a:t>    </a:t>
+            </a:r>
+            <a:r>
+              <a:rPr lang="it-IT" sz="2000" dirty="0">
+                <a:solidFill>
+                  <a:schemeClr val="accent2"/>
+                </a:solidFill>
+              </a:rPr>
+              <a:t>//identifica quando il </a:t>
+            </a:r>
+            <a:r>
+              <a:rPr lang="it-IT" sz="2000" dirty="0" err="1">
+                <a:solidFill>
+                  <a:schemeClr val="accent2"/>
+                </a:solidFill>
+              </a:rPr>
+              <a:t>primary</a:t>
+            </a:r>
+            <a:r>
+              <a:rPr lang="it-IT" sz="2000" dirty="0">
+                <a:solidFill>
+                  <a:schemeClr val="accent2"/>
+                </a:solidFill>
+              </a:rPr>
+              <a:t> </a:t>
+            </a:r>
+            <a:r>
+              <a:rPr lang="it-IT" sz="2000" dirty="0" err="1">
+                <a:solidFill>
+                  <a:schemeClr val="accent2"/>
+                </a:solidFill>
+              </a:rPr>
+              <a:t>node</a:t>
+            </a:r>
+            <a:r>
+              <a:rPr lang="it-IT" sz="2000" dirty="0">
+                <a:solidFill>
+                  <a:schemeClr val="accent2"/>
+                </a:solidFill>
+              </a:rPr>
+              <a:t> </a:t>
+            </a:r>
+          </a:p>
+          <a:p>
+            <a:r>
+              <a:rPr lang="it-IT" sz="2000" dirty="0">
+                <a:solidFill>
+                  <a:schemeClr val="accent2"/>
+                </a:solidFill>
+              </a:rPr>
+              <a:t>    è irraggiungibile</a:t>
+            </a:r>
+          </a:p>
+          <a:p>
+            <a:r>
+              <a:rPr lang="it-IT" sz="2000" dirty="0"/>
+              <a:t>    </a:t>
+            </a:r>
+            <a:r>
+              <a:rPr lang="it-IT" sz="2000" dirty="0" err="1"/>
+              <a:t>catchUpTimeoutMillis</a:t>
+            </a:r>
+            <a:r>
+              <a:rPr lang="it-IT" sz="2000" dirty="0"/>
+              <a:t> : &lt;</a:t>
+            </a:r>
+            <a:r>
+              <a:rPr lang="it-IT" sz="2000" dirty="0" err="1"/>
+              <a:t>int</a:t>
+            </a:r>
+            <a:r>
+              <a:rPr lang="it-IT" sz="2000" dirty="0"/>
+              <a:t>&gt;,</a:t>
+            </a:r>
+          </a:p>
+          <a:p>
+            <a:r>
+              <a:rPr lang="it-IT" sz="2000" dirty="0"/>
+              <a:t>    </a:t>
+            </a:r>
+            <a:r>
+              <a:rPr lang="it-IT" sz="2000" dirty="0" err="1"/>
+              <a:t>replicaSetId</a:t>
+            </a:r>
+            <a:r>
+              <a:rPr lang="it-IT" sz="2000" dirty="0"/>
+              <a:t>: &lt;</a:t>
+            </a:r>
+            <a:r>
+              <a:rPr lang="it-IT" sz="2000" dirty="0" err="1"/>
+              <a:t>ObjectId</a:t>
+            </a:r>
+            <a:r>
+              <a:rPr lang="it-IT" sz="2000" dirty="0"/>
+              <a:t>&gt;</a:t>
+            </a:r>
+          </a:p>
+          <a:p>
+            <a:r>
+              <a:rPr lang="it-IT" sz="2000" dirty="0"/>
+              <a:t>  }</a:t>
+            </a:r>
+          </a:p>
+          <a:p>
+            <a:r>
+              <a:rPr lang="it-IT" sz="2000" dirty="0"/>
+              <a:t>…</a:t>
+            </a:r>
+          </a:p>
+        </p:txBody>
+      </p:sp>
+      <p:sp>
+        <p:nvSpPr>
+          <p:cNvPr id="5" name="CasellaDiTesto 4">
+            <a:extLst>
+              <a:ext uri="{FF2B5EF4-FFF2-40B4-BE49-F238E27FC236}">
+                <a16:creationId xmlns:a16="http://schemas.microsoft.com/office/drawing/2014/main" id="{D7CF947C-2DE5-44F5-BFBA-033183D7C32E}"/>
+              </a:ext>
+            </a:extLst>
+          </p:cNvPr>
+          <p:cNvSpPr txBox="1"/>
+          <p:nvPr/>
+        </p:nvSpPr>
+        <p:spPr>
+          <a:xfrm>
+            <a:off x="245447" y="1191127"/>
+            <a:ext cx="4807816" cy="5909310"/>
+          </a:xfrm>
+          <a:prstGeom prst="rect">
+            <a:avLst/>
+          </a:prstGeom>
+          <a:noFill/>
+        </p:spPr>
+        <p:txBody>
+          <a:bodyPr wrap="square" rtlCol="0">
+            <a:spAutoFit/>
+          </a:bodyPr>
+          <a:lstStyle/>
+          <a:p>
+            <a:r>
+              <a:rPr lang="it-IT" sz="2000" dirty="0"/>
+              <a:t>…</a:t>
+            </a:r>
+          </a:p>
+          <a:p>
+            <a:r>
+              <a:rPr lang="it-IT" sz="2000" dirty="0" err="1"/>
+              <a:t>members</a:t>
+            </a:r>
+            <a:r>
+              <a:rPr lang="it-IT" sz="2000" dirty="0"/>
+              <a:t>: [ </a:t>
+            </a:r>
+            <a:r>
+              <a:rPr lang="it-IT" sz="2000" dirty="0">
+                <a:solidFill>
+                  <a:schemeClr val="accent2"/>
+                </a:solidFill>
+              </a:rPr>
+              <a:t>//array per ogni membro</a:t>
+            </a:r>
+          </a:p>
+          <a:p>
+            <a:r>
+              <a:rPr lang="it-IT" sz="2000" dirty="0"/>
+              <a:t>    {</a:t>
+            </a:r>
+          </a:p>
+          <a:p>
+            <a:r>
+              <a:rPr lang="it-IT" sz="2000" dirty="0"/>
+              <a:t>      _id: &lt;</a:t>
+            </a:r>
+            <a:r>
+              <a:rPr lang="it-IT" sz="2000" dirty="0" err="1"/>
+              <a:t>int</a:t>
+            </a:r>
+            <a:r>
+              <a:rPr lang="it-IT" sz="2000" dirty="0"/>
+              <a:t>&gt;, </a:t>
+            </a:r>
+            <a:r>
+              <a:rPr lang="it-IT" sz="2000" dirty="0">
+                <a:solidFill>
+                  <a:schemeClr val="accent2"/>
+                </a:solidFill>
+              </a:rPr>
+              <a:t>//Identifica membro</a:t>
+            </a:r>
+          </a:p>
+          <a:p>
+            <a:r>
+              <a:rPr lang="it-IT" sz="2000" dirty="0"/>
+              <a:t>      </a:t>
+            </a:r>
+            <a:r>
+              <a:rPr lang="it-IT" sz="2000" dirty="0" err="1"/>
+              <a:t>host</a:t>
+            </a:r>
+            <a:r>
+              <a:rPr lang="it-IT" sz="2000" dirty="0"/>
+              <a:t>: &lt;</a:t>
+            </a:r>
+            <a:r>
+              <a:rPr lang="it-IT" sz="2000" dirty="0" err="1"/>
+              <a:t>string</a:t>
+            </a:r>
+            <a:r>
+              <a:rPr lang="it-IT" sz="2000" dirty="0"/>
+              <a:t>&gt;, </a:t>
+            </a:r>
+            <a:r>
+              <a:rPr lang="it-IT" sz="2000" dirty="0">
+                <a:solidFill>
+                  <a:schemeClr val="accent2"/>
+                </a:solidFill>
+              </a:rPr>
+              <a:t>// nome </a:t>
+            </a:r>
+            <a:r>
+              <a:rPr lang="it-IT" sz="2000" dirty="0" err="1">
+                <a:solidFill>
+                  <a:schemeClr val="accent2"/>
+                </a:solidFill>
+              </a:rPr>
+              <a:t>host</a:t>
+            </a:r>
+            <a:r>
+              <a:rPr lang="it-IT" sz="2000" dirty="0">
+                <a:solidFill>
+                  <a:schemeClr val="accent2"/>
+                </a:solidFill>
+              </a:rPr>
+              <a:t> e porta</a:t>
+            </a:r>
+          </a:p>
+          <a:p>
+            <a:r>
+              <a:rPr lang="it-IT" sz="2000" dirty="0"/>
+              <a:t>      </a:t>
+            </a:r>
+            <a:r>
+              <a:rPr lang="it-IT" sz="2000" dirty="0" err="1"/>
+              <a:t>arbiterOnly</a:t>
+            </a:r>
+            <a:r>
+              <a:rPr lang="it-IT" sz="2000" dirty="0"/>
+              <a:t>: &lt;</a:t>
+            </a:r>
+            <a:r>
+              <a:rPr lang="it-IT" sz="2000" dirty="0" err="1"/>
+              <a:t>boolean</a:t>
+            </a:r>
+            <a:r>
+              <a:rPr lang="it-IT" sz="2000" dirty="0"/>
+              <a:t>&gt;,</a:t>
+            </a:r>
+          </a:p>
+          <a:p>
+            <a:r>
+              <a:rPr lang="it-IT" sz="2000" dirty="0"/>
+              <a:t>      </a:t>
+            </a:r>
+            <a:r>
+              <a:rPr lang="it-IT" sz="2000" dirty="0" err="1"/>
+              <a:t>buildIndexes</a:t>
+            </a:r>
+            <a:r>
+              <a:rPr lang="it-IT" sz="2000" dirty="0"/>
+              <a:t>: &lt;</a:t>
+            </a:r>
+            <a:r>
+              <a:rPr lang="it-IT" sz="2000" dirty="0" err="1"/>
+              <a:t>boolean</a:t>
+            </a:r>
+            <a:r>
+              <a:rPr lang="it-IT" sz="2000" dirty="0"/>
+              <a:t>&gt;,</a:t>
+            </a:r>
+          </a:p>
+          <a:p>
+            <a:r>
+              <a:rPr lang="it-IT" sz="2000" dirty="0"/>
+              <a:t>      </a:t>
+            </a:r>
+            <a:r>
+              <a:rPr lang="it-IT" sz="2000" dirty="0" err="1"/>
+              <a:t>hidden</a:t>
+            </a:r>
+            <a:r>
+              <a:rPr lang="it-IT" sz="2000" dirty="0"/>
+              <a:t>: &lt;</a:t>
+            </a:r>
+            <a:r>
+              <a:rPr lang="it-IT" sz="2000" dirty="0" err="1"/>
+              <a:t>boolean</a:t>
+            </a:r>
+            <a:r>
+              <a:rPr lang="it-IT" sz="2000" dirty="0"/>
+              <a:t>&gt;,</a:t>
+            </a:r>
+          </a:p>
+          <a:p>
+            <a:r>
+              <a:rPr lang="it-IT" sz="2000" dirty="0"/>
+              <a:t>      </a:t>
+            </a:r>
+            <a:r>
+              <a:rPr lang="it-IT" sz="2000" dirty="0" err="1"/>
+              <a:t>priority</a:t>
+            </a:r>
+            <a:r>
+              <a:rPr lang="it-IT" sz="2000" dirty="0"/>
+              <a:t>: &lt;</a:t>
+            </a:r>
+            <a:r>
+              <a:rPr lang="it-IT" sz="2000" dirty="0" err="1"/>
+              <a:t>number</a:t>
+            </a:r>
+            <a:r>
+              <a:rPr lang="it-IT" sz="2000" dirty="0"/>
+              <a:t>&gt; </a:t>
+            </a:r>
+            <a:r>
+              <a:rPr lang="it-IT" sz="2000" dirty="0">
+                <a:solidFill>
+                  <a:schemeClr val="accent2"/>
+                </a:solidFill>
+              </a:rPr>
+              <a:t>// Un numero 	che indica l'idoneità relativa di un 	membro a diventare primario.(0-	1000)</a:t>
+            </a:r>
+          </a:p>
+          <a:p>
+            <a:r>
+              <a:rPr lang="it-IT" sz="2000" dirty="0"/>
+              <a:t>      tags: &lt;</a:t>
+            </a:r>
+            <a:r>
+              <a:rPr lang="it-IT" sz="2000" dirty="0" err="1"/>
+              <a:t>document</a:t>
+            </a:r>
+            <a:r>
+              <a:rPr lang="it-IT" sz="2000" dirty="0"/>
+              <a:t>&gt;,</a:t>
+            </a:r>
+          </a:p>
+          <a:p>
+            <a:r>
+              <a:rPr lang="it-IT" sz="2000" dirty="0"/>
+              <a:t>      </a:t>
+            </a:r>
+            <a:r>
+              <a:rPr lang="it-IT" sz="2000" dirty="0" err="1"/>
+              <a:t>secondaryDelaySecs</a:t>
+            </a:r>
+            <a:r>
+              <a:rPr lang="it-IT" sz="2000" dirty="0"/>
+              <a:t>: &lt;</a:t>
+            </a:r>
+            <a:r>
+              <a:rPr lang="it-IT" sz="2000" dirty="0" err="1"/>
+              <a:t>int</a:t>
+            </a:r>
+            <a:r>
+              <a:rPr lang="it-IT" sz="2000" dirty="0"/>
+              <a:t>&gt;,</a:t>
+            </a:r>
+          </a:p>
+          <a:p>
+            <a:r>
+              <a:rPr lang="it-IT" sz="2000" dirty="0"/>
+              <a:t>      </a:t>
+            </a:r>
+            <a:r>
+              <a:rPr lang="it-IT" sz="2000" dirty="0" err="1"/>
+              <a:t>votes</a:t>
+            </a:r>
+            <a:r>
+              <a:rPr lang="it-IT" sz="2000" dirty="0"/>
+              <a:t>: &lt;</a:t>
+            </a:r>
+            <a:r>
+              <a:rPr lang="it-IT" sz="2000" dirty="0" err="1"/>
+              <a:t>number</a:t>
+            </a:r>
+            <a:r>
+              <a:rPr lang="it-IT" sz="2000" dirty="0">
+                <a:solidFill>
+                  <a:schemeClr val="accent2"/>
+                </a:solidFill>
+              </a:rPr>
+              <a:t>&gt;// Il numero di voti 	che un server esprimerà in 	un'elezione (0-1) </a:t>
+            </a:r>
+            <a:r>
+              <a:rPr lang="it-IT" sz="2000" dirty="0"/>
+              <a:t>},</a:t>
+            </a:r>
+          </a:p>
+          <a:p>
+            <a:r>
+              <a:rPr lang="it-IT" sz="2000" dirty="0"/>
+              <a:t>    ...</a:t>
+            </a:r>
+          </a:p>
+          <a:p>
+            <a:endParaRPr lang="it-IT" dirty="0"/>
+          </a:p>
+        </p:txBody>
+      </p:sp>
+    </p:spTree>
+    <p:extLst>
+      <p:ext uri="{BB962C8B-B14F-4D97-AF65-F5344CB8AC3E}">
+        <p14:creationId xmlns:p14="http://schemas.microsoft.com/office/powerpoint/2010/main" val="2529083846"/>
+      </p:ext>
+    </p:extLst>
+  </p:cSld>
+  <p:clrMapOvr>
+    <a:masterClrMapping/>
+  </p:clrMapOvr>
+</p:sld>
+</file>
+
+<file path=ppt/slides/slide12.xml><?xml version="1.0" encoding="utf-8"?>
+<p:sld xmlns:a="http://schemas.openxmlformats.org/drawingml/2006/main" xmlns:r="http://schemas.openxmlformats.org/officeDocument/2006/relationships" xmlns:p="http://schemas.openxmlformats.org/presentationml/2006/main">
+  <p:cSld>
+    <p:spTree>
+      <p:nvGrpSpPr>
+        <p:cNvPr id="1" name=""/>
+        <p:cNvGrpSpPr/>
+        <p:nvPr/>
+      </p:nvGrpSpPr>
+      <p:grpSpPr>
+        <a:xfrm>
+          <a:off x="0" y="0"/>
+          <a:ext cx="0" cy="0"/>
+          <a:chOff x="0" y="0"/>
+          <a:chExt cx="0" cy="0"/>
+        </a:xfrm>
+      </p:grpSpPr>
+      <p:sp>
+        <p:nvSpPr>
+          <p:cNvPr id="2" name="Titolo 1">
+            <a:extLst>
+              <a:ext uri="{FF2B5EF4-FFF2-40B4-BE49-F238E27FC236}">
                 <a16:creationId xmlns:a16="http://schemas.microsoft.com/office/drawing/2014/main" id="{F244B3B0-61DC-4CFD-A0B4-267EB08F29D1}"/>
               </a:ext>
             </a:extLst>
@@ -8446,7 +9736,7 @@
 </p:sld>
 </file>
 
-<file path=ppt/slides/slide11.xml><?xml version="1.0" encoding="utf-8"?>
+<file path=ppt/slides/slide13.xml><?xml version="1.0" encoding="utf-8"?>
 <p:sld xmlns:a="http://schemas.openxmlformats.org/drawingml/2006/main" xmlns:r="http://schemas.openxmlformats.org/officeDocument/2006/relationships" xmlns:p="http://schemas.openxmlformats.org/presentationml/2006/main">
   <p:cSld>
     <p:spTree>
@@ -8660,7 +9950,7 @@
 </p:sld>
 </file>
 
-<file path=ppt/slides/slide12.xml><?xml version="1.0" encoding="utf-8"?>
+<file path=ppt/slides/slide14.xml><?xml version="1.0" encoding="utf-8"?>
 <p:sld xmlns:a="http://schemas.openxmlformats.org/drawingml/2006/main" xmlns:r="http://schemas.openxmlformats.org/officeDocument/2006/relationships" xmlns:p="http://schemas.openxmlformats.org/presentationml/2006/main">
   <p:cSld>
     <p:spTree>
@@ -8798,7 +10088,7 @@
 </p:sld>
 </file>
 
-<file path=ppt/slides/slide13.xml><?xml version="1.0" encoding="utf-8"?>
+<file path=ppt/slides/slide15.xml><?xml version="1.0" encoding="utf-8"?>
 <p:sld xmlns:a="http://schemas.openxmlformats.org/drawingml/2006/main" xmlns:r="http://schemas.openxmlformats.org/officeDocument/2006/relationships" xmlns:p="http://schemas.openxmlformats.org/presentationml/2006/main">
   <p:cSld>
     <p:spTree>
@@ -9137,7 +10427,7 @@
 </p:sld>
 </file>
 
-<file path=ppt/slides/slide14.xml><?xml version="1.0" encoding="utf-8"?>
+<file path=ppt/slides/slide16.xml><?xml version="1.0" encoding="utf-8"?>
 <p:sld xmlns:a="http://schemas.openxmlformats.org/drawingml/2006/main" xmlns:r="http://schemas.openxmlformats.org/officeDocument/2006/relationships" xmlns:p="http://schemas.openxmlformats.org/presentationml/2006/main">
   <p:cSld>
     <p:spTree>
@@ -9238,7 +10528,7 @@
 </p:sld>
 </file>
 
-<file path=ppt/slides/slide15.xml><?xml version="1.0" encoding="utf-8"?>
+<file path=ppt/slides/slide17.xml><?xml version="1.0" encoding="utf-8"?>
 <p:sld xmlns:a="http://schemas.openxmlformats.org/drawingml/2006/main" xmlns:r="http://schemas.openxmlformats.org/officeDocument/2006/relationships" xmlns:p="http://schemas.openxmlformats.org/presentationml/2006/main">
   <p:cSld>
     <p:spTree>
@@ -9334,7 +10624,7 @@
 </p:sld>
 </file>
 
-<file path=ppt/slides/slide16.xml><?xml version="1.0" encoding="utf-8"?>
+<file path=ppt/slides/slide18.xml><?xml version="1.0" encoding="utf-8"?>
 <p:sld xmlns:a="http://schemas.openxmlformats.org/drawingml/2006/main" xmlns:r="http://schemas.openxmlformats.org/officeDocument/2006/relationships" xmlns:p="http://schemas.openxmlformats.org/presentationml/2006/main">
   <p:cSld>
     <p:spTree>
@@ -9625,7 +10915,7 @@
 </p:sld>
 </file>
 
-<file path=ppt/slides/slide17.xml><?xml version="1.0" encoding="utf-8"?>
+<file path=ppt/slides/slide19.xml><?xml version="1.0" encoding="utf-8"?>
 <p:sld xmlns:a="http://schemas.openxmlformats.org/drawingml/2006/main" xmlns:r="http://schemas.openxmlformats.org/officeDocument/2006/relationships" xmlns:p="http://schemas.openxmlformats.org/presentationml/2006/main">
   <p:cSld>
     <p:spTree>
@@ -9989,7 +11279,7 @@
 </p:sld>
 </file>
 
-<file path=ppt/slides/slide18.xml><?xml version="1.0" encoding="utf-8"?>
+<file path=ppt/slides/slide2.xml><?xml version="1.0" encoding="utf-8"?>
 <p:sld xmlns:a="http://schemas.openxmlformats.org/drawingml/2006/main" xmlns:r="http://schemas.openxmlformats.org/officeDocument/2006/relationships" xmlns:p="http://schemas.openxmlformats.org/presentationml/2006/main">
   <p:cSld>
     <p:spTree>
@@ -10011,6 +11301,380 @@
           <p:cNvPr id="2" name="Titolo 1">
             <a:extLst>
               <a:ext uri="{FF2B5EF4-FFF2-40B4-BE49-F238E27FC236}">
+                <a16:creationId xmlns:a16="http://schemas.microsoft.com/office/drawing/2014/main" id="{8ADD3AC4-1E8B-4648-B0DD-E61166234F2D}"/>
+              </a:ext>
+            </a:extLst>
+          </p:cNvPr>
+          <p:cNvSpPr>
+            <a:spLocks noGrp="1"/>
+          </p:cNvSpPr>
+          <p:nvPr>
+            <p:ph type="title"/>
+          </p:nvPr>
+        </p:nvSpPr>
+        <p:spPr/>
+        <p:txBody>
+          <a:bodyPr/>
+          <a:lstStyle/>
+          <a:p>
+            <a:r>
+              <a:rPr lang="it-IT" dirty="0"/>
+              <a:t>Premessa:</a:t>
+            </a:r>
+          </a:p>
+        </p:txBody>
+      </p:sp>
+      <p:pic>
+        <p:nvPicPr>
+          <p:cNvPr id="5" name="Immagine 4" descr="Immagine che contiene blu, vetro&#10;&#10;Descrizione generata automaticamente">
+            <a:extLst>
+              <a:ext uri="{FF2B5EF4-FFF2-40B4-BE49-F238E27FC236}">
+                <a16:creationId xmlns:a16="http://schemas.microsoft.com/office/drawing/2014/main" id="{B5E8213E-E071-4B86-AD1E-4C7867E3A3ED}"/>
+              </a:ext>
+            </a:extLst>
+          </p:cNvPr>
+          <p:cNvPicPr>
+            <a:picLocks noChangeAspect="1"/>
+          </p:cNvPicPr>
+          <p:nvPr/>
+        </p:nvPicPr>
+        <p:blipFill>
+          <a:blip r:embed="rId2">
+            <a:extLst>
+              <a:ext uri="{28A0092B-C50C-407E-A947-70E740481C1C}">
+                <a14:useLocalDpi xmlns:a14="http://schemas.microsoft.com/office/drawing/2010/main" val="0"/>
+              </a:ext>
+            </a:extLst>
+          </a:blip>
+          <a:stretch>
+            <a:fillRect/>
+          </a:stretch>
+        </p:blipFill>
+        <p:spPr>
+          <a:xfrm>
+            <a:off x="528478" y="2338318"/>
+            <a:ext cx="4127922" cy="4127922"/>
+          </a:xfrm>
+          <a:prstGeom prst="rect">
+            <a:avLst/>
+          </a:prstGeom>
+        </p:spPr>
+      </p:pic>
+      <p:pic>
+        <p:nvPicPr>
+          <p:cNvPr id="7" name="Immagine 6" descr="Immagine che contiene graffetta, stazionario&#10;&#10;Descrizione generata automaticamente">
+            <a:extLst>
+              <a:ext uri="{FF2B5EF4-FFF2-40B4-BE49-F238E27FC236}">
+                <a16:creationId xmlns:a16="http://schemas.microsoft.com/office/drawing/2014/main" id="{9D639129-84BE-4448-B9FB-1D8F9781FB93}"/>
+              </a:ext>
+            </a:extLst>
+          </p:cNvPr>
+          <p:cNvPicPr>
+            <a:picLocks noChangeAspect="1"/>
+          </p:cNvPicPr>
+          <p:nvPr/>
+        </p:nvPicPr>
+        <p:blipFill>
+          <a:blip r:embed="rId3">
+            <a:extLst>
+              <a:ext uri="{28A0092B-C50C-407E-A947-70E740481C1C}">
+                <a14:useLocalDpi xmlns:a14="http://schemas.microsoft.com/office/drawing/2010/main" val="0"/>
+              </a:ext>
+            </a:extLst>
+          </a:blip>
+          <a:stretch>
+            <a:fillRect/>
+          </a:stretch>
+        </p:blipFill>
+        <p:spPr>
+          <a:xfrm>
+            <a:off x="4975668" y="2682329"/>
+            <a:ext cx="4391360" cy="3439899"/>
+          </a:xfrm>
+          <a:prstGeom prst="rect">
+            <a:avLst/>
+          </a:prstGeom>
+        </p:spPr>
+      </p:pic>
+      <p:sp>
+        <p:nvSpPr>
+          <p:cNvPr id="8" name="CasellaDiTesto 7">
+            <a:extLst>
+              <a:ext uri="{FF2B5EF4-FFF2-40B4-BE49-F238E27FC236}">
+                <a16:creationId xmlns:a16="http://schemas.microsoft.com/office/drawing/2014/main" id="{5BA6DBA3-FE49-40F3-9B58-55468F220E9E}"/>
+              </a:ext>
+            </a:extLst>
+          </p:cNvPr>
+          <p:cNvSpPr txBox="1"/>
+          <p:nvPr/>
+        </p:nvSpPr>
+        <p:spPr>
+          <a:xfrm>
+            <a:off x="755879" y="1921404"/>
+            <a:ext cx="3303277" cy="369332"/>
+          </a:xfrm>
+          <a:prstGeom prst="rect">
+            <a:avLst/>
+          </a:prstGeom>
+          <a:noFill/>
+        </p:spPr>
+        <p:txBody>
+          <a:bodyPr wrap="none" rtlCol="0">
+            <a:spAutoFit/>
+          </a:bodyPr>
+          <a:lstStyle/>
+          <a:p>
+            <a:r>
+              <a:rPr lang="it-IT" dirty="0"/>
+              <a:t>Dimensione del pianete Terra:</a:t>
+            </a:r>
+          </a:p>
+        </p:txBody>
+      </p:sp>
+      <p:sp>
+        <p:nvSpPr>
+          <p:cNvPr id="9" name="CasellaDiTesto 8">
+            <a:extLst>
+              <a:ext uri="{FF2B5EF4-FFF2-40B4-BE49-F238E27FC236}">
+                <a16:creationId xmlns:a16="http://schemas.microsoft.com/office/drawing/2014/main" id="{28DD1288-8A95-422E-B662-DD8FD5C605EE}"/>
+              </a:ext>
+            </a:extLst>
+          </p:cNvPr>
+          <p:cNvSpPr txBox="1"/>
+          <p:nvPr/>
+        </p:nvSpPr>
+        <p:spPr>
+          <a:xfrm>
+            <a:off x="5239906" y="1949693"/>
+            <a:ext cx="4483920" cy="369332"/>
+          </a:xfrm>
+          <a:prstGeom prst="rect">
+            <a:avLst/>
+          </a:prstGeom>
+          <a:noFill/>
+        </p:spPr>
+        <p:txBody>
+          <a:bodyPr wrap="none" rtlCol="0">
+            <a:spAutoFit/>
+          </a:bodyPr>
+          <a:lstStyle/>
+          <a:p>
+            <a:r>
+              <a:rPr lang="it-IT" dirty="0"/>
+              <a:t>Dimensione documentazione di </a:t>
+            </a:r>
+            <a:r>
+              <a:rPr lang="it-IT" dirty="0" err="1"/>
+              <a:t>MongoDB</a:t>
+            </a:r>
+            <a:r>
+              <a:rPr lang="it-IT" dirty="0"/>
+              <a:t>:</a:t>
+            </a:r>
+          </a:p>
+        </p:txBody>
+      </p:sp>
+    </p:spTree>
+    <p:extLst>
+      <p:ext uri="{BB962C8B-B14F-4D97-AF65-F5344CB8AC3E}">
+        <p14:creationId xmlns:p14="http://schemas.microsoft.com/office/powerpoint/2010/main" val="1966636824"/>
+      </p:ext>
+    </p:extLst>
+  </p:cSld>
+  <p:clrMapOvr>
+    <a:masterClrMapping/>
+  </p:clrMapOvr>
+</p:sld>
+</file>
+
+<file path=ppt/slides/slide20.xml><?xml version="1.0" encoding="utf-8"?>
+<p:sld xmlns:a="http://schemas.openxmlformats.org/drawingml/2006/main" xmlns:r="http://schemas.openxmlformats.org/officeDocument/2006/relationships" xmlns:p="http://schemas.openxmlformats.org/presentationml/2006/main">
+  <p:cSld>
+    <p:bg>
+      <p:bgPr>
+        <a:solidFill>
+          <a:schemeClr val="bg2"/>
+        </a:solidFill>
+        <a:effectLst/>
+      </p:bgPr>
+    </p:bg>
+    <p:spTree>
+      <p:nvGrpSpPr>
+        <p:cNvPr id="1" name=""/>
+        <p:cNvGrpSpPr/>
+        <p:nvPr/>
+      </p:nvGrpSpPr>
+      <p:grpSpPr>
+        <a:xfrm>
+          <a:off x="0" y="0"/>
+          <a:ext cx="0" cy="0"/>
+          <a:chOff x="0" y="0"/>
+          <a:chExt cx="0" cy="0"/>
+        </a:xfrm>
+      </p:grpSpPr>
+      <p:sp>
+        <p:nvSpPr>
+          <p:cNvPr id="2" name="Titolo 1">
+            <a:extLst>
+              <a:ext uri="{FF2B5EF4-FFF2-40B4-BE49-F238E27FC236}">
+                <a16:creationId xmlns:a16="http://schemas.microsoft.com/office/drawing/2014/main" id="{3D088067-24F2-42C7-B36C-F434A0A09742}"/>
+              </a:ext>
+            </a:extLst>
+          </p:cNvPr>
+          <p:cNvSpPr>
+            <a:spLocks noGrp="1"/>
+          </p:cNvSpPr>
+          <p:nvPr>
+            <p:ph type="title"/>
+          </p:nvPr>
+        </p:nvSpPr>
+        <p:spPr>
+          <a:xfrm>
+            <a:off x="3587617" y="4365407"/>
+            <a:ext cx="3737268" cy="1320800"/>
+          </a:xfrm>
+        </p:spPr>
+        <p:txBody>
+          <a:bodyPr>
+            <a:normAutofit/>
+          </a:bodyPr>
+          <a:lstStyle/>
+          <a:p>
+            <a:pPr algn="ctr"/>
+            <a:r>
+              <a:rPr lang="it-IT" dirty="0"/>
+              <a:t>SHARDING</a:t>
+            </a:r>
+          </a:p>
+        </p:txBody>
+      </p:sp>
+      <p:sp>
+        <p:nvSpPr>
+          <p:cNvPr id="12" name="Isosceles Triangle 11">
+            <a:extLst>
+              <a:ext uri="{FF2B5EF4-FFF2-40B4-BE49-F238E27FC236}">
+                <a16:creationId xmlns:a16="http://schemas.microsoft.com/office/drawing/2014/main" id="{3BCB5F6A-9EB0-40B0-9D13-3023E9A20508}"/>
+              </a:ext>
+              <a:ext uri="{C183D7F6-B498-43B3-948B-1728B52AA6E4}">
+                <adec:decorative xmlns:adec="http://schemas.microsoft.com/office/drawing/2017/decorative" val="1"/>
+              </a:ext>
+            </a:extLst>
+          </p:cNvPr>
+          <p:cNvSpPr>
+            <a:spLocks noGrp="1" noRot="1" noChangeAspect="1" noMove="1" noResize="1" noEditPoints="1" noAdjustHandles="1" noChangeArrowheads="1" noChangeShapeType="1" noTextEdit="1"/>
+          </p:cNvSpPr>
+          <p:nvPr>
+            <p:extLst>
+              <p:ext uri="{386F3935-93C4-4BCD-93E2-E3B085C9AB24}">
+                <p16:designElem xmlns:p16="http://schemas.microsoft.com/office/powerpoint/2015/main" val="1"/>
+              </p:ext>
+            </p:extLst>
+          </p:nvPr>
+        </p:nvSpPr>
+        <p:spPr>
+          <a:xfrm rot="10800000">
+            <a:off x="0" y="0"/>
+            <a:ext cx="842596" cy="5666154"/>
+          </a:xfrm>
+          <a:prstGeom prst="triangle">
+            <a:avLst>
+              <a:gd name="adj" fmla="val 100000"/>
+            </a:avLst>
+          </a:prstGeom>
+          <a:solidFill>
+            <a:schemeClr val="accent1"/>
+          </a:solidFill>
+          <a:ln>
+            <a:noFill/>
+          </a:ln>
+          <a:effectLst/>
+        </p:spPr>
+        <p:style>
+          <a:lnRef idx="1">
+            <a:schemeClr val="accent1"/>
+          </a:lnRef>
+          <a:fillRef idx="3">
+            <a:schemeClr val="accent1"/>
+          </a:fillRef>
+          <a:effectRef idx="2">
+            <a:schemeClr val="accent1"/>
+          </a:effectRef>
+          <a:fontRef idx="minor">
+            <a:schemeClr val="lt1"/>
+          </a:fontRef>
+        </p:style>
+      </p:sp>
+      <p:pic>
+        <p:nvPicPr>
+          <p:cNvPr id="27" name="Immagine 26">
+            <a:extLst>
+              <a:ext uri="{FF2B5EF4-FFF2-40B4-BE49-F238E27FC236}">
+                <a16:creationId xmlns:a16="http://schemas.microsoft.com/office/drawing/2014/main" id="{24AA4D33-0FB8-4525-A1CE-A0C3F577EA67}"/>
+              </a:ext>
+            </a:extLst>
+          </p:cNvPr>
+          <p:cNvPicPr>
+            <a:picLocks noChangeAspect="1"/>
+          </p:cNvPicPr>
+          <p:nvPr/>
+        </p:nvPicPr>
+        <p:blipFill>
+          <a:blip r:embed="rId2">
+            <a:extLst>
+              <a:ext uri="{28A0092B-C50C-407E-A947-70E740481C1C}">
+                <a14:useLocalDpi xmlns:a14="http://schemas.microsoft.com/office/drawing/2010/main" val="0"/>
+              </a:ext>
+            </a:extLst>
+          </a:blip>
+          <a:stretch>
+            <a:fillRect/>
+          </a:stretch>
+        </p:blipFill>
+        <p:spPr>
+          <a:xfrm>
+            <a:off x="3297909" y="48723"/>
+            <a:ext cx="4316684" cy="4316684"/>
+          </a:xfrm>
+          <a:prstGeom prst="rect">
+            <a:avLst/>
+          </a:prstGeom>
+        </p:spPr>
+      </p:pic>
+    </p:spTree>
+    <p:extLst>
+      <p:ext uri="{BB962C8B-B14F-4D97-AF65-F5344CB8AC3E}">
+        <p14:creationId xmlns:p14="http://schemas.microsoft.com/office/powerpoint/2010/main" val="2451848042"/>
+      </p:ext>
+    </p:extLst>
+  </p:cSld>
+  <p:clrMapOvr>
+    <a:overrideClrMapping bg1="dk1" tx1="lt1" bg2="dk2" tx2="lt2" accent1="accent1" accent2="accent2" accent3="accent3" accent4="accent4" accent5="accent5" accent6="accent6" hlink="hlink" folHlink="folHlink"/>
+  </p:clrMapOvr>
+</p:sld>
+</file>
+
+<file path=ppt/slides/slide21.xml><?xml version="1.0" encoding="utf-8"?>
+<p:sld xmlns:a="http://schemas.openxmlformats.org/drawingml/2006/main" xmlns:r="http://schemas.openxmlformats.org/officeDocument/2006/relationships" xmlns:p="http://schemas.openxmlformats.org/presentationml/2006/main">
+  <p:cSld>
+    <p:spTree>
+      <p:nvGrpSpPr>
+        <p:cNvPr id="1" name=""/>
+        <p:cNvGrpSpPr/>
+        <p:nvPr/>
+      </p:nvGrpSpPr>
+      <p:grpSpPr>
+        <a:xfrm>
+          <a:off x="0" y="0"/>
+          <a:ext cx="0" cy="0"/>
+          <a:chOff x="0" y="0"/>
+          <a:chExt cx="0" cy="0"/>
+        </a:xfrm>
+      </p:grpSpPr>
+      <p:sp>
+        <p:nvSpPr>
+          <p:cNvPr id="2" name="Titolo 1">
+            <a:extLst>
+              <a:ext uri="{FF2B5EF4-FFF2-40B4-BE49-F238E27FC236}">
                 <a16:creationId xmlns:a16="http://schemas.microsoft.com/office/drawing/2014/main" id="{DE09E4BC-2C0C-4798-855E-68B380D6C46B}"/>
               </a:ext>
             </a:extLst>
@@ -10193,7 +11857,7 @@
 </p:sld>
 </file>
 
-<file path=ppt/slides/slide19.xml><?xml version="1.0" encoding="utf-8"?>
+<file path=ppt/slides/slide22.xml><?xml version="1.0" encoding="utf-8"?>
 <p:sld xmlns:a="http://schemas.openxmlformats.org/drawingml/2006/main" xmlns:r="http://schemas.openxmlformats.org/officeDocument/2006/relationships" xmlns:p="http://schemas.openxmlformats.org/presentationml/2006/main">
   <p:cSld>
     <p:spTree>
@@ -10262,7 +11926,7 @@
 </p:sld>
 </file>
 
-<file path=ppt/slides/slide2.xml><?xml version="1.0" encoding="utf-8"?>
+<file path=ppt/slides/slide23.xml><?xml version="1.0" encoding="utf-8"?>
 <p:sld xmlns:a="http://schemas.openxmlformats.org/drawingml/2006/main" xmlns:r="http://schemas.openxmlformats.org/officeDocument/2006/relationships" xmlns:p="http://schemas.openxmlformats.org/presentationml/2006/main">
   <p:cSld>
     <p:spTree>
@@ -10284,161 +11948,6 @@
           <p:cNvPr id="2" name="Titolo 1">
             <a:extLst>
               <a:ext uri="{FF2B5EF4-FFF2-40B4-BE49-F238E27FC236}">
-                <a16:creationId xmlns:a16="http://schemas.microsoft.com/office/drawing/2014/main" id="{BBB6AA38-AE9C-41D9-ABB4-DC24B2AC2E89}"/>
-              </a:ext>
-            </a:extLst>
-          </p:cNvPr>
-          <p:cNvSpPr>
-            <a:spLocks noGrp="1"/>
-          </p:cNvSpPr>
-          <p:nvPr>
-            <p:ph type="title"/>
-          </p:nvPr>
-        </p:nvSpPr>
-        <p:spPr>
-          <a:xfrm>
-            <a:off x="677334" y="609600"/>
-            <a:ext cx="8596668" cy="658761"/>
-          </a:xfrm>
-        </p:spPr>
-        <p:txBody>
-          <a:bodyPr/>
-          <a:lstStyle/>
-          <a:p>
-            <a:r>
-              <a:rPr lang="it-IT" dirty="0"/>
-              <a:t>Indice</a:t>
-            </a:r>
-          </a:p>
-        </p:txBody>
-      </p:sp>
-      <p:sp>
-        <p:nvSpPr>
-          <p:cNvPr id="3" name="Segnaposto contenuto 2">
-            <a:extLst>
-              <a:ext uri="{FF2B5EF4-FFF2-40B4-BE49-F238E27FC236}">
-                <a16:creationId xmlns:a16="http://schemas.microsoft.com/office/drawing/2014/main" id="{D7AC1BD3-1C05-4F7A-93AF-B3148161BB7E}"/>
-              </a:ext>
-            </a:extLst>
-          </p:cNvPr>
-          <p:cNvSpPr>
-            <a:spLocks noGrp="1"/>
-          </p:cNvSpPr>
-          <p:nvPr>
-            <p:ph idx="1"/>
-          </p:nvPr>
-        </p:nvSpPr>
-        <p:spPr>
-          <a:xfrm>
-            <a:off x="677334" y="1383840"/>
-            <a:ext cx="8596668" cy="3880773"/>
-          </a:xfrm>
-        </p:spPr>
-        <p:txBody>
-          <a:bodyPr/>
-          <a:lstStyle/>
-          <a:p>
-            <a:r>
-              <a:rPr lang="it-IT" u="sng" dirty="0"/>
-              <a:t>Cos’è </a:t>
-            </a:r>
-            <a:r>
-              <a:rPr lang="it-IT" u="sng" dirty="0" err="1"/>
-              <a:t>MongoDB</a:t>
-            </a:r>
-            <a:endParaRPr lang="it-IT" u="sng" dirty="0"/>
-          </a:p>
-          <a:p>
-            <a:pPr lvl="1"/>
-            <a:r>
-              <a:rPr lang="it-IT" u="sng" dirty="0"/>
-              <a:t>Differenza della struttura del dato rispetto a RDBMS</a:t>
-            </a:r>
-          </a:p>
-          <a:p>
-            <a:pPr lvl="1"/>
-            <a:r>
-              <a:rPr lang="it-IT" u="sng" dirty="0"/>
-              <a:t>Vantaggi </a:t>
-            </a:r>
-            <a:r>
-              <a:rPr lang="it-IT" u="sng" dirty="0" err="1"/>
-              <a:t>Document</a:t>
-            </a:r>
-            <a:r>
-              <a:rPr lang="it-IT" u="sng" dirty="0"/>
-              <a:t> Database</a:t>
-            </a:r>
-          </a:p>
-          <a:p>
-            <a:pPr lvl="1"/>
-            <a:r>
-              <a:rPr lang="it-IT" u="sng" dirty="0"/>
-              <a:t>Caratteristiche principali di </a:t>
-            </a:r>
-            <a:r>
-              <a:rPr lang="it-IT" u="sng" dirty="0" err="1"/>
-              <a:t>MongoDB</a:t>
-            </a:r>
-            <a:endParaRPr lang="it-IT" u="sng" dirty="0"/>
-          </a:p>
-          <a:p>
-            <a:r>
-              <a:rPr lang="it-IT" u="sng" dirty="0"/>
-              <a:t>Data Models</a:t>
-            </a:r>
-          </a:p>
-          <a:p>
-            <a:r>
-              <a:rPr lang="it-IT" u="sng" dirty="0" err="1"/>
-              <a:t>Replications</a:t>
-            </a:r>
-            <a:endParaRPr lang="it-IT" u="sng" dirty="0"/>
-          </a:p>
-          <a:p>
-            <a:r>
-              <a:rPr lang="it-IT" u="sng" dirty="0" err="1"/>
-              <a:t>Sharding</a:t>
-            </a:r>
-            <a:endParaRPr lang="it-IT" u="sng" dirty="0"/>
-          </a:p>
-        </p:txBody>
-      </p:sp>
-    </p:spTree>
-    <p:extLst>
-      <p:ext uri="{BB962C8B-B14F-4D97-AF65-F5344CB8AC3E}">
-        <p14:creationId xmlns:p14="http://schemas.microsoft.com/office/powerpoint/2010/main" val="2974307821"/>
-      </p:ext>
-    </p:extLst>
-  </p:cSld>
-  <p:clrMapOvr>
-    <a:masterClrMapping/>
-  </p:clrMapOvr>
-</p:sld>
-</file>
-
-<file path=ppt/slides/slide20.xml><?xml version="1.0" encoding="utf-8"?>
-<p:sld xmlns:a="http://schemas.openxmlformats.org/drawingml/2006/main" xmlns:r="http://schemas.openxmlformats.org/officeDocument/2006/relationships" xmlns:p="http://schemas.openxmlformats.org/presentationml/2006/main">
-  <p:cSld>
-    <p:spTree>
-      <p:nvGrpSpPr>
-        <p:cNvPr id="1" name=""/>
-        <p:cNvGrpSpPr/>
-        <p:nvPr/>
-      </p:nvGrpSpPr>
-      <p:grpSpPr>
-        <a:xfrm>
-          <a:off x="0" y="0"/>
-          <a:ext cx="0" cy="0"/>
-          <a:chOff x="0" y="0"/>
-          <a:chExt cx="0" cy="0"/>
-        </a:xfrm>
-      </p:grpSpPr>
-      <p:sp>
-        <p:nvSpPr>
-          <p:cNvPr id="2" name="Titolo 1">
-            <a:extLst>
-              <a:ext uri="{FF2B5EF4-FFF2-40B4-BE49-F238E27FC236}">
                 <a16:creationId xmlns:a16="http://schemas.microsoft.com/office/drawing/2014/main" id="{194ACF36-30C2-4968-ADB5-018347F7FAB7}"/>
               </a:ext>
             </a:extLst>
@@ -10461,7 +11970,7 @@
             </a:r>
             <a:r>
               <a:rPr lang="it-IT" dirty="0"/>
-              <a:t> keys:</a:t>
+              <a:t> keys: (da completare)</a:t>
             </a:r>
           </a:p>
         </p:txBody>
@@ -10579,7 +12088,503 @@
 </p:sld>
 </file>
 
+<file path=ppt/slides/slide24.xml><?xml version="1.0" encoding="utf-8"?>
+<p:sld xmlns:a="http://schemas.openxmlformats.org/drawingml/2006/main" xmlns:r="http://schemas.openxmlformats.org/officeDocument/2006/relationships" xmlns:p="http://schemas.openxmlformats.org/presentationml/2006/main">
+  <p:cSld>
+    <p:bg>
+      <p:bgPr>
+        <a:solidFill>
+          <a:schemeClr val="bg2"/>
+        </a:solidFill>
+        <a:effectLst/>
+      </p:bgPr>
+    </p:bg>
+    <p:spTree>
+      <p:nvGrpSpPr>
+        <p:cNvPr id="1" name=""/>
+        <p:cNvGrpSpPr/>
+        <p:nvPr/>
+      </p:nvGrpSpPr>
+      <p:grpSpPr>
+        <a:xfrm>
+          <a:off x="0" y="0"/>
+          <a:ext cx="0" cy="0"/>
+          <a:chOff x="0" y="0"/>
+          <a:chExt cx="0" cy="0"/>
+        </a:xfrm>
+      </p:grpSpPr>
+      <p:sp>
+        <p:nvSpPr>
+          <p:cNvPr id="2" name="Titolo 1">
+            <a:extLst>
+              <a:ext uri="{FF2B5EF4-FFF2-40B4-BE49-F238E27FC236}">
+                <a16:creationId xmlns:a16="http://schemas.microsoft.com/office/drawing/2014/main" id="{3084E964-A9F7-46B4-88E3-8D347C812532}"/>
+              </a:ext>
+            </a:extLst>
+          </p:cNvPr>
+          <p:cNvSpPr>
+            <a:spLocks noGrp="1"/>
+          </p:cNvSpPr>
+          <p:nvPr>
+            <p:ph type="title"/>
+          </p:nvPr>
+        </p:nvSpPr>
+        <p:spPr>
+          <a:xfrm>
+            <a:off x="3294111" y="3924836"/>
+            <a:ext cx="4502352" cy="887796"/>
+          </a:xfrm>
+        </p:spPr>
+        <p:txBody>
+          <a:bodyPr>
+            <a:normAutofit/>
+          </a:bodyPr>
+          <a:lstStyle/>
+          <a:p>
+            <a:r>
+              <a:rPr lang="it-IT" dirty="0"/>
+              <a:t>Progetto </a:t>
+            </a:r>
+            <a:r>
+              <a:rPr lang="it-IT" dirty="0" err="1"/>
+              <a:t>VeronaCard</a:t>
+            </a:r>
+            <a:endParaRPr lang="it-IT" dirty="0"/>
+          </a:p>
+        </p:txBody>
+      </p:sp>
+      <p:pic>
+        <p:nvPicPr>
+          <p:cNvPr id="7" name="Segnaposto contenuto 6">
+            <a:extLst>
+              <a:ext uri="{FF2B5EF4-FFF2-40B4-BE49-F238E27FC236}">
+                <a16:creationId xmlns:a16="http://schemas.microsoft.com/office/drawing/2014/main" id="{4CC45411-A66A-4C11-BC32-FDCD96AB7822}"/>
+              </a:ext>
+            </a:extLst>
+          </p:cNvPr>
+          <p:cNvPicPr>
+            <a:picLocks noGrp="1" noChangeAspect="1"/>
+          </p:cNvPicPr>
+          <p:nvPr>
+            <p:ph idx="1"/>
+          </p:nvPr>
+        </p:nvPicPr>
+        <p:blipFill>
+          <a:blip r:embed="rId3">
+            <a:extLst>
+              <a:ext uri="{28A0092B-C50C-407E-A947-70E740481C1C}">
+                <a14:useLocalDpi xmlns:a14="http://schemas.microsoft.com/office/drawing/2010/main" val="0"/>
+              </a:ext>
+            </a:extLst>
+          </a:blip>
+          <a:stretch>
+            <a:fillRect/>
+          </a:stretch>
+        </p:blipFill>
+        <p:spPr>
+          <a:xfrm>
+            <a:off x="3582869" y="0"/>
+            <a:ext cx="3924836" cy="3924836"/>
+          </a:xfrm>
+        </p:spPr>
+      </p:pic>
+      <p:sp>
+        <p:nvSpPr>
+          <p:cNvPr id="12" name="Isosceles Triangle 11">
+            <a:extLst>
+              <a:ext uri="{FF2B5EF4-FFF2-40B4-BE49-F238E27FC236}">
+                <a16:creationId xmlns:a16="http://schemas.microsoft.com/office/drawing/2014/main" id="{3BCB5F6A-9EB0-40B0-9D13-3023E9A20508}"/>
+              </a:ext>
+              <a:ext uri="{C183D7F6-B498-43B3-948B-1728B52AA6E4}">
+                <adec:decorative xmlns:adec="http://schemas.microsoft.com/office/drawing/2017/decorative" val="1"/>
+              </a:ext>
+            </a:extLst>
+          </p:cNvPr>
+          <p:cNvSpPr>
+            <a:spLocks noGrp="1" noRot="1" noChangeAspect="1" noMove="1" noResize="1" noEditPoints="1" noAdjustHandles="1" noChangeArrowheads="1" noChangeShapeType="1" noTextEdit="1"/>
+          </p:cNvSpPr>
+          <p:nvPr>
+            <p:extLst>
+              <p:ext uri="{386F3935-93C4-4BCD-93E2-E3B085C9AB24}">
+                <p16:designElem xmlns:p16="http://schemas.microsoft.com/office/powerpoint/2015/main" val="1"/>
+              </p:ext>
+            </p:extLst>
+          </p:nvPr>
+        </p:nvSpPr>
+        <p:spPr>
+          <a:xfrm rot="10800000">
+            <a:off x="0" y="0"/>
+            <a:ext cx="842596" cy="5666154"/>
+          </a:xfrm>
+          <a:prstGeom prst="triangle">
+            <a:avLst>
+              <a:gd name="adj" fmla="val 100000"/>
+            </a:avLst>
+          </a:prstGeom>
+          <a:solidFill>
+            <a:schemeClr val="accent1"/>
+          </a:solidFill>
+          <a:ln>
+            <a:noFill/>
+          </a:ln>
+          <a:effectLst/>
+        </p:spPr>
+        <p:style>
+          <a:lnRef idx="1">
+            <a:schemeClr val="accent1"/>
+          </a:lnRef>
+          <a:fillRef idx="3">
+            <a:schemeClr val="accent1"/>
+          </a:fillRef>
+          <a:effectRef idx="2">
+            <a:schemeClr val="accent1"/>
+          </a:effectRef>
+          <a:fontRef idx="minor">
+            <a:schemeClr val="lt1"/>
+          </a:fontRef>
+        </p:style>
+      </p:sp>
+    </p:spTree>
+    <p:extLst>
+      <p:ext uri="{BB962C8B-B14F-4D97-AF65-F5344CB8AC3E}">
+        <p14:creationId xmlns:p14="http://schemas.microsoft.com/office/powerpoint/2010/main" val="3762303350"/>
+      </p:ext>
+    </p:extLst>
+  </p:cSld>
+  <p:clrMapOvr>
+    <a:overrideClrMapping bg1="dk1" tx1="lt1" bg2="dk2" tx2="lt2" accent1="accent1" accent2="accent2" accent3="accent3" accent4="accent4" accent5="accent5" accent6="accent6" hlink="hlink" folHlink="folHlink"/>
+  </p:clrMapOvr>
+</p:sld>
+</file>
+
+<file path=ppt/slides/slide25.xml><?xml version="1.0" encoding="utf-8"?>
+<p:sld xmlns:a="http://schemas.openxmlformats.org/drawingml/2006/main" xmlns:r="http://schemas.openxmlformats.org/officeDocument/2006/relationships" xmlns:p="http://schemas.openxmlformats.org/presentationml/2006/main">
+  <p:cSld>
+    <p:spTree>
+      <p:nvGrpSpPr>
+        <p:cNvPr id="1" name=""/>
+        <p:cNvGrpSpPr/>
+        <p:nvPr/>
+      </p:nvGrpSpPr>
+      <p:grpSpPr>
+        <a:xfrm>
+          <a:off x="0" y="0"/>
+          <a:ext cx="0" cy="0"/>
+          <a:chOff x="0" y="0"/>
+          <a:chExt cx="0" cy="0"/>
+        </a:xfrm>
+      </p:grpSpPr>
+      <p:sp>
+        <p:nvSpPr>
+          <p:cNvPr id="2" name="Titolo 1">
+            <a:extLst>
+              <a:ext uri="{FF2B5EF4-FFF2-40B4-BE49-F238E27FC236}">
+                <a16:creationId xmlns:a16="http://schemas.microsoft.com/office/drawing/2014/main" id="{608BE11A-0077-422B-85A0-0FBC2B94E77D}"/>
+              </a:ext>
+            </a:extLst>
+          </p:cNvPr>
+          <p:cNvSpPr>
+            <a:spLocks noGrp="1"/>
+          </p:cNvSpPr>
+          <p:nvPr>
+            <p:ph type="title"/>
+          </p:nvPr>
+        </p:nvSpPr>
+        <p:spPr/>
+        <p:txBody>
+          <a:bodyPr/>
+          <a:lstStyle/>
+          <a:p>
+            <a:r>
+              <a:rPr lang="it-IT" dirty="0"/>
+              <a:t>Specifiche e strumenti utilizzati</a:t>
+            </a:r>
+          </a:p>
+        </p:txBody>
+      </p:sp>
+      <p:sp>
+        <p:nvSpPr>
+          <p:cNvPr id="3" name="Segnaposto contenuto 2">
+            <a:extLst>
+              <a:ext uri="{FF2B5EF4-FFF2-40B4-BE49-F238E27FC236}">
+                <a16:creationId xmlns:a16="http://schemas.microsoft.com/office/drawing/2014/main" id="{012F8182-A4E7-4994-B6C9-4FCFAE4A23EB}"/>
+              </a:ext>
+            </a:extLst>
+          </p:cNvPr>
+          <p:cNvSpPr>
+            <a:spLocks noGrp="1"/>
+          </p:cNvSpPr>
+          <p:nvPr>
+            <p:ph idx="1"/>
+          </p:nvPr>
+        </p:nvSpPr>
+        <p:spPr>
+          <a:xfrm>
+            <a:off x="677334" y="2160589"/>
+            <a:ext cx="8596668" cy="4180053"/>
+          </a:xfrm>
+        </p:spPr>
+        <p:txBody>
+          <a:bodyPr/>
+          <a:lstStyle/>
+          <a:p>
+            <a:r>
+              <a:rPr lang="it-IT" dirty="0"/>
+              <a:t>Le tasks del progetto erano le seguenti:</a:t>
+            </a:r>
+          </a:p>
+          <a:p>
+            <a:pPr lvl="1"/>
+            <a:r>
+              <a:rPr lang="it-IT" sz="1800" dirty="0">
+                <a:effectLst/>
+                <a:ea typeface="Calibri" panose="020F0502020204030204" pitchFamily="34" charset="0"/>
+                <a:cs typeface="Times New Roman" panose="02020603050405020304" pitchFamily="18" charset="0"/>
+              </a:rPr>
+              <a:t>Dato un POI, eseguire il conteggio degli ingressi tra due date. </a:t>
+            </a:r>
+          </a:p>
+          <a:p>
+            <a:pPr lvl="1"/>
+            <a:r>
+              <a:rPr lang="it-IT" sz="1800" dirty="0">
+                <a:effectLst/>
+                <a:ea typeface="Calibri" panose="020F0502020204030204" pitchFamily="34" charset="0"/>
+                <a:cs typeface="Times New Roman" panose="02020603050405020304" pitchFamily="18" charset="0"/>
+              </a:rPr>
+              <a:t>Dati in input due date trovare il POI con il minor numero di accessi in quel periodo.</a:t>
+            </a:r>
+          </a:p>
+          <a:p>
+            <a:pPr lvl="1"/>
+            <a:r>
+              <a:rPr lang="it-IT" sz="1800" dirty="0">
+                <a:effectLst/>
+                <a:ea typeface="Calibri" panose="020F0502020204030204" pitchFamily="34" charset="0"/>
+                <a:cs typeface="Times New Roman" panose="02020603050405020304" pitchFamily="18" charset="0"/>
+              </a:rPr>
+              <a:t>Data </a:t>
+            </a:r>
+            <a:r>
+              <a:rPr lang="it-IT" sz="1800" dirty="0" err="1">
+                <a:effectLst/>
+                <a:ea typeface="Calibri" panose="020F0502020204030204" pitchFamily="34" charset="0"/>
+                <a:cs typeface="Times New Roman" panose="02020603050405020304" pitchFamily="18" charset="0"/>
+              </a:rPr>
+              <a:t>id_VeronaCard</a:t>
+            </a:r>
+            <a:r>
+              <a:rPr lang="it-IT" sz="1800" dirty="0">
+                <a:effectLst/>
+                <a:ea typeface="Calibri" panose="020F0502020204030204" pitchFamily="34" charset="0"/>
+                <a:cs typeface="Times New Roman" panose="02020603050405020304" pitchFamily="18" charset="0"/>
+              </a:rPr>
+              <a:t> voglio sapere il suo storico di accessi.</a:t>
+            </a:r>
+          </a:p>
+          <a:p>
+            <a:r>
+              <a:rPr lang="it-IT" dirty="0" err="1"/>
+              <a:t>MongoDB</a:t>
+            </a:r>
+            <a:r>
+              <a:rPr lang="it-IT" dirty="0"/>
+              <a:t> offre una GUI specifica per la l’elaborazione e l’analisi dei dati chiamata </a:t>
+            </a:r>
+            <a:r>
+              <a:rPr lang="it-IT" dirty="0" err="1"/>
+              <a:t>Compass</a:t>
+            </a:r>
+            <a:r>
+              <a:rPr lang="it-IT" dirty="0"/>
+              <a:t>.</a:t>
+            </a:r>
+          </a:p>
+          <a:p>
+            <a:r>
+              <a:rPr lang="it-IT" dirty="0"/>
+              <a:t>Per la gestione dei dati mi sono affidato ad Atlas, un servizio di database cloud che permette agli sviluppatori di concentrarsi meglio sul </a:t>
+            </a:r>
+            <a:r>
+              <a:rPr lang="it-IT" dirty="0" err="1"/>
+              <a:t>developing</a:t>
+            </a:r>
+            <a:r>
+              <a:rPr lang="it-IT" dirty="0"/>
+              <a:t> Apps piuttosto che gestire il database. Infatti implementa automaticamente il processo di replica-set </a:t>
+            </a:r>
+          </a:p>
+        </p:txBody>
+      </p:sp>
+    </p:spTree>
+    <p:extLst>
+      <p:ext uri="{BB962C8B-B14F-4D97-AF65-F5344CB8AC3E}">
+        <p14:creationId xmlns:p14="http://schemas.microsoft.com/office/powerpoint/2010/main" val="2260727510"/>
+      </p:ext>
+    </p:extLst>
+  </p:cSld>
+  <p:clrMapOvr>
+    <a:masterClrMapping/>
+  </p:clrMapOvr>
+</p:sld>
+</file>
+
 <file path=ppt/slides/slide3.xml><?xml version="1.0" encoding="utf-8"?>
+<p:sld xmlns:a="http://schemas.openxmlformats.org/drawingml/2006/main" xmlns:r="http://schemas.openxmlformats.org/officeDocument/2006/relationships" xmlns:p="http://schemas.openxmlformats.org/presentationml/2006/main">
+  <p:cSld>
+    <p:spTree>
+      <p:nvGrpSpPr>
+        <p:cNvPr id="1" name=""/>
+        <p:cNvGrpSpPr/>
+        <p:nvPr/>
+      </p:nvGrpSpPr>
+      <p:grpSpPr>
+        <a:xfrm>
+          <a:off x="0" y="0"/>
+          <a:ext cx="0" cy="0"/>
+          <a:chOff x="0" y="0"/>
+          <a:chExt cx="0" cy="0"/>
+        </a:xfrm>
+      </p:grpSpPr>
+      <p:sp>
+        <p:nvSpPr>
+          <p:cNvPr id="2" name="Titolo 1">
+            <a:extLst>
+              <a:ext uri="{FF2B5EF4-FFF2-40B4-BE49-F238E27FC236}">
+                <a16:creationId xmlns:a16="http://schemas.microsoft.com/office/drawing/2014/main" id="{BBB6AA38-AE9C-41D9-ABB4-DC24B2AC2E89}"/>
+              </a:ext>
+            </a:extLst>
+          </p:cNvPr>
+          <p:cNvSpPr>
+            <a:spLocks noGrp="1"/>
+          </p:cNvSpPr>
+          <p:nvPr>
+            <p:ph type="title"/>
+          </p:nvPr>
+        </p:nvSpPr>
+        <p:spPr>
+          <a:xfrm>
+            <a:off x="677334" y="609600"/>
+            <a:ext cx="8596668" cy="658761"/>
+          </a:xfrm>
+        </p:spPr>
+        <p:txBody>
+          <a:bodyPr/>
+          <a:lstStyle/>
+          <a:p>
+            <a:r>
+              <a:rPr lang="it-IT" dirty="0"/>
+              <a:t>Indice</a:t>
+            </a:r>
+          </a:p>
+        </p:txBody>
+      </p:sp>
+      <p:sp>
+        <p:nvSpPr>
+          <p:cNvPr id="3" name="Segnaposto contenuto 2">
+            <a:extLst>
+              <a:ext uri="{FF2B5EF4-FFF2-40B4-BE49-F238E27FC236}">
+                <a16:creationId xmlns:a16="http://schemas.microsoft.com/office/drawing/2014/main" id="{D7AC1BD3-1C05-4F7A-93AF-B3148161BB7E}"/>
+              </a:ext>
+            </a:extLst>
+          </p:cNvPr>
+          <p:cNvSpPr>
+            <a:spLocks noGrp="1"/>
+          </p:cNvSpPr>
+          <p:nvPr>
+            <p:ph idx="1"/>
+          </p:nvPr>
+        </p:nvSpPr>
+        <p:spPr>
+          <a:xfrm>
+            <a:off x="677334" y="1383840"/>
+            <a:ext cx="8596668" cy="3880773"/>
+          </a:xfrm>
+        </p:spPr>
+        <p:txBody>
+          <a:bodyPr/>
+          <a:lstStyle/>
+          <a:p>
+            <a:r>
+              <a:rPr lang="it-IT" u="sng" dirty="0"/>
+              <a:t>Cos’è </a:t>
+            </a:r>
+            <a:r>
+              <a:rPr lang="it-IT" u="sng" dirty="0" err="1"/>
+              <a:t>MongoDB</a:t>
+            </a:r>
+            <a:endParaRPr lang="it-IT" u="sng" dirty="0"/>
+          </a:p>
+          <a:p>
+            <a:pPr lvl="1"/>
+            <a:r>
+              <a:rPr lang="it-IT" u="sng" dirty="0"/>
+              <a:t>Differenza della struttura del dato rispetto a RDBMS</a:t>
+            </a:r>
+          </a:p>
+          <a:p>
+            <a:pPr lvl="1"/>
+            <a:r>
+              <a:rPr lang="it-IT" u="sng" dirty="0"/>
+              <a:t>Vantaggi </a:t>
+            </a:r>
+            <a:r>
+              <a:rPr lang="it-IT" u="sng" dirty="0" err="1"/>
+              <a:t>Document</a:t>
+            </a:r>
+            <a:r>
+              <a:rPr lang="it-IT" u="sng" dirty="0"/>
+              <a:t> Database</a:t>
+            </a:r>
+          </a:p>
+          <a:p>
+            <a:pPr lvl="1"/>
+            <a:r>
+              <a:rPr lang="it-IT" u="sng" dirty="0"/>
+              <a:t>Caratteristiche principali di </a:t>
+            </a:r>
+            <a:r>
+              <a:rPr lang="it-IT" u="sng" dirty="0" err="1"/>
+              <a:t>MongoDB</a:t>
+            </a:r>
+            <a:endParaRPr lang="it-IT" u="sng" dirty="0"/>
+          </a:p>
+          <a:p>
+            <a:r>
+              <a:rPr lang="it-IT" u="sng" dirty="0"/>
+              <a:t>Data Models</a:t>
+            </a:r>
+          </a:p>
+          <a:p>
+            <a:r>
+              <a:rPr lang="it-IT" u="sng" dirty="0" err="1"/>
+              <a:t>Replications</a:t>
+            </a:r>
+            <a:endParaRPr lang="it-IT" u="sng" dirty="0"/>
+          </a:p>
+          <a:p>
+            <a:r>
+              <a:rPr lang="it-IT" u="sng" dirty="0" err="1"/>
+              <a:t>Sharding</a:t>
+            </a:r>
+            <a:endParaRPr lang="it-IT" u="sng" dirty="0"/>
+          </a:p>
+        </p:txBody>
+      </p:sp>
+    </p:spTree>
+    <p:extLst>
+      <p:ext uri="{BB962C8B-B14F-4D97-AF65-F5344CB8AC3E}">
+        <p14:creationId xmlns:p14="http://schemas.microsoft.com/office/powerpoint/2010/main" val="2974307821"/>
+      </p:ext>
+    </p:extLst>
+  </p:cSld>
+  <p:clrMapOvr>
+    <a:masterClrMapping/>
+  </p:clrMapOvr>
+</p:sld>
+</file>
+
+<file path=ppt/slides/slide4.xml><?xml version="1.0" encoding="utf-8"?>
 <p:sld xmlns:a="http://schemas.openxmlformats.org/drawingml/2006/main" xmlns:r="http://schemas.openxmlformats.org/officeDocument/2006/relationships" xmlns:p="http://schemas.openxmlformats.org/presentationml/2006/main">
   <p:cSld>
     <p:spTree>
@@ -10974,7 +12979,7 @@
 </p:sld>
 </file>
 
-<file path=ppt/slides/slide4.xml><?xml version="1.0" encoding="utf-8"?>
+<file path=ppt/slides/slide5.xml><?xml version="1.0" encoding="utf-8"?>
 <p:sld xmlns:a="http://schemas.openxmlformats.org/drawingml/2006/main" xmlns:r="http://schemas.openxmlformats.org/officeDocument/2006/relationships" xmlns:p="http://schemas.openxmlformats.org/presentationml/2006/main">
   <p:cSld>
     <p:spTree>
@@ -11380,7 +13385,7 @@
 </p:sld>
 </file>
 
-<file path=ppt/slides/slide5.xml><?xml version="1.0" encoding="utf-8"?>
+<file path=ppt/slides/slide6.xml><?xml version="1.0" encoding="utf-8"?>
 <p:sld xmlns:a="http://schemas.openxmlformats.org/drawingml/2006/main" xmlns:r="http://schemas.openxmlformats.org/officeDocument/2006/relationships" xmlns:p="http://schemas.openxmlformats.org/presentationml/2006/main">
   <p:cSld>
     <p:spTree>
@@ -11792,287 +13797,6 @@
 </p:sld>
 </file>
 
-<file path=ppt/slides/slide6.xml><?xml version="1.0" encoding="utf-8"?>
-<p:sld xmlns:a="http://schemas.openxmlformats.org/drawingml/2006/main" xmlns:r="http://schemas.openxmlformats.org/officeDocument/2006/relationships" xmlns:p="http://schemas.openxmlformats.org/presentationml/2006/main">
-  <p:cSld>
-    <p:spTree>
-      <p:nvGrpSpPr>
-        <p:cNvPr id="1" name=""/>
-        <p:cNvGrpSpPr/>
-        <p:nvPr/>
-      </p:nvGrpSpPr>
-      <p:grpSpPr>
-        <a:xfrm>
-          <a:off x="0" y="0"/>
-          <a:ext cx="0" cy="0"/>
-          <a:chOff x="0" y="0"/>
-          <a:chExt cx="0" cy="0"/>
-        </a:xfrm>
-      </p:grpSpPr>
-      <p:sp>
-        <p:nvSpPr>
-          <p:cNvPr id="2" name="Titolo 1">
-            <a:extLst>
-              <a:ext uri="{FF2B5EF4-FFF2-40B4-BE49-F238E27FC236}">
-                <a16:creationId xmlns:a16="http://schemas.microsoft.com/office/drawing/2014/main" id="{C2043950-A15A-4ABF-AF3C-DA57B25F75F4}"/>
-              </a:ext>
-            </a:extLst>
-          </p:cNvPr>
-          <p:cNvSpPr>
-            <a:spLocks noGrp="1"/>
-          </p:cNvSpPr>
-          <p:nvPr>
-            <p:ph type="title"/>
-          </p:nvPr>
-        </p:nvSpPr>
-        <p:spPr>
-          <a:xfrm>
-            <a:off x="577515" y="132348"/>
-            <a:ext cx="8596668" cy="665747"/>
-          </a:xfrm>
-        </p:spPr>
-        <p:txBody>
-          <a:bodyPr/>
-          <a:lstStyle/>
-          <a:p>
-            <a:r>
-              <a:rPr lang="it-IT" dirty="0"/>
-              <a:t>Caratteristiche principali di </a:t>
-            </a:r>
-            <a:r>
-              <a:rPr lang="it-IT" dirty="0" err="1"/>
-              <a:t>MongoDB</a:t>
-            </a:r>
-            <a:endParaRPr lang="it-IT" dirty="0"/>
-          </a:p>
-        </p:txBody>
-      </p:sp>
-      <p:sp>
-        <p:nvSpPr>
-          <p:cNvPr id="3" name="Segnaposto contenuto 2">
-            <a:extLst>
-              <a:ext uri="{FF2B5EF4-FFF2-40B4-BE49-F238E27FC236}">
-                <a16:creationId xmlns:a16="http://schemas.microsoft.com/office/drawing/2014/main" id="{EE31C18A-A597-414F-8E94-7FF51BB96553}"/>
-              </a:ext>
-            </a:extLst>
-          </p:cNvPr>
-          <p:cNvSpPr>
-            <a:spLocks noGrp="1"/>
-          </p:cNvSpPr>
-          <p:nvPr>
-            <p:ph idx="1"/>
-          </p:nvPr>
-        </p:nvSpPr>
-        <p:spPr>
-          <a:xfrm>
-            <a:off x="577515" y="998621"/>
-            <a:ext cx="9276347" cy="5727031"/>
-          </a:xfrm>
-        </p:spPr>
-        <p:txBody>
-          <a:bodyPr>
-            <a:normAutofit lnSpcReduction="10000"/>
-          </a:bodyPr>
-          <a:lstStyle/>
-          <a:p>
-            <a:r>
-              <a:rPr lang="it-IT" dirty="0"/>
-              <a:t>Elevate prestazioni: </a:t>
-            </a:r>
-            <a:r>
-              <a:rPr lang="it-IT" dirty="0" err="1"/>
-              <a:t>MongoDB</a:t>
-            </a:r>
-            <a:r>
-              <a:rPr lang="it-IT" dirty="0"/>
-              <a:t> </a:t>
-            </a:r>
-            <a:r>
-              <a:rPr lang="it-IT" dirty="0" err="1"/>
-              <a:t>fornische</a:t>
-            </a:r>
-            <a:r>
-              <a:rPr lang="it-IT" dirty="0"/>
-              <a:t> la persistenza dei dati ad alte prestazioni. In particolare:</a:t>
-            </a:r>
-          </a:p>
-          <a:p>
-            <a:pPr lvl="1"/>
-            <a:r>
-              <a:rPr lang="it-IT" dirty="0"/>
-              <a:t>Il supporto per i dati embedded riduce l’</a:t>
-            </a:r>
-            <a:r>
-              <a:rPr lang="it-IT" dirty="0" err="1"/>
-              <a:t>attivatà</a:t>
-            </a:r>
-            <a:r>
-              <a:rPr lang="it-IT" dirty="0"/>
-              <a:t> I/O sul sistema di database.</a:t>
-            </a:r>
-          </a:p>
-          <a:p>
-            <a:pPr lvl="1"/>
-            <a:r>
-              <a:rPr lang="it-IT" dirty="0"/>
-              <a:t>Gli indici supportano query più veloci e possono includere chiavi da embedded </a:t>
-            </a:r>
-            <a:r>
-              <a:rPr lang="it-IT" dirty="0" err="1"/>
-              <a:t>documents</a:t>
-            </a:r>
-            <a:r>
-              <a:rPr lang="it-IT" dirty="0"/>
-              <a:t> e arrays.</a:t>
-            </a:r>
-          </a:p>
-          <a:p>
-            <a:r>
-              <a:rPr lang="it-IT" dirty="0"/>
-              <a:t>Linguaggio di Query avanzato per supportare le operazioni di lettura e scrittura:</a:t>
-            </a:r>
-          </a:p>
-          <a:p>
-            <a:pPr lvl="1"/>
-            <a:r>
-              <a:rPr lang="it-IT" dirty="0"/>
-              <a:t>Aggregazione dei dati.</a:t>
-            </a:r>
-          </a:p>
-          <a:p>
-            <a:pPr lvl="1"/>
-            <a:r>
-              <a:rPr lang="it-IT" dirty="0"/>
-              <a:t>Ricerca di testo e Queries Geospaziali.</a:t>
-            </a:r>
-          </a:p>
-          <a:p>
-            <a:r>
-              <a:rPr lang="it-IT" dirty="0"/>
-              <a:t>Elevata </a:t>
-            </a:r>
-            <a:r>
-              <a:rPr lang="it-IT" dirty="0" err="1"/>
-              <a:t>Availability</a:t>
-            </a:r>
-            <a:r>
-              <a:rPr lang="it-IT" dirty="0"/>
-              <a:t>: ho funzione replica set che </a:t>
-            </a:r>
-            <a:r>
-              <a:rPr lang="it-IT" dirty="0" err="1"/>
-              <a:t>fornische</a:t>
-            </a:r>
-            <a:r>
-              <a:rPr lang="it-IT" dirty="0"/>
-              <a:t>:</a:t>
-            </a:r>
-          </a:p>
-          <a:p>
-            <a:pPr lvl="1"/>
-            <a:r>
-              <a:rPr lang="it-IT" dirty="0" err="1"/>
-              <a:t>Automatic</a:t>
-            </a:r>
-            <a:r>
-              <a:rPr lang="it-IT" dirty="0"/>
-              <a:t> </a:t>
-            </a:r>
-            <a:r>
-              <a:rPr lang="it-IT" dirty="0" err="1"/>
-              <a:t>failover</a:t>
-            </a:r>
-            <a:r>
-              <a:rPr lang="it-IT" dirty="0"/>
-              <a:t>.</a:t>
-            </a:r>
-          </a:p>
-          <a:p>
-            <a:pPr lvl="1"/>
-            <a:r>
-              <a:rPr lang="it-IT" dirty="0"/>
-              <a:t>Data </a:t>
-            </a:r>
-            <a:r>
-              <a:rPr lang="it-IT" dirty="0" err="1"/>
-              <a:t>redundancy</a:t>
-            </a:r>
-            <a:r>
-              <a:rPr lang="it-IT" dirty="0"/>
-              <a:t>.</a:t>
-            </a:r>
-          </a:p>
-          <a:p>
-            <a:r>
-              <a:rPr lang="it-IT" dirty="0"/>
-              <a:t>Scalabilità orizzontale: è una della parti principale della sue funzionalità.</a:t>
-            </a:r>
-          </a:p>
-          <a:p>
-            <a:pPr lvl="1"/>
-            <a:r>
-              <a:rPr lang="en-US" dirty="0" err="1"/>
-              <a:t>Sharding</a:t>
-            </a:r>
-            <a:r>
-              <a:rPr lang="en-US" dirty="0"/>
-              <a:t> distributes data across a cluster of machines</a:t>
-            </a:r>
-            <a:r>
-              <a:rPr lang="it-IT" dirty="0"/>
-              <a:t>.</a:t>
-            </a:r>
-          </a:p>
-          <a:p>
-            <a:r>
-              <a:rPr lang="it-IT" dirty="0"/>
-              <a:t>Supporto per Multiple Storage </a:t>
-            </a:r>
-            <a:r>
-              <a:rPr lang="it-IT" dirty="0" err="1"/>
-              <a:t>Engines</a:t>
-            </a:r>
-            <a:r>
-              <a:rPr lang="it-IT" dirty="0"/>
-              <a:t>:</a:t>
-            </a:r>
-          </a:p>
-          <a:p>
-            <a:pPr lvl="1"/>
-            <a:r>
-              <a:rPr lang="it-IT" dirty="0" err="1"/>
-              <a:t>WiredTiger</a:t>
-            </a:r>
-            <a:r>
-              <a:rPr lang="it-IT" dirty="0"/>
-              <a:t> Storage Engine.</a:t>
-            </a:r>
-          </a:p>
-          <a:p>
-            <a:pPr lvl="1"/>
-            <a:r>
-              <a:rPr lang="it-IT" dirty="0"/>
-              <a:t>In-Memory Storage Engine.</a:t>
-            </a:r>
-          </a:p>
-          <a:p>
-            <a:endParaRPr lang="it-IT" dirty="0"/>
-          </a:p>
-        </p:txBody>
-      </p:sp>
-    </p:spTree>
-    <p:extLst>
-      <p:ext uri="{BB962C8B-B14F-4D97-AF65-F5344CB8AC3E}">
-        <p14:creationId xmlns:p14="http://schemas.microsoft.com/office/powerpoint/2010/main" val="550609295"/>
-      </p:ext>
-    </p:extLst>
-  </p:cSld>
-  <p:clrMapOvr>
-    <a:masterClrMapping/>
-  </p:clrMapOvr>
-</p:sld>
-</file>
-
 <file path=ppt/slides/slide7.xml><?xml version="1.0" encoding="utf-8"?>
 <p:sld xmlns:a="http://schemas.openxmlformats.org/drawingml/2006/main" xmlns:r="http://schemas.openxmlformats.org/officeDocument/2006/relationships" xmlns:p="http://schemas.openxmlformats.org/presentationml/2006/main">
   <p:cSld>
@@ -12095,7 +13819,7 @@
           <p:cNvPr id="2" name="Titolo 1">
             <a:extLst>
               <a:ext uri="{FF2B5EF4-FFF2-40B4-BE49-F238E27FC236}">
-                <a16:creationId xmlns:a16="http://schemas.microsoft.com/office/drawing/2014/main" id="{3D50023E-F3FC-459D-8DD9-7F6E87F4BED5}"/>
+                <a16:creationId xmlns:a16="http://schemas.microsoft.com/office/drawing/2014/main" id="{C2043950-A15A-4ABF-AF3C-DA57B25F75F4}"/>
               </a:ext>
             </a:extLst>
           </p:cNvPr>
@@ -12108,8 +13832,8 @@
         </p:nvSpPr>
         <p:spPr>
           <a:xfrm>
-            <a:off x="677334" y="609600"/>
-            <a:ext cx="8596668" cy="725905"/>
+            <a:off x="577515" y="132348"/>
+            <a:ext cx="8596668" cy="665747"/>
           </a:xfrm>
         </p:spPr>
         <p:txBody>
@@ -12118,8 +13842,13 @@
           <a:p>
             <a:r>
               <a:rPr lang="it-IT" dirty="0"/>
-              <a:t>Replication</a:t>
-            </a:r>
+              <a:t>Caratteristiche principali di </a:t>
+            </a:r>
+            <a:r>
+              <a:rPr lang="it-IT" dirty="0" err="1"/>
+              <a:t>MongoDB</a:t>
+            </a:r>
+            <a:endParaRPr lang="it-IT" dirty="0"/>
           </a:p>
         </p:txBody>
       </p:sp>
@@ -12128,7 +13857,7 @@
           <p:cNvPr id="3" name="Segnaposto contenuto 2">
             <a:extLst>
               <a:ext uri="{FF2B5EF4-FFF2-40B4-BE49-F238E27FC236}">
-                <a16:creationId xmlns:a16="http://schemas.microsoft.com/office/drawing/2014/main" id="{37820A38-C9C9-4A99-80D6-447D8B02A018}"/>
+                <a16:creationId xmlns:a16="http://schemas.microsoft.com/office/drawing/2014/main" id="{EE31C18A-A597-414F-8E94-7FF51BB96553}"/>
               </a:ext>
             </a:extLst>
           </p:cNvPr>
@@ -12141,98 +13870,205 @@
         </p:nvSpPr>
         <p:spPr>
           <a:xfrm>
-            <a:off x="520923" y="1335506"/>
-            <a:ext cx="9212624" cy="6136106"/>
+            <a:off x="577515" y="998621"/>
+            <a:ext cx="9276347" cy="5727031"/>
           </a:xfrm>
         </p:spPr>
         <p:txBody>
           <a:bodyPr>
-            <a:normAutofit/>
+            <a:normAutofit lnSpcReduction="10000"/>
           </a:bodyPr>
           <a:lstStyle/>
           <a:p>
             <a:r>
-              <a:rPr lang="it-IT" sz="2000" dirty="0"/>
-              <a:t>Scopi principali della replicazione:</a:t>
+              <a:rPr lang="it-IT" dirty="0"/>
+              <a:t>Elevate prestazioni: </a:t>
+            </a:r>
+            <a:r>
+              <a:rPr lang="it-IT" dirty="0" err="1"/>
+              <a:t>MongoDB</a:t>
+            </a:r>
+            <a:r>
+              <a:rPr lang="it-IT" dirty="0"/>
+              <a:t> </a:t>
+            </a:r>
+            <a:r>
+              <a:rPr lang="it-IT" dirty="0" err="1"/>
+              <a:t>fornische</a:t>
+            </a:r>
+            <a:r>
+              <a:rPr lang="it-IT" dirty="0"/>
+              <a:t> la persistenza dei dati ad alte prestazioni. In particolare:</a:t>
             </a:r>
           </a:p>
           <a:p>
             <a:pPr lvl="1"/>
             <a:r>
-              <a:rPr lang="it-IT" sz="2000" dirty="0"/>
-              <a:t>Fornisce ridondanza dei dati, così ho un livello di tolleranza agli errori contro la perdita di un singolo server (</a:t>
-            </a:r>
-            <a:r>
-              <a:rPr lang="it-IT" sz="2000" dirty="0" err="1"/>
+              <a:rPr lang="it-IT" dirty="0"/>
+              <a:t>Il supporto per i dati embedded riduce l’</a:t>
+            </a:r>
+            <a:r>
+              <a:rPr lang="it-IT" dirty="0" err="1"/>
+              <a:t>attivatà</a:t>
+            </a:r>
+            <a:r>
+              <a:rPr lang="it-IT" dirty="0"/>
+              <a:t> I/O sul sistema di database.</a:t>
+            </a:r>
+          </a:p>
+          <a:p>
+            <a:pPr lvl="1"/>
+            <a:r>
+              <a:rPr lang="it-IT" dirty="0"/>
+              <a:t>Gli indici supportano query più veloci e possono includere chiavi da embedded </a:t>
+            </a:r>
+            <a:r>
+              <a:rPr lang="it-IT" dirty="0" err="1"/>
+              <a:t>documents</a:t>
+            </a:r>
+            <a:r>
+              <a:rPr lang="it-IT" dirty="0"/>
+              <a:t> e arrays.</a:t>
+            </a:r>
+          </a:p>
+          <a:p>
+            <a:r>
+              <a:rPr lang="it-IT" dirty="0"/>
+              <a:t>Linguaggio di Query avanzato per supportare le operazioni di lettura e scrittura:</a:t>
+            </a:r>
+          </a:p>
+          <a:p>
+            <a:pPr lvl="1"/>
+            <a:r>
+              <a:rPr lang="it-IT" dirty="0"/>
+              <a:t>Aggregazione dei dati.</a:t>
+            </a:r>
+          </a:p>
+          <a:p>
+            <a:pPr lvl="1"/>
+            <a:r>
+              <a:rPr lang="it-IT" dirty="0"/>
+              <a:t>Ricerca di testo e Queries Geospaziali.</a:t>
+            </a:r>
+          </a:p>
+          <a:p>
+            <a:r>
+              <a:rPr lang="it-IT" dirty="0"/>
+              <a:t>Elevata </a:t>
+            </a:r>
+            <a:r>
+              <a:rPr lang="it-IT" dirty="0" err="1"/>
               <a:t>Availability</a:t>
             </a:r>
             <a:r>
-              <a:rPr lang="it-IT" sz="2000" dirty="0"/>
-              <a:t>).</a:t>
+              <a:rPr lang="it-IT" dirty="0"/>
+              <a:t>: ho funzione replica set che </a:t>
+            </a:r>
+            <a:r>
+              <a:rPr lang="it-IT" dirty="0" err="1"/>
+              <a:t>fornische</a:t>
+            </a:r>
+            <a:r>
+              <a:rPr lang="it-IT" dirty="0"/>
+              <a:t>:</a:t>
             </a:r>
           </a:p>
           <a:p>
             <a:pPr lvl="1"/>
             <a:r>
-              <a:rPr lang="it-IT" sz="2000" dirty="0"/>
-              <a:t>Maggiore capacità di lettura, infatti i client possono inviare operazioni di lettura a server diversi.</a:t>
+              <a:rPr lang="it-IT" dirty="0" err="1"/>
+              <a:t>Automatic</a:t>
+            </a:r>
+            <a:r>
+              <a:rPr lang="it-IT" dirty="0"/>
+              <a:t> </a:t>
+            </a:r>
+            <a:r>
+              <a:rPr lang="it-IT" dirty="0" err="1"/>
+              <a:t>failover</a:t>
+            </a:r>
+            <a:r>
+              <a:rPr lang="it-IT" dirty="0"/>
+              <a:t>.</a:t>
             </a:r>
           </a:p>
           <a:p>
             <a:pPr lvl="1"/>
             <a:r>
-              <a:rPr lang="it-IT" sz="2000" dirty="0"/>
-              <a:t>Maggiore disponibilità per applicazioni distribuite.</a:t>
+              <a:rPr lang="it-IT" dirty="0"/>
+              <a:t>Data </a:t>
+            </a:r>
+            <a:r>
+              <a:rPr lang="it-IT" dirty="0" err="1"/>
+              <a:t>redundancy</a:t>
+            </a:r>
+            <a:r>
+              <a:rPr lang="it-IT" dirty="0"/>
+              <a:t>.</a:t>
+            </a:r>
+          </a:p>
+          <a:p>
+            <a:r>
+              <a:rPr lang="it-IT" dirty="0"/>
+              <a:t>Scalabilità orizzontale: è una della parti principale della sue funzionalità.</a:t>
             </a:r>
           </a:p>
           <a:p>
             <a:pPr lvl="1"/>
             <a:r>
-              <a:rPr lang="it-IT" sz="2000" dirty="0"/>
-              <a:t>Scopi dedicati come il backup</a:t>
-            </a:r>
-          </a:p>
-          <a:p>
-            <a:r>
-              <a:rPr lang="it-IT" sz="2000" dirty="0"/>
-              <a:t>Come funzione in </a:t>
-            </a:r>
-            <a:r>
-              <a:rPr lang="it-IT" sz="2000" dirty="0" err="1"/>
-              <a:t>MongoDB</a:t>
-            </a:r>
-            <a:r>
-              <a:rPr lang="it-IT" sz="2000" dirty="0"/>
+              <a:rPr lang="en-US" dirty="0" err="1"/>
+              <a:t>Sharding</a:t>
+            </a:r>
+            <a:r>
+              <a:rPr lang="en-US" dirty="0"/>
+              <a:t> distributes data across a cluster of machines</a:t>
+            </a:r>
+            <a:r>
+              <a:rPr lang="it-IT" dirty="0"/>
+              <a:t>.</a:t>
+            </a:r>
+          </a:p>
+          <a:p>
+            <a:r>
+              <a:rPr lang="it-IT" dirty="0"/>
+              <a:t>Supporto per Multiple Storage </a:t>
+            </a:r>
+            <a:r>
+              <a:rPr lang="it-IT" dirty="0" err="1"/>
+              <a:t>Engines</a:t>
+            </a:r>
+            <a:r>
+              <a:rPr lang="it-IT" dirty="0"/>
               <a:t>:</a:t>
             </a:r>
           </a:p>
           <a:p>
             <a:pPr lvl="1"/>
             <a:r>
-              <a:rPr lang="it-IT" sz="2000" dirty="0"/>
-              <a:t>Ho un replica set che mantiene lo stesso set di dati.</a:t>
+              <a:rPr lang="it-IT" dirty="0" err="1"/>
+              <a:t>WiredTiger</a:t>
+            </a:r>
+            <a:r>
+              <a:rPr lang="it-IT" dirty="0"/>
+              <a:t> Storage Engine.</a:t>
             </a:r>
           </a:p>
           <a:p>
             <a:pPr lvl="1"/>
             <a:r>
-              <a:rPr lang="it-IT" sz="2000" dirty="0"/>
-              <a:t>Un replica set ha diversi nodi portanti e un nodo arbitro facoltativo.</a:t>
-            </a:r>
-          </a:p>
-          <a:p>
-            <a:pPr lvl="1"/>
-            <a:r>
-              <a:rPr lang="it-IT" sz="2000" dirty="0"/>
-              <a:t>Dei nodi portanti uno solo è considerato primario, mentre gli altri nodi sono considerati secondari.</a:t>
-            </a:r>
+              <a:rPr lang="it-IT" dirty="0"/>
+              <a:t>In-Memory Storage Engine.</a:t>
+            </a:r>
+          </a:p>
+          <a:p>
+            <a:endParaRPr lang="it-IT" dirty="0"/>
           </a:p>
         </p:txBody>
       </p:sp>
     </p:spTree>
     <p:extLst>
       <p:ext uri="{BB962C8B-B14F-4D97-AF65-F5344CB8AC3E}">
-        <p14:creationId xmlns:p14="http://schemas.microsoft.com/office/powerpoint/2010/main" val="3419229553"/>
+        <p14:creationId xmlns:p14="http://schemas.microsoft.com/office/powerpoint/2010/main" val="550609295"/>
       </p:ext>
     </p:extLst>
   </p:cSld>
@@ -12245,6 +14081,14 @@
 <file path=ppt/slides/slide8.xml><?xml version="1.0" encoding="utf-8"?>
 <p:sld xmlns:a="http://schemas.openxmlformats.org/drawingml/2006/main" xmlns:r="http://schemas.openxmlformats.org/officeDocument/2006/relationships" xmlns:p="http://schemas.openxmlformats.org/presentationml/2006/main">
   <p:cSld>
+    <p:bg>
+      <p:bgPr>
+        <a:solidFill>
+          <a:schemeClr val="bg2"/>
+        </a:solidFill>
+        <a:effectLst/>
+      </p:bgPr>
+    </p:bg>
     <p:spTree>
       <p:nvGrpSpPr>
         <p:cNvPr id="1" name=""/>
@@ -12264,7 +14108,7 @@
           <p:cNvPr id="2" name="Titolo 1">
             <a:extLst>
               <a:ext uri="{FF2B5EF4-FFF2-40B4-BE49-F238E27FC236}">
-                <a16:creationId xmlns:a16="http://schemas.microsoft.com/office/drawing/2014/main" id="{C34BB43E-7C0E-4277-AB2D-6D41651B4CF5}"/>
+                <a16:creationId xmlns:a16="http://schemas.microsoft.com/office/drawing/2014/main" id="{3D088067-24F2-42C7-B36C-F434A0A09742}"/>
               </a:ext>
             </a:extLst>
           </p:cNvPr>
@@ -12277,414 +14121,124 @@
         </p:nvSpPr>
         <p:spPr>
           <a:xfrm>
-            <a:off x="581081" y="164432"/>
-            <a:ext cx="8596668" cy="617621"/>
+            <a:off x="4064173" y="4335276"/>
+            <a:ext cx="3737268" cy="1320800"/>
           </a:xfrm>
         </p:spPr>
         <p:txBody>
           <a:bodyPr>
-            <a:normAutofit fontScale="90000"/>
+            <a:normAutofit/>
           </a:bodyPr>
           <a:lstStyle/>
           <a:p>
+            <a:pPr algn="ctr"/>
             <a:r>
               <a:rPr lang="it-IT" dirty="0"/>
-              <a:t>Nodi primari e Nodi secondari</a:t>
-            </a:r>
-          </a:p>
-        </p:txBody>
-      </p:sp>
-      <p:sp>
-        <p:nvSpPr>
-          <p:cNvPr id="3" name="Segnaposto contenuto 2">
+              <a:t>REPLICATION</a:t>
+            </a:r>
+          </a:p>
+        </p:txBody>
+      </p:sp>
+      <p:pic>
+        <p:nvPicPr>
+          <p:cNvPr id="8" name="Segnaposto contenuto 7">
             <a:extLst>
               <a:ext uri="{FF2B5EF4-FFF2-40B4-BE49-F238E27FC236}">
-                <a16:creationId xmlns:a16="http://schemas.microsoft.com/office/drawing/2014/main" id="{3F921689-5397-4128-9266-7EE889DB9C07}"/>
+                <a16:creationId xmlns:a16="http://schemas.microsoft.com/office/drawing/2014/main" id="{CD135596-9812-4C92-A45E-4C28864890BF}"/>
               </a:ext>
             </a:extLst>
           </p:cNvPr>
-          <p:cNvSpPr>
-            <a:spLocks noGrp="1"/>
-          </p:cNvSpPr>
+          <p:cNvPicPr>
+            <a:picLocks noGrp="1" noChangeAspect="1"/>
+          </p:cNvPicPr>
           <p:nvPr>
             <p:ph idx="1"/>
           </p:nvPr>
-        </p:nvSpPr>
+        </p:nvPicPr>
+        <p:blipFill>
+          <a:blip r:embed="rId3">
+            <a:extLst>
+              <a:ext uri="{28A0092B-C50C-407E-A947-70E740481C1C}">
+                <a14:useLocalDpi xmlns:a14="http://schemas.microsoft.com/office/drawing/2010/main" val="0"/>
+              </a:ext>
+            </a:extLst>
+          </a:blip>
+          <a:stretch>
+            <a:fillRect/>
+          </a:stretch>
+        </p:blipFill>
         <p:spPr>
           <a:xfrm>
-            <a:off x="581081" y="955048"/>
-            <a:ext cx="8596668" cy="1660358"/>
+            <a:off x="3900982" y="271625"/>
+            <a:ext cx="4063651" cy="4063651"/>
           </a:xfrm>
         </p:spPr>
-        <p:txBody>
-          <a:bodyPr>
-            <a:noAutofit/>
-          </a:bodyPr>
-          <a:lstStyle/>
-          <a:p>
-            <a:r>
-              <a:rPr lang="it-IT" sz="2000" dirty="0"/>
-              <a:t>Il Nodo primario riceve tutte le operazioni di scrittura. Di default anche quelle di lettura, ma quest’ultime posso essere dirette anche ai nodi secondari.</a:t>
-            </a:r>
-          </a:p>
-          <a:p>
-            <a:r>
-              <a:rPr lang="it-IT" sz="2000" dirty="0"/>
-              <a:t>Un Nodo di un replica set diventa il nodo primario attraverso un processo di elezioni.</a:t>
-            </a:r>
-          </a:p>
-        </p:txBody>
-      </p:sp>
-      <p:sp>
-        <p:nvSpPr>
-          <p:cNvPr id="6" name="CasellaDiTesto 5">
+      </p:pic>
+      <p:sp>
+        <p:nvSpPr>
+          <p:cNvPr id="13" name="Isosceles Triangle 12">
             <a:extLst>
               <a:ext uri="{FF2B5EF4-FFF2-40B4-BE49-F238E27FC236}">
-                <a16:creationId xmlns:a16="http://schemas.microsoft.com/office/drawing/2014/main" id="{1436BC69-C58B-40DB-975B-B9949D7085B5}"/>
+                <a16:creationId xmlns:a16="http://schemas.microsoft.com/office/drawing/2014/main" id="{3BCB5F6A-9EB0-40B0-9D13-3023E9A20508}"/>
+              </a:ext>
+              <a:ext uri="{C183D7F6-B498-43B3-948B-1728B52AA6E4}">
+                <adec:decorative xmlns:adec="http://schemas.microsoft.com/office/drawing/2017/decorative" val="1"/>
               </a:ext>
             </a:extLst>
           </p:cNvPr>
-          <p:cNvSpPr txBox="1"/>
-          <p:nvPr/>
+          <p:cNvSpPr>
+            <a:spLocks noGrp="1" noRot="1" noChangeAspect="1" noMove="1" noResize="1" noEditPoints="1" noAdjustHandles="1" noChangeArrowheads="1" noChangeShapeType="1" noTextEdit="1"/>
+          </p:cNvSpPr>
+          <p:nvPr>
+            <p:extLst>
+              <p:ext uri="{386F3935-93C4-4BCD-93E2-E3B085C9AB24}">
+                <p16:designElem xmlns:p16="http://schemas.microsoft.com/office/powerpoint/2015/main" val="1"/>
+              </p:ext>
+            </p:extLst>
+          </p:nvPr>
         </p:nvSpPr>
         <p:spPr>
-          <a:xfrm>
-            <a:off x="581081" y="2967335"/>
-            <a:ext cx="5514919" cy="461665"/>
+          <a:xfrm rot="10800000">
+            <a:off x="0" y="0"/>
+            <a:ext cx="842596" cy="5666154"/>
           </a:xfrm>
-          <a:prstGeom prst="rect">
-            <a:avLst/>
+          <a:prstGeom prst="triangle">
+            <a:avLst>
+              <a:gd name="adj" fmla="val 100000"/>
+            </a:avLst>
           </a:prstGeom>
-          <a:noFill/>
+          <a:solidFill>
+            <a:schemeClr val="accent1"/>
+          </a:solidFill>
+          <a:ln>
+            <a:noFill/>
+          </a:ln>
+          <a:effectLst/>
         </p:spPr>
-        <p:txBody>
-          <a:bodyPr wrap="square" rtlCol="0">
-            <a:spAutoFit/>
-          </a:bodyPr>
-          <a:lstStyle/>
-          <a:p>
-            <a:r>
-              <a:rPr lang="it-IT" sz="2400" dirty="0"/>
-              <a:t>Replica sete </a:t>
-            </a:r>
-            <a:r>
-              <a:rPr lang="it-IT" sz="2400" dirty="0" err="1"/>
-              <a:t>Elections</a:t>
-            </a:r>
-            <a:r>
-              <a:rPr lang="it-IT" sz="2400" dirty="0"/>
-              <a:t>:</a:t>
-            </a:r>
-          </a:p>
-        </p:txBody>
-      </p:sp>
-      <p:sp>
-        <p:nvSpPr>
-          <p:cNvPr id="8" name="Segnaposto contenuto 2">
-            <a:extLst>
-              <a:ext uri="{FF2B5EF4-FFF2-40B4-BE49-F238E27FC236}">
-                <a16:creationId xmlns:a16="http://schemas.microsoft.com/office/drawing/2014/main" id="{1289CDAC-1B35-4F01-BCE6-D1B3DBD5F38D}"/>
-              </a:ext>
-            </a:extLst>
-          </p:cNvPr>
-          <p:cNvSpPr txBox="1">
-            <a:spLocks/>
-          </p:cNvSpPr>
-          <p:nvPr/>
-        </p:nvSpPr>
-        <p:spPr>
-          <a:xfrm>
-            <a:off x="581081" y="3951019"/>
-            <a:ext cx="8596668" cy="3681662"/>
-          </a:xfrm>
-          <a:prstGeom prst="rect">
-            <a:avLst/>
-          </a:prstGeom>
-        </p:spPr>
-        <p:txBody>
-          <a:bodyPr vert="horz" lIns="91440" tIns="45720" rIns="91440" bIns="45720" rtlCol="0">
-            <a:normAutofit/>
-          </a:bodyPr>
-          <a:lstStyle>
-            <a:lvl1pPr marL="342900" indent="-342900" algn="l" defTabSz="457200" rtl="0" eaLnBrk="1" latinLnBrk="0" hangingPunct="1">
-              <a:spcBef>
-                <a:spcPts val="1000"/>
-              </a:spcBef>
-              <a:spcAft>
-                <a:spcPts val="0"/>
-              </a:spcAft>
-              <a:buClr>
-                <a:schemeClr val="accent1"/>
-              </a:buClr>
-              <a:buSzPct val="80000"/>
-              <a:buFont typeface="Wingdings 3" charset="2"/>
-              <a:buChar char=""/>
-              <a:defRPr sz="1800" kern="1200">
-                <a:solidFill>
-                  <a:schemeClr val="tx1">
-                    <a:lumMod val="75000"/>
-                    <a:lumOff val="25000"/>
-                  </a:schemeClr>
-                </a:solidFill>
-                <a:latin typeface="+mn-lt"/>
-                <a:ea typeface="+mn-ea"/>
-                <a:cs typeface="+mn-cs"/>
-              </a:defRPr>
-            </a:lvl1pPr>
-            <a:lvl2pPr marL="742950" indent="-285750" algn="l" defTabSz="457200" rtl="0" eaLnBrk="1" latinLnBrk="0" hangingPunct="1">
-              <a:spcBef>
-                <a:spcPts val="1000"/>
-              </a:spcBef>
-              <a:spcAft>
-                <a:spcPts val="0"/>
-              </a:spcAft>
-              <a:buClr>
-                <a:schemeClr val="accent1"/>
-              </a:buClr>
-              <a:buSzPct val="80000"/>
-              <a:buFont typeface="Wingdings 3" charset="2"/>
-              <a:buChar char=""/>
-              <a:defRPr sz="1600" kern="1200">
-                <a:solidFill>
-                  <a:schemeClr val="tx1">
-                    <a:lumMod val="75000"/>
-                    <a:lumOff val="25000"/>
-                  </a:schemeClr>
-                </a:solidFill>
-                <a:latin typeface="+mn-lt"/>
-                <a:ea typeface="+mn-ea"/>
-                <a:cs typeface="+mn-cs"/>
-              </a:defRPr>
-            </a:lvl2pPr>
-            <a:lvl3pPr marL="1143000" indent="-228600" algn="l" defTabSz="457200" rtl="0" eaLnBrk="1" latinLnBrk="0" hangingPunct="1">
-              <a:spcBef>
-                <a:spcPts val="1000"/>
-              </a:spcBef>
-              <a:spcAft>
-                <a:spcPts val="0"/>
-              </a:spcAft>
-              <a:buClr>
-                <a:schemeClr val="accent1"/>
-              </a:buClr>
-              <a:buSzPct val="80000"/>
-              <a:buFont typeface="Wingdings 3" charset="2"/>
-              <a:buChar char=""/>
-              <a:defRPr sz="1400" kern="1200">
-                <a:solidFill>
-                  <a:schemeClr val="tx1">
-                    <a:lumMod val="75000"/>
-                    <a:lumOff val="25000"/>
-                  </a:schemeClr>
-                </a:solidFill>
-                <a:latin typeface="+mn-lt"/>
-                <a:ea typeface="+mn-ea"/>
-                <a:cs typeface="+mn-cs"/>
-              </a:defRPr>
-            </a:lvl3pPr>
-            <a:lvl4pPr marL="1600200" indent="-228600" algn="l" defTabSz="457200" rtl="0" eaLnBrk="1" latinLnBrk="0" hangingPunct="1">
-              <a:spcBef>
-                <a:spcPts val="1000"/>
-              </a:spcBef>
-              <a:spcAft>
-                <a:spcPts val="0"/>
-              </a:spcAft>
-              <a:buClr>
-                <a:schemeClr val="accent1"/>
-              </a:buClr>
-              <a:buSzPct val="80000"/>
-              <a:buFont typeface="Wingdings 3" charset="2"/>
-              <a:buChar char=""/>
-              <a:defRPr sz="1200" kern="1200">
-                <a:solidFill>
-                  <a:schemeClr val="tx1">
-                    <a:lumMod val="75000"/>
-                    <a:lumOff val="25000"/>
-                  </a:schemeClr>
-                </a:solidFill>
-                <a:latin typeface="+mn-lt"/>
-                <a:ea typeface="+mn-ea"/>
-                <a:cs typeface="+mn-cs"/>
-              </a:defRPr>
-            </a:lvl4pPr>
-            <a:lvl5pPr marL="2057400" indent="-228600" algn="l" defTabSz="457200" rtl="0" eaLnBrk="1" latinLnBrk="0" hangingPunct="1">
-              <a:spcBef>
-                <a:spcPts val="1000"/>
-              </a:spcBef>
-              <a:spcAft>
-                <a:spcPts val="0"/>
-              </a:spcAft>
-              <a:buClr>
-                <a:schemeClr val="accent1"/>
-              </a:buClr>
-              <a:buSzPct val="80000"/>
-              <a:buFont typeface="Wingdings 3" charset="2"/>
-              <a:buChar char=""/>
-              <a:defRPr sz="1200" kern="1200">
-                <a:solidFill>
-                  <a:schemeClr val="tx1">
-                    <a:lumMod val="75000"/>
-                    <a:lumOff val="25000"/>
-                  </a:schemeClr>
-                </a:solidFill>
-                <a:latin typeface="+mn-lt"/>
-                <a:ea typeface="+mn-ea"/>
-                <a:cs typeface="+mn-cs"/>
-              </a:defRPr>
-            </a:lvl5pPr>
-            <a:lvl6pPr marL="2514600" indent="-228600" algn="l" defTabSz="457200" rtl="0" eaLnBrk="1" latinLnBrk="0" hangingPunct="1">
-              <a:spcBef>
-                <a:spcPts val="1000"/>
-              </a:spcBef>
-              <a:spcAft>
-                <a:spcPts val="0"/>
-              </a:spcAft>
-              <a:buClr>
-                <a:schemeClr val="accent1"/>
-              </a:buClr>
-              <a:buSzPct val="80000"/>
-              <a:buFont typeface="Wingdings 3" charset="2"/>
-              <a:buChar char=""/>
-              <a:defRPr sz="1200" kern="1200">
-                <a:solidFill>
-                  <a:schemeClr val="tx1">
-                    <a:lumMod val="75000"/>
-                    <a:lumOff val="25000"/>
-                  </a:schemeClr>
-                </a:solidFill>
-                <a:latin typeface="+mn-lt"/>
-                <a:ea typeface="+mn-ea"/>
-                <a:cs typeface="+mn-cs"/>
-              </a:defRPr>
-            </a:lvl6pPr>
-            <a:lvl7pPr marL="2971800" indent="-228600" algn="l" defTabSz="457200" rtl="0" eaLnBrk="1" latinLnBrk="0" hangingPunct="1">
-              <a:spcBef>
-                <a:spcPts val="1000"/>
-              </a:spcBef>
-              <a:spcAft>
-                <a:spcPts val="0"/>
-              </a:spcAft>
-              <a:buClr>
-                <a:schemeClr val="accent1"/>
-              </a:buClr>
-              <a:buSzPct val="80000"/>
-              <a:buFont typeface="Wingdings 3" charset="2"/>
-              <a:buChar char=""/>
-              <a:defRPr sz="1200" kern="1200">
-                <a:solidFill>
-                  <a:schemeClr val="tx1">
-                    <a:lumMod val="75000"/>
-                    <a:lumOff val="25000"/>
-                  </a:schemeClr>
-                </a:solidFill>
-                <a:latin typeface="+mn-lt"/>
-                <a:ea typeface="+mn-ea"/>
-                <a:cs typeface="+mn-cs"/>
-              </a:defRPr>
-            </a:lvl7pPr>
-            <a:lvl8pPr marL="3429000" indent="-228600" algn="l" defTabSz="457200" rtl="0" eaLnBrk="1" latinLnBrk="0" hangingPunct="1">
-              <a:spcBef>
-                <a:spcPts val="1000"/>
-              </a:spcBef>
-              <a:spcAft>
-                <a:spcPts val="0"/>
-              </a:spcAft>
-              <a:buClr>
-                <a:schemeClr val="accent1"/>
-              </a:buClr>
-              <a:buSzPct val="80000"/>
-              <a:buFont typeface="Wingdings 3" charset="2"/>
-              <a:buChar char=""/>
-              <a:defRPr sz="1200" kern="1200">
-                <a:solidFill>
-                  <a:schemeClr val="tx1">
-                    <a:lumMod val="75000"/>
-                    <a:lumOff val="25000"/>
-                  </a:schemeClr>
-                </a:solidFill>
-                <a:latin typeface="+mn-lt"/>
-                <a:ea typeface="+mn-ea"/>
-                <a:cs typeface="+mn-cs"/>
-              </a:defRPr>
-            </a:lvl8pPr>
-            <a:lvl9pPr marL="3886200" indent="-228600" algn="l" defTabSz="457200" rtl="0" eaLnBrk="1" latinLnBrk="0" hangingPunct="1">
-              <a:spcBef>
-                <a:spcPts val="1000"/>
-              </a:spcBef>
-              <a:spcAft>
-                <a:spcPts val="0"/>
-              </a:spcAft>
-              <a:buClr>
-                <a:schemeClr val="accent1"/>
-              </a:buClr>
-              <a:buSzPct val="80000"/>
-              <a:buFont typeface="Wingdings 3" charset="2"/>
-              <a:buChar char=""/>
-              <a:defRPr sz="1200" kern="1200">
-                <a:solidFill>
-                  <a:schemeClr val="tx1">
-                    <a:lumMod val="75000"/>
-                    <a:lumOff val="25000"/>
-                  </a:schemeClr>
-                </a:solidFill>
-                <a:latin typeface="+mn-lt"/>
-                <a:ea typeface="+mn-ea"/>
-                <a:cs typeface="+mn-cs"/>
-              </a:defRPr>
-            </a:lvl9pPr>
-          </a:lstStyle>
-          <a:p>
-            <a:r>
-              <a:rPr lang="it-IT" sz="2000" dirty="0"/>
-              <a:t>Posso avere un’elezione nei seguenti casi:</a:t>
-            </a:r>
-          </a:p>
-          <a:p>
-            <a:pPr lvl="1"/>
-            <a:r>
-              <a:rPr lang="it-IT" sz="2000" dirty="0"/>
-              <a:t>Aggiungendo un nuovo nodo al set di repliche.</a:t>
-            </a:r>
-          </a:p>
-          <a:p>
-            <a:pPr lvl="1"/>
-            <a:r>
-              <a:rPr lang="it-IT" sz="2000" dirty="0"/>
-              <a:t>Inizializzare un set di repliche.</a:t>
-            </a:r>
-          </a:p>
-          <a:p>
-            <a:pPr lvl="1"/>
-            <a:r>
-              <a:rPr lang="it-IT" sz="2000" dirty="0"/>
-              <a:t> Eseguire la manutenzione del set di repliche.</a:t>
-            </a:r>
-          </a:p>
-          <a:p>
-            <a:pPr lvl="1"/>
-            <a:r>
-              <a:rPr lang="it-IT" sz="2000" dirty="0"/>
-              <a:t> I nodi secondari perdono la connettività al primario per più del </a:t>
-            </a:r>
-            <a:r>
-              <a:rPr lang="it-IT" sz="2000" dirty="0" err="1"/>
-              <a:t>timeout</a:t>
-            </a:r>
-            <a:r>
-              <a:rPr lang="it-IT" sz="2000" dirty="0"/>
-              <a:t> configurato (10 secondi per default). </a:t>
-            </a:r>
-          </a:p>
-        </p:txBody>
+        <p:style>
+          <a:lnRef idx="1">
+            <a:schemeClr val="accent1"/>
+          </a:lnRef>
+          <a:fillRef idx="3">
+            <a:schemeClr val="accent1"/>
+          </a:fillRef>
+          <a:effectRef idx="2">
+            <a:schemeClr val="accent1"/>
+          </a:effectRef>
+          <a:fontRef idx="minor">
+            <a:schemeClr val="lt1"/>
+          </a:fontRef>
+        </p:style>
       </p:sp>
     </p:spTree>
     <p:extLst>
       <p:ext uri="{BB962C8B-B14F-4D97-AF65-F5344CB8AC3E}">
-        <p14:creationId xmlns:p14="http://schemas.microsoft.com/office/powerpoint/2010/main" val="1275923587"/>
+        <p14:creationId xmlns:p14="http://schemas.microsoft.com/office/powerpoint/2010/main" val="3519122304"/>
       </p:ext>
     </p:extLst>
   </p:cSld>
   <p:clrMapOvr>
-    <a:masterClrMapping/>
+    <a:overrideClrMapping bg1="dk1" tx1="lt1" bg2="dk2" tx2="lt2" accent1="accent1" accent2="accent2" accent3="accent3" accent4="accent4" accent5="accent5" accent6="accent6" hlink="hlink" folHlink="folHlink"/>
   </p:clrMapOvr>
 </p:sld>
 </file>
@@ -12711,7 +14265,7 @@
           <p:cNvPr id="2" name="Titolo 1">
             <a:extLst>
               <a:ext uri="{FF2B5EF4-FFF2-40B4-BE49-F238E27FC236}">
-                <a16:creationId xmlns:a16="http://schemas.microsoft.com/office/drawing/2014/main" id="{306E3E34-60AA-447B-AAF0-4A11CEF3540E}"/>
+                <a16:creationId xmlns:a16="http://schemas.microsoft.com/office/drawing/2014/main" id="{3D50023E-F3FC-459D-8DD9-7F6E87F4BED5}"/>
               </a:ext>
             </a:extLst>
           </p:cNvPr>
@@ -12725,7 +14279,7 @@
         <p:spPr>
           <a:xfrm>
             <a:off x="677334" y="609600"/>
-            <a:ext cx="8596668" cy="737937"/>
+            <a:ext cx="8596668" cy="725905"/>
           </a:xfrm>
         </p:spPr>
         <p:txBody>
@@ -12734,622 +14288,121 @@
           <a:p>
             <a:r>
               <a:rPr lang="it-IT" dirty="0"/>
-              <a:t>Configurazione processo di elezione</a:t>
-            </a:r>
-          </a:p>
-        </p:txBody>
-      </p:sp>
-      <p:sp>
-        <p:nvSpPr>
-          <p:cNvPr id="4" name="CasellaDiTesto 3">
+              <a:t>Replication</a:t>
+            </a:r>
+          </a:p>
+        </p:txBody>
+      </p:sp>
+      <p:sp>
+        <p:nvSpPr>
+          <p:cNvPr id="3" name="Segnaposto contenuto 2">
             <a:extLst>
               <a:ext uri="{FF2B5EF4-FFF2-40B4-BE49-F238E27FC236}">
-                <a16:creationId xmlns:a16="http://schemas.microsoft.com/office/drawing/2014/main" id="{0D9BDB9C-602C-438B-90EE-DFCBBDEDC5BF}"/>
+                <a16:creationId xmlns:a16="http://schemas.microsoft.com/office/drawing/2014/main" id="{37820A38-C9C9-4A99-80D6-447D8B02A018}"/>
               </a:ext>
             </a:extLst>
           </p:cNvPr>
-          <p:cNvSpPr txBox="1"/>
-          <p:nvPr/>
+          <p:cNvSpPr>
+            <a:spLocks noGrp="1"/>
+          </p:cNvSpPr>
+          <p:nvPr>
+            <p:ph idx="1"/>
+          </p:nvPr>
         </p:nvSpPr>
         <p:spPr>
           <a:xfrm>
-            <a:off x="5812263" y="1191127"/>
-            <a:ext cx="4764446" cy="5016758"/>
+            <a:off x="520923" y="1335506"/>
+            <a:ext cx="9212624" cy="6136106"/>
           </a:xfrm>
-          <a:prstGeom prst="rect">
-            <a:avLst/>
-          </a:prstGeom>
-          <a:noFill/>
         </p:spPr>
         <p:txBody>
-          <a:bodyPr wrap="none" rtlCol="0">
-            <a:spAutoFit/>
+          <a:bodyPr>
+            <a:normAutofit/>
           </a:bodyPr>
           <a:lstStyle/>
           <a:p>
             <a:r>
               <a:rPr lang="it-IT" sz="2000" dirty="0"/>
-              <a:t> …</a:t>
-            </a:r>
-          </a:p>
-          <a:p>
+              <a:t>Scopi principali della replicazione:</a:t>
+            </a:r>
+          </a:p>
+          <a:p>
+            <a:pPr lvl="1"/>
             <a:r>
               <a:rPr lang="it-IT" sz="2000" dirty="0"/>
-              <a:t>  settings: </a:t>
-            </a:r>
-            <a:r>
-              <a:rPr lang="it-IT" sz="2000" dirty="0">
-                <a:solidFill>
-                  <a:schemeClr val="accent2"/>
-                </a:solidFill>
-              </a:rPr>
-              <a:t>{// settaggio per intero</a:t>
-            </a:r>
-          </a:p>
-          <a:p>
-            <a:r>
-              <a:rPr lang="it-IT" sz="2000" dirty="0">
-                <a:solidFill>
-                  <a:schemeClr val="accent2"/>
-                </a:solidFill>
-              </a:rPr>
-              <a:t>  replica set</a:t>
-            </a:r>
-          </a:p>
-          <a:p>
+              <a:t>Fornisce ridondanza dei dati, così ho un livello di tolleranza agli errori contro la perdita di un singolo server (</a:t>
+            </a:r>
+            <a:r>
+              <a:rPr lang="it-IT" sz="2000" dirty="0" err="1"/>
+              <a:t>Availability</a:t>
+            </a:r>
             <a:r>
               <a:rPr lang="it-IT" sz="2000" dirty="0"/>
-              <a:t>    </a:t>
+              <a:t>).</a:t>
+            </a:r>
+          </a:p>
+          <a:p>
+            <a:pPr lvl="1"/>
+            <a:r>
+              <a:rPr lang="it-IT" sz="2000" dirty="0"/>
+              <a:t>Maggiore capacità di lettura, infatti i client possono inviare operazioni di lettura a server diversi.</a:t>
+            </a:r>
+          </a:p>
+          <a:p>
+            <a:pPr lvl="1"/>
+            <a:r>
+              <a:rPr lang="it-IT" sz="2000" dirty="0"/>
+              <a:t>Maggiore disponibilità per applicazioni distribuite.</a:t>
+            </a:r>
+          </a:p>
+          <a:p>
+            <a:pPr lvl="1"/>
+            <a:r>
+              <a:rPr lang="it-IT" sz="2000" dirty="0"/>
+              <a:t>Scopi dedicati come il backup</a:t>
+            </a:r>
+          </a:p>
+          <a:p>
+            <a:r>
+              <a:rPr lang="it-IT" sz="2000" dirty="0"/>
+              <a:t>Come funzione in </a:t>
             </a:r>
             <a:r>
               <a:rPr lang="it-IT" sz="2000" dirty="0" err="1"/>
-              <a:t>chainingAllowed</a:t>
+              <a:t>MongoDB</a:t>
             </a:r>
             <a:r>
               <a:rPr lang="it-IT" sz="2000" dirty="0"/>
-              <a:t> : &lt;</a:t>
-            </a:r>
-            <a:r>
-              <a:rPr lang="it-IT" sz="2000" dirty="0" err="1"/>
-              <a:t>boolean</a:t>
-            </a:r>
+              <a:t>:</a:t>
+            </a:r>
+          </a:p>
+          <a:p>
+            <a:pPr lvl="1"/>
             <a:r>
               <a:rPr lang="it-IT" sz="2000" dirty="0"/>
-              <a:t>&gt;,</a:t>
-            </a:r>
-          </a:p>
-          <a:p>
+              <a:t>Ho un replica set che mantiene lo stesso set di dati.</a:t>
+            </a:r>
+          </a:p>
+          <a:p>
+            <a:pPr lvl="1"/>
             <a:r>
               <a:rPr lang="it-IT" sz="2000" dirty="0"/>
-              <a:t>    </a:t>
-            </a:r>
-            <a:r>
-              <a:rPr lang="it-IT" sz="2000" dirty="0" err="1"/>
-              <a:t>heartbeatIntervalMillis</a:t>
-            </a:r>
+              <a:t>Un replica set ha diversi nodi portanti e un nodo arbitro facoltativo.</a:t>
+            </a:r>
+          </a:p>
+          <a:p>
+            <a:pPr lvl="1"/>
             <a:r>
               <a:rPr lang="it-IT" sz="2000" dirty="0"/>
-              <a:t> : &lt;</a:t>
-            </a:r>
-            <a:r>
-              <a:rPr lang="it-IT" sz="2000" dirty="0" err="1"/>
-              <a:t>int</a:t>
-            </a:r>
-            <a:r>
-              <a:rPr lang="it-IT" sz="2000" dirty="0"/>
-              <a:t>&gt;,</a:t>
-            </a:r>
-          </a:p>
-          <a:p>
-            <a:r>
-              <a:rPr lang="it-IT" sz="2000" dirty="0"/>
-              <a:t>    </a:t>
-            </a:r>
-            <a:r>
-              <a:rPr lang="it-IT" sz="2000" dirty="0" err="1"/>
-              <a:t>heartbeatTimeoutSecs</a:t>
-            </a:r>
-            <a:r>
-              <a:rPr lang="it-IT" sz="2000" dirty="0"/>
-              <a:t>: &lt;</a:t>
-            </a:r>
-            <a:r>
-              <a:rPr lang="it-IT" sz="2000" dirty="0" err="1"/>
-              <a:t>int</a:t>
-            </a:r>
-            <a:r>
-              <a:rPr lang="it-IT" sz="2000" dirty="0"/>
-              <a:t>&gt;,</a:t>
-            </a:r>
-          </a:p>
-          <a:p>
-            <a:r>
-              <a:rPr lang="it-IT" sz="2000" dirty="0"/>
-              <a:t>    </a:t>
-            </a:r>
-            <a:r>
-              <a:rPr lang="it-IT" sz="2000" dirty="0">
-                <a:solidFill>
-                  <a:schemeClr val="accent2"/>
-                </a:solidFill>
-              </a:rPr>
-              <a:t>// quanti secondi posso aspettare </a:t>
-            </a:r>
-          </a:p>
-          <a:p>
-            <a:r>
-              <a:rPr lang="it-IT" sz="2000" dirty="0">
-                <a:solidFill>
-                  <a:schemeClr val="accent2"/>
-                </a:solidFill>
-              </a:rPr>
-              <a:t>    per avere un messaggio </a:t>
-            </a:r>
-            <a:r>
-              <a:rPr lang="it-IT" sz="2000" dirty="0" err="1">
-                <a:solidFill>
-                  <a:schemeClr val="accent2"/>
-                </a:solidFill>
-              </a:rPr>
-              <a:t>heartbeat</a:t>
-            </a:r>
-            <a:r>
-              <a:rPr lang="it-IT" sz="2000" dirty="0">
-                <a:solidFill>
-                  <a:schemeClr val="accent2"/>
-                </a:solidFill>
-              </a:rPr>
-              <a:t> di </a:t>
-            </a:r>
-          </a:p>
-          <a:p>
-            <a:r>
-              <a:rPr lang="it-IT" sz="2000" dirty="0">
-                <a:solidFill>
-                  <a:schemeClr val="accent2"/>
-                </a:solidFill>
-              </a:rPr>
-              <a:t>    successo, default=10s</a:t>
-            </a:r>
-          </a:p>
-          <a:p>
-            <a:r>
-              <a:rPr lang="it-IT" sz="2000" dirty="0"/>
-              <a:t>    </a:t>
-            </a:r>
-            <a:r>
-              <a:rPr lang="it-IT" sz="2000" dirty="0" err="1"/>
-              <a:t>electionTimeoutMillis</a:t>
-            </a:r>
-            <a:r>
-              <a:rPr lang="it-IT" sz="2000" dirty="0"/>
-              <a:t> : &lt;</a:t>
-            </a:r>
-            <a:r>
-              <a:rPr lang="it-IT" sz="2000" dirty="0" err="1"/>
-              <a:t>int</a:t>
-            </a:r>
-            <a:r>
-              <a:rPr lang="it-IT" sz="2000" dirty="0"/>
-              <a:t>&gt;, </a:t>
-            </a:r>
-          </a:p>
-          <a:p>
-            <a:r>
-              <a:rPr lang="it-IT" sz="2000" dirty="0"/>
-              <a:t>    </a:t>
-            </a:r>
-            <a:r>
-              <a:rPr lang="it-IT" sz="2000" dirty="0">
-                <a:solidFill>
-                  <a:schemeClr val="accent2"/>
-                </a:solidFill>
-              </a:rPr>
-              <a:t>//identifica quando il </a:t>
-            </a:r>
-            <a:r>
-              <a:rPr lang="it-IT" sz="2000" dirty="0" err="1">
-                <a:solidFill>
-                  <a:schemeClr val="accent2"/>
-                </a:solidFill>
-              </a:rPr>
-              <a:t>primary</a:t>
-            </a:r>
-            <a:r>
-              <a:rPr lang="it-IT" sz="2000" dirty="0">
-                <a:solidFill>
-                  <a:schemeClr val="accent2"/>
-                </a:solidFill>
-              </a:rPr>
-              <a:t> </a:t>
-            </a:r>
-            <a:r>
-              <a:rPr lang="it-IT" sz="2000" dirty="0" err="1">
-                <a:solidFill>
-                  <a:schemeClr val="accent2"/>
-                </a:solidFill>
-              </a:rPr>
-              <a:t>node</a:t>
-            </a:r>
-            <a:r>
-              <a:rPr lang="it-IT" sz="2000" dirty="0">
-                <a:solidFill>
-                  <a:schemeClr val="accent2"/>
-                </a:solidFill>
-              </a:rPr>
-              <a:t> </a:t>
-            </a:r>
-          </a:p>
-          <a:p>
-            <a:r>
-              <a:rPr lang="it-IT" sz="2000" dirty="0">
-                <a:solidFill>
-                  <a:schemeClr val="accent2"/>
-                </a:solidFill>
-              </a:rPr>
-              <a:t>    è irraggiungibile</a:t>
-            </a:r>
-          </a:p>
-          <a:p>
-            <a:r>
-              <a:rPr lang="it-IT" sz="2000" dirty="0"/>
-              <a:t>    </a:t>
-            </a:r>
-            <a:r>
-              <a:rPr lang="it-IT" sz="2000" dirty="0" err="1"/>
-              <a:t>catchUpTimeoutMillis</a:t>
-            </a:r>
-            <a:r>
-              <a:rPr lang="it-IT" sz="2000" dirty="0"/>
-              <a:t> : &lt;</a:t>
-            </a:r>
-            <a:r>
-              <a:rPr lang="it-IT" sz="2000" dirty="0" err="1"/>
-              <a:t>int</a:t>
-            </a:r>
-            <a:r>
-              <a:rPr lang="it-IT" sz="2000" dirty="0"/>
-              <a:t>&gt;,</a:t>
-            </a:r>
-          </a:p>
-          <a:p>
-            <a:r>
-              <a:rPr lang="it-IT" sz="2000" dirty="0"/>
-              <a:t>    </a:t>
-            </a:r>
-            <a:r>
-              <a:rPr lang="it-IT" sz="2000" dirty="0" err="1"/>
-              <a:t>replicaSetId</a:t>
-            </a:r>
-            <a:r>
-              <a:rPr lang="it-IT" sz="2000" dirty="0"/>
-              <a:t>: &lt;</a:t>
-            </a:r>
-            <a:r>
-              <a:rPr lang="it-IT" sz="2000" dirty="0" err="1"/>
-              <a:t>ObjectId</a:t>
-            </a:r>
-            <a:r>
-              <a:rPr lang="it-IT" sz="2000" dirty="0"/>
-              <a:t>&gt;</a:t>
-            </a:r>
-          </a:p>
-          <a:p>
-            <a:r>
-              <a:rPr lang="it-IT" sz="2000" dirty="0"/>
-              <a:t>  }</a:t>
-            </a:r>
-          </a:p>
-          <a:p>
-            <a:r>
-              <a:rPr lang="it-IT" sz="2000" dirty="0"/>
-              <a:t>…</a:t>
-            </a:r>
-          </a:p>
-        </p:txBody>
-      </p:sp>
-      <p:sp>
-        <p:nvSpPr>
-          <p:cNvPr id="5" name="CasellaDiTesto 4">
-            <a:extLst>
-              <a:ext uri="{FF2B5EF4-FFF2-40B4-BE49-F238E27FC236}">
-                <a16:creationId xmlns:a16="http://schemas.microsoft.com/office/drawing/2014/main" id="{D7CF947C-2DE5-44F5-BFBA-033183D7C32E}"/>
-              </a:ext>
-            </a:extLst>
-          </p:cNvPr>
-          <p:cNvSpPr txBox="1"/>
-          <p:nvPr/>
-        </p:nvSpPr>
-        <p:spPr>
-          <a:xfrm>
-            <a:off x="245447" y="1191127"/>
-            <a:ext cx="4807816" cy="5909310"/>
-          </a:xfrm>
-          <a:prstGeom prst="rect">
-            <a:avLst/>
-          </a:prstGeom>
-          <a:noFill/>
-        </p:spPr>
-        <p:txBody>
-          <a:bodyPr wrap="square" rtlCol="0">
-            <a:spAutoFit/>
-          </a:bodyPr>
-          <a:lstStyle/>
-          <a:p>
-            <a:r>
-              <a:rPr lang="it-IT" sz="2000" dirty="0"/>
-              <a:t>…</a:t>
-            </a:r>
-          </a:p>
-          <a:p>
-            <a:r>
-              <a:rPr lang="it-IT" sz="2000" dirty="0" err="1"/>
-              <a:t>members</a:t>
-            </a:r>
-            <a:r>
-              <a:rPr lang="it-IT" sz="2000" dirty="0"/>
-              <a:t>: [ </a:t>
-            </a:r>
-            <a:r>
-              <a:rPr lang="it-IT" sz="2000" dirty="0">
-                <a:solidFill>
-                  <a:schemeClr val="accent2"/>
-                </a:solidFill>
-              </a:rPr>
-              <a:t>//array per ogni membro</a:t>
-            </a:r>
-          </a:p>
-          <a:p>
-            <a:r>
-              <a:rPr lang="it-IT" sz="2000" dirty="0"/>
-              <a:t>    {</a:t>
-            </a:r>
-          </a:p>
-          <a:p>
-            <a:r>
-              <a:rPr lang="it-IT" sz="2000" dirty="0"/>
-              <a:t>      _id: &lt;</a:t>
-            </a:r>
-            <a:r>
-              <a:rPr lang="it-IT" sz="2000" dirty="0" err="1"/>
-              <a:t>int</a:t>
-            </a:r>
-            <a:r>
-              <a:rPr lang="it-IT" sz="2000" dirty="0"/>
-              <a:t>&gt;, </a:t>
-            </a:r>
-            <a:r>
-              <a:rPr lang="it-IT" sz="2000" dirty="0">
-                <a:solidFill>
-                  <a:schemeClr val="accent2"/>
-                </a:solidFill>
-              </a:rPr>
-              <a:t>//Identifica membro</a:t>
-            </a:r>
-          </a:p>
-          <a:p>
-            <a:r>
-              <a:rPr lang="it-IT" sz="2000" dirty="0"/>
-              <a:t>      </a:t>
-            </a:r>
-            <a:r>
-              <a:rPr lang="it-IT" sz="2000" dirty="0" err="1"/>
-              <a:t>host</a:t>
-            </a:r>
-            <a:r>
-              <a:rPr lang="it-IT" sz="2000" dirty="0"/>
-              <a:t>: &lt;</a:t>
-            </a:r>
-            <a:r>
-              <a:rPr lang="it-IT" sz="2000" dirty="0" err="1"/>
-              <a:t>string</a:t>
-            </a:r>
-            <a:r>
-              <a:rPr lang="it-IT" sz="2000" dirty="0"/>
-              <a:t>&gt;, </a:t>
-            </a:r>
-            <a:r>
-              <a:rPr lang="it-IT" sz="2000" dirty="0">
-                <a:solidFill>
-                  <a:schemeClr val="accent2"/>
-                </a:solidFill>
-              </a:rPr>
-              <a:t>// nome </a:t>
-            </a:r>
-            <a:r>
-              <a:rPr lang="it-IT" sz="2000" dirty="0" err="1">
-                <a:solidFill>
-                  <a:schemeClr val="accent2"/>
-                </a:solidFill>
-              </a:rPr>
-              <a:t>host</a:t>
-            </a:r>
-            <a:r>
-              <a:rPr lang="it-IT" sz="2000" dirty="0">
-                <a:solidFill>
-                  <a:schemeClr val="accent2"/>
-                </a:solidFill>
-              </a:rPr>
-              <a:t> e porta</a:t>
-            </a:r>
-          </a:p>
-          <a:p>
-            <a:r>
-              <a:rPr lang="it-IT" sz="2000" dirty="0"/>
-              <a:t>      </a:t>
-            </a:r>
-            <a:r>
-              <a:rPr lang="it-IT" sz="2000" dirty="0" err="1"/>
-              <a:t>arbiterOnly</a:t>
-            </a:r>
-            <a:r>
-              <a:rPr lang="it-IT" sz="2000" dirty="0"/>
-              <a:t>: &lt;</a:t>
-            </a:r>
-            <a:r>
-              <a:rPr lang="it-IT" sz="2000" dirty="0" err="1"/>
-              <a:t>boolean</a:t>
-            </a:r>
-            <a:r>
-              <a:rPr lang="it-IT" sz="2000" dirty="0"/>
-              <a:t>&gt;,</a:t>
-            </a:r>
-          </a:p>
-          <a:p>
-            <a:r>
-              <a:rPr lang="it-IT" sz="2000" dirty="0"/>
-              <a:t>      </a:t>
-            </a:r>
-            <a:r>
-              <a:rPr lang="it-IT" sz="2000" dirty="0" err="1"/>
-              <a:t>buildIndexes</a:t>
-            </a:r>
-            <a:r>
-              <a:rPr lang="it-IT" sz="2000" dirty="0"/>
-              <a:t>: &lt;</a:t>
-            </a:r>
-            <a:r>
-              <a:rPr lang="it-IT" sz="2000" dirty="0" err="1"/>
-              <a:t>boolean</a:t>
-            </a:r>
-            <a:r>
-              <a:rPr lang="it-IT" sz="2000" dirty="0"/>
-              <a:t>&gt;,</a:t>
-            </a:r>
-          </a:p>
-          <a:p>
-            <a:r>
-              <a:rPr lang="it-IT" sz="2000" dirty="0"/>
-              <a:t>      </a:t>
-            </a:r>
-            <a:r>
-              <a:rPr lang="it-IT" sz="2000" dirty="0" err="1"/>
-              <a:t>hidden</a:t>
-            </a:r>
-            <a:r>
-              <a:rPr lang="it-IT" sz="2000" dirty="0"/>
-              <a:t>: &lt;</a:t>
-            </a:r>
-            <a:r>
-              <a:rPr lang="it-IT" sz="2000" dirty="0" err="1"/>
-              <a:t>boolean</a:t>
-            </a:r>
-            <a:r>
-              <a:rPr lang="it-IT" sz="2000" dirty="0"/>
-              <a:t>&gt;,</a:t>
-            </a:r>
-          </a:p>
-          <a:p>
-            <a:r>
-              <a:rPr lang="it-IT" sz="2000" dirty="0"/>
-              <a:t>      </a:t>
-            </a:r>
-            <a:r>
-              <a:rPr lang="it-IT" sz="2000" dirty="0" err="1"/>
-              <a:t>priority</a:t>
-            </a:r>
-            <a:r>
-              <a:rPr lang="it-IT" sz="2000" dirty="0"/>
-              <a:t>: &lt;</a:t>
-            </a:r>
-            <a:r>
-              <a:rPr lang="it-IT" sz="2000" dirty="0" err="1"/>
-              <a:t>number</a:t>
-            </a:r>
-            <a:r>
-              <a:rPr lang="it-IT" sz="2000" dirty="0"/>
-              <a:t>&gt; </a:t>
-            </a:r>
-            <a:r>
-              <a:rPr lang="it-IT" sz="2000" dirty="0">
-                <a:solidFill>
-                  <a:schemeClr val="accent2"/>
-                </a:solidFill>
-              </a:rPr>
-              <a:t>// Un numero 	che indica l'idoneità relativa di un 	membro a diventare primario.(0-	1000)</a:t>
-            </a:r>
-          </a:p>
-          <a:p>
-            <a:r>
-              <a:rPr lang="it-IT" sz="2000" dirty="0"/>
-              <a:t>      tags: &lt;</a:t>
-            </a:r>
-            <a:r>
-              <a:rPr lang="it-IT" sz="2000" dirty="0" err="1"/>
-              <a:t>document</a:t>
-            </a:r>
-            <a:r>
-              <a:rPr lang="it-IT" sz="2000" dirty="0"/>
-              <a:t>&gt;,</a:t>
-            </a:r>
-          </a:p>
-          <a:p>
-            <a:r>
-              <a:rPr lang="it-IT" sz="2000" dirty="0"/>
-              <a:t>      </a:t>
-            </a:r>
-            <a:r>
-              <a:rPr lang="it-IT" sz="2000" dirty="0" err="1"/>
-              <a:t>secondaryDelaySecs</a:t>
-            </a:r>
-            <a:r>
-              <a:rPr lang="it-IT" sz="2000" dirty="0"/>
-              <a:t>: &lt;</a:t>
-            </a:r>
-            <a:r>
-              <a:rPr lang="it-IT" sz="2000" dirty="0" err="1"/>
-              <a:t>int</a:t>
-            </a:r>
-            <a:r>
-              <a:rPr lang="it-IT" sz="2000" dirty="0"/>
-              <a:t>&gt;,</a:t>
-            </a:r>
-          </a:p>
-          <a:p>
-            <a:r>
-              <a:rPr lang="it-IT" sz="2000" dirty="0"/>
-              <a:t>      </a:t>
-            </a:r>
-            <a:r>
-              <a:rPr lang="it-IT" sz="2000" dirty="0" err="1"/>
-              <a:t>votes</a:t>
-            </a:r>
-            <a:r>
-              <a:rPr lang="it-IT" sz="2000" dirty="0"/>
-              <a:t>: &lt;</a:t>
-            </a:r>
-            <a:r>
-              <a:rPr lang="it-IT" sz="2000" dirty="0" err="1"/>
-              <a:t>number</a:t>
-            </a:r>
-            <a:r>
-              <a:rPr lang="it-IT" sz="2000" dirty="0">
-                <a:solidFill>
-                  <a:schemeClr val="accent2"/>
-                </a:solidFill>
-              </a:rPr>
-              <a:t>&gt;// Il numero di voti 	che un server esprimerà in 	un'elezione (0-1) </a:t>
-            </a:r>
-            <a:r>
-              <a:rPr lang="it-IT" sz="2000" dirty="0"/>
-              <a:t>},</a:t>
-            </a:r>
-          </a:p>
-          <a:p>
-            <a:r>
-              <a:rPr lang="it-IT" sz="2000" dirty="0"/>
-              <a:t>    ...</a:t>
-            </a:r>
-          </a:p>
-          <a:p>
-            <a:endParaRPr lang="it-IT" dirty="0"/>
+              <a:t>Dei nodi portanti uno solo è considerato primario, mentre gli altri nodi sono considerati secondari.</a:t>
+            </a:r>
           </a:p>
         </p:txBody>
       </p:sp>
     </p:spTree>
     <p:extLst>
       <p:ext uri="{BB962C8B-B14F-4D97-AF65-F5344CB8AC3E}">
-        <p14:creationId xmlns:p14="http://schemas.microsoft.com/office/powerpoint/2010/main" val="2529083846"/>
+        <p14:creationId xmlns:p14="http://schemas.microsoft.com/office/powerpoint/2010/main" val="3419229553"/>
       </p:ext>
     </p:extLst>
   </p:cSld>

--- a/Presentazione_progetto.pptx
+++ b/Presentazione_progetto.pptx
@@ -5,7 +5,7 @@
     <p:sldMasterId id="2147483672" r:id="rId1"/>
   </p:sldMasterIdLst>
   <p:notesMasterIdLst>
-    <p:notesMasterId r:id="rId27"/>
+    <p:notesMasterId r:id="rId30"/>
   </p:notesMasterIdLst>
   <p:sldIdLst>
     <p:sldId id="256" r:id="rId2"/>
@@ -31,8 +31,11 @@
     <p:sldId id="263" r:id="rId22"/>
     <p:sldId id="275" r:id="rId23"/>
     <p:sldId id="276" r:id="rId24"/>
-    <p:sldId id="279" r:id="rId25"/>
-    <p:sldId id="281" r:id="rId26"/>
+    <p:sldId id="284" r:id="rId25"/>
+    <p:sldId id="283" r:id="rId26"/>
+    <p:sldId id="282" r:id="rId27"/>
+    <p:sldId id="279" r:id="rId28"/>
+    <p:sldId id="281" r:id="rId29"/>
   </p:sldIdLst>
   <p:sldSz cx="12192000" cy="6858000"/>
   <p:notesSz cx="6858000" cy="9144000"/>
@@ -221,7 +224,7 @@
           <a:p>
             <a:fld id="{5D86E91A-6C9D-48EA-9EAF-BBA9F3961CF9}" type="datetimeFigureOut">
               <a:rPr lang="it-IT" smtClean="0"/>
-              <a:t>05/04/2022</a:t>
+              <a:t>12/04/2022</a:t>
             </a:fld>
             <a:endParaRPr lang="it-IT"/>
           </a:p>
@@ -990,6 +993,252 @@
           <a:bodyPr/>
           <a:lstStyle/>
           <a:p>
+            <a:r>
+              <a:rPr lang="it-IT" dirty="0" err="1"/>
+              <a:t>mongoDb</a:t>
+            </a:r>
+            <a:r>
+              <a:rPr lang="it-IT" dirty="0"/>
+              <a:t> divide l’intervallo dei valori delle </a:t>
+            </a:r>
+            <a:r>
+              <a:rPr lang="it-IT" dirty="0" err="1"/>
+              <a:t>shard</a:t>
+            </a:r>
+            <a:r>
+              <a:rPr lang="it-IT" dirty="0"/>
+              <a:t> key (hash </a:t>
+            </a:r>
+            <a:r>
+              <a:rPr lang="it-IT" dirty="0" err="1"/>
+              <a:t>shard</a:t>
+            </a:r>
+            <a:r>
+              <a:rPr lang="it-IT" dirty="0"/>
+              <a:t>), in intervalli  non sovrapposti di </a:t>
+            </a:r>
+            <a:r>
+              <a:rPr lang="it-IT" dirty="0" err="1"/>
+              <a:t>shark</a:t>
+            </a:r>
+            <a:r>
+              <a:rPr lang="it-IT" dirty="0"/>
+              <a:t> key(hash </a:t>
+            </a:r>
+            <a:r>
+              <a:rPr lang="it-IT" dirty="0" err="1"/>
+              <a:t>shard</a:t>
+            </a:r>
+            <a:r>
+              <a:rPr lang="it-IT" dirty="0"/>
+              <a:t> key). Ogni range è associato ad un </a:t>
+            </a:r>
+            <a:r>
+              <a:rPr lang="it-IT" dirty="0" err="1"/>
+              <a:t>chunk</a:t>
+            </a:r>
+            <a:r>
+              <a:rPr lang="it-IT" dirty="0"/>
+              <a:t>(blocco) e </a:t>
+            </a:r>
+            <a:r>
+              <a:rPr lang="it-IT" dirty="0" err="1"/>
+              <a:t>mongodb</a:t>
+            </a:r>
+            <a:r>
+              <a:rPr lang="it-IT" dirty="0"/>
+              <a:t> tenta di distribuire i </a:t>
+            </a:r>
+            <a:r>
+              <a:rPr lang="it-IT" dirty="0" err="1"/>
+              <a:t>chunk</a:t>
+            </a:r>
+            <a:r>
+              <a:rPr lang="it-IT" dirty="0"/>
+              <a:t> in maniera uniforme nel cluster.</a:t>
+            </a:r>
+          </a:p>
+          <a:p>
+            <a:r>
+              <a:rPr lang="it-IT" dirty="0"/>
+              <a:t>Un </a:t>
+            </a:r>
+            <a:r>
+              <a:rPr lang="it-IT" dirty="0" err="1"/>
+              <a:t>chunk</a:t>
+            </a:r>
+            <a:r>
+              <a:rPr lang="it-IT" dirty="0"/>
+              <a:t> è un intervallo contiguo di valori di </a:t>
+            </a:r>
+            <a:r>
+              <a:rPr lang="it-IT" dirty="0" err="1"/>
+              <a:t>shard</a:t>
+            </a:r>
+            <a:r>
+              <a:rPr lang="it-IT" dirty="0"/>
+              <a:t> key all’interno di un particolare </a:t>
+            </a:r>
+            <a:r>
+              <a:rPr lang="it-IT" dirty="0" err="1"/>
+              <a:t>shard</a:t>
+            </a:r>
+            <a:r>
+              <a:rPr lang="it-IT" dirty="0"/>
+              <a:t>.</a:t>
+            </a:r>
+          </a:p>
+          <a:p>
+            <a:r>
+              <a:rPr lang="it-IT" dirty="0"/>
+              <a:t>I </a:t>
+            </a:r>
+            <a:r>
+              <a:rPr lang="it-IT" dirty="0" err="1"/>
+              <a:t>cunk</a:t>
+            </a:r>
+            <a:r>
+              <a:rPr lang="it-IT" dirty="0"/>
+              <a:t> includono il limite inferiore ed escludono il limite superiore</a:t>
+            </a:r>
+            <a:r>
+              <a:rPr lang="it-IT" u="sng" dirty="0"/>
+              <a:t>. Se </a:t>
+            </a:r>
+            <a:r>
+              <a:rPr lang="it-IT" u="none" dirty="0"/>
+              <a:t> crescono oltre i 64MB </a:t>
+            </a:r>
+            <a:r>
+              <a:rPr lang="it-IT" u="none" dirty="0" err="1"/>
+              <a:t>mongodb</a:t>
+            </a:r>
+            <a:r>
+              <a:rPr lang="it-IT" u="none" dirty="0"/>
+              <a:t> divide i blocchi. Sempre </a:t>
+            </a:r>
+            <a:r>
+              <a:rPr lang="it-IT" u="none" dirty="0" err="1"/>
+              <a:t>mongodb</a:t>
+            </a:r>
+            <a:r>
+              <a:rPr lang="it-IT" u="none" dirty="0"/>
+              <a:t> migra i </a:t>
+            </a:r>
+            <a:r>
+              <a:rPr lang="it-IT" u="none" dirty="0" err="1"/>
+              <a:t>chunk</a:t>
+            </a:r>
+            <a:r>
+              <a:rPr lang="it-IT" u="none" dirty="0"/>
+              <a:t> se uno </a:t>
+            </a:r>
+            <a:r>
+              <a:rPr lang="it-IT" u="none" dirty="0" err="1"/>
+              <a:t>shard</a:t>
+            </a:r>
+            <a:r>
+              <a:rPr lang="it-IT" u="none" dirty="0"/>
+              <a:t> ha troppi blocchi rispetto ad un altro.</a:t>
+            </a:r>
+          </a:p>
+          <a:p>
+            <a:r>
+              <a:rPr lang="it-IT" u="none" dirty="0"/>
+              <a:t>La </a:t>
+            </a:r>
+            <a:r>
+              <a:rPr lang="it-IT" u="none" dirty="0" err="1"/>
+              <a:t>Shard</a:t>
+            </a:r>
+            <a:r>
+              <a:rPr lang="it-IT" u="none" dirty="0"/>
+              <a:t> key esiste in ogni documento e può essere composto</a:t>
+            </a:r>
+            <a:endParaRPr lang="it-IT" dirty="0"/>
+          </a:p>
+        </p:txBody>
+      </p:sp>
+      <p:sp>
+        <p:nvSpPr>
+          <p:cNvPr id="4" name="Segnaposto numero diapositiva 3"/>
+          <p:cNvSpPr>
+            <a:spLocks noGrp="1"/>
+          </p:cNvSpPr>
+          <p:nvPr>
+            <p:ph type="sldNum" sz="quarter" idx="5"/>
+          </p:nvPr>
+        </p:nvSpPr>
+        <p:spPr/>
+        <p:txBody>
+          <a:bodyPr/>
+          <a:lstStyle/>
+          <a:p>
+            <a:fld id="{7B9EF5EE-42ED-4142-B01A-B637985E9B70}" type="slidenum">
+              <a:rPr lang="it-IT" smtClean="0"/>
+              <a:t>23</a:t>
+            </a:fld>
+            <a:endParaRPr lang="it-IT"/>
+          </a:p>
+        </p:txBody>
+      </p:sp>
+    </p:spTree>
+    <p:extLst>
+      <p:ext uri="{BB962C8B-B14F-4D97-AF65-F5344CB8AC3E}">
+        <p14:creationId xmlns:p14="http://schemas.microsoft.com/office/powerpoint/2010/main" val="2777012221"/>
+      </p:ext>
+    </p:extLst>
+  </p:cSld>
+  <p:clrMapOvr>
+    <a:masterClrMapping/>
+  </p:clrMapOvr>
+</p:notes>
+</file>
+
+<file path=ppt/notesSlides/notesSlide14.xml><?xml version="1.0" encoding="utf-8"?>
+<p:notes xmlns:a="http://schemas.openxmlformats.org/drawingml/2006/main" xmlns:r="http://schemas.openxmlformats.org/officeDocument/2006/relationships" xmlns:p="http://schemas.openxmlformats.org/presentationml/2006/main">
+  <p:cSld>
+    <p:spTree>
+      <p:nvGrpSpPr>
+        <p:cNvPr id="1" name=""/>
+        <p:cNvGrpSpPr/>
+        <p:nvPr/>
+      </p:nvGrpSpPr>
+      <p:grpSpPr>
+        <a:xfrm>
+          <a:off x="0" y="0"/>
+          <a:ext cx="0" cy="0"/>
+          <a:chOff x="0" y="0"/>
+          <a:chExt cx="0" cy="0"/>
+        </a:xfrm>
+      </p:grpSpPr>
+      <p:sp>
+        <p:nvSpPr>
+          <p:cNvPr id="2" name="Segnaposto immagine diapositiva 1"/>
+          <p:cNvSpPr>
+            <a:spLocks noGrp="1" noRot="1" noChangeAspect="1"/>
+          </p:cNvSpPr>
+          <p:nvPr>
+            <p:ph type="sldImg"/>
+          </p:nvPr>
+        </p:nvSpPr>
+        <p:spPr/>
+      </p:sp>
+      <p:sp>
+        <p:nvSpPr>
+          <p:cNvPr id="3" name="Segnaposto note 2"/>
+          <p:cNvSpPr>
+            <a:spLocks noGrp="1"/>
+          </p:cNvSpPr>
+          <p:nvPr>
+            <p:ph type="body" idx="1"/>
+          </p:nvPr>
+        </p:nvSpPr>
+        <p:spPr/>
+        <p:txBody>
+          <a:bodyPr/>
+          <a:lstStyle/>
+          <a:p>
             <a:endParaRPr lang="it-IT" dirty="0"/>
           </a:p>
         </p:txBody>
@@ -1012,6 +1261,174 @@
             <a:fld id="{7B9EF5EE-42ED-4142-B01A-B637985E9B70}" type="slidenum">
               <a:rPr lang="it-IT" smtClean="0"/>
               <a:t>24</a:t>
+            </a:fld>
+            <a:endParaRPr lang="it-IT"/>
+          </a:p>
+        </p:txBody>
+      </p:sp>
+    </p:spTree>
+    <p:extLst>
+      <p:ext uri="{BB962C8B-B14F-4D97-AF65-F5344CB8AC3E}">
+        <p14:creationId xmlns:p14="http://schemas.microsoft.com/office/powerpoint/2010/main" val="2653099902"/>
+      </p:ext>
+    </p:extLst>
+  </p:cSld>
+  <p:clrMapOvr>
+    <a:masterClrMapping/>
+  </p:clrMapOvr>
+</p:notes>
+</file>
+
+<file path=ppt/notesSlides/notesSlide15.xml><?xml version="1.0" encoding="utf-8"?>
+<p:notes xmlns:a="http://schemas.openxmlformats.org/drawingml/2006/main" xmlns:r="http://schemas.openxmlformats.org/officeDocument/2006/relationships" xmlns:p="http://schemas.openxmlformats.org/presentationml/2006/main">
+  <p:cSld>
+    <p:spTree>
+      <p:nvGrpSpPr>
+        <p:cNvPr id="1" name=""/>
+        <p:cNvGrpSpPr/>
+        <p:nvPr/>
+      </p:nvGrpSpPr>
+      <p:grpSpPr>
+        <a:xfrm>
+          <a:off x="0" y="0"/>
+          <a:ext cx="0" cy="0"/>
+          <a:chOff x="0" y="0"/>
+          <a:chExt cx="0" cy="0"/>
+        </a:xfrm>
+      </p:grpSpPr>
+      <p:sp>
+        <p:nvSpPr>
+          <p:cNvPr id="2" name="Segnaposto immagine diapositiva 1"/>
+          <p:cNvSpPr>
+            <a:spLocks noGrp="1" noRot="1" noChangeAspect="1"/>
+          </p:cNvSpPr>
+          <p:nvPr>
+            <p:ph type="sldImg"/>
+          </p:nvPr>
+        </p:nvSpPr>
+        <p:spPr/>
+      </p:sp>
+      <p:sp>
+        <p:nvSpPr>
+          <p:cNvPr id="3" name="Segnaposto note 2"/>
+          <p:cNvSpPr>
+            <a:spLocks noGrp="1"/>
+          </p:cNvSpPr>
+          <p:nvPr>
+            <p:ph type="body" idx="1"/>
+          </p:nvPr>
+        </p:nvSpPr>
+        <p:spPr/>
+        <p:txBody>
+          <a:bodyPr/>
+          <a:lstStyle/>
+          <a:p>
+            <a:endParaRPr lang="it-IT" dirty="0"/>
+          </a:p>
+        </p:txBody>
+      </p:sp>
+      <p:sp>
+        <p:nvSpPr>
+          <p:cNvPr id="4" name="Segnaposto numero diapositiva 3"/>
+          <p:cNvSpPr>
+            <a:spLocks noGrp="1"/>
+          </p:cNvSpPr>
+          <p:nvPr>
+            <p:ph type="sldNum" sz="quarter" idx="5"/>
+          </p:nvPr>
+        </p:nvSpPr>
+        <p:spPr/>
+        <p:txBody>
+          <a:bodyPr/>
+          <a:lstStyle/>
+          <a:p>
+            <a:fld id="{7B9EF5EE-42ED-4142-B01A-B637985E9B70}" type="slidenum">
+              <a:rPr lang="it-IT" smtClean="0"/>
+              <a:t>25</a:t>
+            </a:fld>
+            <a:endParaRPr lang="it-IT"/>
+          </a:p>
+        </p:txBody>
+      </p:sp>
+    </p:spTree>
+    <p:extLst>
+      <p:ext uri="{BB962C8B-B14F-4D97-AF65-F5344CB8AC3E}">
+        <p14:creationId xmlns:p14="http://schemas.microsoft.com/office/powerpoint/2010/main" val="2886246986"/>
+      </p:ext>
+    </p:extLst>
+  </p:cSld>
+  <p:clrMapOvr>
+    <a:masterClrMapping/>
+  </p:clrMapOvr>
+</p:notes>
+</file>
+
+<file path=ppt/notesSlides/notesSlide16.xml><?xml version="1.0" encoding="utf-8"?>
+<p:notes xmlns:a="http://schemas.openxmlformats.org/drawingml/2006/main" xmlns:r="http://schemas.openxmlformats.org/officeDocument/2006/relationships" xmlns:p="http://schemas.openxmlformats.org/presentationml/2006/main">
+  <p:cSld>
+    <p:spTree>
+      <p:nvGrpSpPr>
+        <p:cNvPr id="1" name=""/>
+        <p:cNvGrpSpPr/>
+        <p:nvPr/>
+      </p:nvGrpSpPr>
+      <p:grpSpPr>
+        <a:xfrm>
+          <a:off x="0" y="0"/>
+          <a:ext cx="0" cy="0"/>
+          <a:chOff x="0" y="0"/>
+          <a:chExt cx="0" cy="0"/>
+        </a:xfrm>
+      </p:grpSpPr>
+      <p:sp>
+        <p:nvSpPr>
+          <p:cNvPr id="2" name="Segnaposto immagine diapositiva 1"/>
+          <p:cNvSpPr>
+            <a:spLocks noGrp="1" noRot="1" noChangeAspect="1"/>
+          </p:cNvSpPr>
+          <p:nvPr>
+            <p:ph type="sldImg"/>
+          </p:nvPr>
+        </p:nvSpPr>
+        <p:spPr/>
+      </p:sp>
+      <p:sp>
+        <p:nvSpPr>
+          <p:cNvPr id="3" name="Segnaposto note 2"/>
+          <p:cNvSpPr>
+            <a:spLocks noGrp="1"/>
+          </p:cNvSpPr>
+          <p:nvPr>
+            <p:ph type="body" idx="1"/>
+          </p:nvPr>
+        </p:nvSpPr>
+        <p:spPr/>
+        <p:txBody>
+          <a:bodyPr/>
+          <a:lstStyle/>
+          <a:p>
+            <a:endParaRPr lang="it-IT" dirty="0"/>
+          </a:p>
+        </p:txBody>
+      </p:sp>
+      <p:sp>
+        <p:nvSpPr>
+          <p:cNvPr id="4" name="Segnaposto numero diapositiva 3"/>
+          <p:cNvSpPr>
+            <a:spLocks noGrp="1"/>
+          </p:cNvSpPr>
+          <p:nvPr>
+            <p:ph type="sldNum" sz="quarter" idx="5"/>
+          </p:nvPr>
+        </p:nvSpPr>
+        <p:spPr/>
+        <p:txBody>
+          <a:bodyPr/>
+          <a:lstStyle/>
+          <a:p>
+            <a:fld id="{7B9EF5EE-42ED-4142-B01A-B637985E9B70}" type="slidenum">
+              <a:rPr lang="it-IT" smtClean="0"/>
+              <a:t>27</a:t>
             </a:fld>
             <a:endParaRPr lang="it-IT"/>
           </a:p>
@@ -2736,7 +3153,7 @@
           <a:p>
             <a:fld id="{5EEC1FBE-7A50-402B-9218-00262FCB5F53}" type="datetimeFigureOut">
               <a:rPr lang="it-IT" smtClean="0"/>
-              <a:t>05/04/2022</a:t>
+              <a:t>12/04/2022</a:t>
             </a:fld>
             <a:endParaRPr lang="it-IT"/>
           </a:p>
@@ -2987,7 +3404,7 @@
           <a:p>
             <a:fld id="{5EEC1FBE-7A50-402B-9218-00262FCB5F53}" type="datetimeFigureOut">
               <a:rPr lang="it-IT" smtClean="0"/>
-              <a:t>05/04/2022</a:t>
+              <a:t>12/04/2022</a:t>
             </a:fld>
             <a:endParaRPr lang="it-IT"/>
           </a:p>
@@ -3301,7 +3718,7 @@
           <a:p>
             <a:fld id="{5EEC1FBE-7A50-402B-9218-00262FCB5F53}" type="datetimeFigureOut">
               <a:rPr lang="it-IT" smtClean="0"/>
-              <a:t>05/04/2022</a:t>
+              <a:t>12/04/2022</a:t>
             </a:fld>
             <a:endParaRPr lang="it-IT"/>
           </a:p>
@@ -3642,7 +4059,7 @@
           <a:p>
             <a:fld id="{5EEC1FBE-7A50-402B-9218-00262FCB5F53}" type="datetimeFigureOut">
               <a:rPr lang="it-IT" smtClean="0"/>
-              <a:t>05/04/2022</a:t>
+              <a:t>12/04/2022</a:t>
             </a:fld>
             <a:endParaRPr lang="it-IT"/>
           </a:p>
@@ -3956,7 +4373,7 @@
           <a:p>
             <a:fld id="{5EEC1FBE-7A50-402B-9218-00262FCB5F53}" type="datetimeFigureOut">
               <a:rPr lang="it-IT" smtClean="0"/>
-              <a:t>05/04/2022</a:t>
+              <a:t>12/04/2022</a:t>
             </a:fld>
             <a:endParaRPr lang="it-IT"/>
           </a:p>
@@ -4349,7 +4766,7 @@
           <a:p>
             <a:fld id="{5EEC1FBE-7A50-402B-9218-00262FCB5F53}" type="datetimeFigureOut">
               <a:rPr lang="it-IT" smtClean="0"/>
-              <a:t>05/04/2022</a:t>
+              <a:t>12/04/2022</a:t>
             </a:fld>
             <a:endParaRPr lang="it-IT"/>
           </a:p>
@@ -4519,7 +4936,7 @@
           <a:p>
             <a:fld id="{5EEC1FBE-7A50-402B-9218-00262FCB5F53}" type="datetimeFigureOut">
               <a:rPr lang="it-IT" smtClean="0"/>
-              <a:t>05/04/2022</a:t>
+              <a:t>12/04/2022</a:t>
             </a:fld>
             <a:endParaRPr lang="it-IT"/>
           </a:p>
@@ -4699,7 +5116,7 @@
           <a:p>
             <a:fld id="{5EEC1FBE-7A50-402B-9218-00262FCB5F53}" type="datetimeFigureOut">
               <a:rPr lang="it-IT" smtClean="0"/>
-              <a:t>05/04/2022</a:t>
+              <a:t>12/04/2022</a:t>
             </a:fld>
             <a:endParaRPr lang="it-IT"/>
           </a:p>
@@ -4875,7 +5292,7 @@
           <a:p>
             <a:fld id="{5EEC1FBE-7A50-402B-9218-00262FCB5F53}" type="datetimeFigureOut">
               <a:rPr lang="it-IT" smtClean="0"/>
-              <a:t>05/04/2022</a:t>
+              <a:t>12/04/2022</a:t>
             </a:fld>
             <a:endParaRPr lang="it-IT"/>
           </a:p>
@@ -5122,7 +5539,7 @@
           <a:p>
             <a:fld id="{5EEC1FBE-7A50-402B-9218-00262FCB5F53}" type="datetimeFigureOut">
               <a:rPr lang="it-IT" smtClean="0"/>
-              <a:t>05/04/2022</a:t>
+              <a:t>12/04/2022</a:t>
             </a:fld>
             <a:endParaRPr lang="it-IT"/>
           </a:p>
@@ -5354,7 +5771,7 @@
           <a:p>
             <a:fld id="{5EEC1FBE-7A50-402B-9218-00262FCB5F53}" type="datetimeFigureOut">
               <a:rPr lang="it-IT" smtClean="0"/>
-              <a:t>05/04/2022</a:t>
+              <a:t>12/04/2022</a:t>
             </a:fld>
             <a:endParaRPr lang="it-IT"/>
           </a:p>
@@ -5728,7 +6145,7 @@
           <a:p>
             <a:fld id="{5EEC1FBE-7A50-402B-9218-00262FCB5F53}" type="datetimeFigureOut">
               <a:rPr lang="it-IT" smtClean="0"/>
-              <a:t>05/04/2022</a:t>
+              <a:t>12/04/2022</a:t>
             </a:fld>
             <a:endParaRPr lang="it-IT"/>
           </a:p>
@@ -5851,7 +6268,7 @@
           <a:p>
             <a:fld id="{5EEC1FBE-7A50-402B-9218-00262FCB5F53}" type="datetimeFigureOut">
               <a:rPr lang="it-IT" smtClean="0"/>
-              <a:t>05/04/2022</a:t>
+              <a:t>12/04/2022</a:t>
             </a:fld>
             <a:endParaRPr lang="it-IT"/>
           </a:p>
@@ -5946,7 +6363,7 @@
           <a:p>
             <a:fld id="{5EEC1FBE-7A50-402B-9218-00262FCB5F53}" type="datetimeFigureOut">
               <a:rPr lang="it-IT" smtClean="0"/>
-              <a:t>05/04/2022</a:t>
+              <a:t>12/04/2022</a:t>
             </a:fld>
             <a:endParaRPr lang="it-IT"/>
           </a:p>
@@ -6201,7 +6618,7 @@
           <a:p>
             <a:fld id="{5EEC1FBE-7A50-402B-9218-00262FCB5F53}" type="datetimeFigureOut">
               <a:rPr lang="it-IT" smtClean="0"/>
-              <a:t>05/04/2022</a:t>
+              <a:t>12/04/2022</a:t>
             </a:fld>
             <a:endParaRPr lang="it-IT"/>
           </a:p>
@@ -6464,7 +6881,7 @@
           <a:p>
             <a:fld id="{5EEC1FBE-7A50-402B-9218-00262FCB5F53}" type="datetimeFigureOut">
               <a:rPr lang="it-IT" smtClean="0"/>
-              <a:t>05/04/2022</a:t>
+              <a:t>12/04/2022</a:t>
             </a:fld>
             <a:endParaRPr lang="it-IT"/>
           </a:p>
@@ -7207,7 +7624,7 @@
           <a:p>
             <a:fld id="{5EEC1FBE-7A50-402B-9218-00262FCB5F53}" type="datetimeFigureOut">
               <a:rPr lang="it-IT" smtClean="0"/>
-              <a:t>05/04/2022</a:t>
+              <a:t>12/04/2022</a:t>
             </a:fld>
             <a:endParaRPr lang="it-IT"/>
           </a:p>
@@ -11959,7 +12376,12 @@
             <p:ph type="title"/>
           </p:nvPr>
         </p:nvSpPr>
-        <p:spPr/>
+        <p:spPr>
+          <a:xfrm>
+            <a:off x="87787" y="57645"/>
+            <a:ext cx="9742013" cy="1320800"/>
+          </a:xfrm>
+        </p:spPr>
         <p:txBody>
           <a:bodyPr/>
           <a:lstStyle/>
@@ -11970,8 +12392,13 @@
             </a:r>
             <a:r>
               <a:rPr lang="it-IT" dirty="0"/>
-              <a:t> keys: (da completare)</a:t>
-            </a:r>
+              <a:t> keys: come suddivido i dati nei diversi </a:t>
+            </a:r>
+            <a:r>
+              <a:rPr lang="it-IT" dirty="0" err="1"/>
+              <a:t>shard</a:t>
+            </a:r>
+            <a:endParaRPr lang="it-IT" dirty="0"/>
           </a:p>
         </p:txBody>
       </p:sp>
@@ -11993,88 +12420,233 @@
         </p:nvSpPr>
         <p:spPr>
           <a:xfrm>
-            <a:off x="677334" y="1264906"/>
-            <a:ext cx="8596668" cy="1320800"/>
+            <a:off x="677333" y="1264905"/>
+            <a:ext cx="8996055" cy="2320505"/>
           </a:xfrm>
         </p:spPr>
         <p:txBody>
           <a:bodyPr>
-            <a:normAutofit fontScale="92500" lnSpcReduction="20000"/>
+            <a:normAutofit fontScale="62500" lnSpcReduction="20000"/>
           </a:bodyPr>
           <a:lstStyle/>
           <a:p>
             <a:r>
-              <a:rPr lang="it-IT" dirty="0" err="1"/>
+              <a:rPr lang="it-IT" sz="3200" dirty="0" err="1"/>
               <a:t>MongoDB</a:t>
             </a:r>
             <a:r>
-              <a:rPr lang="it-IT" dirty="0"/>
+              <a:rPr lang="it-IT" sz="3200" dirty="0"/>
               <a:t> organizza i dati a livello di Collection e le distribuisce tra gli </a:t>
             </a:r>
             <a:r>
-              <a:rPr lang="it-IT" dirty="0" err="1"/>
+              <a:rPr lang="it-IT" sz="3200" dirty="0" err="1"/>
               <a:t>shard</a:t>
             </a:r>
             <a:r>
-              <a:rPr lang="it-IT" dirty="0"/>
+              <a:rPr lang="it-IT" sz="3200" dirty="0"/>
               <a:t> nel cluster.</a:t>
             </a:r>
           </a:p>
           <a:p>
             <a:r>
-              <a:rPr lang="it-IT" dirty="0"/>
+              <a:rPr lang="it-IT" sz="3200" dirty="0"/>
               <a:t>Usa gli </a:t>
             </a:r>
             <a:r>
-              <a:rPr lang="it-IT" dirty="0" err="1"/>
+              <a:rPr lang="it-IT" sz="3200" dirty="0" err="1"/>
               <a:t>shard</a:t>
             </a:r>
             <a:r>
-              <a:rPr lang="it-IT" dirty="0"/>
-              <a:t> key per distribuire le collezioni di documenti. Queste key consistono in un o più campi nei documenti coperti da un indice composto che determina la distribuzione della collezione di documenti lungo il cluster</a:t>
-            </a:r>
-          </a:p>
-        </p:txBody>
-      </p:sp>
-      <p:pic>
-        <p:nvPicPr>
-          <p:cNvPr id="5" name="Elemento grafico 4">
+              <a:rPr lang="it-IT" sz="3200" dirty="0"/>
+              <a:t> key per distribuire le collezioni di documenti. Queste key consistono in un o più campi nei documenti con un indice composto da uno o più campi che determina la distribuzione della collezione di documenti lungo il cluster.</a:t>
+            </a:r>
+          </a:p>
+          <a:p>
+            <a:pPr lvl="1"/>
+            <a:r>
+              <a:rPr lang="it-IT" sz="3200" dirty="0"/>
+              <a:t>Es indice composto :</a:t>
+            </a:r>
+            <a:r>
+              <a:rPr lang="it-IT" sz="3200" dirty="0">
+                <a:solidFill>
+                  <a:schemeClr val="accent2"/>
+                </a:solidFill>
+              </a:rPr>
+              <a:t> </a:t>
+            </a:r>
+            <a:r>
+              <a:rPr kumimoji="0" lang="it-IT" altLang="it-IT" sz="3200" b="0" i="0" u="none" strike="noStrike" cap="none" normalizeH="0" baseline="0" dirty="0" err="1">
+                <a:ln>
+                  <a:noFill/>
+                </a:ln>
+                <a:solidFill>
+                  <a:schemeClr val="accent2"/>
+                </a:solidFill>
+                <a:effectLst/>
+                <a:latin typeface="Arial Unicode MS"/>
+              </a:rPr>
+              <a:t>db.products.createIndex</a:t>
+            </a:r>
+            <a:r>
+              <a:rPr kumimoji="0" lang="it-IT" altLang="it-IT" sz="3200" b="0" i="0" u="none" strike="noStrike" cap="none" normalizeH="0" baseline="0" dirty="0">
+                <a:ln>
+                  <a:noFill/>
+                </a:ln>
+                <a:solidFill>
+                  <a:schemeClr val="accent2"/>
+                </a:solidFill>
+                <a:effectLst/>
+                <a:latin typeface="Arial Unicode MS"/>
+              </a:rPr>
+              <a:t>( { "item": 1, "stock": 1 } )</a:t>
+            </a:r>
+            <a:r>
+              <a:rPr kumimoji="0" lang="it-IT" altLang="it-IT" sz="3200" b="0" i="0" u="none" strike="noStrike" cap="none" normalizeH="0" baseline="0" dirty="0">
+                <a:ln>
+                  <a:noFill/>
+                </a:ln>
+                <a:solidFill>
+                  <a:schemeClr val="accent2"/>
+                </a:solidFill>
+                <a:effectLst/>
+              </a:rPr>
+              <a:t> </a:t>
+            </a:r>
+            <a:endParaRPr kumimoji="0" lang="it-IT" altLang="it-IT" sz="3200" b="0" i="0" u="none" strike="noStrike" cap="none" normalizeH="0" baseline="0" dirty="0">
+              <a:ln>
+                <a:noFill/>
+              </a:ln>
+              <a:solidFill>
+                <a:schemeClr val="accent2"/>
+              </a:solidFill>
+              <a:effectLst/>
+              <a:latin typeface="Arial" panose="020B0604020202020204" pitchFamily="34" charset="0"/>
+            </a:endParaRPr>
+          </a:p>
+          <a:p>
+            <a:pPr lvl="1"/>
+            <a:endParaRPr lang="it-IT" dirty="0"/>
+          </a:p>
+        </p:txBody>
+      </p:sp>
+      <p:sp>
+        <p:nvSpPr>
+          <p:cNvPr id="7" name="CasellaDiTesto 6">
             <a:extLst>
               <a:ext uri="{FF2B5EF4-FFF2-40B4-BE49-F238E27FC236}">
-                <a16:creationId xmlns:a16="http://schemas.microsoft.com/office/drawing/2014/main" id="{ED665132-C692-4E34-B9E8-F3760B388987}"/>
+                <a16:creationId xmlns:a16="http://schemas.microsoft.com/office/drawing/2014/main" id="{55BC4D2B-DFD4-47FA-B253-1DFDCECF4DC0}"/>
               </a:ext>
             </a:extLst>
           </p:cNvPr>
-          <p:cNvPicPr>
-            <a:picLocks noChangeAspect="1"/>
-          </p:cNvPicPr>
+          <p:cNvSpPr txBox="1"/>
           <p:nvPr/>
-        </p:nvPicPr>
-        <p:blipFill>
-          <a:blip r:embed="rId2">
-            <a:extLst>
-              <a:ext uri="{28A0092B-C50C-407E-A947-70E740481C1C}">
-                <a14:useLocalDpi xmlns:a14="http://schemas.microsoft.com/office/drawing/2010/main" val="0"/>
-              </a:ext>
-              <a:ext uri="{96DAC541-7B7A-43D3-8B79-37D633B846F1}">
-                <asvg:svgBlip xmlns:asvg="http://schemas.microsoft.com/office/drawing/2016/SVG/main" r:embed="rId3"/>
-              </a:ext>
-            </a:extLst>
-          </a:blip>
-          <a:stretch>
-            <a:fillRect/>
-          </a:stretch>
-        </p:blipFill>
+        </p:nvSpPr>
         <p:spPr>
           <a:xfrm>
-            <a:off x="832253" y="2815809"/>
-            <a:ext cx="7722200" cy="2381250"/>
+            <a:off x="2785308" y="3585410"/>
+            <a:ext cx="6100010" cy="2554545"/>
           </a:xfrm>
           <a:prstGeom prst="rect">
             <a:avLst/>
           </a:prstGeom>
+          <a:noFill/>
         </p:spPr>
-      </p:pic>
+        <p:txBody>
+          <a:bodyPr wrap="square">
+            <a:spAutoFit/>
+          </a:bodyPr>
+          <a:lstStyle/>
+          <a:p>
+            <a:r>
+              <a:rPr lang="it-IT" sz="2000" dirty="0"/>
+              <a:t>{</a:t>
+            </a:r>
+          </a:p>
+          <a:p>
+            <a:r>
+              <a:rPr lang="it-IT" sz="2000" dirty="0"/>
+              <a:t> "_id": </a:t>
+            </a:r>
+            <a:r>
+              <a:rPr lang="it-IT" sz="2000" dirty="0" err="1"/>
+              <a:t>ObjectId</a:t>
+            </a:r>
+            <a:r>
+              <a:rPr lang="it-IT" sz="2000" dirty="0"/>
+              <a:t>(...),</a:t>
+            </a:r>
+          </a:p>
+          <a:p>
+            <a:r>
+              <a:rPr lang="it-IT" sz="2000" dirty="0"/>
+              <a:t> "item": "Banana",</a:t>
+            </a:r>
+          </a:p>
+          <a:p>
+            <a:r>
+              <a:rPr lang="it-IT" sz="2000" dirty="0"/>
+              <a:t> "</a:t>
+            </a:r>
+            <a:r>
+              <a:rPr lang="it-IT" sz="2000" dirty="0" err="1"/>
+              <a:t>category</a:t>
+            </a:r>
+            <a:r>
+              <a:rPr lang="it-IT" sz="2000" dirty="0"/>
+              <a:t>": ["food", "produce", "</a:t>
+            </a:r>
+            <a:r>
+              <a:rPr lang="it-IT" sz="2000" dirty="0" err="1"/>
+              <a:t>grocery</a:t>
+            </a:r>
+            <a:r>
+              <a:rPr lang="it-IT" sz="2000" dirty="0"/>
+              <a:t>"],</a:t>
+            </a:r>
+          </a:p>
+          <a:p>
+            <a:r>
+              <a:rPr lang="it-IT" sz="2000" dirty="0"/>
+              <a:t> "location": "4th Street Store",</a:t>
+            </a:r>
+          </a:p>
+          <a:p>
+            <a:r>
+              <a:rPr lang="it-IT" sz="2000" dirty="0"/>
+              <a:t> "stock": 4,</a:t>
+            </a:r>
+          </a:p>
+          <a:p>
+            <a:r>
+              <a:rPr lang="it-IT" sz="2000" dirty="0"/>
+              <a:t> "</a:t>
+            </a:r>
+            <a:r>
+              <a:rPr lang="it-IT" sz="2000" dirty="0" err="1"/>
+              <a:t>type</a:t>
+            </a:r>
+            <a:r>
+              <a:rPr lang="it-IT" sz="2000" dirty="0"/>
+              <a:t>": "</a:t>
+            </a:r>
+            <a:r>
+              <a:rPr lang="it-IT" sz="2000" dirty="0" err="1"/>
+              <a:t>cases</a:t>
+            </a:r>
+            <a:r>
+              <a:rPr lang="it-IT" sz="2000" dirty="0"/>
+              <a:t>"</a:t>
+            </a:r>
+          </a:p>
+          <a:p>
+            <a:r>
+              <a:rPr lang="it-IT" sz="2000" dirty="0"/>
+              <a:t>}</a:t>
+            </a:r>
+          </a:p>
+        </p:txBody>
+      </p:sp>
     </p:spTree>
     <p:extLst>
       <p:ext uri="{BB962C8B-B14F-4D97-AF65-F5344CB8AC3E}">
@@ -12089,6 +12661,618 @@
 </file>
 
 <file path=ppt/slides/slide24.xml><?xml version="1.0" encoding="utf-8"?>
+<p:sld xmlns:a="http://schemas.openxmlformats.org/drawingml/2006/main" xmlns:r="http://schemas.openxmlformats.org/officeDocument/2006/relationships" xmlns:p="http://schemas.openxmlformats.org/presentationml/2006/main">
+  <p:cSld>
+    <p:spTree>
+      <p:nvGrpSpPr>
+        <p:cNvPr id="1" name=""/>
+        <p:cNvGrpSpPr/>
+        <p:nvPr/>
+      </p:nvGrpSpPr>
+      <p:grpSpPr>
+        <a:xfrm>
+          <a:off x="0" y="0"/>
+          <a:ext cx="0" cy="0"/>
+          <a:chOff x="0" y="0"/>
+          <a:chExt cx="0" cy="0"/>
+        </a:xfrm>
+      </p:grpSpPr>
+      <p:sp>
+        <p:nvSpPr>
+          <p:cNvPr id="2" name="Titolo 1">
+            <a:extLst>
+              <a:ext uri="{FF2B5EF4-FFF2-40B4-BE49-F238E27FC236}">
+                <a16:creationId xmlns:a16="http://schemas.microsoft.com/office/drawing/2014/main" id="{0071A0E2-4C81-4F2B-AAED-6970830A9B89}"/>
+              </a:ext>
+            </a:extLst>
+          </p:cNvPr>
+          <p:cNvSpPr>
+            <a:spLocks noGrp="1"/>
+          </p:cNvSpPr>
+          <p:nvPr>
+            <p:ph type="title"/>
+          </p:nvPr>
+        </p:nvSpPr>
+        <p:spPr>
+          <a:xfrm>
+            <a:off x="147944" y="156238"/>
+            <a:ext cx="8596668" cy="1320800"/>
+          </a:xfrm>
+        </p:spPr>
+        <p:txBody>
+          <a:bodyPr/>
+          <a:lstStyle/>
+          <a:p>
+            <a:r>
+              <a:rPr lang="it-IT" dirty="0"/>
+              <a:t>Utilizzo dei </a:t>
+            </a:r>
+            <a:r>
+              <a:rPr lang="it-IT" dirty="0" err="1"/>
+              <a:t>chunk</a:t>
+            </a:r>
+            <a:endParaRPr lang="it-IT" dirty="0"/>
+          </a:p>
+        </p:txBody>
+      </p:sp>
+      <p:sp>
+        <p:nvSpPr>
+          <p:cNvPr id="3" name="Segnaposto contenuto 2">
+            <a:extLst>
+              <a:ext uri="{FF2B5EF4-FFF2-40B4-BE49-F238E27FC236}">
+                <a16:creationId xmlns:a16="http://schemas.microsoft.com/office/drawing/2014/main" id="{D3C42596-CA63-40BA-9EE0-35F215FE4E02}"/>
+              </a:ext>
+            </a:extLst>
+          </p:cNvPr>
+          <p:cNvSpPr>
+            <a:spLocks noGrp="1"/>
+          </p:cNvSpPr>
+          <p:nvPr>
+            <p:ph idx="1"/>
+          </p:nvPr>
+        </p:nvSpPr>
+        <p:spPr>
+          <a:xfrm>
+            <a:off x="147944" y="981495"/>
+            <a:ext cx="9970614" cy="4324431"/>
+          </a:xfrm>
+        </p:spPr>
+        <p:txBody>
+          <a:bodyPr/>
+          <a:lstStyle/>
+          <a:p>
+            <a:r>
+              <a:rPr lang="it-IT" dirty="0"/>
+              <a:t>Quando scelgo la </a:t>
+            </a:r>
+            <a:r>
+              <a:rPr lang="it-IT" dirty="0" err="1"/>
+              <a:t>shard</a:t>
+            </a:r>
+            <a:r>
+              <a:rPr lang="it-IT" dirty="0"/>
+              <a:t> key e faccio lo </a:t>
+            </a:r>
+            <a:r>
+              <a:rPr lang="it-IT" dirty="0" err="1"/>
+              <a:t>shard</a:t>
+            </a:r>
+            <a:r>
+              <a:rPr lang="it-IT" dirty="0"/>
+              <a:t> della collezione, viene creato il </a:t>
+            </a:r>
+            <a:r>
+              <a:rPr lang="it-IT" dirty="0" err="1"/>
+              <a:t>chunk</a:t>
+            </a:r>
+            <a:r>
+              <a:rPr lang="it-IT" dirty="0"/>
+              <a:t> iniziale con tutti i valori delle </a:t>
+            </a:r>
+            <a:r>
+              <a:rPr lang="it-IT" dirty="0" err="1"/>
+              <a:t>shard</a:t>
+            </a:r>
+            <a:r>
+              <a:rPr lang="it-IT" dirty="0"/>
+              <a:t> key. Il numero di </a:t>
+            </a:r>
+            <a:r>
+              <a:rPr lang="it-IT" dirty="0" err="1"/>
+              <a:t>chunks</a:t>
+            </a:r>
+            <a:r>
+              <a:rPr lang="it-IT" dirty="0"/>
+              <a:t> creati dipende dalla configurazione che ho scelto. Successivamente, il </a:t>
+            </a:r>
+            <a:r>
+              <a:rPr lang="it-IT" dirty="0" err="1"/>
+              <a:t>Balancer</a:t>
+            </a:r>
+            <a:r>
+              <a:rPr lang="it-IT" dirty="0"/>
+              <a:t> migra i blocchi nei diversi </a:t>
+            </a:r>
+            <a:r>
+              <a:rPr lang="it-IT" dirty="0" err="1"/>
+              <a:t>shard</a:t>
+            </a:r>
+            <a:r>
+              <a:rPr lang="it-IT" dirty="0"/>
+              <a:t>.</a:t>
+            </a:r>
+          </a:p>
+          <a:p>
+            <a:r>
+              <a:rPr lang="it-IT" dirty="0"/>
+              <a:t>Il </a:t>
+            </a:r>
+            <a:r>
+              <a:rPr lang="it-IT" dirty="0" err="1"/>
+              <a:t>chunk</a:t>
+            </a:r>
+            <a:r>
+              <a:rPr lang="it-IT" dirty="0"/>
+              <a:t> definisce un intervallo continuo di </a:t>
+            </a:r>
+            <a:r>
+              <a:rPr lang="it-IT" dirty="0" err="1"/>
+              <a:t>shard</a:t>
+            </a:r>
+            <a:r>
+              <a:rPr lang="it-IT" dirty="0"/>
+              <a:t> key all’interno di un particolare </a:t>
+            </a:r>
+            <a:r>
+              <a:rPr lang="it-IT" dirty="0" err="1"/>
+              <a:t>shard</a:t>
+            </a:r>
+            <a:r>
+              <a:rPr lang="it-IT" dirty="0"/>
+              <a:t>. Il </a:t>
+            </a:r>
+            <a:r>
+              <a:rPr lang="it-IT" dirty="0" err="1"/>
+              <a:t>chunk</a:t>
+            </a:r>
+            <a:r>
+              <a:rPr lang="it-IT" dirty="0"/>
+              <a:t> serve principalmente per ribilanciare gli </a:t>
+            </a:r>
+            <a:r>
+              <a:rPr lang="it-IT" dirty="0" err="1"/>
+              <a:t>shard</a:t>
+            </a:r>
+            <a:r>
+              <a:rPr lang="it-IT" dirty="0"/>
+              <a:t>.</a:t>
+            </a:r>
+          </a:p>
+          <a:p>
+            <a:r>
+              <a:rPr lang="it-IT" dirty="0" err="1"/>
+              <a:t>MongoDB</a:t>
+            </a:r>
+            <a:r>
+              <a:rPr lang="it-IT" dirty="0"/>
+              <a:t> divide i </a:t>
+            </a:r>
+            <a:r>
+              <a:rPr lang="it-IT" dirty="0" err="1"/>
+              <a:t>chunk</a:t>
+            </a:r>
+            <a:r>
+              <a:rPr lang="it-IT" dirty="0"/>
+              <a:t> quando crescono oltre un certo </a:t>
+            </a:r>
+            <a:r>
+              <a:rPr lang="it-IT" dirty="0" err="1"/>
+              <a:t>threshold</a:t>
+            </a:r>
+            <a:r>
+              <a:rPr lang="it-IT" dirty="0"/>
+              <a:t> oppure oltre la soglia predefinita di 64MB. Questi split posso portare ad una distribuzione non uniforme di una collezione tra gli </a:t>
+            </a:r>
+            <a:r>
+              <a:rPr lang="it-IT" dirty="0" err="1"/>
+              <a:t>shard</a:t>
+            </a:r>
+            <a:r>
+              <a:rPr lang="it-IT" dirty="0"/>
+              <a:t>, allora in questi casi un bilanciatore ridistribuisce i </a:t>
+            </a:r>
+            <a:r>
+              <a:rPr lang="it-IT" dirty="0" err="1"/>
+              <a:t>chunks</a:t>
+            </a:r>
+            <a:r>
+              <a:rPr lang="it-IT" dirty="0"/>
+              <a:t> lungo gli </a:t>
+            </a:r>
+            <a:r>
+              <a:rPr lang="it-IT" dirty="0" err="1"/>
+              <a:t>shards</a:t>
+            </a:r>
+            <a:r>
+              <a:rPr lang="it-IT" dirty="0"/>
+              <a:t>.</a:t>
+            </a:r>
+          </a:p>
+        </p:txBody>
+      </p:sp>
+      <p:pic>
+        <p:nvPicPr>
+          <p:cNvPr id="5" name="Elemento grafico 4">
+            <a:extLst>
+              <a:ext uri="{FF2B5EF4-FFF2-40B4-BE49-F238E27FC236}">
+                <a16:creationId xmlns:a16="http://schemas.microsoft.com/office/drawing/2014/main" id="{F0B54F8E-C888-428B-BC0F-042BE4C7A14A}"/>
+              </a:ext>
+            </a:extLst>
+          </p:cNvPr>
+          <p:cNvPicPr>
+            <a:picLocks noChangeAspect="1"/>
+          </p:cNvPicPr>
+          <p:nvPr/>
+        </p:nvPicPr>
+        <p:blipFill>
+          <a:blip r:embed="rId3">
+            <a:extLst>
+              <a:ext uri="{28A0092B-C50C-407E-A947-70E740481C1C}">
+                <a14:useLocalDpi xmlns:a14="http://schemas.microsoft.com/office/drawing/2010/main" val="0"/>
+              </a:ext>
+              <a:ext uri="{96DAC541-7B7A-43D3-8B79-37D633B846F1}">
+                <asvg:svgBlip xmlns:asvg="http://schemas.microsoft.com/office/drawing/2016/SVG/main" r:embed="rId4"/>
+              </a:ext>
+            </a:extLst>
+          </a:blip>
+          <a:stretch>
+            <a:fillRect/>
+          </a:stretch>
+        </p:blipFill>
+        <p:spPr>
+          <a:xfrm>
+            <a:off x="3440300" y="3567340"/>
+            <a:ext cx="4829405" cy="3477171"/>
+          </a:xfrm>
+          <a:prstGeom prst="rect">
+            <a:avLst/>
+          </a:prstGeom>
+        </p:spPr>
+      </p:pic>
+    </p:spTree>
+    <p:extLst>
+      <p:ext uri="{BB962C8B-B14F-4D97-AF65-F5344CB8AC3E}">
+        <p14:creationId xmlns:p14="http://schemas.microsoft.com/office/powerpoint/2010/main" val="2500176289"/>
+      </p:ext>
+    </p:extLst>
+  </p:cSld>
+  <p:clrMapOvr>
+    <a:masterClrMapping/>
+  </p:clrMapOvr>
+</p:sld>
+</file>
+
+<file path=ppt/slides/slide25.xml><?xml version="1.0" encoding="utf-8"?>
+<p:sld xmlns:a="http://schemas.openxmlformats.org/drawingml/2006/main" xmlns:r="http://schemas.openxmlformats.org/officeDocument/2006/relationships" xmlns:p="http://schemas.openxmlformats.org/presentationml/2006/main">
+  <p:cSld>
+    <p:spTree>
+      <p:nvGrpSpPr>
+        <p:cNvPr id="1" name=""/>
+        <p:cNvGrpSpPr/>
+        <p:nvPr/>
+      </p:nvGrpSpPr>
+      <p:grpSpPr>
+        <a:xfrm>
+          <a:off x="0" y="0"/>
+          <a:ext cx="0" cy="0"/>
+          <a:chOff x="0" y="0"/>
+          <a:chExt cx="0" cy="0"/>
+        </a:xfrm>
+      </p:grpSpPr>
+      <p:sp>
+        <p:nvSpPr>
+          <p:cNvPr id="2" name="Titolo 1">
+            <a:extLst>
+              <a:ext uri="{FF2B5EF4-FFF2-40B4-BE49-F238E27FC236}">
+                <a16:creationId xmlns:a16="http://schemas.microsoft.com/office/drawing/2014/main" id="{DDBB71C6-3B4E-4A58-8BDC-730B4263DD36}"/>
+              </a:ext>
+            </a:extLst>
+          </p:cNvPr>
+          <p:cNvSpPr>
+            <a:spLocks noGrp="1"/>
+          </p:cNvSpPr>
+          <p:nvPr>
+            <p:ph type="title"/>
+          </p:nvPr>
+        </p:nvSpPr>
+        <p:spPr/>
+        <p:txBody>
+          <a:bodyPr/>
+          <a:lstStyle/>
+          <a:p>
+            <a:r>
+              <a:rPr lang="it-IT" dirty="0"/>
+              <a:t>Scegliere </a:t>
+            </a:r>
+            <a:r>
+              <a:rPr lang="it-IT" dirty="0" err="1"/>
+              <a:t>shard</a:t>
+            </a:r>
+            <a:r>
+              <a:rPr lang="it-IT" dirty="0"/>
+              <a:t> key</a:t>
+            </a:r>
+          </a:p>
+        </p:txBody>
+      </p:sp>
+      <p:sp>
+        <p:nvSpPr>
+          <p:cNvPr id="3" name="Segnaposto contenuto 2">
+            <a:extLst>
+              <a:ext uri="{FF2B5EF4-FFF2-40B4-BE49-F238E27FC236}">
+                <a16:creationId xmlns:a16="http://schemas.microsoft.com/office/drawing/2014/main" id="{3B09BB48-08E3-4802-AD4E-7CE635C2842C}"/>
+              </a:ext>
+            </a:extLst>
+          </p:cNvPr>
+          <p:cNvSpPr>
+            <a:spLocks noGrp="1"/>
+          </p:cNvSpPr>
+          <p:nvPr>
+            <p:ph idx="1"/>
+          </p:nvPr>
+        </p:nvSpPr>
+        <p:spPr>
+          <a:xfrm>
+            <a:off x="677334" y="1488613"/>
+            <a:ext cx="8596668" cy="3880773"/>
+          </a:xfrm>
+        </p:spPr>
+        <p:txBody>
+          <a:bodyPr/>
+          <a:lstStyle/>
+          <a:p>
+            <a:r>
+              <a:rPr lang="it-IT" dirty="0"/>
+              <a:t>influisce sulla creazione e distribuzione di blocchi tra gli </a:t>
+            </a:r>
+            <a:r>
+              <a:rPr lang="it-IT" dirty="0" err="1"/>
+              <a:t>shard</a:t>
+            </a:r>
+            <a:r>
+              <a:rPr lang="it-IT" dirty="0"/>
+              <a:t> disponibili. La distribuzione dei dati influisce sull'efficienza e sulle prestazioni delle operazioni all'interno del cluster partizionato.</a:t>
+            </a:r>
+          </a:p>
+          <a:p>
+            <a:r>
+              <a:rPr lang="it-IT" dirty="0"/>
+              <a:t>La chiave </a:t>
+            </a:r>
+            <a:r>
+              <a:rPr lang="it-IT" dirty="0" err="1"/>
+              <a:t>shard</a:t>
+            </a:r>
+            <a:r>
+              <a:rPr lang="it-IT" dirty="0"/>
+              <a:t> ideale consente a </a:t>
+            </a:r>
+            <a:r>
+              <a:rPr lang="it-IT" dirty="0" err="1"/>
+              <a:t>MongoDB</a:t>
+            </a:r>
+            <a:r>
+              <a:rPr lang="it-IT" dirty="0"/>
+              <a:t> di distribuire i documenti in modo uniforme in tutto il cluster, facilitando anche i modelli di query comuni.</a:t>
+            </a:r>
+          </a:p>
+          <a:p>
+            <a:pPr>
+              <a:buFont typeface="Arial" panose="020B0604020202020204" pitchFamily="34" charset="0"/>
+              <a:buChar char="•"/>
+            </a:pPr>
+            <a:r>
+              <a:rPr lang="en-US" dirty="0"/>
+              <a:t>the </a:t>
+            </a:r>
+            <a:r>
+              <a:rPr lang="en-US" dirty="0">
+                <a:hlinkClick r:id="rId3"/>
+              </a:rPr>
+              <a:t>cardinality</a:t>
+            </a:r>
+            <a:r>
+              <a:rPr lang="en-US" dirty="0"/>
+              <a:t> of the shard key</a:t>
+            </a:r>
+          </a:p>
+          <a:p>
+            <a:pPr>
+              <a:buFont typeface="Arial" panose="020B0604020202020204" pitchFamily="34" charset="0"/>
+              <a:buChar char="•"/>
+            </a:pPr>
+            <a:r>
+              <a:rPr lang="en-US" dirty="0"/>
+              <a:t>the </a:t>
+            </a:r>
+            <a:r>
+              <a:rPr lang="en-US" dirty="0">
+                <a:hlinkClick r:id="rId4"/>
+              </a:rPr>
+              <a:t>frequency</a:t>
+            </a:r>
+            <a:r>
+              <a:rPr lang="en-US" dirty="0"/>
+              <a:t> with which shard key values occur</a:t>
+            </a:r>
+          </a:p>
+          <a:p>
+            <a:pPr>
+              <a:buFont typeface="Arial" panose="020B0604020202020204" pitchFamily="34" charset="0"/>
+              <a:buChar char="•"/>
+            </a:pPr>
+            <a:r>
+              <a:rPr lang="en-US" dirty="0"/>
+              <a:t>whether a potential shard key grows </a:t>
+            </a:r>
+            <a:r>
+              <a:rPr lang="en-US" dirty="0">
+                <a:hlinkClick r:id="rId5"/>
+              </a:rPr>
+              <a:t>monotonically</a:t>
+            </a:r>
+            <a:endParaRPr lang="en-US" dirty="0"/>
+          </a:p>
+          <a:p>
+            <a:pPr>
+              <a:buFont typeface="Arial" panose="020B0604020202020204" pitchFamily="34" charset="0"/>
+              <a:buChar char="•"/>
+            </a:pPr>
+            <a:r>
+              <a:rPr lang="en-US" dirty="0" err="1">
+                <a:hlinkClick r:id="rId6"/>
+              </a:rPr>
+              <a:t>Sharding</a:t>
+            </a:r>
+            <a:r>
+              <a:rPr lang="en-US" dirty="0">
+                <a:hlinkClick r:id="rId6"/>
+              </a:rPr>
+              <a:t> Query Patterns</a:t>
+            </a:r>
+            <a:endParaRPr lang="en-US" dirty="0"/>
+          </a:p>
+          <a:p>
+            <a:pPr>
+              <a:buFont typeface="Arial" panose="020B0604020202020204" pitchFamily="34" charset="0"/>
+              <a:buChar char="•"/>
+            </a:pPr>
+            <a:r>
+              <a:rPr lang="en-US" dirty="0">
+                <a:hlinkClick r:id="rId7"/>
+              </a:rPr>
+              <a:t>Shard Key Limitations</a:t>
+            </a:r>
+            <a:endParaRPr lang="en-US" dirty="0"/>
+          </a:p>
+          <a:p>
+            <a:pPr marL="457200" lvl="1" indent="0">
+              <a:buNone/>
+            </a:pPr>
+            <a:endParaRPr lang="it-IT" dirty="0"/>
+          </a:p>
+        </p:txBody>
+      </p:sp>
+    </p:spTree>
+    <p:extLst>
+      <p:ext uri="{BB962C8B-B14F-4D97-AF65-F5344CB8AC3E}">
+        <p14:creationId xmlns:p14="http://schemas.microsoft.com/office/powerpoint/2010/main" val="3854652120"/>
+      </p:ext>
+    </p:extLst>
+  </p:cSld>
+  <p:clrMapOvr>
+    <a:masterClrMapping/>
+  </p:clrMapOvr>
+</p:sld>
+</file>
+
+<file path=ppt/slides/slide26.xml><?xml version="1.0" encoding="utf-8"?>
+<p:sld xmlns:a="http://schemas.openxmlformats.org/drawingml/2006/main" xmlns:r="http://schemas.openxmlformats.org/officeDocument/2006/relationships" xmlns:p="http://schemas.openxmlformats.org/presentationml/2006/main">
+  <p:cSld>
+    <p:spTree>
+      <p:nvGrpSpPr>
+        <p:cNvPr id="1" name=""/>
+        <p:cNvGrpSpPr/>
+        <p:nvPr/>
+      </p:nvGrpSpPr>
+      <p:grpSpPr>
+        <a:xfrm>
+          <a:off x="0" y="0"/>
+          <a:ext cx="0" cy="0"/>
+          <a:chOff x="0" y="0"/>
+          <a:chExt cx="0" cy="0"/>
+        </a:xfrm>
+      </p:grpSpPr>
+      <p:sp>
+        <p:nvSpPr>
+          <p:cNvPr id="2" name="Titolo 1">
+            <a:extLst>
+              <a:ext uri="{FF2B5EF4-FFF2-40B4-BE49-F238E27FC236}">
+                <a16:creationId xmlns:a16="http://schemas.microsoft.com/office/drawing/2014/main" id="{F828DB8E-62A5-4993-906D-88915D8B870B}"/>
+              </a:ext>
+            </a:extLst>
+          </p:cNvPr>
+          <p:cNvSpPr>
+            <a:spLocks noGrp="1"/>
+          </p:cNvSpPr>
+          <p:nvPr>
+            <p:ph type="title"/>
+          </p:nvPr>
+        </p:nvSpPr>
+        <p:spPr/>
+        <p:txBody>
+          <a:bodyPr>
+            <a:normAutofit fontScale="90000"/>
+          </a:bodyPr>
+          <a:lstStyle/>
+          <a:p>
+            <a:r>
+              <a:rPr lang="it-IT" b="1" dirty="0"/>
+              <a:t>Migrazione dei </a:t>
+            </a:r>
+            <a:r>
+              <a:rPr lang="it-IT" b="1" dirty="0" err="1"/>
+              <a:t>cunks</a:t>
+            </a:r>
+            <a:br>
+              <a:rPr lang="it-IT" b="1" dirty="0"/>
+            </a:br>
+            <a:br>
+              <a:rPr lang="it-IT" b="1" dirty="0"/>
+            </a:br>
+            <a:endParaRPr lang="it-IT" dirty="0"/>
+          </a:p>
+        </p:txBody>
+      </p:sp>
+      <p:sp>
+        <p:nvSpPr>
+          <p:cNvPr id="3" name="Segnaposto contenuto 2">
+            <a:extLst>
+              <a:ext uri="{FF2B5EF4-FFF2-40B4-BE49-F238E27FC236}">
+                <a16:creationId xmlns:a16="http://schemas.microsoft.com/office/drawing/2014/main" id="{F5E05DC8-E49A-4C9A-A892-1776541F17A4}"/>
+              </a:ext>
+            </a:extLst>
+          </p:cNvPr>
+          <p:cNvSpPr>
+            <a:spLocks noGrp="1"/>
+          </p:cNvSpPr>
+          <p:nvPr>
+            <p:ph idx="1"/>
+          </p:nvPr>
+        </p:nvSpPr>
+        <p:spPr/>
+        <p:txBody>
+          <a:bodyPr/>
+          <a:lstStyle/>
+          <a:p>
+            <a:endParaRPr lang="it-IT" dirty="0"/>
+          </a:p>
+        </p:txBody>
+      </p:sp>
+    </p:spTree>
+    <p:extLst>
+      <p:ext uri="{BB962C8B-B14F-4D97-AF65-F5344CB8AC3E}">
+        <p14:creationId xmlns:p14="http://schemas.microsoft.com/office/powerpoint/2010/main" val="1087177271"/>
+      </p:ext>
+    </p:extLst>
+  </p:cSld>
+  <p:clrMapOvr>
+    <a:masterClrMapping/>
+  </p:clrMapOvr>
+</p:sld>
+</file>
+
+<file path=ppt/slides/slide27.xml><?xml version="1.0" encoding="utf-8"?>
 <p:sld xmlns:a="http://schemas.openxmlformats.org/drawingml/2006/main" xmlns:r="http://schemas.openxmlformats.org/officeDocument/2006/relationships" xmlns:p="http://schemas.openxmlformats.org/presentationml/2006/main">
   <p:cSld>
     <p:bg>
@@ -12257,7 +13441,7 @@
 </p:sld>
 </file>
 
-<file path=ppt/slides/slide25.xml><?xml version="1.0" encoding="utf-8"?>
+<file path=ppt/slides/slide28.xml><?xml version="1.0" encoding="utf-8"?>
 <p:sld xmlns:a="http://schemas.openxmlformats.org/drawingml/2006/main" xmlns:r="http://schemas.openxmlformats.org/officeDocument/2006/relationships" xmlns:p="http://schemas.openxmlformats.org/presentationml/2006/main">
   <p:cSld>
     <p:spTree>

--- a/Presentazione_progetto.pptx
+++ b/Presentazione_progetto.pptx
@@ -5,7 +5,7 @@
     <p:sldMasterId id="2147483672" r:id="rId1"/>
   </p:sldMasterIdLst>
   <p:notesMasterIdLst>
-    <p:notesMasterId r:id="rId30"/>
+    <p:notesMasterId r:id="rId32"/>
   </p:notesMasterIdLst>
   <p:sldIdLst>
     <p:sldId id="256" r:id="rId2"/>
@@ -32,10 +32,12 @@
     <p:sldId id="275" r:id="rId23"/>
     <p:sldId id="276" r:id="rId24"/>
     <p:sldId id="284" r:id="rId25"/>
-    <p:sldId id="283" r:id="rId26"/>
-    <p:sldId id="282" r:id="rId27"/>
-    <p:sldId id="279" r:id="rId28"/>
-    <p:sldId id="281" r:id="rId29"/>
+    <p:sldId id="282" r:id="rId26"/>
+    <p:sldId id="286" r:id="rId27"/>
+    <p:sldId id="285" r:id="rId28"/>
+    <p:sldId id="283" r:id="rId29"/>
+    <p:sldId id="279" r:id="rId30"/>
+    <p:sldId id="281" r:id="rId31"/>
   </p:sldIdLst>
   <p:sldSz cx="12192000" cy="6858000"/>
   <p:notesSz cx="6858000" cy="9144000"/>
@@ -224,7 +226,7 @@
           <a:p>
             <a:fld id="{5D86E91A-6C9D-48EA-9EAF-BBA9F3961CF9}" type="datetimeFigureOut">
               <a:rPr lang="it-IT" smtClean="0"/>
-              <a:t>12/04/2022</a:t>
+              <a:t>15/04/2022</a:t>
             </a:fld>
             <a:endParaRPr lang="it-IT"/>
           </a:p>
@@ -1323,6 +1325,49 @@
           <a:bodyPr/>
           <a:lstStyle/>
           <a:p>
+            <a:r>
+              <a:rPr lang="it-IT" dirty="0"/>
+              <a:t>Il bilanciatore applica strategia per minimizzare l’impatto: </a:t>
+            </a:r>
+          </a:p>
+          <a:p>
+            <a:pPr marL="228600" indent="-228600">
+              <a:buAutoNum type="arabicParenR"/>
+            </a:pPr>
+            <a:r>
+              <a:rPr lang="it-IT" dirty="0"/>
+              <a:t>Se devo spostare molti </a:t>
+            </a:r>
+            <a:r>
+              <a:rPr lang="it-IT" dirty="0" err="1"/>
+              <a:t>chunks</a:t>
+            </a:r>
+            <a:r>
+              <a:rPr lang="it-IT" dirty="0"/>
+              <a:t> ne sposto uno alla volta.</a:t>
+            </a:r>
+          </a:p>
+          <a:p>
+            <a:pPr marL="228600" indent="-228600">
+              <a:buAutoNum type="arabicParenR"/>
+            </a:pPr>
+            <a:r>
+              <a:rPr lang="it-IT" dirty="0"/>
+              <a:t>Ho bilanciamento solo quando è veramente necessario oppure quando mi supera la soglia di migrazione che io ho personalmente impostato</a:t>
+            </a:r>
+          </a:p>
+          <a:p>
+            <a:pPr marL="0" indent="0">
+              <a:buNone/>
+            </a:pPr>
+            <a:r>
+              <a:rPr lang="it-IT" dirty="0"/>
+              <a:t>Specialmente posso pensarlo quando aggiungo o tolgo uno </a:t>
+            </a:r>
+            <a:r>
+              <a:rPr lang="it-IT" dirty="0" err="1"/>
+              <a:t>shard</a:t>
+            </a:r>
             <a:endParaRPr lang="it-IT" dirty="0"/>
           </a:p>
         </p:txBody>
@@ -1344,7 +1389,7 @@
           <a:p>
             <a:fld id="{7B9EF5EE-42ED-4142-B01A-B637985E9B70}" type="slidenum">
               <a:rPr lang="it-IT" smtClean="0"/>
-              <a:t>25</a:t>
+              <a:t>27</a:t>
             </a:fld>
             <a:endParaRPr lang="it-IT"/>
           </a:p>
@@ -1353,7 +1398,7 @@
     </p:spTree>
     <p:extLst>
       <p:ext uri="{BB962C8B-B14F-4D97-AF65-F5344CB8AC3E}">
-        <p14:creationId xmlns:p14="http://schemas.microsoft.com/office/powerpoint/2010/main" val="2886246986"/>
+        <p14:creationId xmlns:p14="http://schemas.microsoft.com/office/powerpoint/2010/main" val="4265602032"/>
       </p:ext>
     </p:extLst>
   </p:cSld>
@@ -1428,7 +1473,91 @@
           <a:p>
             <a:fld id="{7B9EF5EE-42ED-4142-B01A-B637985E9B70}" type="slidenum">
               <a:rPr lang="it-IT" smtClean="0"/>
-              <a:t>27</a:t>
+              <a:t>28</a:t>
+            </a:fld>
+            <a:endParaRPr lang="it-IT"/>
+          </a:p>
+        </p:txBody>
+      </p:sp>
+    </p:spTree>
+    <p:extLst>
+      <p:ext uri="{BB962C8B-B14F-4D97-AF65-F5344CB8AC3E}">
+        <p14:creationId xmlns:p14="http://schemas.microsoft.com/office/powerpoint/2010/main" val="2886246986"/>
+      </p:ext>
+    </p:extLst>
+  </p:cSld>
+  <p:clrMapOvr>
+    <a:masterClrMapping/>
+  </p:clrMapOvr>
+</p:notes>
+</file>
+
+<file path=ppt/notesSlides/notesSlide17.xml><?xml version="1.0" encoding="utf-8"?>
+<p:notes xmlns:a="http://schemas.openxmlformats.org/drawingml/2006/main" xmlns:r="http://schemas.openxmlformats.org/officeDocument/2006/relationships" xmlns:p="http://schemas.openxmlformats.org/presentationml/2006/main">
+  <p:cSld>
+    <p:spTree>
+      <p:nvGrpSpPr>
+        <p:cNvPr id="1" name=""/>
+        <p:cNvGrpSpPr/>
+        <p:nvPr/>
+      </p:nvGrpSpPr>
+      <p:grpSpPr>
+        <a:xfrm>
+          <a:off x="0" y="0"/>
+          <a:ext cx="0" cy="0"/>
+          <a:chOff x="0" y="0"/>
+          <a:chExt cx="0" cy="0"/>
+        </a:xfrm>
+      </p:grpSpPr>
+      <p:sp>
+        <p:nvSpPr>
+          <p:cNvPr id="2" name="Segnaposto immagine diapositiva 1"/>
+          <p:cNvSpPr>
+            <a:spLocks noGrp="1" noRot="1" noChangeAspect="1"/>
+          </p:cNvSpPr>
+          <p:nvPr>
+            <p:ph type="sldImg"/>
+          </p:nvPr>
+        </p:nvSpPr>
+        <p:spPr/>
+      </p:sp>
+      <p:sp>
+        <p:nvSpPr>
+          <p:cNvPr id="3" name="Segnaposto note 2"/>
+          <p:cNvSpPr>
+            <a:spLocks noGrp="1"/>
+          </p:cNvSpPr>
+          <p:nvPr>
+            <p:ph type="body" idx="1"/>
+          </p:nvPr>
+        </p:nvSpPr>
+        <p:spPr/>
+        <p:txBody>
+          <a:bodyPr/>
+          <a:lstStyle/>
+          <a:p>
+            <a:endParaRPr lang="it-IT" dirty="0"/>
+          </a:p>
+        </p:txBody>
+      </p:sp>
+      <p:sp>
+        <p:nvSpPr>
+          <p:cNvPr id="4" name="Segnaposto numero diapositiva 3"/>
+          <p:cNvSpPr>
+            <a:spLocks noGrp="1"/>
+          </p:cNvSpPr>
+          <p:nvPr>
+            <p:ph type="sldNum" sz="quarter" idx="5"/>
+          </p:nvPr>
+        </p:nvSpPr>
+        <p:spPr/>
+        <p:txBody>
+          <a:bodyPr/>
+          <a:lstStyle/>
+          <a:p>
+            <a:fld id="{7B9EF5EE-42ED-4142-B01A-B637985E9B70}" type="slidenum">
+              <a:rPr lang="it-IT" smtClean="0"/>
+              <a:t>29</a:t>
             </a:fld>
             <a:endParaRPr lang="it-IT"/>
           </a:p>
@@ -3153,7 +3282,7 @@
           <a:p>
             <a:fld id="{5EEC1FBE-7A50-402B-9218-00262FCB5F53}" type="datetimeFigureOut">
               <a:rPr lang="it-IT" smtClean="0"/>
-              <a:t>12/04/2022</a:t>
+              <a:t>15/04/2022</a:t>
             </a:fld>
             <a:endParaRPr lang="it-IT"/>
           </a:p>
@@ -3404,7 +3533,7 @@
           <a:p>
             <a:fld id="{5EEC1FBE-7A50-402B-9218-00262FCB5F53}" type="datetimeFigureOut">
               <a:rPr lang="it-IT" smtClean="0"/>
-              <a:t>12/04/2022</a:t>
+              <a:t>15/04/2022</a:t>
             </a:fld>
             <a:endParaRPr lang="it-IT"/>
           </a:p>
@@ -3718,7 +3847,7 @@
           <a:p>
             <a:fld id="{5EEC1FBE-7A50-402B-9218-00262FCB5F53}" type="datetimeFigureOut">
               <a:rPr lang="it-IT" smtClean="0"/>
-              <a:t>12/04/2022</a:t>
+              <a:t>15/04/2022</a:t>
             </a:fld>
             <a:endParaRPr lang="it-IT"/>
           </a:p>
@@ -4059,7 +4188,7 @@
           <a:p>
             <a:fld id="{5EEC1FBE-7A50-402B-9218-00262FCB5F53}" type="datetimeFigureOut">
               <a:rPr lang="it-IT" smtClean="0"/>
-              <a:t>12/04/2022</a:t>
+              <a:t>15/04/2022</a:t>
             </a:fld>
             <a:endParaRPr lang="it-IT"/>
           </a:p>
@@ -4373,7 +4502,7 @@
           <a:p>
             <a:fld id="{5EEC1FBE-7A50-402B-9218-00262FCB5F53}" type="datetimeFigureOut">
               <a:rPr lang="it-IT" smtClean="0"/>
-              <a:t>12/04/2022</a:t>
+              <a:t>15/04/2022</a:t>
             </a:fld>
             <a:endParaRPr lang="it-IT"/>
           </a:p>
@@ -4766,7 +4895,7 @@
           <a:p>
             <a:fld id="{5EEC1FBE-7A50-402B-9218-00262FCB5F53}" type="datetimeFigureOut">
               <a:rPr lang="it-IT" smtClean="0"/>
-              <a:t>12/04/2022</a:t>
+              <a:t>15/04/2022</a:t>
             </a:fld>
             <a:endParaRPr lang="it-IT"/>
           </a:p>
@@ -4936,7 +5065,7 @@
           <a:p>
             <a:fld id="{5EEC1FBE-7A50-402B-9218-00262FCB5F53}" type="datetimeFigureOut">
               <a:rPr lang="it-IT" smtClean="0"/>
-              <a:t>12/04/2022</a:t>
+              <a:t>15/04/2022</a:t>
             </a:fld>
             <a:endParaRPr lang="it-IT"/>
           </a:p>
@@ -5116,7 +5245,7 @@
           <a:p>
             <a:fld id="{5EEC1FBE-7A50-402B-9218-00262FCB5F53}" type="datetimeFigureOut">
               <a:rPr lang="it-IT" smtClean="0"/>
-              <a:t>12/04/2022</a:t>
+              <a:t>15/04/2022</a:t>
             </a:fld>
             <a:endParaRPr lang="it-IT"/>
           </a:p>
@@ -5292,7 +5421,7 @@
           <a:p>
             <a:fld id="{5EEC1FBE-7A50-402B-9218-00262FCB5F53}" type="datetimeFigureOut">
               <a:rPr lang="it-IT" smtClean="0"/>
-              <a:t>12/04/2022</a:t>
+              <a:t>15/04/2022</a:t>
             </a:fld>
             <a:endParaRPr lang="it-IT"/>
           </a:p>
@@ -5539,7 +5668,7 @@
           <a:p>
             <a:fld id="{5EEC1FBE-7A50-402B-9218-00262FCB5F53}" type="datetimeFigureOut">
               <a:rPr lang="it-IT" smtClean="0"/>
-              <a:t>12/04/2022</a:t>
+              <a:t>15/04/2022</a:t>
             </a:fld>
             <a:endParaRPr lang="it-IT"/>
           </a:p>
@@ -5771,7 +5900,7 @@
           <a:p>
             <a:fld id="{5EEC1FBE-7A50-402B-9218-00262FCB5F53}" type="datetimeFigureOut">
               <a:rPr lang="it-IT" smtClean="0"/>
-              <a:t>12/04/2022</a:t>
+              <a:t>15/04/2022</a:t>
             </a:fld>
             <a:endParaRPr lang="it-IT"/>
           </a:p>
@@ -6145,7 +6274,7 @@
           <a:p>
             <a:fld id="{5EEC1FBE-7A50-402B-9218-00262FCB5F53}" type="datetimeFigureOut">
               <a:rPr lang="it-IT" smtClean="0"/>
-              <a:t>12/04/2022</a:t>
+              <a:t>15/04/2022</a:t>
             </a:fld>
             <a:endParaRPr lang="it-IT"/>
           </a:p>
@@ -6268,7 +6397,7 @@
           <a:p>
             <a:fld id="{5EEC1FBE-7A50-402B-9218-00262FCB5F53}" type="datetimeFigureOut">
               <a:rPr lang="it-IT" smtClean="0"/>
-              <a:t>12/04/2022</a:t>
+              <a:t>15/04/2022</a:t>
             </a:fld>
             <a:endParaRPr lang="it-IT"/>
           </a:p>
@@ -6363,7 +6492,7 @@
           <a:p>
             <a:fld id="{5EEC1FBE-7A50-402B-9218-00262FCB5F53}" type="datetimeFigureOut">
               <a:rPr lang="it-IT" smtClean="0"/>
-              <a:t>12/04/2022</a:t>
+              <a:t>15/04/2022</a:t>
             </a:fld>
             <a:endParaRPr lang="it-IT"/>
           </a:p>
@@ -6618,7 +6747,7 @@
           <a:p>
             <a:fld id="{5EEC1FBE-7A50-402B-9218-00262FCB5F53}" type="datetimeFigureOut">
               <a:rPr lang="it-IT" smtClean="0"/>
-              <a:t>12/04/2022</a:t>
+              <a:t>15/04/2022</a:t>
             </a:fld>
             <a:endParaRPr lang="it-IT"/>
           </a:p>
@@ -6881,7 +7010,7 @@
           <a:p>
             <a:fld id="{5EEC1FBE-7A50-402B-9218-00262FCB5F53}" type="datetimeFigureOut">
               <a:rPr lang="it-IT" smtClean="0"/>
-              <a:t>12/04/2022</a:t>
+              <a:t>15/04/2022</a:t>
             </a:fld>
             <a:endParaRPr lang="it-IT"/>
           </a:p>
@@ -7624,7 +7753,7 @@
           <a:p>
             <a:fld id="{5EEC1FBE-7A50-402B-9218-00262FCB5F53}" type="datetimeFigureOut">
               <a:rPr lang="it-IT" smtClean="0"/>
-              <a:t>12/04/2022</a:t>
+              <a:t>15/04/2022</a:t>
             </a:fld>
             <a:endParaRPr lang="it-IT"/>
           </a:p>
@@ -12709,7 +12838,7 @@
             </a:r>
             <a:r>
               <a:rPr lang="it-IT" dirty="0" err="1"/>
-              <a:t>chunk</a:t>
+              <a:t>chunks</a:t>
             </a:r>
             <a:endParaRPr lang="it-IT" dirty="0"/>
           </a:p>
@@ -12974,7 +13103,7 @@
           <p:cNvPr id="2" name="Titolo 1">
             <a:extLst>
               <a:ext uri="{FF2B5EF4-FFF2-40B4-BE49-F238E27FC236}">
-                <a16:creationId xmlns:a16="http://schemas.microsoft.com/office/drawing/2014/main" id="{DDBB71C6-3B4E-4A58-8BDC-730B4263DD36}"/>
+                <a16:creationId xmlns:a16="http://schemas.microsoft.com/office/drawing/2014/main" id="{F828DB8E-62A5-4993-906D-88915D8B870B}"/>
               </a:ext>
             </a:extLst>
           </p:cNvPr>
@@ -12987,21 +13116,26 @@
         </p:nvSpPr>
         <p:spPr/>
         <p:txBody>
-          <a:bodyPr/>
+          <a:bodyPr>
+            <a:normAutofit fontScale="90000"/>
+          </a:bodyPr>
           <a:lstStyle/>
           <a:p>
             <a:r>
-              <a:rPr lang="it-IT" dirty="0"/>
-              <a:t>Scegliere </a:t>
-            </a:r>
-            <a:r>
-              <a:rPr lang="it-IT" dirty="0" err="1"/>
-              <a:t>shard</a:t>
-            </a:r>
-            <a:r>
-              <a:rPr lang="it-IT" dirty="0"/>
-              <a:t> key</a:t>
-            </a:r>
+              <a:rPr lang="it-IT" sz="4000" dirty="0"/>
+              <a:t>Migrazione dei </a:t>
+            </a:r>
+            <a:r>
+              <a:rPr lang="it-IT" sz="4000" dirty="0" err="1"/>
+              <a:t>chunks</a:t>
+            </a:r>
+            <a:br>
+              <a:rPr lang="it-IT" b="1" dirty="0"/>
+            </a:br>
+            <a:br>
+              <a:rPr lang="it-IT" b="1" dirty="0"/>
+            </a:br>
+            <a:endParaRPr lang="it-IT" dirty="0"/>
           </a:p>
         </p:txBody>
       </p:sp>
@@ -13010,7 +13144,7 @@
           <p:cNvPr id="3" name="Segnaposto contenuto 2">
             <a:extLst>
               <a:ext uri="{FF2B5EF4-FFF2-40B4-BE49-F238E27FC236}">
-                <a16:creationId xmlns:a16="http://schemas.microsoft.com/office/drawing/2014/main" id="{3B09BB48-08E3-4802-AD4E-7CE635C2842C}"/>
+                <a16:creationId xmlns:a16="http://schemas.microsoft.com/office/drawing/2014/main" id="{F5E05DC8-E49A-4C9A-A892-1776541F17A4}"/>
               </a:ext>
             </a:extLst>
           </p:cNvPr>
@@ -13032,141 +13166,105 @@
           <a:lstStyle/>
           <a:p>
             <a:r>
-              <a:rPr lang="it-IT" dirty="0"/>
-              <a:t>influisce sulla creazione e distribuzione di blocchi tra gli </a:t>
-            </a:r>
-            <a:r>
-              <a:rPr lang="it-IT" dirty="0" err="1"/>
-              <a:t>shard</a:t>
-            </a:r>
-            <a:r>
-              <a:rPr lang="it-IT" dirty="0"/>
-              <a:t> disponibili. La distribuzione dei dati influisce sull'efficienza e sulle prestazioni delle operazioni all'interno del cluster partizionato.</a:t>
-            </a:r>
-          </a:p>
-          <a:p>
-            <a:r>
-              <a:rPr lang="it-IT" dirty="0"/>
-              <a:t>La chiave </a:t>
-            </a:r>
-            <a:r>
-              <a:rPr lang="it-IT" dirty="0" err="1"/>
-              <a:t>shard</a:t>
-            </a:r>
-            <a:r>
-              <a:rPr lang="it-IT" dirty="0"/>
-              <a:t> ideale consente a </a:t>
-            </a:r>
-            <a:r>
               <a:rPr lang="it-IT" dirty="0" err="1"/>
               <a:t>MongoDB</a:t>
             </a:r>
             <a:r>
               <a:rPr lang="it-IT" dirty="0"/>
-              <a:t> di distribuire i documenti in modo uniforme in tutto il cluster, facilitando anche i modelli di query comuni.</a:t>
-            </a:r>
-          </a:p>
-          <a:p>
-            <a:pPr>
-              <a:buFont typeface="Arial" panose="020B0604020202020204" pitchFamily="34" charset="0"/>
-              <a:buChar char="•"/>
-            </a:pPr>
-            <a:r>
-              <a:rPr lang="en-US" dirty="0"/>
-              <a:t>the </a:t>
-            </a:r>
-            <a:r>
-              <a:rPr lang="en-US" dirty="0">
-                <a:hlinkClick r:id="rId3"/>
-              </a:rPr>
-              <a:t>cardinality</a:t>
-            </a:r>
-            <a:r>
-              <a:rPr lang="en-US" dirty="0"/>
-              <a:t> of the shard key</a:t>
-            </a:r>
-          </a:p>
-          <a:p>
-            <a:pPr>
-              <a:buFont typeface="Arial" panose="020B0604020202020204" pitchFamily="34" charset="0"/>
-              <a:buChar char="•"/>
-            </a:pPr>
-            <a:r>
-              <a:rPr lang="en-US" dirty="0"/>
-              <a:t>the </a:t>
-            </a:r>
-            <a:r>
-              <a:rPr lang="en-US" dirty="0">
-                <a:hlinkClick r:id="rId4"/>
-              </a:rPr>
-              <a:t>frequency</a:t>
-            </a:r>
-            <a:r>
-              <a:rPr lang="en-US" dirty="0"/>
-              <a:t> with which shard key values occur</a:t>
-            </a:r>
-          </a:p>
-          <a:p>
-            <a:pPr>
-              <a:buFont typeface="Arial" panose="020B0604020202020204" pitchFamily="34" charset="0"/>
-              <a:buChar char="•"/>
-            </a:pPr>
-            <a:r>
-              <a:rPr lang="en-US" dirty="0"/>
-              <a:t>whether a potential shard key grows </a:t>
-            </a:r>
-            <a:r>
-              <a:rPr lang="en-US" dirty="0">
-                <a:hlinkClick r:id="rId5"/>
-              </a:rPr>
-              <a:t>monotonically</a:t>
-            </a:r>
-            <a:endParaRPr lang="en-US" dirty="0"/>
-          </a:p>
-          <a:p>
-            <a:pPr>
-              <a:buFont typeface="Arial" panose="020B0604020202020204" pitchFamily="34" charset="0"/>
-              <a:buChar char="•"/>
-            </a:pPr>
-            <a:r>
-              <a:rPr lang="en-US" dirty="0" err="1">
-                <a:hlinkClick r:id="rId6"/>
-              </a:rPr>
-              <a:t>Sharding</a:t>
-            </a:r>
-            <a:r>
-              <a:rPr lang="en-US" dirty="0">
-                <a:hlinkClick r:id="rId6"/>
-              </a:rPr>
-              <a:t> Query Patterns</a:t>
-            </a:r>
-            <a:endParaRPr lang="en-US" dirty="0"/>
-          </a:p>
-          <a:p>
-            <a:pPr>
-              <a:buFont typeface="Arial" panose="020B0604020202020204" pitchFamily="34" charset="0"/>
-              <a:buChar char="•"/>
-            </a:pPr>
-            <a:r>
-              <a:rPr lang="en-US" dirty="0">
-                <a:hlinkClick r:id="rId7"/>
-              </a:rPr>
-              <a:t>Shard Key Limitations</a:t>
-            </a:r>
-            <a:endParaRPr lang="en-US" dirty="0"/>
-          </a:p>
-          <a:p>
-            <a:pPr marL="457200" lvl="1" indent="0">
-              <a:buNone/>
-            </a:pPr>
-            <a:endParaRPr lang="it-IT" dirty="0"/>
-          </a:p>
-        </p:txBody>
-      </p:sp>
+              <a:t> migra i </a:t>
+            </a:r>
+            <a:r>
+              <a:rPr lang="it-IT" dirty="0" err="1"/>
+              <a:t>chunks</a:t>
+            </a:r>
+            <a:r>
+              <a:rPr lang="it-IT" dirty="0"/>
+              <a:t> per distribuirli lungo gli </a:t>
+            </a:r>
+            <a:r>
+              <a:rPr lang="it-IT" dirty="0" err="1"/>
+              <a:t>shards</a:t>
+            </a:r>
+            <a:r>
+              <a:rPr lang="it-IT" dirty="0"/>
+              <a:t>. La migrazione può avvenire:</a:t>
+            </a:r>
+          </a:p>
+          <a:p>
+            <a:pPr lvl="1"/>
+            <a:r>
+              <a:rPr lang="it-IT" dirty="0"/>
+              <a:t>Manualmente.</a:t>
+            </a:r>
+          </a:p>
+          <a:p>
+            <a:pPr lvl="1"/>
+            <a:r>
+              <a:rPr lang="it-IT" dirty="0"/>
+              <a:t>Automaticamente. Il Bilanciatore sposta i </a:t>
+            </a:r>
+            <a:r>
+              <a:rPr lang="it-IT" dirty="0" err="1"/>
+              <a:t>chunks</a:t>
+            </a:r>
+            <a:r>
+              <a:rPr lang="it-IT" dirty="0"/>
+              <a:t> quando si </a:t>
+            </a:r>
+            <a:r>
+              <a:rPr lang="it-IT" dirty="0" err="1"/>
+              <a:t>verifia</a:t>
+            </a:r>
+            <a:r>
+              <a:rPr lang="it-IT" dirty="0"/>
+              <a:t> una distribuzione non uniforme.</a:t>
+            </a:r>
+          </a:p>
+        </p:txBody>
+      </p:sp>
+      <p:pic>
+        <p:nvPicPr>
+          <p:cNvPr id="5" name="Elemento grafico 4">
+            <a:extLst>
+              <a:ext uri="{FF2B5EF4-FFF2-40B4-BE49-F238E27FC236}">
+                <a16:creationId xmlns:a16="http://schemas.microsoft.com/office/drawing/2014/main" id="{FB87BE06-7F18-4C60-9844-DA66AE22E8ED}"/>
+              </a:ext>
+            </a:extLst>
+          </p:cNvPr>
+          <p:cNvPicPr>
+            <a:picLocks noChangeAspect="1"/>
+          </p:cNvPicPr>
+          <p:nvPr/>
+        </p:nvPicPr>
+        <p:blipFill>
+          <a:blip r:embed="rId2">
+            <a:extLst>
+              <a:ext uri="{28A0092B-C50C-407E-A947-70E740481C1C}">
+                <a14:useLocalDpi xmlns:a14="http://schemas.microsoft.com/office/drawing/2010/main" val="0"/>
+              </a:ext>
+              <a:ext uri="{96DAC541-7B7A-43D3-8B79-37D633B846F1}">
+                <asvg:svgBlip xmlns:asvg="http://schemas.microsoft.com/office/drawing/2016/SVG/main" r:embed="rId3"/>
+              </a:ext>
+            </a:extLst>
+          </a:blip>
+          <a:stretch>
+            <a:fillRect/>
+          </a:stretch>
+        </p:blipFill>
+        <p:spPr>
+          <a:xfrm>
+            <a:off x="677334" y="3280113"/>
+            <a:ext cx="7780866" cy="2801112"/>
+          </a:xfrm>
+          <a:prstGeom prst="rect">
+            <a:avLst/>
+          </a:prstGeom>
+        </p:spPr>
+      </p:pic>
     </p:spTree>
     <p:extLst>
       <p:ext uri="{BB962C8B-B14F-4D97-AF65-F5344CB8AC3E}">
-        <p14:creationId xmlns:p14="http://schemas.microsoft.com/office/powerpoint/2010/main" val="3854652120"/>
+        <p14:creationId xmlns:p14="http://schemas.microsoft.com/office/powerpoint/2010/main" val="1087177271"/>
       </p:ext>
     </p:extLst>
   </p:cSld>
@@ -13198,7 +13296,7 @@
           <p:cNvPr id="2" name="Titolo 1">
             <a:extLst>
               <a:ext uri="{FF2B5EF4-FFF2-40B4-BE49-F238E27FC236}">
-                <a16:creationId xmlns:a16="http://schemas.microsoft.com/office/drawing/2014/main" id="{F828DB8E-62A5-4993-906D-88915D8B870B}"/>
+                <a16:creationId xmlns:a16="http://schemas.microsoft.com/office/drawing/2014/main" id="{EC71245A-89CD-41D9-BAF2-E30447EBACD3}"/>
               </a:ext>
             </a:extLst>
           </p:cNvPr>
@@ -13211,25 +13309,17 @@
         </p:nvSpPr>
         <p:spPr/>
         <p:txBody>
-          <a:bodyPr>
-            <a:normAutofit fontScale="90000"/>
-          </a:bodyPr>
+          <a:bodyPr/>
           <a:lstStyle/>
           <a:p>
             <a:r>
-              <a:rPr lang="it-IT" b="1" dirty="0"/>
-              <a:t>Migrazione dei </a:t>
-            </a:r>
-            <a:r>
-              <a:rPr lang="it-IT" b="1" dirty="0" err="1"/>
-              <a:t>cunks</a:t>
-            </a:r>
-            <a:br>
-              <a:rPr lang="it-IT" b="1" dirty="0"/>
-            </a:br>
-            <a:br>
-              <a:rPr lang="it-IT" b="1" dirty="0"/>
-            </a:br>
+              <a:rPr lang="it-IT" dirty="0"/>
+              <a:t>Procedura per migrare un </a:t>
+            </a:r>
+            <a:r>
+              <a:rPr lang="it-IT" dirty="0" err="1"/>
+              <a:t>chunk</a:t>
+            </a:r>
             <a:endParaRPr lang="it-IT" dirty="0"/>
           </a:p>
         </p:txBody>
@@ -13239,7 +13329,7 @@
           <p:cNvPr id="3" name="Segnaposto contenuto 2">
             <a:extLst>
               <a:ext uri="{FF2B5EF4-FFF2-40B4-BE49-F238E27FC236}">
-                <a16:creationId xmlns:a16="http://schemas.microsoft.com/office/drawing/2014/main" id="{F5E05DC8-E49A-4C9A-A892-1776541F17A4}"/>
+                <a16:creationId xmlns:a16="http://schemas.microsoft.com/office/drawing/2014/main" id="{540F5558-DE1A-4950-B0C7-F54CE4924B68}"/>
               </a:ext>
             </a:extLst>
           </p:cNvPr>
@@ -13255,14 +13345,86 @@
           <a:bodyPr/>
           <a:lstStyle/>
           <a:p>
-            <a:endParaRPr lang="it-IT" dirty="0"/>
+            <a:r>
+              <a:rPr lang="it-IT" dirty="0"/>
+              <a:t>Il </a:t>
+            </a:r>
+            <a:r>
+              <a:rPr lang="it-IT" dirty="0" err="1"/>
+              <a:t>balancer</a:t>
+            </a:r>
+            <a:r>
+              <a:rPr lang="it-IT" dirty="0"/>
+              <a:t> manda un comando </a:t>
+            </a:r>
+            <a:r>
+              <a:rPr lang="it-IT" u="sng" dirty="0" err="1"/>
+              <a:t>moveChunk</a:t>
+            </a:r>
+            <a:r>
+              <a:rPr lang="it-IT" dirty="0"/>
+              <a:t> allo </a:t>
+            </a:r>
+            <a:r>
+              <a:rPr lang="it-IT" dirty="0" err="1"/>
+              <a:t>shard</a:t>
+            </a:r>
+            <a:r>
+              <a:rPr lang="it-IT" dirty="0"/>
+              <a:t> sorgente.</a:t>
+            </a:r>
+          </a:p>
+          <a:p>
+            <a:r>
+              <a:rPr lang="it-IT" dirty="0"/>
+              <a:t>Lo </a:t>
+            </a:r>
+            <a:r>
+              <a:rPr lang="it-IT" dirty="0" err="1"/>
+              <a:t>shard</a:t>
+            </a:r>
+            <a:r>
+              <a:rPr lang="it-IT" dirty="0"/>
+              <a:t> sorgente inizia a spostare il </a:t>
+            </a:r>
+            <a:r>
+              <a:rPr lang="it-IT" dirty="0" err="1"/>
+              <a:t>chunk</a:t>
+            </a:r>
+            <a:r>
+              <a:rPr lang="it-IT" dirty="0"/>
+              <a:t>. Durante l’operazione, le operazioni sul </a:t>
+            </a:r>
+            <a:r>
+              <a:rPr lang="it-IT" dirty="0" err="1"/>
+              <a:t>chunk</a:t>
+            </a:r>
+            <a:r>
+              <a:rPr lang="it-IT" dirty="0"/>
+              <a:t> vengono indirizzate allo </a:t>
+            </a:r>
+            <a:r>
+              <a:rPr lang="it-IT" dirty="0" err="1"/>
+              <a:t>shard</a:t>
+            </a:r>
+            <a:r>
+              <a:rPr lang="it-IT" dirty="0"/>
+              <a:t> sorgente, inoltre è anche responsabile delle operazioni </a:t>
+            </a:r>
+            <a:r>
+              <a:rPr lang="it-IT"/>
+              <a:t>di scrittura.</a:t>
+            </a:r>
+          </a:p>
+          <a:p>
+            <a:endParaRPr lang="it-IT"/>
           </a:p>
         </p:txBody>
       </p:sp>
     </p:spTree>
     <p:extLst>
       <p:ext uri="{BB962C8B-B14F-4D97-AF65-F5344CB8AC3E}">
-        <p14:creationId xmlns:p14="http://schemas.microsoft.com/office/powerpoint/2010/main" val="1087177271"/>
+        <p14:creationId xmlns:p14="http://schemas.microsoft.com/office/powerpoint/2010/main" val="1159316598"/>
       </p:ext>
     </p:extLst>
   </p:cSld>
@@ -13273,6 +13435,396 @@
 </file>
 
 <file path=ppt/slides/slide27.xml><?xml version="1.0" encoding="utf-8"?>
+<p:sld xmlns:a="http://schemas.openxmlformats.org/drawingml/2006/main" xmlns:r="http://schemas.openxmlformats.org/officeDocument/2006/relationships" xmlns:p="http://schemas.openxmlformats.org/presentationml/2006/main">
+  <p:cSld>
+    <p:spTree>
+      <p:nvGrpSpPr>
+        <p:cNvPr id="1" name=""/>
+        <p:cNvGrpSpPr/>
+        <p:nvPr/>
+      </p:nvGrpSpPr>
+      <p:grpSpPr>
+        <a:xfrm>
+          <a:off x="0" y="0"/>
+          <a:ext cx="0" cy="0"/>
+          <a:chOff x="0" y="0"/>
+          <a:chExt cx="0" cy="0"/>
+        </a:xfrm>
+      </p:grpSpPr>
+      <p:sp>
+        <p:nvSpPr>
+          <p:cNvPr id="2" name="Titolo 1">
+            <a:extLst>
+              <a:ext uri="{FF2B5EF4-FFF2-40B4-BE49-F238E27FC236}">
+                <a16:creationId xmlns:a16="http://schemas.microsoft.com/office/drawing/2014/main" id="{D412AAD2-9235-4D92-86B8-D62D9227B515}"/>
+              </a:ext>
+            </a:extLst>
+          </p:cNvPr>
+          <p:cNvSpPr>
+            <a:spLocks noGrp="1"/>
+          </p:cNvSpPr>
+          <p:nvPr>
+            <p:ph type="title"/>
+          </p:nvPr>
+        </p:nvSpPr>
+        <p:spPr>
+          <a:xfrm>
+            <a:off x="677334" y="609600"/>
+            <a:ext cx="8596668" cy="786063"/>
+          </a:xfrm>
+        </p:spPr>
+        <p:txBody>
+          <a:bodyPr/>
+          <a:lstStyle/>
+          <a:p>
+            <a:r>
+              <a:rPr lang="it-IT" dirty="0"/>
+              <a:t>The </a:t>
+            </a:r>
+            <a:r>
+              <a:rPr lang="it-IT" dirty="0" err="1"/>
+              <a:t>Balancer</a:t>
+            </a:r>
+            <a:endParaRPr lang="it-IT" dirty="0"/>
+          </a:p>
+        </p:txBody>
+      </p:sp>
+      <p:sp>
+        <p:nvSpPr>
+          <p:cNvPr id="3" name="Segnaposto contenuto 2">
+            <a:extLst>
+              <a:ext uri="{FF2B5EF4-FFF2-40B4-BE49-F238E27FC236}">
+                <a16:creationId xmlns:a16="http://schemas.microsoft.com/office/drawing/2014/main" id="{F7B90459-D6C6-4656-AA4B-C5ACDECBBE1C}"/>
+              </a:ext>
+            </a:extLst>
+          </p:cNvPr>
+          <p:cNvSpPr>
+            <a:spLocks noGrp="1"/>
+          </p:cNvSpPr>
+          <p:nvPr>
+            <p:ph idx="1"/>
+          </p:nvPr>
+        </p:nvSpPr>
+        <p:spPr/>
+        <p:txBody>
+          <a:bodyPr/>
+          <a:lstStyle/>
+          <a:p>
+            <a:r>
+              <a:rPr lang="it-IT" dirty="0"/>
+              <a:t>Si tratta di un processo in background che va a monitorare i </a:t>
+            </a:r>
+            <a:r>
+              <a:rPr lang="it-IT" dirty="0" err="1"/>
+              <a:t>chunks</a:t>
+            </a:r>
+            <a:r>
+              <a:rPr lang="it-IT" dirty="0"/>
+              <a:t> su ogni </a:t>
+            </a:r>
+            <a:r>
+              <a:rPr lang="it-IT" dirty="0" err="1"/>
+              <a:t>shard</a:t>
+            </a:r>
+            <a:r>
+              <a:rPr lang="it-IT" dirty="0"/>
+              <a:t>. Quando il numero di </a:t>
+            </a:r>
+            <a:r>
+              <a:rPr lang="it-IT" dirty="0" err="1"/>
+              <a:t>chunks</a:t>
+            </a:r>
+            <a:r>
+              <a:rPr lang="it-IT" dirty="0"/>
+              <a:t> di un determinato </a:t>
+            </a:r>
+            <a:r>
+              <a:rPr lang="it-IT" dirty="0" err="1"/>
+              <a:t>shard</a:t>
+            </a:r>
+            <a:r>
+              <a:rPr lang="it-IT" dirty="0"/>
+              <a:t> raggiunge un </a:t>
+            </a:r>
+            <a:r>
+              <a:rPr lang="it-IT" dirty="0" err="1"/>
+              <a:t>Treshold</a:t>
+            </a:r>
+            <a:r>
+              <a:rPr lang="it-IT" dirty="0"/>
+              <a:t> specifico di migrazione, il </a:t>
+            </a:r>
+            <a:r>
+              <a:rPr lang="it-IT" dirty="0" err="1"/>
+              <a:t>balancer</a:t>
+            </a:r>
+            <a:r>
+              <a:rPr lang="it-IT" dirty="0"/>
+              <a:t> muove automaticamente il </a:t>
+            </a:r>
+            <a:r>
+              <a:rPr lang="it-IT" dirty="0" err="1"/>
+              <a:t>chunk</a:t>
+            </a:r>
+            <a:r>
+              <a:rPr lang="it-IT" dirty="0"/>
+              <a:t> tra gli </a:t>
+            </a:r>
+            <a:r>
+              <a:rPr lang="it-IT" dirty="0" err="1"/>
+              <a:t>shard</a:t>
+            </a:r>
+            <a:r>
+              <a:rPr lang="it-IT" dirty="0"/>
+              <a:t> in modo tale da avere un cluster bilanciato.</a:t>
+            </a:r>
+          </a:p>
+          <a:p>
+            <a:r>
+              <a:rPr lang="it-IT" dirty="0"/>
+              <a:t>È una procedura che può portare un impatto sulle prestazioni del sistema.</a:t>
+            </a:r>
+          </a:p>
+        </p:txBody>
+      </p:sp>
+    </p:spTree>
+    <p:extLst>
+      <p:ext uri="{BB962C8B-B14F-4D97-AF65-F5344CB8AC3E}">
+        <p14:creationId xmlns:p14="http://schemas.microsoft.com/office/powerpoint/2010/main" val="2549734063"/>
+      </p:ext>
+    </p:extLst>
+  </p:cSld>
+  <p:clrMapOvr>
+    <a:masterClrMapping/>
+  </p:clrMapOvr>
+</p:sld>
+</file>
+
+<file path=ppt/slides/slide28.xml><?xml version="1.0" encoding="utf-8"?>
+<p:sld xmlns:a="http://schemas.openxmlformats.org/drawingml/2006/main" xmlns:r="http://schemas.openxmlformats.org/officeDocument/2006/relationships" xmlns:p="http://schemas.openxmlformats.org/presentationml/2006/main">
+  <p:cSld>
+    <p:spTree>
+      <p:nvGrpSpPr>
+        <p:cNvPr id="1" name=""/>
+        <p:cNvGrpSpPr/>
+        <p:nvPr/>
+      </p:nvGrpSpPr>
+      <p:grpSpPr>
+        <a:xfrm>
+          <a:off x="0" y="0"/>
+          <a:ext cx="0" cy="0"/>
+          <a:chOff x="0" y="0"/>
+          <a:chExt cx="0" cy="0"/>
+        </a:xfrm>
+      </p:grpSpPr>
+      <p:sp>
+        <p:nvSpPr>
+          <p:cNvPr id="2" name="Titolo 1">
+            <a:extLst>
+              <a:ext uri="{FF2B5EF4-FFF2-40B4-BE49-F238E27FC236}">
+                <a16:creationId xmlns:a16="http://schemas.microsoft.com/office/drawing/2014/main" id="{DDBB71C6-3B4E-4A58-8BDC-730B4263DD36}"/>
+              </a:ext>
+            </a:extLst>
+          </p:cNvPr>
+          <p:cNvSpPr>
+            <a:spLocks noGrp="1"/>
+          </p:cNvSpPr>
+          <p:nvPr>
+            <p:ph type="title"/>
+          </p:nvPr>
+        </p:nvSpPr>
+        <p:spPr/>
+        <p:txBody>
+          <a:bodyPr/>
+          <a:lstStyle/>
+          <a:p>
+            <a:r>
+              <a:rPr lang="it-IT" dirty="0"/>
+              <a:t>Scegliere </a:t>
+            </a:r>
+            <a:r>
+              <a:rPr lang="it-IT" dirty="0" err="1"/>
+              <a:t>shard</a:t>
+            </a:r>
+            <a:r>
+              <a:rPr lang="it-IT" dirty="0"/>
+              <a:t> key</a:t>
+            </a:r>
+          </a:p>
+        </p:txBody>
+      </p:sp>
+      <p:sp>
+        <p:nvSpPr>
+          <p:cNvPr id="3" name="Segnaposto contenuto 2">
+            <a:extLst>
+              <a:ext uri="{FF2B5EF4-FFF2-40B4-BE49-F238E27FC236}">
+                <a16:creationId xmlns:a16="http://schemas.microsoft.com/office/drawing/2014/main" id="{3B09BB48-08E3-4802-AD4E-7CE635C2842C}"/>
+              </a:ext>
+            </a:extLst>
+          </p:cNvPr>
+          <p:cNvSpPr>
+            <a:spLocks noGrp="1"/>
+          </p:cNvSpPr>
+          <p:nvPr>
+            <p:ph idx="1"/>
+          </p:nvPr>
+        </p:nvSpPr>
+        <p:spPr>
+          <a:xfrm>
+            <a:off x="677334" y="1488613"/>
+            <a:ext cx="8596668" cy="3880773"/>
+          </a:xfrm>
+        </p:spPr>
+        <p:txBody>
+          <a:bodyPr/>
+          <a:lstStyle/>
+          <a:p>
+            <a:r>
+              <a:rPr lang="it-IT" dirty="0"/>
+              <a:t>influisce sulla creazione e distribuzione di blocchi tra gli </a:t>
+            </a:r>
+            <a:r>
+              <a:rPr lang="it-IT" dirty="0" err="1"/>
+              <a:t>shard</a:t>
+            </a:r>
+            <a:r>
+              <a:rPr lang="it-IT" dirty="0"/>
+              <a:t> disponibili. La distribuzione dei dati influisce sull'efficienza e sulle prestazioni delle operazioni all'interno del cluster partizionato.</a:t>
+            </a:r>
+          </a:p>
+          <a:p>
+            <a:r>
+              <a:rPr lang="it-IT" dirty="0"/>
+              <a:t>La chiave </a:t>
+            </a:r>
+            <a:r>
+              <a:rPr lang="it-IT" dirty="0" err="1"/>
+              <a:t>shard</a:t>
+            </a:r>
+            <a:r>
+              <a:rPr lang="it-IT" dirty="0"/>
+              <a:t> ideale consente a </a:t>
+            </a:r>
+            <a:r>
+              <a:rPr lang="it-IT" dirty="0" err="1"/>
+              <a:t>MongoDB</a:t>
+            </a:r>
+            <a:r>
+              <a:rPr lang="it-IT" dirty="0"/>
+              <a:t> di distribuire i documenti in modo uniforme in tutto il cluster, facilitando anche i modelli di query comuni.</a:t>
+            </a:r>
+          </a:p>
+          <a:p>
+            <a:pPr>
+              <a:buFont typeface="Arial" panose="020B0604020202020204" pitchFamily="34" charset="0"/>
+              <a:buChar char="•"/>
+            </a:pPr>
+            <a:r>
+              <a:rPr lang="en-US" dirty="0"/>
+              <a:t>the </a:t>
+            </a:r>
+            <a:r>
+              <a:rPr lang="en-US" dirty="0">
+                <a:hlinkClick r:id="rId3"/>
+              </a:rPr>
+              <a:t>cardinality</a:t>
+            </a:r>
+            <a:r>
+              <a:rPr lang="en-US" dirty="0"/>
+              <a:t> of the shard key</a:t>
+            </a:r>
+          </a:p>
+          <a:p>
+            <a:pPr>
+              <a:buFont typeface="Arial" panose="020B0604020202020204" pitchFamily="34" charset="0"/>
+              <a:buChar char="•"/>
+            </a:pPr>
+            <a:r>
+              <a:rPr lang="en-US" dirty="0"/>
+              <a:t>the </a:t>
+            </a:r>
+            <a:r>
+              <a:rPr lang="en-US" dirty="0">
+                <a:hlinkClick r:id="rId4"/>
+              </a:rPr>
+              <a:t>frequency</a:t>
+            </a:r>
+            <a:r>
+              <a:rPr lang="en-US" dirty="0"/>
+              <a:t> with which shard key values occur</a:t>
+            </a:r>
+          </a:p>
+          <a:p>
+            <a:pPr>
+              <a:buFont typeface="Arial" panose="020B0604020202020204" pitchFamily="34" charset="0"/>
+              <a:buChar char="•"/>
+            </a:pPr>
+            <a:r>
+              <a:rPr lang="en-US" dirty="0"/>
+              <a:t>whether a potential shard key grows </a:t>
+            </a:r>
+            <a:r>
+              <a:rPr lang="en-US" dirty="0">
+                <a:hlinkClick r:id="rId5"/>
+              </a:rPr>
+              <a:t>monotonically</a:t>
+            </a:r>
+            <a:endParaRPr lang="en-US" dirty="0"/>
+          </a:p>
+          <a:p>
+            <a:pPr>
+              <a:buFont typeface="Arial" panose="020B0604020202020204" pitchFamily="34" charset="0"/>
+              <a:buChar char="•"/>
+            </a:pPr>
+            <a:r>
+              <a:rPr lang="en-US" dirty="0" err="1">
+                <a:hlinkClick r:id="rId6"/>
+              </a:rPr>
+              <a:t>Sharding</a:t>
+            </a:r>
+            <a:r>
+              <a:rPr lang="en-US" dirty="0">
+                <a:hlinkClick r:id="rId6"/>
+              </a:rPr>
+              <a:t> Query Patterns</a:t>
+            </a:r>
+            <a:endParaRPr lang="en-US" dirty="0"/>
+          </a:p>
+          <a:p>
+            <a:pPr>
+              <a:buFont typeface="Arial" panose="020B0604020202020204" pitchFamily="34" charset="0"/>
+              <a:buChar char="•"/>
+            </a:pPr>
+            <a:r>
+              <a:rPr lang="en-US" dirty="0">
+                <a:hlinkClick r:id="rId7"/>
+              </a:rPr>
+              <a:t>Shard Key Limitations</a:t>
+            </a:r>
+            <a:endParaRPr lang="en-US" dirty="0"/>
+          </a:p>
+          <a:p>
+            <a:pPr marL="457200" lvl="1" indent="0">
+              <a:buNone/>
+            </a:pPr>
+            <a:endParaRPr lang="it-IT" dirty="0"/>
+          </a:p>
+        </p:txBody>
+      </p:sp>
+    </p:spTree>
+    <p:extLst>
+      <p:ext uri="{BB962C8B-B14F-4D97-AF65-F5344CB8AC3E}">
+        <p14:creationId xmlns:p14="http://schemas.microsoft.com/office/powerpoint/2010/main" val="3854652120"/>
+      </p:ext>
+    </p:extLst>
+  </p:cSld>
+  <p:clrMapOvr>
+    <a:masterClrMapping/>
+  </p:clrMapOvr>
+</p:sld>
+</file>
+
+<file path=ppt/slides/slide29.xml><?xml version="1.0" encoding="utf-8"?>
 <p:sld xmlns:a="http://schemas.openxmlformats.org/drawingml/2006/main" xmlns:r="http://schemas.openxmlformats.org/officeDocument/2006/relationships" xmlns:p="http://schemas.openxmlformats.org/presentationml/2006/main">
   <p:cSld>
     <p:bg>
@@ -13441,178 +13993,6 @@
 </p:sld>
 </file>
 
-<file path=ppt/slides/slide28.xml><?xml version="1.0" encoding="utf-8"?>
-<p:sld xmlns:a="http://schemas.openxmlformats.org/drawingml/2006/main" xmlns:r="http://schemas.openxmlformats.org/officeDocument/2006/relationships" xmlns:p="http://schemas.openxmlformats.org/presentationml/2006/main">
-  <p:cSld>
-    <p:spTree>
-      <p:nvGrpSpPr>
-        <p:cNvPr id="1" name=""/>
-        <p:cNvGrpSpPr/>
-        <p:nvPr/>
-      </p:nvGrpSpPr>
-      <p:grpSpPr>
-        <a:xfrm>
-          <a:off x="0" y="0"/>
-          <a:ext cx="0" cy="0"/>
-          <a:chOff x="0" y="0"/>
-          <a:chExt cx="0" cy="0"/>
-        </a:xfrm>
-      </p:grpSpPr>
-      <p:sp>
-        <p:nvSpPr>
-          <p:cNvPr id="2" name="Titolo 1">
-            <a:extLst>
-              <a:ext uri="{FF2B5EF4-FFF2-40B4-BE49-F238E27FC236}">
-                <a16:creationId xmlns:a16="http://schemas.microsoft.com/office/drawing/2014/main" id="{608BE11A-0077-422B-85A0-0FBC2B94E77D}"/>
-              </a:ext>
-            </a:extLst>
-          </p:cNvPr>
-          <p:cNvSpPr>
-            <a:spLocks noGrp="1"/>
-          </p:cNvSpPr>
-          <p:nvPr>
-            <p:ph type="title"/>
-          </p:nvPr>
-        </p:nvSpPr>
-        <p:spPr/>
-        <p:txBody>
-          <a:bodyPr/>
-          <a:lstStyle/>
-          <a:p>
-            <a:r>
-              <a:rPr lang="it-IT" dirty="0"/>
-              <a:t>Specifiche e strumenti utilizzati</a:t>
-            </a:r>
-          </a:p>
-        </p:txBody>
-      </p:sp>
-      <p:sp>
-        <p:nvSpPr>
-          <p:cNvPr id="3" name="Segnaposto contenuto 2">
-            <a:extLst>
-              <a:ext uri="{FF2B5EF4-FFF2-40B4-BE49-F238E27FC236}">
-                <a16:creationId xmlns:a16="http://schemas.microsoft.com/office/drawing/2014/main" id="{012F8182-A4E7-4994-B6C9-4FCFAE4A23EB}"/>
-              </a:ext>
-            </a:extLst>
-          </p:cNvPr>
-          <p:cNvSpPr>
-            <a:spLocks noGrp="1"/>
-          </p:cNvSpPr>
-          <p:nvPr>
-            <p:ph idx="1"/>
-          </p:nvPr>
-        </p:nvSpPr>
-        <p:spPr>
-          <a:xfrm>
-            <a:off x="677334" y="2160589"/>
-            <a:ext cx="8596668" cy="4180053"/>
-          </a:xfrm>
-        </p:spPr>
-        <p:txBody>
-          <a:bodyPr/>
-          <a:lstStyle/>
-          <a:p>
-            <a:r>
-              <a:rPr lang="it-IT" dirty="0"/>
-              <a:t>Le tasks del progetto erano le seguenti:</a:t>
-            </a:r>
-          </a:p>
-          <a:p>
-            <a:pPr lvl="1"/>
-            <a:r>
-              <a:rPr lang="it-IT" sz="1800" dirty="0">
-                <a:effectLst/>
-                <a:ea typeface="Calibri" panose="020F0502020204030204" pitchFamily="34" charset="0"/>
-                <a:cs typeface="Times New Roman" panose="02020603050405020304" pitchFamily="18" charset="0"/>
-              </a:rPr>
-              <a:t>Dato un POI, eseguire il conteggio degli ingressi tra due date. </a:t>
-            </a:r>
-          </a:p>
-          <a:p>
-            <a:pPr lvl="1"/>
-            <a:r>
-              <a:rPr lang="it-IT" sz="1800" dirty="0">
-                <a:effectLst/>
-                <a:ea typeface="Calibri" panose="020F0502020204030204" pitchFamily="34" charset="0"/>
-                <a:cs typeface="Times New Roman" panose="02020603050405020304" pitchFamily="18" charset="0"/>
-              </a:rPr>
-              <a:t>Dati in input due date trovare il POI con il minor numero di accessi in quel periodo.</a:t>
-            </a:r>
-          </a:p>
-          <a:p>
-            <a:pPr lvl="1"/>
-            <a:r>
-              <a:rPr lang="it-IT" sz="1800" dirty="0">
-                <a:effectLst/>
-                <a:ea typeface="Calibri" panose="020F0502020204030204" pitchFamily="34" charset="0"/>
-                <a:cs typeface="Times New Roman" panose="02020603050405020304" pitchFamily="18" charset="0"/>
-              </a:rPr>
-              <a:t>Data </a:t>
-            </a:r>
-            <a:r>
-              <a:rPr lang="it-IT" sz="1800" dirty="0" err="1">
-                <a:effectLst/>
-                <a:ea typeface="Calibri" panose="020F0502020204030204" pitchFamily="34" charset="0"/>
-                <a:cs typeface="Times New Roman" panose="02020603050405020304" pitchFamily="18" charset="0"/>
-              </a:rPr>
-              <a:t>id_VeronaCard</a:t>
-            </a:r>
-            <a:r>
-              <a:rPr lang="it-IT" sz="1800" dirty="0">
-                <a:effectLst/>
-                <a:ea typeface="Calibri" panose="020F0502020204030204" pitchFamily="34" charset="0"/>
-                <a:cs typeface="Times New Roman" panose="02020603050405020304" pitchFamily="18" charset="0"/>
-              </a:rPr>
-              <a:t> voglio sapere il suo storico di accessi.</a:t>
-            </a:r>
-          </a:p>
-          <a:p>
-            <a:r>
-              <a:rPr lang="it-IT" dirty="0" err="1"/>
-              <a:t>MongoDB</a:t>
-            </a:r>
-            <a:r>
-              <a:rPr lang="it-IT" dirty="0"/>
-              <a:t> offre una GUI specifica per la l’elaborazione e l’analisi dei dati chiamata </a:t>
-            </a:r>
-            <a:r>
-              <a:rPr lang="it-IT" dirty="0" err="1"/>
-              <a:t>Compass</a:t>
-            </a:r>
-            <a:r>
-              <a:rPr lang="it-IT" dirty="0"/>
-              <a:t>.</a:t>
-            </a:r>
-          </a:p>
-          <a:p>
-            <a:r>
-              <a:rPr lang="it-IT" dirty="0"/>
-              <a:t>Per la gestione dei dati mi sono affidato ad Atlas, un servizio di database cloud che permette agli sviluppatori di concentrarsi meglio sul </a:t>
-            </a:r>
-            <a:r>
-              <a:rPr lang="it-IT" dirty="0" err="1"/>
-              <a:t>developing</a:t>
-            </a:r>
-            <a:r>
-              <a:rPr lang="it-IT" dirty="0"/>
-              <a:t> Apps piuttosto che gestire il database. Infatti implementa automaticamente il processo di replica-set </a:t>
-            </a:r>
-          </a:p>
-        </p:txBody>
-      </p:sp>
-    </p:spTree>
-    <p:extLst>
-      <p:ext uri="{BB962C8B-B14F-4D97-AF65-F5344CB8AC3E}">
-        <p14:creationId xmlns:p14="http://schemas.microsoft.com/office/powerpoint/2010/main" val="2260727510"/>
-      </p:ext>
-    </p:extLst>
-  </p:cSld>
-  <p:clrMapOvr>
-    <a:masterClrMapping/>
-  </p:clrMapOvr>
-</p:sld>
-</file>
-
 <file path=ppt/slides/slide3.xml><?xml version="1.0" encoding="utf-8"?>
 <p:sld xmlns:a="http://schemas.openxmlformats.org/drawingml/2006/main" xmlns:r="http://schemas.openxmlformats.org/officeDocument/2006/relationships" xmlns:p="http://schemas.openxmlformats.org/presentationml/2006/main">
   <p:cSld>
@@ -13759,6 +14139,178 @@
     <p:extLst>
       <p:ext uri="{BB962C8B-B14F-4D97-AF65-F5344CB8AC3E}">
         <p14:creationId xmlns:p14="http://schemas.microsoft.com/office/powerpoint/2010/main" val="2974307821"/>
+      </p:ext>
+    </p:extLst>
+  </p:cSld>
+  <p:clrMapOvr>
+    <a:masterClrMapping/>
+  </p:clrMapOvr>
+</p:sld>
+</file>
+
+<file path=ppt/slides/slide30.xml><?xml version="1.0" encoding="utf-8"?>
+<p:sld xmlns:a="http://schemas.openxmlformats.org/drawingml/2006/main" xmlns:r="http://schemas.openxmlformats.org/officeDocument/2006/relationships" xmlns:p="http://schemas.openxmlformats.org/presentationml/2006/main">
+  <p:cSld>
+    <p:spTree>
+      <p:nvGrpSpPr>
+        <p:cNvPr id="1" name=""/>
+        <p:cNvGrpSpPr/>
+        <p:nvPr/>
+      </p:nvGrpSpPr>
+      <p:grpSpPr>
+        <a:xfrm>
+          <a:off x="0" y="0"/>
+          <a:ext cx="0" cy="0"/>
+          <a:chOff x="0" y="0"/>
+          <a:chExt cx="0" cy="0"/>
+        </a:xfrm>
+      </p:grpSpPr>
+      <p:sp>
+        <p:nvSpPr>
+          <p:cNvPr id="2" name="Titolo 1">
+            <a:extLst>
+              <a:ext uri="{FF2B5EF4-FFF2-40B4-BE49-F238E27FC236}">
+                <a16:creationId xmlns:a16="http://schemas.microsoft.com/office/drawing/2014/main" id="{608BE11A-0077-422B-85A0-0FBC2B94E77D}"/>
+              </a:ext>
+            </a:extLst>
+          </p:cNvPr>
+          <p:cNvSpPr>
+            <a:spLocks noGrp="1"/>
+          </p:cNvSpPr>
+          <p:nvPr>
+            <p:ph type="title"/>
+          </p:nvPr>
+        </p:nvSpPr>
+        <p:spPr/>
+        <p:txBody>
+          <a:bodyPr/>
+          <a:lstStyle/>
+          <a:p>
+            <a:r>
+              <a:rPr lang="it-IT" dirty="0"/>
+              <a:t>Specifiche e strumenti utilizzati</a:t>
+            </a:r>
+          </a:p>
+        </p:txBody>
+      </p:sp>
+      <p:sp>
+        <p:nvSpPr>
+          <p:cNvPr id="3" name="Segnaposto contenuto 2">
+            <a:extLst>
+              <a:ext uri="{FF2B5EF4-FFF2-40B4-BE49-F238E27FC236}">
+                <a16:creationId xmlns:a16="http://schemas.microsoft.com/office/drawing/2014/main" id="{012F8182-A4E7-4994-B6C9-4FCFAE4A23EB}"/>
+              </a:ext>
+            </a:extLst>
+          </p:cNvPr>
+          <p:cNvSpPr>
+            <a:spLocks noGrp="1"/>
+          </p:cNvSpPr>
+          <p:nvPr>
+            <p:ph idx="1"/>
+          </p:nvPr>
+        </p:nvSpPr>
+        <p:spPr>
+          <a:xfrm>
+            <a:off x="677334" y="2160589"/>
+            <a:ext cx="8596668" cy="4180053"/>
+          </a:xfrm>
+        </p:spPr>
+        <p:txBody>
+          <a:bodyPr/>
+          <a:lstStyle/>
+          <a:p>
+            <a:r>
+              <a:rPr lang="it-IT" dirty="0"/>
+              <a:t>Le tasks del progetto erano le seguenti:</a:t>
+            </a:r>
+          </a:p>
+          <a:p>
+            <a:pPr lvl="1"/>
+            <a:r>
+              <a:rPr lang="it-IT" sz="1800" dirty="0">
+                <a:effectLst/>
+                <a:ea typeface="Calibri" panose="020F0502020204030204" pitchFamily="34" charset="0"/>
+                <a:cs typeface="Times New Roman" panose="02020603050405020304" pitchFamily="18" charset="0"/>
+              </a:rPr>
+              <a:t>Dato un POI, eseguire il conteggio degli ingressi tra due date. </a:t>
+            </a:r>
+          </a:p>
+          <a:p>
+            <a:pPr lvl="1"/>
+            <a:r>
+              <a:rPr lang="it-IT" sz="1800" dirty="0">
+                <a:effectLst/>
+                <a:ea typeface="Calibri" panose="020F0502020204030204" pitchFamily="34" charset="0"/>
+                <a:cs typeface="Times New Roman" panose="02020603050405020304" pitchFamily="18" charset="0"/>
+              </a:rPr>
+              <a:t>Dati in input due date trovare il POI con il minor numero di accessi in quel periodo.</a:t>
+            </a:r>
+          </a:p>
+          <a:p>
+            <a:pPr lvl="1"/>
+            <a:r>
+              <a:rPr lang="it-IT" sz="1800" dirty="0">
+                <a:effectLst/>
+                <a:ea typeface="Calibri" panose="020F0502020204030204" pitchFamily="34" charset="0"/>
+                <a:cs typeface="Times New Roman" panose="02020603050405020304" pitchFamily="18" charset="0"/>
+              </a:rPr>
+              <a:t>Data </a:t>
+            </a:r>
+            <a:r>
+              <a:rPr lang="it-IT" sz="1800" dirty="0" err="1">
+                <a:effectLst/>
+                <a:ea typeface="Calibri" panose="020F0502020204030204" pitchFamily="34" charset="0"/>
+                <a:cs typeface="Times New Roman" panose="02020603050405020304" pitchFamily="18" charset="0"/>
+              </a:rPr>
+              <a:t>id_VeronaCard</a:t>
+            </a:r>
+            <a:r>
+              <a:rPr lang="it-IT" sz="1800" dirty="0">
+                <a:effectLst/>
+                <a:ea typeface="Calibri" panose="020F0502020204030204" pitchFamily="34" charset="0"/>
+                <a:cs typeface="Times New Roman" panose="02020603050405020304" pitchFamily="18" charset="0"/>
+              </a:rPr>
+              <a:t> voglio sapere il suo storico di accessi.</a:t>
+            </a:r>
+          </a:p>
+          <a:p>
+            <a:r>
+              <a:rPr lang="it-IT" dirty="0" err="1"/>
+              <a:t>MongoDB</a:t>
+            </a:r>
+            <a:r>
+              <a:rPr lang="it-IT" dirty="0"/>
+              <a:t> offre una GUI specifica per la l’elaborazione e l’analisi dei dati chiamata </a:t>
+            </a:r>
+            <a:r>
+              <a:rPr lang="it-IT" dirty="0" err="1"/>
+              <a:t>Compass</a:t>
+            </a:r>
+            <a:r>
+              <a:rPr lang="it-IT" dirty="0"/>
+              <a:t>.</a:t>
+            </a:r>
+          </a:p>
+          <a:p>
+            <a:r>
+              <a:rPr lang="it-IT" dirty="0"/>
+              <a:t>Per la gestione dei dati mi sono affidato ad Atlas, un servizio di database cloud che permette agli sviluppatori di concentrarsi meglio sul </a:t>
+            </a:r>
+            <a:r>
+              <a:rPr lang="it-IT" dirty="0" err="1"/>
+              <a:t>developing</a:t>
+            </a:r>
+            <a:r>
+              <a:rPr lang="it-IT" dirty="0"/>
+              <a:t> Apps piuttosto che gestire il database. Infatti implementa automaticamente il processo di replica-set </a:t>
+            </a:r>
+          </a:p>
+        </p:txBody>
+      </p:sp>
+    </p:spTree>
+    <p:extLst>
+      <p:ext uri="{BB962C8B-B14F-4D97-AF65-F5344CB8AC3E}">
+        <p14:creationId xmlns:p14="http://schemas.microsoft.com/office/powerpoint/2010/main" val="2260727510"/>
       </p:ext>
     </p:extLst>
   </p:cSld>

--- a/Presentazione_progetto.pptx
+++ b/Presentazione_progetto.pptx
@@ -226,7 +226,7 @@
           <a:p>
             <a:fld id="{5D86E91A-6C9D-48EA-9EAF-BBA9F3961CF9}" type="datetimeFigureOut">
               <a:rPr lang="it-IT" smtClean="0"/>
-              <a:t>15/04/2022</a:t>
+              <a:t>16/04/2022</a:t>
             </a:fld>
             <a:endParaRPr lang="it-IT"/>
           </a:p>
@@ -1370,6 +1370,19 @@
             </a:r>
             <a:endParaRPr lang="it-IT" dirty="0"/>
           </a:p>
+          <a:p>
+            <a:pPr marL="0" indent="0">
+              <a:buNone/>
+            </a:pPr>
+            <a:r>
+              <a:rPr lang="it-IT" dirty="0" err="1"/>
+              <a:t>Threshold</a:t>
+            </a:r>
+            <a:r>
+              <a:rPr lang="it-IT" dirty="0"/>
+              <a:t> è 2!!!!</a:t>
+            </a:r>
+          </a:p>
         </p:txBody>
       </p:sp>
       <p:sp>
@@ -1451,6 +1464,107 @@
         <p:txBody>
           <a:bodyPr/>
           <a:lstStyle/>
+          <a:p>
+            <a:r>
+              <a:rPr lang="it-IT" b="1" dirty="0"/>
+              <a:t>Cardinalità</a:t>
+            </a:r>
+            <a:r>
+              <a:rPr lang="it-IT" dirty="0"/>
+              <a:t>: determina il massimo numero di </a:t>
+            </a:r>
+            <a:r>
+              <a:rPr lang="it-IT" dirty="0" err="1"/>
+              <a:t>chunk</a:t>
+            </a:r>
+            <a:r>
+              <a:rPr lang="it-IT" dirty="0"/>
+              <a:t> che il </a:t>
+            </a:r>
+            <a:r>
+              <a:rPr lang="it-IT" dirty="0" err="1"/>
+              <a:t>balancer</a:t>
+            </a:r>
+            <a:r>
+              <a:rPr lang="it-IT" dirty="0"/>
+              <a:t> può creare. Meglio alta cardinalità. Se bassa riduco efficacia scalabilità orizzontale. Se è basso potrei considerare di creare chiave composta.</a:t>
+            </a:r>
+          </a:p>
+          <a:p>
+            <a:r>
+              <a:rPr lang="it-IT" b="1" dirty="0"/>
+              <a:t>Frequenza: </a:t>
+            </a:r>
+            <a:r>
+              <a:rPr lang="it-IT" b="0" dirty="0"/>
+              <a:t>Quanto spesso il valore di una data </a:t>
+            </a:r>
+            <a:r>
+              <a:rPr lang="it-IT" b="0" dirty="0" err="1"/>
+              <a:t>shard</a:t>
+            </a:r>
+            <a:r>
+              <a:rPr lang="it-IT" b="0" dirty="0"/>
+              <a:t> key occorre nei dati. Se la maggioranza dei documenti contiene solo un sottoinsieme dei possibili valore della chiave, allora i </a:t>
+            </a:r>
+            <a:r>
+              <a:rPr lang="it-IT" b="0" dirty="0" err="1"/>
+              <a:t>chunk</a:t>
+            </a:r>
+            <a:r>
+              <a:rPr lang="it-IT" b="0" dirty="0"/>
+              <a:t> che immagazzina i documenti con questi valori posso diventare dei colli di bottiglia del cluster.</a:t>
+            </a:r>
+          </a:p>
+          <a:p>
+            <a:r>
+              <a:rPr lang="it-IT" b="1" dirty="0"/>
+              <a:t>Crescita monolitica</a:t>
+            </a:r>
+            <a:r>
+              <a:rPr lang="it-IT" b="0" dirty="0"/>
+              <a:t>: essendo che ho un range di valori del </a:t>
+            </a:r>
+            <a:r>
+              <a:rPr lang="it-IT" b="0" dirty="0" err="1"/>
+              <a:t>chunk</a:t>
+            </a:r>
+            <a:r>
+              <a:rPr lang="it-IT" b="0" dirty="0"/>
+              <a:t> faccio attenzione che il valore max o min non sia sullo stesso </a:t>
+            </a:r>
+            <a:r>
+              <a:rPr lang="it-IT" b="0" dirty="0" err="1"/>
+              <a:t>shard</a:t>
+            </a:r>
+            <a:r>
+              <a:rPr lang="it-IT" b="0" dirty="0"/>
+              <a:t>.</a:t>
+            </a:r>
+          </a:p>
+          <a:p>
+            <a:r>
+              <a:rPr lang="it-IT" b="1" dirty="0"/>
+              <a:t>Key </a:t>
+            </a:r>
+            <a:r>
+              <a:rPr lang="it-IT" b="1" dirty="0" err="1"/>
+              <a:t>limit</a:t>
+            </a:r>
+            <a:r>
+              <a:rPr lang="it-IT" b="0" dirty="0"/>
+              <a:t>: dimensione(512bytes), versione </a:t>
+            </a:r>
+            <a:r>
+              <a:rPr lang="it-IT" b="0" dirty="0" err="1"/>
+              <a:t>mongodb</a:t>
+            </a:r>
+            <a:r>
+              <a:rPr lang="it-IT" b="0"/>
+              <a:t>.</a:t>
+            </a:r>
+            <a:endParaRPr lang="it-IT" b="1" dirty="0"/>
+          </a:p>
           <a:p>
             <a:endParaRPr lang="it-IT" dirty="0"/>
           </a:p>
@@ -3282,7 +3396,7 @@
           <a:p>
             <a:fld id="{5EEC1FBE-7A50-402B-9218-00262FCB5F53}" type="datetimeFigureOut">
               <a:rPr lang="it-IT" smtClean="0"/>
-              <a:t>15/04/2022</a:t>
+              <a:t>16/04/2022</a:t>
             </a:fld>
             <a:endParaRPr lang="it-IT"/>
           </a:p>
@@ -3533,7 +3647,7 @@
           <a:p>
             <a:fld id="{5EEC1FBE-7A50-402B-9218-00262FCB5F53}" type="datetimeFigureOut">
               <a:rPr lang="it-IT" smtClean="0"/>
-              <a:t>15/04/2022</a:t>
+              <a:t>16/04/2022</a:t>
             </a:fld>
             <a:endParaRPr lang="it-IT"/>
           </a:p>
@@ -3847,7 +3961,7 @@
           <a:p>
             <a:fld id="{5EEC1FBE-7A50-402B-9218-00262FCB5F53}" type="datetimeFigureOut">
               <a:rPr lang="it-IT" smtClean="0"/>
-              <a:t>15/04/2022</a:t>
+              <a:t>16/04/2022</a:t>
             </a:fld>
             <a:endParaRPr lang="it-IT"/>
           </a:p>
@@ -4188,7 +4302,7 @@
           <a:p>
             <a:fld id="{5EEC1FBE-7A50-402B-9218-00262FCB5F53}" type="datetimeFigureOut">
               <a:rPr lang="it-IT" smtClean="0"/>
-              <a:t>15/04/2022</a:t>
+              <a:t>16/04/2022</a:t>
             </a:fld>
             <a:endParaRPr lang="it-IT"/>
           </a:p>
@@ -4502,7 +4616,7 @@
           <a:p>
             <a:fld id="{5EEC1FBE-7A50-402B-9218-00262FCB5F53}" type="datetimeFigureOut">
               <a:rPr lang="it-IT" smtClean="0"/>
-              <a:t>15/04/2022</a:t>
+              <a:t>16/04/2022</a:t>
             </a:fld>
             <a:endParaRPr lang="it-IT"/>
           </a:p>
@@ -4895,7 +5009,7 @@
           <a:p>
             <a:fld id="{5EEC1FBE-7A50-402B-9218-00262FCB5F53}" type="datetimeFigureOut">
               <a:rPr lang="it-IT" smtClean="0"/>
-              <a:t>15/04/2022</a:t>
+              <a:t>16/04/2022</a:t>
             </a:fld>
             <a:endParaRPr lang="it-IT"/>
           </a:p>
@@ -5065,7 +5179,7 @@
           <a:p>
             <a:fld id="{5EEC1FBE-7A50-402B-9218-00262FCB5F53}" type="datetimeFigureOut">
               <a:rPr lang="it-IT" smtClean="0"/>
-              <a:t>15/04/2022</a:t>
+              <a:t>16/04/2022</a:t>
             </a:fld>
             <a:endParaRPr lang="it-IT"/>
           </a:p>
@@ -5245,7 +5359,7 @@
           <a:p>
             <a:fld id="{5EEC1FBE-7A50-402B-9218-00262FCB5F53}" type="datetimeFigureOut">
               <a:rPr lang="it-IT" smtClean="0"/>
-              <a:t>15/04/2022</a:t>
+              <a:t>16/04/2022</a:t>
             </a:fld>
             <a:endParaRPr lang="it-IT"/>
           </a:p>
@@ -5421,7 +5535,7 @@
           <a:p>
             <a:fld id="{5EEC1FBE-7A50-402B-9218-00262FCB5F53}" type="datetimeFigureOut">
               <a:rPr lang="it-IT" smtClean="0"/>
-              <a:t>15/04/2022</a:t>
+              <a:t>16/04/2022</a:t>
             </a:fld>
             <a:endParaRPr lang="it-IT"/>
           </a:p>
@@ -5668,7 +5782,7 @@
           <a:p>
             <a:fld id="{5EEC1FBE-7A50-402B-9218-00262FCB5F53}" type="datetimeFigureOut">
               <a:rPr lang="it-IT" smtClean="0"/>
-              <a:t>15/04/2022</a:t>
+              <a:t>16/04/2022</a:t>
             </a:fld>
             <a:endParaRPr lang="it-IT"/>
           </a:p>
@@ -5900,7 +6014,7 @@
           <a:p>
             <a:fld id="{5EEC1FBE-7A50-402B-9218-00262FCB5F53}" type="datetimeFigureOut">
               <a:rPr lang="it-IT" smtClean="0"/>
-              <a:t>15/04/2022</a:t>
+              <a:t>16/04/2022</a:t>
             </a:fld>
             <a:endParaRPr lang="it-IT"/>
           </a:p>
@@ -6274,7 +6388,7 @@
           <a:p>
             <a:fld id="{5EEC1FBE-7A50-402B-9218-00262FCB5F53}" type="datetimeFigureOut">
               <a:rPr lang="it-IT" smtClean="0"/>
-              <a:t>15/04/2022</a:t>
+              <a:t>16/04/2022</a:t>
             </a:fld>
             <a:endParaRPr lang="it-IT"/>
           </a:p>
@@ -6397,7 +6511,7 @@
           <a:p>
             <a:fld id="{5EEC1FBE-7A50-402B-9218-00262FCB5F53}" type="datetimeFigureOut">
               <a:rPr lang="it-IT" smtClean="0"/>
-              <a:t>15/04/2022</a:t>
+              <a:t>16/04/2022</a:t>
             </a:fld>
             <a:endParaRPr lang="it-IT"/>
           </a:p>
@@ -6492,7 +6606,7 @@
           <a:p>
             <a:fld id="{5EEC1FBE-7A50-402B-9218-00262FCB5F53}" type="datetimeFigureOut">
               <a:rPr lang="it-IT" smtClean="0"/>
-              <a:t>15/04/2022</a:t>
+              <a:t>16/04/2022</a:t>
             </a:fld>
             <a:endParaRPr lang="it-IT"/>
           </a:p>
@@ -6747,7 +6861,7 @@
           <a:p>
             <a:fld id="{5EEC1FBE-7A50-402B-9218-00262FCB5F53}" type="datetimeFigureOut">
               <a:rPr lang="it-IT" smtClean="0"/>
-              <a:t>15/04/2022</a:t>
+              <a:t>16/04/2022</a:t>
             </a:fld>
             <a:endParaRPr lang="it-IT"/>
           </a:p>
@@ -7010,7 +7124,7 @@
           <a:p>
             <a:fld id="{5EEC1FBE-7A50-402B-9218-00262FCB5F53}" type="datetimeFigureOut">
               <a:rPr lang="it-IT" smtClean="0"/>
-              <a:t>15/04/2022</a:t>
+              <a:t>16/04/2022</a:t>
             </a:fld>
             <a:endParaRPr lang="it-IT"/>
           </a:p>
@@ -7753,7 +7867,7 @@
           <a:p>
             <a:fld id="{5EEC1FBE-7A50-402B-9218-00262FCB5F53}" type="datetimeFigureOut">
               <a:rPr lang="it-IT" smtClean="0"/>
-              <a:t>15/04/2022</a:t>
+              <a:t>16/04/2022</a:t>
             </a:fld>
             <a:endParaRPr lang="it-IT"/>
           </a:p>
@@ -13340,9 +13454,16 @@
             <p:ph idx="1"/>
           </p:nvPr>
         </p:nvSpPr>
-        <p:spPr/>
-        <p:txBody>
-          <a:bodyPr/>
+        <p:spPr>
+          <a:xfrm>
+            <a:off x="677334" y="1235242"/>
+            <a:ext cx="8596668" cy="5422233"/>
+          </a:xfrm>
+        </p:spPr>
+        <p:txBody>
+          <a:bodyPr>
+            <a:normAutofit/>
+          </a:bodyPr>
           <a:lstStyle/>
           <a:p>
             <a:r>
@@ -13409,15 +13530,105 @@
             </a:r>
             <a:r>
               <a:rPr lang="it-IT" dirty="0"/>
-              <a:t> sorgente, inoltre è anche responsabile delle operazioni </a:t>
-            </a:r>
-            <a:r>
-              <a:rPr lang="it-IT"/>
-              <a:t>di scrittura.</a:t>
-            </a:r>
-          </a:p>
-          <a:p>
-            <a:endParaRPr lang="it-IT"/>
+              <a:t> sorgente, inoltre è anche responsabile delle operazioni di scrittura.</a:t>
+            </a:r>
+          </a:p>
+          <a:p>
+            <a:r>
+              <a:rPr lang="it-IT" dirty="0"/>
+              <a:t>Lo </a:t>
+            </a:r>
+            <a:r>
+              <a:rPr lang="it-IT" dirty="0" err="1"/>
+              <a:t>shard</a:t>
+            </a:r>
+            <a:r>
+              <a:rPr lang="it-IT" dirty="0"/>
+              <a:t> di destinazione compila tutti gli indici richiesti dal sorgente che non esistono nella destinazione.</a:t>
+            </a:r>
+          </a:p>
+          <a:p>
+            <a:r>
+              <a:rPr lang="it-IT" dirty="0"/>
+              <a:t>Lo </a:t>
+            </a:r>
+            <a:r>
+              <a:rPr lang="it-IT" dirty="0" err="1"/>
+              <a:t>shard</a:t>
+            </a:r>
+            <a:r>
+              <a:rPr lang="it-IT" dirty="0"/>
+              <a:t> di destinazione inizia a richiedere i documenti nel </a:t>
+            </a:r>
+            <a:r>
+              <a:rPr lang="it-IT" dirty="0" err="1"/>
+              <a:t>chunk</a:t>
+            </a:r>
+            <a:r>
+              <a:rPr lang="it-IT" dirty="0"/>
+              <a:t> e inizia a ricevere copie dei dati.</a:t>
+            </a:r>
+          </a:p>
+          <a:p>
+            <a:r>
+              <a:rPr lang="it-IT" dirty="0"/>
+              <a:t>Dopo aver inviato l’ultimo documento al </a:t>
+            </a:r>
+            <a:r>
+              <a:rPr lang="it-IT" dirty="0" err="1"/>
+              <a:t>chunk</a:t>
+            </a:r>
+            <a:r>
+              <a:rPr lang="it-IT" dirty="0"/>
+              <a:t>, lo </a:t>
+            </a:r>
+            <a:r>
+              <a:rPr lang="it-IT" dirty="0" err="1"/>
+              <a:t>shard</a:t>
+            </a:r>
+            <a:r>
+              <a:rPr lang="it-IT" dirty="0"/>
+              <a:t> di destinazione inizia il processo di sincronizzazione per essere sicuro di aver modificato i documenti migrati.</a:t>
+            </a:r>
+          </a:p>
+          <a:p>
+            <a:r>
+              <a:rPr lang="it-IT" dirty="0"/>
+              <a:t>Quando è completamente sincronizzato, lo </a:t>
+            </a:r>
+            <a:r>
+              <a:rPr lang="it-IT" dirty="0" err="1"/>
+              <a:t>shard</a:t>
+            </a:r>
+            <a:r>
+              <a:rPr lang="it-IT" dirty="0"/>
+              <a:t> sorgente si connette al database di configurazione e aggiorna i metadati del cluster con la nuova posizione del blocco.</a:t>
+            </a:r>
+          </a:p>
+          <a:p>
+            <a:r>
+              <a:rPr lang="it-IT" dirty="0"/>
+              <a:t>Finito l’</a:t>
+            </a:r>
+            <a:r>
+              <a:rPr lang="it-IT" dirty="0" err="1"/>
+              <a:t>aggionramento</a:t>
+            </a:r>
+            <a:r>
+              <a:rPr lang="it-IT" dirty="0"/>
+              <a:t> lo </a:t>
+            </a:r>
+            <a:r>
+              <a:rPr lang="it-IT" dirty="0" err="1"/>
+              <a:t>shard</a:t>
+            </a:r>
+            <a:r>
+              <a:rPr lang="it-IT" dirty="0"/>
+              <a:t> sorgente elimina la sua copia dei dati.</a:t>
+            </a:r>
+          </a:p>
+          <a:p>
+            <a:endParaRPr lang="it-IT" dirty="0"/>
           </a:p>
         </p:txBody>
       </p:sp>
@@ -13671,8 +13882,8 @@
         </p:nvSpPr>
         <p:spPr>
           <a:xfrm>
-            <a:off x="677334" y="1488613"/>
-            <a:ext cx="8596668" cy="3880773"/>
+            <a:off x="677334" y="1235243"/>
+            <a:ext cx="8596668" cy="5293894"/>
           </a:xfrm>
         </p:spPr>
         <p:txBody>
@@ -13681,7 +13892,15 @@
           <a:p>
             <a:r>
               <a:rPr lang="it-IT" dirty="0"/>
-              <a:t>influisce sulla creazione e distribuzione di blocchi tra gli </a:t>
+              <a:t>influisce sulla creazione e distribuzione dei </a:t>
+            </a:r>
+            <a:r>
+              <a:rPr lang="it-IT" dirty="0" err="1"/>
+              <a:t>chunks</a:t>
+            </a:r>
+            <a:r>
+              <a:rPr lang="it-IT" dirty="0"/>
+              <a:t> tra gli </a:t>
             </a:r>
             <a:r>
               <a:rPr lang="it-IT" dirty="0" err="1"/>
@@ -13711,103 +13930,59 @@
             </a:r>
             <a:r>
               <a:rPr lang="it-IT" dirty="0"/>
-              <a:t> di distribuire i documenti in modo uniforme in tutto il cluster, facilitando anche i modelli di query comuni.</a:t>
-            </a:r>
-          </a:p>
-          <a:p>
-            <a:pPr>
-              <a:buFont typeface="Arial" panose="020B0604020202020204" pitchFamily="34" charset="0"/>
-              <a:buChar char="•"/>
-            </a:pPr>
-            <a:r>
-              <a:rPr lang="en-US" dirty="0"/>
-              <a:t>the </a:t>
-            </a:r>
-            <a:r>
-              <a:rPr lang="en-US" dirty="0">
-                <a:hlinkClick r:id="rId3"/>
-              </a:rPr>
-              <a:t>cardinality</a:t>
-            </a:r>
-            <a:r>
-              <a:rPr lang="en-US" dirty="0"/>
-              <a:t> of the shard key</a:t>
-            </a:r>
-          </a:p>
-          <a:p>
-            <a:pPr>
-              <a:buFont typeface="Arial" panose="020B0604020202020204" pitchFamily="34" charset="0"/>
-              <a:buChar char="•"/>
-            </a:pPr>
-            <a:r>
-              <a:rPr lang="en-US" dirty="0"/>
-              <a:t>the </a:t>
-            </a:r>
-            <a:r>
-              <a:rPr lang="en-US" dirty="0">
-                <a:hlinkClick r:id="rId4"/>
-              </a:rPr>
-              <a:t>frequency</a:t>
-            </a:r>
-            <a:r>
-              <a:rPr lang="en-US" dirty="0"/>
-              <a:t> with which shard key values occur</a:t>
-            </a:r>
-          </a:p>
-          <a:p>
-            <a:pPr>
-              <a:buFont typeface="Arial" panose="020B0604020202020204" pitchFamily="34" charset="0"/>
-              <a:buChar char="•"/>
-            </a:pPr>
-            <a:r>
-              <a:rPr lang="en-US" dirty="0"/>
-              <a:t>whether a potential shard key grows </a:t>
-            </a:r>
-            <a:r>
-              <a:rPr lang="en-US" dirty="0">
-                <a:hlinkClick r:id="rId5"/>
-              </a:rPr>
-              <a:t>monotonically</a:t>
-            </a:r>
-            <a:endParaRPr lang="en-US" dirty="0"/>
-          </a:p>
-          <a:p>
-            <a:pPr>
-              <a:buFont typeface="Arial" panose="020B0604020202020204" pitchFamily="34" charset="0"/>
-              <a:buChar char="•"/>
-            </a:pPr>
-            <a:r>
-              <a:rPr lang="en-US" dirty="0" err="1">
-                <a:hlinkClick r:id="rId6"/>
-              </a:rPr>
+              <a:t> di distribuire i documenti in modo uniforme in tutto il cluster, facilitando anche i modelli di query comuni. Si tiene conto dei seguenti fattori:</a:t>
+            </a:r>
+          </a:p>
+          <a:p>
+            <a:pPr lvl="1"/>
+            <a:r>
+              <a:rPr lang="it-IT" sz="2400" dirty="0"/>
+              <a:t>Cardinalità della chiave.</a:t>
+            </a:r>
+          </a:p>
+          <a:p>
+            <a:pPr lvl="1"/>
+            <a:r>
+              <a:rPr lang="it-IT" sz="2400" dirty="0"/>
+              <a:t>Frequenza con la quale il valore della chiave occorre.</a:t>
+            </a:r>
+          </a:p>
+          <a:p>
+            <a:pPr lvl="1"/>
+            <a:r>
+              <a:rPr lang="it-IT" sz="2400" dirty="0"/>
+              <a:t>Se una potenziale chiave cresce in modo monotono.</a:t>
+            </a:r>
+          </a:p>
+          <a:p>
+            <a:pPr lvl="1"/>
+            <a:r>
+              <a:rPr lang="it-IT" sz="2400" dirty="0" err="1"/>
               <a:t>Sharding</a:t>
             </a:r>
             <a:r>
-              <a:rPr lang="en-US" dirty="0">
-                <a:hlinkClick r:id="rId6"/>
-              </a:rPr>
-              <a:t> Query Patterns</a:t>
-            </a:r>
-            <a:endParaRPr lang="en-US" dirty="0"/>
-          </a:p>
-          <a:p>
-            <a:pPr>
-              <a:buFont typeface="Arial" panose="020B0604020202020204" pitchFamily="34" charset="0"/>
-              <a:buChar char="•"/>
-            </a:pPr>
-            <a:r>
-              <a:rPr lang="en-US" dirty="0">
-                <a:hlinkClick r:id="rId7"/>
-              </a:rPr>
-              <a:t>Shard Key Limitations</a:t>
-            </a:r>
-            <a:endParaRPr lang="en-US" dirty="0"/>
-          </a:p>
-          <a:p>
-            <a:pPr marL="457200" lvl="1" indent="0">
-              <a:buNone/>
-            </a:pPr>
-            <a:endParaRPr lang="it-IT" dirty="0"/>
+              <a:rPr lang="it-IT" sz="2400" dirty="0"/>
+              <a:t> Query patterns.</a:t>
+            </a:r>
+          </a:p>
+          <a:p>
+            <a:pPr lvl="1"/>
+            <a:r>
+              <a:rPr lang="it-IT" sz="2400" dirty="0" err="1"/>
+              <a:t>Shard</a:t>
+            </a:r>
+            <a:r>
+              <a:rPr lang="it-IT" sz="2400" dirty="0"/>
+              <a:t> key </a:t>
+            </a:r>
+            <a:r>
+              <a:rPr lang="it-IT" sz="2400" dirty="0" err="1"/>
+              <a:t>Limitations</a:t>
+            </a:r>
+            <a:r>
+              <a:rPr lang="it-IT" sz="2400" dirty="0"/>
+              <a:t>.</a:t>
+            </a:r>
           </a:p>
         </p:txBody>
       </p:sp>

--- a/Presentazione_progetto.pptx
+++ b/Presentazione_progetto.pptx
@@ -5,7 +5,7 @@
     <p:sldMasterId id="2147483672" r:id="rId1"/>
   </p:sldMasterIdLst>
   <p:notesMasterIdLst>
-    <p:notesMasterId r:id="rId32"/>
+    <p:notesMasterId r:id="rId36"/>
   </p:notesMasterIdLst>
   <p:sldIdLst>
     <p:sldId id="256" r:id="rId2"/>
@@ -38,6 +38,10 @@
     <p:sldId id="283" r:id="rId29"/>
     <p:sldId id="279" r:id="rId30"/>
     <p:sldId id="281" r:id="rId31"/>
+    <p:sldId id="287" r:id="rId32"/>
+    <p:sldId id="288" r:id="rId33"/>
+    <p:sldId id="289" r:id="rId34"/>
+    <p:sldId id="290" r:id="rId35"/>
   </p:sldIdLst>
   <p:sldSz cx="12192000" cy="6858000"/>
   <p:notesSz cx="6858000" cy="9144000"/>
@@ -226,7 +230,7 @@
           <a:p>
             <a:fld id="{5D86E91A-6C9D-48EA-9EAF-BBA9F3961CF9}" type="datetimeFigureOut">
               <a:rPr lang="it-IT" smtClean="0"/>
-              <a:t>16/04/2022</a:t>
+              <a:t>21/04/2022</a:t>
             </a:fld>
             <a:endParaRPr lang="it-IT"/>
           </a:p>
@@ -1681,6 +1685,198 @@
     <p:extLst>
       <p:ext uri="{BB962C8B-B14F-4D97-AF65-F5344CB8AC3E}">
         <p14:creationId xmlns:p14="http://schemas.microsoft.com/office/powerpoint/2010/main" val="1062532552"/>
+      </p:ext>
+    </p:extLst>
+  </p:cSld>
+  <p:clrMapOvr>
+    <a:masterClrMapping/>
+  </p:clrMapOvr>
+</p:notes>
+</file>
+
+<file path=ppt/notesSlides/notesSlide18.xml><?xml version="1.0" encoding="utf-8"?>
+<p:notes xmlns:a="http://schemas.openxmlformats.org/drawingml/2006/main" xmlns:r="http://schemas.openxmlformats.org/officeDocument/2006/relationships" xmlns:p="http://schemas.openxmlformats.org/presentationml/2006/main">
+  <p:cSld>
+    <p:spTree>
+      <p:nvGrpSpPr>
+        <p:cNvPr id="1" name=""/>
+        <p:cNvGrpSpPr/>
+        <p:nvPr/>
+      </p:nvGrpSpPr>
+      <p:grpSpPr>
+        <a:xfrm>
+          <a:off x="0" y="0"/>
+          <a:ext cx="0" cy="0"/>
+          <a:chOff x="0" y="0"/>
+          <a:chExt cx="0" cy="0"/>
+        </a:xfrm>
+      </p:grpSpPr>
+      <p:sp>
+        <p:nvSpPr>
+          <p:cNvPr id="2" name="Segnaposto immagine diapositiva 1"/>
+          <p:cNvSpPr>
+            <a:spLocks noGrp="1" noRot="1" noChangeAspect="1"/>
+          </p:cNvSpPr>
+          <p:nvPr>
+            <p:ph type="sldImg"/>
+          </p:nvPr>
+        </p:nvSpPr>
+        <p:spPr/>
+      </p:sp>
+      <p:sp>
+        <p:nvSpPr>
+          <p:cNvPr id="3" name="Segnaposto note 2"/>
+          <p:cNvSpPr>
+            <a:spLocks noGrp="1"/>
+          </p:cNvSpPr>
+          <p:nvPr>
+            <p:ph type="body" idx="1"/>
+          </p:nvPr>
+        </p:nvSpPr>
+        <p:spPr/>
+        <p:txBody>
+          <a:bodyPr/>
+          <a:lstStyle/>
+          <a:p>
+            <a:pPr marL="228600" indent="-228600">
+              <a:buAutoNum type="arabicParenR"/>
+            </a:pPr>
+            <a:r>
+              <a:rPr lang="it-IT" dirty="0"/>
+              <a:t>Valuto cosa deve fare la mia applicazione, creo entità.</a:t>
+            </a:r>
+          </a:p>
+          <a:p>
+            <a:pPr marL="228600" indent="-228600">
+              <a:buAutoNum type="arabicParenR"/>
+            </a:pPr>
+            <a:r>
+              <a:rPr lang="it-IT" dirty="0"/>
+              <a:t>Mappo le mie entità.</a:t>
+            </a:r>
+          </a:p>
+          <a:p>
+            <a:pPr marL="228600" indent="-228600">
+              <a:buAutoNum type="arabicParenR"/>
+            </a:pPr>
+            <a:r>
+              <a:rPr lang="it-IT" dirty="0"/>
+              <a:t>Applico un pattern e alla fine avrò il mio schema dei dati.</a:t>
+            </a:r>
+          </a:p>
+        </p:txBody>
+      </p:sp>
+      <p:sp>
+        <p:nvSpPr>
+          <p:cNvPr id="4" name="Segnaposto numero diapositiva 3"/>
+          <p:cNvSpPr>
+            <a:spLocks noGrp="1"/>
+          </p:cNvSpPr>
+          <p:nvPr>
+            <p:ph type="sldNum" sz="quarter" idx="5"/>
+          </p:nvPr>
+        </p:nvSpPr>
+        <p:spPr/>
+        <p:txBody>
+          <a:bodyPr/>
+          <a:lstStyle/>
+          <a:p>
+            <a:fld id="{7B9EF5EE-42ED-4142-B01A-B637985E9B70}" type="slidenum">
+              <a:rPr lang="it-IT" smtClean="0"/>
+              <a:t>32</a:t>
+            </a:fld>
+            <a:endParaRPr lang="it-IT"/>
+          </a:p>
+        </p:txBody>
+      </p:sp>
+    </p:spTree>
+    <p:extLst>
+      <p:ext uri="{BB962C8B-B14F-4D97-AF65-F5344CB8AC3E}">
+        <p14:creationId xmlns:p14="http://schemas.microsoft.com/office/powerpoint/2010/main" val="1377568931"/>
+      </p:ext>
+    </p:extLst>
+  </p:cSld>
+  <p:clrMapOvr>
+    <a:masterClrMapping/>
+  </p:clrMapOvr>
+</p:notes>
+</file>
+
+<file path=ppt/notesSlides/notesSlide19.xml><?xml version="1.0" encoding="utf-8"?>
+<p:notes xmlns:a="http://schemas.openxmlformats.org/drawingml/2006/main" xmlns:r="http://schemas.openxmlformats.org/officeDocument/2006/relationships" xmlns:p="http://schemas.openxmlformats.org/presentationml/2006/main">
+  <p:cSld>
+    <p:spTree>
+      <p:nvGrpSpPr>
+        <p:cNvPr id="1" name=""/>
+        <p:cNvGrpSpPr/>
+        <p:nvPr/>
+      </p:nvGrpSpPr>
+      <p:grpSpPr>
+        <a:xfrm>
+          <a:off x="0" y="0"/>
+          <a:ext cx="0" cy="0"/>
+          <a:chOff x="0" y="0"/>
+          <a:chExt cx="0" cy="0"/>
+        </a:xfrm>
+      </p:grpSpPr>
+      <p:sp>
+        <p:nvSpPr>
+          <p:cNvPr id="2" name="Segnaposto immagine diapositiva 1"/>
+          <p:cNvSpPr>
+            <a:spLocks noGrp="1" noRot="1" noChangeAspect="1"/>
+          </p:cNvSpPr>
+          <p:nvPr>
+            <p:ph type="sldImg"/>
+          </p:nvPr>
+        </p:nvSpPr>
+        <p:spPr/>
+      </p:sp>
+      <p:sp>
+        <p:nvSpPr>
+          <p:cNvPr id="3" name="Segnaposto note 2"/>
+          <p:cNvSpPr>
+            <a:spLocks noGrp="1"/>
+          </p:cNvSpPr>
+          <p:nvPr>
+            <p:ph type="body" idx="1"/>
+          </p:nvPr>
+        </p:nvSpPr>
+        <p:spPr/>
+        <p:txBody>
+          <a:bodyPr/>
+          <a:lstStyle/>
+          <a:p>
+            <a:endParaRPr lang="it-IT" dirty="0"/>
+          </a:p>
+        </p:txBody>
+      </p:sp>
+      <p:sp>
+        <p:nvSpPr>
+          <p:cNvPr id="4" name="Segnaposto numero diapositiva 3"/>
+          <p:cNvSpPr>
+            <a:spLocks noGrp="1"/>
+          </p:cNvSpPr>
+          <p:nvPr>
+            <p:ph type="sldNum" sz="quarter" idx="5"/>
+          </p:nvPr>
+        </p:nvSpPr>
+        <p:spPr/>
+        <p:txBody>
+          <a:bodyPr/>
+          <a:lstStyle/>
+          <a:p>
+            <a:fld id="{7B9EF5EE-42ED-4142-B01A-B637985E9B70}" type="slidenum">
+              <a:rPr lang="it-IT" smtClean="0"/>
+              <a:t>33</a:t>
+            </a:fld>
+            <a:endParaRPr lang="it-IT"/>
+          </a:p>
+        </p:txBody>
+      </p:sp>
+    </p:spTree>
+    <p:extLst>
+      <p:ext uri="{BB962C8B-B14F-4D97-AF65-F5344CB8AC3E}">
+        <p14:creationId xmlns:p14="http://schemas.microsoft.com/office/powerpoint/2010/main" val="3687896817"/>
       </p:ext>
     </p:extLst>
   </p:cSld>
@@ -3396,7 +3592,7 @@
           <a:p>
             <a:fld id="{5EEC1FBE-7A50-402B-9218-00262FCB5F53}" type="datetimeFigureOut">
               <a:rPr lang="it-IT" smtClean="0"/>
-              <a:t>16/04/2022</a:t>
+              <a:t>21/04/2022</a:t>
             </a:fld>
             <a:endParaRPr lang="it-IT"/>
           </a:p>
@@ -3647,7 +3843,7 @@
           <a:p>
             <a:fld id="{5EEC1FBE-7A50-402B-9218-00262FCB5F53}" type="datetimeFigureOut">
               <a:rPr lang="it-IT" smtClean="0"/>
-              <a:t>16/04/2022</a:t>
+              <a:t>21/04/2022</a:t>
             </a:fld>
             <a:endParaRPr lang="it-IT"/>
           </a:p>
@@ -3961,7 +4157,7 @@
           <a:p>
             <a:fld id="{5EEC1FBE-7A50-402B-9218-00262FCB5F53}" type="datetimeFigureOut">
               <a:rPr lang="it-IT" smtClean="0"/>
-              <a:t>16/04/2022</a:t>
+              <a:t>21/04/2022</a:t>
             </a:fld>
             <a:endParaRPr lang="it-IT"/>
           </a:p>
@@ -4302,7 +4498,7 @@
           <a:p>
             <a:fld id="{5EEC1FBE-7A50-402B-9218-00262FCB5F53}" type="datetimeFigureOut">
               <a:rPr lang="it-IT" smtClean="0"/>
-              <a:t>16/04/2022</a:t>
+              <a:t>21/04/2022</a:t>
             </a:fld>
             <a:endParaRPr lang="it-IT"/>
           </a:p>
@@ -4616,7 +4812,7 @@
           <a:p>
             <a:fld id="{5EEC1FBE-7A50-402B-9218-00262FCB5F53}" type="datetimeFigureOut">
               <a:rPr lang="it-IT" smtClean="0"/>
-              <a:t>16/04/2022</a:t>
+              <a:t>21/04/2022</a:t>
             </a:fld>
             <a:endParaRPr lang="it-IT"/>
           </a:p>
@@ -5009,7 +5205,7 @@
           <a:p>
             <a:fld id="{5EEC1FBE-7A50-402B-9218-00262FCB5F53}" type="datetimeFigureOut">
               <a:rPr lang="it-IT" smtClean="0"/>
-              <a:t>16/04/2022</a:t>
+              <a:t>21/04/2022</a:t>
             </a:fld>
             <a:endParaRPr lang="it-IT"/>
           </a:p>
@@ -5179,7 +5375,7 @@
           <a:p>
             <a:fld id="{5EEC1FBE-7A50-402B-9218-00262FCB5F53}" type="datetimeFigureOut">
               <a:rPr lang="it-IT" smtClean="0"/>
-              <a:t>16/04/2022</a:t>
+              <a:t>21/04/2022</a:t>
             </a:fld>
             <a:endParaRPr lang="it-IT"/>
           </a:p>
@@ -5359,7 +5555,7 @@
           <a:p>
             <a:fld id="{5EEC1FBE-7A50-402B-9218-00262FCB5F53}" type="datetimeFigureOut">
               <a:rPr lang="it-IT" smtClean="0"/>
-              <a:t>16/04/2022</a:t>
+              <a:t>21/04/2022</a:t>
             </a:fld>
             <a:endParaRPr lang="it-IT"/>
           </a:p>
@@ -5535,7 +5731,7 @@
           <a:p>
             <a:fld id="{5EEC1FBE-7A50-402B-9218-00262FCB5F53}" type="datetimeFigureOut">
               <a:rPr lang="it-IT" smtClean="0"/>
-              <a:t>16/04/2022</a:t>
+              <a:t>21/04/2022</a:t>
             </a:fld>
             <a:endParaRPr lang="it-IT"/>
           </a:p>
@@ -5782,7 +5978,7 @@
           <a:p>
             <a:fld id="{5EEC1FBE-7A50-402B-9218-00262FCB5F53}" type="datetimeFigureOut">
               <a:rPr lang="it-IT" smtClean="0"/>
-              <a:t>16/04/2022</a:t>
+              <a:t>21/04/2022</a:t>
             </a:fld>
             <a:endParaRPr lang="it-IT"/>
           </a:p>
@@ -6014,7 +6210,7 @@
           <a:p>
             <a:fld id="{5EEC1FBE-7A50-402B-9218-00262FCB5F53}" type="datetimeFigureOut">
               <a:rPr lang="it-IT" smtClean="0"/>
-              <a:t>16/04/2022</a:t>
+              <a:t>21/04/2022</a:t>
             </a:fld>
             <a:endParaRPr lang="it-IT"/>
           </a:p>
@@ -6388,7 +6584,7 @@
           <a:p>
             <a:fld id="{5EEC1FBE-7A50-402B-9218-00262FCB5F53}" type="datetimeFigureOut">
               <a:rPr lang="it-IT" smtClean="0"/>
-              <a:t>16/04/2022</a:t>
+              <a:t>21/04/2022</a:t>
             </a:fld>
             <a:endParaRPr lang="it-IT"/>
           </a:p>
@@ -6511,7 +6707,7 @@
           <a:p>
             <a:fld id="{5EEC1FBE-7A50-402B-9218-00262FCB5F53}" type="datetimeFigureOut">
               <a:rPr lang="it-IT" smtClean="0"/>
-              <a:t>16/04/2022</a:t>
+              <a:t>21/04/2022</a:t>
             </a:fld>
             <a:endParaRPr lang="it-IT"/>
           </a:p>
@@ -6606,7 +6802,7 @@
           <a:p>
             <a:fld id="{5EEC1FBE-7A50-402B-9218-00262FCB5F53}" type="datetimeFigureOut">
               <a:rPr lang="it-IT" smtClean="0"/>
-              <a:t>16/04/2022</a:t>
+              <a:t>21/04/2022</a:t>
             </a:fld>
             <a:endParaRPr lang="it-IT"/>
           </a:p>
@@ -6861,7 +7057,7 @@
           <a:p>
             <a:fld id="{5EEC1FBE-7A50-402B-9218-00262FCB5F53}" type="datetimeFigureOut">
               <a:rPr lang="it-IT" smtClean="0"/>
-              <a:t>16/04/2022</a:t>
+              <a:t>21/04/2022</a:t>
             </a:fld>
             <a:endParaRPr lang="it-IT"/>
           </a:p>
@@ -7124,7 +7320,7 @@
           <a:p>
             <a:fld id="{5EEC1FBE-7A50-402B-9218-00262FCB5F53}" type="datetimeFigureOut">
               <a:rPr lang="it-IT" smtClean="0"/>
-              <a:t>16/04/2022</a:t>
+              <a:t>21/04/2022</a:t>
             </a:fld>
             <a:endParaRPr lang="it-IT"/>
           </a:p>
@@ -7867,7 +8063,7 @@
           <a:p>
             <a:fld id="{5EEC1FBE-7A50-402B-9218-00262FCB5F53}" type="datetimeFigureOut">
               <a:rPr lang="it-IT" smtClean="0"/>
-              <a:t>16/04/2022</a:t>
+              <a:t>21/04/2022</a:t>
             </a:fld>
             <a:endParaRPr lang="it-IT"/>
           </a:p>
@@ -14391,7 +14587,9 @@
           </a:xfrm>
         </p:spPr>
         <p:txBody>
-          <a:bodyPr/>
+          <a:bodyPr>
+            <a:normAutofit lnSpcReduction="10000"/>
+          </a:bodyPr>
           <a:lstStyle/>
           <a:p>
             <a:r>
@@ -14407,8 +14605,20 @@
                 <a:ea typeface="Calibri" panose="020F0502020204030204" pitchFamily="34" charset="0"/>
                 <a:cs typeface="Times New Roman" panose="02020603050405020304" pitchFamily="18" charset="0"/>
               </a:rPr>
-              <a:t>Dato un POI, eseguire il conteggio degli ingressi tra due date. </a:t>
-            </a:r>
+              <a:t>Dato un POI, eseguire il conteggio degli ingressi tra due date</a:t>
+            </a:r>
+            <a:r>
+              <a:rPr lang="it-IT" sz="1800" dirty="0">
+                <a:ea typeface="Calibri" panose="020F0502020204030204" pitchFamily="34" charset="0"/>
+                <a:cs typeface="Times New Roman" panose="02020603050405020304" pitchFamily="18" charset="0"/>
+              </a:rPr>
+              <a:t>. In output si vogliono tutti i giorni compresi tra le due date con il relativo numero di ingressi.</a:t>
+            </a:r>
+            <a:endParaRPr lang="it-IT" sz="1800" dirty="0">
+              <a:effectLst/>
+              <a:ea typeface="Calibri" panose="020F0502020204030204" pitchFamily="34" charset="0"/>
+              <a:cs typeface="Times New Roman" panose="02020603050405020304" pitchFamily="18" charset="0"/>
+            </a:endParaRPr>
           </a:p>
           <a:p>
             <a:pPr lvl="1"/>
@@ -14477,7 +14687,7 @@
             </a:r>
             <a:r>
               <a:rPr lang="it-IT" dirty="0"/>
-              <a:t> Apps piuttosto che gestire il database. Infatti implementa automaticamente il processo di replica-set </a:t>
+              <a:t> Apps piuttosto che gestire il database. Infatti implementa automaticamente il processo di replica-set.</a:t>
             </a:r>
           </a:p>
         </p:txBody>
@@ -14486,6 +14696,972 @@
     <p:extLst>
       <p:ext uri="{BB962C8B-B14F-4D97-AF65-F5344CB8AC3E}">
         <p14:creationId xmlns:p14="http://schemas.microsoft.com/office/powerpoint/2010/main" val="2260727510"/>
+      </p:ext>
+    </p:extLst>
+  </p:cSld>
+  <p:clrMapOvr>
+    <a:masterClrMapping/>
+  </p:clrMapOvr>
+</p:sld>
+</file>
+
+<file path=ppt/slides/slide31.xml><?xml version="1.0" encoding="utf-8"?>
+<p:sld xmlns:a="http://schemas.openxmlformats.org/drawingml/2006/main" xmlns:r="http://schemas.openxmlformats.org/officeDocument/2006/relationships" xmlns:p="http://schemas.openxmlformats.org/presentationml/2006/main">
+  <p:cSld>
+    <p:spTree>
+      <p:nvGrpSpPr>
+        <p:cNvPr id="1" name=""/>
+        <p:cNvGrpSpPr/>
+        <p:nvPr/>
+      </p:nvGrpSpPr>
+      <p:grpSpPr>
+        <a:xfrm>
+          <a:off x="0" y="0"/>
+          <a:ext cx="0" cy="0"/>
+          <a:chOff x="0" y="0"/>
+          <a:chExt cx="0" cy="0"/>
+        </a:xfrm>
+      </p:grpSpPr>
+      <p:sp>
+        <p:nvSpPr>
+          <p:cNvPr id="2" name="Titolo 1">
+            <a:extLst>
+              <a:ext uri="{FF2B5EF4-FFF2-40B4-BE49-F238E27FC236}">
+                <a16:creationId xmlns:a16="http://schemas.microsoft.com/office/drawing/2014/main" id="{7A6EE89B-5A4C-4F51-83ED-9B417251587D}"/>
+              </a:ext>
+            </a:extLst>
+          </p:cNvPr>
+          <p:cNvSpPr>
+            <a:spLocks noGrp="1"/>
+          </p:cNvSpPr>
+          <p:nvPr>
+            <p:ph type="title"/>
+          </p:nvPr>
+        </p:nvSpPr>
+        <p:spPr/>
+        <p:txBody>
+          <a:bodyPr/>
+          <a:lstStyle/>
+          <a:p>
+            <a:r>
+              <a:rPr lang="it-IT" dirty="0"/>
+              <a:t>Data </a:t>
+            </a:r>
+            <a:r>
+              <a:rPr lang="it-IT" dirty="0" err="1"/>
+              <a:t>modeling</a:t>
+            </a:r>
+            <a:endParaRPr lang="it-IT" dirty="0"/>
+          </a:p>
+        </p:txBody>
+      </p:sp>
+      <p:sp>
+        <p:nvSpPr>
+          <p:cNvPr id="3" name="Segnaposto contenuto 2">
+            <a:extLst>
+              <a:ext uri="{FF2B5EF4-FFF2-40B4-BE49-F238E27FC236}">
+                <a16:creationId xmlns:a16="http://schemas.microsoft.com/office/drawing/2014/main" id="{2F03ADB4-9141-4F65-BE09-40A8C9C5295C}"/>
+              </a:ext>
+            </a:extLst>
+          </p:cNvPr>
+          <p:cNvSpPr>
+            <a:spLocks noGrp="1"/>
+          </p:cNvSpPr>
+          <p:nvPr>
+            <p:ph idx="1"/>
+          </p:nvPr>
+        </p:nvSpPr>
+        <p:spPr>
+          <a:xfrm>
+            <a:off x="677334" y="1428542"/>
+            <a:ext cx="8596668" cy="1003716"/>
+          </a:xfrm>
+        </p:spPr>
+        <p:txBody>
+          <a:bodyPr/>
+          <a:lstStyle/>
+          <a:p>
+            <a:r>
+              <a:rPr lang="it-IT" dirty="0"/>
+              <a:t>Rispetto all’approccio relazionale </a:t>
+            </a:r>
+            <a:r>
+              <a:rPr lang="it-IT" dirty="0" err="1"/>
+              <a:t>MongoDB</a:t>
+            </a:r>
+            <a:r>
+              <a:rPr lang="it-IT" dirty="0"/>
+              <a:t> ragiona in modo inverso, cioè parto a progettare il mio modello dei dati pensando a cosa deve fare la mia applicazione in primis.</a:t>
+            </a:r>
+          </a:p>
+        </p:txBody>
+      </p:sp>
+      <p:pic>
+        <p:nvPicPr>
+          <p:cNvPr id="5" name="Immagine 4">
+            <a:extLst>
+              <a:ext uri="{FF2B5EF4-FFF2-40B4-BE49-F238E27FC236}">
+                <a16:creationId xmlns:a16="http://schemas.microsoft.com/office/drawing/2014/main" id="{F490F67C-B0F6-4708-83D9-A6FCE43CA89A}"/>
+              </a:ext>
+            </a:extLst>
+          </p:cNvPr>
+          <p:cNvPicPr>
+            <a:picLocks noChangeAspect="1"/>
+          </p:cNvPicPr>
+          <p:nvPr/>
+        </p:nvPicPr>
+        <p:blipFill>
+          <a:blip r:embed="rId2">
+            <a:extLst>
+              <a:ext uri="{28A0092B-C50C-407E-A947-70E740481C1C}">
+                <a14:useLocalDpi xmlns:a14="http://schemas.microsoft.com/office/drawing/2010/main" val="0"/>
+              </a:ext>
+            </a:extLst>
+          </a:blip>
+          <a:stretch>
+            <a:fillRect/>
+          </a:stretch>
+        </p:blipFill>
+        <p:spPr>
+          <a:xfrm>
+            <a:off x="1082841" y="2432257"/>
+            <a:ext cx="7510570" cy="4176853"/>
+          </a:xfrm>
+          <a:prstGeom prst="rect">
+            <a:avLst/>
+          </a:prstGeom>
+        </p:spPr>
+      </p:pic>
+    </p:spTree>
+    <p:extLst>
+      <p:ext uri="{BB962C8B-B14F-4D97-AF65-F5344CB8AC3E}">
+        <p14:creationId xmlns:p14="http://schemas.microsoft.com/office/powerpoint/2010/main" val="2366539359"/>
+      </p:ext>
+    </p:extLst>
+  </p:cSld>
+  <p:clrMapOvr>
+    <a:masterClrMapping/>
+  </p:clrMapOvr>
+</p:sld>
+</file>
+
+<file path=ppt/slides/slide32.xml><?xml version="1.0" encoding="utf-8"?>
+<p:sld xmlns:a="http://schemas.openxmlformats.org/drawingml/2006/main" xmlns:r="http://schemas.openxmlformats.org/officeDocument/2006/relationships" xmlns:p="http://schemas.openxmlformats.org/presentationml/2006/main">
+  <p:cSld>
+    <p:spTree>
+      <p:nvGrpSpPr>
+        <p:cNvPr id="1" name=""/>
+        <p:cNvGrpSpPr/>
+        <p:nvPr/>
+      </p:nvGrpSpPr>
+      <p:grpSpPr>
+        <a:xfrm>
+          <a:off x="0" y="0"/>
+          <a:ext cx="0" cy="0"/>
+          <a:chOff x="0" y="0"/>
+          <a:chExt cx="0" cy="0"/>
+        </a:xfrm>
+      </p:grpSpPr>
+      <p:pic>
+        <p:nvPicPr>
+          <p:cNvPr id="5" name="Immagine 4">
+            <a:extLst>
+              <a:ext uri="{FF2B5EF4-FFF2-40B4-BE49-F238E27FC236}">
+                <a16:creationId xmlns:a16="http://schemas.microsoft.com/office/drawing/2014/main" id="{5D17CD1A-C40D-42FB-AC0F-FEF1BF8AF752}"/>
+              </a:ext>
+            </a:extLst>
+          </p:cNvPr>
+          <p:cNvPicPr>
+            <a:picLocks noChangeAspect="1"/>
+          </p:cNvPicPr>
+          <p:nvPr/>
+        </p:nvPicPr>
+        <p:blipFill>
+          <a:blip r:embed="rId3">
+            <a:extLst>
+              <a:ext uri="{28A0092B-C50C-407E-A947-70E740481C1C}">
+                <a14:useLocalDpi xmlns:a14="http://schemas.microsoft.com/office/drawing/2010/main" val="0"/>
+              </a:ext>
+            </a:extLst>
+          </a:blip>
+          <a:stretch>
+            <a:fillRect/>
+          </a:stretch>
+        </p:blipFill>
+        <p:spPr>
+          <a:xfrm>
+            <a:off x="0" y="0"/>
+            <a:ext cx="12398121" cy="6858000"/>
+          </a:xfrm>
+          <a:prstGeom prst="rect">
+            <a:avLst/>
+          </a:prstGeom>
+        </p:spPr>
+      </p:pic>
+    </p:spTree>
+    <p:extLst>
+      <p:ext uri="{BB962C8B-B14F-4D97-AF65-F5344CB8AC3E}">
+        <p14:creationId xmlns:p14="http://schemas.microsoft.com/office/powerpoint/2010/main" val="1332978165"/>
+      </p:ext>
+    </p:extLst>
+  </p:cSld>
+  <p:clrMapOvr>
+    <a:masterClrMapping/>
+  </p:clrMapOvr>
+</p:sld>
+</file>
+
+<file path=ppt/slides/slide33.xml><?xml version="1.0" encoding="utf-8"?>
+<p:sld xmlns:a="http://schemas.openxmlformats.org/drawingml/2006/main" xmlns:r="http://schemas.openxmlformats.org/officeDocument/2006/relationships" xmlns:p="http://schemas.openxmlformats.org/presentationml/2006/main">
+  <p:cSld>
+    <p:spTree>
+      <p:nvGrpSpPr>
+        <p:cNvPr id="1" name=""/>
+        <p:cNvGrpSpPr/>
+        <p:nvPr/>
+      </p:nvGrpSpPr>
+      <p:grpSpPr>
+        <a:xfrm>
+          <a:off x="0" y="0"/>
+          <a:ext cx="0" cy="0"/>
+          <a:chOff x="0" y="0"/>
+          <a:chExt cx="0" cy="0"/>
+        </a:xfrm>
+      </p:grpSpPr>
+      <p:sp>
+        <p:nvSpPr>
+          <p:cNvPr id="2" name="Titolo 1">
+            <a:extLst>
+              <a:ext uri="{FF2B5EF4-FFF2-40B4-BE49-F238E27FC236}">
+                <a16:creationId xmlns:a16="http://schemas.microsoft.com/office/drawing/2014/main" id="{505DC4E6-D7F2-4C12-95DD-39160B0ED8E3}"/>
+              </a:ext>
+            </a:extLst>
+          </p:cNvPr>
+          <p:cNvSpPr>
+            <a:spLocks noGrp="1"/>
+          </p:cNvSpPr>
+          <p:nvPr>
+            <p:ph type="title"/>
+          </p:nvPr>
+        </p:nvSpPr>
+        <p:spPr>
+          <a:xfrm>
+            <a:off x="677334" y="609600"/>
+            <a:ext cx="8596668" cy="701842"/>
+          </a:xfrm>
+        </p:spPr>
+        <p:txBody>
+          <a:bodyPr/>
+          <a:lstStyle/>
+          <a:p>
+            <a:r>
+              <a:rPr lang="it-IT" dirty="0"/>
+              <a:t>Schema logico dei dati</a:t>
+            </a:r>
+          </a:p>
+        </p:txBody>
+      </p:sp>
+      <p:pic>
+        <p:nvPicPr>
+          <p:cNvPr id="5" name="Immagine 4">
+            <a:extLst>
+              <a:ext uri="{FF2B5EF4-FFF2-40B4-BE49-F238E27FC236}">
+                <a16:creationId xmlns:a16="http://schemas.microsoft.com/office/drawing/2014/main" id="{53FA8A71-9DC1-44FD-9599-3DB2D5F9C683}"/>
+              </a:ext>
+            </a:extLst>
+          </p:cNvPr>
+          <p:cNvPicPr>
+            <a:picLocks noChangeAspect="1"/>
+          </p:cNvPicPr>
+          <p:nvPr/>
+        </p:nvPicPr>
+        <p:blipFill>
+          <a:blip r:embed="rId3">
+            <a:extLst>
+              <a:ext uri="{28A0092B-C50C-407E-A947-70E740481C1C}">
+                <a14:useLocalDpi xmlns:a14="http://schemas.microsoft.com/office/drawing/2010/main" val="0"/>
+              </a:ext>
+            </a:extLst>
+          </a:blip>
+          <a:stretch>
+            <a:fillRect/>
+          </a:stretch>
+        </p:blipFill>
+        <p:spPr>
+          <a:xfrm>
+            <a:off x="854743" y="1275346"/>
+            <a:ext cx="7230478" cy="5293895"/>
+          </a:xfrm>
+          <a:prstGeom prst="rect">
+            <a:avLst/>
+          </a:prstGeom>
+        </p:spPr>
+      </p:pic>
+    </p:spTree>
+    <p:extLst>
+      <p:ext uri="{BB962C8B-B14F-4D97-AF65-F5344CB8AC3E}">
+        <p14:creationId xmlns:p14="http://schemas.microsoft.com/office/powerpoint/2010/main" val="815869220"/>
+      </p:ext>
+    </p:extLst>
+  </p:cSld>
+  <p:clrMapOvr>
+    <a:masterClrMapping/>
+  </p:clrMapOvr>
+</p:sld>
+</file>
+
+<file path=ppt/slides/slide34.xml><?xml version="1.0" encoding="utf-8"?>
+<p:sld xmlns:a="http://schemas.openxmlformats.org/drawingml/2006/main" xmlns:r="http://schemas.openxmlformats.org/officeDocument/2006/relationships" xmlns:p="http://schemas.openxmlformats.org/presentationml/2006/main">
+  <p:cSld>
+    <p:spTree>
+      <p:nvGrpSpPr>
+        <p:cNvPr id="1" name=""/>
+        <p:cNvGrpSpPr/>
+        <p:nvPr/>
+      </p:nvGrpSpPr>
+      <p:grpSpPr>
+        <a:xfrm>
+          <a:off x="0" y="0"/>
+          <a:ext cx="0" cy="0"/>
+          <a:chOff x="0" y="0"/>
+          <a:chExt cx="0" cy="0"/>
+        </a:xfrm>
+      </p:grpSpPr>
+      <p:sp>
+        <p:nvSpPr>
+          <p:cNvPr id="2" name="Titolo 1">
+            <a:extLst>
+              <a:ext uri="{FF2B5EF4-FFF2-40B4-BE49-F238E27FC236}">
+                <a16:creationId xmlns:a16="http://schemas.microsoft.com/office/drawing/2014/main" id="{16F0DD66-9DAE-4E77-9A89-E53DC404FAB5}"/>
+              </a:ext>
+            </a:extLst>
+          </p:cNvPr>
+          <p:cNvSpPr>
+            <a:spLocks noGrp="1"/>
+          </p:cNvSpPr>
+          <p:nvPr>
+            <p:ph type="title"/>
+          </p:nvPr>
+        </p:nvSpPr>
+        <p:spPr>
+          <a:xfrm>
+            <a:off x="677334" y="609600"/>
+            <a:ext cx="8596668" cy="749968"/>
+          </a:xfrm>
+        </p:spPr>
+        <p:txBody>
+          <a:bodyPr/>
+          <a:lstStyle/>
+          <a:p>
+            <a:r>
+              <a:rPr lang="it-IT" dirty="0"/>
+              <a:t>Schema fisico dei dati</a:t>
+            </a:r>
+          </a:p>
+        </p:txBody>
+      </p:sp>
+      <p:sp>
+        <p:nvSpPr>
+          <p:cNvPr id="4" name="Rettangolo 3">
+            <a:extLst>
+              <a:ext uri="{FF2B5EF4-FFF2-40B4-BE49-F238E27FC236}">
+                <a16:creationId xmlns:a16="http://schemas.microsoft.com/office/drawing/2014/main" id="{54933985-3374-41D7-8E06-BD4E24C1D519}"/>
+              </a:ext>
+            </a:extLst>
+          </p:cNvPr>
+          <p:cNvSpPr/>
+          <p:nvPr/>
+        </p:nvSpPr>
+        <p:spPr>
+          <a:xfrm>
+            <a:off x="1317458" y="1562102"/>
+            <a:ext cx="2959768" cy="749968"/>
+          </a:xfrm>
+          <a:prstGeom prst="rect">
+            <a:avLst/>
+          </a:prstGeom>
+        </p:spPr>
+        <p:style>
+          <a:lnRef idx="2">
+            <a:schemeClr val="accent1">
+              <a:shade val="50000"/>
+            </a:schemeClr>
+          </a:lnRef>
+          <a:fillRef idx="1">
+            <a:schemeClr val="accent1"/>
+          </a:fillRef>
+          <a:effectRef idx="0">
+            <a:schemeClr val="accent1"/>
+          </a:effectRef>
+          <a:fontRef idx="minor">
+            <a:schemeClr val="lt1"/>
+          </a:fontRef>
+        </p:style>
+        <p:txBody>
+          <a:bodyPr rtlCol="0" anchor="ctr"/>
+          <a:lstStyle/>
+          <a:p>
+            <a:pPr algn="ctr"/>
+            <a:r>
+              <a:rPr lang="it-IT" dirty="0"/>
+              <a:t>&lt;&lt;Bucket&gt;&gt; POI {1}</a:t>
+            </a:r>
+          </a:p>
+        </p:txBody>
+      </p:sp>
+      <p:sp>
+        <p:nvSpPr>
+          <p:cNvPr id="5" name="Rettangolo 4">
+            <a:extLst>
+              <a:ext uri="{FF2B5EF4-FFF2-40B4-BE49-F238E27FC236}">
+                <a16:creationId xmlns:a16="http://schemas.microsoft.com/office/drawing/2014/main" id="{CF7466F7-C894-481D-B8C7-ADC2AECD5733}"/>
+              </a:ext>
+            </a:extLst>
+          </p:cNvPr>
+          <p:cNvSpPr/>
+          <p:nvPr/>
+        </p:nvSpPr>
+        <p:spPr>
+          <a:xfrm>
+            <a:off x="6434892" y="1562102"/>
+            <a:ext cx="2959768" cy="749968"/>
+          </a:xfrm>
+          <a:prstGeom prst="rect">
+            <a:avLst/>
+          </a:prstGeom>
+        </p:spPr>
+        <p:style>
+          <a:lnRef idx="2">
+            <a:schemeClr val="accent1">
+              <a:shade val="50000"/>
+            </a:schemeClr>
+          </a:lnRef>
+          <a:fillRef idx="1">
+            <a:schemeClr val="accent1"/>
+          </a:fillRef>
+          <a:effectRef idx="0">
+            <a:schemeClr val="accent1"/>
+          </a:effectRef>
+          <a:fontRef idx="minor">
+            <a:schemeClr val="lt1"/>
+          </a:fontRef>
+        </p:style>
+        <p:txBody>
+          <a:bodyPr rtlCol="0" anchor="ctr"/>
+          <a:lstStyle/>
+          <a:p>
+            <a:pPr algn="ctr"/>
+            <a:r>
+              <a:rPr lang="it-IT" dirty="0"/>
+              <a:t>&lt;&lt;Bucket&gt;&gt; </a:t>
+            </a:r>
+            <a:r>
+              <a:rPr lang="it-IT" dirty="0" err="1"/>
+              <a:t>id_Card</a:t>
+            </a:r>
+            <a:r>
+              <a:rPr lang="it-IT" dirty="0"/>
+              <a:t> {1}</a:t>
+            </a:r>
+          </a:p>
+        </p:txBody>
+      </p:sp>
+      <p:sp>
+        <p:nvSpPr>
+          <p:cNvPr id="6" name="Rettangolo 5">
+            <a:extLst>
+              <a:ext uri="{FF2B5EF4-FFF2-40B4-BE49-F238E27FC236}">
+                <a16:creationId xmlns:a16="http://schemas.microsoft.com/office/drawing/2014/main" id="{780C6FBF-0A75-42B1-BA14-8EE5B12C6BEC}"/>
+              </a:ext>
+            </a:extLst>
+          </p:cNvPr>
+          <p:cNvSpPr/>
+          <p:nvPr/>
+        </p:nvSpPr>
+        <p:spPr>
+          <a:xfrm>
+            <a:off x="553453" y="2911642"/>
+            <a:ext cx="4487779" cy="1608223"/>
+          </a:xfrm>
+          <a:prstGeom prst="rect">
+            <a:avLst/>
+          </a:prstGeom>
+        </p:spPr>
+        <p:style>
+          <a:lnRef idx="2">
+            <a:schemeClr val="accent1">
+              <a:shade val="50000"/>
+            </a:schemeClr>
+          </a:lnRef>
+          <a:fillRef idx="1">
+            <a:schemeClr val="accent1"/>
+          </a:fillRef>
+          <a:effectRef idx="0">
+            <a:schemeClr val="accent1"/>
+          </a:effectRef>
+          <a:fontRef idx="minor">
+            <a:schemeClr val="lt1"/>
+          </a:fontRef>
+        </p:style>
+        <p:txBody>
+          <a:bodyPr rtlCol="0" anchor="ctr"/>
+          <a:lstStyle/>
+          <a:p>
+            <a:pPr algn="ctr"/>
+            <a:r>
+              <a:rPr lang="it-IT" dirty="0"/>
+              <a:t>&lt;&lt;</a:t>
+            </a:r>
+            <a:r>
+              <a:rPr lang="it-IT" dirty="0" err="1"/>
+              <a:t>DocumentType</a:t>
+            </a:r>
+            <a:r>
+              <a:rPr lang="it-IT" dirty="0"/>
+              <a:t>&gt;&gt;</a:t>
+            </a:r>
+          </a:p>
+          <a:p>
+            <a:pPr algn="ctr"/>
+            <a:r>
+              <a:rPr lang="it-IT" dirty="0"/>
+              <a:t>POI</a:t>
+            </a:r>
+          </a:p>
+          <a:p>
+            <a:pPr algn="ctr"/>
+            <a:r>
+              <a:rPr lang="it-IT" dirty="0" err="1"/>
+              <a:t>name:String</a:t>
+            </a:r>
+            <a:endParaRPr lang="it-IT" dirty="0"/>
+          </a:p>
+          <a:p>
+            <a:pPr algn="ctr"/>
+            <a:r>
+              <a:rPr lang="it-IT" dirty="0" err="1"/>
+              <a:t>Code_device:integer</a:t>
+            </a:r>
+            <a:endParaRPr lang="it-IT" dirty="0"/>
+          </a:p>
+          <a:p>
+            <a:pPr algn="ctr"/>
+            <a:r>
+              <a:rPr lang="it-IT" dirty="0" err="1"/>
+              <a:t>Info_access:Data_Hour_access_POI</a:t>
+            </a:r>
+            <a:endParaRPr lang="it-IT" dirty="0"/>
+          </a:p>
+          <a:p>
+            <a:pPr algn="ctr"/>
+            <a:endParaRPr lang="it-IT" dirty="0"/>
+          </a:p>
+        </p:txBody>
+      </p:sp>
+      <p:cxnSp>
+        <p:nvCxnSpPr>
+          <p:cNvPr id="8" name="Connettore diritto 7">
+            <a:extLst>
+              <a:ext uri="{FF2B5EF4-FFF2-40B4-BE49-F238E27FC236}">
+                <a16:creationId xmlns:a16="http://schemas.microsoft.com/office/drawing/2014/main" id="{5B6F0C82-AACC-4BFD-B2BB-82C630CE2920}"/>
+              </a:ext>
+            </a:extLst>
+          </p:cNvPr>
+          <p:cNvCxnSpPr>
+            <a:cxnSpLocks/>
+          </p:cNvCxnSpPr>
+          <p:nvPr/>
+        </p:nvCxnSpPr>
+        <p:spPr>
+          <a:xfrm>
+            <a:off x="553453" y="3429000"/>
+            <a:ext cx="4487779" cy="0"/>
+          </a:xfrm>
+          <a:prstGeom prst="line">
+            <a:avLst/>
+          </a:prstGeom>
+          <a:ln w="28575"/>
+        </p:spPr>
+        <p:style>
+          <a:lnRef idx="1">
+            <a:schemeClr val="dk1"/>
+          </a:lnRef>
+          <a:fillRef idx="0">
+            <a:schemeClr val="dk1"/>
+          </a:fillRef>
+          <a:effectRef idx="0">
+            <a:schemeClr val="dk1"/>
+          </a:effectRef>
+          <a:fontRef idx="minor">
+            <a:schemeClr val="tx1"/>
+          </a:fontRef>
+        </p:style>
+      </p:cxnSp>
+      <p:sp>
+        <p:nvSpPr>
+          <p:cNvPr id="10" name="Rettangolo 9">
+            <a:extLst>
+              <a:ext uri="{FF2B5EF4-FFF2-40B4-BE49-F238E27FC236}">
+                <a16:creationId xmlns:a16="http://schemas.microsoft.com/office/drawing/2014/main" id="{14ED2D19-AB91-47A1-88AD-745D854119C2}"/>
+              </a:ext>
+            </a:extLst>
+          </p:cNvPr>
+          <p:cNvSpPr/>
+          <p:nvPr/>
+        </p:nvSpPr>
+        <p:spPr>
+          <a:xfrm>
+            <a:off x="553453" y="5093370"/>
+            <a:ext cx="4797034" cy="1118935"/>
+          </a:xfrm>
+          <a:prstGeom prst="rect">
+            <a:avLst/>
+          </a:prstGeom>
+        </p:spPr>
+        <p:style>
+          <a:lnRef idx="2">
+            <a:schemeClr val="accent1">
+              <a:shade val="50000"/>
+            </a:schemeClr>
+          </a:lnRef>
+          <a:fillRef idx="1">
+            <a:schemeClr val="accent1"/>
+          </a:fillRef>
+          <a:effectRef idx="0">
+            <a:schemeClr val="accent1"/>
+          </a:effectRef>
+          <a:fontRef idx="minor">
+            <a:schemeClr val="lt1"/>
+          </a:fontRef>
+        </p:style>
+        <p:txBody>
+          <a:bodyPr rtlCol="0" anchor="ctr"/>
+          <a:lstStyle/>
+          <a:p>
+            <a:pPr algn="ctr"/>
+            <a:r>
+              <a:rPr lang="it-IT" dirty="0"/>
+              <a:t>&lt;&lt;</a:t>
+            </a:r>
+            <a:r>
+              <a:rPr lang="it-IT" dirty="0" err="1"/>
+              <a:t>DataType</a:t>
+            </a:r>
+            <a:r>
+              <a:rPr lang="it-IT" dirty="0"/>
+              <a:t>&gt;&gt;</a:t>
+            </a:r>
+          </a:p>
+          <a:p>
+            <a:pPr algn="ctr"/>
+            <a:r>
+              <a:rPr lang="it-IT" dirty="0" err="1"/>
+              <a:t>Data_Hour_access_POI</a:t>
+            </a:r>
+            <a:endParaRPr lang="it-IT" dirty="0"/>
+          </a:p>
+          <a:p>
+            <a:pPr algn="ctr"/>
+            <a:r>
+              <a:rPr lang="it-IT" dirty="0" err="1"/>
+              <a:t>accessTime:Timestamp</a:t>
+            </a:r>
+            <a:endParaRPr lang="it-IT" dirty="0"/>
+          </a:p>
+        </p:txBody>
+      </p:sp>
+      <p:cxnSp>
+        <p:nvCxnSpPr>
+          <p:cNvPr id="12" name="Connettore diritto 11">
+            <a:extLst>
+              <a:ext uri="{FF2B5EF4-FFF2-40B4-BE49-F238E27FC236}">
+                <a16:creationId xmlns:a16="http://schemas.microsoft.com/office/drawing/2014/main" id="{FF673B4A-7123-4AED-BA62-E71B58DDE247}"/>
+              </a:ext>
+            </a:extLst>
+          </p:cNvPr>
+          <p:cNvCxnSpPr>
+            <a:cxnSpLocks/>
+          </p:cNvCxnSpPr>
+          <p:nvPr/>
+        </p:nvCxnSpPr>
+        <p:spPr>
+          <a:xfrm>
+            <a:off x="553453" y="5815266"/>
+            <a:ext cx="4800600" cy="0"/>
+          </a:xfrm>
+          <a:prstGeom prst="line">
+            <a:avLst/>
+          </a:prstGeom>
+          <a:ln w="38100"/>
+        </p:spPr>
+        <p:style>
+          <a:lnRef idx="1">
+            <a:schemeClr val="dk1"/>
+          </a:lnRef>
+          <a:fillRef idx="0">
+            <a:schemeClr val="dk1"/>
+          </a:fillRef>
+          <a:effectRef idx="0">
+            <a:schemeClr val="dk1"/>
+          </a:effectRef>
+          <a:fontRef idx="minor">
+            <a:schemeClr val="tx1"/>
+          </a:fontRef>
+        </p:style>
+      </p:cxnSp>
+      <p:sp>
+        <p:nvSpPr>
+          <p:cNvPr id="17" name="Rettangolo 16">
+            <a:extLst>
+              <a:ext uri="{FF2B5EF4-FFF2-40B4-BE49-F238E27FC236}">
+                <a16:creationId xmlns:a16="http://schemas.microsoft.com/office/drawing/2014/main" id="{DF700FE1-9E5C-41AE-B247-30E55F8CA601}"/>
+              </a:ext>
+            </a:extLst>
+          </p:cNvPr>
+          <p:cNvSpPr/>
+          <p:nvPr/>
+        </p:nvSpPr>
+        <p:spPr>
+          <a:xfrm>
+            <a:off x="5666874" y="2911642"/>
+            <a:ext cx="4860758" cy="1794712"/>
+          </a:xfrm>
+          <a:prstGeom prst="rect">
+            <a:avLst/>
+          </a:prstGeom>
+        </p:spPr>
+        <p:style>
+          <a:lnRef idx="2">
+            <a:schemeClr val="accent1">
+              <a:shade val="50000"/>
+            </a:schemeClr>
+          </a:lnRef>
+          <a:fillRef idx="1">
+            <a:schemeClr val="accent1"/>
+          </a:fillRef>
+          <a:effectRef idx="0">
+            <a:schemeClr val="accent1"/>
+          </a:effectRef>
+          <a:fontRef idx="minor">
+            <a:schemeClr val="lt1"/>
+          </a:fontRef>
+        </p:style>
+        <p:txBody>
+          <a:bodyPr rtlCol="0" anchor="ctr"/>
+          <a:lstStyle/>
+          <a:p>
+            <a:pPr algn="ctr"/>
+            <a:r>
+              <a:rPr lang="it-IT" dirty="0"/>
+              <a:t>&lt;&lt;</a:t>
+            </a:r>
+            <a:r>
+              <a:rPr lang="it-IT" dirty="0" err="1"/>
+              <a:t>DocumentType</a:t>
+            </a:r>
+            <a:r>
+              <a:rPr lang="it-IT" dirty="0"/>
+              <a:t>&gt;&gt;</a:t>
+            </a:r>
+          </a:p>
+          <a:p>
+            <a:pPr algn="ctr"/>
+            <a:r>
+              <a:rPr lang="it-IT" dirty="0" err="1"/>
+              <a:t>Id:String</a:t>
+            </a:r>
+            <a:endParaRPr lang="it-IT" dirty="0"/>
+          </a:p>
+          <a:p>
+            <a:pPr algn="ctr"/>
+            <a:r>
+              <a:rPr lang="it-IT" dirty="0" err="1"/>
+              <a:t>Activation:Date</a:t>
+            </a:r>
+            <a:endParaRPr lang="it-IT" dirty="0"/>
+          </a:p>
+          <a:p>
+            <a:pPr algn="ctr"/>
+            <a:r>
+              <a:rPr lang="it-IT" dirty="0" err="1"/>
+              <a:t>Type:string</a:t>
+            </a:r>
+            <a:endParaRPr lang="it-IT" dirty="0"/>
+          </a:p>
+          <a:p>
+            <a:pPr algn="ctr"/>
+            <a:r>
+              <a:rPr lang="it-IT" dirty="0" err="1"/>
+              <a:t>Info_access:Data_Hour_access_Id</a:t>
+            </a:r>
+            <a:endParaRPr lang="it-IT" dirty="0"/>
+          </a:p>
+        </p:txBody>
+      </p:sp>
+      <p:sp>
+        <p:nvSpPr>
+          <p:cNvPr id="18" name="Rettangolo 17">
+            <a:extLst>
+              <a:ext uri="{FF2B5EF4-FFF2-40B4-BE49-F238E27FC236}">
+                <a16:creationId xmlns:a16="http://schemas.microsoft.com/office/drawing/2014/main" id="{FFD5FD16-0FE4-4445-B84E-79A8C5BC076E}"/>
+              </a:ext>
+            </a:extLst>
+          </p:cNvPr>
+          <p:cNvSpPr/>
+          <p:nvPr/>
+        </p:nvSpPr>
+        <p:spPr>
+          <a:xfrm>
+            <a:off x="6096000" y="5093370"/>
+            <a:ext cx="4114800" cy="1295397"/>
+          </a:xfrm>
+          <a:prstGeom prst="rect">
+            <a:avLst/>
+          </a:prstGeom>
+        </p:spPr>
+        <p:style>
+          <a:lnRef idx="2">
+            <a:schemeClr val="accent1">
+              <a:shade val="50000"/>
+            </a:schemeClr>
+          </a:lnRef>
+          <a:fillRef idx="1">
+            <a:schemeClr val="accent1"/>
+          </a:fillRef>
+          <a:effectRef idx="0">
+            <a:schemeClr val="accent1"/>
+          </a:effectRef>
+          <a:fontRef idx="minor">
+            <a:schemeClr val="lt1"/>
+          </a:fontRef>
+        </p:style>
+        <p:txBody>
+          <a:bodyPr rtlCol="0" anchor="ctr"/>
+          <a:lstStyle/>
+          <a:p>
+            <a:pPr algn="ctr"/>
+            <a:r>
+              <a:rPr lang="it-IT" dirty="0"/>
+              <a:t>&lt;&lt;</a:t>
+            </a:r>
+            <a:r>
+              <a:rPr lang="it-IT" dirty="0" err="1"/>
+              <a:t>DataType</a:t>
+            </a:r>
+            <a:r>
+              <a:rPr lang="it-IT" dirty="0"/>
+              <a:t>&gt;&gt;</a:t>
+            </a:r>
+          </a:p>
+          <a:p>
+            <a:pPr algn="ctr"/>
+            <a:r>
+              <a:rPr lang="it-IT" dirty="0" err="1"/>
+              <a:t>Data_Hour_access_Id</a:t>
+            </a:r>
+            <a:endParaRPr lang="it-IT" dirty="0"/>
+          </a:p>
+          <a:p>
+            <a:pPr algn="ctr"/>
+            <a:r>
+              <a:rPr lang="it-IT" dirty="0" err="1"/>
+              <a:t>POI:string</a:t>
+            </a:r>
+            <a:endParaRPr lang="it-IT" dirty="0"/>
+          </a:p>
+          <a:p>
+            <a:pPr algn="ctr"/>
+            <a:r>
+              <a:rPr lang="it-IT" dirty="0" err="1"/>
+              <a:t>Data_Hour_access:Timestamp</a:t>
+            </a:r>
+            <a:endParaRPr lang="it-IT" dirty="0"/>
+          </a:p>
+        </p:txBody>
+      </p:sp>
+      <p:cxnSp>
+        <p:nvCxnSpPr>
+          <p:cNvPr id="20" name="Connettore diritto 19">
+            <a:extLst>
+              <a:ext uri="{FF2B5EF4-FFF2-40B4-BE49-F238E27FC236}">
+                <a16:creationId xmlns:a16="http://schemas.microsoft.com/office/drawing/2014/main" id="{38E2C32F-4F7B-479D-B630-09CB501EAFA8}"/>
+              </a:ext>
+            </a:extLst>
+          </p:cNvPr>
+          <p:cNvCxnSpPr>
+            <a:cxnSpLocks/>
+          </p:cNvCxnSpPr>
+          <p:nvPr/>
+        </p:nvCxnSpPr>
+        <p:spPr>
+          <a:xfrm>
+            <a:off x="5666874" y="3697704"/>
+            <a:ext cx="4860758" cy="0"/>
+          </a:xfrm>
+          <a:prstGeom prst="line">
+            <a:avLst/>
+          </a:prstGeom>
+          <a:ln w="28575"/>
+        </p:spPr>
+        <p:style>
+          <a:lnRef idx="1">
+            <a:schemeClr val="dk1"/>
+          </a:lnRef>
+          <a:fillRef idx="0">
+            <a:schemeClr val="dk1"/>
+          </a:fillRef>
+          <a:effectRef idx="0">
+            <a:schemeClr val="dk1"/>
+          </a:effectRef>
+          <a:fontRef idx="minor">
+            <a:schemeClr val="tx1"/>
+          </a:fontRef>
+        </p:style>
+      </p:cxnSp>
+      <p:cxnSp>
+        <p:nvCxnSpPr>
+          <p:cNvPr id="23" name="Connettore diritto 22">
+            <a:extLst>
+              <a:ext uri="{FF2B5EF4-FFF2-40B4-BE49-F238E27FC236}">
+                <a16:creationId xmlns:a16="http://schemas.microsoft.com/office/drawing/2014/main" id="{0B8C2626-3396-4F16-9535-02AE00DACF65}"/>
+              </a:ext>
+            </a:extLst>
+          </p:cNvPr>
+          <p:cNvCxnSpPr>
+            <a:cxnSpLocks/>
+            <a:endCxn id="18" idx="3"/>
+          </p:cNvCxnSpPr>
+          <p:nvPr/>
+        </p:nvCxnSpPr>
+        <p:spPr>
+          <a:xfrm>
+            <a:off x="6096000" y="5714999"/>
+            <a:ext cx="4114800" cy="26070"/>
+          </a:xfrm>
+          <a:prstGeom prst="line">
+            <a:avLst/>
+          </a:prstGeom>
+          <a:ln w="28575"/>
+        </p:spPr>
+        <p:style>
+          <a:lnRef idx="1">
+            <a:schemeClr val="dk1"/>
+          </a:lnRef>
+          <a:fillRef idx="0">
+            <a:schemeClr val="dk1"/>
+          </a:fillRef>
+          <a:effectRef idx="0">
+            <a:schemeClr val="dk1"/>
+          </a:effectRef>
+          <a:fontRef idx="minor">
+            <a:schemeClr val="tx1"/>
+          </a:fontRef>
+        </p:style>
+      </p:cxnSp>
+    </p:spTree>
+    <p:extLst>
+      <p:ext uri="{BB962C8B-B14F-4D97-AF65-F5344CB8AC3E}">
+        <p14:creationId xmlns:p14="http://schemas.microsoft.com/office/powerpoint/2010/main" val="2881563050"/>
       </p:ext>
     </p:extLst>
   </p:cSld>

--- a/Presentazione_progetto.pptx
+++ b/Presentazione_progetto.pptx
@@ -5,7 +5,7 @@
     <p:sldMasterId id="2147483672" r:id="rId1"/>
   </p:sldMasterIdLst>
   <p:notesMasterIdLst>
-    <p:notesMasterId r:id="rId36"/>
+    <p:notesMasterId r:id="rId45"/>
   </p:notesMasterIdLst>
   <p:sldIdLst>
     <p:sldId id="256" r:id="rId2"/>
@@ -42,6 +42,15 @@
     <p:sldId id="288" r:id="rId33"/>
     <p:sldId id="289" r:id="rId34"/>
     <p:sldId id="290" r:id="rId35"/>
+    <p:sldId id="291" r:id="rId36"/>
+    <p:sldId id="292" r:id="rId37"/>
+    <p:sldId id="293" r:id="rId38"/>
+    <p:sldId id="298" r:id="rId39"/>
+    <p:sldId id="294" r:id="rId40"/>
+    <p:sldId id="295" r:id="rId41"/>
+    <p:sldId id="296" r:id="rId42"/>
+    <p:sldId id="297" r:id="rId43"/>
+    <p:sldId id="299" r:id="rId44"/>
   </p:sldIdLst>
   <p:sldSz cx="12192000" cy="6858000"/>
   <p:notesSz cx="6858000" cy="9144000"/>
@@ -230,7 +239,7 @@
           <a:p>
             <a:fld id="{5D86E91A-6C9D-48EA-9EAF-BBA9F3961CF9}" type="datetimeFigureOut">
               <a:rPr lang="it-IT" smtClean="0"/>
-              <a:t>21/04/2022</a:t>
+              <a:t>22/04/2022</a:t>
             </a:fld>
             <a:endParaRPr lang="it-IT"/>
           </a:p>
@@ -1964,6 +1973,174 @@
     <p:extLst>
       <p:ext uri="{BB962C8B-B14F-4D97-AF65-F5344CB8AC3E}">
         <p14:creationId xmlns:p14="http://schemas.microsoft.com/office/powerpoint/2010/main" val="104391915"/>
+      </p:ext>
+    </p:extLst>
+  </p:cSld>
+  <p:clrMapOvr>
+    <a:masterClrMapping/>
+  </p:clrMapOvr>
+</p:notes>
+</file>
+
+<file path=ppt/notesSlides/notesSlide20.xml><?xml version="1.0" encoding="utf-8"?>
+<p:notes xmlns:a="http://schemas.openxmlformats.org/drawingml/2006/main" xmlns:r="http://schemas.openxmlformats.org/officeDocument/2006/relationships" xmlns:p="http://schemas.openxmlformats.org/presentationml/2006/main">
+  <p:cSld>
+    <p:spTree>
+      <p:nvGrpSpPr>
+        <p:cNvPr id="1" name=""/>
+        <p:cNvGrpSpPr/>
+        <p:nvPr/>
+      </p:nvGrpSpPr>
+      <p:grpSpPr>
+        <a:xfrm>
+          <a:off x="0" y="0"/>
+          <a:ext cx="0" cy="0"/>
+          <a:chOff x="0" y="0"/>
+          <a:chExt cx="0" cy="0"/>
+        </a:xfrm>
+      </p:grpSpPr>
+      <p:sp>
+        <p:nvSpPr>
+          <p:cNvPr id="2" name="Segnaposto immagine diapositiva 1"/>
+          <p:cNvSpPr>
+            <a:spLocks noGrp="1" noRot="1" noChangeAspect="1"/>
+          </p:cNvSpPr>
+          <p:nvPr>
+            <p:ph type="sldImg"/>
+          </p:nvPr>
+        </p:nvSpPr>
+        <p:spPr/>
+      </p:sp>
+      <p:sp>
+        <p:nvSpPr>
+          <p:cNvPr id="3" name="Segnaposto note 2"/>
+          <p:cNvSpPr>
+            <a:spLocks noGrp="1"/>
+          </p:cNvSpPr>
+          <p:nvPr>
+            <p:ph type="body" idx="1"/>
+          </p:nvPr>
+        </p:nvSpPr>
+        <p:spPr/>
+        <p:txBody>
+          <a:bodyPr/>
+          <a:lstStyle/>
+          <a:p>
+            <a:endParaRPr lang="it-IT" dirty="0"/>
+          </a:p>
+        </p:txBody>
+      </p:sp>
+      <p:sp>
+        <p:nvSpPr>
+          <p:cNvPr id="4" name="Segnaposto numero diapositiva 3"/>
+          <p:cNvSpPr>
+            <a:spLocks noGrp="1"/>
+          </p:cNvSpPr>
+          <p:nvPr>
+            <p:ph type="sldNum" sz="quarter" idx="5"/>
+          </p:nvPr>
+        </p:nvSpPr>
+        <p:spPr/>
+        <p:txBody>
+          <a:bodyPr/>
+          <a:lstStyle/>
+          <a:p>
+            <a:fld id="{7B9EF5EE-42ED-4142-B01A-B637985E9B70}" type="slidenum">
+              <a:rPr lang="it-IT" smtClean="0"/>
+              <a:t>42</a:t>
+            </a:fld>
+            <a:endParaRPr lang="it-IT"/>
+          </a:p>
+        </p:txBody>
+      </p:sp>
+    </p:spTree>
+    <p:extLst>
+      <p:ext uri="{BB962C8B-B14F-4D97-AF65-F5344CB8AC3E}">
+        <p14:creationId xmlns:p14="http://schemas.microsoft.com/office/powerpoint/2010/main" val="269251680"/>
+      </p:ext>
+    </p:extLst>
+  </p:cSld>
+  <p:clrMapOvr>
+    <a:masterClrMapping/>
+  </p:clrMapOvr>
+</p:notes>
+</file>
+
+<file path=ppt/notesSlides/notesSlide21.xml><?xml version="1.0" encoding="utf-8"?>
+<p:notes xmlns:a="http://schemas.openxmlformats.org/drawingml/2006/main" xmlns:r="http://schemas.openxmlformats.org/officeDocument/2006/relationships" xmlns:p="http://schemas.openxmlformats.org/presentationml/2006/main">
+  <p:cSld>
+    <p:spTree>
+      <p:nvGrpSpPr>
+        <p:cNvPr id="1" name=""/>
+        <p:cNvGrpSpPr/>
+        <p:nvPr/>
+      </p:nvGrpSpPr>
+      <p:grpSpPr>
+        <a:xfrm>
+          <a:off x="0" y="0"/>
+          <a:ext cx="0" cy="0"/>
+          <a:chOff x="0" y="0"/>
+          <a:chExt cx="0" cy="0"/>
+        </a:xfrm>
+      </p:grpSpPr>
+      <p:sp>
+        <p:nvSpPr>
+          <p:cNvPr id="2" name="Segnaposto immagine diapositiva 1"/>
+          <p:cNvSpPr>
+            <a:spLocks noGrp="1" noRot="1" noChangeAspect="1"/>
+          </p:cNvSpPr>
+          <p:nvPr>
+            <p:ph type="sldImg"/>
+          </p:nvPr>
+        </p:nvSpPr>
+        <p:spPr/>
+      </p:sp>
+      <p:sp>
+        <p:nvSpPr>
+          <p:cNvPr id="3" name="Segnaposto note 2"/>
+          <p:cNvSpPr>
+            <a:spLocks noGrp="1"/>
+          </p:cNvSpPr>
+          <p:nvPr>
+            <p:ph type="body" idx="1"/>
+          </p:nvPr>
+        </p:nvSpPr>
+        <p:spPr/>
+        <p:txBody>
+          <a:bodyPr/>
+          <a:lstStyle/>
+          <a:p>
+            <a:endParaRPr lang="it-IT" dirty="0"/>
+          </a:p>
+        </p:txBody>
+      </p:sp>
+      <p:sp>
+        <p:nvSpPr>
+          <p:cNvPr id="4" name="Segnaposto numero diapositiva 3"/>
+          <p:cNvSpPr>
+            <a:spLocks noGrp="1"/>
+          </p:cNvSpPr>
+          <p:nvPr>
+            <p:ph type="sldNum" sz="quarter" idx="5"/>
+          </p:nvPr>
+        </p:nvSpPr>
+        <p:spPr/>
+        <p:txBody>
+          <a:bodyPr/>
+          <a:lstStyle/>
+          <a:p>
+            <a:fld id="{7B9EF5EE-42ED-4142-B01A-B637985E9B70}" type="slidenum">
+              <a:rPr lang="it-IT" smtClean="0"/>
+              <a:t>43</a:t>
+            </a:fld>
+            <a:endParaRPr lang="it-IT"/>
+          </a:p>
+        </p:txBody>
+      </p:sp>
+    </p:spTree>
+    <p:extLst>
+      <p:ext uri="{BB962C8B-B14F-4D97-AF65-F5344CB8AC3E}">
+        <p14:creationId xmlns:p14="http://schemas.microsoft.com/office/powerpoint/2010/main" val="2737841208"/>
       </p:ext>
     </p:extLst>
   </p:cSld>
@@ -3592,7 +3769,7 @@
           <a:p>
             <a:fld id="{5EEC1FBE-7A50-402B-9218-00262FCB5F53}" type="datetimeFigureOut">
               <a:rPr lang="it-IT" smtClean="0"/>
-              <a:t>21/04/2022</a:t>
+              <a:t>22/04/2022</a:t>
             </a:fld>
             <a:endParaRPr lang="it-IT"/>
           </a:p>
@@ -3843,7 +4020,7 @@
           <a:p>
             <a:fld id="{5EEC1FBE-7A50-402B-9218-00262FCB5F53}" type="datetimeFigureOut">
               <a:rPr lang="it-IT" smtClean="0"/>
-              <a:t>21/04/2022</a:t>
+              <a:t>22/04/2022</a:t>
             </a:fld>
             <a:endParaRPr lang="it-IT"/>
           </a:p>
@@ -4157,7 +4334,7 @@
           <a:p>
             <a:fld id="{5EEC1FBE-7A50-402B-9218-00262FCB5F53}" type="datetimeFigureOut">
               <a:rPr lang="it-IT" smtClean="0"/>
-              <a:t>21/04/2022</a:t>
+              <a:t>22/04/2022</a:t>
             </a:fld>
             <a:endParaRPr lang="it-IT"/>
           </a:p>
@@ -4498,7 +4675,7 @@
           <a:p>
             <a:fld id="{5EEC1FBE-7A50-402B-9218-00262FCB5F53}" type="datetimeFigureOut">
               <a:rPr lang="it-IT" smtClean="0"/>
-              <a:t>21/04/2022</a:t>
+              <a:t>22/04/2022</a:t>
             </a:fld>
             <a:endParaRPr lang="it-IT"/>
           </a:p>
@@ -4812,7 +4989,7 @@
           <a:p>
             <a:fld id="{5EEC1FBE-7A50-402B-9218-00262FCB5F53}" type="datetimeFigureOut">
               <a:rPr lang="it-IT" smtClean="0"/>
-              <a:t>21/04/2022</a:t>
+              <a:t>22/04/2022</a:t>
             </a:fld>
             <a:endParaRPr lang="it-IT"/>
           </a:p>
@@ -5205,7 +5382,7 @@
           <a:p>
             <a:fld id="{5EEC1FBE-7A50-402B-9218-00262FCB5F53}" type="datetimeFigureOut">
               <a:rPr lang="it-IT" smtClean="0"/>
-              <a:t>21/04/2022</a:t>
+              <a:t>22/04/2022</a:t>
             </a:fld>
             <a:endParaRPr lang="it-IT"/>
           </a:p>
@@ -5375,7 +5552,7 @@
           <a:p>
             <a:fld id="{5EEC1FBE-7A50-402B-9218-00262FCB5F53}" type="datetimeFigureOut">
               <a:rPr lang="it-IT" smtClean="0"/>
-              <a:t>21/04/2022</a:t>
+              <a:t>22/04/2022</a:t>
             </a:fld>
             <a:endParaRPr lang="it-IT"/>
           </a:p>
@@ -5555,7 +5732,7 @@
           <a:p>
             <a:fld id="{5EEC1FBE-7A50-402B-9218-00262FCB5F53}" type="datetimeFigureOut">
               <a:rPr lang="it-IT" smtClean="0"/>
-              <a:t>21/04/2022</a:t>
+              <a:t>22/04/2022</a:t>
             </a:fld>
             <a:endParaRPr lang="it-IT"/>
           </a:p>
@@ -5731,7 +5908,7 @@
           <a:p>
             <a:fld id="{5EEC1FBE-7A50-402B-9218-00262FCB5F53}" type="datetimeFigureOut">
               <a:rPr lang="it-IT" smtClean="0"/>
-              <a:t>21/04/2022</a:t>
+              <a:t>22/04/2022</a:t>
             </a:fld>
             <a:endParaRPr lang="it-IT"/>
           </a:p>
@@ -5978,7 +6155,7 @@
           <a:p>
             <a:fld id="{5EEC1FBE-7A50-402B-9218-00262FCB5F53}" type="datetimeFigureOut">
               <a:rPr lang="it-IT" smtClean="0"/>
-              <a:t>21/04/2022</a:t>
+              <a:t>22/04/2022</a:t>
             </a:fld>
             <a:endParaRPr lang="it-IT"/>
           </a:p>
@@ -6210,7 +6387,7 @@
           <a:p>
             <a:fld id="{5EEC1FBE-7A50-402B-9218-00262FCB5F53}" type="datetimeFigureOut">
               <a:rPr lang="it-IT" smtClean="0"/>
-              <a:t>21/04/2022</a:t>
+              <a:t>22/04/2022</a:t>
             </a:fld>
             <a:endParaRPr lang="it-IT"/>
           </a:p>
@@ -6584,7 +6761,7 @@
           <a:p>
             <a:fld id="{5EEC1FBE-7A50-402B-9218-00262FCB5F53}" type="datetimeFigureOut">
               <a:rPr lang="it-IT" smtClean="0"/>
-              <a:t>21/04/2022</a:t>
+              <a:t>22/04/2022</a:t>
             </a:fld>
             <a:endParaRPr lang="it-IT"/>
           </a:p>
@@ -6707,7 +6884,7 @@
           <a:p>
             <a:fld id="{5EEC1FBE-7A50-402B-9218-00262FCB5F53}" type="datetimeFigureOut">
               <a:rPr lang="it-IT" smtClean="0"/>
-              <a:t>21/04/2022</a:t>
+              <a:t>22/04/2022</a:t>
             </a:fld>
             <a:endParaRPr lang="it-IT"/>
           </a:p>
@@ -6802,7 +6979,7 @@
           <a:p>
             <a:fld id="{5EEC1FBE-7A50-402B-9218-00262FCB5F53}" type="datetimeFigureOut">
               <a:rPr lang="it-IT" smtClean="0"/>
-              <a:t>21/04/2022</a:t>
+              <a:t>22/04/2022</a:t>
             </a:fld>
             <a:endParaRPr lang="it-IT"/>
           </a:p>
@@ -7057,7 +7234,7 @@
           <a:p>
             <a:fld id="{5EEC1FBE-7A50-402B-9218-00262FCB5F53}" type="datetimeFigureOut">
               <a:rPr lang="it-IT" smtClean="0"/>
-              <a:t>21/04/2022</a:t>
+              <a:t>22/04/2022</a:t>
             </a:fld>
             <a:endParaRPr lang="it-IT"/>
           </a:p>
@@ -7320,7 +7497,7 @@
           <a:p>
             <a:fld id="{5EEC1FBE-7A50-402B-9218-00262FCB5F53}" type="datetimeFigureOut">
               <a:rPr lang="it-IT" smtClean="0"/>
-              <a:t>21/04/2022</a:t>
+              <a:t>22/04/2022</a:t>
             </a:fld>
             <a:endParaRPr lang="it-IT"/>
           </a:p>
@@ -8063,7 +8240,7 @@
           <a:p>
             <a:fld id="{5EEC1FBE-7A50-402B-9218-00262FCB5F53}" type="datetimeFigureOut">
               <a:rPr lang="it-IT" smtClean="0"/>
-              <a:t>21/04/2022</a:t>
+              <a:t>22/04/2022</a:t>
             </a:fld>
             <a:endParaRPr lang="it-IT"/>
           </a:p>
@@ -14582,7 +14759,7 @@
         </p:nvSpPr>
         <p:spPr>
           <a:xfrm>
-            <a:off x="677334" y="2160589"/>
+            <a:off x="677334" y="1691357"/>
             <a:ext cx="8596668" cy="4180053"/>
           </a:xfrm>
         </p:spPr>
@@ -14595,6 +14772,44 @@
             <a:r>
               <a:rPr lang="it-IT" dirty="0"/>
               <a:t>Le tasks del progetto erano le seguenti:</a:t>
+            </a:r>
+          </a:p>
+          <a:p>
+            <a:pPr lvl="1"/>
+            <a:r>
+              <a:rPr lang="it-IT" sz="1800" dirty="0">
+                <a:effectLst/>
+                <a:ea typeface="Calibri" panose="020F0502020204030204" pitchFamily="34" charset="0"/>
+                <a:cs typeface="Times New Roman" panose="02020603050405020304" pitchFamily="18" charset="0"/>
+              </a:rPr>
+              <a:t>Data </a:t>
+            </a:r>
+            <a:r>
+              <a:rPr lang="it-IT" sz="1800" dirty="0" err="1">
+                <a:effectLst/>
+                <a:ea typeface="Calibri" panose="020F0502020204030204" pitchFamily="34" charset="0"/>
+                <a:cs typeface="Times New Roman" panose="02020603050405020304" pitchFamily="18" charset="0"/>
+              </a:rPr>
+              <a:t>id_VeronaCard</a:t>
+            </a:r>
+            <a:r>
+              <a:rPr lang="it-IT" sz="1800" dirty="0">
+                <a:effectLst/>
+                <a:ea typeface="Calibri" panose="020F0502020204030204" pitchFamily="34" charset="0"/>
+                <a:cs typeface="Times New Roman" panose="02020603050405020304" pitchFamily="18" charset="0"/>
+              </a:rPr>
+              <a:t> voglio sapere il suo storico di accessi.</a:t>
+            </a:r>
+          </a:p>
+          <a:p>
+            <a:pPr lvl="1"/>
+            <a:r>
+              <a:rPr lang="it-IT" sz="1800" dirty="0">
+                <a:effectLst/>
+                <a:ea typeface="Calibri" panose="020F0502020204030204" pitchFamily="34" charset="0"/>
+                <a:cs typeface="Times New Roman" panose="02020603050405020304" pitchFamily="18" charset="0"/>
+              </a:rPr>
+              <a:t>Dati in input due date trovare il POI con il minor numero di accessi in quel periodo.</a:t>
             </a:r>
           </a:p>
           <a:p>
@@ -14612,51 +14827,13 @@
                 <a:ea typeface="Calibri" panose="020F0502020204030204" pitchFamily="34" charset="0"/>
                 <a:cs typeface="Times New Roman" panose="02020603050405020304" pitchFamily="18" charset="0"/>
               </a:rPr>
-              <a:t>. In output si vogliono tutti i giorni compresi tra le due date con il relativo numero di ingressi.</a:t>
+              <a:t>. In output si vogliono tutti i giorni compresi tra le due date con il relativo numero di ingressi. </a:t>
             </a:r>
             <a:endParaRPr lang="it-IT" sz="1800" dirty="0">
               <a:effectLst/>
               <a:ea typeface="Calibri" panose="020F0502020204030204" pitchFamily="34" charset="0"/>
               <a:cs typeface="Times New Roman" panose="02020603050405020304" pitchFamily="18" charset="0"/>
             </a:endParaRPr>
-          </a:p>
-          <a:p>
-            <a:pPr lvl="1"/>
-            <a:r>
-              <a:rPr lang="it-IT" sz="1800" dirty="0">
-                <a:effectLst/>
-                <a:ea typeface="Calibri" panose="020F0502020204030204" pitchFamily="34" charset="0"/>
-                <a:cs typeface="Times New Roman" panose="02020603050405020304" pitchFamily="18" charset="0"/>
-              </a:rPr>
-              <a:t>Dati in input due date trovare il POI con il minor numero di accessi in quel periodo.</a:t>
-            </a:r>
-          </a:p>
-          <a:p>
-            <a:pPr lvl="1"/>
-            <a:r>
-              <a:rPr lang="it-IT" sz="1800" dirty="0">
-                <a:effectLst/>
-                <a:ea typeface="Calibri" panose="020F0502020204030204" pitchFamily="34" charset="0"/>
-                <a:cs typeface="Times New Roman" panose="02020603050405020304" pitchFamily="18" charset="0"/>
-              </a:rPr>
-              <a:t>Data </a:t>
-            </a:r>
-            <a:r>
-              <a:rPr lang="it-IT" sz="1800" dirty="0" err="1">
-                <a:effectLst/>
-                <a:ea typeface="Calibri" panose="020F0502020204030204" pitchFamily="34" charset="0"/>
-                <a:cs typeface="Times New Roman" panose="02020603050405020304" pitchFamily="18" charset="0"/>
-              </a:rPr>
-              <a:t>id_VeronaCard</a:t>
-            </a:r>
-            <a:r>
-              <a:rPr lang="it-IT" sz="1800" dirty="0">
-                <a:effectLst/>
-                <a:ea typeface="Calibri" panose="020F0502020204030204" pitchFamily="34" charset="0"/>
-                <a:cs typeface="Times New Roman" panose="02020603050405020304" pitchFamily="18" charset="0"/>
-              </a:rPr>
-              <a:t> voglio sapere il suo storico di accessi.</a:t>
-            </a:r>
           </a:p>
           <a:p>
             <a:r>
@@ -15662,6 +15839,868 @@
     <p:extLst>
       <p:ext uri="{BB962C8B-B14F-4D97-AF65-F5344CB8AC3E}">
         <p14:creationId xmlns:p14="http://schemas.microsoft.com/office/powerpoint/2010/main" val="2881563050"/>
+      </p:ext>
+    </p:extLst>
+  </p:cSld>
+  <p:clrMapOvr>
+    <a:masterClrMapping/>
+  </p:clrMapOvr>
+</p:sld>
+</file>
+
+<file path=ppt/slides/slide35.xml><?xml version="1.0" encoding="utf-8"?>
+<p:sld xmlns:a="http://schemas.openxmlformats.org/drawingml/2006/main" xmlns:r="http://schemas.openxmlformats.org/officeDocument/2006/relationships" xmlns:p="http://schemas.openxmlformats.org/presentationml/2006/main">
+  <p:cSld>
+    <p:spTree>
+      <p:nvGrpSpPr>
+        <p:cNvPr id="1" name=""/>
+        <p:cNvGrpSpPr/>
+        <p:nvPr/>
+      </p:nvGrpSpPr>
+      <p:grpSpPr>
+        <a:xfrm>
+          <a:off x="0" y="0"/>
+          <a:ext cx="0" cy="0"/>
+          <a:chOff x="0" y="0"/>
+          <a:chExt cx="0" cy="0"/>
+        </a:xfrm>
+      </p:grpSpPr>
+      <p:sp>
+        <p:nvSpPr>
+          <p:cNvPr id="2" name="Titolo 1">
+            <a:extLst>
+              <a:ext uri="{FF2B5EF4-FFF2-40B4-BE49-F238E27FC236}">
+                <a16:creationId xmlns:a16="http://schemas.microsoft.com/office/drawing/2014/main" id="{084FB5E0-7420-4BE1-9298-BDD1E3D945FB}"/>
+              </a:ext>
+            </a:extLst>
+          </p:cNvPr>
+          <p:cNvSpPr>
+            <a:spLocks noGrp="1"/>
+          </p:cNvSpPr>
+          <p:nvPr>
+            <p:ph type="title"/>
+          </p:nvPr>
+        </p:nvSpPr>
+        <p:spPr>
+          <a:xfrm>
+            <a:off x="460765" y="127851"/>
+            <a:ext cx="8596668" cy="605589"/>
+          </a:xfrm>
+        </p:spPr>
+        <p:txBody>
+          <a:bodyPr>
+            <a:normAutofit fontScale="90000"/>
+          </a:bodyPr>
+          <a:lstStyle/>
+          <a:p>
+            <a:r>
+              <a:rPr lang="it-IT" dirty="0"/>
+              <a:t>Specifiche schema fisico</a:t>
+            </a:r>
+          </a:p>
+        </p:txBody>
+      </p:sp>
+      <p:sp>
+        <p:nvSpPr>
+          <p:cNvPr id="4" name="Rettangolo con angoli arrotondati 3">
+            <a:extLst>
+              <a:ext uri="{FF2B5EF4-FFF2-40B4-BE49-F238E27FC236}">
+                <a16:creationId xmlns:a16="http://schemas.microsoft.com/office/drawing/2014/main" id="{2E8F0536-3AE6-488E-A96C-D5A9906A48B7}"/>
+              </a:ext>
+            </a:extLst>
+          </p:cNvPr>
+          <p:cNvSpPr/>
+          <p:nvPr/>
+        </p:nvSpPr>
+        <p:spPr>
+          <a:xfrm>
+            <a:off x="460765" y="1148554"/>
+            <a:ext cx="3207187" cy="3964866"/>
+          </a:xfrm>
+          <a:prstGeom prst="roundRect">
+            <a:avLst/>
+          </a:prstGeom>
+          <a:noFill/>
+        </p:spPr>
+        <p:style>
+          <a:lnRef idx="2">
+            <a:schemeClr val="accent1">
+              <a:shade val="50000"/>
+            </a:schemeClr>
+          </a:lnRef>
+          <a:fillRef idx="1">
+            <a:schemeClr val="accent1"/>
+          </a:fillRef>
+          <a:effectRef idx="0">
+            <a:schemeClr val="accent1"/>
+          </a:effectRef>
+          <a:fontRef idx="minor">
+            <a:schemeClr val="lt1"/>
+          </a:fontRef>
+        </p:style>
+        <p:txBody>
+          <a:bodyPr rtlCol="0" anchor="ctr"/>
+          <a:lstStyle/>
+          <a:p>
+            <a:pPr algn="ctr"/>
+            <a:endParaRPr lang="it-IT"/>
+          </a:p>
+        </p:txBody>
+      </p:sp>
+      <p:sp>
+        <p:nvSpPr>
+          <p:cNvPr id="5" name="Rettangolo con angoli arrotondati 4">
+            <a:extLst>
+              <a:ext uri="{FF2B5EF4-FFF2-40B4-BE49-F238E27FC236}">
+                <a16:creationId xmlns:a16="http://schemas.microsoft.com/office/drawing/2014/main" id="{C30A15C3-3E87-4461-9898-E662C010F1E6}"/>
+              </a:ext>
+            </a:extLst>
+          </p:cNvPr>
+          <p:cNvSpPr/>
+          <p:nvPr/>
+        </p:nvSpPr>
+        <p:spPr>
+          <a:xfrm>
+            <a:off x="4605750" y="1148554"/>
+            <a:ext cx="4451683" cy="3964866"/>
+          </a:xfrm>
+          <a:prstGeom prst="roundRect">
+            <a:avLst/>
+          </a:prstGeom>
+          <a:noFill/>
+        </p:spPr>
+        <p:style>
+          <a:lnRef idx="2">
+            <a:schemeClr val="accent1">
+              <a:shade val="50000"/>
+            </a:schemeClr>
+          </a:lnRef>
+          <a:fillRef idx="1">
+            <a:schemeClr val="accent1"/>
+          </a:fillRef>
+          <a:effectRef idx="0">
+            <a:schemeClr val="accent1"/>
+          </a:effectRef>
+          <a:fontRef idx="minor">
+            <a:schemeClr val="lt1"/>
+          </a:fontRef>
+        </p:style>
+        <p:txBody>
+          <a:bodyPr rtlCol="0" anchor="ctr"/>
+          <a:lstStyle/>
+          <a:p>
+            <a:pPr algn="ctr"/>
+            <a:endParaRPr lang="it-IT"/>
+          </a:p>
+        </p:txBody>
+      </p:sp>
+      <p:sp>
+        <p:nvSpPr>
+          <p:cNvPr id="6" name="CasellaDiTesto 5">
+            <a:extLst>
+              <a:ext uri="{FF2B5EF4-FFF2-40B4-BE49-F238E27FC236}">
+                <a16:creationId xmlns:a16="http://schemas.microsoft.com/office/drawing/2014/main" id="{BAB20835-2D0F-4750-8454-8B3406E0E5C3}"/>
+              </a:ext>
+            </a:extLst>
+          </p:cNvPr>
+          <p:cNvSpPr txBox="1"/>
+          <p:nvPr/>
+        </p:nvSpPr>
+        <p:spPr>
+          <a:xfrm>
+            <a:off x="460765" y="1553976"/>
+            <a:ext cx="2870920" cy="2585323"/>
+          </a:xfrm>
+          <a:prstGeom prst="rect">
+            <a:avLst/>
+          </a:prstGeom>
+          <a:noFill/>
+        </p:spPr>
+        <p:txBody>
+          <a:bodyPr wrap="square" rtlCol="0">
+            <a:spAutoFit/>
+          </a:bodyPr>
+          <a:lstStyle/>
+          <a:p>
+            <a:r>
+              <a:rPr lang="it-IT" dirty="0"/>
+              <a:t>POI bucket:</a:t>
+            </a:r>
+          </a:p>
+          <a:p>
+            <a:r>
+              <a:rPr lang="it-IT" dirty="0"/>
+              <a:t>_</a:t>
+            </a:r>
+            <a:r>
+              <a:rPr lang="it-IT" dirty="0" err="1"/>
+              <a:t>id:string</a:t>
+            </a:r>
+            <a:r>
+              <a:rPr lang="it-IT" dirty="0"/>
+              <a:t>,</a:t>
+            </a:r>
+          </a:p>
+          <a:p>
+            <a:r>
+              <a:rPr lang="it-IT" dirty="0" err="1"/>
+              <a:t>code_device:integer</a:t>
+            </a:r>
+            <a:r>
+              <a:rPr lang="it-IT" dirty="0"/>
+              <a:t>,</a:t>
+            </a:r>
+          </a:p>
+          <a:p>
+            <a:r>
+              <a:rPr lang="it-IT" dirty="0" err="1"/>
+              <a:t>accessPOI</a:t>
+            </a:r>
+            <a:r>
+              <a:rPr lang="it-IT" dirty="0"/>
+              <a:t>:[</a:t>
+            </a:r>
+          </a:p>
+          <a:p>
+            <a:r>
+              <a:rPr lang="it-IT" dirty="0"/>
+              <a:t>    {</a:t>
+            </a:r>
+          </a:p>
+          <a:p>
+            <a:r>
+              <a:rPr lang="it-IT" dirty="0"/>
+              <a:t>	</a:t>
+            </a:r>
+            <a:r>
+              <a:rPr lang="it-IT" dirty="0" err="1"/>
+              <a:t>DataTime:Timestamp</a:t>
+            </a:r>
+            <a:endParaRPr lang="it-IT" dirty="0"/>
+          </a:p>
+          <a:p>
+            <a:r>
+              <a:rPr lang="it-IT" dirty="0"/>
+              <a:t>	}</a:t>
+            </a:r>
+          </a:p>
+          <a:p>
+            <a:r>
+              <a:rPr lang="it-IT" dirty="0"/>
+              <a:t>]</a:t>
+            </a:r>
+          </a:p>
+          <a:p>
+            <a:endParaRPr lang="it-IT" dirty="0"/>
+          </a:p>
+        </p:txBody>
+      </p:sp>
+      <p:sp>
+        <p:nvSpPr>
+          <p:cNvPr id="7" name="CasellaDiTesto 6">
+            <a:extLst>
+              <a:ext uri="{FF2B5EF4-FFF2-40B4-BE49-F238E27FC236}">
+                <a16:creationId xmlns:a16="http://schemas.microsoft.com/office/drawing/2014/main" id="{D7FBA191-0F64-42AE-92BA-EF488E5B9F9A}"/>
+              </a:ext>
+            </a:extLst>
+          </p:cNvPr>
+          <p:cNvSpPr txBox="1"/>
+          <p:nvPr/>
+        </p:nvSpPr>
+        <p:spPr>
+          <a:xfrm>
+            <a:off x="4781927" y="1553976"/>
+            <a:ext cx="4099327" cy="2862322"/>
+          </a:xfrm>
+          <a:prstGeom prst="rect">
+            <a:avLst/>
+          </a:prstGeom>
+          <a:noFill/>
+        </p:spPr>
+        <p:txBody>
+          <a:bodyPr wrap="none" rtlCol="0">
+            <a:spAutoFit/>
+          </a:bodyPr>
+          <a:lstStyle/>
+          <a:p>
+            <a:r>
+              <a:rPr lang="en-US" dirty="0" err="1"/>
+              <a:t>VeronaCard</a:t>
+            </a:r>
+            <a:r>
+              <a:rPr lang="en-US" dirty="0"/>
+              <a:t> Bucket:</a:t>
+            </a:r>
+          </a:p>
+          <a:p>
+            <a:r>
+              <a:rPr lang="en-US" dirty="0"/>
+              <a:t>_</a:t>
+            </a:r>
+            <a:r>
+              <a:rPr lang="en-US" dirty="0" err="1"/>
+              <a:t>id:string</a:t>
+            </a:r>
+            <a:endParaRPr lang="en-US" dirty="0"/>
+          </a:p>
+          <a:p>
+            <a:r>
+              <a:rPr lang="en-US" dirty="0" err="1"/>
+              <a:t>activation:Date</a:t>
+            </a:r>
+            <a:endParaRPr lang="en-US" dirty="0"/>
+          </a:p>
+          <a:p>
+            <a:r>
+              <a:rPr lang="en-US" dirty="0" err="1"/>
+              <a:t>type:string</a:t>
+            </a:r>
+            <a:endParaRPr lang="en-US" dirty="0"/>
+          </a:p>
+          <a:p>
+            <a:r>
+              <a:rPr lang="en-US" dirty="0" err="1"/>
+              <a:t>accessVR</a:t>
+            </a:r>
+            <a:r>
+              <a:rPr lang="en-US" dirty="0"/>
+              <a:t>:[</a:t>
+            </a:r>
+          </a:p>
+          <a:p>
+            <a:r>
+              <a:rPr lang="en-US" dirty="0"/>
+              <a:t>	{</a:t>
+            </a:r>
+          </a:p>
+          <a:p>
+            <a:r>
+              <a:rPr lang="en-US" dirty="0"/>
+              <a:t>		</a:t>
+            </a:r>
+            <a:r>
+              <a:rPr lang="en-US" dirty="0" err="1"/>
+              <a:t>POI:string</a:t>
+            </a:r>
+            <a:r>
+              <a:rPr lang="en-US" dirty="0"/>
+              <a:t>,</a:t>
+            </a:r>
+          </a:p>
+          <a:p>
+            <a:r>
+              <a:rPr lang="en-US" dirty="0"/>
+              <a:t>		</a:t>
+            </a:r>
+            <a:r>
+              <a:rPr lang="en-US" dirty="0" err="1"/>
+              <a:t>DataTime_access:Timestamp</a:t>
+            </a:r>
+            <a:endParaRPr lang="en-US" dirty="0"/>
+          </a:p>
+          <a:p>
+            <a:r>
+              <a:rPr lang="en-US" dirty="0"/>
+              <a:t>	}</a:t>
+            </a:r>
+          </a:p>
+          <a:p>
+            <a:r>
+              <a:rPr lang="en-US" dirty="0"/>
+              <a:t>]</a:t>
+            </a:r>
+            <a:endParaRPr lang="it-IT" dirty="0"/>
+          </a:p>
+        </p:txBody>
+      </p:sp>
+    </p:spTree>
+    <p:extLst>
+      <p:ext uri="{BB962C8B-B14F-4D97-AF65-F5344CB8AC3E}">
+        <p14:creationId xmlns:p14="http://schemas.microsoft.com/office/powerpoint/2010/main" val="2669894077"/>
+      </p:ext>
+    </p:extLst>
+  </p:cSld>
+  <p:clrMapOvr>
+    <a:masterClrMapping/>
+  </p:clrMapOvr>
+</p:sld>
+</file>
+
+<file path=ppt/slides/slide36.xml><?xml version="1.0" encoding="utf-8"?>
+<p:sld xmlns:a="http://schemas.openxmlformats.org/drawingml/2006/main" xmlns:r="http://schemas.openxmlformats.org/officeDocument/2006/relationships" xmlns:p="http://schemas.openxmlformats.org/presentationml/2006/main">
+  <p:cSld>
+    <p:spTree>
+      <p:nvGrpSpPr>
+        <p:cNvPr id="1" name=""/>
+        <p:cNvGrpSpPr/>
+        <p:nvPr/>
+      </p:nvGrpSpPr>
+      <p:grpSpPr>
+        <a:xfrm>
+          <a:off x="0" y="0"/>
+          <a:ext cx="0" cy="0"/>
+          <a:chOff x="0" y="0"/>
+          <a:chExt cx="0" cy="0"/>
+        </a:xfrm>
+      </p:grpSpPr>
+      <p:sp>
+        <p:nvSpPr>
+          <p:cNvPr id="2" name="Titolo 1">
+            <a:extLst>
+              <a:ext uri="{FF2B5EF4-FFF2-40B4-BE49-F238E27FC236}">
+                <a16:creationId xmlns:a16="http://schemas.microsoft.com/office/drawing/2014/main" id="{CA8EF622-65C4-41A0-A604-A6E59B4B57D6}"/>
+              </a:ext>
+            </a:extLst>
+          </p:cNvPr>
+          <p:cNvSpPr>
+            <a:spLocks noGrp="1"/>
+          </p:cNvSpPr>
+          <p:nvPr>
+            <p:ph type="title"/>
+          </p:nvPr>
+        </p:nvSpPr>
+        <p:spPr/>
+        <p:txBody>
+          <a:bodyPr/>
+          <a:lstStyle/>
+          <a:p>
+            <a:r>
+              <a:rPr lang="it-IT" dirty="0"/>
+              <a:t>Considerazioni</a:t>
+            </a:r>
+          </a:p>
+        </p:txBody>
+      </p:sp>
+      <p:sp>
+        <p:nvSpPr>
+          <p:cNvPr id="3" name="Segnaposto contenuto 2">
+            <a:extLst>
+              <a:ext uri="{FF2B5EF4-FFF2-40B4-BE49-F238E27FC236}">
+                <a16:creationId xmlns:a16="http://schemas.microsoft.com/office/drawing/2014/main" id="{B8F6CF5A-282A-4965-8E94-7B9B516AD8F2}"/>
+              </a:ext>
+            </a:extLst>
+          </p:cNvPr>
+          <p:cNvSpPr>
+            <a:spLocks noGrp="1"/>
+          </p:cNvSpPr>
+          <p:nvPr>
+            <p:ph idx="1"/>
+          </p:nvPr>
+        </p:nvSpPr>
+        <p:spPr>
+          <a:xfrm>
+            <a:off x="677334" y="1624263"/>
+            <a:ext cx="8596668" cy="4752474"/>
+          </a:xfrm>
+        </p:spPr>
+        <p:txBody>
+          <a:bodyPr>
+            <a:normAutofit/>
+          </a:bodyPr>
+          <a:lstStyle/>
+          <a:p>
+            <a:r>
+              <a:rPr lang="it-IT" dirty="0"/>
+              <a:t>Ho notato che nel caricare visualmente i documenti con array di migliaia di elementi il sistema ci impiega molto di più rispetto ai documenti non innestati. I vantaggi però sono in una migliore comprensione dello schema dei dati fornito da </a:t>
+            </a:r>
+            <a:r>
+              <a:rPr lang="it-IT" dirty="0" err="1"/>
+              <a:t>Compass</a:t>
+            </a:r>
+            <a:r>
+              <a:rPr lang="it-IT" dirty="0"/>
+              <a:t>. Figura 1.</a:t>
+            </a:r>
+          </a:p>
+          <a:p>
+            <a:r>
+              <a:rPr lang="it-IT" dirty="0"/>
+              <a:t>Grazie a questo schema per la query uno è necessario un solo e semplice comando per eseguire l’interrogazione. Figura 2.</a:t>
+            </a:r>
+          </a:p>
+          <a:p>
+            <a:r>
+              <a:rPr lang="it-IT" dirty="0"/>
+              <a:t>La query più articolata è stata la numero tre essendo che non esiste una tabella </a:t>
+            </a:r>
+            <a:r>
+              <a:rPr lang="it-IT" dirty="0" err="1"/>
+              <a:t>Calendar</a:t>
+            </a:r>
+            <a:r>
+              <a:rPr lang="it-IT" dirty="0"/>
+              <a:t> in </a:t>
+            </a:r>
+            <a:r>
+              <a:rPr lang="it-IT" dirty="0" err="1"/>
+              <a:t>MongoBD</a:t>
+            </a:r>
+            <a:r>
+              <a:rPr lang="it-IT" dirty="0"/>
+              <a:t> e quindi ho dovuto crearla da zero. Ma </a:t>
+            </a:r>
+            <a:r>
+              <a:rPr lang="it-IT" dirty="0" err="1"/>
+              <a:t>MongoDB</a:t>
+            </a:r>
+            <a:r>
+              <a:rPr lang="it-IT" dirty="0"/>
+              <a:t> ha dimostrato un’elevata potenza di linguaggio tale da permettermi di creare quello di cui avevo bisogno.</a:t>
+            </a:r>
+          </a:p>
+          <a:p>
+            <a:r>
+              <a:rPr lang="it-IT" dirty="0"/>
+              <a:t>Il linguaggio per le query di </a:t>
+            </a:r>
+            <a:r>
+              <a:rPr lang="it-IT" dirty="0" err="1"/>
+              <a:t>MongoDB</a:t>
+            </a:r>
+            <a:r>
+              <a:rPr lang="it-IT" dirty="0"/>
+              <a:t> lascia spazio a molte soluzioni, ma è molto più complicato ed articolato rispetto ad una interrogazione SQL.</a:t>
+            </a:r>
+          </a:p>
+        </p:txBody>
+      </p:sp>
+    </p:spTree>
+    <p:extLst>
+      <p:ext uri="{BB962C8B-B14F-4D97-AF65-F5344CB8AC3E}">
+        <p14:creationId xmlns:p14="http://schemas.microsoft.com/office/powerpoint/2010/main" val="2101597767"/>
+      </p:ext>
+    </p:extLst>
+  </p:cSld>
+  <p:clrMapOvr>
+    <a:masterClrMapping/>
+  </p:clrMapOvr>
+</p:sld>
+</file>
+
+<file path=ppt/slides/slide37.xml><?xml version="1.0" encoding="utf-8"?>
+<p:sld xmlns:a="http://schemas.openxmlformats.org/drawingml/2006/main" xmlns:r="http://schemas.openxmlformats.org/officeDocument/2006/relationships" xmlns:p="http://schemas.openxmlformats.org/presentationml/2006/main">
+  <p:cSld>
+    <p:spTree>
+      <p:nvGrpSpPr>
+        <p:cNvPr id="1" name=""/>
+        <p:cNvGrpSpPr/>
+        <p:nvPr/>
+      </p:nvGrpSpPr>
+      <p:grpSpPr>
+        <a:xfrm>
+          <a:off x="0" y="0"/>
+          <a:ext cx="0" cy="0"/>
+          <a:chOff x="0" y="0"/>
+          <a:chExt cx="0" cy="0"/>
+        </a:xfrm>
+      </p:grpSpPr>
+      <p:sp>
+        <p:nvSpPr>
+          <p:cNvPr id="2" name="Titolo 1">
+            <a:extLst>
+              <a:ext uri="{FF2B5EF4-FFF2-40B4-BE49-F238E27FC236}">
+                <a16:creationId xmlns:a16="http://schemas.microsoft.com/office/drawing/2014/main" id="{6B413304-B6F3-4603-8746-3F8DB32830A9}"/>
+              </a:ext>
+            </a:extLst>
+          </p:cNvPr>
+          <p:cNvSpPr>
+            <a:spLocks noGrp="1"/>
+          </p:cNvSpPr>
+          <p:nvPr>
+            <p:ph type="title"/>
+          </p:nvPr>
+        </p:nvSpPr>
+        <p:spPr>
+          <a:xfrm>
+            <a:off x="87787" y="92242"/>
+            <a:ext cx="8596668" cy="581526"/>
+          </a:xfrm>
+        </p:spPr>
+        <p:txBody>
+          <a:bodyPr>
+            <a:normAutofit fontScale="90000"/>
+          </a:bodyPr>
+          <a:lstStyle/>
+          <a:p>
+            <a:r>
+              <a:rPr lang="it-IT" dirty="0"/>
+              <a:t>Figura 1</a:t>
+            </a:r>
+            <a:br>
+              <a:rPr lang="it-IT" dirty="0"/>
+            </a:br>
+            <a:endParaRPr lang="it-IT" dirty="0"/>
+          </a:p>
+        </p:txBody>
+      </p:sp>
+      <p:pic>
+        <p:nvPicPr>
+          <p:cNvPr id="5" name="Immagine 4" descr="Immagine che contiene testo&#10;&#10;Descrizione generata automaticamente">
+            <a:extLst>
+              <a:ext uri="{FF2B5EF4-FFF2-40B4-BE49-F238E27FC236}">
+                <a16:creationId xmlns:a16="http://schemas.microsoft.com/office/drawing/2014/main" id="{FC7B0DD9-59CB-4C76-BF8E-0C61D50F053D}"/>
+              </a:ext>
+            </a:extLst>
+          </p:cNvPr>
+          <p:cNvPicPr>
+            <a:picLocks noChangeAspect="1"/>
+          </p:cNvPicPr>
+          <p:nvPr/>
+        </p:nvPicPr>
+        <p:blipFill>
+          <a:blip r:embed="rId2">
+            <a:extLst>
+              <a:ext uri="{28A0092B-C50C-407E-A947-70E740481C1C}">
+                <a14:useLocalDpi xmlns:a14="http://schemas.microsoft.com/office/drawing/2010/main" val="0"/>
+              </a:ext>
+            </a:extLst>
+          </a:blip>
+          <a:stretch>
+            <a:fillRect/>
+          </a:stretch>
+        </p:blipFill>
+        <p:spPr>
+          <a:xfrm>
+            <a:off x="87787" y="673768"/>
+            <a:ext cx="11809441" cy="6091990"/>
+          </a:xfrm>
+          <a:prstGeom prst="rect">
+            <a:avLst/>
+          </a:prstGeom>
+        </p:spPr>
+      </p:pic>
+    </p:spTree>
+    <p:extLst>
+      <p:ext uri="{BB962C8B-B14F-4D97-AF65-F5344CB8AC3E}">
+        <p14:creationId xmlns:p14="http://schemas.microsoft.com/office/powerpoint/2010/main" val="711331000"/>
+      </p:ext>
+    </p:extLst>
+  </p:cSld>
+  <p:clrMapOvr>
+    <a:masterClrMapping/>
+  </p:clrMapOvr>
+</p:sld>
+</file>
+
+<file path=ppt/slides/slide38.xml><?xml version="1.0" encoding="utf-8"?>
+<p:sld xmlns:a="http://schemas.openxmlformats.org/drawingml/2006/main" xmlns:r="http://schemas.openxmlformats.org/officeDocument/2006/relationships" xmlns:p="http://schemas.openxmlformats.org/presentationml/2006/main">
+  <p:cSld>
+    <p:spTree>
+      <p:nvGrpSpPr>
+        <p:cNvPr id="1" name=""/>
+        <p:cNvGrpSpPr/>
+        <p:nvPr/>
+      </p:nvGrpSpPr>
+      <p:grpSpPr>
+        <a:xfrm>
+          <a:off x="0" y="0"/>
+          <a:ext cx="0" cy="0"/>
+          <a:chOff x="0" y="0"/>
+          <a:chExt cx="0" cy="0"/>
+        </a:xfrm>
+      </p:grpSpPr>
+      <p:sp>
+        <p:nvSpPr>
+          <p:cNvPr id="2" name="Titolo 1">
+            <a:extLst>
+              <a:ext uri="{FF2B5EF4-FFF2-40B4-BE49-F238E27FC236}">
+                <a16:creationId xmlns:a16="http://schemas.microsoft.com/office/drawing/2014/main" id="{C4628F00-C5FB-47C0-9CC5-081F18D5AF9D}"/>
+              </a:ext>
+            </a:extLst>
+          </p:cNvPr>
+          <p:cNvSpPr>
+            <a:spLocks noGrp="1"/>
+          </p:cNvSpPr>
+          <p:nvPr>
+            <p:ph type="title"/>
+          </p:nvPr>
+        </p:nvSpPr>
+        <p:spPr/>
+        <p:txBody>
+          <a:bodyPr/>
+          <a:lstStyle/>
+          <a:p>
+            <a:r>
+              <a:rPr lang="it-IT" dirty="0"/>
+              <a:t>Interrogazione 1:</a:t>
+            </a:r>
+            <a:r>
+              <a:rPr lang="it-IT" sz="3600" dirty="0">
+                <a:effectLst/>
+                <a:ea typeface="Calibri" panose="020F0502020204030204" pitchFamily="34" charset="0"/>
+                <a:cs typeface="Times New Roman" panose="02020603050405020304" pitchFamily="18" charset="0"/>
+              </a:rPr>
+              <a:t> </a:t>
+            </a:r>
+            <a:r>
+              <a:rPr lang="it-IT" sz="1800" dirty="0">
+                <a:effectLst/>
+                <a:ea typeface="Calibri" panose="020F0502020204030204" pitchFamily="34" charset="0"/>
+                <a:cs typeface="Times New Roman" panose="02020603050405020304" pitchFamily="18" charset="0"/>
+              </a:rPr>
+              <a:t>Data </a:t>
+            </a:r>
+            <a:r>
+              <a:rPr lang="it-IT" sz="1800" dirty="0" err="1">
+                <a:effectLst/>
+                <a:ea typeface="Calibri" panose="020F0502020204030204" pitchFamily="34" charset="0"/>
+                <a:cs typeface="Times New Roman" panose="02020603050405020304" pitchFamily="18" charset="0"/>
+              </a:rPr>
+              <a:t>id_VeronaCard</a:t>
+            </a:r>
+            <a:r>
+              <a:rPr lang="it-IT" sz="1800" dirty="0">
+                <a:effectLst/>
+                <a:ea typeface="Calibri" panose="020F0502020204030204" pitchFamily="34" charset="0"/>
+                <a:cs typeface="Times New Roman" panose="02020603050405020304" pitchFamily="18" charset="0"/>
+              </a:rPr>
+              <a:t> voglio sapere il suo storico di accessi</a:t>
+            </a:r>
+            <a:endParaRPr lang="it-IT" sz="1800" dirty="0"/>
+          </a:p>
+        </p:txBody>
+      </p:sp>
+      <p:pic>
+        <p:nvPicPr>
+          <p:cNvPr id="5" name="Immagine 4" descr="Immagine che contiene testo&#10;&#10;Descrizione generata automaticamente">
+            <a:extLst>
+              <a:ext uri="{FF2B5EF4-FFF2-40B4-BE49-F238E27FC236}">
+                <a16:creationId xmlns:a16="http://schemas.microsoft.com/office/drawing/2014/main" id="{E3C7B4FD-1718-46CE-B1B0-BC65126A5AB2}"/>
+              </a:ext>
+            </a:extLst>
+          </p:cNvPr>
+          <p:cNvPicPr>
+            <a:picLocks noChangeAspect="1"/>
+          </p:cNvPicPr>
+          <p:nvPr/>
+        </p:nvPicPr>
+        <p:blipFill>
+          <a:blip r:embed="rId2">
+            <a:extLst>
+              <a:ext uri="{28A0092B-C50C-407E-A947-70E740481C1C}">
+                <a14:useLocalDpi xmlns:a14="http://schemas.microsoft.com/office/drawing/2010/main" val="0"/>
+              </a:ext>
+            </a:extLst>
+          </a:blip>
+          <a:stretch>
+            <a:fillRect/>
+          </a:stretch>
+        </p:blipFill>
+        <p:spPr>
+          <a:xfrm>
+            <a:off x="677334" y="1574120"/>
+            <a:ext cx="6950042" cy="4770533"/>
+          </a:xfrm>
+          <a:prstGeom prst="rect">
+            <a:avLst/>
+          </a:prstGeom>
+        </p:spPr>
+      </p:pic>
+    </p:spTree>
+    <p:extLst>
+      <p:ext uri="{BB962C8B-B14F-4D97-AF65-F5344CB8AC3E}">
+        <p14:creationId xmlns:p14="http://schemas.microsoft.com/office/powerpoint/2010/main" val="3072152766"/>
+      </p:ext>
+    </p:extLst>
+  </p:cSld>
+  <p:clrMapOvr>
+    <a:masterClrMapping/>
+  </p:clrMapOvr>
+</p:sld>
+</file>
+
+<file path=ppt/slides/slide39.xml><?xml version="1.0" encoding="utf-8"?>
+<p:sld xmlns:a="http://schemas.openxmlformats.org/drawingml/2006/main" xmlns:r="http://schemas.openxmlformats.org/officeDocument/2006/relationships" xmlns:p="http://schemas.openxmlformats.org/presentationml/2006/main">
+  <p:cSld>
+    <p:spTree>
+      <p:nvGrpSpPr>
+        <p:cNvPr id="1" name=""/>
+        <p:cNvGrpSpPr/>
+        <p:nvPr/>
+      </p:nvGrpSpPr>
+      <p:grpSpPr>
+        <a:xfrm>
+          <a:off x="0" y="0"/>
+          <a:ext cx="0" cy="0"/>
+          <a:chOff x="0" y="0"/>
+          <a:chExt cx="0" cy="0"/>
+        </a:xfrm>
+      </p:grpSpPr>
+      <p:sp>
+        <p:nvSpPr>
+          <p:cNvPr id="2" name="Titolo 1">
+            <a:extLst>
+              <a:ext uri="{FF2B5EF4-FFF2-40B4-BE49-F238E27FC236}">
+                <a16:creationId xmlns:a16="http://schemas.microsoft.com/office/drawing/2014/main" id="{C5E58955-24E3-485E-8C75-75C47DA61B8A}"/>
+              </a:ext>
+            </a:extLst>
+          </p:cNvPr>
+          <p:cNvSpPr>
+            <a:spLocks noGrp="1"/>
+          </p:cNvSpPr>
+          <p:nvPr>
+            <p:ph type="title"/>
+          </p:nvPr>
+        </p:nvSpPr>
+        <p:spPr>
+          <a:xfrm>
+            <a:off x="159976" y="140368"/>
+            <a:ext cx="8596668" cy="557463"/>
+          </a:xfrm>
+        </p:spPr>
+        <p:txBody>
+          <a:bodyPr>
+            <a:normAutofit fontScale="90000"/>
+          </a:bodyPr>
+          <a:lstStyle/>
+          <a:p>
+            <a:r>
+              <a:rPr lang="it-IT" dirty="0"/>
+              <a:t>Figura 2</a:t>
+            </a:r>
+          </a:p>
+        </p:txBody>
+      </p:sp>
+      <p:pic>
+        <p:nvPicPr>
+          <p:cNvPr id="5" name="Immagine 4" descr="Immagine che contiene testo&#10;&#10;Descrizione generata automaticamente">
+            <a:extLst>
+              <a:ext uri="{FF2B5EF4-FFF2-40B4-BE49-F238E27FC236}">
+                <a16:creationId xmlns:a16="http://schemas.microsoft.com/office/drawing/2014/main" id="{44B0E206-49EC-4CF4-951F-A0A9D5A60A66}"/>
+              </a:ext>
+            </a:extLst>
+          </p:cNvPr>
+          <p:cNvPicPr>
+            <a:picLocks noChangeAspect="1"/>
+          </p:cNvPicPr>
+          <p:nvPr/>
+        </p:nvPicPr>
+        <p:blipFill>
+          <a:blip r:embed="rId2">
+            <a:extLst>
+              <a:ext uri="{28A0092B-C50C-407E-A947-70E740481C1C}">
+                <a14:useLocalDpi xmlns:a14="http://schemas.microsoft.com/office/drawing/2010/main" val="0"/>
+              </a:ext>
+            </a:extLst>
+          </a:blip>
+          <a:stretch>
+            <a:fillRect/>
+          </a:stretch>
+        </p:blipFill>
+        <p:spPr>
+          <a:xfrm>
+            <a:off x="159976" y="697831"/>
+            <a:ext cx="11712955" cy="5235394"/>
+          </a:xfrm>
+          <a:prstGeom prst="rect">
+            <a:avLst/>
+          </a:prstGeom>
+        </p:spPr>
+      </p:pic>
+    </p:spTree>
+    <p:extLst>
+      <p:ext uri="{BB962C8B-B14F-4D97-AF65-F5344CB8AC3E}">
+        <p14:creationId xmlns:p14="http://schemas.microsoft.com/office/powerpoint/2010/main" val="4166305975"/>
       </p:ext>
     </p:extLst>
   </p:cSld>
@@ -16057,6 +17096,963 @@
     <p:extLst>
       <p:ext uri="{BB962C8B-B14F-4D97-AF65-F5344CB8AC3E}">
         <p14:creationId xmlns:p14="http://schemas.microsoft.com/office/powerpoint/2010/main" val="4125597397"/>
+      </p:ext>
+    </p:extLst>
+  </p:cSld>
+  <p:clrMapOvr>
+    <a:masterClrMapping/>
+  </p:clrMapOvr>
+</p:sld>
+</file>
+
+<file path=ppt/slides/slide40.xml><?xml version="1.0" encoding="utf-8"?>
+<p:sld xmlns:a="http://schemas.openxmlformats.org/drawingml/2006/main" xmlns:r="http://schemas.openxmlformats.org/officeDocument/2006/relationships" xmlns:p="http://schemas.openxmlformats.org/presentationml/2006/main">
+  <p:cSld>
+    <p:spTree>
+      <p:nvGrpSpPr>
+        <p:cNvPr id="1" name=""/>
+        <p:cNvGrpSpPr/>
+        <p:nvPr/>
+      </p:nvGrpSpPr>
+      <p:grpSpPr>
+        <a:xfrm>
+          <a:off x="0" y="0"/>
+          <a:ext cx="0" cy="0"/>
+          <a:chOff x="0" y="0"/>
+          <a:chExt cx="0" cy="0"/>
+        </a:xfrm>
+      </p:grpSpPr>
+      <p:sp>
+        <p:nvSpPr>
+          <p:cNvPr id="2" name="Titolo 1">
+            <a:extLst>
+              <a:ext uri="{FF2B5EF4-FFF2-40B4-BE49-F238E27FC236}">
+                <a16:creationId xmlns:a16="http://schemas.microsoft.com/office/drawing/2014/main" id="{C1D2740E-A1C4-46EC-B19E-7142E0DD7A8D}"/>
+              </a:ext>
+            </a:extLst>
+          </p:cNvPr>
+          <p:cNvSpPr>
+            <a:spLocks noGrp="1"/>
+          </p:cNvSpPr>
+          <p:nvPr>
+            <p:ph type="title"/>
+          </p:nvPr>
+        </p:nvSpPr>
+        <p:spPr>
+          <a:xfrm>
+            <a:off x="472798" y="296779"/>
+            <a:ext cx="8596668" cy="762000"/>
+          </a:xfrm>
+        </p:spPr>
+        <p:txBody>
+          <a:bodyPr>
+            <a:normAutofit fontScale="90000"/>
+          </a:bodyPr>
+          <a:lstStyle/>
+          <a:p>
+            <a:r>
+              <a:rPr lang="it-IT" dirty="0"/>
+              <a:t>Seconda Interrogazione: </a:t>
+            </a:r>
+            <a:r>
+              <a:rPr lang="it-IT" sz="2200" dirty="0">
+                <a:effectLst/>
+                <a:ea typeface="Calibri" panose="020F0502020204030204" pitchFamily="34" charset="0"/>
+                <a:cs typeface="Times New Roman" panose="02020603050405020304" pitchFamily="18" charset="0"/>
+              </a:rPr>
+              <a:t>Dati in input due date trovare il POI con il minor numero di accessi in quel periodo.</a:t>
+            </a:r>
+            <a:br>
+              <a:rPr lang="it-IT" sz="2200" dirty="0">
+                <a:effectLst/>
+                <a:ea typeface="Calibri" panose="020F0502020204030204" pitchFamily="34" charset="0"/>
+                <a:cs typeface="Times New Roman" panose="02020603050405020304" pitchFamily="18" charset="0"/>
+              </a:rPr>
+            </a:br>
+            <a:endParaRPr lang="it-IT" sz="2200" dirty="0"/>
+          </a:p>
+        </p:txBody>
+      </p:sp>
+      <p:sp>
+        <p:nvSpPr>
+          <p:cNvPr id="3" name="Segnaposto contenuto 2">
+            <a:extLst>
+              <a:ext uri="{FF2B5EF4-FFF2-40B4-BE49-F238E27FC236}">
+                <a16:creationId xmlns:a16="http://schemas.microsoft.com/office/drawing/2014/main" id="{B3B14517-41CF-4C9C-89BE-CD277399A614}"/>
+              </a:ext>
+            </a:extLst>
+          </p:cNvPr>
+          <p:cNvSpPr>
+            <a:spLocks noGrp="1"/>
+          </p:cNvSpPr>
+          <p:nvPr>
+            <p:ph idx="1"/>
+          </p:nvPr>
+        </p:nvSpPr>
+        <p:spPr>
+          <a:xfrm>
+            <a:off x="472798" y="1273696"/>
+            <a:ext cx="8596668" cy="2578061"/>
+          </a:xfrm>
+        </p:spPr>
+        <p:txBody>
+          <a:bodyPr/>
+          <a:lstStyle/>
+          <a:p>
+            <a:r>
+              <a:rPr lang="it-IT" dirty="0" err="1"/>
+              <a:t>MongoDB</a:t>
+            </a:r>
+            <a:r>
+              <a:rPr lang="it-IT" dirty="0"/>
+              <a:t> offre l’utilizzo della aggregazioni, un metodo per elaborare record di dati e restituire i risultati calcolati. Le operazioni di aggregazione raggruppano i valori di più documenti insieme e possono eseguire una serie di operazioni sui dati raggruppati per restituire un unico risultato. In SQL </a:t>
+            </a:r>
+            <a:r>
+              <a:rPr lang="it-IT" dirty="0" err="1"/>
+              <a:t>count</a:t>
+            </a:r>
+            <a:r>
+              <a:rPr lang="it-IT" dirty="0"/>
+              <a:t>(*) e con group by è un equivalente dell'aggregazione </a:t>
+            </a:r>
+            <a:r>
+              <a:rPr lang="it-IT" dirty="0" err="1"/>
+              <a:t>MongoDB</a:t>
+            </a:r>
+            <a:r>
+              <a:rPr lang="it-IT" dirty="0"/>
+              <a:t>.</a:t>
+            </a:r>
+          </a:p>
+          <a:p>
+            <a:r>
+              <a:rPr lang="it-IT" dirty="0"/>
+              <a:t>Grazie a </a:t>
+            </a:r>
+            <a:r>
+              <a:rPr lang="it-IT" dirty="0" err="1"/>
+              <a:t>Compass</a:t>
+            </a:r>
+            <a:r>
+              <a:rPr lang="it-IT" dirty="0"/>
+              <a:t> posso eseguire una pipeline di aggregazione ed avere un’anteprima dei miei risultati. Questa procedura risulta molto comoda perché eseguendo molte operazioni è facile fare confusione.</a:t>
+            </a:r>
+          </a:p>
+        </p:txBody>
+      </p:sp>
+      <p:sp>
+        <p:nvSpPr>
+          <p:cNvPr id="4" name="CasellaDiTesto 3">
+            <a:extLst>
+              <a:ext uri="{FF2B5EF4-FFF2-40B4-BE49-F238E27FC236}">
+                <a16:creationId xmlns:a16="http://schemas.microsoft.com/office/drawing/2014/main" id="{F294DD46-1DA1-4D9B-8291-F08D3D1FF7DC}"/>
+              </a:ext>
+            </a:extLst>
+          </p:cNvPr>
+          <p:cNvSpPr txBox="1"/>
+          <p:nvPr/>
+        </p:nvSpPr>
+        <p:spPr>
+          <a:xfrm>
+            <a:off x="246150" y="3863789"/>
+            <a:ext cx="9615844" cy="2308324"/>
+          </a:xfrm>
+          <a:prstGeom prst="rect">
+            <a:avLst/>
+          </a:prstGeom>
+          <a:noFill/>
+        </p:spPr>
+        <p:txBody>
+          <a:bodyPr wrap="square" rtlCol="0">
+            <a:spAutoFit/>
+          </a:bodyPr>
+          <a:lstStyle/>
+          <a:p>
+            <a:r>
+              <a:rPr lang="it-IT" dirty="0"/>
+              <a:t>Pipeline seconda interrogazione</a:t>
+            </a:r>
+            <a:r>
+              <a:rPr lang="it-IT" i="1" dirty="0"/>
+              <a:t>:[{$project: {_id: 1,code_device: 1, </a:t>
+            </a:r>
+            <a:r>
+              <a:rPr lang="it-IT" i="1" dirty="0" err="1"/>
+              <a:t>Info_access</a:t>
+            </a:r>
+            <a:r>
+              <a:rPr lang="it-IT" i="1" dirty="0"/>
+              <a:t>: { $filter:</a:t>
+            </a:r>
+          </a:p>
+          <a:p>
+            <a:r>
+              <a:rPr lang="it-IT" i="1" dirty="0"/>
+              <a:t> { input: '$</a:t>
+            </a:r>
+            <a:r>
+              <a:rPr lang="it-IT" i="1" dirty="0" err="1"/>
+              <a:t>Info_access</a:t>
+            </a:r>
+            <a:r>
+              <a:rPr lang="it-IT" i="1" dirty="0"/>
+              <a:t>', </a:t>
+            </a:r>
+            <a:r>
+              <a:rPr lang="it-IT" i="1" dirty="0" err="1"/>
+              <a:t>as</a:t>
+            </a:r>
+            <a:r>
+              <a:rPr lang="it-IT" i="1" dirty="0"/>
+              <a:t>: '</a:t>
+            </a:r>
+            <a:r>
+              <a:rPr lang="it-IT" i="1" dirty="0" err="1"/>
+              <a:t>date_acces</a:t>
+            </a:r>
+            <a:r>
+              <a:rPr lang="it-IT" i="1" dirty="0"/>
+              <a:t>', </a:t>
+            </a:r>
+            <a:r>
+              <a:rPr lang="it-IT" i="1" dirty="0" err="1"/>
+              <a:t>cond</a:t>
+            </a:r>
+            <a:r>
+              <a:rPr lang="it-IT" i="1" dirty="0"/>
+              <a:t>: {$and: [ { $</a:t>
+            </a:r>
+            <a:r>
+              <a:rPr lang="it-IT" i="1" dirty="0" err="1"/>
+              <a:t>gte</a:t>
+            </a:r>
+            <a:r>
+              <a:rPr lang="it-IT" i="1" dirty="0"/>
+              <a:t>: [ '$$</a:t>
+            </a:r>
+            <a:r>
+              <a:rPr lang="it-IT" i="1" dirty="0" err="1"/>
+              <a:t>date_acces.Data_Hour_access_POI</a:t>
+            </a:r>
+            <a:r>
+              <a:rPr lang="it-IT" i="1" dirty="0"/>
+              <a:t>’,</a:t>
+            </a:r>
+          </a:p>
+          <a:p>
+            <a:r>
+              <a:rPr lang="it-IT" i="1" dirty="0"/>
+              <a:t> </a:t>
+            </a:r>
+            <a:r>
+              <a:rPr lang="it-IT" i="1" dirty="0" err="1"/>
+              <a:t>ISODate</a:t>
+            </a:r>
+            <a:r>
+              <a:rPr lang="it-IT" i="1" dirty="0"/>
+              <a:t>('2014-04-30T00:00:00.000Z') ] }, { $lt: [ '$$</a:t>
+            </a:r>
+            <a:r>
+              <a:rPr lang="it-IT" i="1" dirty="0" err="1"/>
+              <a:t>date_acces.Data_Hour_access_POI</a:t>
+            </a:r>
+            <a:r>
+              <a:rPr lang="it-IT" i="1" dirty="0"/>
+              <a:t>’,</a:t>
+            </a:r>
+          </a:p>
+          <a:p>
+            <a:r>
+              <a:rPr lang="it-IT" i="1" dirty="0"/>
+              <a:t> </a:t>
+            </a:r>
+            <a:r>
+              <a:rPr lang="it-IT" i="1" dirty="0" err="1"/>
+              <a:t>ISODate</a:t>
+            </a:r>
+            <a:r>
+              <a:rPr lang="it-IT" i="1" dirty="0"/>
+              <a:t>('2014-05-30T00:00:00.000Z') ] } ] }}}}}, {$project: {_id: 1, </a:t>
+            </a:r>
+            <a:r>
+              <a:rPr lang="it-IT" i="1" dirty="0" err="1"/>
+              <a:t>code_device</a:t>
+            </a:r>
+            <a:r>
+              <a:rPr lang="it-IT" i="1" dirty="0"/>
+              <a:t>: 1,numberOfAccess:</a:t>
+            </a:r>
+          </a:p>
+          <a:p>
+            <a:r>
+              <a:rPr lang="it-IT" i="1" dirty="0"/>
+              <a:t> {$</a:t>
+            </a:r>
+            <a:r>
+              <a:rPr lang="it-IT" i="1" dirty="0" err="1"/>
+              <a:t>cond</a:t>
+            </a:r>
+            <a:r>
+              <a:rPr lang="it-IT" i="1" dirty="0"/>
+              <a:t>: {'</a:t>
+            </a:r>
+            <a:r>
+              <a:rPr lang="it-IT" i="1" dirty="0" err="1"/>
+              <a:t>if</a:t>
+            </a:r>
+            <a:r>
+              <a:rPr lang="it-IT" i="1" dirty="0"/>
+              <a:t>': {$</a:t>
+            </a:r>
+            <a:r>
+              <a:rPr lang="it-IT" i="1" dirty="0" err="1"/>
+              <a:t>isArray</a:t>
+            </a:r>
+            <a:r>
+              <a:rPr lang="it-IT" i="1" dirty="0"/>
+              <a:t>: '$</a:t>
+            </a:r>
+            <a:r>
+              <a:rPr lang="it-IT" i="1" dirty="0" err="1"/>
+              <a:t>Info_access</a:t>
+            </a:r>
+            <a:r>
+              <a:rPr lang="it-IT" i="1" dirty="0"/>
+              <a:t>'},</a:t>
+            </a:r>
+            <a:r>
+              <a:rPr lang="it-IT" i="1" dirty="0" err="1"/>
+              <a:t>then</a:t>
+            </a:r>
+            <a:r>
+              <a:rPr lang="it-IT" i="1" dirty="0"/>
+              <a:t>: { $size: '$</a:t>
+            </a:r>
+            <a:r>
+              <a:rPr lang="it-IT" i="1" dirty="0" err="1"/>
+              <a:t>Info_access</a:t>
+            </a:r>
+            <a:r>
+              <a:rPr lang="it-IT" i="1" dirty="0"/>
+              <a:t>'},'else': 'NA' }}}},</a:t>
+            </a:r>
+          </a:p>
+          <a:p>
+            <a:r>
+              <a:rPr lang="it-IT" i="1" dirty="0"/>
+              <a:t> {$sort: {</a:t>
+            </a:r>
+            <a:r>
+              <a:rPr lang="it-IT" i="1" dirty="0" err="1"/>
+              <a:t>numberOfAccess</a:t>
+            </a:r>
+            <a:r>
+              <a:rPr lang="it-IT" i="1" dirty="0"/>
+              <a:t>: 1}}, {$</a:t>
+            </a:r>
+            <a:r>
+              <a:rPr lang="it-IT" i="1" dirty="0" err="1"/>
+              <a:t>limit</a:t>
+            </a:r>
+            <a:r>
+              <a:rPr lang="it-IT" i="1" dirty="0"/>
+              <a:t>: 1}]</a:t>
+            </a:r>
+          </a:p>
+        </p:txBody>
+      </p:sp>
+    </p:spTree>
+    <p:extLst>
+      <p:ext uri="{BB962C8B-B14F-4D97-AF65-F5344CB8AC3E}">
+        <p14:creationId xmlns:p14="http://schemas.microsoft.com/office/powerpoint/2010/main" val="3221719779"/>
+      </p:ext>
+    </p:extLst>
+  </p:cSld>
+  <p:clrMapOvr>
+    <a:masterClrMapping/>
+  </p:clrMapOvr>
+</p:sld>
+</file>
+
+<file path=ppt/slides/slide41.xml><?xml version="1.0" encoding="utf-8"?>
+<p:sld xmlns:a="http://schemas.openxmlformats.org/drawingml/2006/main" xmlns:r="http://schemas.openxmlformats.org/officeDocument/2006/relationships" xmlns:p="http://schemas.openxmlformats.org/presentationml/2006/main">
+  <p:cSld>
+    <p:spTree>
+      <p:nvGrpSpPr>
+        <p:cNvPr id="1" name=""/>
+        <p:cNvGrpSpPr/>
+        <p:nvPr/>
+      </p:nvGrpSpPr>
+      <p:grpSpPr>
+        <a:xfrm>
+          <a:off x="0" y="0"/>
+          <a:ext cx="0" cy="0"/>
+          <a:chOff x="0" y="0"/>
+          <a:chExt cx="0" cy="0"/>
+        </a:xfrm>
+      </p:grpSpPr>
+      <p:sp>
+        <p:nvSpPr>
+          <p:cNvPr id="2" name="Titolo 1">
+            <a:extLst>
+              <a:ext uri="{FF2B5EF4-FFF2-40B4-BE49-F238E27FC236}">
+                <a16:creationId xmlns:a16="http://schemas.microsoft.com/office/drawing/2014/main" id="{E3E79E15-4EEE-49C3-8FE8-208F5A2DA2E3}"/>
+              </a:ext>
+            </a:extLst>
+          </p:cNvPr>
+          <p:cNvSpPr>
+            <a:spLocks noGrp="1"/>
+          </p:cNvSpPr>
+          <p:nvPr>
+            <p:ph type="title"/>
+          </p:nvPr>
+        </p:nvSpPr>
+        <p:spPr>
+          <a:xfrm>
+            <a:off x="677334" y="609600"/>
+            <a:ext cx="8596668" cy="641684"/>
+          </a:xfrm>
+        </p:spPr>
+        <p:txBody>
+          <a:bodyPr/>
+          <a:lstStyle/>
+          <a:p>
+            <a:r>
+              <a:rPr lang="it-IT" dirty="0"/>
+              <a:t>Esempio seconda interrogazione:</a:t>
+            </a:r>
+          </a:p>
+        </p:txBody>
+      </p:sp>
+      <p:pic>
+        <p:nvPicPr>
+          <p:cNvPr id="5" name="Immagine 4">
+            <a:extLst>
+              <a:ext uri="{FF2B5EF4-FFF2-40B4-BE49-F238E27FC236}">
+                <a16:creationId xmlns:a16="http://schemas.microsoft.com/office/drawing/2014/main" id="{AB46E136-8EDA-4776-BDE6-447640AE5DAF}"/>
+              </a:ext>
+            </a:extLst>
+          </p:cNvPr>
+          <p:cNvPicPr>
+            <a:picLocks noChangeAspect="1"/>
+          </p:cNvPicPr>
+          <p:nvPr/>
+        </p:nvPicPr>
+        <p:blipFill>
+          <a:blip r:embed="rId2">
+            <a:extLst>
+              <a:ext uri="{28A0092B-C50C-407E-A947-70E740481C1C}">
+                <a14:useLocalDpi xmlns:a14="http://schemas.microsoft.com/office/drawing/2010/main" val="0"/>
+              </a:ext>
+            </a:extLst>
+          </a:blip>
+          <a:stretch>
+            <a:fillRect/>
+          </a:stretch>
+        </p:blipFill>
+        <p:spPr>
+          <a:xfrm>
+            <a:off x="407177" y="1251284"/>
+            <a:ext cx="10400895" cy="4806844"/>
+          </a:xfrm>
+          <a:prstGeom prst="rect">
+            <a:avLst/>
+          </a:prstGeom>
+        </p:spPr>
+      </p:pic>
+    </p:spTree>
+    <p:extLst>
+      <p:ext uri="{BB962C8B-B14F-4D97-AF65-F5344CB8AC3E}">
+        <p14:creationId xmlns:p14="http://schemas.microsoft.com/office/powerpoint/2010/main" val="2078689394"/>
+      </p:ext>
+    </p:extLst>
+  </p:cSld>
+  <p:clrMapOvr>
+    <a:masterClrMapping/>
+  </p:clrMapOvr>
+</p:sld>
+</file>
+
+<file path=ppt/slides/slide42.xml><?xml version="1.0" encoding="utf-8"?>
+<p:sld xmlns:a="http://schemas.openxmlformats.org/drawingml/2006/main" xmlns:r="http://schemas.openxmlformats.org/officeDocument/2006/relationships" xmlns:p="http://schemas.openxmlformats.org/presentationml/2006/main">
+  <p:cSld>
+    <p:spTree>
+      <p:nvGrpSpPr>
+        <p:cNvPr id="1" name=""/>
+        <p:cNvGrpSpPr/>
+        <p:nvPr/>
+      </p:nvGrpSpPr>
+      <p:grpSpPr>
+        <a:xfrm>
+          <a:off x="0" y="0"/>
+          <a:ext cx="0" cy="0"/>
+          <a:chOff x="0" y="0"/>
+          <a:chExt cx="0" cy="0"/>
+        </a:xfrm>
+      </p:grpSpPr>
+      <p:sp>
+        <p:nvSpPr>
+          <p:cNvPr id="2" name="Titolo 1">
+            <a:extLst>
+              <a:ext uri="{FF2B5EF4-FFF2-40B4-BE49-F238E27FC236}">
+                <a16:creationId xmlns:a16="http://schemas.microsoft.com/office/drawing/2014/main" id="{A7AA686A-0460-4E65-9221-C8B2AC12F905}"/>
+              </a:ext>
+            </a:extLst>
+          </p:cNvPr>
+          <p:cNvSpPr>
+            <a:spLocks noGrp="1"/>
+          </p:cNvSpPr>
+          <p:nvPr>
+            <p:ph type="title"/>
+          </p:nvPr>
+        </p:nvSpPr>
+        <p:spPr>
+          <a:xfrm>
+            <a:off x="1" y="248653"/>
+            <a:ext cx="9144000" cy="1320800"/>
+          </a:xfrm>
+        </p:spPr>
+        <p:txBody>
+          <a:bodyPr>
+            <a:normAutofit fontScale="90000"/>
+          </a:bodyPr>
+          <a:lstStyle/>
+          <a:p>
+            <a:r>
+              <a:rPr lang="it-IT" dirty="0"/>
+              <a:t>Terza interrogazione</a:t>
+            </a:r>
+            <a:r>
+              <a:rPr lang="it-IT" sz="2000" dirty="0"/>
+              <a:t>: </a:t>
+            </a:r>
+            <a:r>
+              <a:rPr lang="it-IT" sz="2000" dirty="0">
+                <a:effectLst/>
+                <a:ea typeface="Calibri" panose="020F0502020204030204" pitchFamily="34" charset="0"/>
+                <a:cs typeface="Times New Roman" panose="02020603050405020304" pitchFamily="18" charset="0"/>
+              </a:rPr>
+              <a:t>Dato un POI, eseguire il conteggio degli ingressi tra due date</a:t>
+            </a:r>
+            <a:r>
+              <a:rPr lang="it-IT" sz="2000" dirty="0">
+                <a:ea typeface="Calibri" panose="020F0502020204030204" pitchFamily="34" charset="0"/>
+                <a:cs typeface="Times New Roman" panose="02020603050405020304" pitchFamily="18" charset="0"/>
+              </a:rPr>
+              <a:t>. In output si vogliono tutti i giorni compresi tra le due date con il relativo numero di ingressi.</a:t>
+            </a:r>
+            <a:br>
+              <a:rPr lang="it-IT" sz="2000" dirty="0">
+                <a:effectLst/>
+                <a:ea typeface="Calibri" panose="020F0502020204030204" pitchFamily="34" charset="0"/>
+                <a:cs typeface="Times New Roman" panose="02020603050405020304" pitchFamily="18" charset="0"/>
+              </a:rPr>
+            </a:br>
+            <a:endParaRPr lang="it-IT" sz="2000" dirty="0"/>
+          </a:p>
+        </p:txBody>
+      </p:sp>
+      <p:pic>
+        <p:nvPicPr>
+          <p:cNvPr id="5" name="Segnaposto contenuto 4" descr="Immagine che contiene testo&#10;&#10;Descrizione generata automaticamente">
+            <a:extLst>
+              <a:ext uri="{FF2B5EF4-FFF2-40B4-BE49-F238E27FC236}">
+                <a16:creationId xmlns:a16="http://schemas.microsoft.com/office/drawing/2014/main" id="{57CCCE17-55F6-4561-B76E-76CB5423828B}"/>
+              </a:ext>
+            </a:extLst>
+          </p:cNvPr>
+          <p:cNvPicPr>
+            <a:picLocks noGrp="1" noChangeAspect="1"/>
+          </p:cNvPicPr>
+          <p:nvPr>
+            <p:ph idx="1"/>
+          </p:nvPr>
+        </p:nvPicPr>
+        <p:blipFill>
+          <a:blip r:embed="rId3">
+            <a:extLst>
+              <a:ext uri="{28A0092B-C50C-407E-A947-70E740481C1C}">
+                <a14:useLocalDpi xmlns:a14="http://schemas.microsoft.com/office/drawing/2010/main" val="0"/>
+              </a:ext>
+            </a:extLst>
+          </a:blip>
+          <a:stretch>
+            <a:fillRect/>
+          </a:stretch>
+        </p:blipFill>
+        <p:spPr>
+          <a:xfrm>
+            <a:off x="628581" y="1341438"/>
+            <a:ext cx="8941857" cy="4733925"/>
+          </a:xfrm>
+        </p:spPr>
+      </p:pic>
+    </p:spTree>
+    <p:extLst>
+      <p:ext uri="{BB962C8B-B14F-4D97-AF65-F5344CB8AC3E}">
+        <p14:creationId xmlns:p14="http://schemas.microsoft.com/office/powerpoint/2010/main" val="3959599822"/>
+      </p:ext>
+    </p:extLst>
+  </p:cSld>
+  <p:clrMapOvr>
+    <a:masterClrMapping/>
+  </p:clrMapOvr>
+</p:sld>
+</file>
+
+<file path=ppt/slides/slide43.xml><?xml version="1.0" encoding="utf-8"?>
+<p:sld xmlns:a="http://schemas.openxmlformats.org/drawingml/2006/main" xmlns:r="http://schemas.openxmlformats.org/officeDocument/2006/relationships" xmlns:p="http://schemas.openxmlformats.org/presentationml/2006/main">
+  <p:cSld>
+    <p:bg>
+      <p:bgPr>
+        <a:solidFill>
+          <a:schemeClr val="bg1"/>
+        </a:solidFill>
+        <a:effectLst/>
+      </p:bgPr>
+    </p:bg>
+    <p:spTree>
+      <p:nvGrpSpPr>
+        <p:cNvPr id="1" name=""/>
+        <p:cNvGrpSpPr/>
+        <p:nvPr/>
+      </p:nvGrpSpPr>
+      <p:grpSpPr>
+        <a:xfrm>
+          <a:off x="0" y="0"/>
+          <a:ext cx="0" cy="0"/>
+          <a:chOff x="0" y="0"/>
+          <a:chExt cx="0" cy="0"/>
+        </a:xfrm>
+      </p:grpSpPr>
+      <p:sp useBgFill="1">
+        <p:nvSpPr>
+          <p:cNvPr id="14" name="Rectangle 13">
+            <a:extLst>
+              <a:ext uri="{FF2B5EF4-FFF2-40B4-BE49-F238E27FC236}">
+                <a16:creationId xmlns:a16="http://schemas.microsoft.com/office/drawing/2014/main" id="{9F4444CE-BC8D-4D61-B303-4C05614E62AB}"/>
+              </a:ext>
+              <a:ext uri="{C183D7F6-B498-43B3-948B-1728B52AA6E4}">
+                <adec:decorative xmlns:adec="http://schemas.microsoft.com/office/drawing/2017/decorative" val="1"/>
+              </a:ext>
+            </a:extLst>
+          </p:cNvPr>
+          <p:cNvSpPr>
+            <a:spLocks noGrp="1" noRot="1" noChangeAspect="1" noMove="1" noResize="1" noEditPoints="1" noAdjustHandles="1" noChangeArrowheads="1" noChangeShapeType="1" noTextEdit="1"/>
+          </p:cNvSpPr>
+          <p:nvPr>
+            <p:extLst>
+              <p:ext uri="{386F3935-93C4-4BCD-93E2-E3B085C9AB24}">
+                <p16:designElem xmlns:p16="http://schemas.microsoft.com/office/powerpoint/2015/main" val="1"/>
+              </p:ext>
+            </p:extLst>
+          </p:nvPr>
+        </p:nvSpPr>
+        <p:spPr>
+          <a:xfrm>
+            <a:off x="0" y="0"/>
+            <a:ext cx="12192000" cy="6858000"/>
+          </a:xfrm>
+          <a:prstGeom prst="rect">
+            <a:avLst/>
+          </a:prstGeom>
+          <a:ln>
+            <a:noFill/>
+          </a:ln>
+        </p:spPr>
+        <p:style>
+          <a:lnRef idx="2">
+            <a:schemeClr val="accent1">
+              <a:shade val="50000"/>
+            </a:schemeClr>
+          </a:lnRef>
+          <a:fillRef idx="1">
+            <a:schemeClr val="accent1"/>
+          </a:fillRef>
+          <a:effectRef idx="0">
+            <a:schemeClr val="accent1"/>
+          </a:effectRef>
+          <a:fontRef idx="minor">
+            <a:schemeClr val="lt1"/>
+          </a:fontRef>
+        </p:style>
+        <p:txBody>
+          <a:bodyPr rtlCol="0" anchor="ctr"/>
+          <a:lstStyle/>
+          <a:p>
+            <a:pPr algn="ctr"/>
+            <a:endParaRPr lang="en-US"/>
+          </a:p>
+        </p:txBody>
+      </p:sp>
+      <p:sp>
+        <p:nvSpPr>
+          <p:cNvPr id="16" name="Rectangle 15">
+            <a:extLst>
+              <a:ext uri="{FF2B5EF4-FFF2-40B4-BE49-F238E27FC236}">
+                <a16:creationId xmlns:a16="http://schemas.microsoft.com/office/drawing/2014/main" id="{62423CA5-E2E1-4789-B759-9906C1C94063}"/>
+              </a:ext>
+              <a:ext uri="{C183D7F6-B498-43B3-948B-1728B52AA6E4}">
+                <adec:decorative xmlns:adec="http://schemas.microsoft.com/office/drawing/2017/decorative" val="1"/>
+              </a:ext>
+            </a:extLst>
+          </p:cNvPr>
+          <p:cNvSpPr>
+            <a:spLocks noGrp="1" noRot="1" noChangeAspect="1" noMove="1" noResize="1" noEditPoints="1" noAdjustHandles="1" noChangeArrowheads="1" noChangeShapeType="1" noTextEdit="1"/>
+          </p:cNvSpPr>
+          <p:nvPr>
+            <p:extLst>
+              <p:ext uri="{386F3935-93C4-4BCD-93E2-E3B085C9AB24}">
+                <p16:designElem xmlns:p16="http://schemas.microsoft.com/office/powerpoint/2015/main" val="1"/>
+              </p:ext>
+            </p:extLst>
+          </p:nvPr>
+        </p:nvSpPr>
+        <p:spPr>
+          <a:xfrm>
+            <a:off x="0" y="-3"/>
+            <a:ext cx="4660126" cy="6858000"/>
+          </a:xfrm>
+          <a:prstGeom prst="rect">
+            <a:avLst/>
+          </a:prstGeom>
+          <a:solidFill>
+            <a:schemeClr val="tx2"/>
+          </a:solidFill>
+          <a:ln>
+            <a:noFill/>
+          </a:ln>
+          <a:effectLst/>
+        </p:spPr>
+        <p:style>
+          <a:lnRef idx="1">
+            <a:schemeClr val="accent1"/>
+          </a:lnRef>
+          <a:fillRef idx="3">
+            <a:schemeClr val="accent1"/>
+          </a:fillRef>
+          <a:effectRef idx="2">
+            <a:schemeClr val="accent1"/>
+          </a:effectRef>
+          <a:fontRef idx="minor">
+            <a:schemeClr val="lt1"/>
+          </a:fontRef>
+        </p:style>
+        <p:txBody>
+          <a:bodyPr/>
+          <a:lstStyle/>
+          <a:p>
+            <a:endParaRPr lang="en-US"/>
+          </a:p>
+        </p:txBody>
+      </p:sp>
+      <p:sp>
+        <p:nvSpPr>
+          <p:cNvPr id="18" name="Isosceles Triangle 17">
+            <a:extLst>
+              <a:ext uri="{FF2B5EF4-FFF2-40B4-BE49-F238E27FC236}">
+                <a16:creationId xmlns:a16="http://schemas.microsoft.com/office/drawing/2014/main" id="{73772B81-181F-48B7-8826-4D9686D15DF5}"/>
+              </a:ext>
+              <a:ext uri="{C183D7F6-B498-43B3-948B-1728B52AA6E4}">
+                <adec:decorative xmlns:adec="http://schemas.microsoft.com/office/drawing/2017/decorative" val="1"/>
+              </a:ext>
+            </a:extLst>
+          </p:cNvPr>
+          <p:cNvSpPr>
+            <a:spLocks noGrp="1" noRot="1" noChangeAspect="1" noMove="1" noResize="1" noEditPoints="1" noAdjustHandles="1" noChangeArrowheads="1" noChangeShapeType="1" noTextEdit="1"/>
+          </p:cNvSpPr>
+          <p:nvPr>
+            <p:extLst>
+              <p:ext uri="{386F3935-93C4-4BCD-93E2-E3B085C9AB24}">
+                <p16:designElem xmlns:p16="http://schemas.microsoft.com/office/powerpoint/2015/main" val="1"/>
+              </p:ext>
+            </p:extLst>
+          </p:nvPr>
+        </p:nvSpPr>
+        <p:spPr>
+          <a:xfrm rot="10800000">
+            <a:off x="4660127" y="-3"/>
+            <a:ext cx="1056745" cy="6858001"/>
+          </a:xfrm>
+          <a:prstGeom prst="triangle">
+            <a:avLst>
+              <a:gd name="adj" fmla="val 100000"/>
+            </a:avLst>
+          </a:prstGeom>
+          <a:solidFill>
+            <a:schemeClr val="tx2"/>
+          </a:solidFill>
+          <a:ln>
+            <a:noFill/>
+          </a:ln>
+          <a:effectLst/>
+        </p:spPr>
+        <p:style>
+          <a:lnRef idx="1">
+            <a:schemeClr val="accent1"/>
+          </a:lnRef>
+          <a:fillRef idx="3">
+            <a:schemeClr val="accent1"/>
+          </a:fillRef>
+          <a:effectRef idx="2">
+            <a:schemeClr val="accent1"/>
+          </a:effectRef>
+          <a:fontRef idx="minor">
+            <a:schemeClr val="lt1"/>
+          </a:fontRef>
+        </p:style>
+        <p:txBody>
+          <a:bodyPr/>
+          <a:lstStyle/>
+          <a:p>
+            <a:endParaRPr lang="en-US" dirty="0"/>
+          </a:p>
+        </p:txBody>
+      </p:sp>
+      <p:sp>
+        <p:nvSpPr>
+          <p:cNvPr id="2" name="Titolo 1">
+            <a:extLst>
+              <a:ext uri="{FF2B5EF4-FFF2-40B4-BE49-F238E27FC236}">
+                <a16:creationId xmlns:a16="http://schemas.microsoft.com/office/drawing/2014/main" id="{C78F2580-CC23-4363-9D39-1272CDE6E4F1}"/>
+              </a:ext>
+            </a:extLst>
+          </p:cNvPr>
+          <p:cNvSpPr>
+            <a:spLocks noGrp="1"/>
+          </p:cNvSpPr>
+          <p:nvPr>
+            <p:ph type="title"/>
+          </p:nvPr>
+        </p:nvSpPr>
+        <p:spPr>
+          <a:xfrm>
+            <a:off x="444652" y="2917435"/>
+            <a:ext cx="4203045" cy="1375608"/>
+          </a:xfrm>
+        </p:spPr>
+        <p:txBody>
+          <a:bodyPr anchor="ctr">
+            <a:normAutofit/>
+          </a:bodyPr>
+          <a:lstStyle/>
+          <a:p>
+            <a:r>
+              <a:rPr lang="it-IT" dirty="0">
+                <a:solidFill>
+                  <a:schemeClr val="bg1"/>
+                </a:solidFill>
+              </a:rPr>
+              <a:t>Grazie per l’attenzione</a:t>
+            </a:r>
+          </a:p>
+        </p:txBody>
+      </p:sp>
+      <p:pic>
+        <p:nvPicPr>
+          <p:cNvPr id="7" name="Segnaposto contenuto 6">
+            <a:extLst>
+              <a:ext uri="{FF2B5EF4-FFF2-40B4-BE49-F238E27FC236}">
+                <a16:creationId xmlns:a16="http://schemas.microsoft.com/office/drawing/2014/main" id="{017BF816-501A-4378-BC6A-B94F9837D15F}"/>
+              </a:ext>
+            </a:extLst>
+          </p:cNvPr>
+          <p:cNvPicPr>
+            <a:picLocks noChangeAspect="1"/>
+          </p:cNvPicPr>
+          <p:nvPr/>
+        </p:nvPicPr>
+        <p:blipFill>
+          <a:blip r:embed="rId3">
+            <a:extLst>
+              <a:ext uri="{28A0092B-C50C-407E-A947-70E740481C1C}">
+                <a14:useLocalDpi xmlns:a14="http://schemas.microsoft.com/office/drawing/2010/main" val="0"/>
+              </a:ext>
+            </a:extLst>
+          </a:blip>
+          <a:stretch>
+            <a:fillRect/>
+          </a:stretch>
+        </p:blipFill>
+        <p:spPr>
+          <a:xfrm>
+            <a:off x="6217616" y="972608"/>
+            <a:ext cx="4900269" cy="4900269"/>
+          </a:xfrm>
+          <a:prstGeom prst="rect">
+            <a:avLst/>
+          </a:prstGeom>
+        </p:spPr>
+      </p:pic>
+      <p:sp>
+        <p:nvSpPr>
+          <p:cNvPr id="20" name="Isosceles Triangle 19">
+            <a:extLst>
+              <a:ext uri="{FF2B5EF4-FFF2-40B4-BE49-F238E27FC236}">
+                <a16:creationId xmlns:a16="http://schemas.microsoft.com/office/drawing/2014/main" id="{B2205F6E-03C6-4E92-877C-E2482F6599AA}"/>
+              </a:ext>
+              <a:ext uri="{C183D7F6-B498-43B3-948B-1728B52AA6E4}">
+                <adec:decorative xmlns:adec="http://schemas.microsoft.com/office/drawing/2017/decorative" val="1"/>
+              </a:ext>
+            </a:extLst>
+          </p:cNvPr>
+          <p:cNvSpPr>
+            <a:spLocks noGrp="1" noRot="1" noChangeAspect="1" noMove="1" noResize="1" noEditPoints="1" noAdjustHandles="1" noChangeArrowheads="1" noChangeShapeType="1" noTextEdit="1"/>
+          </p:cNvSpPr>
+          <p:nvPr>
+            <p:extLst>
+              <p:ext uri="{386F3935-93C4-4BCD-93E2-E3B085C9AB24}">
+                <p16:designElem xmlns:p16="http://schemas.microsoft.com/office/powerpoint/2015/main" val="1"/>
+              </p:ext>
+            </p:extLst>
+          </p:nvPr>
+        </p:nvSpPr>
+        <p:spPr>
+          <a:xfrm flipH="1">
+            <a:off x="11755696" y="4013200"/>
+            <a:ext cx="448733" cy="2844800"/>
+          </a:xfrm>
+          <a:prstGeom prst="triangle">
+            <a:avLst>
+              <a:gd name="adj" fmla="val 0"/>
+            </a:avLst>
+          </a:prstGeom>
+          <a:solidFill>
+            <a:schemeClr val="accent1">
+              <a:alpha val="85000"/>
+            </a:schemeClr>
+          </a:solidFill>
+          <a:ln>
+            <a:noFill/>
+          </a:ln>
+          <a:effectLst/>
+        </p:spPr>
+        <p:style>
+          <a:lnRef idx="1">
+            <a:schemeClr val="accent1"/>
+          </a:lnRef>
+          <a:fillRef idx="3">
+            <a:schemeClr val="accent1"/>
+          </a:fillRef>
+          <a:effectRef idx="2">
+            <a:schemeClr val="accent1"/>
+          </a:effectRef>
+          <a:fontRef idx="minor">
+            <a:schemeClr val="lt1"/>
+          </a:fontRef>
+        </p:style>
+        <p:txBody>
+          <a:bodyPr/>
+          <a:lstStyle/>
+          <a:p>
+            <a:endParaRPr lang="en-US" dirty="0"/>
+          </a:p>
+        </p:txBody>
+      </p:sp>
+    </p:spTree>
+    <p:extLst>
+      <p:ext uri="{BB962C8B-B14F-4D97-AF65-F5344CB8AC3E}">
+        <p14:creationId xmlns:p14="http://schemas.microsoft.com/office/powerpoint/2010/main" val="151148046"/>
       </p:ext>
     </p:extLst>
   </p:cSld>

--- a/Presentazione_progetto.pptx
+++ b/Presentazione_progetto.pptx
@@ -9,8 +9,8 @@
   </p:notesMasterIdLst>
   <p:sldIdLst>
     <p:sldId id="256" r:id="rId2"/>
-    <p:sldId id="277" r:id="rId3"/>
-    <p:sldId id="257" r:id="rId4"/>
+    <p:sldId id="257" r:id="rId3"/>
+    <p:sldId id="277" r:id="rId4"/>
     <p:sldId id="258" r:id="rId5"/>
     <p:sldId id="260" r:id="rId6"/>
     <p:sldId id="261" r:id="rId7"/>
@@ -239,7 +239,7 @@
           <a:p>
             <a:fld id="{5D86E91A-6C9D-48EA-9EAF-BBA9F3961CF9}" type="datetimeFigureOut">
               <a:rPr lang="it-IT" smtClean="0"/>
-              <a:t>22/04/2022</a:t>
+              <a:t>26/04/2022</a:t>
             </a:fld>
             <a:endParaRPr lang="it-IT"/>
           </a:p>
@@ -3769,7 +3769,7 @@
           <a:p>
             <a:fld id="{5EEC1FBE-7A50-402B-9218-00262FCB5F53}" type="datetimeFigureOut">
               <a:rPr lang="it-IT" smtClean="0"/>
-              <a:t>22/04/2022</a:t>
+              <a:t>26/04/2022</a:t>
             </a:fld>
             <a:endParaRPr lang="it-IT"/>
           </a:p>
@@ -4020,7 +4020,7 @@
           <a:p>
             <a:fld id="{5EEC1FBE-7A50-402B-9218-00262FCB5F53}" type="datetimeFigureOut">
               <a:rPr lang="it-IT" smtClean="0"/>
-              <a:t>22/04/2022</a:t>
+              <a:t>26/04/2022</a:t>
             </a:fld>
             <a:endParaRPr lang="it-IT"/>
           </a:p>
@@ -4334,7 +4334,7 @@
           <a:p>
             <a:fld id="{5EEC1FBE-7A50-402B-9218-00262FCB5F53}" type="datetimeFigureOut">
               <a:rPr lang="it-IT" smtClean="0"/>
-              <a:t>22/04/2022</a:t>
+              <a:t>26/04/2022</a:t>
             </a:fld>
             <a:endParaRPr lang="it-IT"/>
           </a:p>
@@ -4675,7 +4675,7 @@
           <a:p>
             <a:fld id="{5EEC1FBE-7A50-402B-9218-00262FCB5F53}" type="datetimeFigureOut">
               <a:rPr lang="it-IT" smtClean="0"/>
-              <a:t>22/04/2022</a:t>
+              <a:t>26/04/2022</a:t>
             </a:fld>
             <a:endParaRPr lang="it-IT"/>
           </a:p>
@@ -4989,7 +4989,7 @@
           <a:p>
             <a:fld id="{5EEC1FBE-7A50-402B-9218-00262FCB5F53}" type="datetimeFigureOut">
               <a:rPr lang="it-IT" smtClean="0"/>
-              <a:t>22/04/2022</a:t>
+              <a:t>26/04/2022</a:t>
             </a:fld>
             <a:endParaRPr lang="it-IT"/>
           </a:p>
@@ -5382,7 +5382,7 @@
           <a:p>
             <a:fld id="{5EEC1FBE-7A50-402B-9218-00262FCB5F53}" type="datetimeFigureOut">
               <a:rPr lang="it-IT" smtClean="0"/>
-              <a:t>22/04/2022</a:t>
+              <a:t>26/04/2022</a:t>
             </a:fld>
             <a:endParaRPr lang="it-IT"/>
           </a:p>
@@ -5552,7 +5552,7 @@
           <a:p>
             <a:fld id="{5EEC1FBE-7A50-402B-9218-00262FCB5F53}" type="datetimeFigureOut">
               <a:rPr lang="it-IT" smtClean="0"/>
-              <a:t>22/04/2022</a:t>
+              <a:t>26/04/2022</a:t>
             </a:fld>
             <a:endParaRPr lang="it-IT"/>
           </a:p>
@@ -5732,7 +5732,7 @@
           <a:p>
             <a:fld id="{5EEC1FBE-7A50-402B-9218-00262FCB5F53}" type="datetimeFigureOut">
               <a:rPr lang="it-IT" smtClean="0"/>
-              <a:t>22/04/2022</a:t>
+              <a:t>26/04/2022</a:t>
             </a:fld>
             <a:endParaRPr lang="it-IT"/>
           </a:p>
@@ -5908,7 +5908,7 @@
           <a:p>
             <a:fld id="{5EEC1FBE-7A50-402B-9218-00262FCB5F53}" type="datetimeFigureOut">
               <a:rPr lang="it-IT" smtClean="0"/>
-              <a:t>22/04/2022</a:t>
+              <a:t>26/04/2022</a:t>
             </a:fld>
             <a:endParaRPr lang="it-IT"/>
           </a:p>
@@ -6155,7 +6155,7 @@
           <a:p>
             <a:fld id="{5EEC1FBE-7A50-402B-9218-00262FCB5F53}" type="datetimeFigureOut">
               <a:rPr lang="it-IT" smtClean="0"/>
-              <a:t>22/04/2022</a:t>
+              <a:t>26/04/2022</a:t>
             </a:fld>
             <a:endParaRPr lang="it-IT"/>
           </a:p>
@@ -6387,7 +6387,7 @@
           <a:p>
             <a:fld id="{5EEC1FBE-7A50-402B-9218-00262FCB5F53}" type="datetimeFigureOut">
               <a:rPr lang="it-IT" smtClean="0"/>
-              <a:t>22/04/2022</a:t>
+              <a:t>26/04/2022</a:t>
             </a:fld>
             <a:endParaRPr lang="it-IT"/>
           </a:p>
@@ -6761,7 +6761,7 @@
           <a:p>
             <a:fld id="{5EEC1FBE-7A50-402B-9218-00262FCB5F53}" type="datetimeFigureOut">
               <a:rPr lang="it-IT" smtClean="0"/>
-              <a:t>22/04/2022</a:t>
+              <a:t>26/04/2022</a:t>
             </a:fld>
             <a:endParaRPr lang="it-IT"/>
           </a:p>
@@ -6884,7 +6884,7 @@
           <a:p>
             <a:fld id="{5EEC1FBE-7A50-402B-9218-00262FCB5F53}" type="datetimeFigureOut">
               <a:rPr lang="it-IT" smtClean="0"/>
-              <a:t>22/04/2022</a:t>
+              <a:t>26/04/2022</a:t>
             </a:fld>
             <a:endParaRPr lang="it-IT"/>
           </a:p>
@@ -6979,7 +6979,7 @@
           <a:p>
             <a:fld id="{5EEC1FBE-7A50-402B-9218-00262FCB5F53}" type="datetimeFigureOut">
               <a:rPr lang="it-IT" smtClean="0"/>
-              <a:t>22/04/2022</a:t>
+              <a:t>26/04/2022</a:t>
             </a:fld>
             <a:endParaRPr lang="it-IT"/>
           </a:p>
@@ -7234,7 +7234,7 @@
           <a:p>
             <a:fld id="{5EEC1FBE-7A50-402B-9218-00262FCB5F53}" type="datetimeFigureOut">
               <a:rPr lang="it-IT" smtClean="0"/>
-              <a:t>22/04/2022</a:t>
+              <a:t>26/04/2022</a:t>
             </a:fld>
             <a:endParaRPr lang="it-IT"/>
           </a:p>
@@ -7497,7 +7497,7 @@
           <a:p>
             <a:fld id="{5EEC1FBE-7A50-402B-9218-00262FCB5F53}" type="datetimeFigureOut">
               <a:rPr lang="it-IT" smtClean="0"/>
-              <a:t>22/04/2022</a:t>
+              <a:t>26/04/2022</a:t>
             </a:fld>
             <a:endParaRPr lang="it-IT"/>
           </a:p>
@@ -8240,7 +8240,7 @@
           <a:p>
             <a:fld id="{5EEC1FBE-7A50-402B-9218-00262FCB5F53}" type="datetimeFigureOut">
               <a:rPr lang="it-IT" smtClean="0"/>
-              <a:t>22/04/2022</a:t>
+              <a:t>26/04/2022</a:t>
             </a:fld>
             <a:endParaRPr lang="it-IT"/>
           </a:p>
@@ -8793,7 +8793,7 @@
             <a:pPr algn="l"/>
             <a:r>
               <a:rPr lang="it-IT" dirty="0"/>
-              <a:t>Tommaso Buzzolan</a:t>
+              <a:t>Buzzolan Tommaso</a:t>
             </a:r>
           </a:p>
           <a:p>
@@ -9092,6 +9092,41 @@
             <a:r>
               <a:rPr lang="it-IT" dirty="0"/>
               <a:t>Presentazione progetto fondamenti di sistemi informativi</a:t>
+            </a:r>
+          </a:p>
+        </p:txBody>
+      </p:sp>
+      <p:sp>
+        <p:nvSpPr>
+          <p:cNvPr id="2" name="CasellaDiTesto 1">
+            <a:extLst>
+              <a:ext uri="{FF2B5EF4-FFF2-40B4-BE49-F238E27FC236}">
+                <a16:creationId xmlns:a16="http://schemas.microsoft.com/office/drawing/2014/main" id="{56CF06D7-04A3-435A-90E5-5E7F6EAA3198}"/>
+              </a:ext>
+            </a:extLst>
+          </p:cNvPr>
+          <p:cNvSpPr txBox="1"/>
+          <p:nvPr/>
+        </p:nvSpPr>
+        <p:spPr>
+          <a:xfrm>
+            <a:off x="8932985" y="5849814"/>
+            <a:ext cx="2569204" cy="382543"/>
+          </a:xfrm>
+          <a:prstGeom prst="rect">
+            <a:avLst/>
+          </a:prstGeom>
+          <a:noFill/>
+        </p:spPr>
+        <p:txBody>
+          <a:bodyPr wrap="square" rtlCol="0">
+            <a:spAutoFit/>
+          </a:bodyPr>
+          <a:lstStyle/>
+          <a:p>
+            <a:r>
+              <a:rPr lang="it-IT" dirty="0"/>
+              <a:t>Prof. Belussi Alberto</a:t>
             </a:r>
           </a:p>
         </p:txBody>
@@ -10952,15 +10987,7 @@
             </a:r>
             <a:r>
               <a:rPr lang="it-IT" sz="2000" dirty="0"/>
-              <a:t> entro 10s (default), gli altri nodi nel set di repliche lo contrassegnano come inaccessibile. Questa funzionalità è fondamentale per capire se il nodo primario è </a:t>
-            </a:r>
-            <a:r>
-              <a:rPr lang="it-IT" sz="2000" dirty="0" err="1"/>
-              <a:t>irragiungibile</a:t>
-            </a:r>
-            <a:r>
-              <a:rPr lang="it-IT" sz="2000" dirty="0"/>
-              <a:t>, allora avrò una nuova elezione. </a:t>
+              <a:t> entro 10s (default), gli altri nodi nel set di repliche lo contrassegnano come inaccessibile. Questa funzionalità è fondamentale per capire se il nodo primario è irraggiungibile, allora avrò una nuova elezione. </a:t>
             </a:r>
             <a:endParaRPr lang="it-IT" sz="2000" dirty="0">
               <a:solidFill>
@@ -12334,7 +12361,7 @@
           <p:cNvPr id="2" name="Titolo 1">
             <a:extLst>
               <a:ext uri="{FF2B5EF4-FFF2-40B4-BE49-F238E27FC236}">
-                <a16:creationId xmlns:a16="http://schemas.microsoft.com/office/drawing/2014/main" id="{8ADD3AC4-1E8B-4648-B0DD-E61166234F2D}"/>
+                <a16:creationId xmlns:a16="http://schemas.microsoft.com/office/drawing/2014/main" id="{BBB6AA38-AE9C-41D9-ABB4-DC24B2AC2E89}"/>
               </a:ext>
             </a:extLst>
           </p:cNvPr>
@@ -12345,172 +12372,242 @@
             <p:ph type="title"/>
           </p:nvPr>
         </p:nvSpPr>
-        <p:spPr/>
+        <p:spPr>
+          <a:xfrm>
+            <a:off x="677334" y="0"/>
+            <a:ext cx="8596668" cy="658761"/>
+          </a:xfrm>
+        </p:spPr>
         <p:txBody>
           <a:bodyPr/>
           <a:lstStyle/>
           <a:p>
             <a:r>
               <a:rPr lang="it-IT" dirty="0"/>
-              <a:t>Premessa:</a:t>
-            </a:r>
-          </a:p>
-        </p:txBody>
-      </p:sp>
-      <p:pic>
-        <p:nvPicPr>
-          <p:cNvPr id="5" name="Immagine 4" descr="Immagine che contiene blu, vetro&#10;&#10;Descrizione generata automaticamente">
+              <a:t>Struttura delle presentazione</a:t>
+            </a:r>
+          </a:p>
+        </p:txBody>
+      </p:sp>
+      <p:sp>
+        <p:nvSpPr>
+          <p:cNvPr id="3" name="Segnaposto contenuto 2">
             <a:extLst>
               <a:ext uri="{FF2B5EF4-FFF2-40B4-BE49-F238E27FC236}">
-                <a16:creationId xmlns:a16="http://schemas.microsoft.com/office/drawing/2014/main" id="{B5E8213E-E071-4B86-AD1E-4C7867E3A3ED}"/>
+                <a16:creationId xmlns:a16="http://schemas.microsoft.com/office/drawing/2014/main" id="{D7AC1BD3-1C05-4F7A-93AF-B3148161BB7E}"/>
               </a:ext>
             </a:extLst>
           </p:cNvPr>
-          <p:cNvPicPr>
-            <a:picLocks noChangeAspect="1"/>
-          </p:cNvPicPr>
-          <p:nvPr/>
-        </p:nvPicPr>
-        <p:blipFill>
-          <a:blip r:embed="rId2">
-            <a:extLst>
-              <a:ext uri="{28A0092B-C50C-407E-A947-70E740481C1C}">
-                <a14:useLocalDpi xmlns:a14="http://schemas.microsoft.com/office/drawing/2010/main" val="0"/>
-              </a:ext>
-            </a:extLst>
-          </a:blip>
-          <a:stretch>
-            <a:fillRect/>
-          </a:stretch>
-        </p:blipFill>
+          <p:cNvSpPr>
+            <a:spLocks noGrp="1"/>
+          </p:cNvSpPr>
+          <p:nvPr>
+            <p:ph idx="1"/>
+          </p:nvPr>
+        </p:nvSpPr>
         <p:spPr>
           <a:xfrm>
-            <a:off x="528478" y="2338318"/>
-            <a:ext cx="4127922" cy="4127922"/>
+            <a:off x="677334" y="658761"/>
+            <a:ext cx="8596668" cy="5988224"/>
           </a:xfrm>
-          <a:prstGeom prst="rect">
-            <a:avLst/>
-          </a:prstGeom>
         </p:spPr>
-      </p:pic>
-      <p:pic>
-        <p:nvPicPr>
-          <p:cNvPr id="7" name="Immagine 6" descr="Immagine che contiene graffetta, stazionario&#10;&#10;Descrizione generata automaticamente">
-            <a:extLst>
-              <a:ext uri="{FF2B5EF4-FFF2-40B4-BE49-F238E27FC236}">
-                <a16:creationId xmlns:a16="http://schemas.microsoft.com/office/drawing/2014/main" id="{9D639129-84BE-4448-B9FB-1D8F9781FB93}"/>
-              </a:ext>
-            </a:extLst>
-          </p:cNvPr>
-          <p:cNvPicPr>
-            <a:picLocks noChangeAspect="1"/>
-          </p:cNvPicPr>
-          <p:nvPr/>
-        </p:nvPicPr>
-        <p:blipFill>
-          <a:blip r:embed="rId3">
-            <a:extLst>
-              <a:ext uri="{28A0092B-C50C-407E-A947-70E740481C1C}">
-                <a14:useLocalDpi xmlns:a14="http://schemas.microsoft.com/office/drawing/2010/main" val="0"/>
-              </a:ext>
-            </a:extLst>
-          </a:blip>
-          <a:stretch>
-            <a:fillRect/>
-          </a:stretch>
-        </p:blipFill>
-        <p:spPr>
-          <a:xfrm>
-            <a:off x="4975668" y="2682329"/>
-            <a:ext cx="4391360" cy="3439899"/>
-          </a:xfrm>
-          <a:prstGeom prst="rect">
-            <a:avLst/>
-          </a:prstGeom>
-        </p:spPr>
-      </p:pic>
-      <p:sp>
-        <p:nvSpPr>
-          <p:cNvPr id="8" name="CasellaDiTesto 7">
-            <a:extLst>
-              <a:ext uri="{FF2B5EF4-FFF2-40B4-BE49-F238E27FC236}">
-                <a16:creationId xmlns:a16="http://schemas.microsoft.com/office/drawing/2014/main" id="{5BA6DBA3-FE49-40F3-9B58-55468F220E9E}"/>
-              </a:ext>
-            </a:extLst>
-          </p:cNvPr>
-          <p:cNvSpPr txBox="1"/>
-          <p:nvPr/>
-        </p:nvSpPr>
-        <p:spPr>
-          <a:xfrm>
-            <a:off x="755879" y="1921404"/>
-            <a:ext cx="3303277" cy="369332"/>
-          </a:xfrm>
-          <a:prstGeom prst="rect">
-            <a:avLst/>
-          </a:prstGeom>
-          <a:noFill/>
-        </p:spPr>
-        <p:txBody>
-          <a:bodyPr wrap="none" rtlCol="0">
-            <a:spAutoFit/>
+        <p:txBody>
+          <a:bodyPr>
+            <a:normAutofit fontScale="92500" lnSpcReduction="10000"/>
           </a:bodyPr>
           <a:lstStyle/>
           <a:p>
             <a:r>
-              <a:rPr lang="it-IT" dirty="0"/>
-              <a:t>Dimensione del pianete Terra:</a:t>
-            </a:r>
-          </a:p>
-        </p:txBody>
-      </p:sp>
-      <p:sp>
-        <p:nvSpPr>
-          <p:cNvPr id="9" name="CasellaDiTesto 8">
-            <a:extLst>
-              <a:ext uri="{FF2B5EF4-FFF2-40B4-BE49-F238E27FC236}">
-                <a16:creationId xmlns:a16="http://schemas.microsoft.com/office/drawing/2014/main" id="{28DD1288-8A95-422E-B662-DD8FD5C605EE}"/>
-              </a:ext>
-            </a:extLst>
-          </p:cNvPr>
-          <p:cNvSpPr txBox="1"/>
-          <p:nvPr/>
-        </p:nvSpPr>
-        <p:spPr>
-          <a:xfrm>
-            <a:off x="5239906" y="1949693"/>
-            <a:ext cx="4483920" cy="369332"/>
-          </a:xfrm>
-          <a:prstGeom prst="rect">
-            <a:avLst/>
-          </a:prstGeom>
-          <a:noFill/>
-        </p:spPr>
-        <p:txBody>
-          <a:bodyPr wrap="none" rtlCol="0">
-            <a:spAutoFit/>
-          </a:bodyPr>
-          <a:lstStyle/>
-          <a:p>
-            <a:r>
-              <a:rPr lang="it-IT" dirty="0"/>
-              <a:t>Dimensione documentazione di </a:t>
-            </a:r>
-            <a:r>
-              <a:rPr lang="it-IT" dirty="0" err="1"/>
+              <a:rPr lang="it-IT" u="sng" dirty="0"/>
+              <a:t>Cos’è </a:t>
+            </a:r>
+            <a:r>
+              <a:rPr lang="it-IT" u="sng" dirty="0" err="1"/>
               <a:t>MongoDB</a:t>
             </a:r>
-            <a:r>
-              <a:rPr lang="it-IT" dirty="0"/>
-              <a:t>:</a:t>
-            </a:r>
+            <a:endParaRPr lang="it-IT" u="sng" dirty="0"/>
+          </a:p>
+          <a:p>
+            <a:pPr lvl="1"/>
+            <a:r>
+              <a:rPr lang="it-IT" u="sng" dirty="0"/>
+              <a:t>Differenza della struttura del dato rispetto a RDBMS</a:t>
+            </a:r>
+          </a:p>
+          <a:p>
+            <a:pPr lvl="1"/>
+            <a:r>
+              <a:rPr lang="it-IT" u="sng" dirty="0"/>
+              <a:t>Vantaggi </a:t>
+            </a:r>
+            <a:r>
+              <a:rPr lang="it-IT" u="sng" dirty="0" err="1"/>
+              <a:t>Document</a:t>
+            </a:r>
+            <a:r>
+              <a:rPr lang="it-IT" u="sng" dirty="0"/>
+              <a:t> Database</a:t>
+            </a:r>
+          </a:p>
+          <a:p>
+            <a:pPr lvl="1"/>
+            <a:r>
+              <a:rPr lang="it-IT" u="sng" dirty="0"/>
+              <a:t>Caratteristiche principali di </a:t>
+            </a:r>
+            <a:r>
+              <a:rPr lang="it-IT" u="sng" dirty="0" err="1"/>
+              <a:t>MongoDB</a:t>
+            </a:r>
+            <a:endParaRPr lang="it-IT" u="sng" dirty="0"/>
+          </a:p>
+          <a:p>
+            <a:r>
+              <a:rPr lang="it-IT" u="sng" dirty="0" err="1"/>
+              <a:t>Replications</a:t>
+            </a:r>
+            <a:endParaRPr lang="it-IT" u="sng" dirty="0"/>
+          </a:p>
+          <a:p>
+            <a:pPr lvl="1"/>
+            <a:r>
+              <a:rPr lang="it-IT" u="sng" dirty="0"/>
+              <a:t>Metodologia generale</a:t>
+            </a:r>
+          </a:p>
+          <a:p>
+            <a:pPr lvl="1"/>
+            <a:r>
+              <a:rPr lang="it-IT" u="sng" dirty="0"/>
+              <a:t>Funzionamento del processo di elezione</a:t>
+            </a:r>
+          </a:p>
+          <a:p>
+            <a:pPr lvl="1"/>
+            <a:r>
+              <a:rPr lang="it-IT" u="sng" dirty="0"/>
+              <a:t>Struttura e protocolli principali del replica set</a:t>
+            </a:r>
+          </a:p>
+          <a:p>
+            <a:pPr lvl="1"/>
+            <a:r>
+              <a:rPr lang="it-IT" u="sng" dirty="0"/>
+              <a:t>Operazioni di scrittura e lettura</a:t>
+            </a:r>
+          </a:p>
+          <a:p>
+            <a:r>
+              <a:rPr lang="it-IT" u="sng" dirty="0" err="1"/>
+              <a:t>Sharding</a:t>
+            </a:r>
+            <a:endParaRPr lang="it-IT" u="sng" dirty="0"/>
+          </a:p>
+          <a:p>
+            <a:pPr lvl="1"/>
+            <a:r>
+              <a:rPr lang="it-IT" u="sng" dirty="0"/>
+              <a:t>Come funziona in </a:t>
+            </a:r>
+            <a:r>
+              <a:rPr lang="it-IT" u="sng" dirty="0" err="1"/>
+              <a:t>genrelare</a:t>
+            </a:r>
+            <a:endParaRPr lang="it-IT" u="sng" dirty="0"/>
+          </a:p>
+          <a:p>
+            <a:pPr lvl="1"/>
+            <a:r>
+              <a:rPr lang="it-IT" u="sng" dirty="0"/>
+              <a:t>Elementi chiavi per lo </a:t>
+            </a:r>
+            <a:r>
+              <a:rPr lang="it-IT" u="sng" dirty="0" err="1"/>
+              <a:t>sharding</a:t>
+            </a:r>
+            <a:r>
+              <a:rPr lang="it-IT" u="sng" dirty="0"/>
+              <a:t>: </a:t>
+            </a:r>
+            <a:r>
+              <a:rPr lang="it-IT" u="sng" dirty="0" err="1"/>
+              <a:t>Shard</a:t>
+            </a:r>
+            <a:r>
+              <a:rPr lang="it-IT" u="sng" dirty="0"/>
+              <a:t> key, </a:t>
+            </a:r>
+            <a:r>
+              <a:rPr lang="it-IT" u="sng" dirty="0" err="1"/>
+              <a:t>chunks</a:t>
+            </a:r>
+            <a:r>
+              <a:rPr lang="it-IT" u="sng" dirty="0"/>
+              <a:t>, The </a:t>
+            </a:r>
+            <a:r>
+              <a:rPr lang="it-IT" u="sng" dirty="0" err="1"/>
+              <a:t>balancer</a:t>
+            </a:r>
+            <a:endParaRPr lang="it-IT" u="sng" dirty="0"/>
+          </a:p>
+          <a:p>
+            <a:r>
+              <a:rPr lang="it-IT" u="sng" dirty="0"/>
+              <a:t>Progetto </a:t>
+            </a:r>
+            <a:r>
+              <a:rPr lang="it-IT" u="sng" dirty="0" err="1"/>
+              <a:t>VeronaCard</a:t>
+            </a:r>
+            <a:endParaRPr lang="it-IT" u="sng" dirty="0"/>
+          </a:p>
+          <a:p>
+            <a:pPr lvl="1"/>
+            <a:r>
+              <a:rPr lang="it-IT" u="sng" dirty="0"/>
+              <a:t>Specifiche e strumenti utilizzati</a:t>
+            </a:r>
+          </a:p>
+          <a:p>
+            <a:pPr lvl="1"/>
+            <a:r>
+              <a:rPr lang="it-IT" u="sng" dirty="0"/>
+              <a:t>Data model</a:t>
+            </a:r>
+          </a:p>
+          <a:p>
+            <a:pPr lvl="1"/>
+            <a:r>
+              <a:rPr lang="it-IT" u="sng" dirty="0"/>
+              <a:t>Considerazioni</a:t>
+            </a:r>
+          </a:p>
+          <a:p>
+            <a:pPr lvl="1"/>
+            <a:r>
+              <a:rPr lang="it-IT" u="sng" dirty="0"/>
+              <a:t>Esempi offline delle interrogazioni</a:t>
+            </a:r>
+          </a:p>
+          <a:p>
+            <a:pPr lvl="1"/>
+            <a:endParaRPr lang="it-IT" u="sng" dirty="0"/>
+          </a:p>
+          <a:p>
+            <a:pPr lvl="1"/>
+            <a:endParaRPr lang="it-IT" u="sng" dirty="0"/>
+          </a:p>
+          <a:p>
+            <a:pPr lvl="1"/>
+            <a:endParaRPr lang="it-IT" u="sng" dirty="0"/>
           </a:p>
         </p:txBody>
       </p:sp>
     </p:spTree>
     <p:extLst>
       <p:ext uri="{BB962C8B-B14F-4D97-AF65-F5344CB8AC3E}">
-        <p14:creationId xmlns:p14="http://schemas.microsoft.com/office/powerpoint/2010/main" val="1966636824"/>
+        <p14:creationId xmlns:p14="http://schemas.microsoft.com/office/powerpoint/2010/main" val="2974307821"/>
       </p:ext>
     </p:extLst>
   </p:cSld>
@@ -14563,7 +14660,7 @@
           <p:cNvPr id="2" name="Titolo 1">
             <a:extLst>
               <a:ext uri="{FF2B5EF4-FFF2-40B4-BE49-F238E27FC236}">
-                <a16:creationId xmlns:a16="http://schemas.microsoft.com/office/drawing/2014/main" id="{BBB6AA38-AE9C-41D9-ABB4-DC24B2AC2E89}"/>
+                <a16:creationId xmlns:a16="http://schemas.microsoft.com/office/drawing/2014/main" id="{8ADD3AC4-1E8B-4648-B0DD-E61166234F2D}"/>
               </a:ext>
             </a:extLst>
           </p:cNvPr>
@@ -14574,119 +14671,172 @@
             <p:ph type="title"/>
           </p:nvPr>
         </p:nvSpPr>
-        <p:spPr>
-          <a:xfrm>
-            <a:off x="677334" y="609600"/>
-            <a:ext cx="8596668" cy="658761"/>
-          </a:xfrm>
-        </p:spPr>
+        <p:spPr/>
         <p:txBody>
           <a:bodyPr/>
           <a:lstStyle/>
           <a:p>
             <a:r>
               <a:rPr lang="it-IT" dirty="0"/>
-              <a:t>Indice</a:t>
-            </a:r>
-          </a:p>
-        </p:txBody>
-      </p:sp>
-      <p:sp>
-        <p:nvSpPr>
-          <p:cNvPr id="3" name="Segnaposto contenuto 2">
+              <a:t>Premessa:</a:t>
+            </a:r>
+          </a:p>
+        </p:txBody>
+      </p:sp>
+      <p:pic>
+        <p:nvPicPr>
+          <p:cNvPr id="5" name="Immagine 4" descr="Immagine che contiene blu, vetro&#10;&#10;Descrizione generata automaticamente">
             <a:extLst>
               <a:ext uri="{FF2B5EF4-FFF2-40B4-BE49-F238E27FC236}">
-                <a16:creationId xmlns:a16="http://schemas.microsoft.com/office/drawing/2014/main" id="{D7AC1BD3-1C05-4F7A-93AF-B3148161BB7E}"/>
+                <a16:creationId xmlns:a16="http://schemas.microsoft.com/office/drawing/2014/main" id="{B5E8213E-E071-4B86-AD1E-4C7867E3A3ED}"/>
               </a:ext>
             </a:extLst>
           </p:cNvPr>
-          <p:cNvSpPr>
-            <a:spLocks noGrp="1"/>
-          </p:cNvSpPr>
-          <p:nvPr>
-            <p:ph idx="1"/>
-          </p:nvPr>
-        </p:nvSpPr>
+          <p:cNvPicPr>
+            <a:picLocks noChangeAspect="1"/>
+          </p:cNvPicPr>
+          <p:nvPr/>
+        </p:nvPicPr>
+        <p:blipFill>
+          <a:blip r:embed="rId2">
+            <a:extLst>
+              <a:ext uri="{28A0092B-C50C-407E-A947-70E740481C1C}">
+                <a14:useLocalDpi xmlns:a14="http://schemas.microsoft.com/office/drawing/2010/main" val="0"/>
+              </a:ext>
+            </a:extLst>
+          </a:blip>
+          <a:stretch>
+            <a:fillRect/>
+          </a:stretch>
+        </p:blipFill>
         <p:spPr>
           <a:xfrm>
-            <a:off x="677334" y="1383840"/>
-            <a:ext cx="8596668" cy="3880773"/>
+            <a:off x="528478" y="2338318"/>
+            <a:ext cx="4127922" cy="4127922"/>
           </a:xfrm>
+          <a:prstGeom prst="rect">
+            <a:avLst/>
+          </a:prstGeom>
         </p:spPr>
-        <p:txBody>
-          <a:bodyPr/>
-          <a:lstStyle/>
-          <a:p>
-            <a:r>
-              <a:rPr lang="it-IT" u="sng" dirty="0"/>
-              <a:t>Cos’è </a:t>
-            </a:r>
-            <a:r>
-              <a:rPr lang="it-IT" u="sng" dirty="0" err="1"/>
+      </p:pic>
+      <p:pic>
+        <p:nvPicPr>
+          <p:cNvPr id="7" name="Immagine 6" descr="Immagine che contiene graffetta, stazionario&#10;&#10;Descrizione generata automaticamente">
+            <a:extLst>
+              <a:ext uri="{FF2B5EF4-FFF2-40B4-BE49-F238E27FC236}">
+                <a16:creationId xmlns:a16="http://schemas.microsoft.com/office/drawing/2014/main" id="{9D639129-84BE-4448-B9FB-1D8F9781FB93}"/>
+              </a:ext>
+            </a:extLst>
+          </p:cNvPr>
+          <p:cNvPicPr>
+            <a:picLocks noChangeAspect="1"/>
+          </p:cNvPicPr>
+          <p:nvPr/>
+        </p:nvPicPr>
+        <p:blipFill>
+          <a:blip r:embed="rId3">
+            <a:extLst>
+              <a:ext uri="{28A0092B-C50C-407E-A947-70E740481C1C}">
+                <a14:useLocalDpi xmlns:a14="http://schemas.microsoft.com/office/drawing/2010/main" val="0"/>
+              </a:ext>
+            </a:extLst>
+          </a:blip>
+          <a:stretch>
+            <a:fillRect/>
+          </a:stretch>
+        </p:blipFill>
+        <p:spPr>
+          <a:xfrm>
+            <a:off x="4975668" y="2682329"/>
+            <a:ext cx="4391360" cy="3439899"/>
+          </a:xfrm>
+          <a:prstGeom prst="rect">
+            <a:avLst/>
+          </a:prstGeom>
+        </p:spPr>
+      </p:pic>
+      <p:sp>
+        <p:nvSpPr>
+          <p:cNvPr id="8" name="CasellaDiTesto 7">
+            <a:extLst>
+              <a:ext uri="{FF2B5EF4-FFF2-40B4-BE49-F238E27FC236}">
+                <a16:creationId xmlns:a16="http://schemas.microsoft.com/office/drawing/2014/main" id="{5BA6DBA3-FE49-40F3-9B58-55468F220E9E}"/>
+              </a:ext>
+            </a:extLst>
+          </p:cNvPr>
+          <p:cNvSpPr txBox="1"/>
+          <p:nvPr/>
+        </p:nvSpPr>
+        <p:spPr>
+          <a:xfrm>
+            <a:off x="755879" y="1921404"/>
+            <a:ext cx="3303277" cy="369332"/>
+          </a:xfrm>
+          <a:prstGeom prst="rect">
+            <a:avLst/>
+          </a:prstGeom>
+          <a:noFill/>
+        </p:spPr>
+        <p:txBody>
+          <a:bodyPr wrap="none" rtlCol="0">
+            <a:spAutoFit/>
+          </a:bodyPr>
+          <a:lstStyle/>
+          <a:p>
+            <a:r>
+              <a:rPr lang="it-IT" dirty="0"/>
+              <a:t>Dimensione del pianete Terra:</a:t>
+            </a:r>
+          </a:p>
+        </p:txBody>
+      </p:sp>
+      <p:sp>
+        <p:nvSpPr>
+          <p:cNvPr id="9" name="CasellaDiTesto 8">
+            <a:extLst>
+              <a:ext uri="{FF2B5EF4-FFF2-40B4-BE49-F238E27FC236}">
+                <a16:creationId xmlns:a16="http://schemas.microsoft.com/office/drawing/2014/main" id="{28DD1288-8A95-422E-B662-DD8FD5C605EE}"/>
+              </a:ext>
+            </a:extLst>
+          </p:cNvPr>
+          <p:cNvSpPr txBox="1"/>
+          <p:nvPr/>
+        </p:nvSpPr>
+        <p:spPr>
+          <a:xfrm>
+            <a:off x="5239906" y="1949693"/>
+            <a:ext cx="4483920" cy="369332"/>
+          </a:xfrm>
+          <a:prstGeom prst="rect">
+            <a:avLst/>
+          </a:prstGeom>
+          <a:noFill/>
+        </p:spPr>
+        <p:txBody>
+          <a:bodyPr wrap="none" rtlCol="0">
+            <a:spAutoFit/>
+          </a:bodyPr>
+          <a:lstStyle/>
+          <a:p>
+            <a:r>
+              <a:rPr lang="it-IT" dirty="0"/>
+              <a:t>Dimensione documentazione di </a:t>
+            </a:r>
+            <a:r>
+              <a:rPr lang="it-IT" dirty="0" err="1"/>
               <a:t>MongoDB</a:t>
             </a:r>
-            <a:endParaRPr lang="it-IT" u="sng" dirty="0"/>
-          </a:p>
-          <a:p>
-            <a:pPr lvl="1"/>
-            <a:r>
-              <a:rPr lang="it-IT" u="sng" dirty="0"/>
-              <a:t>Differenza della struttura del dato rispetto a RDBMS</a:t>
-            </a:r>
-          </a:p>
-          <a:p>
-            <a:pPr lvl="1"/>
-            <a:r>
-              <a:rPr lang="it-IT" u="sng" dirty="0"/>
-              <a:t>Vantaggi </a:t>
-            </a:r>
-            <a:r>
-              <a:rPr lang="it-IT" u="sng" dirty="0" err="1"/>
-              <a:t>Document</a:t>
-            </a:r>
-            <a:r>
-              <a:rPr lang="it-IT" u="sng" dirty="0"/>
-              <a:t> Database</a:t>
-            </a:r>
-          </a:p>
-          <a:p>
-            <a:pPr lvl="1"/>
-            <a:r>
-              <a:rPr lang="it-IT" u="sng" dirty="0"/>
-              <a:t>Caratteristiche principali di </a:t>
-            </a:r>
-            <a:r>
-              <a:rPr lang="it-IT" u="sng" dirty="0" err="1"/>
-              <a:t>MongoDB</a:t>
-            </a:r>
-            <a:endParaRPr lang="it-IT" u="sng" dirty="0"/>
-          </a:p>
-          <a:p>
-            <a:r>
-              <a:rPr lang="it-IT" u="sng" dirty="0"/>
-              <a:t>Data Models</a:t>
-            </a:r>
-          </a:p>
-          <a:p>
-            <a:r>
-              <a:rPr lang="it-IT" u="sng" dirty="0" err="1"/>
-              <a:t>Replications</a:t>
-            </a:r>
-            <a:endParaRPr lang="it-IT" u="sng" dirty="0"/>
-          </a:p>
-          <a:p>
-            <a:r>
-              <a:rPr lang="it-IT" u="sng" dirty="0" err="1"/>
-              <a:t>Sharding</a:t>
-            </a:r>
-            <a:endParaRPr lang="it-IT" u="sng" dirty="0"/>
+            <a:r>
+              <a:rPr lang="it-IT" dirty="0"/>
+              <a:t>:</a:t>
+            </a:r>
           </a:p>
         </p:txBody>
       </p:sp>
     </p:spTree>
     <p:extLst>
       <p:ext uri="{BB962C8B-B14F-4D97-AF65-F5344CB8AC3E}">
-        <p14:creationId xmlns:p14="http://schemas.microsoft.com/office/powerpoint/2010/main" val="2974307821"/>
+        <p14:creationId xmlns:p14="http://schemas.microsoft.com/office/powerpoint/2010/main" val="1966636824"/>
       </p:ext>
     </p:extLst>
   </p:cSld>
@@ -18959,7 +19109,7 @@
         </p:spPr>
         <p:txBody>
           <a:bodyPr>
-            <a:normAutofit lnSpcReduction="10000"/>
+            <a:normAutofit/>
           </a:bodyPr>
           <a:lstStyle/>
           <a:p>
@@ -18988,15 +19138,7 @@
             <a:pPr lvl="1"/>
             <a:r>
               <a:rPr lang="it-IT" dirty="0"/>
-              <a:t>Il supporto per i dati embedded riduce l’</a:t>
-            </a:r>
-            <a:r>
-              <a:rPr lang="it-IT" dirty="0" err="1"/>
-              <a:t>attivatà</a:t>
-            </a:r>
-            <a:r>
-              <a:rPr lang="it-IT" dirty="0"/>
-              <a:t> I/O sul sistema di database.</a:t>
+              <a:t>Il supporto per i dati embedded riduce l’attività I/O sul sistema di database.</a:t>
             </a:r>
           </a:p>
           <a:p>
@@ -19045,34 +19187,7 @@
             </a:r>
             <a:r>
               <a:rPr lang="it-IT" dirty="0"/>
-              <a:t>: ho funzione replica set che </a:t>
-            </a:r>
-            <a:r>
-              <a:rPr lang="it-IT" dirty="0" err="1"/>
-              <a:t>fornische</a:t>
-            </a:r>
-            <a:r>
-              <a:rPr lang="it-IT" dirty="0"/>
-              <a:t>:</a:t>
-            </a:r>
-          </a:p>
-          <a:p>
-            <a:pPr lvl="1"/>
-            <a:r>
-              <a:rPr lang="it-IT" dirty="0" err="1"/>
-              <a:t>Automatic</a:t>
-            </a:r>
-            <a:r>
-              <a:rPr lang="it-IT" dirty="0"/>
-              <a:t> </a:t>
-            </a:r>
-            <a:r>
-              <a:rPr lang="it-IT" dirty="0" err="1"/>
-              <a:t>failover</a:t>
-            </a:r>
-            <a:r>
-              <a:rPr lang="it-IT" dirty="0"/>
-              <a:t>.</a:t>
+              <a:t>: ho funzione replica set.</a:t>
             </a:r>
           </a:p>
           <a:p>

--- a/Presentazione_progetto.pptx
+++ b/Presentazione_progetto.pptx
@@ -239,7 +239,7 @@
           <a:p>
             <a:fld id="{5D86E91A-6C9D-48EA-9EAF-BBA9F3961CF9}" type="datetimeFigureOut">
               <a:rPr lang="it-IT" smtClean="0"/>
-              <a:t>26/04/2022</a:t>
+              <a:t>27/04/2022</a:t>
             </a:fld>
             <a:endParaRPr lang="it-IT"/>
           </a:p>
@@ -1009,156 +1009,6 @@
           <a:lstStyle/>
           <a:p>
             <a:r>
-              <a:rPr lang="it-IT" dirty="0" err="1"/>
-              <a:t>mongoDb</a:t>
-            </a:r>
-            <a:r>
-              <a:rPr lang="it-IT" dirty="0"/>
-              <a:t> divide l’intervallo dei valori delle </a:t>
-            </a:r>
-            <a:r>
-              <a:rPr lang="it-IT" dirty="0" err="1"/>
-              <a:t>shard</a:t>
-            </a:r>
-            <a:r>
-              <a:rPr lang="it-IT" dirty="0"/>
-              <a:t> key (hash </a:t>
-            </a:r>
-            <a:r>
-              <a:rPr lang="it-IT" dirty="0" err="1"/>
-              <a:t>shard</a:t>
-            </a:r>
-            <a:r>
-              <a:rPr lang="it-IT" dirty="0"/>
-              <a:t>), in intervalli  non sovrapposti di </a:t>
-            </a:r>
-            <a:r>
-              <a:rPr lang="it-IT" dirty="0" err="1"/>
-              <a:t>shark</a:t>
-            </a:r>
-            <a:r>
-              <a:rPr lang="it-IT" dirty="0"/>
-              <a:t> key(hash </a:t>
-            </a:r>
-            <a:r>
-              <a:rPr lang="it-IT" dirty="0" err="1"/>
-              <a:t>shard</a:t>
-            </a:r>
-            <a:r>
-              <a:rPr lang="it-IT" dirty="0"/>
-              <a:t> key). Ogni range è associato ad un </a:t>
-            </a:r>
-            <a:r>
-              <a:rPr lang="it-IT" dirty="0" err="1"/>
-              <a:t>chunk</a:t>
-            </a:r>
-            <a:r>
-              <a:rPr lang="it-IT" dirty="0"/>
-              <a:t>(blocco) e </a:t>
-            </a:r>
-            <a:r>
-              <a:rPr lang="it-IT" dirty="0" err="1"/>
-              <a:t>mongodb</a:t>
-            </a:r>
-            <a:r>
-              <a:rPr lang="it-IT" dirty="0"/>
-              <a:t> tenta di distribuire i </a:t>
-            </a:r>
-            <a:r>
-              <a:rPr lang="it-IT" dirty="0" err="1"/>
-              <a:t>chunk</a:t>
-            </a:r>
-            <a:r>
-              <a:rPr lang="it-IT" dirty="0"/>
-              <a:t> in maniera uniforme nel cluster.</a:t>
-            </a:r>
-          </a:p>
-          <a:p>
-            <a:r>
-              <a:rPr lang="it-IT" dirty="0"/>
-              <a:t>Un </a:t>
-            </a:r>
-            <a:r>
-              <a:rPr lang="it-IT" dirty="0" err="1"/>
-              <a:t>chunk</a:t>
-            </a:r>
-            <a:r>
-              <a:rPr lang="it-IT" dirty="0"/>
-              <a:t> è un intervallo contiguo di valori di </a:t>
-            </a:r>
-            <a:r>
-              <a:rPr lang="it-IT" dirty="0" err="1"/>
-              <a:t>shard</a:t>
-            </a:r>
-            <a:r>
-              <a:rPr lang="it-IT" dirty="0"/>
-              <a:t> key all’interno di un particolare </a:t>
-            </a:r>
-            <a:r>
-              <a:rPr lang="it-IT" dirty="0" err="1"/>
-              <a:t>shard</a:t>
-            </a:r>
-            <a:r>
-              <a:rPr lang="it-IT" dirty="0"/>
-              <a:t>.</a:t>
-            </a:r>
-          </a:p>
-          <a:p>
-            <a:r>
-              <a:rPr lang="it-IT" dirty="0"/>
-              <a:t>I </a:t>
-            </a:r>
-            <a:r>
-              <a:rPr lang="it-IT" dirty="0" err="1"/>
-              <a:t>cunk</a:t>
-            </a:r>
-            <a:r>
-              <a:rPr lang="it-IT" dirty="0"/>
-              <a:t> includono il limite inferiore ed escludono il limite superiore</a:t>
-            </a:r>
-            <a:r>
-              <a:rPr lang="it-IT" u="sng" dirty="0"/>
-              <a:t>. Se </a:t>
-            </a:r>
-            <a:r>
-              <a:rPr lang="it-IT" u="none" dirty="0"/>
-              <a:t> crescono oltre i 64MB </a:t>
-            </a:r>
-            <a:r>
-              <a:rPr lang="it-IT" u="none" dirty="0" err="1"/>
-              <a:t>mongodb</a:t>
-            </a:r>
-            <a:r>
-              <a:rPr lang="it-IT" u="none" dirty="0"/>
-              <a:t> divide i blocchi. Sempre </a:t>
-            </a:r>
-            <a:r>
-              <a:rPr lang="it-IT" u="none" dirty="0" err="1"/>
-              <a:t>mongodb</a:t>
-            </a:r>
-            <a:r>
-              <a:rPr lang="it-IT" u="none" dirty="0"/>
-              <a:t> migra i </a:t>
-            </a:r>
-            <a:r>
-              <a:rPr lang="it-IT" u="none" dirty="0" err="1"/>
-              <a:t>chunk</a:t>
-            </a:r>
-            <a:r>
-              <a:rPr lang="it-IT" u="none" dirty="0"/>
-              <a:t> se uno </a:t>
-            </a:r>
-            <a:r>
-              <a:rPr lang="it-IT" u="none" dirty="0" err="1"/>
-              <a:t>shard</a:t>
-            </a:r>
-            <a:r>
-              <a:rPr lang="it-IT" u="none" dirty="0"/>
-              <a:t> ha troppi blocchi rispetto ad un altro.</a:t>
-            </a:r>
-          </a:p>
-          <a:p>
-            <a:r>
               <a:rPr lang="it-IT" u="none" dirty="0"/>
               <a:t>La </a:t>
             </a:r>
@@ -1254,6 +1104,156 @@
           <a:bodyPr/>
           <a:lstStyle/>
           <a:p>
+            <a:r>
+              <a:rPr lang="it-IT" dirty="0" err="1"/>
+              <a:t>mongoDb</a:t>
+            </a:r>
+            <a:r>
+              <a:rPr lang="it-IT" dirty="0"/>
+              <a:t> divide l’intervallo dei valori delle </a:t>
+            </a:r>
+            <a:r>
+              <a:rPr lang="it-IT" dirty="0" err="1"/>
+              <a:t>shard</a:t>
+            </a:r>
+            <a:r>
+              <a:rPr lang="it-IT" dirty="0"/>
+              <a:t> key (hash </a:t>
+            </a:r>
+            <a:r>
+              <a:rPr lang="it-IT" dirty="0" err="1"/>
+              <a:t>shard</a:t>
+            </a:r>
+            <a:r>
+              <a:rPr lang="it-IT" dirty="0"/>
+              <a:t>), in intervalli  non sovrapposti di </a:t>
+            </a:r>
+            <a:r>
+              <a:rPr lang="it-IT" dirty="0" err="1"/>
+              <a:t>shark</a:t>
+            </a:r>
+            <a:r>
+              <a:rPr lang="it-IT" dirty="0"/>
+              <a:t> key(hash </a:t>
+            </a:r>
+            <a:r>
+              <a:rPr lang="it-IT" dirty="0" err="1"/>
+              <a:t>shard</a:t>
+            </a:r>
+            <a:r>
+              <a:rPr lang="it-IT" dirty="0"/>
+              <a:t> key). Ogni range è associato ad un </a:t>
+            </a:r>
+            <a:r>
+              <a:rPr lang="it-IT" dirty="0" err="1"/>
+              <a:t>chunk</a:t>
+            </a:r>
+            <a:r>
+              <a:rPr lang="it-IT" dirty="0"/>
+              <a:t>(blocco) e </a:t>
+            </a:r>
+            <a:r>
+              <a:rPr lang="it-IT" dirty="0" err="1"/>
+              <a:t>mongodb</a:t>
+            </a:r>
+            <a:r>
+              <a:rPr lang="it-IT" dirty="0"/>
+              <a:t> tenta di distribuire i </a:t>
+            </a:r>
+            <a:r>
+              <a:rPr lang="it-IT" dirty="0" err="1"/>
+              <a:t>chunk</a:t>
+            </a:r>
+            <a:r>
+              <a:rPr lang="it-IT" dirty="0"/>
+              <a:t> in maniera uniforme nel cluster.</a:t>
+            </a:r>
+          </a:p>
+          <a:p>
+            <a:r>
+              <a:rPr lang="it-IT" dirty="0"/>
+              <a:t>Un </a:t>
+            </a:r>
+            <a:r>
+              <a:rPr lang="it-IT" dirty="0" err="1"/>
+              <a:t>chunk</a:t>
+            </a:r>
+            <a:r>
+              <a:rPr lang="it-IT" dirty="0"/>
+              <a:t> è un intervallo contiguo di valori di </a:t>
+            </a:r>
+            <a:r>
+              <a:rPr lang="it-IT" dirty="0" err="1"/>
+              <a:t>shard</a:t>
+            </a:r>
+            <a:r>
+              <a:rPr lang="it-IT" dirty="0"/>
+              <a:t> key all’interno di un particolare </a:t>
+            </a:r>
+            <a:r>
+              <a:rPr lang="it-IT" dirty="0" err="1"/>
+              <a:t>shard</a:t>
+            </a:r>
+            <a:r>
+              <a:rPr lang="it-IT" dirty="0"/>
+              <a:t>.</a:t>
+            </a:r>
+          </a:p>
+          <a:p>
+            <a:r>
+              <a:rPr lang="it-IT" dirty="0"/>
+              <a:t>I </a:t>
+            </a:r>
+            <a:r>
+              <a:rPr lang="it-IT" dirty="0" err="1"/>
+              <a:t>cunk</a:t>
+            </a:r>
+            <a:r>
+              <a:rPr lang="it-IT" dirty="0"/>
+              <a:t> includono il limite inferiore ed escludono il limite superiore</a:t>
+            </a:r>
+            <a:r>
+              <a:rPr lang="it-IT" u="sng" dirty="0"/>
+              <a:t>. Se </a:t>
+            </a:r>
+            <a:r>
+              <a:rPr lang="it-IT" u="none" dirty="0"/>
+              <a:t> crescono oltre i 64MB </a:t>
+            </a:r>
+            <a:r>
+              <a:rPr lang="it-IT" u="none" dirty="0" err="1"/>
+              <a:t>mongodb</a:t>
+            </a:r>
+            <a:r>
+              <a:rPr lang="it-IT" u="none" dirty="0"/>
+              <a:t> divide i blocchi. Sempre </a:t>
+            </a:r>
+            <a:r>
+              <a:rPr lang="it-IT" u="none" dirty="0" err="1"/>
+              <a:t>mongodb</a:t>
+            </a:r>
+            <a:r>
+              <a:rPr lang="it-IT" u="none" dirty="0"/>
+              <a:t> migra i </a:t>
+            </a:r>
+            <a:r>
+              <a:rPr lang="it-IT" u="none" dirty="0" err="1"/>
+              <a:t>chunk</a:t>
+            </a:r>
+            <a:r>
+              <a:rPr lang="it-IT" u="none" dirty="0"/>
+              <a:t> se uno </a:t>
+            </a:r>
+            <a:r>
+              <a:rPr lang="it-IT" u="none" dirty="0" err="1"/>
+              <a:t>shard</a:t>
+            </a:r>
+            <a:r>
+              <a:rPr lang="it-IT" u="none" dirty="0"/>
+              <a:t> ha troppi blocchi rispetto ad un altro.</a:t>
+            </a:r>
+          </a:p>
+          <a:p>
             <a:endParaRPr lang="it-IT" dirty="0"/>
           </a:p>
         </p:txBody>
@@ -1393,8 +1393,13 @@
             </a:r>
             <a:r>
               <a:rPr lang="it-IT" dirty="0"/>
-              <a:t> è 2!!!!</a:t>
-            </a:r>
+              <a:t> è 2!!!! </a:t>
+            </a:r>
+            <a:r>
+              <a:rPr lang="it-IT" dirty="0" err="1"/>
+              <a:t>threshold</a:t>
+            </a:r>
+            <a:endParaRPr lang="it-IT" dirty="0"/>
           </a:p>
         </p:txBody>
       </p:sp>
@@ -1552,6 +1557,38 @@
             </a:r>
             <a:r>
               <a:rPr lang="it-IT" b="0" dirty="0"/>
+              <a:t>. Se il valore dello </a:t>
+            </a:r>
+            <a:r>
+              <a:rPr lang="it-IT" b="0" dirty="0" err="1"/>
+              <a:t>shard</a:t>
+            </a:r>
+            <a:r>
+              <a:rPr lang="it-IT" b="0" dirty="0"/>
+              <a:t> key cresce o decresce sempre i nuovi valori andranno sempre sul </a:t>
+            </a:r>
+            <a:r>
+              <a:rPr lang="it-IT" b="0" dirty="0" err="1"/>
+              <a:t>chunk</a:t>
+            </a:r>
+            <a:r>
+              <a:rPr lang="it-IT" b="0" dirty="0"/>
+              <a:t> con </a:t>
+            </a:r>
+            <a:r>
+              <a:rPr lang="it-IT" b="0" dirty="0" err="1"/>
+              <a:t>maxKeyValue</a:t>
+            </a:r>
+            <a:r>
+              <a:rPr lang="it-IT" b="0" dirty="0"/>
+              <a:t> o </a:t>
+            </a:r>
+            <a:r>
+              <a:rPr lang="it-IT" b="0" dirty="0" err="1"/>
+              <a:t>MinkeyValue</a:t>
+            </a:r>
+            <a:r>
+              <a:rPr lang="it-IT" b="0" dirty="0"/>
               <a:t>.</a:t>
             </a:r>
           </a:p>
@@ -1573,7 +1610,7 @@
               <a:t>mongodb</a:t>
             </a:r>
             <a:r>
-              <a:rPr lang="it-IT" b="0"/>
+              <a:rPr lang="it-IT" b="0" dirty="0"/>
               <a:t>.</a:t>
             </a:r>
             <a:endParaRPr lang="it-IT" b="1" dirty="0"/>
@@ -3769,7 +3806,7 @@
           <a:p>
             <a:fld id="{5EEC1FBE-7A50-402B-9218-00262FCB5F53}" type="datetimeFigureOut">
               <a:rPr lang="it-IT" smtClean="0"/>
-              <a:t>26/04/2022</a:t>
+              <a:t>27/04/2022</a:t>
             </a:fld>
             <a:endParaRPr lang="it-IT"/>
           </a:p>
@@ -4020,7 +4057,7 @@
           <a:p>
             <a:fld id="{5EEC1FBE-7A50-402B-9218-00262FCB5F53}" type="datetimeFigureOut">
               <a:rPr lang="it-IT" smtClean="0"/>
-              <a:t>26/04/2022</a:t>
+              <a:t>27/04/2022</a:t>
             </a:fld>
             <a:endParaRPr lang="it-IT"/>
           </a:p>
@@ -4334,7 +4371,7 @@
           <a:p>
             <a:fld id="{5EEC1FBE-7A50-402B-9218-00262FCB5F53}" type="datetimeFigureOut">
               <a:rPr lang="it-IT" smtClean="0"/>
-              <a:t>26/04/2022</a:t>
+              <a:t>27/04/2022</a:t>
             </a:fld>
             <a:endParaRPr lang="it-IT"/>
           </a:p>
@@ -4675,7 +4712,7 @@
           <a:p>
             <a:fld id="{5EEC1FBE-7A50-402B-9218-00262FCB5F53}" type="datetimeFigureOut">
               <a:rPr lang="it-IT" smtClean="0"/>
-              <a:t>26/04/2022</a:t>
+              <a:t>27/04/2022</a:t>
             </a:fld>
             <a:endParaRPr lang="it-IT"/>
           </a:p>
@@ -4989,7 +5026,7 @@
           <a:p>
             <a:fld id="{5EEC1FBE-7A50-402B-9218-00262FCB5F53}" type="datetimeFigureOut">
               <a:rPr lang="it-IT" smtClean="0"/>
-              <a:t>26/04/2022</a:t>
+              <a:t>27/04/2022</a:t>
             </a:fld>
             <a:endParaRPr lang="it-IT"/>
           </a:p>
@@ -5382,7 +5419,7 @@
           <a:p>
             <a:fld id="{5EEC1FBE-7A50-402B-9218-00262FCB5F53}" type="datetimeFigureOut">
               <a:rPr lang="it-IT" smtClean="0"/>
-              <a:t>26/04/2022</a:t>
+              <a:t>27/04/2022</a:t>
             </a:fld>
             <a:endParaRPr lang="it-IT"/>
           </a:p>
@@ -5552,7 +5589,7 @@
           <a:p>
             <a:fld id="{5EEC1FBE-7A50-402B-9218-00262FCB5F53}" type="datetimeFigureOut">
               <a:rPr lang="it-IT" smtClean="0"/>
-              <a:t>26/04/2022</a:t>
+              <a:t>27/04/2022</a:t>
             </a:fld>
             <a:endParaRPr lang="it-IT"/>
           </a:p>
@@ -5732,7 +5769,7 @@
           <a:p>
             <a:fld id="{5EEC1FBE-7A50-402B-9218-00262FCB5F53}" type="datetimeFigureOut">
               <a:rPr lang="it-IT" smtClean="0"/>
-              <a:t>26/04/2022</a:t>
+              <a:t>27/04/2022</a:t>
             </a:fld>
             <a:endParaRPr lang="it-IT"/>
           </a:p>
@@ -5908,7 +5945,7 @@
           <a:p>
             <a:fld id="{5EEC1FBE-7A50-402B-9218-00262FCB5F53}" type="datetimeFigureOut">
               <a:rPr lang="it-IT" smtClean="0"/>
-              <a:t>26/04/2022</a:t>
+              <a:t>27/04/2022</a:t>
             </a:fld>
             <a:endParaRPr lang="it-IT"/>
           </a:p>
@@ -6155,7 +6192,7 @@
           <a:p>
             <a:fld id="{5EEC1FBE-7A50-402B-9218-00262FCB5F53}" type="datetimeFigureOut">
               <a:rPr lang="it-IT" smtClean="0"/>
-              <a:t>26/04/2022</a:t>
+              <a:t>27/04/2022</a:t>
             </a:fld>
             <a:endParaRPr lang="it-IT"/>
           </a:p>
@@ -6387,7 +6424,7 @@
           <a:p>
             <a:fld id="{5EEC1FBE-7A50-402B-9218-00262FCB5F53}" type="datetimeFigureOut">
               <a:rPr lang="it-IT" smtClean="0"/>
-              <a:t>26/04/2022</a:t>
+              <a:t>27/04/2022</a:t>
             </a:fld>
             <a:endParaRPr lang="it-IT"/>
           </a:p>
@@ -6761,7 +6798,7 @@
           <a:p>
             <a:fld id="{5EEC1FBE-7A50-402B-9218-00262FCB5F53}" type="datetimeFigureOut">
               <a:rPr lang="it-IT" smtClean="0"/>
-              <a:t>26/04/2022</a:t>
+              <a:t>27/04/2022</a:t>
             </a:fld>
             <a:endParaRPr lang="it-IT"/>
           </a:p>
@@ -6884,7 +6921,7 @@
           <a:p>
             <a:fld id="{5EEC1FBE-7A50-402B-9218-00262FCB5F53}" type="datetimeFigureOut">
               <a:rPr lang="it-IT" smtClean="0"/>
-              <a:t>26/04/2022</a:t>
+              <a:t>27/04/2022</a:t>
             </a:fld>
             <a:endParaRPr lang="it-IT"/>
           </a:p>
@@ -6979,7 +7016,7 @@
           <a:p>
             <a:fld id="{5EEC1FBE-7A50-402B-9218-00262FCB5F53}" type="datetimeFigureOut">
               <a:rPr lang="it-IT" smtClean="0"/>
-              <a:t>26/04/2022</a:t>
+              <a:t>27/04/2022</a:t>
             </a:fld>
             <a:endParaRPr lang="it-IT"/>
           </a:p>
@@ -7234,7 +7271,7 @@
           <a:p>
             <a:fld id="{5EEC1FBE-7A50-402B-9218-00262FCB5F53}" type="datetimeFigureOut">
               <a:rPr lang="it-IT" smtClean="0"/>
-              <a:t>26/04/2022</a:t>
+              <a:t>27/04/2022</a:t>
             </a:fld>
             <a:endParaRPr lang="it-IT"/>
           </a:p>
@@ -7497,7 +7534,7 @@
           <a:p>
             <a:fld id="{5EEC1FBE-7A50-402B-9218-00262FCB5F53}" type="datetimeFigureOut">
               <a:rPr lang="it-IT" smtClean="0"/>
-              <a:t>26/04/2022</a:t>
+              <a:t>27/04/2022</a:t>
             </a:fld>
             <a:endParaRPr lang="it-IT"/>
           </a:p>
@@ -8240,7 +8277,7 @@
           <a:p>
             <a:fld id="{5EEC1FBE-7A50-402B-9218-00262FCB5F53}" type="datetimeFigureOut">
               <a:rPr lang="it-IT" smtClean="0"/>
-              <a:t>26/04/2022</a:t>
+              <a:t>27/04/2022</a:t>
             </a:fld>
             <a:endParaRPr lang="it-IT"/>
           </a:p>
@@ -12915,7 +12952,7 @@
             </a:r>
             <a:r>
               <a:rPr lang="it-IT" dirty="0"/>
-              <a:t>: Contiene un subset dei dati e insieme tutti i </a:t>
+              <a:t>: Contiene un subset dei dati e insieme tutti gli </a:t>
             </a:r>
             <a:r>
               <a:rPr lang="it-IT" dirty="0" err="1"/>
@@ -12923,15 +12960,7 @@
             </a:r>
             <a:r>
               <a:rPr lang="it-IT" dirty="0"/>
-              <a:t> formano l’intero data set de dati del </a:t>
-            </a:r>
-            <a:r>
-              <a:rPr lang="it-IT" dirty="0" err="1"/>
-              <a:t>clustrer</a:t>
-            </a:r>
-            <a:r>
-              <a:rPr lang="it-IT" dirty="0"/>
-              <a:t>. Può essere strutturato come un replica set.</a:t>
+              <a:t> formano l’intero data set de dati del cluster. Può essere strutturato come un replica set.</a:t>
             </a:r>
           </a:p>
           <a:p>
@@ -14229,7 +14258,7 @@
             </a:r>
             <a:r>
               <a:rPr lang="it-IT" dirty="0" err="1"/>
-              <a:t>Treshold</a:t>
+              <a:t>threshold</a:t>
             </a:r>
             <a:r>
               <a:rPr lang="it-IT" dirty="0"/>
@@ -15556,7 +15585,6 @@
             </a:r>
           </a:p>
           <a:p>
-            <a:pPr algn="ctr"/>
             <a:r>
               <a:rPr lang="it-IT" dirty="0" err="1"/>
               <a:t>name:String</a:t>
@@ -15564,7 +15592,6 @@
             <a:endParaRPr lang="it-IT" dirty="0"/>
           </a:p>
           <a:p>
-            <a:pPr algn="ctr"/>
             <a:r>
               <a:rPr lang="it-IT" dirty="0" err="1"/>
               <a:t>Code_device:integer</a:t>
@@ -15572,7 +15599,6 @@
             <a:endParaRPr lang="it-IT" dirty="0"/>
           </a:p>
           <a:p>
-            <a:pPr algn="ctr"/>
             <a:r>
               <a:rPr lang="it-IT" dirty="0" err="1"/>
               <a:t>Info_access:Data_Hour_access_POI</a:t>
@@ -15688,7 +15714,6 @@
             <a:endParaRPr lang="it-IT" dirty="0"/>
           </a:p>
           <a:p>
-            <a:pPr algn="ctr"/>
             <a:r>
               <a:rPr lang="it-IT" dirty="0" err="1"/>
               <a:t>accessTime:Timestamp</a:t>
@@ -15751,7 +15776,7 @@
         <p:spPr>
           <a:xfrm>
             <a:off x="5666874" y="2911642"/>
-            <a:ext cx="4860758" cy="1794712"/>
+            <a:ext cx="4860758" cy="2009274"/>
           </a:xfrm>
           <a:prstGeom prst="rect">
             <a:avLst/>
@@ -15795,12 +15820,18 @@
             <a:pPr algn="ctr"/>
             <a:r>
               <a:rPr lang="it-IT" dirty="0" err="1"/>
+              <a:t>Id_Card</a:t>
+            </a:r>
+            <a:endParaRPr lang="it-IT" dirty="0"/>
+          </a:p>
+          <a:p>
+            <a:r>
+              <a:rPr lang="it-IT" dirty="0" err="1"/>
               <a:t>Id:String</a:t>
             </a:r>
             <a:endParaRPr lang="it-IT" dirty="0"/>
           </a:p>
           <a:p>
-            <a:pPr algn="ctr"/>
             <a:r>
               <a:rPr lang="it-IT" dirty="0" err="1"/>
               <a:t>Activation:Date</a:t>
@@ -15808,7 +15839,6 @@
             <a:endParaRPr lang="it-IT" dirty="0"/>
           </a:p>
           <a:p>
-            <a:pPr algn="ctr"/>
             <a:r>
               <a:rPr lang="it-IT" dirty="0" err="1"/>
               <a:t>Type:string</a:t>
@@ -15816,7 +15846,6 @@
             <a:endParaRPr lang="it-IT" dirty="0"/>
           </a:p>
           <a:p>
-            <a:pPr algn="ctr"/>
             <a:r>
               <a:rPr lang="it-IT" dirty="0" err="1"/>
               <a:t>Info_access:Data_Hour_access_Id</a:t>
@@ -15889,7 +15918,6 @@
             <a:endParaRPr lang="it-IT" dirty="0"/>
           </a:p>
           <a:p>
-            <a:pPr algn="ctr"/>
             <a:r>
               <a:rPr lang="it-IT" dirty="0" err="1"/>
               <a:t>POI:string</a:t>
@@ -15897,7 +15925,6 @@
             <a:endParaRPr lang="it-IT" dirty="0"/>
           </a:p>
           <a:p>
-            <a:pPr algn="ctr"/>
             <a:r>
               <a:rPr lang="it-IT" dirty="0" err="1"/>
               <a:t>Data_Hour_access:Timestamp</a:t>
@@ -15922,7 +15949,7 @@
         </p:nvCxnSpPr>
         <p:spPr>
           <a:xfrm>
-            <a:off x="5666874" y="3697704"/>
+            <a:off x="5666874" y="3673641"/>
             <a:ext cx="4860758" cy="0"/>
           </a:xfrm>
           <a:prstGeom prst="line">

--- a/Presentazione_progetto.pptx
+++ b/Presentazione_progetto.pptx
@@ -239,7 +239,7 @@
           <a:p>
             <a:fld id="{5D86E91A-6C9D-48EA-9EAF-BBA9F3961CF9}" type="datetimeFigureOut">
               <a:rPr lang="it-IT" smtClean="0"/>
-              <a:t>27/04/2022</a:t>
+              <a:t>29/04/2022</a:t>
             </a:fld>
             <a:endParaRPr lang="it-IT"/>
           </a:p>
@@ -3806,7 +3806,7 @@
           <a:p>
             <a:fld id="{5EEC1FBE-7A50-402B-9218-00262FCB5F53}" type="datetimeFigureOut">
               <a:rPr lang="it-IT" smtClean="0"/>
-              <a:t>27/04/2022</a:t>
+              <a:t>29/04/2022</a:t>
             </a:fld>
             <a:endParaRPr lang="it-IT"/>
           </a:p>
@@ -4057,7 +4057,7 @@
           <a:p>
             <a:fld id="{5EEC1FBE-7A50-402B-9218-00262FCB5F53}" type="datetimeFigureOut">
               <a:rPr lang="it-IT" smtClean="0"/>
-              <a:t>27/04/2022</a:t>
+              <a:t>29/04/2022</a:t>
             </a:fld>
             <a:endParaRPr lang="it-IT"/>
           </a:p>
@@ -4371,7 +4371,7 @@
           <a:p>
             <a:fld id="{5EEC1FBE-7A50-402B-9218-00262FCB5F53}" type="datetimeFigureOut">
               <a:rPr lang="it-IT" smtClean="0"/>
-              <a:t>27/04/2022</a:t>
+              <a:t>29/04/2022</a:t>
             </a:fld>
             <a:endParaRPr lang="it-IT"/>
           </a:p>
@@ -4712,7 +4712,7 @@
           <a:p>
             <a:fld id="{5EEC1FBE-7A50-402B-9218-00262FCB5F53}" type="datetimeFigureOut">
               <a:rPr lang="it-IT" smtClean="0"/>
-              <a:t>27/04/2022</a:t>
+              <a:t>29/04/2022</a:t>
             </a:fld>
             <a:endParaRPr lang="it-IT"/>
           </a:p>
@@ -5026,7 +5026,7 @@
           <a:p>
             <a:fld id="{5EEC1FBE-7A50-402B-9218-00262FCB5F53}" type="datetimeFigureOut">
               <a:rPr lang="it-IT" smtClean="0"/>
-              <a:t>27/04/2022</a:t>
+              <a:t>29/04/2022</a:t>
             </a:fld>
             <a:endParaRPr lang="it-IT"/>
           </a:p>
@@ -5419,7 +5419,7 @@
           <a:p>
             <a:fld id="{5EEC1FBE-7A50-402B-9218-00262FCB5F53}" type="datetimeFigureOut">
               <a:rPr lang="it-IT" smtClean="0"/>
-              <a:t>27/04/2022</a:t>
+              <a:t>29/04/2022</a:t>
             </a:fld>
             <a:endParaRPr lang="it-IT"/>
           </a:p>
@@ -5589,7 +5589,7 @@
           <a:p>
             <a:fld id="{5EEC1FBE-7A50-402B-9218-00262FCB5F53}" type="datetimeFigureOut">
               <a:rPr lang="it-IT" smtClean="0"/>
-              <a:t>27/04/2022</a:t>
+              <a:t>29/04/2022</a:t>
             </a:fld>
             <a:endParaRPr lang="it-IT"/>
           </a:p>
@@ -5769,7 +5769,7 @@
           <a:p>
             <a:fld id="{5EEC1FBE-7A50-402B-9218-00262FCB5F53}" type="datetimeFigureOut">
               <a:rPr lang="it-IT" smtClean="0"/>
-              <a:t>27/04/2022</a:t>
+              <a:t>29/04/2022</a:t>
             </a:fld>
             <a:endParaRPr lang="it-IT"/>
           </a:p>
@@ -5945,7 +5945,7 @@
           <a:p>
             <a:fld id="{5EEC1FBE-7A50-402B-9218-00262FCB5F53}" type="datetimeFigureOut">
               <a:rPr lang="it-IT" smtClean="0"/>
-              <a:t>27/04/2022</a:t>
+              <a:t>29/04/2022</a:t>
             </a:fld>
             <a:endParaRPr lang="it-IT"/>
           </a:p>
@@ -6192,7 +6192,7 @@
           <a:p>
             <a:fld id="{5EEC1FBE-7A50-402B-9218-00262FCB5F53}" type="datetimeFigureOut">
               <a:rPr lang="it-IT" smtClean="0"/>
-              <a:t>27/04/2022</a:t>
+              <a:t>29/04/2022</a:t>
             </a:fld>
             <a:endParaRPr lang="it-IT"/>
           </a:p>
@@ -6424,7 +6424,7 @@
           <a:p>
             <a:fld id="{5EEC1FBE-7A50-402B-9218-00262FCB5F53}" type="datetimeFigureOut">
               <a:rPr lang="it-IT" smtClean="0"/>
-              <a:t>27/04/2022</a:t>
+              <a:t>29/04/2022</a:t>
             </a:fld>
             <a:endParaRPr lang="it-IT"/>
           </a:p>
@@ -6798,7 +6798,7 @@
           <a:p>
             <a:fld id="{5EEC1FBE-7A50-402B-9218-00262FCB5F53}" type="datetimeFigureOut">
               <a:rPr lang="it-IT" smtClean="0"/>
-              <a:t>27/04/2022</a:t>
+              <a:t>29/04/2022</a:t>
             </a:fld>
             <a:endParaRPr lang="it-IT"/>
           </a:p>
@@ -6921,7 +6921,7 @@
           <a:p>
             <a:fld id="{5EEC1FBE-7A50-402B-9218-00262FCB5F53}" type="datetimeFigureOut">
               <a:rPr lang="it-IT" smtClean="0"/>
-              <a:t>27/04/2022</a:t>
+              <a:t>29/04/2022</a:t>
             </a:fld>
             <a:endParaRPr lang="it-IT"/>
           </a:p>
@@ -7016,7 +7016,7 @@
           <a:p>
             <a:fld id="{5EEC1FBE-7A50-402B-9218-00262FCB5F53}" type="datetimeFigureOut">
               <a:rPr lang="it-IT" smtClean="0"/>
-              <a:t>27/04/2022</a:t>
+              <a:t>29/04/2022</a:t>
             </a:fld>
             <a:endParaRPr lang="it-IT"/>
           </a:p>
@@ -7271,7 +7271,7 @@
           <a:p>
             <a:fld id="{5EEC1FBE-7A50-402B-9218-00262FCB5F53}" type="datetimeFigureOut">
               <a:rPr lang="it-IT" smtClean="0"/>
-              <a:t>27/04/2022</a:t>
+              <a:t>29/04/2022</a:t>
             </a:fld>
             <a:endParaRPr lang="it-IT"/>
           </a:p>
@@ -7534,7 +7534,7 @@
           <a:p>
             <a:fld id="{5EEC1FBE-7A50-402B-9218-00262FCB5F53}" type="datetimeFigureOut">
               <a:rPr lang="it-IT" smtClean="0"/>
-              <a:t>27/04/2022</a:t>
+              <a:t>29/04/2022</a:t>
             </a:fld>
             <a:endParaRPr lang="it-IT"/>
           </a:p>
@@ -8277,7 +8277,7 @@
           <a:p>
             <a:fld id="{5EEC1FBE-7A50-402B-9218-00262FCB5F53}" type="datetimeFigureOut">
               <a:rPr lang="it-IT" smtClean="0"/>
-              <a:t>27/04/2022</a:t>
+              <a:t>29/04/2022</a:t>
             </a:fld>
             <a:endParaRPr lang="it-IT"/>
           </a:p>
@@ -18300,7 +18300,7 @@
             <p:ph idx="1"/>
             <p:extLst>
               <p:ext uri="{D42A27DB-BD31-4B8C-83A1-F6EECF244321}">
-                <p14:modId xmlns:p14="http://schemas.microsoft.com/office/powerpoint/2010/main" val="2499120824"/>
+                <p14:modId xmlns:p14="http://schemas.microsoft.com/office/powerpoint/2010/main" val="1615706830"/>
               </p:ext>
             </p:extLst>
           </p:nvPr>
@@ -18572,7 +18572,7 @@
                     <a:p>
                       <a:r>
                         <a:rPr lang="it-IT" dirty="0"/>
-                        <a:t>Joins</a:t>
+                        <a:t>Join</a:t>
                       </a:r>
                     </a:p>
                   </a:txBody>

--- a/Presentazione_progetto.pptx
+++ b/Presentazione_progetto.pptx
@@ -5,7 +5,7 @@
     <p:sldMasterId id="2147483672" r:id="rId1"/>
   </p:sldMasterIdLst>
   <p:notesMasterIdLst>
-    <p:notesMasterId r:id="rId45"/>
+    <p:notesMasterId r:id="rId47"/>
   </p:notesMasterIdLst>
   <p:sldIdLst>
     <p:sldId id="256" r:id="rId2"/>
@@ -36,21 +36,23 @@
     <p:sldId id="286" r:id="rId27"/>
     <p:sldId id="285" r:id="rId28"/>
     <p:sldId id="283" r:id="rId29"/>
-    <p:sldId id="279" r:id="rId30"/>
-    <p:sldId id="281" r:id="rId31"/>
-    <p:sldId id="287" r:id="rId32"/>
-    <p:sldId id="288" r:id="rId33"/>
-    <p:sldId id="289" r:id="rId34"/>
-    <p:sldId id="290" r:id="rId35"/>
-    <p:sldId id="291" r:id="rId36"/>
-    <p:sldId id="292" r:id="rId37"/>
-    <p:sldId id="293" r:id="rId38"/>
-    <p:sldId id="298" r:id="rId39"/>
-    <p:sldId id="294" r:id="rId40"/>
-    <p:sldId id="295" r:id="rId41"/>
-    <p:sldId id="296" r:id="rId42"/>
-    <p:sldId id="297" r:id="rId43"/>
-    <p:sldId id="299" r:id="rId44"/>
+    <p:sldId id="300" r:id="rId30"/>
+    <p:sldId id="301" r:id="rId31"/>
+    <p:sldId id="279" r:id="rId32"/>
+    <p:sldId id="281" r:id="rId33"/>
+    <p:sldId id="287" r:id="rId34"/>
+    <p:sldId id="288" r:id="rId35"/>
+    <p:sldId id="289" r:id="rId36"/>
+    <p:sldId id="290" r:id="rId37"/>
+    <p:sldId id="291" r:id="rId38"/>
+    <p:sldId id="292" r:id="rId39"/>
+    <p:sldId id="293" r:id="rId40"/>
+    <p:sldId id="298" r:id="rId41"/>
+    <p:sldId id="294" r:id="rId42"/>
+    <p:sldId id="295" r:id="rId43"/>
+    <p:sldId id="296" r:id="rId44"/>
+    <p:sldId id="297" r:id="rId45"/>
+    <p:sldId id="299" r:id="rId46"/>
   </p:sldIdLst>
   <p:sldSz cx="12192000" cy="6858000"/>
   <p:notesSz cx="6858000" cy="9144000"/>
@@ -239,7 +241,7 @@
           <a:p>
             <a:fld id="{5D86E91A-6C9D-48EA-9EAF-BBA9F3961CF9}" type="datetimeFigureOut">
               <a:rPr lang="it-IT" smtClean="0"/>
-              <a:t>29/04/2022</a:t>
+              <a:t>01/05/2022</a:t>
             </a:fld>
             <a:endParaRPr lang="it-IT"/>
           </a:p>
@@ -1721,7 +1723,7 @@
           <a:p>
             <a:fld id="{7B9EF5EE-42ED-4142-B01A-B637985E9B70}" type="slidenum">
               <a:rPr lang="it-IT" smtClean="0"/>
-              <a:t>29</a:t>
+              <a:t>30</a:t>
             </a:fld>
             <a:endParaRPr lang="it-IT"/>
           </a:p>
@@ -1730,7 +1732,7 @@
     </p:spTree>
     <p:extLst>
       <p:ext uri="{BB962C8B-B14F-4D97-AF65-F5344CB8AC3E}">
-        <p14:creationId xmlns:p14="http://schemas.microsoft.com/office/powerpoint/2010/main" val="1062532552"/>
+        <p14:creationId xmlns:p14="http://schemas.microsoft.com/office/powerpoint/2010/main" val="3119911781"/>
       </p:ext>
     </p:extLst>
   </p:cSld>
@@ -1784,31 +1786,7 @@
           <a:bodyPr/>
           <a:lstStyle/>
           <a:p>
-            <a:pPr marL="228600" indent="-228600">
-              <a:buAutoNum type="arabicParenR"/>
-            </a:pPr>
-            <a:r>
-              <a:rPr lang="it-IT" dirty="0"/>
-              <a:t>Valuto cosa deve fare la mia applicazione, creo entità.</a:t>
-            </a:r>
-          </a:p>
-          <a:p>
-            <a:pPr marL="228600" indent="-228600">
-              <a:buAutoNum type="arabicParenR"/>
-            </a:pPr>
-            <a:r>
-              <a:rPr lang="it-IT" dirty="0"/>
-              <a:t>Mappo le mie entità.</a:t>
-            </a:r>
-          </a:p>
-          <a:p>
-            <a:pPr marL="228600" indent="-228600">
-              <a:buAutoNum type="arabicParenR"/>
-            </a:pPr>
-            <a:r>
-              <a:rPr lang="it-IT" dirty="0"/>
-              <a:t>Applico un pattern e alla fine avrò il mio schema dei dati.</a:t>
-            </a:r>
+            <a:endParaRPr lang="it-IT" dirty="0"/>
           </a:p>
         </p:txBody>
       </p:sp>
@@ -1829,7 +1807,7 @@
           <a:p>
             <a:fld id="{7B9EF5EE-42ED-4142-B01A-B637985E9B70}" type="slidenum">
               <a:rPr lang="it-IT" smtClean="0"/>
-              <a:t>32</a:t>
+              <a:t>31</a:t>
             </a:fld>
             <a:endParaRPr lang="it-IT"/>
           </a:p>
@@ -1838,7 +1816,7 @@
     </p:spTree>
     <p:extLst>
       <p:ext uri="{BB962C8B-B14F-4D97-AF65-F5344CB8AC3E}">
-        <p14:creationId xmlns:p14="http://schemas.microsoft.com/office/powerpoint/2010/main" val="1377568931"/>
+        <p14:creationId xmlns:p14="http://schemas.microsoft.com/office/powerpoint/2010/main" val="1062532552"/>
       </p:ext>
     </p:extLst>
   </p:cSld>
@@ -1892,7 +1870,31 @@
           <a:bodyPr/>
           <a:lstStyle/>
           <a:p>
-            <a:endParaRPr lang="it-IT" dirty="0"/>
+            <a:pPr marL="228600" indent="-228600">
+              <a:buAutoNum type="arabicParenR"/>
+            </a:pPr>
+            <a:r>
+              <a:rPr lang="it-IT" dirty="0"/>
+              <a:t>Valuto cosa deve fare la mia applicazione, creo entità.</a:t>
+            </a:r>
+          </a:p>
+          <a:p>
+            <a:pPr marL="228600" indent="-228600">
+              <a:buAutoNum type="arabicParenR"/>
+            </a:pPr>
+            <a:r>
+              <a:rPr lang="it-IT" dirty="0"/>
+              <a:t>Mappo le mie entità.</a:t>
+            </a:r>
+          </a:p>
+          <a:p>
+            <a:pPr marL="228600" indent="-228600">
+              <a:buAutoNum type="arabicParenR"/>
+            </a:pPr>
+            <a:r>
+              <a:rPr lang="it-IT" dirty="0"/>
+              <a:t>Applico un pattern e alla fine avrò il mio schema dei dati.</a:t>
+            </a:r>
           </a:p>
         </p:txBody>
       </p:sp>
@@ -1913,7 +1915,7 @@
           <a:p>
             <a:fld id="{7B9EF5EE-42ED-4142-B01A-B637985E9B70}" type="slidenum">
               <a:rPr lang="it-IT" smtClean="0"/>
-              <a:t>33</a:t>
+              <a:t>34</a:t>
             </a:fld>
             <a:endParaRPr lang="it-IT"/>
           </a:p>
@@ -1922,7 +1924,7 @@
     </p:spTree>
     <p:extLst>
       <p:ext uri="{BB962C8B-B14F-4D97-AF65-F5344CB8AC3E}">
-        <p14:creationId xmlns:p14="http://schemas.microsoft.com/office/powerpoint/2010/main" val="3687896817"/>
+        <p14:creationId xmlns:p14="http://schemas.microsoft.com/office/powerpoint/2010/main" val="1377568931"/>
       </p:ext>
     </p:extLst>
   </p:cSld>
@@ -2084,7 +2086,7 @@
           <a:p>
             <a:fld id="{7B9EF5EE-42ED-4142-B01A-B637985E9B70}" type="slidenum">
               <a:rPr lang="it-IT" smtClean="0"/>
-              <a:t>42</a:t>
+              <a:t>35</a:t>
             </a:fld>
             <a:endParaRPr lang="it-IT"/>
           </a:p>
@@ -2093,7 +2095,7 @@
     </p:spTree>
     <p:extLst>
       <p:ext uri="{BB962C8B-B14F-4D97-AF65-F5344CB8AC3E}">
-        <p14:creationId xmlns:p14="http://schemas.microsoft.com/office/powerpoint/2010/main" val="269251680"/>
+        <p14:creationId xmlns:p14="http://schemas.microsoft.com/office/powerpoint/2010/main" val="3687896817"/>
       </p:ext>
     </p:extLst>
   </p:cSld>
@@ -2168,7 +2170,91 @@
           <a:p>
             <a:fld id="{7B9EF5EE-42ED-4142-B01A-B637985E9B70}" type="slidenum">
               <a:rPr lang="it-IT" smtClean="0"/>
-              <a:t>43</a:t>
+              <a:t>44</a:t>
+            </a:fld>
+            <a:endParaRPr lang="it-IT"/>
+          </a:p>
+        </p:txBody>
+      </p:sp>
+    </p:spTree>
+    <p:extLst>
+      <p:ext uri="{BB962C8B-B14F-4D97-AF65-F5344CB8AC3E}">
+        <p14:creationId xmlns:p14="http://schemas.microsoft.com/office/powerpoint/2010/main" val="269251680"/>
+      </p:ext>
+    </p:extLst>
+  </p:cSld>
+  <p:clrMapOvr>
+    <a:masterClrMapping/>
+  </p:clrMapOvr>
+</p:notes>
+</file>
+
+<file path=ppt/notesSlides/notesSlide22.xml><?xml version="1.0" encoding="utf-8"?>
+<p:notes xmlns:a="http://schemas.openxmlformats.org/drawingml/2006/main" xmlns:r="http://schemas.openxmlformats.org/officeDocument/2006/relationships" xmlns:p="http://schemas.openxmlformats.org/presentationml/2006/main">
+  <p:cSld>
+    <p:spTree>
+      <p:nvGrpSpPr>
+        <p:cNvPr id="1" name=""/>
+        <p:cNvGrpSpPr/>
+        <p:nvPr/>
+      </p:nvGrpSpPr>
+      <p:grpSpPr>
+        <a:xfrm>
+          <a:off x="0" y="0"/>
+          <a:ext cx="0" cy="0"/>
+          <a:chOff x="0" y="0"/>
+          <a:chExt cx="0" cy="0"/>
+        </a:xfrm>
+      </p:grpSpPr>
+      <p:sp>
+        <p:nvSpPr>
+          <p:cNvPr id="2" name="Segnaposto immagine diapositiva 1"/>
+          <p:cNvSpPr>
+            <a:spLocks noGrp="1" noRot="1" noChangeAspect="1"/>
+          </p:cNvSpPr>
+          <p:nvPr>
+            <p:ph type="sldImg"/>
+          </p:nvPr>
+        </p:nvSpPr>
+        <p:spPr/>
+      </p:sp>
+      <p:sp>
+        <p:nvSpPr>
+          <p:cNvPr id="3" name="Segnaposto note 2"/>
+          <p:cNvSpPr>
+            <a:spLocks noGrp="1"/>
+          </p:cNvSpPr>
+          <p:nvPr>
+            <p:ph type="body" idx="1"/>
+          </p:nvPr>
+        </p:nvSpPr>
+        <p:spPr/>
+        <p:txBody>
+          <a:bodyPr/>
+          <a:lstStyle/>
+          <a:p>
+            <a:endParaRPr lang="it-IT" dirty="0"/>
+          </a:p>
+        </p:txBody>
+      </p:sp>
+      <p:sp>
+        <p:nvSpPr>
+          <p:cNvPr id="4" name="Segnaposto numero diapositiva 3"/>
+          <p:cNvSpPr>
+            <a:spLocks noGrp="1"/>
+          </p:cNvSpPr>
+          <p:nvPr>
+            <p:ph type="sldNum" sz="quarter" idx="5"/>
+          </p:nvPr>
+        </p:nvSpPr>
+        <p:spPr/>
+        <p:txBody>
+          <a:bodyPr/>
+          <a:lstStyle/>
+          <a:p>
+            <a:fld id="{7B9EF5EE-42ED-4142-B01A-B637985E9B70}" type="slidenum">
+              <a:rPr lang="it-IT" smtClean="0"/>
+              <a:t>45</a:t>
             </a:fld>
             <a:endParaRPr lang="it-IT"/>
           </a:p>
@@ -3806,7 +3892,7 @@
           <a:p>
             <a:fld id="{5EEC1FBE-7A50-402B-9218-00262FCB5F53}" type="datetimeFigureOut">
               <a:rPr lang="it-IT" smtClean="0"/>
-              <a:t>29/04/2022</a:t>
+              <a:t>01/05/2022</a:t>
             </a:fld>
             <a:endParaRPr lang="it-IT"/>
           </a:p>
@@ -4057,7 +4143,7 @@
           <a:p>
             <a:fld id="{5EEC1FBE-7A50-402B-9218-00262FCB5F53}" type="datetimeFigureOut">
               <a:rPr lang="it-IT" smtClean="0"/>
-              <a:t>29/04/2022</a:t>
+              <a:t>01/05/2022</a:t>
             </a:fld>
             <a:endParaRPr lang="it-IT"/>
           </a:p>
@@ -4371,7 +4457,7 @@
           <a:p>
             <a:fld id="{5EEC1FBE-7A50-402B-9218-00262FCB5F53}" type="datetimeFigureOut">
               <a:rPr lang="it-IT" smtClean="0"/>
-              <a:t>29/04/2022</a:t>
+              <a:t>01/05/2022</a:t>
             </a:fld>
             <a:endParaRPr lang="it-IT"/>
           </a:p>
@@ -4712,7 +4798,7 @@
           <a:p>
             <a:fld id="{5EEC1FBE-7A50-402B-9218-00262FCB5F53}" type="datetimeFigureOut">
               <a:rPr lang="it-IT" smtClean="0"/>
-              <a:t>29/04/2022</a:t>
+              <a:t>01/05/2022</a:t>
             </a:fld>
             <a:endParaRPr lang="it-IT"/>
           </a:p>
@@ -5026,7 +5112,7 @@
           <a:p>
             <a:fld id="{5EEC1FBE-7A50-402B-9218-00262FCB5F53}" type="datetimeFigureOut">
               <a:rPr lang="it-IT" smtClean="0"/>
-              <a:t>29/04/2022</a:t>
+              <a:t>01/05/2022</a:t>
             </a:fld>
             <a:endParaRPr lang="it-IT"/>
           </a:p>
@@ -5419,7 +5505,7 @@
           <a:p>
             <a:fld id="{5EEC1FBE-7A50-402B-9218-00262FCB5F53}" type="datetimeFigureOut">
               <a:rPr lang="it-IT" smtClean="0"/>
-              <a:t>29/04/2022</a:t>
+              <a:t>01/05/2022</a:t>
             </a:fld>
             <a:endParaRPr lang="it-IT"/>
           </a:p>
@@ -5589,7 +5675,7 @@
           <a:p>
             <a:fld id="{5EEC1FBE-7A50-402B-9218-00262FCB5F53}" type="datetimeFigureOut">
               <a:rPr lang="it-IT" smtClean="0"/>
-              <a:t>29/04/2022</a:t>
+              <a:t>01/05/2022</a:t>
             </a:fld>
             <a:endParaRPr lang="it-IT"/>
           </a:p>
@@ -5769,7 +5855,7 @@
           <a:p>
             <a:fld id="{5EEC1FBE-7A50-402B-9218-00262FCB5F53}" type="datetimeFigureOut">
               <a:rPr lang="it-IT" smtClean="0"/>
-              <a:t>29/04/2022</a:t>
+              <a:t>01/05/2022</a:t>
             </a:fld>
             <a:endParaRPr lang="it-IT"/>
           </a:p>
@@ -5945,7 +6031,7 @@
           <a:p>
             <a:fld id="{5EEC1FBE-7A50-402B-9218-00262FCB5F53}" type="datetimeFigureOut">
               <a:rPr lang="it-IT" smtClean="0"/>
-              <a:t>29/04/2022</a:t>
+              <a:t>01/05/2022</a:t>
             </a:fld>
             <a:endParaRPr lang="it-IT"/>
           </a:p>
@@ -6192,7 +6278,7 @@
           <a:p>
             <a:fld id="{5EEC1FBE-7A50-402B-9218-00262FCB5F53}" type="datetimeFigureOut">
               <a:rPr lang="it-IT" smtClean="0"/>
-              <a:t>29/04/2022</a:t>
+              <a:t>01/05/2022</a:t>
             </a:fld>
             <a:endParaRPr lang="it-IT"/>
           </a:p>
@@ -6424,7 +6510,7 @@
           <a:p>
             <a:fld id="{5EEC1FBE-7A50-402B-9218-00262FCB5F53}" type="datetimeFigureOut">
               <a:rPr lang="it-IT" smtClean="0"/>
-              <a:t>29/04/2022</a:t>
+              <a:t>01/05/2022</a:t>
             </a:fld>
             <a:endParaRPr lang="it-IT"/>
           </a:p>
@@ -6798,7 +6884,7 @@
           <a:p>
             <a:fld id="{5EEC1FBE-7A50-402B-9218-00262FCB5F53}" type="datetimeFigureOut">
               <a:rPr lang="it-IT" smtClean="0"/>
-              <a:t>29/04/2022</a:t>
+              <a:t>01/05/2022</a:t>
             </a:fld>
             <a:endParaRPr lang="it-IT"/>
           </a:p>
@@ -6921,7 +7007,7 @@
           <a:p>
             <a:fld id="{5EEC1FBE-7A50-402B-9218-00262FCB5F53}" type="datetimeFigureOut">
               <a:rPr lang="it-IT" smtClean="0"/>
-              <a:t>29/04/2022</a:t>
+              <a:t>01/05/2022</a:t>
             </a:fld>
             <a:endParaRPr lang="it-IT"/>
           </a:p>
@@ -7016,7 +7102,7 @@
           <a:p>
             <a:fld id="{5EEC1FBE-7A50-402B-9218-00262FCB5F53}" type="datetimeFigureOut">
               <a:rPr lang="it-IT" smtClean="0"/>
-              <a:t>29/04/2022</a:t>
+              <a:t>01/05/2022</a:t>
             </a:fld>
             <a:endParaRPr lang="it-IT"/>
           </a:p>
@@ -7271,7 +7357,7 @@
           <a:p>
             <a:fld id="{5EEC1FBE-7A50-402B-9218-00262FCB5F53}" type="datetimeFigureOut">
               <a:rPr lang="it-IT" smtClean="0"/>
-              <a:t>29/04/2022</a:t>
+              <a:t>01/05/2022</a:t>
             </a:fld>
             <a:endParaRPr lang="it-IT"/>
           </a:p>
@@ -7534,7 +7620,7 @@
           <a:p>
             <a:fld id="{5EEC1FBE-7A50-402B-9218-00262FCB5F53}" type="datetimeFigureOut">
               <a:rPr lang="it-IT" smtClean="0"/>
-              <a:t>29/04/2022</a:t>
+              <a:t>01/05/2022</a:t>
             </a:fld>
             <a:endParaRPr lang="it-IT"/>
           </a:p>
@@ -8277,7 +8363,7 @@
           <a:p>
             <a:fld id="{5EEC1FBE-7A50-402B-9218-00262FCB5F53}" type="datetimeFigureOut">
               <a:rPr lang="it-IT" smtClean="0"/>
-              <a:t>29/04/2022</a:t>
+              <a:t>01/05/2022</a:t>
             </a:fld>
             <a:endParaRPr lang="it-IT"/>
           </a:p>
@@ -11231,7 +11317,13 @@
           <a:lstStyle/>
           <a:p>
             <a:r>
-              <a:rPr lang="it-IT" dirty="0"/>
+              <a:rPr lang="it-IT" dirty="0">
+                <a:solidFill>
+                  <a:schemeClr val="bg2">
+                    <a:lumMod val="90000"/>
+                  </a:schemeClr>
+                </a:solidFill>
+              </a:rPr>
               <a:t>Replication Lag and Flow Control</a:t>
             </a:r>
           </a:p>
@@ -11264,7 +11356,13 @@
           <a:lstStyle/>
           <a:p>
             <a:r>
-              <a:rPr lang="it-IT" dirty="0"/>
+              <a:rPr lang="it-IT" dirty="0">
+                <a:solidFill>
+                  <a:schemeClr val="bg2">
+                    <a:lumMod val="90000"/>
+                  </a:schemeClr>
+                </a:solidFill>
+              </a:rPr>
               <a:t>Il ritardo di replica si riferisce alla quantità di tempo necessaria per copiare (ovvero replicare) un'operazione di scrittura sul primario in un secondario. Potrebbe essere accettabile un breve periodo di ritardo, ma emergono problemi significativi con l'aumento del ritardo di replica, inclusa la creazione di pressioni sulla cache sul primario. </a:t>
             </a:r>
           </a:p>
@@ -11293,6 +11391,9 @@
             <a:avLst/>
           </a:prstGeom>
           <a:ln w="57150">
+            <a:solidFill>
+              <a:schemeClr val="bg2"/>
+            </a:solidFill>
             <a:tailEnd type="triangle"/>
           </a:ln>
         </p:spPr>
@@ -11340,34 +11441,82 @@
           <a:lstStyle/>
           <a:p>
             <a:r>
-              <a:rPr lang="it-IT" b="1" dirty="0"/>
+              <a:rPr lang="it-IT" b="1" dirty="0">
+                <a:solidFill>
+                  <a:schemeClr val="bg2">
+                    <a:lumMod val="90000"/>
+                  </a:schemeClr>
+                </a:solidFill>
+              </a:rPr>
               <a:t>Flow Control </a:t>
             </a:r>
             <a:r>
-              <a:rPr lang="it-IT" dirty="0"/>
+              <a:rPr lang="it-IT" dirty="0">
+                <a:solidFill>
+                  <a:schemeClr val="bg2">
+                    <a:lumMod val="90000"/>
+                  </a:schemeClr>
+                </a:solidFill>
+              </a:rPr>
               <a:t>è la soluzione utilizzata da </a:t>
             </a:r>
             <a:r>
-              <a:rPr lang="it-IT" dirty="0" err="1"/>
+              <a:rPr lang="it-IT" dirty="0" err="1">
+                <a:solidFill>
+                  <a:schemeClr val="bg2">
+                    <a:lumMod val="90000"/>
+                  </a:schemeClr>
+                </a:solidFill>
+              </a:rPr>
               <a:t>MongoDB</a:t>
             </a:r>
             <a:r>
-              <a:rPr lang="it-IT" dirty="0"/>
+              <a:rPr lang="it-IT" dirty="0">
+                <a:solidFill>
+                  <a:schemeClr val="bg2">
+                    <a:lumMod val="90000"/>
+                  </a:schemeClr>
+                </a:solidFill>
+              </a:rPr>
               <a:t>: gli amministratori possono limitare la velocità con cui il </a:t>
             </a:r>
             <a:r>
-              <a:rPr lang="it-IT" dirty="0" err="1"/>
+              <a:rPr lang="it-IT" dirty="0" err="1">
+                <a:solidFill>
+                  <a:schemeClr val="bg2">
+                    <a:lumMod val="90000"/>
+                  </a:schemeClr>
+                </a:solidFill>
+              </a:rPr>
               <a:t>primary</a:t>
             </a:r>
             <a:r>
-              <a:rPr lang="it-IT" dirty="0"/>
+              <a:rPr lang="it-IT" dirty="0">
+                <a:solidFill>
+                  <a:schemeClr val="bg2">
+                    <a:lumMod val="90000"/>
+                  </a:schemeClr>
+                </a:solidFill>
+              </a:rPr>
               <a:t> applica le sue scritture grazie ad un valore massimo configurabile </a:t>
             </a:r>
             <a:r>
-              <a:rPr lang="it-IT" dirty="0" err="1"/>
+              <a:rPr lang="it-IT" dirty="0" err="1">
+                <a:solidFill>
+                  <a:schemeClr val="bg2">
+                    <a:lumMod val="90000"/>
+                  </a:schemeClr>
+                </a:solidFill>
+              </a:rPr>
               <a:t>flowControlTargetLagSeconds</a:t>
             </a:r>
-            <a:endParaRPr lang="it-IT" dirty="0"/>
+            <a:endParaRPr lang="it-IT" dirty="0">
+              <a:solidFill>
+                <a:schemeClr val="bg2">
+                  <a:lumMod val="90000"/>
+                </a:schemeClr>
+              </a:solidFill>
+            </a:endParaRPr>
           </a:p>
         </p:txBody>
       </p:sp>
@@ -11400,13 +11549,25 @@
           <a:lstStyle/>
           <a:p>
             <a:r>
-              <a:rPr lang="it-IT" dirty="0"/>
+              <a:rPr lang="it-IT" dirty="0">
+                <a:solidFill>
+                  <a:schemeClr val="bg2">
+                    <a:lumMod val="90000"/>
+                  </a:schemeClr>
+                </a:solidFill>
+              </a:rPr>
               <a:t>le scritture sul database primario devono ottenere un ticket prima di accettare</a:t>
             </a:r>
           </a:p>
           <a:p>
             <a:r>
-              <a:rPr lang="it-IT" dirty="0"/>
+              <a:rPr lang="it-IT" dirty="0">
+                <a:solidFill>
+                  <a:schemeClr val="bg2">
+                    <a:lumMod val="90000"/>
+                  </a:schemeClr>
+                </a:solidFill>
+              </a:rPr>
               <a:t>i blocchi per applicare le scritture</a:t>
             </a:r>
           </a:p>
@@ -11753,7 +11914,7 @@
           <p:nvPr>
             <p:extLst>
               <p:ext uri="{D42A27DB-BD31-4B8C-83A1-F6EECF244321}">
-                <p14:modId xmlns:p14="http://schemas.microsoft.com/office/powerpoint/2010/main" val="3778607298"/>
+                <p14:modId xmlns:p14="http://schemas.microsoft.com/office/powerpoint/2010/main" val="3899334721"/>
               </p:ext>
             </p:extLst>
           </p:nvPr>
@@ -11791,7 +11952,13 @@
                     <a:lstStyle/>
                     <a:p>
                       <a:r>
-                        <a:rPr lang="it-IT" dirty="0"/>
+                        <a:rPr lang="it-IT" dirty="0">
+                          <a:solidFill>
+                            <a:schemeClr val="bg2">
+                              <a:lumMod val="90000"/>
+                            </a:schemeClr>
+                          </a:solidFill>
+                        </a:rPr>
                         <a:t>Parametro</a:t>
                       </a:r>
                     </a:p>
@@ -11804,7 +11971,13 @@
                     <a:lstStyle/>
                     <a:p>
                       <a:r>
-                        <a:rPr lang="it-IT" dirty="0"/>
+                        <a:rPr lang="it-IT" dirty="0">
+                          <a:solidFill>
+                            <a:schemeClr val="bg2">
+                              <a:lumMod val="90000"/>
+                            </a:schemeClr>
+                          </a:solidFill>
+                        </a:rPr>
                         <a:t>Descrizione</a:t>
                       </a:r>
                     </a:p>
@@ -11824,10 +11997,22 @@
                     <a:lstStyle/>
                     <a:p>
                       <a:r>
-                        <a:rPr lang="it-IT" dirty="0" err="1"/>
+                        <a:rPr lang="it-IT" dirty="0" err="1">
+                          <a:solidFill>
+                            <a:schemeClr val="bg2">
+                              <a:lumMod val="90000"/>
+                            </a:schemeClr>
+                          </a:solidFill>
+                        </a:rPr>
                         <a:t>PrimaryPreferred</a:t>
                       </a:r>
-                      <a:endParaRPr lang="it-IT" dirty="0"/>
+                      <a:endParaRPr lang="it-IT" dirty="0">
+                        <a:solidFill>
+                          <a:schemeClr val="bg2">
+                            <a:lumMod val="90000"/>
+                          </a:schemeClr>
+                        </a:solidFill>
+                      </a:endParaRPr>
                     </a:p>
                   </a:txBody>
                   <a:tcPr/>
@@ -11838,7 +12023,13 @@
                     <a:lstStyle/>
                     <a:p>
                       <a:r>
-                        <a:rPr lang="it-IT" dirty="0"/>
+                        <a:rPr lang="it-IT" dirty="0">
+                          <a:solidFill>
+                            <a:schemeClr val="bg2">
+                              <a:lumMod val="90000"/>
+                            </a:schemeClr>
+                          </a:solidFill>
+                        </a:rPr>
                         <a:t>Nella maggior parte delle situazioni legge dal primario, ma non è raggiungibile legge al secondo.</a:t>
                       </a:r>
                     </a:p>
@@ -11858,10 +12049,22 @@
                     <a:lstStyle/>
                     <a:p>
                       <a:r>
-                        <a:rPr lang="it-IT" dirty="0" err="1"/>
+                        <a:rPr lang="it-IT" dirty="0" err="1">
+                          <a:solidFill>
+                            <a:schemeClr val="bg2">
+                              <a:lumMod val="90000"/>
+                            </a:schemeClr>
+                          </a:solidFill>
+                        </a:rPr>
                         <a:t>Secondary</a:t>
                       </a:r>
-                      <a:endParaRPr lang="it-IT" dirty="0"/>
+                      <a:endParaRPr lang="it-IT" dirty="0">
+                        <a:solidFill>
+                          <a:schemeClr val="bg2">
+                            <a:lumMod val="90000"/>
+                          </a:schemeClr>
+                        </a:solidFill>
+                      </a:endParaRPr>
                     </a:p>
                   </a:txBody>
                   <a:tcPr/>
@@ -11872,7 +12075,13 @@
                     <a:lstStyle/>
                     <a:p>
                       <a:r>
-                        <a:rPr lang="it-IT" dirty="0"/>
+                        <a:rPr lang="it-IT" dirty="0">
+                          <a:solidFill>
+                            <a:schemeClr val="bg2">
+                              <a:lumMod val="90000"/>
+                            </a:schemeClr>
+                          </a:solidFill>
+                        </a:rPr>
                         <a:t>Tutte le operazioni di lettura vanno ai membri secondari del replica set.</a:t>
                       </a:r>
                     </a:p>
@@ -11892,10 +12101,22 @@
                     <a:lstStyle/>
                     <a:p>
                       <a:r>
-                        <a:rPr lang="it-IT" dirty="0" err="1"/>
+                        <a:rPr lang="it-IT" dirty="0" err="1">
+                          <a:solidFill>
+                            <a:schemeClr val="bg2">
+                              <a:lumMod val="90000"/>
+                            </a:schemeClr>
+                          </a:solidFill>
+                        </a:rPr>
                         <a:t>SecondaryPreferred</a:t>
                       </a:r>
-                      <a:endParaRPr lang="it-IT" dirty="0"/>
+                      <a:endParaRPr lang="it-IT" dirty="0">
+                        <a:solidFill>
+                          <a:schemeClr val="bg2">
+                            <a:lumMod val="90000"/>
+                          </a:schemeClr>
+                        </a:solidFill>
+                      </a:endParaRPr>
                     </a:p>
                   </a:txBody>
                   <a:tcPr/>
@@ -11906,7 +12127,13 @@
                     <a:lstStyle/>
                     <a:p>
                       <a:r>
-                        <a:rPr lang="it-IT" dirty="0"/>
+                        <a:rPr lang="it-IT" dirty="0">
+                          <a:solidFill>
+                            <a:schemeClr val="bg2">
+                              <a:lumMod val="90000"/>
+                            </a:schemeClr>
+                          </a:solidFill>
+                        </a:rPr>
                         <a:t>Nella maggior parte delle situazioni legge dai membri secondari, ma se non sono raggiungibili legge dal primario.</a:t>
                       </a:r>
                     </a:p>
@@ -11926,10 +12153,22 @@
                     <a:lstStyle/>
                     <a:p>
                       <a:r>
-                        <a:rPr lang="it-IT" dirty="0" err="1"/>
+                        <a:rPr lang="it-IT" dirty="0" err="1">
+                          <a:solidFill>
+                            <a:schemeClr val="bg2">
+                              <a:lumMod val="90000"/>
+                            </a:schemeClr>
+                          </a:solidFill>
+                        </a:rPr>
                         <a:t>Nearest</a:t>
                       </a:r>
-                      <a:endParaRPr lang="it-IT" dirty="0"/>
+                      <a:endParaRPr lang="it-IT" dirty="0">
+                        <a:solidFill>
+                          <a:schemeClr val="bg2">
+                            <a:lumMod val="90000"/>
+                          </a:schemeClr>
+                        </a:solidFill>
+                      </a:endParaRPr>
                     </a:p>
                   </a:txBody>
                   <a:tcPr/>
@@ -11940,15 +12179,33 @@
                     <a:lstStyle/>
                     <a:p>
                       <a:r>
-                        <a:rPr lang="it-IT" dirty="0"/>
+                        <a:rPr lang="it-IT" dirty="0">
+                          <a:solidFill>
+                            <a:schemeClr val="bg2">
+                              <a:lumMod val="90000"/>
+                            </a:schemeClr>
+                          </a:solidFill>
+                        </a:rPr>
                         <a:t>L’operazione di lettura viene assegnata ad un membro del replica set in base ad un specifico </a:t>
                       </a:r>
                       <a:r>
-                        <a:rPr lang="it-IT" dirty="0" err="1"/>
+                        <a:rPr lang="it-IT" dirty="0" err="1">
+                          <a:solidFill>
+                            <a:schemeClr val="bg2">
+                              <a:lumMod val="90000"/>
+                            </a:schemeClr>
+                          </a:solidFill>
+                        </a:rPr>
                         <a:t>threshold</a:t>
                       </a:r>
                       <a:r>
-                        <a:rPr lang="it-IT" dirty="0"/>
+                        <a:rPr lang="it-IT" dirty="0">
+                          <a:solidFill>
+                            <a:schemeClr val="bg2">
+                              <a:lumMod val="90000"/>
+                            </a:schemeClr>
+                          </a:solidFill>
+                        </a:rPr>
                         <a:t> di latenza.</a:t>
                       </a:r>
                     </a:p>
@@ -11968,10 +12225,22 @@
                     <a:lstStyle/>
                     <a:p>
                       <a:r>
-                        <a:rPr lang="it-IT" dirty="0" err="1"/>
+                        <a:rPr lang="it-IT" dirty="0" err="1">
+                          <a:solidFill>
+                            <a:schemeClr val="bg2">
+                              <a:lumMod val="90000"/>
+                            </a:schemeClr>
+                          </a:solidFill>
+                        </a:rPr>
                         <a:t>Primary</a:t>
                       </a:r>
-                      <a:endParaRPr lang="it-IT" dirty="0"/>
+                      <a:endParaRPr lang="it-IT" dirty="0">
+                        <a:solidFill>
+                          <a:schemeClr val="bg2">
+                            <a:lumMod val="90000"/>
+                          </a:schemeClr>
+                        </a:solidFill>
+                      </a:endParaRPr>
                     </a:p>
                   </a:txBody>
                   <a:tcPr/>
@@ -11982,7 +12251,13 @@
                     <a:lstStyle/>
                     <a:p>
                       <a:r>
-                        <a:rPr lang="it-IT" dirty="0"/>
+                        <a:rPr lang="it-IT" dirty="0">
+                          <a:solidFill>
+                            <a:schemeClr val="bg2">
+                              <a:lumMod val="90000"/>
+                            </a:schemeClr>
+                          </a:solidFill>
+                        </a:rPr>
                         <a:t>Default mode. Tutte le operazioni di lettura vanno al primario.</a:t>
                       </a:r>
                     </a:p>
@@ -14188,14 +14463,32 @@
           <a:lstStyle/>
           <a:p>
             <a:r>
-              <a:rPr lang="it-IT" dirty="0"/>
+              <a:rPr lang="it-IT" dirty="0">
+                <a:solidFill>
+                  <a:schemeClr val="bg2">
+                    <a:lumMod val="90000"/>
+                  </a:schemeClr>
+                </a:solidFill>
+              </a:rPr>
               <a:t>The </a:t>
             </a:r>
             <a:r>
-              <a:rPr lang="it-IT" dirty="0" err="1"/>
+              <a:rPr lang="it-IT" dirty="0" err="1">
+                <a:solidFill>
+                  <a:schemeClr val="bg2">
+                    <a:lumMod val="90000"/>
+                  </a:schemeClr>
+                </a:solidFill>
+              </a:rPr>
               <a:t>Balancer</a:t>
             </a:r>
-            <a:endParaRPr lang="it-IT" dirty="0"/>
+            <a:endParaRPr lang="it-IT" dirty="0">
+              <a:solidFill>
+                <a:schemeClr val="bg2">
+                  <a:lumMod val="90000"/>
+                </a:schemeClr>
+              </a:solidFill>
+            </a:endParaRPr>
           </a:p>
         </p:txBody>
       </p:sp>
@@ -14221,77 +14514,185 @@
           <a:lstStyle/>
           <a:p>
             <a:r>
-              <a:rPr lang="it-IT" dirty="0"/>
+              <a:rPr lang="it-IT" dirty="0">
+                <a:solidFill>
+                  <a:schemeClr val="bg2">
+                    <a:lumMod val="90000"/>
+                  </a:schemeClr>
+                </a:solidFill>
+              </a:rPr>
               <a:t>Si tratta di un processo in background che va a monitorare i </a:t>
             </a:r>
             <a:r>
-              <a:rPr lang="it-IT" dirty="0" err="1"/>
+              <a:rPr lang="it-IT" dirty="0" err="1">
+                <a:solidFill>
+                  <a:schemeClr val="bg2">
+                    <a:lumMod val="90000"/>
+                  </a:schemeClr>
+                </a:solidFill>
+              </a:rPr>
               <a:t>chunks</a:t>
             </a:r>
             <a:r>
-              <a:rPr lang="it-IT" dirty="0"/>
+              <a:rPr lang="it-IT" dirty="0">
+                <a:solidFill>
+                  <a:schemeClr val="bg2">
+                    <a:lumMod val="90000"/>
+                  </a:schemeClr>
+                </a:solidFill>
+              </a:rPr>
               <a:t> su ogni </a:t>
             </a:r>
             <a:r>
-              <a:rPr lang="it-IT" dirty="0" err="1"/>
+              <a:rPr lang="it-IT" dirty="0" err="1">
+                <a:solidFill>
+                  <a:schemeClr val="bg2">
+                    <a:lumMod val="90000"/>
+                  </a:schemeClr>
+                </a:solidFill>
+              </a:rPr>
               <a:t>shard</a:t>
             </a:r>
             <a:r>
-              <a:rPr lang="it-IT" dirty="0"/>
+              <a:rPr lang="it-IT" dirty="0">
+                <a:solidFill>
+                  <a:schemeClr val="bg2">
+                    <a:lumMod val="90000"/>
+                  </a:schemeClr>
+                </a:solidFill>
+              </a:rPr>
               <a:t>. Quando il numero di </a:t>
             </a:r>
             <a:r>
-              <a:rPr lang="it-IT" dirty="0" err="1"/>
+              <a:rPr lang="it-IT" dirty="0" err="1">
+                <a:solidFill>
+                  <a:schemeClr val="bg2">
+                    <a:lumMod val="90000"/>
+                  </a:schemeClr>
+                </a:solidFill>
+              </a:rPr>
               <a:t>chunks</a:t>
             </a:r>
             <a:r>
-              <a:rPr lang="it-IT" dirty="0"/>
+              <a:rPr lang="it-IT" dirty="0">
+                <a:solidFill>
+                  <a:schemeClr val="bg2">
+                    <a:lumMod val="90000"/>
+                  </a:schemeClr>
+                </a:solidFill>
+              </a:rPr>
               <a:t> di un determinato </a:t>
             </a:r>
             <a:r>
-              <a:rPr lang="it-IT" dirty="0" err="1"/>
+              <a:rPr lang="it-IT" dirty="0" err="1">
+                <a:solidFill>
+                  <a:schemeClr val="bg2">
+                    <a:lumMod val="90000"/>
+                  </a:schemeClr>
+                </a:solidFill>
+              </a:rPr>
               <a:t>shard</a:t>
             </a:r>
             <a:r>
-              <a:rPr lang="it-IT" dirty="0"/>
+              <a:rPr lang="it-IT" dirty="0">
+                <a:solidFill>
+                  <a:schemeClr val="bg2">
+                    <a:lumMod val="90000"/>
+                  </a:schemeClr>
+                </a:solidFill>
+              </a:rPr>
               <a:t> raggiunge un </a:t>
             </a:r>
             <a:r>
-              <a:rPr lang="it-IT" dirty="0" err="1"/>
+              <a:rPr lang="it-IT" dirty="0" err="1">
+                <a:solidFill>
+                  <a:schemeClr val="bg2">
+                    <a:lumMod val="90000"/>
+                  </a:schemeClr>
+                </a:solidFill>
+              </a:rPr>
               <a:t>threshold</a:t>
             </a:r>
             <a:r>
-              <a:rPr lang="it-IT" dirty="0"/>
+              <a:rPr lang="it-IT" dirty="0">
+                <a:solidFill>
+                  <a:schemeClr val="bg2">
+                    <a:lumMod val="90000"/>
+                  </a:schemeClr>
+                </a:solidFill>
+              </a:rPr>
               <a:t> specifico di migrazione, il </a:t>
             </a:r>
             <a:r>
-              <a:rPr lang="it-IT" dirty="0" err="1"/>
+              <a:rPr lang="it-IT" dirty="0" err="1">
+                <a:solidFill>
+                  <a:schemeClr val="bg2">
+                    <a:lumMod val="90000"/>
+                  </a:schemeClr>
+                </a:solidFill>
+              </a:rPr>
               <a:t>balancer</a:t>
             </a:r>
             <a:r>
-              <a:rPr lang="it-IT" dirty="0"/>
+              <a:rPr lang="it-IT" dirty="0">
+                <a:solidFill>
+                  <a:schemeClr val="bg2">
+                    <a:lumMod val="90000"/>
+                  </a:schemeClr>
+                </a:solidFill>
+              </a:rPr>
               <a:t> muove automaticamente il </a:t>
             </a:r>
             <a:r>
-              <a:rPr lang="it-IT" dirty="0" err="1"/>
+              <a:rPr lang="it-IT" dirty="0" err="1">
+                <a:solidFill>
+                  <a:schemeClr val="bg2">
+                    <a:lumMod val="90000"/>
+                  </a:schemeClr>
+                </a:solidFill>
+              </a:rPr>
               <a:t>chunk</a:t>
             </a:r>
             <a:r>
-              <a:rPr lang="it-IT" dirty="0"/>
+              <a:rPr lang="it-IT" dirty="0">
+                <a:solidFill>
+                  <a:schemeClr val="bg2">
+                    <a:lumMod val="90000"/>
+                  </a:schemeClr>
+                </a:solidFill>
+              </a:rPr>
               <a:t> tra gli </a:t>
             </a:r>
             <a:r>
-              <a:rPr lang="it-IT" dirty="0" err="1"/>
+              <a:rPr lang="it-IT" dirty="0" err="1">
+                <a:solidFill>
+                  <a:schemeClr val="bg2">
+                    <a:lumMod val="90000"/>
+                  </a:schemeClr>
+                </a:solidFill>
+              </a:rPr>
               <a:t>shard</a:t>
             </a:r>
             <a:r>
-              <a:rPr lang="it-IT" dirty="0"/>
+              <a:rPr lang="it-IT" dirty="0">
+                <a:solidFill>
+                  <a:schemeClr val="bg2">
+                    <a:lumMod val="90000"/>
+                  </a:schemeClr>
+                </a:solidFill>
+              </a:rPr>
               <a:t> in modo tale da avere un cluster bilanciato.</a:t>
             </a:r>
           </a:p>
           <a:p>
             <a:r>
-              <a:rPr lang="it-IT" dirty="0"/>
+              <a:rPr lang="it-IT" dirty="0">
+                <a:solidFill>
+                  <a:schemeClr val="bg2">
+                    <a:lumMod val="90000"/>
+                  </a:schemeClr>
+                </a:solidFill>
+              </a:rPr>
               <a:t>È una procedura che può portare un impatto sulle prestazioni del sistema.</a:t>
             </a:r>
           </a:p>
@@ -14501,14 +14902,6 @@
 <file path=ppt/slides/slide29.xml><?xml version="1.0" encoding="utf-8"?>
 <p:sld xmlns:a="http://schemas.openxmlformats.org/drawingml/2006/main" xmlns:r="http://schemas.openxmlformats.org/officeDocument/2006/relationships" xmlns:p="http://schemas.openxmlformats.org/presentationml/2006/main">
   <p:cSld>
-    <p:bg>
-      <p:bgPr>
-        <a:solidFill>
-          <a:schemeClr val="bg2"/>
-        </a:solidFill>
-        <a:effectLst/>
-      </p:bgPr>
-    </p:bg>
     <p:spTree>
       <p:nvGrpSpPr>
         <p:cNvPr id="1" name=""/>
@@ -14523,67 +14916,28 @@
           <a:chExt cx="0" cy="0"/>
         </a:xfrm>
       </p:grpSpPr>
-      <p:sp>
-        <p:nvSpPr>
-          <p:cNvPr id="2" name="Titolo 1">
+      <p:pic>
+        <p:nvPicPr>
+          <p:cNvPr id="5" name="Elemento grafico 4">
             <a:extLst>
               <a:ext uri="{FF2B5EF4-FFF2-40B4-BE49-F238E27FC236}">
-                <a16:creationId xmlns:a16="http://schemas.microsoft.com/office/drawing/2014/main" id="{3084E964-A9F7-46B4-88E3-8D347C812532}"/>
-              </a:ext>
-            </a:extLst>
-          </p:cNvPr>
-          <p:cNvSpPr>
-            <a:spLocks noGrp="1"/>
-          </p:cNvSpPr>
-          <p:nvPr>
-            <p:ph type="title"/>
-          </p:nvPr>
-        </p:nvSpPr>
-        <p:spPr>
-          <a:xfrm>
-            <a:off x="3294111" y="3924836"/>
-            <a:ext cx="4502352" cy="887796"/>
-          </a:xfrm>
-        </p:spPr>
-        <p:txBody>
-          <a:bodyPr>
-            <a:normAutofit/>
-          </a:bodyPr>
-          <a:lstStyle/>
-          <a:p>
-            <a:r>
-              <a:rPr lang="it-IT" dirty="0"/>
-              <a:t>Progetto </a:t>
-            </a:r>
-            <a:r>
-              <a:rPr lang="it-IT" dirty="0" err="1"/>
-              <a:t>VeronaCard</a:t>
-            </a:r>
-            <a:endParaRPr lang="it-IT" dirty="0"/>
-          </a:p>
-        </p:txBody>
-      </p:sp>
-      <p:pic>
-        <p:nvPicPr>
-          <p:cNvPr id="7" name="Segnaposto contenuto 6">
-            <a:extLst>
-              <a:ext uri="{FF2B5EF4-FFF2-40B4-BE49-F238E27FC236}">
-                <a16:creationId xmlns:a16="http://schemas.microsoft.com/office/drawing/2014/main" id="{4CC45411-A66A-4C11-BC32-FDCD96AB7822}"/>
+                <a16:creationId xmlns:a16="http://schemas.microsoft.com/office/drawing/2014/main" id="{81148A95-2ACF-47D2-AF6E-DAF8A8028330}"/>
               </a:ext>
             </a:extLst>
           </p:cNvPr>
           <p:cNvPicPr>
-            <a:picLocks noGrp="1" noChangeAspect="1"/>
+            <a:picLocks noChangeAspect="1"/>
           </p:cNvPicPr>
-          <p:nvPr>
-            <p:ph idx="1"/>
-          </p:nvPr>
+          <p:nvPr/>
         </p:nvPicPr>
         <p:blipFill>
-          <a:blip r:embed="rId3">
+          <a:blip r:embed="rId2">
             <a:extLst>
               <a:ext uri="{28A0092B-C50C-407E-A947-70E740481C1C}">
                 <a14:useLocalDpi xmlns:a14="http://schemas.microsoft.com/office/drawing/2010/main" val="0"/>
+              </a:ext>
+              <a:ext uri="{96DAC541-7B7A-43D3-8B79-37D633B846F1}">
+                <asvg:svgBlip xmlns:asvg="http://schemas.microsoft.com/office/drawing/2016/SVG/main" r:embed="rId3"/>
               </a:ext>
             </a:extLst>
           </a:blip>
@@ -14593,76 +14947,23 @@
         </p:blipFill>
         <p:spPr>
           <a:xfrm>
-            <a:off x="3582869" y="0"/>
-            <a:ext cx="3924836" cy="3924836"/>
+            <a:off x="375510" y="1218546"/>
+            <a:ext cx="9085905" cy="3244966"/>
           </a:xfrm>
+          <a:prstGeom prst="rect">
+            <a:avLst/>
+          </a:prstGeom>
         </p:spPr>
       </p:pic>
-      <p:sp>
-        <p:nvSpPr>
-          <p:cNvPr id="12" name="Isosceles Triangle 11">
-            <a:extLst>
-              <a:ext uri="{FF2B5EF4-FFF2-40B4-BE49-F238E27FC236}">
-                <a16:creationId xmlns:a16="http://schemas.microsoft.com/office/drawing/2014/main" id="{3BCB5F6A-9EB0-40B0-9D13-3023E9A20508}"/>
-              </a:ext>
-              <a:ext uri="{C183D7F6-B498-43B3-948B-1728B52AA6E4}">
-                <adec:decorative xmlns:adec="http://schemas.microsoft.com/office/drawing/2017/decorative" val="1"/>
-              </a:ext>
-            </a:extLst>
-          </p:cNvPr>
-          <p:cNvSpPr>
-            <a:spLocks noGrp="1" noRot="1" noChangeAspect="1" noMove="1" noResize="1" noEditPoints="1" noAdjustHandles="1" noChangeArrowheads="1" noChangeShapeType="1" noTextEdit="1"/>
-          </p:cNvSpPr>
-          <p:nvPr>
-            <p:extLst>
-              <p:ext uri="{386F3935-93C4-4BCD-93E2-E3B085C9AB24}">
-                <p16:designElem xmlns:p16="http://schemas.microsoft.com/office/powerpoint/2015/main" val="1"/>
-              </p:ext>
-            </p:extLst>
-          </p:nvPr>
-        </p:nvSpPr>
-        <p:spPr>
-          <a:xfrm rot="10800000">
-            <a:off x="0" y="0"/>
-            <a:ext cx="842596" cy="5666154"/>
-          </a:xfrm>
-          <a:prstGeom prst="triangle">
-            <a:avLst>
-              <a:gd name="adj" fmla="val 100000"/>
-            </a:avLst>
-          </a:prstGeom>
-          <a:solidFill>
-            <a:schemeClr val="accent1"/>
-          </a:solidFill>
-          <a:ln>
-            <a:noFill/>
-          </a:ln>
-          <a:effectLst/>
-        </p:spPr>
-        <p:style>
-          <a:lnRef idx="1">
-            <a:schemeClr val="accent1"/>
-          </a:lnRef>
-          <a:fillRef idx="3">
-            <a:schemeClr val="accent1"/>
-          </a:fillRef>
-          <a:effectRef idx="2">
-            <a:schemeClr val="accent1"/>
-          </a:effectRef>
-          <a:fontRef idx="minor">
-            <a:schemeClr val="lt1"/>
-          </a:fontRef>
-        </p:style>
-      </p:sp>
     </p:spTree>
     <p:extLst>
       <p:ext uri="{BB962C8B-B14F-4D97-AF65-F5344CB8AC3E}">
-        <p14:creationId xmlns:p14="http://schemas.microsoft.com/office/powerpoint/2010/main" val="3762303350"/>
+        <p14:creationId xmlns:p14="http://schemas.microsoft.com/office/powerpoint/2010/main" val="2251804546"/>
       </p:ext>
     </p:extLst>
   </p:cSld>
   <p:clrMapOvr>
-    <a:overrideClrMapping bg1="dk1" tx1="lt1" bg2="dk2" tx2="lt2" accent1="accent1" accent2="accent2" accent3="accent3" accent4="accent4" accent5="accent5" accent6="accent6" hlink="hlink" folHlink="folHlink"/>
+    <a:masterClrMapping/>
   </p:clrMapOvr>
 </p:sld>
 </file>
@@ -14892,6 +15193,244 @@
           <a:chExt cx="0" cy="0"/>
         </a:xfrm>
       </p:grpSpPr>
+      <p:pic>
+        <p:nvPicPr>
+          <p:cNvPr id="5" name="Elemento grafico 4">
+            <a:extLst>
+              <a:ext uri="{FF2B5EF4-FFF2-40B4-BE49-F238E27FC236}">
+                <a16:creationId xmlns:a16="http://schemas.microsoft.com/office/drawing/2014/main" id="{292BC67D-8B4A-4DC9-97FA-7876A26A2B75}"/>
+              </a:ext>
+            </a:extLst>
+          </p:cNvPr>
+          <p:cNvPicPr>
+            <a:picLocks noChangeAspect="1"/>
+          </p:cNvPicPr>
+          <p:nvPr/>
+        </p:nvPicPr>
+        <p:blipFill>
+          <a:blip r:embed="rId3">
+            <a:extLst>
+              <a:ext uri="{28A0092B-C50C-407E-A947-70E740481C1C}">
+                <a14:useLocalDpi xmlns:a14="http://schemas.microsoft.com/office/drawing/2010/main" val="0"/>
+              </a:ext>
+              <a:ext uri="{96DAC541-7B7A-43D3-8B79-37D633B846F1}">
+                <asvg:svgBlip xmlns:asvg="http://schemas.microsoft.com/office/drawing/2016/SVG/main" r:embed="rId4"/>
+              </a:ext>
+            </a:extLst>
+          </a:blip>
+          <a:stretch>
+            <a:fillRect/>
+          </a:stretch>
+        </p:blipFill>
+        <p:spPr>
+          <a:xfrm>
+            <a:off x="3033146" y="406094"/>
+            <a:ext cx="4731505" cy="6045812"/>
+          </a:xfrm>
+          <a:prstGeom prst="rect">
+            <a:avLst/>
+          </a:prstGeom>
+        </p:spPr>
+      </p:pic>
+    </p:spTree>
+    <p:extLst>
+      <p:ext uri="{BB962C8B-B14F-4D97-AF65-F5344CB8AC3E}">
+        <p14:creationId xmlns:p14="http://schemas.microsoft.com/office/powerpoint/2010/main" val="4025054436"/>
+      </p:ext>
+    </p:extLst>
+  </p:cSld>
+  <p:clrMapOvr>
+    <a:masterClrMapping/>
+  </p:clrMapOvr>
+</p:sld>
+</file>
+
+<file path=ppt/slides/slide31.xml><?xml version="1.0" encoding="utf-8"?>
+<p:sld xmlns:a="http://schemas.openxmlformats.org/drawingml/2006/main" xmlns:r="http://schemas.openxmlformats.org/officeDocument/2006/relationships" xmlns:p="http://schemas.openxmlformats.org/presentationml/2006/main">
+  <p:cSld>
+    <p:bg>
+      <p:bgPr>
+        <a:solidFill>
+          <a:schemeClr val="bg2"/>
+        </a:solidFill>
+        <a:effectLst/>
+      </p:bgPr>
+    </p:bg>
+    <p:spTree>
+      <p:nvGrpSpPr>
+        <p:cNvPr id="1" name=""/>
+        <p:cNvGrpSpPr/>
+        <p:nvPr/>
+      </p:nvGrpSpPr>
+      <p:grpSpPr>
+        <a:xfrm>
+          <a:off x="0" y="0"/>
+          <a:ext cx="0" cy="0"/>
+          <a:chOff x="0" y="0"/>
+          <a:chExt cx="0" cy="0"/>
+        </a:xfrm>
+      </p:grpSpPr>
+      <p:sp>
+        <p:nvSpPr>
+          <p:cNvPr id="2" name="Titolo 1">
+            <a:extLst>
+              <a:ext uri="{FF2B5EF4-FFF2-40B4-BE49-F238E27FC236}">
+                <a16:creationId xmlns:a16="http://schemas.microsoft.com/office/drawing/2014/main" id="{3084E964-A9F7-46B4-88E3-8D347C812532}"/>
+              </a:ext>
+            </a:extLst>
+          </p:cNvPr>
+          <p:cNvSpPr>
+            <a:spLocks noGrp="1"/>
+          </p:cNvSpPr>
+          <p:nvPr>
+            <p:ph type="title"/>
+          </p:nvPr>
+        </p:nvSpPr>
+        <p:spPr>
+          <a:xfrm>
+            <a:off x="3294111" y="3924836"/>
+            <a:ext cx="4502352" cy="887796"/>
+          </a:xfrm>
+        </p:spPr>
+        <p:txBody>
+          <a:bodyPr>
+            <a:normAutofit/>
+          </a:bodyPr>
+          <a:lstStyle/>
+          <a:p>
+            <a:r>
+              <a:rPr lang="it-IT" dirty="0"/>
+              <a:t>Progetto </a:t>
+            </a:r>
+            <a:r>
+              <a:rPr lang="it-IT" dirty="0" err="1"/>
+              <a:t>VeronaCard</a:t>
+            </a:r>
+            <a:endParaRPr lang="it-IT" dirty="0"/>
+          </a:p>
+        </p:txBody>
+      </p:sp>
+      <p:pic>
+        <p:nvPicPr>
+          <p:cNvPr id="7" name="Segnaposto contenuto 6">
+            <a:extLst>
+              <a:ext uri="{FF2B5EF4-FFF2-40B4-BE49-F238E27FC236}">
+                <a16:creationId xmlns:a16="http://schemas.microsoft.com/office/drawing/2014/main" id="{4CC45411-A66A-4C11-BC32-FDCD96AB7822}"/>
+              </a:ext>
+            </a:extLst>
+          </p:cNvPr>
+          <p:cNvPicPr>
+            <a:picLocks noGrp="1" noChangeAspect="1"/>
+          </p:cNvPicPr>
+          <p:nvPr>
+            <p:ph idx="1"/>
+          </p:nvPr>
+        </p:nvPicPr>
+        <p:blipFill>
+          <a:blip r:embed="rId3">
+            <a:extLst>
+              <a:ext uri="{28A0092B-C50C-407E-A947-70E740481C1C}">
+                <a14:useLocalDpi xmlns:a14="http://schemas.microsoft.com/office/drawing/2010/main" val="0"/>
+              </a:ext>
+            </a:extLst>
+          </a:blip>
+          <a:stretch>
+            <a:fillRect/>
+          </a:stretch>
+        </p:blipFill>
+        <p:spPr>
+          <a:xfrm>
+            <a:off x="3582869" y="0"/>
+            <a:ext cx="3924836" cy="3924836"/>
+          </a:xfrm>
+        </p:spPr>
+      </p:pic>
+      <p:sp>
+        <p:nvSpPr>
+          <p:cNvPr id="12" name="Isosceles Triangle 11">
+            <a:extLst>
+              <a:ext uri="{FF2B5EF4-FFF2-40B4-BE49-F238E27FC236}">
+                <a16:creationId xmlns:a16="http://schemas.microsoft.com/office/drawing/2014/main" id="{3BCB5F6A-9EB0-40B0-9D13-3023E9A20508}"/>
+              </a:ext>
+              <a:ext uri="{C183D7F6-B498-43B3-948B-1728B52AA6E4}">
+                <adec:decorative xmlns:adec="http://schemas.microsoft.com/office/drawing/2017/decorative" val="1"/>
+              </a:ext>
+            </a:extLst>
+          </p:cNvPr>
+          <p:cNvSpPr>
+            <a:spLocks noGrp="1" noRot="1" noChangeAspect="1" noMove="1" noResize="1" noEditPoints="1" noAdjustHandles="1" noChangeArrowheads="1" noChangeShapeType="1" noTextEdit="1"/>
+          </p:cNvSpPr>
+          <p:nvPr>
+            <p:extLst>
+              <p:ext uri="{386F3935-93C4-4BCD-93E2-E3B085C9AB24}">
+                <p16:designElem xmlns:p16="http://schemas.microsoft.com/office/powerpoint/2015/main" val="1"/>
+              </p:ext>
+            </p:extLst>
+          </p:nvPr>
+        </p:nvSpPr>
+        <p:spPr>
+          <a:xfrm rot="10800000">
+            <a:off x="0" y="0"/>
+            <a:ext cx="842596" cy="5666154"/>
+          </a:xfrm>
+          <a:prstGeom prst="triangle">
+            <a:avLst>
+              <a:gd name="adj" fmla="val 100000"/>
+            </a:avLst>
+          </a:prstGeom>
+          <a:solidFill>
+            <a:schemeClr val="accent1"/>
+          </a:solidFill>
+          <a:ln>
+            <a:noFill/>
+          </a:ln>
+          <a:effectLst/>
+        </p:spPr>
+        <p:style>
+          <a:lnRef idx="1">
+            <a:schemeClr val="accent1"/>
+          </a:lnRef>
+          <a:fillRef idx="3">
+            <a:schemeClr val="accent1"/>
+          </a:fillRef>
+          <a:effectRef idx="2">
+            <a:schemeClr val="accent1"/>
+          </a:effectRef>
+          <a:fontRef idx="minor">
+            <a:schemeClr val="lt1"/>
+          </a:fontRef>
+        </p:style>
+      </p:sp>
+    </p:spTree>
+    <p:extLst>
+      <p:ext uri="{BB962C8B-B14F-4D97-AF65-F5344CB8AC3E}">
+        <p14:creationId xmlns:p14="http://schemas.microsoft.com/office/powerpoint/2010/main" val="3762303350"/>
+      </p:ext>
+    </p:extLst>
+  </p:cSld>
+  <p:clrMapOvr>
+    <a:overrideClrMapping bg1="dk1" tx1="lt1" bg2="dk2" tx2="lt2" accent1="accent1" accent2="accent2" accent3="accent3" accent4="accent4" accent5="accent5" accent6="accent6" hlink="hlink" folHlink="folHlink"/>
+  </p:clrMapOvr>
+</p:sld>
+</file>
+
+<file path=ppt/slides/slide32.xml><?xml version="1.0" encoding="utf-8"?>
+<p:sld xmlns:a="http://schemas.openxmlformats.org/drawingml/2006/main" xmlns:r="http://schemas.openxmlformats.org/officeDocument/2006/relationships" xmlns:p="http://schemas.openxmlformats.org/presentationml/2006/main">
+  <p:cSld>
+    <p:spTree>
+      <p:nvGrpSpPr>
+        <p:cNvPr id="1" name=""/>
+        <p:cNvGrpSpPr/>
+        <p:nvPr/>
+      </p:nvGrpSpPr>
+      <p:grpSpPr>
+        <a:xfrm>
+          <a:off x="0" y="0"/>
+          <a:ext cx="0" cy="0"/>
+          <a:chOff x="0" y="0"/>
+          <a:chExt cx="0" cy="0"/>
+        </a:xfrm>
+      </p:grpSpPr>
       <p:sp>
         <p:nvSpPr>
           <p:cNvPr id="2" name="Titolo 1">
@@ -15061,7 +15600,7 @@
 </p:sld>
 </file>
 
-<file path=ppt/slides/slide31.xml><?xml version="1.0" encoding="utf-8"?>
+<file path=ppt/slides/slide33.xml><?xml version="1.0" encoding="utf-8"?>
 <p:sld xmlns:a="http://schemas.openxmlformats.org/drawingml/2006/main" xmlns:r="http://schemas.openxmlformats.org/officeDocument/2006/relationships" xmlns:p="http://schemas.openxmlformats.org/presentationml/2006/main">
   <p:cSld>
     <p:spTree>
@@ -15201,7 +15740,7 @@
 </p:sld>
 </file>
 
-<file path=ppt/slides/slide32.xml><?xml version="1.0" encoding="utf-8"?>
+<file path=ppt/slides/slide34.xml><?xml version="1.0" encoding="utf-8"?>
 <p:sld xmlns:a="http://schemas.openxmlformats.org/drawingml/2006/main" xmlns:r="http://schemas.openxmlformats.org/officeDocument/2006/relationships" xmlns:p="http://schemas.openxmlformats.org/presentationml/2006/main">
   <p:cSld>
     <p:spTree>
@@ -15267,7 +15806,7 @@
 </p:sld>
 </file>
 
-<file path=ppt/slides/slide33.xml><?xml version="1.0" encoding="utf-8"?>
+<file path=ppt/slides/slide35.xml><?xml version="1.0" encoding="utf-8"?>
 <p:sld xmlns:a="http://schemas.openxmlformats.org/drawingml/2006/main" xmlns:r="http://schemas.openxmlformats.org/officeDocument/2006/relationships" xmlns:p="http://schemas.openxmlformats.org/presentationml/2006/main">
   <p:cSld>
     <p:spTree>
@@ -15366,7 +15905,7 @@
 </p:sld>
 </file>
 
-<file path=ppt/slides/slide34.xml><?xml version="1.0" encoding="utf-8"?>
+<file path=ppt/slides/slide36.xml><?xml version="1.0" encoding="utf-8"?>
 <p:sld xmlns:a="http://schemas.openxmlformats.org/drawingml/2006/main" xmlns:r="http://schemas.openxmlformats.org/officeDocument/2006/relationships" xmlns:p="http://schemas.openxmlformats.org/presentationml/2006/main">
   <p:cSld>
     <p:spTree>
@@ -16025,7 +16564,7 @@
 </p:sld>
 </file>
 
-<file path=ppt/slides/slide35.xml><?xml version="1.0" encoding="utf-8"?>
+<file path=ppt/slides/slide37.xml><?xml version="1.0" encoding="utf-8"?>
 <p:sld xmlns:a="http://schemas.openxmlformats.org/drawingml/2006/main" xmlns:r="http://schemas.openxmlformats.org/officeDocument/2006/relationships" xmlns:p="http://schemas.openxmlformats.org/presentationml/2006/main">
   <p:cSld>
     <p:spTree>
@@ -16403,7 +16942,7 @@
 </p:sld>
 </file>
 
-<file path=ppt/slides/slide36.xml><?xml version="1.0" encoding="utf-8"?>
+<file path=ppt/slides/slide38.xml><?xml version="1.0" encoding="utf-8"?>
 <p:sld xmlns:a="http://schemas.openxmlformats.org/drawingml/2006/main" xmlns:r="http://schemas.openxmlformats.org/officeDocument/2006/relationships" xmlns:p="http://schemas.openxmlformats.org/presentationml/2006/main">
   <p:cSld>
     <p:spTree>
@@ -16554,7 +17093,7 @@
 </p:sld>
 </file>
 
-<file path=ppt/slides/slide37.xml><?xml version="1.0" encoding="utf-8"?>
+<file path=ppt/slides/slide39.xml><?xml version="1.0" encoding="utf-8"?>
 <p:sld xmlns:a="http://schemas.openxmlformats.org/drawingml/2006/main" xmlns:r="http://schemas.openxmlformats.org/officeDocument/2006/relationships" xmlns:p="http://schemas.openxmlformats.org/presentationml/2006/main">
   <p:cSld>
     <p:spTree>
@@ -16650,234 +17189,6 @@
     <p:extLst>
       <p:ext uri="{BB962C8B-B14F-4D97-AF65-F5344CB8AC3E}">
         <p14:creationId xmlns:p14="http://schemas.microsoft.com/office/powerpoint/2010/main" val="711331000"/>
-      </p:ext>
-    </p:extLst>
-  </p:cSld>
-  <p:clrMapOvr>
-    <a:masterClrMapping/>
-  </p:clrMapOvr>
-</p:sld>
-</file>
-
-<file path=ppt/slides/slide38.xml><?xml version="1.0" encoding="utf-8"?>
-<p:sld xmlns:a="http://schemas.openxmlformats.org/drawingml/2006/main" xmlns:r="http://schemas.openxmlformats.org/officeDocument/2006/relationships" xmlns:p="http://schemas.openxmlformats.org/presentationml/2006/main">
-  <p:cSld>
-    <p:spTree>
-      <p:nvGrpSpPr>
-        <p:cNvPr id="1" name=""/>
-        <p:cNvGrpSpPr/>
-        <p:nvPr/>
-      </p:nvGrpSpPr>
-      <p:grpSpPr>
-        <a:xfrm>
-          <a:off x="0" y="0"/>
-          <a:ext cx="0" cy="0"/>
-          <a:chOff x="0" y="0"/>
-          <a:chExt cx="0" cy="0"/>
-        </a:xfrm>
-      </p:grpSpPr>
-      <p:sp>
-        <p:nvSpPr>
-          <p:cNvPr id="2" name="Titolo 1">
-            <a:extLst>
-              <a:ext uri="{FF2B5EF4-FFF2-40B4-BE49-F238E27FC236}">
-                <a16:creationId xmlns:a16="http://schemas.microsoft.com/office/drawing/2014/main" id="{C4628F00-C5FB-47C0-9CC5-081F18D5AF9D}"/>
-              </a:ext>
-            </a:extLst>
-          </p:cNvPr>
-          <p:cNvSpPr>
-            <a:spLocks noGrp="1"/>
-          </p:cNvSpPr>
-          <p:nvPr>
-            <p:ph type="title"/>
-          </p:nvPr>
-        </p:nvSpPr>
-        <p:spPr/>
-        <p:txBody>
-          <a:bodyPr/>
-          <a:lstStyle/>
-          <a:p>
-            <a:r>
-              <a:rPr lang="it-IT" dirty="0"/>
-              <a:t>Interrogazione 1:</a:t>
-            </a:r>
-            <a:r>
-              <a:rPr lang="it-IT" sz="3600" dirty="0">
-                <a:effectLst/>
-                <a:ea typeface="Calibri" panose="020F0502020204030204" pitchFamily="34" charset="0"/>
-                <a:cs typeface="Times New Roman" panose="02020603050405020304" pitchFamily="18" charset="0"/>
-              </a:rPr>
-              <a:t> </a:t>
-            </a:r>
-            <a:r>
-              <a:rPr lang="it-IT" sz="1800" dirty="0">
-                <a:effectLst/>
-                <a:ea typeface="Calibri" panose="020F0502020204030204" pitchFamily="34" charset="0"/>
-                <a:cs typeface="Times New Roman" panose="02020603050405020304" pitchFamily="18" charset="0"/>
-              </a:rPr>
-              <a:t>Data </a:t>
-            </a:r>
-            <a:r>
-              <a:rPr lang="it-IT" sz="1800" dirty="0" err="1">
-                <a:effectLst/>
-                <a:ea typeface="Calibri" panose="020F0502020204030204" pitchFamily="34" charset="0"/>
-                <a:cs typeface="Times New Roman" panose="02020603050405020304" pitchFamily="18" charset="0"/>
-              </a:rPr>
-              <a:t>id_VeronaCard</a:t>
-            </a:r>
-            <a:r>
-              <a:rPr lang="it-IT" sz="1800" dirty="0">
-                <a:effectLst/>
-                <a:ea typeface="Calibri" panose="020F0502020204030204" pitchFamily="34" charset="0"/>
-                <a:cs typeface="Times New Roman" panose="02020603050405020304" pitchFamily="18" charset="0"/>
-              </a:rPr>
-              <a:t> voglio sapere il suo storico di accessi</a:t>
-            </a:r>
-            <a:endParaRPr lang="it-IT" sz="1800" dirty="0"/>
-          </a:p>
-        </p:txBody>
-      </p:sp>
-      <p:pic>
-        <p:nvPicPr>
-          <p:cNvPr id="5" name="Immagine 4" descr="Immagine che contiene testo&#10;&#10;Descrizione generata automaticamente">
-            <a:extLst>
-              <a:ext uri="{FF2B5EF4-FFF2-40B4-BE49-F238E27FC236}">
-                <a16:creationId xmlns:a16="http://schemas.microsoft.com/office/drawing/2014/main" id="{E3C7B4FD-1718-46CE-B1B0-BC65126A5AB2}"/>
-              </a:ext>
-            </a:extLst>
-          </p:cNvPr>
-          <p:cNvPicPr>
-            <a:picLocks noChangeAspect="1"/>
-          </p:cNvPicPr>
-          <p:nvPr/>
-        </p:nvPicPr>
-        <p:blipFill>
-          <a:blip r:embed="rId2">
-            <a:extLst>
-              <a:ext uri="{28A0092B-C50C-407E-A947-70E740481C1C}">
-                <a14:useLocalDpi xmlns:a14="http://schemas.microsoft.com/office/drawing/2010/main" val="0"/>
-              </a:ext>
-            </a:extLst>
-          </a:blip>
-          <a:stretch>
-            <a:fillRect/>
-          </a:stretch>
-        </p:blipFill>
-        <p:spPr>
-          <a:xfrm>
-            <a:off x="677334" y="1574120"/>
-            <a:ext cx="6950042" cy="4770533"/>
-          </a:xfrm>
-          <a:prstGeom prst="rect">
-            <a:avLst/>
-          </a:prstGeom>
-        </p:spPr>
-      </p:pic>
-    </p:spTree>
-    <p:extLst>
-      <p:ext uri="{BB962C8B-B14F-4D97-AF65-F5344CB8AC3E}">
-        <p14:creationId xmlns:p14="http://schemas.microsoft.com/office/powerpoint/2010/main" val="3072152766"/>
-      </p:ext>
-    </p:extLst>
-  </p:cSld>
-  <p:clrMapOvr>
-    <a:masterClrMapping/>
-  </p:clrMapOvr>
-</p:sld>
-</file>
-
-<file path=ppt/slides/slide39.xml><?xml version="1.0" encoding="utf-8"?>
-<p:sld xmlns:a="http://schemas.openxmlformats.org/drawingml/2006/main" xmlns:r="http://schemas.openxmlformats.org/officeDocument/2006/relationships" xmlns:p="http://schemas.openxmlformats.org/presentationml/2006/main">
-  <p:cSld>
-    <p:spTree>
-      <p:nvGrpSpPr>
-        <p:cNvPr id="1" name=""/>
-        <p:cNvGrpSpPr/>
-        <p:nvPr/>
-      </p:nvGrpSpPr>
-      <p:grpSpPr>
-        <a:xfrm>
-          <a:off x="0" y="0"/>
-          <a:ext cx="0" cy="0"/>
-          <a:chOff x="0" y="0"/>
-          <a:chExt cx="0" cy="0"/>
-        </a:xfrm>
-      </p:grpSpPr>
-      <p:sp>
-        <p:nvSpPr>
-          <p:cNvPr id="2" name="Titolo 1">
-            <a:extLst>
-              <a:ext uri="{FF2B5EF4-FFF2-40B4-BE49-F238E27FC236}">
-                <a16:creationId xmlns:a16="http://schemas.microsoft.com/office/drawing/2014/main" id="{C5E58955-24E3-485E-8C75-75C47DA61B8A}"/>
-              </a:ext>
-            </a:extLst>
-          </p:cNvPr>
-          <p:cNvSpPr>
-            <a:spLocks noGrp="1"/>
-          </p:cNvSpPr>
-          <p:nvPr>
-            <p:ph type="title"/>
-          </p:nvPr>
-        </p:nvSpPr>
-        <p:spPr>
-          <a:xfrm>
-            <a:off x="159976" y="140368"/>
-            <a:ext cx="8596668" cy="557463"/>
-          </a:xfrm>
-        </p:spPr>
-        <p:txBody>
-          <a:bodyPr>
-            <a:normAutofit fontScale="90000"/>
-          </a:bodyPr>
-          <a:lstStyle/>
-          <a:p>
-            <a:r>
-              <a:rPr lang="it-IT" dirty="0"/>
-              <a:t>Figura 2</a:t>
-            </a:r>
-          </a:p>
-        </p:txBody>
-      </p:sp>
-      <p:pic>
-        <p:nvPicPr>
-          <p:cNvPr id="5" name="Immagine 4" descr="Immagine che contiene testo&#10;&#10;Descrizione generata automaticamente">
-            <a:extLst>
-              <a:ext uri="{FF2B5EF4-FFF2-40B4-BE49-F238E27FC236}">
-                <a16:creationId xmlns:a16="http://schemas.microsoft.com/office/drawing/2014/main" id="{44B0E206-49EC-4CF4-951F-A0A9D5A60A66}"/>
-              </a:ext>
-            </a:extLst>
-          </p:cNvPr>
-          <p:cNvPicPr>
-            <a:picLocks noChangeAspect="1"/>
-          </p:cNvPicPr>
-          <p:nvPr/>
-        </p:nvPicPr>
-        <p:blipFill>
-          <a:blip r:embed="rId2">
-            <a:extLst>
-              <a:ext uri="{28A0092B-C50C-407E-A947-70E740481C1C}">
-                <a14:useLocalDpi xmlns:a14="http://schemas.microsoft.com/office/drawing/2010/main" val="0"/>
-              </a:ext>
-            </a:extLst>
-          </a:blip>
-          <a:stretch>
-            <a:fillRect/>
-          </a:stretch>
-        </p:blipFill>
-        <p:spPr>
-          <a:xfrm>
-            <a:off x="159976" y="697831"/>
-            <a:ext cx="11712955" cy="5235394"/>
-          </a:xfrm>
-          <a:prstGeom prst="rect">
-            <a:avLst/>
-          </a:prstGeom>
-        </p:spPr>
-      </p:pic>
-    </p:spTree>
-    <p:extLst>
-      <p:ext uri="{BB962C8B-B14F-4D97-AF65-F5344CB8AC3E}">
-        <p14:creationId xmlns:p14="http://schemas.microsoft.com/office/powerpoint/2010/main" val="4166305975"/>
       </p:ext>
     </p:extLst>
   </p:cSld>
@@ -17304,6 +17615,234 @@
           <p:cNvPr id="2" name="Titolo 1">
             <a:extLst>
               <a:ext uri="{FF2B5EF4-FFF2-40B4-BE49-F238E27FC236}">
+                <a16:creationId xmlns:a16="http://schemas.microsoft.com/office/drawing/2014/main" id="{C4628F00-C5FB-47C0-9CC5-081F18D5AF9D}"/>
+              </a:ext>
+            </a:extLst>
+          </p:cNvPr>
+          <p:cNvSpPr>
+            <a:spLocks noGrp="1"/>
+          </p:cNvSpPr>
+          <p:nvPr>
+            <p:ph type="title"/>
+          </p:nvPr>
+        </p:nvSpPr>
+        <p:spPr/>
+        <p:txBody>
+          <a:bodyPr/>
+          <a:lstStyle/>
+          <a:p>
+            <a:r>
+              <a:rPr lang="it-IT" dirty="0"/>
+              <a:t>Interrogazione 1:</a:t>
+            </a:r>
+            <a:r>
+              <a:rPr lang="it-IT" sz="3600" dirty="0">
+                <a:effectLst/>
+                <a:ea typeface="Calibri" panose="020F0502020204030204" pitchFamily="34" charset="0"/>
+                <a:cs typeface="Times New Roman" panose="02020603050405020304" pitchFamily="18" charset="0"/>
+              </a:rPr>
+              <a:t> </a:t>
+            </a:r>
+            <a:r>
+              <a:rPr lang="it-IT" sz="1800" dirty="0">
+                <a:effectLst/>
+                <a:ea typeface="Calibri" panose="020F0502020204030204" pitchFamily="34" charset="0"/>
+                <a:cs typeface="Times New Roman" panose="02020603050405020304" pitchFamily="18" charset="0"/>
+              </a:rPr>
+              <a:t>Data </a:t>
+            </a:r>
+            <a:r>
+              <a:rPr lang="it-IT" sz="1800" dirty="0" err="1">
+                <a:effectLst/>
+                <a:ea typeface="Calibri" panose="020F0502020204030204" pitchFamily="34" charset="0"/>
+                <a:cs typeface="Times New Roman" panose="02020603050405020304" pitchFamily="18" charset="0"/>
+              </a:rPr>
+              <a:t>id_VeronaCard</a:t>
+            </a:r>
+            <a:r>
+              <a:rPr lang="it-IT" sz="1800" dirty="0">
+                <a:effectLst/>
+                <a:ea typeface="Calibri" panose="020F0502020204030204" pitchFamily="34" charset="0"/>
+                <a:cs typeface="Times New Roman" panose="02020603050405020304" pitchFamily="18" charset="0"/>
+              </a:rPr>
+              <a:t> voglio sapere il suo storico di accessi</a:t>
+            </a:r>
+            <a:endParaRPr lang="it-IT" sz="1800" dirty="0"/>
+          </a:p>
+        </p:txBody>
+      </p:sp>
+      <p:pic>
+        <p:nvPicPr>
+          <p:cNvPr id="5" name="Immagine 4" descr="Immagine che contiene testo&#10;&#10;Descrizione generata automaticamente">
+            <a:extLst>
+              <a:ext uri="{FF2B5EF4-FFF2-40B4-BE49-F238E27FC236}">
+                <a16:creationId xmlns:a16="http://schemas.microsoft.com/office/drawing/2014/main" id="{E3C7B4FD-1718-46CE-B1B0-BC65126A5AB2}"/>
+              </a:ext>
+            </a:extLst>
+          </p:cNvPr>
+          <p:cNvPicPr>
+            <a:picLocks noChangeAspect="1"/>
+          </p:cNvPicPr>
+          <p:nvPr/>
+        </p:nvPicPr>
+        <p:blipFill>
+          <a:blip r:embed="rId2">
+            <a:extLst>
+              <a:ext uri="{28A0092B-C50C-407E-A947-70E740481C1C}">
+                <a14:useLocalDpi xmlns:a14="http://schemas.microsoft.com/office/drawing/2010/main" val="0"/>
+              </a:ext>
+            </a:extLst>
+          </a:blip>
+          <a:stretch>
+            <a:fillRect/>
+          </a:stretch>
+        </p:blipFill>
+        <p:spPr>
+          <a:xfrm>
+            <a:off x="677334" y="1574120"/>
+            <a:ext cx="6950042" cy="4770533"/>
+          </a:xfrm>
+          <a:prstGeom prst="rect">
+            <a:avLst/>
+          </a:prstGeom>
+        </p:spPr>
+      </p:pic>
+    </p:spTree>
+    <p:extLst>
+      <p:ext uri="{BB962C8B-B14F-4D97-AF65-F5344CB8AC3E}">
+        <p14:creationId xmlns:p14="http://schemas.microsoft.com/office/powerpoint/2010/main" val="3072152766"/>
+      </p:ext>
+    </p:extLst>
+  </p:cSld>
+  <p:clrMapOvr>
+    <a:masterClrMapping/>
+  </p:clrMapOvr>
+</p:sld>
+</file>
+
+<file path=ppt/slides/slide41.xml><?xml version="1.0" encoding="utf-8"?>
+<p:sld xmlns:a="http://schemas.openxmlformats.org/drawingml/2006/main" xmlns:r="http://schemas.openxmlformats.org/officeDocument/2006/relationships" xmlns:p="http://schemas.openxmlformats.org/presentationml/2006/main">
+  <p:cSld>
+    <p:spTree>
+      <p:nvGrpSpPr>
+        <p:cNvPr id="1" name=""/>
+        <p:cNvGrpSpPr/>
+        <p:nvPr/>
+      </p:nvGrpSpPr>
+      <p:grpSpPr>
+        <a:xfrm>
+          <a:off x="0" y="0"/>
+          <a:ext cx="0" cy="0"/>
+          <a:chOff x="0" y="0"/>
+          <a:chExt cx="0" cy="0"/>
+        </a:xfrm>
+      </p:grpSpPr>
+      <p:sp>
+        <p:nvSpPr>
+          <p:cNvPr id="2" name="Titolo 1">
+            <a:extLst>
+              <a:ext uri="{FF2B5EF4-FFF2-40B4-BE49-F238E27FC236}">
+                <a16:creationId xmlns:a16="http://schemas.microsoft.com/office/drawing/2014/main" id="{C5E58955-24E3-485E-8C75-75C47DA61B8A}"/>
+              </a:ext>
+            </a:extLst>
+          </p:cNvPr>
+          <p:cNvSpPr>
+            <a:spLocks noGrp="1"/>
+          </p:cNvSpPr>
+          <p:nvPr>
+            <p:ph type="title"/>
+          </p:nvPr>
+        </p:nvSpPr>
+        <p:spPr>
+          <a:xfrm>
+            <a:off x="159976" y="140368"/>
+            <a:ext cx="8596668" cy="557463"/>
+          </a:xfrm>
+        </p:spPr>
+        <p:txBody>
+          <a:bodyPr>
+            <a:normAutofit fontScale="90000"/>
+          </a:bodyPr>
+          <a:lstStyle/>
+          <a:p>
+            <a:r>
+              <a:rPr lang="it-IT" dirty="0"/>
+              <a:t>Figura 2</a:t>
+            </a:r>
+          </a:p>
+        </p:txBody>
+      </p:sp>
+      <p:pic>
+        <p:nvPicPr>
+          <p:cNvPr id="5" name="Immagine 4" descr="Immagine che contiene testo&#10;&#10;Descrizione generata automaticamente">
+            <a:extLst>
+              <a:ext uri="{FF2B5EF4-FFF2-40B4-BE49-F238E27FC236}">
+                <a16:creationId xmlns:a16="http://schemas.microsoft.com/office/drawing/2014/main" id="{44B0E206-49EC-4CF4-951F-A0A9D5A60A66}"/>
+              </a:ext>
+            </a:extLst>
+          </p:cNvPr>
+          <p:cNvPicPr>
+            <a:picLocks noChangeAspect="1"/>
+          </p:cNvPicPr>
+          <p:nvPr/>
+        </p:nvPicPr>
+        <p:blipFill>
+          <a:blip r:embed="rId2">
+            <a:extLst>
+              <a:ext uri="{28A0092B-C50C-407E-A947-70E740481C1C}">
+                <a14:useLocalDpi xmlns:a14="http://schemas.microsoft.com/office/drawing/2010/main" val="0"/>
+              </a:ext>
+            </a:extLst>
+          </a:blip>
+          <a:stretch>
+            <a:fillRect/>
+          </a:stretch>
+        </p:blipFill>
+        <p:spPr>
+          <a:xfrm>
+            <a:off x="159976" y="697831"/>
+            <a:ext cx="11712955" cy="5235394"/>
+          </a:xfrm>
+          <a:prstGeom prst="rect">
+            <a:avLst/>
+          </a:prstGeom>
+        </p:spPr>
+      </p:pic>
+    </p:spTree>
+    <p:extLst>
+      <p:ext uri="{BB962C8B-B14F-4D97-AF65-F5344CB8AC3E}">
+        <p14:creationId xmlns:p14="http://schemas.microsoft.com/office/powerpoint/2010/main" val="4166305975"/>
+      </p:ext>
+    </p:extLst>
+  </p:cSld>
+  <p:clrMapOvr>
+    <a:masterClrMapping/>
+  </p:clrMapOvr>
+</p:sld>
+</file>
+
+<file path=ppt/slides/slide42.xml><?xml version="1.0" encoding="utf-8"?>
+<p:sld xmlns:a="http://schemas.openxmlformats.org/drawingml/2006/main" xmlns:r="http://schemas.openxmlformats.org/officeDocument/2006/relationships" xmlns:p="http://schemas.openxmlformats.org/presentationml/2006/main">
+  <p:cSld>
+    <p:spTree>
+      <p:nvGrpSpPr>
+        <p:cNvPr id="1" name=""/>
+        <p:cNvGrpSpPr/>
+        <p:nvPr/>
+      </p:nvGrpSpPr>
+      <p:grpSpPr>
+        <a:xfrm>
+          <a:off x="0" y="0"/>
+          <a:ext cx="0" cy="0"/>
+          <a:chOff x="0" y="0"/>
+          <a:chExt cx="0" cy="0"/>
+        </a:xfrm>
+      </p:grpSpPr>
+      <p:sp>
+        <p:nvSpPr>
+          <p:cNvPr id="2" name="Titolo 1">
+            <a:extLst>
+              <a:ext uri="{FF2B5EF4-FFF2-40B4-BE49-F238E27FC236}">
                 <a16:creationId xmlns:a16="http://schemas.microsoft.com/office/drawing/2014/main" id="{C1D2740E-A1C4-46EC-B19E-7142E0DD7A8D}"/>
               </a:ext>
             </a:extLst>
@@ -17651,7 +18190,7 @@
 </p:sld>
 </file>
 
-<file path=ppt/slides/slide41.xml><?xml version="1.0" encoding="utf-8"?>
+<file path=ppt/slides/slide43.xml><?xml version="1.0" encoding="utf-8"?>
 <p:sld xmlns:a="http://schemas.openxmlformats.org/drawingml/2006/main" xmlns:r="http://schemas.openxmlformats.org/officeDocument/2006/relationships" xmlns:p="http://schemas.openxmlformats.org/presentationml/2006/main">
   <p:cSld>
     <p:spTree>
@@ -17750,7 +18289,7 @@
 </p:sld>
 </file>
 
-<file path=ppt/slides/slide42.xml><?xml version="1.0" encoding="utf-8"?>
+<file path=ppt/slides/slide44.xml><?xml version="1.0" encoding="utf-8"?>
 <p:sld xmlns:a="http://schemas.openxmlformats.org/drawingml/2006/main" xmlns:r="http://schemas.openxmlformats.org/officeDocument/2006/relationships" xmlns:p="http://schemas.openxmlformats.org/presentationml/2006/main">
   <p:cSld>
     <p:spTree>
@@ -17877,7 +18416,7 @@
 </p:sld>
 </file>
 
-<file path=ppt/slides/slide43.xml><?xml version="1.0" encoding="utf-8"?>
+<file path=ppt/slides/slide45.xml><?xml version="1.0" encoding="utf-8"?>
 <p:sld xmlns:a="http://schemas.openxmlformats.org/drawingml/2006/main" xmlns:r="http://schemas.openxmlformats.org/officeDocument/2006/relationships" xmlns:p="http://schemas.openxmlformats.org/presentationml/2006/main">
   <p:cSld>
     <p:bg>

--- a/Presentazione_progetto.pptx
+++ b/Presentazione_progetto.pptx
@@ -2428,8 +2428,29 @@
             </a:r>
             <a:r>
               <a:rPr lang="it-IT" dirty="0"/>
-              <a:t>: Ridimensionare orizzontalmente equivale a ridimensionare aggiungendo più macchine a un pool o risorse, ma invece di aggiungere più potenza, CPU o RAM, si ridimensiona all'infrastruttura esistente. Il ridimensionamento orizzontale ti consente di ridimensionare i tuoi dati con più risorse di quelle che puoi aggiungere utilizzando il ridimensionamento verticale.</a:t>
-            </a:r>
+              <a:t>: Ridimensionare orizzontalmente equivale a ridimensionare aggiungendo più macchine a un pool o risorse, ma invece di aggiungere più potenza, CPU o RAM, si ridimensiona all'infrastruttura esistente. Il ridimensionamento orizzontale ti consente di ridimensionare i tuoi dati con più risorse di quelle che puoi aggiungere utilizzando il ridimensionamento verticale. Multi-</a:t>
+            </a:r>
+            <a:r>
+              <a:rPr lang="it-IT" dirty="0" err="1"/>
+              <a:t>version</a:t>
+            </a:r>
+            <a:r>
+              <a:rPr lang="it-IT" dirty="0"/>
+              <a:t> </a:t>
+            </a:r>
+            <a:r>
+              <a:rPr lang="it-IT" dirty="0" err="1"/>
+              <a:t>concurrency</a:t>
+            </a:r>
+            <a:r>
+              <a:rPr lang="it-IT" dirty="0"/>
+              <a:t> control </a:t>
+            </a:r>
+            <a:r>
+              <a:rPr lang="it-IT"/>
+              <a:t>mvcc</a:t>
+            </a:r>
+            <a:endParaRPr lang="it-IT" dirty="0"/>
           </a:p>
           <a:p>
             <a:r>
